--- a/Presentation/Calabonga.Catalog.pptx
+++ b/Presentation/Calabonga.Catalog.pptx
@@ -5,10 +5,10 @@
     <p:sldMasterId id="2147483762" r:id="rId1"/>
   </p:sldMasterIdLst>
   <p:notesMasterIdLst>
-    <p:notesMasterId r:id="rId10"/>
+    <p:notesMasterId r:id="rId11"/>
   </p:notesMasterIdLst>
   <p:handoutMasterIdLst>
-    <p:handoutMasterId r:id="rId11"/>
+    <p:handoutMasterId r:id="rId12"/>
   </p:handoutMasterIdLst>
   <p:sldIdLst>
     <p:sldId id="256" r:id="rId2"/>
@@ -19,6 +19,7 @@
     <p:sldId id="260" r:id="rId7"/>
     <p:sldId id="262" r:id="rId8"/>
     <p:sldId id="263" r:id="rId9"/>
+    <p:sldId id="264" r:id="rId10"/>
   </p:sldIdLst>
   <p:sldSz cx="12192000" cy="6858000"/>
   <p:notesSz cx="6858000" cy="9144000"/>
@@ -222,7 +223,7 @@
           <a:p>
             <a:fld id="{C7EBD34A-458D-4E15-9A13-07B008861E08}" type="datetime1">
               <a:rPr lang="ru-RU" smtClean="0"/>
-              <a:t>18.05.2019</a:t>
+              <a:t>22.05.2019</a:t>
             </a:fld>
             <a:endParaRPr lang="en-US"/>
           </a:p>
@@ -388,7 +389,7 @@
           <a:p>
             <a:fld id="{BD2C1305-B0C8-41A5-A415-431426818951}" type="datetime1">
               <a:rPr lang="ru-RU" smtClean="0"/>
-              <a:t>18.05.2019</a:t>
+              <a:t>22.05.2019</a:t>
             </a:fld>
             <a:endParaRPr lang="en-US"/>
           </a:p>
@@ -901,6 +902,67 @@
 </p:notes>
 </file>
 
+<file path=ppt/notesSlides/notesSlide5.xml><?xml version="1.0" encoding="utf-8"?>
+<p:notes xmlns:a="http://schemas.openxmlformats.org/drawingml/2006/main" xmlns:r="http://schemas.openxmlformats.org/officeDocument/2006/relationships" xmlns:p="http://schemas.openxmlformats.org/presentationml/2006/main">
+  <p:cSld>
+    <p:spTree>
+      <p:nvGrpSpPr>
+        <p:cNvPr id="1" name=""/>
+        <p:cNvGrpSpPr/>
+        <p:nvPr/>
+      </p:nvGrpSpPr>
+      <p:grpSpPr>
+        <a:xfrm>
+          <a:off x="0" y="0"/>
+          <a:ext cx="0" cy="0"/>
+          <a:chOff x="0" y="0"/>
+          <a:chExt cx="0" cy="0"/>
+        </a:xfrm>
+      </p:grpSpPr>
+      <p:sp>
+        <p:nvSpPr>
+          <p:cNvPr id="2" name="Образ слайда 1"/>
+          <p:cNvSpPr>
+            <a:spLocks noGrp="1" noRot="1" noChangeAspect="1"/>
+          </p:cNvSpPr>
+          <p:nvPr>
+            <p:ph type="sldImg"/>
+          </p:nvPr>
+        </p:nvSpPr>
+        <p:spPr/>
+      </p:sp>
+      <p:sp>
+        <p:nvSpPr>
+          <p:cNvPr id="3" name="Заметки 2"/>
+          <p:cNvSpPr>
+            <a:spLocks noGrp="1"/>
+          </p:cNvSpPr>
+          <p:nvPr>
+            <p:ph type="body" idx="1"/>
+          </p:nvPr>
+        </p:nvSpPr>
+        <p:spPr/>
+        <p:txBody>
+          <a:bodyPr/>
+          <a:lstStyle/>
+          <a:p>
+            <a:endParaRPr lang="en-US" dirty="0"/>
+          </a:p>
+        </p:txBody>
+      </p:sp>
+    </p:spTree>
+    <p:extLst>
+      <p:ext uri="{BB962C8B-B14F-4D97-AF65-F5344CB8AC3E}">
+        <p14:creationId xmlns:p14="http://schemas.microsoft.com/office/powerpoint/2010/main" val="2291718765"/>
+      </p:ext>
+    </p:extLst>
+  </p:cSld>
+  <p:clrMapOvr>
+    <a:masterClrMapping/>
+  </p:clrMapOvr>
+</p:notes>
+</file>
+
 <file path=ppt/slideLayouts/slideLayout1.xml><?xml version="1.0" encoding="utf-8"?>
 <p:sldLayout xmlns:a="http://schemas.openxmlformats.org/drawingml/2006/main" xmlns:r="http://schemas.openxmlformats.org/officeDocument/2006/relationships" xmlns:p="http://schemas.openxmlformats.org/presentationml/2006/main" type="title" preserve="1">
   <p:cSld name="Титульный слайд">
@@ -1183,7 +1245,7 @@
           <a:p>
             <a:fld id="{8A2250BE-F15D-44BA-9438-B9DF99335BCD}" type="datetime1">
               <a:rPr lang="ru-RU" smtClean="0"/>
-              <a:t>18.05.2019</a:t>
+              <a:t>22.05.2019</a:t>
             </a:fld>
             <a:endParaRPr lang="en-US" dirty="0"/>
           </a:p>
@@ -1516,7 +1578,7 @@
           <a:p>
             <a:fld id="{7DE2CE15-DD73-496B-88E9-3C783140B749}" type="datetime1">
               <a:rPr lang="ru-RU" smtClean="0"/>
-              <a:t>18.05.2019</a:t>
+              <a:t>22.05.2019</a:t>
             </a:fld>
             <a:endParaRPr lang="en-US"/>
           </a:p>
@@ -1917,7 +1979,7 @@
           <a:p>
             <a:fld id="{C5591223-2003-4F54-BFF5-C55495CDBD8E}" type="datetime1">
               <a:rPr lang="ru-RU" smtClean="0"/>
-              <a:t>18.05.2019</a:t>
+              <a:t>22.05.2019</a:t>
             </a:fld>
             <a:endParaRPr lang="en-US"/>
           </a:p>
@@ -2293,7 +2355,7 @@
           <a:p>
             <a:fld id="{43563794-FDD4-4540-A355-3AD563225139}" type="datetime1">
               <a:rPr lang="ru-RU" smtClean="0"/>
-              <a:t>18.05.2019</a:t>
+              <a:t>22.05.2019</a:t>
             </a:fld>
             <a:endParaRPr lang="en-US"/>
           </a:p>
@@ -2799,7 +2861,7 @@
           <a:p>
             <a:fld id="{9C6B1E0C-F71F-4246-9CF7-3D799719CFAA}" type="datetime1">
               <a:rPr lang="ru-RU" smtClean="0"/>
-              <a:t>18.05.2019</a:t>
+              <a:t>22.05.2019</a:t>
             </a:fld>
             <a:endParaRPr lang="en-US"/>
           </a:p>
@@ -3056,7 +3118,7 @@
           <a:p>
             <a:fld id="{C8CD1612-23C8-4220-8DEF-C122C80B4952}" type="datetime1">
               <a:rPr lang="ru-RU" smtClean="0"/>
-              <a:t>18.05.2019</a:t>
+              <a:t>22.05.2019</a:t>
             </a:fld>
             <a:endParaRPr lang="en-US"/>
           </a:p>
@@ -3224,7 +3286,7 @@
           <a:p>
             <a:fld id="{CD59FF44-4703-437F-9D7D-4A2470583044}" type="datetime1">
               <a:rPr lang="ru-RU" smtClean="0"/>
-              <a:t>18.05.2019</a:t>
+              <a:t>22.05.2019</a:t>
             </a:fld>
             <a:endParaRPr lang="en-US"/>
           </a:p>
@@ -3614,7 +3676,7 @@
           <a:p>
             <a:fld id="{328CCA78-EACE-4FD5-BA12-7FEDA73BAFAB}" type="datetime1">
               <a:rPr lang="ru-RU" smtClean="0"/>
-              <a:t>18.05.2019</a:t>
+              <a:t>22.05.2019</a:t>
             </a:fld>
             <a:endParaRPr lang="en-US"/>
           </a:p>
@@ -4023,7 +4085,7 @@
           <a:p>
             <a:fld id="{80D44EDB-1D2F-4DC9-A659-7C84B659E344}" type="datetime1">
               <a:rPr lang="ru-RU" smtClean="0"/>
-              <a:t>18.05.2019</a:t>
+              <a:t>22.05.2019</a:t>
             </a:fld>
             <a:endParaRPr lang="en-US"/>
           </a:p>
@@ -4269,7 +4331,7 @@
             <a:fld id="{ABA487C1-7FE9-4143-8923-87ED1DD08F19}" type="datetime1">
               <a:rPr lang="ru-RU" smtClean="0"/>
               <a:pPr/>
-              <a:t>18.05.2019</a:t>
+              <a:t>22.05.2019</a:t>
             </a:fld>
             <a:endParaRPr lang="en-US" dirty="0"/>
           </a:p>
@@ -5034,7 +5096,7 @@
           <a:p>
             <a:fld id="{10A25188-2956-4DA3-8229-5D523B568A6A}" type="datetime1">
               <a:rPr lang="ru-RU" smtClean="0"/>
-              <a:t>18.05.2019</a:t>
+              <a:t>22.05.2019</a:t>
             </a:fld>
             <a:endParaRPr lang="en-US"/>
           </a:p>
@@ -5458,7 +5520,7 @@
           <a:p>
             <a:fld id="{2B345FB0-09AD-4AC0-8DC4-6C68B700A600}" type="datetime1">
               <a:rPr lang="ru-RU" smtClean="0"/>
-              <a:t>18.05.2019</a:t>
+              <a:t>22.05.2019</a:t>
             </a:fld>
             <a:endParaRPr lang="en-US"/>
           </a:p>
@@ -5661,7 +5723,7 @@
           <a:p>
             <a:fld id="{AA4BE119-AABE-437D-8F94-331A05056B80}" type="datetime1">
               <a:rPr lang="ru-RU" smtClean="0"/>
-              <a:t>18.05.2019</a:t>
+              <a:t>22.05.2019</a:t>
             </a:fld>
             <a:endParaRPr lang="en-US"/>
           </a:p>
@@ -5841,7 +5903,7 @@
           <a:p>
             <a:fld id="{AA4BE119-AABE-437D-8F94-331A05056B80}" type="datetime1">
               <a:rPr lang="ru-RU" smtClean="0"/>
-              <a:t>18.05.2019</a:t>
+              <a:t>22.05.2019</a:t>
             </a:fld>
             <a:endParaRPr lang="en-US"/>
           </a:p>
@@ -6577,7 +6639,7 @@
           <a:p>
             <a:fld id="{2D4A23AA-1D21-4822-8346-CA7E14AECDD0}" type="datetime1">
               <a:rPr lang="ru-RU" smtClean="0"/>
-              <a:t>18.05.2019</a:t>
+              <a:t>22.05.2019</a:t>
             </a:fld>
             <a:endParaRPr lang="en-US"/>
           </a:p>
@@ -6837,7 +6899,7 @@
           <a:p>
             <a:fld id="{2D4A23AA-1D21-4822-8346-CA7E14AECDD0}" type="datetime1">
               <a:rPr lang="ru-RU" smtClean="0"/>
-              <a:t>18.05.2019</a:t>
+              <a:t>22.05.2019</a:t>
             </a:fld>
             <a:endParaRPr lang="en-US"/>
           </a:p>
@@ -8730,7 +8792,7 @@
           <a:p>
             <a:fld id="{2D4A23AA-1D21-4822-8346-CA7E14AECDD0}" type="datetime1">
               <a:rPr lang="ru-RU" smtClean="0"/>
-              <a:t>18.05.2019</a:t>
+              <a:t>22.05.2019</a:t>
             </a:fld>
             <a:endParaRPr lang="en-US"/>
           </a:p>
@@ -9056,6 +9118,196 @@
       <p:bldP spid="5" grpId="0" animBg="1"/>
     </p:bldLst>
   </p:timing>
+</p:sld>
+</file>
+
+<file path=ppt/slides/slide9.xml><?xml version="1.0" encoding="utf-8"?>
+<p:sld xmlns:a="http://schemas.openxmlformats.org/drawingml/2006/main" xmlns:r="http://schemas.openxmlformats.org/officeDocument/2006/relationships" xmlns:p="http://schemas.openxmlformats.org/presentationml/2006/main">
+  <p:cSld>
+    <p:spTree>
+      <p:nvGrpSpPr>
+        <p:cNvPr id="1" name=""/>
+        <p:cNvGrpSpPr/>
+        <p:nvPr/>
+      </p:nvGrpSpPr>
+      <p:grpSpPr>
+        <a:xfrm>
+          <a:off x="0" y="0"/>
+          <a:ext cx="0" cy="0"/>
+          <a:chOff x="0" y="0"/>
+          <a:chExt cx="0" cy="0"/>
+        </a:xfrm>
+      </p:grpSpPr>
+      <p:sp>
+        <p:nvSpPr>
+          <p:cNvPr id="2" name="Заголовок 1">
+            <a:extLst>
+              <a:ext uri="{FF2B5EF4-FFF2-40B4-BE49-F238E27FC236}">
+                <a16:creationId xmlns:a16="http://schemas.microsoft.com/office/drawing/2014/main" id="{5ED3076E-2E51-49BA-B663-2E6FD28DE68E}"/>
+              </a:ext>
+            </a:extLst>
+          </p:cNvPr>
+          <p:cNvSpPr>
+            <a:spLocks noGrp="1"/>
+          </p:cNvSpPr>
+          <p:nvPr>
+            <p:ph type="title"/>
+          </p:nvPr>
+        </p:nvSpPr>
+        <p:spPr/>
+        <p:txBody>
+          <a:bodyPr/>
+          <a:lstStyle/>
+          <a:p>
+            <a:r>
+              <a:rPr lang="ru-RU" dirty="0"/>
+              <a:t>Часть 2</a:t>
+            </a:r>
+            <a:endParaRPr lang="en-US" dirty="0"/>
+          </a:p>
+        </p:txBody>
+      </p:sp>
+      <p:sp>
+        <p:nvSpPr>
+          <p:cNvPr id="6" name="Дата 5">
+            <a:extLst>
+              <a:ext uri="{FF2B5EF4-FFF2-40B4-BE49-F238E27FC236}">
+                <a16:creationId xmlns:a16="http://schemas.microsoft.com/office/drawing/2014/main" id="{3D389C93-18E8-4B65-9A0C-57EA5FF1262A}"/>
+              </a:ext>
+            </a:extLst>
+          </p:cNvPr>
+          <p:cNvSpPr>
+            <a:spLocks noGrp="1"/>
+          </p:cNvSpPr>
+          <p:nvPr>
+            <p:ph type="dt" sz="half" idx="10"/>
+          </p:nvPr>
+        </p:nvSpPr>
+        <p:spPr/>
+        <p:txBody>
+          <a:bodyPr/>
+          <a:lstStyle/>
+          <a:p>
+            <a:fld id="{2D4A23AA-1D21-4822-8346-CA7E14AECDD0}" type="datetime1">
+              <a:rPr lang="ru-RU" smtClean="0"/>
+              <a:t>22.05.2019</a:t>
+            </a:fld>
+            <a:endParaRPr lang="en-US"/>
+          </a:p>
+        </p:txBody>
+      </p:sp>
+      <p:sp>
+        <p:nvSpPr>
+          <p:cNvPr id="7" name="Нижний колонтитул 6">
+            <a:extLst>
+              <a:ext uri="{FF2B5EF4-FFF2-40B4-BE49-F238E27FC236}">
+                <a16:creationId xmlns:a16="http://schemas.microsoft.com/office/drawing/2014/main" id="{FD3B82CA-042F-4A44-8CC3-391A074B55D4}"/>
+              </a:ext>
+            </a:extLst>
+          </p:cNvPr>
+          <p:cNvSpPr>
+            <a:spLocks noGrp="1"/>
+          </p:cNvSpPr>
+          <p:nvPr>
+            <p:ph type="ftr" sz="quarter" idx="11"/>
+          </p:nvPr>
+        </p:nvSpPr>
+        <p:spPr/>
+        <p:txBody>
+          <a:bodyPr/>
+          <a:lstStyle/>
+          <a:p>
+            <a:r>
+              <a:rPr lang="en-US"/>
+              <a:t>www.calabonga.net</a:t>
+            </a:r>
+          </a:p>
+        </p:txBody>
+      </p:sp>
+      <p:sp>
+        <p:nvSpPr>
+          <p:cNvPr id="8" name="Номер слайда 7">
+            <a:extLst>
+              <a:ext uri="{FF2B5EF4-FFF2-40B4-BE49-F238E27FC236}">
+                <a16:creationId xmlns:a16="http://schemas.microsoft.com/office/drawing/2014/main" id="{04E38101-A6CD-43DF-A008-79A5BF5D68AE}"/>
+              </a:ext>
+            </a:extLst>
+          </p:cNvPr>
+          <p:cNvSpPr>
+            <a:spLocks noGrp="1"/>
+          </p:cNvSpPr>
+          <p:nvPr>
+            <p:ph type="sldNum" sz="quarter" idx="12"/>
+          </p:nvPr>
+        </p:nvSpPr>
+        <p:spPr/>
+        <p:txBody>
+          <a:bodyPr/>
+          <a:lstStyle/>
+          <a:p>
+            <a:fld id="{356453D0-7C6D-4FAD-A87B-D4E72CD04107}" type="slidenum">
+              <a:rPr lang="en-US" smtClean="0"/>
+              <a:t>9</a:t>
+            </a:fld>
+            <a:endParaRPr lang="en-US"/>
+          </a:p>
+        </p:txBody>
+      </p:sp>
+      <p:sp>
+        <p:nvSpPr>
+          <p:cNvPr id="4" name="Объект 3">
+            <a:extLst>
+              <a:ext uri="{FF2B5EF4-FFF2-40B4-BE49-F238E27FC236}">
+                <a16:creationId xmlns:a16="http://schemas.microsoft.com/office/drawing/2014/main" id="{573F978B-1AE8-4179-A917-3504EE635F93}"/>
+              </a:ext>
+            </a:extLst>
+          </p:cNvPr>
+          <p:cNvSpPr>
+            <a:spLocks noGrp="1"/>
+          </p:cNvSpPr>
+          <p:nvPr>
+            <p:ph idx="1"/>
+          </p:nvPr>
+        </p:nvSpPr>
+        <p:spPr/>
+        <p:txBody>
+          <a:bodyPr>
+            <a:normAutofit/>
+          </a:bodyPr>
+          <a:lstStyle/>
+          <a:p>
+            <a:r>
+              <a:rPr lang="ru-RU" sz="4400" dirty="0"/>
+              <a:t>Проекты в решении</a:t>
+            </a:r>
+          </a:p>
+          <a:p>
+            <a:r>
+              <a:rPr lang="ru-RU" sz="4400" dirty="0"/>
+              <a:t>Папки и файлы</a:t>
+            </a:r>
+          </a:p>
+          <a:p>
+            <a:r>
+              <a:rPr lang="ru-RU" sz="4400" dirty="0"/>
+              <a:t>Договоренности</a:t>
+            </a:r>
+          </a:p>
+        </p:txBody>
+      </p:sp>
+    </p:spTree>
+    <p:extLst>
+      <p:ext uri="{BB962C8B-B14F-4D97-AF65-F5344CB8AC3E}">
+        <p14:creationId xmlns:p14="http://schemas.microsoft.com/office/powerpoint/2010/main" val="3854050648"/>
+      </p:ext>
+    </p:extLst>
+  </p:cSld>
+  <p:clrMapOvr>
+    <a:masterClrMapping/>
+  </p:clrMapOvr>
+  <p:transition spd="med">
+    <p:pull/>
+  </p:transition>
 </p:sld>
 </file>
 

--- a/Presentation/Calabonga.Catalog.pptx
+++ b/Presentation/Calabonga.Catalog.pptx
@@ -5,10 +5,10 @@
     <p:sldMasterId id="2147483762" r:id="rId1"/>
   </p:sldMasterIdLst>
   <p:notesMasterIdLst>
-    <p:notesMasterId r:id="rId11"/>
+    <p:notesMasterId r:id="rId14"/>
   </p:notesMasterIdLst>
   <p:handoutMasterIdLst>
-    <p:handoutMasterId r:id="rId12"/>
+    <p:handoutMasterId r:id="rId15"/>
   </p:handoutMasterIdLst>
   <p:sldIdLst>
     <p:sldId id="256" r:id="rId2"/>
@@ -20,6 +20,9 @@
     <p:sldId id="262" r:id="rId8"/>
     <p:sldId id="263" r:id="rId9"/>
     <p:sldId id="264" r:id="rId10"/>
+    <p:sldId id="265" r:id="rId11"/>
+    <p:sldId id="267" r:id="rId12"/>
+    <p:sldId id="266" r:id="rId13"/>
   </p:sldIdLst>
   <p:sldSz cx="12192000" cy="6858000"/>
   <p:notesSz cx="6858000" cy="9144000"/>
@@ -223,7 +226,7 @@
           <a:p>
             <a:fld id="{C7EBD34A-458D-4E15-9A13-07B008861E08}" type="datetime1">
               <a:rPr lang="ru-RU" smtClean="0"/>
-              <a:t>22.05.2019</a:t>
+              <a:t>26.05.2019</a:t>
             </a:fld>
             <a:endParaRPr lang="en-US"/>
           </a:p>
@@ -389,7 +392,7 @@
           <a:p>
             <a:fld id="{BD2C1305-B0C8-41A5-A415-431426818951}" type="datetime1">
               <a:rPr lang="ru-RU" smtClean="0"/>
-              <a:t>22.05.2019</a:t>
+              <a:t>26.05.2019</a:t>
             </a:fld>
             <a:endParaRPr lang="en-US"/>
           </a:p>
@@ -963,6 +966,189 @@
 </p:notes>
 </file>
 
+<file path=ppt/notesSlides/notesSlide6.xml><?xml version="1.0" encoding="utf-8"?>
+<p:notes xmlns:a="http://schemas.openxmlformats.org/drawingml/2006/main" xmlns:r="http://schemas.openxmlformats.org/officeDocument/2006/relationships" xmlns:p="http://schemas.openxmlformats.org/presentationml/2006/main">
+  <p:cSld>
+    <p:spTree>
+      <p:nvGrpSpPr>
+        <p:cNvPr id="1" name=""/>
+        <p:cNvGrpSpPr/>
+        <p:nvPr/>
+      </p:nvGrpSpPr>
+      <p:grpSpPr>
+        <a:xfrm>
+          <a:off x="0" y="0"/>
+          <a:ext cx="0" cy="0"/>
+          <a:chOff x="0" y="0"/>
+          <a:chExt cx="0" cy="0"/>
+        </a:xfrm>
+      </p:grpSpPr>
+      <p:sp>
+        <p:nvSpPr>
+          <p:cNvPr id="2" name="Образ слайда 1"/>
+          <p:cNvSpPr>
+            <a:spLocks noGrp="1" noRot="1" noChangeAspect="1"/>
+          </p:cNvSpPr>
+          <p:nvPr>
+            <p:ph type="sldImg"/>
+          </p:nvPr>
+        </p:nvSpPr>
+        <p:spPr/>
+      </p:sp>
+      <p:sp>
+        <p:nvSpPr>
+          <p:cNvPr id="3" name="Заметки 2"/>
+          <p:cNvSpPr>
+            <a:spLocks noGrp="1"/>
+          </p:cNvSpPr>
+          <p:nvPr>
+            <p:ph type="body" idx="1"/>
+          </p:nvPr>
+        </p:nvSpPr>
+        <p:spPr/>
+        <p:txBody>
+          <a:bodyPr/>
+          <a:lstStyle/>
+          <a:p>
+            <a:endParaRPr lang="en-US" dirty="0"/>
+          </a:p>
+        </p:txBody>
+      </p:sp>
+    </p:spTree>
+    <p:extLst>
+      <p:ext uri="{BB962C8B-B14F-4D97-AF65-F5344CB8AC3E}">
+        <p14:creationId xmlns:p14="http://schemas.microsoft.com/office/powerpoint/2010/main" val="3269680869"/>
+      </p:ext>
+    </p:extLst>
+  </p:cSld>
+  <p:clrMapOvr>
+    <a:masterClrMapping/>
+  </p:clrMapOvr>
+</p:notes>
+</file>
+
+<file path=ppt/notesSlides/notesSlide7.xml><?xml version="1.0" encoding="utf-8"?>
+<p:notes xmlns:a="http://schemas.openxmlformats.org/drawingml/2006/main" xmlns:r="http://schemas.openxmlformats.org/officeDocument/2006/relationships" xmlns:p="http://schemas.openxmlformats.org/presentationml/2006/main">
+  <p:cSld>
+    <p:spTree>
+      <p:nvGrpSpPr>
+        <p:cNvPr id="1" name=""/>
+        <p:cNvGrpSpPr/>
+        <p:nvPr/>
+      </p:nvGrpSpPr>
+      <p:grpSpPr>
+        <a:xfrm>
+          <a:off x="0" y="0"/>
+          <a:ext cx="0" cy="0"/>
+          <a:chOff x="0" y="0"/>
+          <a:chExt cx="0" cy="0"/>
+        </a:xfrm>
+      </p:grpSpPr>
+      <p:sp>
+        <p:nvSpPr>
+          <p:cNvPr id="2" name="Образ слайда 1"/>
+          <p:cNvSpPr>
+            <a:spLocks noGrp="1" noRot="1" noChangeAspect="1"/>
+          </p:cNvSpPr>
+          <p:nvPr>
+            <p:ph type="sldImg"/>
+          </p:nvPr>
+        </p:nvSpPr>
+        <p:spPr/>
+      </p:sp>
+      <p:sp>
+        <p:nvSpPr>
+          <p:cNvPr id="3" name="Заметки 2"/>
+          <p:cNvSpPr>
+            <a:spLocks noGrp="1"/>
+          </p:cNvSpPr>
+          <p:nvPr>
+            <p:ph type="body" idx="1"/>
+          </p:nvPr>
+        </p:nvSpPr>
+        <p:spPr/>
+        <p:txBody>
+          <a:bodyPr/>
+          <a:lstStyle/>
+          <a:p>
+            <a:endParaRPr lang="en-US" dirty="0"/>
+          </a:p>
+        </p:txBody>
+      </p:sp>
+    </p:spTree>
+    <p:extLst>
+      <p:ext uri="{BB962C8B-B14F-4D97-AF65-F5344CB8AC3E}">
+        <p14:creationId xmlns:p14="http://schemas.microsoft.com/office/powerpoint/2010/main" val="1456947347"/>
+      </p:ext>
+    </p:extLst>
+  </p:cSld>
+  <p:clrMapOvr>
+    <a:masterClrMapping/>
+  </p:clrMapOvr>
+</p:notes>
+</file>
+
+<file path=ppt/notesSlides/notesSlide8.xml><?xml version="1.0" encoding="utf-8"?>
+<p:notes xmlns:a="http://schemas.openxmlformats.org/drawingml/2006/main" xmlns:r="http://schemas.openxmlformats.org/officeDocument/2006/relationships" xmlns:p="http://schemas.openxmlformats.org/presentationml/2006/main">
+  <p:cSld>
+    <p:spTree>
+      <p:nvGrpSpPr>
+        <p:cNvPr id="1" name=""/>
+        <p:cNvGrpSpPr/>
+        <p:nvPr/>
+      </p:nvGrpSpPr>
+      <p:grpSpPr>
+        <a:xfrm>
+          <a:off x="0" y="0"/>
+          <a:ext cx="0" cy="0"/>
+          <a:chOff x="0" y="0"/>
+          <a:chExt cx="0" cy="0"/>
+        </a:xfrm>
+      </p:grpSpPr>
+      <p:sp>
+        <p:nvSpPr>
+          <p:cNvPr id="2" name="Образ слайда 1"/>
+          <p:cNvSpPr>
+            <a:spLocks noGrp="1" noRot="1" noChangeAspect="1"/>
+          </p:cNvSpPr>
+          <p:nvPr>
+            <p:ph type="sldImg"/>
+          </p:nvPr>
+        </p:nvSpPr>
+        <p:spPr/>
+      </p:sp>
+      <p:sp>
+        <p:nvSpPr>
+          <p:cNvPr id="3" name="Заметки 2"/>
+          <p:cNvSpPr>
+            <a:spLocks noGrp="1"/>
+          </p:cNvSpPr>
+          <p:nvPr>
+            <p:ph type="body" idx="1"/>
+          </p:nvPr>
+        </p:nvSpPr>
+        <p:spPr/>
+        <p:txBody>
+          <a:bodyPr/>
+          <a:lstStyle/>
+          <a:p>
+            <a:endParaRPr lang="en-US" dirty="0"/>
+          </a:p>
+        </p:txBody>
+      </p:sp>
+    </p:spTree>
+    <p:extLst>
+      <p:ext uri="{BB962C8B-B14F-4D97-AF65-F5344CB8AC3E}">
+        <p14:creationId xmlns:p14="http://schemas.microsoft.com/office/powerpoint/2010/main" val="3097438946"/>
+      </p:ext>
+    </p:extLst>
+  </p:cSld>
+  <p:clrMapOvr>
+    <a:masterClrMapping/>
+  </p:clrMapOvr>
+</p:notes>
+</file>
+
 <file path=ppt/slideLayouts/slideLayout1.xml><?xml version="1.0" encoding="utf-8"?>
 <p:sldLayout xmlns:a="http://schemas.openxmlformats.org/drawingml/2006/main" xmlns:r="http://schemas.openxmlformats.org/officeDocument/2006/relationships" xmlns:p="http://schemas.openxmlformats.org/presentationml/2006/main" type="title" preserve="1">
   <p:cSld name="Титульный слайд">
@@ -1245,7 +1431,7 @@
           <a:p>
             <a:fld id="{8A2250BE-F15D-44BA-9438-B9DF99335BCD}" type="datetime1">
               <a:rPr lang="ru-RU" smtClean="0"/>
-              <a:t>22.05.2019</a:t>
+              <a:t>26.05.2019</a:t>
             </a:fld>
             <a:endParaRPr lang="en-US" dirty="0"/>
           </a:p>
@@ -1578,7 +1764,7 @@
           <a:p>
             <a:fld id="{7DE2CE15-DD73-496B-88E9-3C783140B749}" type="datetime1">
               <a:rPr lang="ru-RU" smtClean="0"/>
-              <a:t>22.05.2019</a:t>
+              <a:t>26.05.2019</a:t>
             </a:fld>
             <a:endParaRPr lang="en-US"/>
           </a:p>
@@ -1979,7 +2165,7 @@
           <a:p>
             <a:fld id="{C5591223-2003-4F54-BFF5-C55495CDBD8E}" type="datetime1">
               <a:rPr lang="ru-RU" smtClean="0"/>
-              <a:t>22.05.2019</a:t>
+              <a:t>26.05.2019</a:t>
             </a:fld>
             <a:endParaRPr lang="en-US"/>
           </a:p>
@@ -2355,7 +2541,7 @@
           <a:p>
             <a:fld id="{43563794-FDD4-4540-A355-3AD563225139}" type="datetime1">
               <a:rPr lang="ru-RU" smtClean="0"/>
-              <a:t>22.05.2019</a:t>
+              <a:t>26.05.2019</a:t>
             </a:fld>
             <a:endParaRPr lang="en-US"/>
           </a:p>
@@ -2861,7 +3047,7 @@
           <a:p>
             <a:fld id="{9C6B1E0C-F71F-4246-9CF7-3D799719CFAA}" type="datetime1">
               <a:rPr lang="ru-RU" smtClean="0"/>
-              <a:t>22.05.2019</a:t>
+              <a:t>26.05.2019</a:t>
             </a:fld>
             <a:endParaRPr lang="en-US"/>
           </a:p>
@@ -3118,7 +3304,7 @@
           <a:p>
             <a:fld id="{C8CD1612-23C8-4220-8DEF-C122C80B4952}" type="datetime1">
               <a:rPr lang="ru-RU" smtClean="0"/>
-              <a:t>22.05.2019</a:t>
+              <a:t>26.05.2019</a:t>
             </a:fld>
             <a:endParaRPr lang="en-US"/>
           </a:p>
@@ -3286,7 +3472,7 @@
           <a:p>
             <a:fld id="{CD59FF44-4703-437F-9D7D-4A2470583044}" type="datetime1">
               <a:rPr lang="ru-RU" smtClean="0"/>
-              <a:t>22.05.2019</a:t>
+              <a:t>26.05.2019</a:t>
             </a:fld>
             <a:endParaRPr lang="en-US"/>
           </a:p>
@@ -3676,7 +3862,7 @@
           <a:p>
             <a:fld id="{328CCA78-EACE-4FD5-BA12-7FEDA73BAFAB}" type="datetime1">
               <a:rPr lang="ru-RU" smtClean="0"/>
-              <a:t>22.05.2019</a:t>
+              <a:t>26.05.2019</a:t>
             </a:fld>
             <a:endParaRPr lang="en-US"/>
           </a:p>
@@ -4085,7 +4271,7 @@
           <a:p>
             <a:fld id="{80D44EDB-1D2F-4DC9-A659-7C84B659E344}" type="datetime1">
               <a:rPr lang="ru-RU" smtClean="0"/>
-              <a:t>22.05.2019</a:t>
+              <a:t>26.05.2019</a:t>
             </a:fld>
             <a:endParaRPr lang="en-US"/>
           </a:p>
@@ -4331,7 +4517,7 @@
             <a:fld id="{ABA487C1-7FE9-4143-8923-87ED1DD08F19}" type="datetime1">
               <a:rPr lang="ru-RU" smtClean="0"/>
               <a:pPr/>
-              <a:t>22.05.2019</a:t>
+              <a:t>26.05.2019</a:t>
             </a:fld>
             <a:endParaRPr lang="en-US" dirty="0"/>
           </a:p>
@@ -4937,6 +5123,1950 @@
 </p:sld>
 </file>
 
+<file path=ppt/slides/slide10.xml><?xml version="1.0" encoding="utf-8"?>
+<p:sld xmlns:a="http://schemas.openxmlformats.org/drawingml/2006/main" xmlns:r="http://schemas.openxmlformats.org/officeDocument/2006/relationships" xmlns:p="http://schemas.openxmlformats.org/presentationml/2006/main">
+  <p:cSld>
+    <p:spTree>
+      <p:nvGrpSpPr>
+        <p:cNvPr id="1" name=""/>
+        <p:cNvGrpSpPr/>
+        <p:nvPr/>
+      </p:nvGrpSpPr>
+      <p:grpSpPr>
+        <a:xfrm>
+          <a:off x="0" y="0"/>
+          <a:ext cx="0" cy="0"/>
+          <a:chOff x="0" y="0"/>
+          <a:chExt cx="0" cy="0"/>
+        </a:xfrm>
+      </p:grpSpPr>
+      <p:sp>
+        <p:nvSpPr>
+          <p:cNvPr id="2" name="Заголовок 1">
+            <a:extLst>
+              <a:ext uri="{FF2B5EF4-FFF2-40B4-BE49-F238E27FC236}">
+                <a16:creationId xmlns:a16="http://schemas.microsoft.com/office/drawing/2014/main" id="{5ED3076E-2E51-49BA-B663-2E6FD28DE68E}"/>
+              </a:ext>
+            </a:extLst>
+          </p:cNvPr>
+          <p:cNvSpPr>
+            <a:spLocks noGrp="1"/>
+          </p:cNvSpPr>
+          <p:nvPr>
+            <p:ph type="title"/>
+          </p:nvPr>
+        </p:nvSpPr>
+        <p:spPr/>
+        <p:txBody>
+          <a:bodyPr/>
+          <a:lstStyle/>
+          <a:p>
+            <a:r>
+              <a:rPr lang="ru-RU" dirty="0"/>
+              <a:t>Часть </a:t>
+            </a:r>
+            <a:r>
+              <a:rPr lang="en-US" dirty="0"/>
+              <a:t>3</a:t>
+            </a:r>
+          </a:p>
+        </p:txBody>
+      </p:sp>
+      <p:sp>
+        <p:nvSpPr>
+          <p:cNvPr id="6" name="Дата 5">
+            <a:extLst>
+              <a:ext uri="{FF2B5EF4-FFF2-40B4-BE49-F238E27FC236}">
+                <a16:creationId xmlns:a16="http://schemas.microsoft.com/office/drawing/2014/main" id="{3D389C93-18E8-4B65-9A0C-57EA5FF1262A}"/>
+              </a:ext>
+            </a:extLst>
+          </p:cNvPr>
+          <p:cNvSpPr>
+            <a:spLocks noGrp="1"/>
+          </p:cNvSpPr>
+          <p:nvPr>
+            <p:ph type="dt" sz="half" idx="10"/>
+          </p:nvPr>
+        </p:nvSpPr>
+        <p:spPr/>
+        <p:txBody>
+          <a:bodyPr/>
+          <a:lstStyle/>
+          <a:p>
+            <a:fld id="{2D4A23AA-1D21-4822-8346-CA7E14AECDD0}" type="datetime1">
+              <a:rPr lang="ru-RU" smtClean="0"/>
+              <a:t>26.05.2019</a:t>
+            </a:fld>
+            <a:endParaRPr lang="en-US"/>
+          </a:p>
+        </p:txBody>
+      </p:sp>
+      <p:sp>
+        <p:nvSpPr>
+          <p:cNvPr id="7" name="Нижний колонтитул 6">
+            <a:extLst>
+              <a:ext uri="{FF2B5EF4-FFF2-40B4-BE49-F238E27FC236}">
+                <a16:creationId xmlns:a16="http://schemas.microsoft.com/office/drawing/2014/main" id="{FD3B82CA-042F-4A44-8CC3-391A074B55D4}"/>
+              </a:ext>
+            </a:extLst>
+          </p:cNvPr>
+          <p:cNvSpPr>
+            <a:spLocks noGrp="1"/>
+          </p:cNvSpPr>
+          <p:nvPr>
+            <p:ph type="ftr" sz="quarter" idx="11"/>
+          </p:nvPr>
+        </p:nvSpPr>
+        <p:spPr/>
+        <p:txBody>
+          <a:bodyPr/>
+          <a:lstStyle/>
+          <a:p>
+            <a:r>
+              <a:rPr lang="en-US"/>
+              <a:t>www.calabonga.net</a:t>
+            </a:r>
+          </a:p>
+        </p:txBody>
+      </p:sp>
+      <p:sp>
+        <p:nvSpPr>
+          <p:cNvPr id="8" name="Номер слайда 7">
+            <a:extLst>
+              <a:ext uri="{FF2B5EF4-FFF2-40B4-BE49-F238E27FC236}">
+                <a16:creationId xmlns:a16="http://schemas.microsoft.com/office/drawing/2014/main" id="{04E38101-A6CD-43DF-A008-79A5BF5D68AE}"/>
+              </a:ext>
+            </a:extLst>
+          </p:cNvPr>
+          <p:cNvSpPr>
+            <a:spLocks noGrp="1"/>
+          </p:cNvSpPr>
+          <p:nvPr>
+            <p:ph type="sldNum" sz="quarter" idx="12"/>
+          </p:nvPr>
+        </p:nvSpPr>
+        <p:spPr/>
+        <p:txBody>
+          <a:bodyPr/>
+          <a:lstStyle/>
+          <a:p>
+            <a:fld id="{356453D0-7C6D-4FAD-A87B-D4E72CD04107}" type="slidenum">
+              <a:rPr lang="en-US" smtClean="0"/>
+              <a:t>10</a:t>
+            </a:fld>
+            <a:endParaRPr lang="en-US"/>
+          </a:p>
+        </p:txBody>
+      </p:sp>
+      <p:sp>
+        <p:nvSpPr>
+          <p:cNvPr id="4" name="Объект 3">
+            <a:extLst>
+              <a:ext uri="{FF2B5EF4-FFF2-40B4-BE49-F238E27FC236}">
+                <a16:creationId xmlns:a16="http://schemas.microsoft.com/office/drawing/2014/main" id="{573F978B-1AE8-4179-A917-3504EE635F93}"/>
+              </a:ext>
+            </a:extLst>
+          </p:cNvPr>
+          <p:cNvSpPr>
+            <a:spLocks noGrp="1"/>
+          </p:cNvSpPr>
+          <p:nvPr>
+            <p:ph idx="1"/>
+          </p:nvPr>
+        </p:nvSpPr>
+        <p:spPr/>
+        <p:txBody>
+          <a:bodyPr>
+            <a:normAutofit/>
+          </a:bodyPr>
+          <a:lstStyle/>
+          <a:p>
+            <a:r>
+              <a:rPr lang="en-US" sz="4400" dirty="0"/>
+              <a:t>ApplicationUser </a:t>
+            </a:r>
+            <a:r>
+              <a:rPr lang="ru-RU" sz="4400" dirty="0"/>
+              <a:t>и </a:t>
+            </a:r>
+            <a:r>
+              <a:rPr lang="en-US" sz="4400" dirty="0"/>
+              <a:t>ApplicationRole</a:t>
+            </a:r>
+          </a:p>
+          <a:p>
+            <a:r>
+              <a:rPr lang="en-US" sz="4400" dirty="0"/>
+              <a:t>Log</a:t>
+            </a:r>
+          </a:p>
+          <a:p>
+            <a:r>
+              <a:rPr lang="en-US" sz="4400" dirty="0"/>
+              <a:t>Catalog </a:t>
+            </a:r>
+            <a:r>
+              <a:rPr lang="ru-RU" sz="4400" dirty="0"/>
+              <a:t>и</a:t>
+            </a:r>
+            <a:r>
+              <a:rPr lang="en-US" sz="4400" dirty="0"/>
+              <a:t> Product</a:t>
+            </a:r>
+            <a:endParaRPr lang="ru-RU" sz="4400" dirty="0"/>
+          </a:p>
+          <a:p>
+            <a:r>
+              <a:rPr lang="en-US" sz="4400" dirty="0"/>
+              <a:t>Fluent API (configuring, mapping)</a:t>
+            </a:r>
+          </a:p>
+          <a:p>
+            <a:endParaRPr lang="ru-RU" sz="4400" dirty="0"/>
+          </a:p>
+        </p:txBody>
+      </p:sp>
+    </p:spTree>
+    <p:extLst>
+      <p:ext uri="{BB962C8B-B14F-4D97-AF65-F5344CB8AC3E}">
+        <p14:creationId xmlns:p14="http://schemas.microsoft.com/office/powerpoint/2010/main" val="3332911411"/>
+      </p:ext>
+    </p:extLst>
+  </p:cSld>
+  <p:clrMapOvr>
+    <a:masterClrMapping/>
+  </p:clrMapOvr>
+  <p:transition spd="med">
+    <p:pull/>
+  </p:transition>
+</p:sld>
+</file>
+
+<file path=ppt/slides/slide11.xml><?xml version="1.0" encoding="utf-8"?>
+<p:sld xmlns:a="http://schemas.openxmlformats.org/drawingml/2006/main" xmlns:r="http://schemas.openxmlformats.org/officeDocument/2006/relationships" xmlns:p="http://schemas.openxmlformats.org/presentationml/2006/main">
+  <p:cSld>
+    <p:spTree>
+      <p:nvGrpSpPr>
+        <p:cNvPr id="1" name=""/>
+        <p:cNvGrpSpPr/>
+        <p:nvPr/>
+      </p:nvGrpSpPr>
+      <p:grpSpPr>
+        <a:xfrm>
+          <a:off x="0" y="0"/>
+          <a:ext cx="0" cy="0"/>
+          <a:chOff x="0" y="0"/>
+          <a:chExt cx="0" cy="0"/>
+        </a:xfrm>
+      </p:grpSpPr>
+      <p:sp>
+        <p:nvSpPr>
+          <p:cNvPr id="2" name="Заголовок 1">
+            <a:extLst>
+              <a:ext uri="{FF2B5EF4-FFF2-40B4-BE49-F238E27FC236}">
+                <a16:creationId xmlns:a16="http://schemas.microsoft.com/office/drawing/2014/main" id="{5ED3076E-2E51-49BA-B663-2E6FD28DE68E}"/>
+              </a:ext>
+            </a:extLst>
+          </p:cNvPr>
+          <p:cNvSpPr>
+            <a:spLocks noGrp="1"/>
+          </p:cNvSpPr>
+          <p:nvPr>
+            <p:ph type="title"/>
+          </p:nvPr>
+        </p:nvSpPr>
+        <p:spPr/>
+        <p:txBody>
+          <a:bodyPr/>
+          <a:lstStyle/>
+          <a:p>
+            <a:r>
+              <a:rPr lang="ru-RU" dirty="0"/>
+              <a:t>Часть </a:t>
+            </a:r>
+            <a:r>
+              <a:rPr lang="en-US" dirty="0"/>
+              <a:t>4</a:t>
+            </a:r>
+          </a:p>
+        </p:txBody>
+      </p:sp>
+      <p:sp>
+        <p:nvSpPr>
+          <p:cNvPr id="6" name="Дата 5">
+            <a:extLst>
+              <a:ext uri="{FF2B5EF4-FFF2-40B4-BE49-F238E27FC236}">
+                <a16:creationId xmlns:a16="http://schemas.microsoft.com/office/drawing/2014/main" id="{3D389C93-18E8-4B65-9A0C-57EA5FF1262A}"/>
+              </a:ext>
+            </a:extLst>
+          </p:cNvPr>
+          <p:cNvSpPr>
+            <a:spLocks noGrp="1"/>
+          </p:cNvSpPr>
+          <p:nvPr>
+            <p:ph type="dt" sz="half" idx="10"/>
+          </p:nvPr>
+        </p:nvSpPr>
+        <p:spPr/>
+        <p:txBody>
+          <a:bodyPr/>
+          <a:lstStyle/>
+          <a:p>
+            <a:fld id="{2D4A23AA-1D21-4822-8346-CA7E14AECDD0}" type="datetime1">
+              <a:rPr lang="ru-RU" smtClean="0"/>
+              <a:t>26.05.2019</a:t>
+            </a:fld>
+            <a:endParaRPr lang="en-US"/>
+          </a:p>
+        </p:txBody>
+      </p:sp>
+      <p:sp>
+        <p:nvSpPr>
+          <p:cNvPr id="7" name="Нижний колонтитул 6">
+            <a:extLst>
+              <a:ext uri="{FF2B5EF4-FFF2-40B4-BE49-F238E27FC236}">
+                <a16:creationId xmlns:a16="http://schemas.microsoft.com/office/drawing/2014/main" id="{FD3B82CA-042F-4A44-8CC3-391A074B55D4}"/>
+              </a:ext>
+            </a:extLst>
+          </p:cNvPr>
+          <p:cNvSpPr>
+            <a:spLocks noGrp="1"/>
+          </p:cNvSpPr>
+          <p:nvPr>
+            <p:ph type="ftr" sz="quarter" idx="11"/>
+          </p:nvPr>
+        </p:nvSpPr>
+        <p:spPr/>
+        <p:txBody>
+          <a:bodyPr/>
+          <a:lstStyle/>
+          <a:p>
+            <a:r>
+              <a:rPr lang="en-US"/>
+              <a:t>www.calabonga.net</a:t>
+            </a:r>
+          </a:p>
+        </p:txBody>
+      </p:sp>
+      <p:sp>
+        <p:nvSpPr>
+          <p:cNvPr id="8" name="Номер слайда 7">
+            <a:extLst>
+              <a:ext uri="{FF2B5EF4-FFF2-40B4-BE49-F238E27FC236}">
+                <a16:creationId xmlns:a16="http://schemas.microsoft.com/office/drawing/2014/main" id="{04E38101-A6CD-43DF-A008-79A5BF5D68AE}"/>
+              </a:ext>
+            </a:extLst>
+          </p:cNvPr>
+          <p:cNvSpPr>
+            <a:spLocks noGrp="1"/>
+          </p:cNvSpPr>
+          <p:nvPr>
+            <p:ph type="sldNum" sz="quarter" idx="12"/>
+          </p:nvPr>
+        </p:nvSpPr>
+        <p:spPr/>
+        <p:txBody>
+          <a:bodyPr/>
+          <a:lstStyle/>
+          <a:p>
+            <a:fld id="{356453D0-7C6D-4FAD-A87B-D4E72CD04107}" type="slidenum">
+              <a:rPr lang="en-US" smtClean="0"/>
+              <a:t>11</a:t>
+            </a:fld>
+            <a:endParaRPr lang="en-US"/>
+          </a:p>
+        </p:txBody>
+      </p:sp>
+      <p:sp>
+        <p:nvSpPr>
+          <p:cNvPr id="4" name="Объект 3">
+            <a:extLst>
+              <a:ext uri="{FF2B5EF4-FFF2-40B4-BE49-F238E27FC236}">
+                <a16:creationId xmlns:a16="http://schemas.microsoft.com/office/drawing/2014/main" id="{573F978B-1AE8-4179-A917-3504EE635F93}"/>
+              </a:ext>
+            </a:extLst>
+          </p:cNvPr>
+          <p:cNvSpPr>
+            <a:spLocks noGrp="1"/>
+          </p:cNvSpPr>
+          <p:nvPr>
+            <p:ph idx="1"/>
+          </p:nvPr>
+        </p:nvSpPr>
+        <p:spPr/>
+        <p:txBody>
+          <a:bodyPr>
+            <a:normAutofit/>
+          </a:bodyPr>
+          <a:lstStyle/>
+          <a:p>
+            <a:r>
+              <a:rPr lang="ru-RU" sz="4400" dirty="0"/>
+              <a:t>Первые контролеры</a:t>
+            </a:r>
+            <a:endParaRPr lang="en-US" sz="4400" dirty="0"/>
+          </a:p>
+          <a:p>
+            <a:r>
+              <a:rPr lang="ru-RU" sz="4400" dirty="0"/>
+              <a:t>Разница между </a:t>
+            </a:r>
+            <a:r>
+              <a:rPr lang="en-US" sz="4400" dirty="0" err="1"/>
+              <a:t>ReadonlyController</a:t>
+            </a:r>
+            <a:r>
+              <a:rPr lang="en-US" sz="4400" dirty="0"/>
+              <a:t> </a:t>
+            </a:r>
+            <a:r>
+              <a:rPr lang="ru-RU" sz="4400" dirty="0"/>
+              <a:t>и </a:t>
+            </a:r>
+            <a:r>
+              <a:rPr lang="en-US" sz="4400" dirty="0" err="1"/>
+              <a:t>WritableController</a:t>
+            </a:r>
+            <a:endParaRPr lang="en-US" sz="4400" dirty="0"/>
+          </a:p>
+          <a:p>
+            <a:endParaRPr lang="ru-RU" sz="4400" dirty="0"/>
+          </a:p>
+        </p:txBody>
+      </p:sp>
+    </p:spTree>
+    <p:extLst>
+      <p:ext uri="{BB962C8B-B14F-4D97-AF65-F5344CB8AC3E}">
+        <p14:creationId xmlns:p14="http://schemas.microsoft.com/office/powerpoint/2010/main" val="537644860"/>
+      </p:ext>
+    </p:extLst>
+  </p:cSld>
+  <p:clrMapOvr>
+    <a:masterClrMapping/>
+  </p:clrMapOvr>
+  <p:transition spd="med">
+    <p:pull/>
+  </p:transition>
+</p:sld>
+</file>
+
+<file path=ppt/slides/slide12.xml><?xml version="1.0" encoding="utf-8"?>
+<p:sld xmlns:a="http://schemas.openxmlformats.org/drawingml/2006/main" xmlns:r="http://schemas.openxmlformats.org/officeDocument/2006/relationships" xmlns:p="http://schemas.openxmlformats.org/presentationml/2006/main">
+  <p:cSld>
+    <p:spTree>
+      <p:nvGrpSpPr>
+        <p:cNvPr id="1" name=""/>
+        <p:cNvGrpSpPr/>
+        <p:nvPr/>
+      </p:nvGrpSpPr>
+      <p:grpSpPr>
+        <a:xfrm>
+          <a:off x="0" y="0"/>
+          <a:ext cx="0" cy="0"/>
+          <a:chOff x="0" y="0"/>
+          <a:chExt cx="0" cy="0"/>
+        </a:xfrm>
+      </p:grpSpPr>
+      <p:sp>
+        <p:nvSpPr>
+          <p:cNvPr id="2" name="Заголовок 1">
+            <a:extLst>
+              <a:ext uri="{FF2B5EF4-FFF2-40B4-BE49-F238E27FC236}">
+                <a16:creationId xmlns:a16="http://schemas.microsoft.com/office/drawing/2014/main" id="{5ED3076E-2E51-49BA-B663-2E6FD28DE68E}"/>
+              </a:ext>
+            </a:extLst>
+          </p:cNvPr>
+          <p:cNvSpPr>
+            <a:spLocks noGrp="1"/>
+          </p:cNvSpPr>
+          <p:nvPr>
+            <p:ph type="title"/>
+          </p:nvPr>
+        </p:nvSpPr>
+        <p:spPr/>
+        <p:txBody>
+          <a:bodyPr/>
+          <a:lstStyle/>
+          <a:p>
+            <a:r>
+              <a:rPr lang="ru-RU" dirty="0"/>
+              <a:t>Часть </a:t>
+            </a:r>
+            <a:r>
+              <a:rPr lang="en-US" dirty="0"/>
+              <a:t>4</a:t>
+            </a:r>
+          </a:p>
+        </p:txBody>
+      </p:sp>
+      <p:sp>
+        <p:nvSpPr>
+          <p:cNvPr id="6" name="Дата 5">
+            <a:extLst>
+              <a:ext uri="{FF2B5EF4-FFF2-40B4-BE49-F238E27FC236}">
+                <a16:creationId xmlns:a16="http://schemas.microsoft.com/office/drawing/2014/main" id="{3D389C93-18E8-4B65-9A0C-57EA5FF1262A}"/>
+              </a:ext>
+            </a:extLst>
+          </p:cNvPr>
+          <p:cNvSpPr>
+            <a:spLocks noGrp="1"/>
+          </p:cNvSpPr>
+          <p:nvPr>
+            <p:ph type="dt" sz="half" idx="10"/>
+          </p:nvPr>
+        </p:nvSpPr>
+        <p:spPr/>
+        <p:txBody>
+          <a:bodyPr/>
+          <a:lstStyle/>
+          <a:p>
+            <a:fld id="{2D4A23AA-1D21-4822-8346-CA7E14AECDD0}" type="datetime1">
+              <a:rPr lang="ru-RU" smtClean="0"/>
+              <a:t>26.05.2019</a:t>
+            </a:fld>
+            <a:endParaRPr lang="en-US"/>
+          </a:p>
+        </p:txBody>
+      </p:sp>
+      <p:sp>
+        <p:nvSpPr>
+          <p:cNvPr id="7" name="Нижний колонтитул 6">
+            <a:extLst>
+              <a:ext uri="{FF2B5EF4-FFF2-40B4-BE49-F238E27FC236}">
+                <a16:creationId xmlns:a16="http://schemas.microsoft.com/office/drawing/2014/main" id="{FD3B82CA-042F-4A44-8CC3-391A074B55D4}"/>
+              </a:ext>
+            </a:extLst>
+          </p:cNvPr>
+          <p:cNvSpPr>
+            <a:spLocks noGrp="1"/>
+          </p:cNvSpPr>
+          <p:nvPr>
+            <p:ph type="ftr" sz="quarter" idx="11"/>
+          </p:nvPr>
+        </p:nvSpPr>
+        <p:spPr/>
+        <p:txBody>
+          <a:bodyPr/>
+          <a:lstStyle/>
+          <a:p>
+            <a:r>
+              <a:rPr lang="en-US"/>
+              <a:t>www.calabonga.net</a:t>
+            </a:r>
+          </a:p>
+        </p:txBody>
+      </p:sp>
+      <p:sp>
+        <p:nvSpPr>
+          <p:cNvPr id="8" name="Номер слайда 7">
+            <a:extLst>
+              <a:ext uri="{FF2B5EF4-FFF2-40B4-BE49-F238E27FC236}">
+                <a16:creationId xmlns:a16="http://schemas.microsoft.com/office/drawing/2014/main" id="{04E38101-A6CD-43DF-A008-79A5BF5D68AE}"/>
+              </a:ext>
+            </a:extLst>
+          </p:cNvPr>
+          <p:cNvSpPr>
+            <a:spLocks noGrp="1"/>
+          </p:cNvSpPr>
+          <p:nvPr>
+            <p:ph type="sldNum" sz="quarter" idx="12"/>
+          </p:nvPr>
+        </p:nvSpPr>
+        <p:spPr/>
+        <p:txBody>
+          <a:bodyPr/>
+          <a:lstStyle/>
+          <a:p>
+            <a:fld id="{356453D0-7C6D-4FAD-A87B-D4E72CD04107}" type="slidenum">
+              <a:rPr lang="en-US" smtClean="0"/>
+              <a:t>12</a:t>
+            </a:fld>
+            <a:endParaRPr lang="en-US"/>
+          </a:p>
+        </p:txBody>
+      </p:sp>
+      <p:sp>
+        <p:nvSpPr>
+          <p:cNvPr id="9" name="Прямоугольник 8">
+            <a:extLst>
+              <a:ext uri="{FF2B5EF4-FFF2-40B4-BE49-F238E27FC236}">
+                <a16:creationId xmlns:a16="http://schemas.microsoft.com/office/drawing/2014/main" id="{4176F49A-87FE-408E-9149-A8DD8F175612}"/>
+              </a:ext>
+            </a:extLst>
+          </p:cNvPr>
+          <p:cNvSpPr/>
+          <p:nvPr/>
+        </p:nvSpPr>
+        <p:spPr>
+          <a:xfrm>
+            <a:off x="1079769" y="2378413"/>
+            <a:ext cx="1590473" cy="564204"/>
+          </a:xfrm>
+          <a:prstGeom prst="rect">
+            <a:avLst/>
+          </a:prstGeom>
+          <a:solidFill>
+            <a:srgbClr val="00B050"/>
+          </a:solidFill>
+          <a:ln w="0">
+            <a:noFill/>
+          </a:ln>
+        </p:spPr>
+        <p:style>
+          <a:lnRef idx="2">
+            <a:schemeClr val="accent1">
+              <a:shade val="50000"/>
+            </a:schemeClr>
+          </a:lnRef>
+          <a:fillRef idx="1">
+            <a:schemeClr val="accent1"/>
+          </a:fillRef>
+          <a:effectRef idx="0">
+            <a:schemeClr val="accent1"/>
+          </a:effectRef>
+          <a:fontRef idx="minor">
+            <a:schemeClr val="lt1"/>
+          </a:fontRef>
+        </p:style>
+        <p:txBody>
+          <a:bodyPr rtlCol="0" anchor="ctr"/>
+          <a:lstStyle/>
+          <a:p>
+            <a:pPr algn="ctr"/>
+            <a:r>
+              <a:rPr lang="en-US" dirty="0"/>
+              <a:t>Catalog</a:t>
+            </a:r>
+          </a:p>
+        </p:txBody>
+      </p:sp>
+      <p:sp>
+        <p:nvSpPr>
+          <p:cNvPr id="10" name="Прямоугольник 9">
+            <a:extLst>
+              <a:ext uri="{FF2B5EF4-FFF2-40B4-BE49-F238E27FC236}">
+                <a16:creationId xmlns:a16="http://schemas.microsoft.com/office/drawing/2014/main" id="{2ECCDC24-E019-493C-97B1-8AA58BCCB974}"/>
+              </a:ext>
+            </a:extLst>
+          </p:cNvPr>
+          <p:cNvSpPr/>
+          <p:nvPr/>
+        </p:nvSpPr>
+        <p:spPr>
+          <a:xfrm>
+            <a:off x="2220607" y="3825043"/>
+            <a:ext cx="1590473" cy="564204"/>
+          </a:xfrm>
+          <a:prstGeom prst="rect">
+            <a:avLst/>
+          </a:prstGeom>
+          <a:solidFill>
+            <a:srgbClr val="00B050"/>
+          </a:solidFill>
+          <a:ln w="0">
+            <a:noFill/>
+          </a:ln>
+        </p:spPr>
+        <p:style>
+          <a:lnRef idx="2">
+            <a:schemeClr val="accent1">
+              <a:shade val="50000"/>
+            </a:schemeClr>
+          </a:lnRef>
+          <a:fillRef idx="1">
+            <a:schemeClr val="accent1"/>
+          </a:fillRef>
+          <a:effectRef idx="0">
+            <a:schemeClr val="accent1"/>
+          </a:effectRef>
+          <a:fontRef idx="minor">
+            <a:schemeClr val="lt1"/>
+          </a:fontRef>
+        </p:style>
+        <p:txBody>
+          <a:bodyPr rtlCol="0" anchor="ctr"/>
+          <a:lstStyle/>
+          <a:p>
+            <a:pPr algn="ctr"/>
+            <a:r>
+              <a:rPr lang="en-US" dirty="0"/>
+              <a:t>Product</a:t>
+            </a:r>
+          </a:p>
+        </p:txBody>
+      </p:sp>
+      <p:sp>
+        <p:nvSpPr>
+          <p:cNvPr id="11" name="Прямоугольник 10">
+            <a:extLst>
+              <a:ext uri="{FF2B5EF4-FFF2-40B4-BE49-F238E27FC236}">
+                <a16:creationId xmlns:a16="http://schemas.microsoft.com/office/drawing/2014/main" id="{E57EFC12-E92F-474C-B806-C4E478201526}"/>
+              </a:ext>
+            </a:extLst>
+          </p:cNvPr>
+          <p:cNvSpPr/>
+          <p:nvPr/>
+        </p:nvSpPr>
+        <p:spPr>
+          <a:xfrm>
+            <a:off x="5031199" y="4267631"/>
+            <a:ext cx="1590473" cy="564204"/>
+          </a:xfrm>
+          <a:prstGeom prst="rect">
+            <a:avLst/>
+          </a:prstGeom>
+          <a:solidFill>
+            <a:schemeClr val="accent5">
+              <a:lumMod val="50000"/>
+            </a:schemeClr>
+          </a:solidFill>
+          <a:ln w="0">
+            <a:noFill/>
+          </a:ln>
+        </p:spPr>
+        <p:style>
+          <a:lnRef idx="2">
+            <a:schemeClr val="accent1">
+              <a:shade val="50000"/>
+            </a:schemeClr>
+          </a:lnRef>
+          <a:fillRef idx="1">
+            <a:schemeClr val="accent1"/>
+          </a:fillRef>
+          <a:effectRef idx="0">
+            <a:schemeClr val="accent1"/>
+          </a:effectRef>
+          <a:fontRef idx="minor">
+            <a:schemeClr val="lt1"/>
+          </a:fontRef>
+        </p:style>
+        <p:txBody>
+          <a:bodyPr rtlCol="0" anchor="ctr"/>
+          <a:lstStyle/>
+          <a:p>
+            <a:pPr algn="ctr"/>
+            <a:r>
+              <a:rPr lang="en-US" dirty="0"/>
+              <a:t>Review</a:t>
+            </a:r>
+          </a:p>
+        </p:txBody>
+      </p:sp>
+      <p:sp>
+        <p:nvSpPr>
+          <p:cNvPr id="12" name="Прямоугольник 11">
+            <a:extLst>
+              <a:ext uri="{FF2B5EF4-FFF2-40B4-BE49-F238E27FC236}">
+                <a16:creationId xmlns:a16="http://schemas.microsoft.com/office/drawing/2014/main" id="{43F160C9-DEA1-43D9-AE4B-3A17D2B85E9F}"/>
+              </a:ext>
+            </a:extLst>
+          </p:cNvPr>
+          <p:cNvSpPr/>
+          <p:nvPr/>
+        </p:nvSpPr>
+        <p:spPr>
+          <a:xfrm>
+            <a:off x="5031199" y="2314766"/>
+            <a:ext cx="1590473" cy="564204"/>
+          </a:xfrm>
+          <a:prstGeom prst="rect">
+            <a:avLst/>
+          </a:prstGeom>
+          <a:solidFill>
+            <a:schemeClr val="accent5">
+              <a:lumMod val="50000"/>
+            </a:schemeClr>
+          </a:solidFill>
+          <a:ln w="0">
+            <a:noFill/>
+          </a:ln>
+        </p:spPr>
+        <p:style>
+          <a:lnRef idx="2">
+            <a:schemeClr val="accent1">
+              <a:shade val="50000"/>
+            </a:schemeClr>
+          </a:lnRef>
+          <a:fillRef idx="1">
+            <a:schemeClr val="accent1"/>
+          </a:fillRef>
+          <a:effectRef idx="0">
+            <a:schemeClr val="accent1"/>
+          </a:effectRef>
+          <a:fontRef idx="minor">
+            <a:schemeClr val="lt1"/>
+          </a:fontRef>
+        </p:style>
+        <p:txBody>
+          <a:bodyPr rtlCol="0" anchor="ctr"/>
+          <a:lstStyle/>
+          <a:p>
+            <a:pPr algn="ctr"/>
+            <a:r>
+              <a:rPr lang="en-US" dirty="0"/>
+              <a:t>Tag</a:t>
+            </a:r>
+          </a:p>
+        </p:txBody>
+      </p:sp>
+      <p:cxnSp>
+        <p:nvCxnSpPr>
+          <p:cNvPr id="13" name="Прямая соединительная линия 12">
+            <a:extLst>
+              <a:ext uri="{FF2B5EF4-FFF2-40B4-BE49-F238E27FC236}">
+                <a16:creationId xmlns:a16="http://schemas.microsoft.com/office/drawing/2014/main" id="{0AF1FECA-357D-4629-8A22-C89446419D74}"/>
+              </a:ext>
+            </a:extLst>
+          </p:cNvPr>
+          <p:cNvCxnSpPr>
+            <a:cxnSpLocks/>
+            <a:stCxn id="9" idx="2"/>
+          </p:cNvCxnSpPr>
+          <p:nvPr/>
+        </p:nvCxnSpPr>
+        <p:spPr>
+          <a:xfrm>
+            <a:off x="1875006" y="2942617"/>
+            <a:ext cx="0" cy="2698215"/>
+          </a:xfrm>
+          <a:prstGeom prst="line">
+            <a:avLst/>
+          </a:prstGeom>
+        </p:spPr>
+        <p:style>
+          <a:lnRef idx="3">
+            <a:schemeClr val="dk1"/>
+          </a:lnRef>
+          <a:fillRef idx="0">
+            <a:schemeClr val="dk1"/>
+          </a:fillRef>
+          <a:effectRef idx="2">
+            <a:schemeClr val="dk1"/>
+          </a:effectRef>
+          <a:fontRef idx="minor">
+            <a:schemeClr val="tx1"/>
+          </a:fontRef>
+        </p:style>
+      </p:cxnSp>
+      <p:cxnSp>
+        <p:nvCxnSpPr>
+          <p:cNvPr id="14" name="Прямая соединительная линия 13">
+            <a:extLst>
+              <a:ext uri="{FF2B5EF4-FFF2-40B4-BE49-F238E27FC236}">
+                <a16:creationId xmlns:a16="http://schemas.microsoft.com/office/drawing/2014/main" id="{7461FDF0-6E4F-4DD9-B965-8A470CFE8DAC}"/>
+              </a:ext>
+            </a:extLst>
+          </p:cNvPr>
+          <p:cNvCxnSpPr>
+            <a:cxnSpLocks/>
+            <a:stCxn id="10" idx="1"/>
+          </p:cNvCxnSpPr>
+          <p:nvPr/>
+        </p:nvCxnSpPr>
+        <p:spPr>
+          <a:xfrm flipH="1">
+            <a:off x="1875005" y="4107145"/>
+            <a:ext cx="345602" cy="0"/>
+          </a:xfrm>
+          <a:prstGeom prst="line">
+            <a:avLst/>
+          </a:prstGeom>
+        </p:spPr>
+        <p:style>
+          <a:lnRef idx="3">
+            <a:schemeClr val="dk1"/>
+          </a:lnRef>
+          <a:fillRef idx="0">
+            <a:schemeClr val="dk1"/>
+          </a:fillRef>
+          <a:effectRef idx="2">
+            <a:schemeClr val="dk1"/>
+          </a:effectRef>
+          <a:fontRef idx="minor">
+            <a:schemeClr val="tx1"/>
+          </a:fontRef>
+        </p:style>
+      </p:cxnSp>
+      <p:sp>
+        <p:nvSpPr>
+          <p:cNvPr id="15" name="Прямоугольник 14">
+            <a:extLst>
+              <a:ext uri="{FF2B5EF4-FFF2-40B4-BE49-F238E27FC236}">
+                <a16:creationId xmlns:a16="http://schemas.microsoft.com/office/drawing/2014/main" id="{295AEC3C-D93D-416C-8CAA-B72C50B760DB}"/>
+              </a:ext>
+            </a:extLst>
+          </p:cNvPr>
+          <p:cNvSpPr/>
+          <p:nvPr/>
+        </p:nvSpPr>
+        <p:spPr>
+          <a:xfrm>
+            <a:off x="2220607" y="4589228"/>
+            <a:ext cx="1590473" cy="564204"/>
+          </a:xfrm>
+          <a:prstGeom prst="rect">
+            <a:avLst/>
+          </a:prstGeom>
+          <a:solidFill>
+            <a:srgbClr val="00B050"/>
+          </a:solidFill>
+          <a:ln w="0">
+            <a:noFill/>
+          </a:ln>
+        </p:spPr>
+        <p:style>
+          <a:lnRef idx="2">
+            <a:schemeClr val="accent1">
+              <a:shade val="50000"/>
+            </a:schemeClr>
+          </a:lnRef>
+          <a:fillRef idx="1">
+            <a:schemeClr val="accent1"/>
+          </a:fillRef>
+          <a:effectRef idx="0">
+            <a:schemeClr val="accent1"/>
+          </a:effectRef>
+          <a:fontRef idx="minor">
+            <a:schemeClr val="lt1"/>
+          </a:fontRef>
+        </p:style>
+        <p:txBody>
+          <a:bodyPr rtlCol="0" anchor="ctr"/>
+          <a:lstStyle/>
+          <a:p>
+            <a:pPr algn="ctr"/>
+            <a:r>
+              <a:rPr lang="en-US" dirty="0"/>
+              <a:t>Product</a:t>
+            </a:r>
+          </a:p>
+        </p:txBody>
+      </p:sp>
+      <p:cxnSp>
+        <p:nvCxnSpPr>
+          <p:cNvPr id="16" name="Прямая соединительная линия 15">
+            <a:extLst>
+              <a:ext uri="{FF2B5EF4-FFF2-40B4-BE49-F238E27FC236}">
+                <a16:creationId xmlns:a16="http://schemas.microsoft.com/office/drawing/2014/main" id="{4F26CA5A-EA7D-4975-A2EB-2A6F12854A1D}"/>
+              </a:ext>
+            </a:extLst>
+          </p:cNvPr>
+          <p:cNvCxnSpPr>
+            <a:cxnSpLocks/>
+            <a:stCxn id="15" idx="1"/>
+          </p:cNvCxnSpPr>
+          <p:nvPr/>
+        </p:nvCxnSpPr>
+        <p:spPr>
+          <a:xfrm flipH="1">
+            <a:off x="1875005" y="4871330"/>
+            <a:ext cx="345602" cy="0"/>
+          </a:xfrm>
+          <a:prstGeom prst="line">
+            <a:avLst/>
+          </a:prstGeom>
+        </p:spPr>
+        <p:style>
+          <a:lnRef idx="3">
+            <a:schemeClr val="dk1"/>
+          </a:lnRef>
+          <a:fillRef idx="0">
+            <a:schemeClr val="dk1"/>
+          </a:fillRef>
+          <a:effectRef idx="2">
+            <a:schemeClr val="dk1"/>
+          </a:effectRef>
+          <a:fontRef idx="minor">
+            <a:schemeClr val="tx1"/>
+          </a:fontRef>
+        </p:style>
+      </p:cxnSp>
+      <p:sp>
+        <p:nvSpPr>
+          <p:cNvPr id="17" name="Прямоугольник 16">
+            <a:extLst>
+              <a:ext uri="{FF2B5EF4-FFF2-40B4-BE49-F238E27FC236}">
+                <a16:creationId xmlns:a16="http://schemas.microsoft.com/office/drawing/2014/main" id="{5498A3EC-16B0-4FE6-88D8-33573EB8A235}"/>
+              </a:ext>
+            </a:extLst>
+          </p:cNvPr>
+          <p:cNvSpPr/>
+          <p:nvPr/>
+        </p:nvSpPr>
+        <p:spPr>
+          <a:xfrm>
+            <a:off x="2220607" y="5353414"/>
+            <a:ext cx="1590473" cy="564204"/>
+          </a:xfrm>
+          <a:prstGeom prst="rect">
+            <a:avLst/>
+          </a:prstGeom>
+          <a:solidFill>
+            <a:srgbClr val="00B050"/>
+          </a:solidFill>
+          <a:ln w="0">
+            <a:noFill/>
+          </a:ln>
+        </p:spPr>
+        <p:style>
+          <a:lnRef idx="2">
+            <a:schemeClr val="accent1">
+              <a:shade val="50000"/>
+            </a:schemeClr>
+          </a:lnRef>
+          <a:fillRef idx="1">
+            <a:schemeClr val="accent1"/>
+          </a:fillRef>
+          <a:effectRef idx="0">
+            <a:schemeClr val="accent1"/>
+          </a:effectRef>
+          <a:fontRef idx="minor">
+            <a:schemeClr val="lt1"/>
+          </a:fontRef>
+        </p:style>
+        <p:txBody>
+          <a:bodyPr rtlCol="0" anchor="ctr"/>
+          <a:lstStyle/>
+          <a:p>
+            <a:pPr algn="ctr"/>
+            <a:r>
+              <a:rPr lang="en-US" dirty="0"/>
+              <a:t>Product</a:t>
+            </a:r>
+          </a:p>
+        </p:txBody>
+      </p:sp>
+      <p:cxnSp>
+        <p:nvCxnSpPr>
+          <p:cNvPr id="18" name="Прямая соединительная линия 17">
+            <a:extLst>
+              <a:ext uri="{FF2B5EF4-FFF2-40B4-BE49-F238E27FC236}">
+                <a16:creationId xmlns:a16="http://schemas.microsoft.com/office/drawing/2014/main" id="{8431E47D-9EC3-40F5-941A-3839D9460642}"/>
+              </a:ext>
+            </a:extLst>
+          </p:cNvPr>
+          <p:cNvCxnSpPr>
+            <a:cxnSpLocks/>
+            <a:stCxn id="17" idx="1"/>
+          </p:cNvCxnSpPr>
+          <p:nvPr/>
+        </p:nvCxnSpPr>
+        <p:spPr>
+          <a:xfrm flipH="1">
+            <a:off x="1875005" y="5635516"/>
+            <a:ext cx="345602" cy="0"/>
+          </a:xfrm>
+          <a:prstGeom prst="line">
+            <a:avLst/>
+          </a:prstGeom>
+        </p:spPr>
+        <p:style>
+          <a:lnRef idx="3">
+            <a:schemeClr val="dk1"/>
+          </a:lnRef>
+          <a:fillRef idx="0">
+            <a:schemeClr val="dk1"/>
+          </a:fillRef>
+          <a:effectRef idx="2">
+            <a:schemeClr val="dk1"/>
+          </a:effectRef>
+          <a:fontRef idx="minor">
+            <a:schemeClr val="tx1"/>
+          </a:fontRef>
+        </p:style>
+      </p:cxnSp>
+      <p:sp>
+        <p:nvSpPr>
+          <p:cNvPr id="19" name="Прямоугольник 18">
+            <a:extLst>
+              <a:ext uri="{FF2B5EF4-FFF2-40B4-BE49-F238E27FC236}">
+                <a16:creationId xmlns:a16="http://schemas.microsoft.com/office/drawing/2014/main" id="{ED12E948-82D1-4863-B9F8-656CFD0A78C5}"/>
+              </a:ext>
+            </a:extLst>
+          </p:cNvPr>
+          <p:cNvSpPr/>
+          <p:nvPr/>
+        </p:nvSpPr>
+        <p:spPr>
+          <a:xfrm>
+            <a:off x="2220607" y="3069496"/>
+            <a:ext cx="1590473" cy="564204"/>
+          </a:xfrm>
+          <a:prstGeom prst="rect">
+            <a:avLst/>
+          </a:prstGeom>
+          <a:solidFill>
+            <a:srgbClr val="00B050"/>
+          </a:solidFill>
+          <a:ln w="0">
+            <a:noFill/>
+          </a:ln>
+        </p:spPr>
+        <p:style>
+          <a:lnRef idx="2">
+            <a:schemeClr val="accent1">
+              <a:shade val="50000"/>
+            </a:schemeClr>
+          </a:lnRef>
+          <a:fillRef idx="1">
+            <a:schemeClr val="accent1"/>
+          </a:fillRef>
+          <a:effectRef idx="0">
+            <a:schemeClr val="accent1"/>
+          </a:effectRef>
+          <a:fontRef idx="minor">
+            <a:schemeClr val="lt1"/>
+          </a:fontRef>
+        </p:style>
+        <p:txBody>
+          <a:bodyPr rtlCol="0" anchor="ctr"/>
+          <a:lstStyle/>
+          <a:p>
+            <a:pPr algn="ctr"/>
+            <a:r>
+              <a:rPr lang="en-US" dirty="0"/>
+              <a:t>Product</a:t>
+            </a:r>
+          </a:p>
+        </p:txBody>
+      </p:sp>
+      <p:cxnSp>
+        <p:nvCxnSpPr>
+          <p:cNvPr id="20" name="Прямая соединительная линия 19">
+            <a:extLst>
+              <a:ext uri="{FF2B5EF4-FFF2-40B4-BE49-F238E27FC236}">
+                <a16:creationId xmlns:a16="http://schemas.microsoft.com/office/drawing/2014/main" id="{761D24E8-D0DE-4352-B0E4-8C9F86FD3AC9}"/>
+              </a:ext>
+            </a:extLst>
+          </p:cNvPr>
+          <p:cNvCxnSpPr>
+            <a:cxnSpLocks/>
+            <a:stCxn id="19" idx="1"/>
+          </p:cNvCxnSpPr>
+          <p:nvPr/>
+        </p:nvCxnSpPr>
+        <p:spPr>
+          <a:xfrm flipH="1">
+            <a:off x="1875005" y="3351598"/>
+            <a:ext cx="345602" cy="0"/>
+          </a:xfrm>
+          <a:prstGeom prst="line">
+            <a:avLst/>
+          </a:prstGeom>
+        </p:spPr>
+        <p:style>
+          <a:lnRef idx="3">
+            <a:schemeClr val="dk1"/>
+          </a:lnRef>
+          <a:fillRef idx="0">
+            <a:schemeClr val="dk1"/>
+          </a:fillRef>
+          <a:effectRef idx="2">
+            <a:schemeClr val="dk1"/>
+          </a:effectRef>
+          <a:fontRef idx="minor">
+            <a:schemeClr val="tx1"/>
+          </a:fontRef>
+        </p:style>
+      </p:cxnSp>
+      <p:cxnSp>
+        <p:nvCxnSpPr>
+          <p:cNvPr id="21" name="Прямая соединительная линия 20">
+            <a:extLst>
+              <a:ext uri="{FF2B5EF4-FFF2-40B4-BE49-F238E27FC236}">
+                <a16:creationId xmlns:a16="http://schemas.microsoft.com/office/drawing/2014/main" id="{13F2C52D-9D94-49E9-882C-D271EED7DC6A}"/>
+              </a:ext>
+            </a:extLst>
+          </p:cNvPr>
+          <p:cNvCxnSpPr>
+            <a:cxnSpLocks/>
+          </p:cNvCxnSpPr>
+          <p:nvPr/>
+        </p:nvCxnSpPr>
+        <p:spPr>
+          <a:xfrm>
+            <a:off x="4424711" y="2596868"/>
+            <a:ext cx="0" cy="1251008"/>
+          </a:xfrm>
+          <a:prstGeom prst="line">
+            <a:avLst/>
+          </a:prstGeom>
+        </p:spPr>
+        <p:style>
+          <a:lnRef idx="3">
+            <a:schemeClr val="dk1"/>
+          </a:lnRef>
+          <a:fillRef idx="0">
+            <a:schemeClr val="dk1"/>
+          </a:fillRef>
+          <a:effectRef idx="2">
+            <a:schemeClr val="dk1"/>
+          </a:effectRef>
+          <a:fontRef idx="minor">
+            <a:schemeClr val="tx1"/>
+          </a:fontRef>
+        </p:style>
+      </p:cxnSp>
+      <p:cxnSp>
+        <p:nvCxnSpPr>
+          <p:cNvPr id="22" name="Прямая соединительная линия 21">
+            <a:extLst>
+              <a:ext uri="{FF2B5EF4-FFF2-40B4-BE49-F238E27FC236}">
+                <a16:creationId xmlns:a16="http://schemas.microsoft.com/office/drawing/2014/main" id="{A93DDF81-D97B-425F-8F90-AE27EE8FBD77}"/>
+              </a:ext>
+            </a:extLst>
+          </p:cNvPr>
+          <p:cNvCxnSpPr>
+            <a:cxnSpLocks/>
+          </p:cNvCxnSpPr>
+          <p:nvPr/>
+        </p:nvCxnSpPr>
+        <p:spPr>
+          <a:xfrm flipH="1">
+            <a:off x="3811080" y="3352428"/>
+            <a:ext cx="606488" cy="0"/>
+          </a:xfrm>
+          <a:prstGeom prst="line">
+            <a:avLst/>
+          </a:prstGeom>
+        </p:spPr>
+        <p:style>
+          <a:lnRef idx="3">
+            <a:schemeClr val="dk1"/>
+          </a:lnRef>
+          <a:fillRef idx="0">
+            <a:schemeClr val="dk1"/>
+          </a:fillRef>
+          <a:effectRef idx="2">
+            <a:schemeClr val="dk1"/>
+          </a:effectRef>
+          <a:fontRef idx="minor">
+            <a:schemeClr val="tx1"/>
+          </a:fontRef>
+        </p:style>
+      </p:cxnSp>
+      <p:cxnSp>
+        <p:nvCxnSpPr>
+          <p:cNvPr id="23" name="Прямая соединительная линия 22">
+            <a:extLst>
+              <a:ext uri="{FF2B5EF4-FFF2-40B4-BE49-F238E27FC236}">
+                <a16:creationId xmlns:a16="http://schemas.microsoft.com/office/drawing/2014/main" id="{5D95294C-5FED-405A-9D78-228A0EC7D765}"/>
+              </a:ext>
+            </a:extLst>
+          </p:cNvPr>
+          <p:cNvCxnSpPr>
+            <a:cxnSpLocks/>
+            <a:stCxn id="12" idx="1"/>
+          </p:cNvCxnSpPr>
+          <p:nvPr/>
+        </p:nvCxnSpPr>
+        <p:spPr>
+          <a:xfrm flipH="1">
+            <a:off x="4415187" y="2596868"/>
+            <a:ext cx="616012" cy="0"/>
+          </a:xfrm>
+          <a:prstGeom prst="line">
+            <a:avLst/>
+          </a:prstGeom>
+        </p:spPr>
+        <p:style>
+          <a:lnRef idx="3">
+            <a:schemeClr val="dk1"/>
+          </a:lnRef>
+          <a:fillRef idx="0">
+            <a:schemeClr val="dk1"/>
+          </a:fillRef>
+          <a:effectRef idx="2">
+            <a:schemeClr val="dk1"/>
+          </a:effectRef>
+          <a:fontRef idx="minor">
+            <a:schemeClr val="tx1"/>
+          </a:fontRef>
+        </p:style>
+      </p:cxnSp>
+      <p:sp>
+        <p:nvSpPr>
+          <p:cNvPr id="24" name="Прямоугольник 23">
+            <a:extLst>
+              <a:ext uri="{FF2B5EF4-FFF2-40B4-BE49-F238E27FC236}">
+                <a16:creationId xmlns:a16="http://schemas.microsoft.com/office/drawing/2014/main" id="{6E2A461D-896D-413C-951B-B5345B13EF76}"/>
+              </a:ext>
+            </a:extLst>
+          </p:cNvPr>
+          <p:cNvSpPr/>
+          <p:nvPr/>
+        </p:nvSpPr>
+        <p:spPr>
+          <a:xfrm>
+            <a:off x="5034771" y="2940270"/>
+            <a:ext cx="1590473" cy="564204"/>
+          </a:xfrm>
+          <a:prstGeom prst="rect">
+            <a:avLst/>
+          </a:prstGeom>
+          <a:solidFill>
+            <a:schemeClr val="accent5">
+              <a:lumMod val="50000"/>
+            </a:schemeClr>
+          </a:solidFill>
+          <a:ln w="0">
+            <a:noFill/>
+          </a:ln>
+        </p:spPr>
+        <p:style>
+          <a:lnRef idx="2">
+            <a:schemeClr val="accent1">
+              <a:shade val="50000"/>
+            </a:schemeClr>
+          </a:lnRef>
+          <a:fillRef idx="1">
+            <a:schemeClr val="accent1"/>
+          </a:fillRef>
+          <a:effectRef idx="0">
+            <a:schemeClr val="accent1"/>
+          </a:effectRef>
+          <a:fontRef idx="minor">
+            <a:schemeClr val="lt1"/>
+          </a:fontRef>
+        </p:style>
+        <p:txBody>
+          <a:bodyPr rtlCol="0" anchor="ctr"/>
+          <a:lstStyle/>
+          <a:p>
+            <a:pPr algn="ctr"/>
+            <a:r>
+              <a:rPr lang="en-US" dirty="0"/>
+              <a:t>Tag</a:t>
+            </a:r>
+          </a:p>
+        </p:txBody>
+      </p:sp>
+      <p:cxnSp>
+        <p:nvCxnSpPr>
+          <p:cNvPr id="25" name="Прямая соединительная линия 24">
+            <a:extLst>
+              <a:ext uri="{FF2B5EF4-FFF2-40B4-BE49-F238E27FC236}">
+                <a16:creationId xmlns:a16="http://schemas.microsoft.com/office/drawing/2014/main" id="{2B86543C-B007-4D16-A5B1-81DC6DAC8150}"/>
+              </a:ext>
+            </a:extLst>
+          </p:cNvPr>
+          <p:cNvCxnSpPr>
+            <a:cxnSpLocks/>
+            <a:stCxn id="24" idx="1"/>
+          </p:cNvCxnSpPr>
+          <p:nvPr/>
+        </p:nvCxnSpPr>
+        <p:spPr>
+          <a:xfrm flipH="1">
+            <a:off x="4418759" y="3222372"/>
+            <a:ext cx="616012" cy="0"/>
+          </a:xfrm>
+          <a:prstGeom prst="line">
+            <a:avLst/>
+          </a:prstGeom>
+        </p:spPr>
+        <p:style>
+          <a:lnRef idx="3">
+            <a:schemeClr val="dk1"/>
+          </a:lnRef>
+          <a:fillRef idx="0">
+            <a:schemeClr val="dk1"/>
+          </a:fillRef>
+          <a:effectRef idx="2">
+            <a:schemeClr val="dk1"/>
+          </a:effectRef>
+          <a:fontRef idx="minor">
+            <a:schemeClr val="tx1"/>
+          </a:fontRef>
+        </p:style>
+      </p:cxnSp>
+      <p:sp>
+        <p:nvSpPr>
+          <p:cNvPr id="26" name="Прямоугольник 25">
+            <a:extLst>
+              <a:ext uri="{FF2B5EF4-FFF2-40B4-BE49-F238E27FC236}">
+                <a16:creationId xmlns:a16="http://schemas.microsoft.com/office/drawing/2014/main" id="{9FC33B2C-B24A-4143-A79C-B622BA4C5CDD}"/>
+              </a:ext>
+            </a:extLst>
+          </p:cNvPr>
+          <p:cNvSpPr/>
+          <p:nvPr/>
+        </p:nvSpPr>
+        <p:spPr>
+          <a:xfrm>
+            <a:off x="5038343" y="3565774"/>
+            <a:ext cx="1590473" cy="564204"/>
+          </a:xfrm>
+          <a:prstGeom prst="rect">
+            <a:avLst/>
+          </a:prstGeom>
+          <a:solidFill>
+            <a:schemeClr val="accent5">
+              <a:lumMod val="50000"/>
+            </a:schemeClr>
+          </a:solidFill>
+          <a:ln w="0">
+            <a:noFill/>
+          </a:ln>
+        </p:spPr>
+        <p:style>
+          <a:lnRef idx="2">
+            <a:schemeClr val="accent1">
+              <a:shade val="50000"/>
+            </a:schemeClr>
+          </a:lnRef>
+          <a:fillRef idx="1">
+            <a:schemeClr val="accent1"/>
+          </a:fillRef>
+          <a:effectRef idx="0">
+            <a:schemeClr val="accent1"/>
+          </a:effectRef>
+          <a:fontRef idx="minor">
+            <a:schemeClr val="lt1"/>
+          </a:fontRef>
+        </p:style>
+        <p:txBody>
+          <a:bodyPr rtlCol="0" anchor="ctr"/>
+          <a:lstStyle/>
+          <a:p>
+            <a:pPr algn="ctr"/>
+            <a:r>
+              <a:rPr lang="en-US" dirty="0"/>
+              <a:t>Tag</a:t>
+            </a:r>
+          </a:p>
+        </p:txBody>
+      </p:sp>
+      <p:cxnSp>
+        <p:nvCxnSpPr>
+          <p:cNvPr id="27" name="Прямая соединительная линия 26">
+            <a:extLst>
+              <a:ext uri="{FF2B5EF4-FFF2-40B4-BE49-F238E27FC236}">
+                <a16:creationId xmlns:a16="http://schemas.microsoft.com/office/drawing/2014/main" id="{AC06B958-FF5F-41B2-ABBD-DD9A6CFEB964}"/>
+              </a:ext>
+            </a:extLst>
+          </p:cNvPr>
+          <p:cNvCxnSpPr>
+            <a:cxnSpLocks/>
+            <a:stCxn id="26" idx="1"/>
+          </p:cNvCxnSpPr>
+          <p:nvPr/>
+        </p:nvCxnSpPr>
+        <p:spPr>
+          <a:xfrm flipH="1">
+            <a:off x="4422331" y="3847876"/>
+            <a:ext cx="616012" cy="0"/>
+          </a:xfrm>
+          <a:prstGeom prst="line">
+            <a:avLst/>
+          </a:prstGeom>
+        </p:spPr>
+        <p:style>
+          <a:lnRef idx="3">
+            <a:schemeClr val="dk1"/>
+          </a:lnRef>
+          <a:fillRef idx="0">
+            <a:schemeClr val="dk1"/>
+          </a:fillRef>
+          <a:effectRef idx="2">
+            <a:schemeClr val="dk1"/>
+          </a:effectRef>
+          <a:fontRef idx="minor">
+            <a:schemeClr val="tx1"/>
+          </a:fontRef>
+        </p:style>
+      </p:cxnSp>
+      <p:cxnSp>
+        <p:nvCxnSpPr>
+          <p:cNvPr id="28" name="Прямая соединительная линия 27">
+            <a:extLst>
+              <a:ext uri="{FF2B5EF4-FFF2-40B4-BE49-F238E27FC236}">
+                <a16:creationId xmlns:a16="http://schemas.microsoft.com/office/drawing/2014/main" id="{5F7538BC-8F10-4FDB-8243-01284BBBF1AC}"/>
+              </a:ext>
+            </a:extLst>
+          </p:cNvPr>
+          <p:cNvCxnSpPr>
+            <a:cxnSpLocks/>
+          </p:cNvCxnSpPr>
+          <p:nvPr/>
+        </p:nvCxnSpPr>
+        <p:spPr>
+          <a:xfrm>
+            <a:off x="4417568" y="4529492"/>
+            <a:ext cx="0" cy="1251008"/>
+          </a:xfrm>
+          <a:prstGeom prst="line">
+            <a:avLst/>
+          </a:prstGeom>
+        </p:spPr>
+        <p:style>
+          <a:lnRef idx="3">
+            <a:schemeClr val="dk1"/>
+          </a:lnRef>
+          <a:fillRef idx="0">
+            <a:schemeClr val="dk1"/>
+          </a:fillRef>
+          <a:effectRef idx="2">
+            <a:schemeClr val="dk1"/>
+          </a:effectRef>
+          <a:fontRef idx="minor">
+            <a:schemeClr val="tx1"/>
+          </a:fontRef>
+        </p:style>
+      </p:cxnSp>
+      <p:cxnSp>
+        <p:nvCxnSpPr>
+          <p:cNvPr id="29" name="Прямая соединительная линия 28">
+            <a:extLst>
+              <a:ext uri="{FF2B5EF4-FFF2-40B4-BE49-F238E27FC236}">
+                <a16:creationId xmlns:a16="http://schemas.microsoft.com/office/drawing/2014/main" id="{7DC8262E-3802-4D02-8C27-CA65D7687DB1}"/>
+              </a:ext>
+            </a:extLst>
+          </p:cNvPr>
+          <p:cNvCxnSpPr>
+            <a:cxnSpLocks/>
+          </p:cNvCxnSpPr>
+          <p:nvPr/>
+        </p:nvCxnSpPr>
+        <p:spPr>
+          <a:xfrm flipH="1">
+            <a:off x="3811080" y="5029863"/>
+            <a:ext cx="606488" cy="0"/>
+          </a:xfrm>
+          <a:prstGeom prst="line">
+            <a:avLst/>
+          </a:prstGeom>
+        </p:spPr>
+        <p:style>
+          <a:lnRef idx="3">
+            <a:schemeClr val="dk1"/>
+          </a:lnRef>
+          <a:fillRef idx="0">
+            <a:schemeClr val="dk1"/>
+          </a:fillRef>
+          <a:effectRef idx="2">
+            <a:schemeClr val="dk1"/>
+          </a:effectRef>
+          <a:fontRef idx="minor">
+            <a:schemeClr val="tx1"/>
+          </a:fontRef>
+        </p:style>
+      </p:cxnSp>
+      <p:cxnSp>
+        <p:nvCxnSpPr>
+          <p:cNvPr id="30" name="Прямая соединительная линия 29">
+            <a:extLst>
+              <a:ext uri="{FF2B5EF4-FFF2-40B4-BE49-F238E27FC236}">
+                <a16:creationId xmlns:a16="http://schemas.microsoft.com/office/drawing/2014/main" id="{3D564C0F-BF98-4FE1-A093-509248F58CF6}"/>
+              </a:ext>
+            </a:extLst>
+          </p:cNvPr>
+          <p:cNvCxnSpPr>
+            <a:cxnSpLocks/>
+          </p:cNvCxnSpPr>
+          <p:nvPr/>
+        </p:nvCxnSpPr>
+        <p:spPr>
+          <a:xfrm flipH="1">
+            <a:off x="4408044" y="4529492"/>
+            <a:ext cx="616012" cy="0"/>
+          </a:xfrm>
+          <a:prstGeom prst="line">
+            <a:avLst/>
+          </a:prstGeom>
+        </p:spPr>
+        <p:style>
+          <a:lnRef idx="3">
+            <a:schemeClr val="dk1"/>
+          </a:lnRef>
+          <a:fillRef idx="0">
+            <a:schemeClr val="dk1"/>
+          </a:fillRef>
+          <a:effectRef idx="2">
+            <a:schemeClr val="dk1"/>
+          </a:effectRef>
+          <a:fontRef idx="minor">
+            <a:schemeClr val="tx1"/>
+          </a:fontRef>
+        </p:style>
+      </p:cxnSp>
+      <p:cxnSp>
+        <p:nvCxnSpPr>
+          <p:cNvPr id="31" name="Прямая соединительная линия 30">
+            <a:extLst>
+              <a:ext uri="{FF2B5EF4-FFF2-40B4-BE49-F238E27FC236}">
+                <a16:creationId xmlns:a16="http://schemas.microsoft.com/office/drawing/2014/main" id="{582CB725-76FF-4168-94C3-5E661BC50A09}"/>
+              </a:ext>
+            </a:extLst>
+          </p:cNvPr>
+          <p:cNvCxnSpPr>
+            <a:cxnSpLocks/>
+          </p:cNvCxnSpPr>
+          <p:nvPr/>
+        </p:nvCxnSpPr>
+        <p:spPr>
+          <a:xfrm flipH="1">
+            <a:off x="4411616" y="5154996"/>
+            <a:ext cx="616012" cy="0"/>
+          </a:xfrm>
+          <a:prstGeom prst="line">
+            <a:avLst/>
+          </a:prstGeom>
+        </p:spPr>
+        <p:style>
+          <a:lnRef idx="3">
+            <a:schemeClr val="dk1"/>
+          </a:lnRef>
+          <a:fillRef idx="0">
+            <a:schemeClr val="dk1"/>
+          </a:fillRef>
+          <a:effectRef idx="2">
+            <a:schemeClr val="dk1"/>
+          </a:effectRef>
+          <a:fontRef idx="minor">
+            <a:schemeClr val="tx1"/>
+          </a:fontRef>
+        </p:style>
+      </p:cxnSp>
+      <p:cxnSp>
+        <p:nvCxnSpPr>
+          <p:cNvPr id="32" name="Прямая соединительная линия 31">
+            <a:extLst>
+              <a:ext uri="{FF2B5EF4-FFF2-40B4-BE49-F238E27FC236}">
+                <a16:creationId xmlns:a16="http://schemas.microsoft.com/office/drawing/2014/main" id="{444D47ED-4311-4103-8EF5-FEA78A032DD0}"/>
+              </a:ext>
+            </a:extLst>
+          </p:cNvPr>
+          <p:cNvCxnSpPr>
+            <a:cxnSpLocks/>
+          </p:cNvCxnSpPr>
+          <p:nvPr/>
+        </p:nvCxnSpPr>
+        <p:spPr>
+          <a:xfrm flipH="1">
+            <a:off x="4415188" y="5780500"/>
+            <a:ext cx="616012" cy="0"/>
+          </a:xfrm>
+          <a:prstGeom prst="line">
+            <a:avLst/>
+          </a:prstGeom>
+        </p:spPr>
+        <p:style>
+          <a:lnRef idx="3">
+            <a:schemeClr val="dk1"/>
+          </a:lnRef>
+          <a:fillRef idx="0">
+            <a:schemeClr val="dk1"/>
+          </a:fillRef>
+          <a:effectRef idx="2">
+            <a:schemeClr val="dk1"/>
+          </a:effectRef>
+          <a:fontRef idx="minor">
+            <a:schemeClr val="tx1"/>
+          </a:fontRef>
+        </p:style>
+      </p:cxnSp>
+      <p:sp>
+        <p:nvSpPr>
+          <p:cNvPr id="33" name="Прямоугольник 32">
+            <a:extLst>
+              <a:ext uri="{FF2B5EF4-FFF2-40B4-BE49-F238E27FC236}">
+                <a16:creationId xmlns:a16="http://schemas.microsoft.com/office/drawing/2014/main" id="{CF9BEA43-50C5-405E-8181-6912420640C5}"/>
+              </a:ext>
+            </a:extLst>
+          </p:cNvPr>
+          <p:cNvSpPr/>
+          <p:nvPr/>
+        </p:nvSpPr>
+        <p:spPr>
+          <a:xfrm>
+            <a:off x="5027628" y="4885116"/>
+            <a:ext cx="1590473" cy="564204"/>
+          </a:xfrm>
+          <a:prstGeom prst="rect">
+            <a:avLst/>
+          </a:prstGeom>
+          <a:solidFill>
+            <a:schemeClr val="accent5">
+              <a:lumMod val="50000"/>
+            </a:schemeClr>
+          </a:solidFill>
+          <a:ln w="0">
+            <a:noFill/>
+          </a:ln>
+        </p:spPr>
+        <p:style>
+          <a:lnRef idx="2">
+            <a:schemeClr val="accent1">
+              <a:shade val="50000"/>
+            </a:schemeClr>
+          </a:lnRef>
+          <a:fillRef idx="1">
+            <a:schemeClr val="accent1"/>
+          </a:fillRef>
+          <a:effectRef idx="0">
+            <a:schemeClr val="accent1"/>
+          </a:effectRef>
+          <a:fontRef idx="minor">
+            <a:schemeClr val="lt1"/>
+          </a:fontRef>
+        </p:style>
+        <p:txBody>
+          <a:bodyPr rtlCol="0" anchor="ctr"/>
+          <a:lstStyle/>
+          <a:p>
+            <a:pPr algn="ctr"/>
+            <a:r>
+              <a:rPr lang="en-US" dirty="0"/>
+              <a:t>Review</a:t>
+            </a:r>
+          </a:p>
+        </p:txBody>
+      </p:sp>
+      <p:sp>
+        <p:nvSpPr>
+          <p:cNvPr id="34" name="Прямоугольник 33">
+            <a:extLst>
+              <a:ext uri="{FF2B5EF4-FFF2-40B4-BE49-F238E27FC236}">
+                <a16:creationId xmlns:a16="http://schemas.microsoft.com/office/drawing/2014/main" id="{31AE8895-6F91-40F1-81C1-FD3B5EFDEC0B}"/>
+              </a:ext>
+            </a:extLst>
+          </p:cNvPr>
+          <p:cNvSpPr/>
+          <p:nvPr/>
+        </p:nvSpPr>
+        <p:spPr>
+          <a:xfrm>
+            <a:off x="5024057" y="5502601"/>
+            <a:ext cx="1590473" cy="564204"/>
+          </a:xfrm>
+          <a:prstGeom prst="rect">
+            <a:avLst/>
+          </a:prstGeom>
+          <a:solidFill>
+            <a:schemeClr val="accent5">
+              <a:lumMod val="50000"/>
+            </a:schemeClr>
+          </a:solidFill>
+          <a:ln w="0">
+            <a:noFill/>
+          </a:ln>
+        </p:spPr>
+        <p:style>
+          <a:lnRef idx="2">
+            <a:schemeClr val="accent1">
+              <a:shade val="50000"/>
+            </a:schemeClr>
+          </a:lnRef>
+          <a:fillRef idx="1">
+            <a:schemeClr val="accent1"/>
+          </a:fillRef>
+          <a:effectRef idx="0">
+            <a:schemeClr val="accent1"/>
+          </a:effectRef>
+          <a:fontRef idx="minor">
+            <a:schemeClr val="lt1"/>
+          </a:fontRef>
+        </p:style>
+        <p:txBody>
+          <a:bodyPr rtlCol="0" anchor="ctr"/>
+          <a:lstStyle/>
+          <a:p>
+            <a:pPr algn="ctr"/>
+            <a:r>
+              <a:rPr lang="en-US" dirty="0"/>
+              <a:t>Review</a:t>
+            </a:r>
+          </a:p>
+        </p:txBody>
+      </p:sp>
+      <p:sp>
+        <p:nvSpPr>
+          <p:cNvPr id="35" name="Прямоугольник 34">
+            <a:extLst>
+              <a:ext uri="{FF2B5EF4-FFF2-40B4-BE49-F238E27FC236}">
+                <a16:creationId xmlns:a16="http://schemas.microsoft.com/office/drawing/2014/main" id="{1B91A1E7-1B5D-4FBD-9ECF-284894008C4B}"/>
+              </a:ext>
+            </a:extLst>
+          </p:cNvPr>
+          <p:cNvSpPr/>
+          <p:nvPr/>
+        </p:nvSpPr>
+        <p:spPr>
+          <a:xfrm>
+            <a:off x="7580903" y="2378413"/>
+            <a:ext cx="2153370" cy="564204"/>
+          </a:xfrm>
+          <a:prstGeom prst="rect">
+            <a:avLst/>
+          </a:prstGeom>
+          <a:solidFill>
+            <a:schemeClr val="accent5">
+              <a:lumMod val="50000"/>
+            </a:schemeClr>
+          </a:solidFill>
+          <a:ln w="0">
+            <a:noFill/>
+          </a:ln>
+        </p:spPr>
+        <p:style>
+          <a:lnRef idx="2">
+            <a:schemeClr val="accent1">
+              <a:shade val="50000"/>
+            </a:schemeClr>
+          </a:lnRef>
+          <a:fillRef idx="1">
+            <a:schemeClr val="accent1"/>
+          </a:fillRef>
+          <a:effectRef idx="0">
+            <a:schemeClr val="accent1"/>
+          </a:effectRef>
+          <a:fontRef idx="minor">
+            <a:schemeClr val="lt1"/>
+          </a:fontRef>
+        </p:style>
+        <p:txBody>
+          <a:bodyPr rtlCol="0" anchor="ctr"/>
+          <a:lstStyle/>
+          <a:p>
+            <a:pPr algn="ctr"/>
+            <a:r>
+              <a:rPr lang="en-US" dirty="0"/>
+              <a:t>Application User</a:t>
+            </a:r>
+          </a:p>
+        </p:txBody>
+      </p:sp>
+      <p:sp>
+        <p:nvSpPr>
+          <p:cNvPr id="36" name="Прямоугольник 35">
+            <a:extLst>
+              <a:ext uri="{FF2B5EF4-FFF2-40B4-BE49-F238E27FC236}">
+                <a16:creationId xmlns:a16="http://schemas.microsoft.com/office/drawing/2014/main" id="{F01443DA-751F-4D0E-B42F-374675A63C79}"/>
+              </a:ext>
+            </a:extLst>
+          </p:cNvPr>
+          <p:cNvSpPr/>
+          <p:nvPr/>
+        </p:nvSpPr>
+        <p:spPr>
+          <a:xfrm>
+            <a:off x="7580903" y="3084366"/>
+            <a:ext cx="2153370" cy="564204"/>
+          </a:xfrm>
+          <a:prstGeom prst="rect">
+            <a:avLst/>
+          </a:prstGeom>
+          <a:solidFill>
+            <a:schemeClr val="accent5">
+              <a:lumMod val="50000"/>
+            </a:schemeClr>
+          </a:solidFill>
+          <a:ln w="0">
+            <a:noFill/>
+          </a:ln>
+        </p:spPr>
+        <p:style>
+          <a:lnRef idx="2">
+            <a:schemeClr val="accent1">
+              <a:shade val="50000"/>
+            </a:schemeClr>
+          </a:lnRef>
+          <a:fillRef idx="1">
+            <a:schemeClr val="accent1"/>
+          </a:fillRef>
+          <a:effectRef idx="0">
+            <a:schemeClr val="accent1"/>
+          </a:effectRef>
+          <a:fontRef idx="minor">
+            <a:schemeClr val="lt1"/>
+          </a:fontRef>
+        </p:style>
+        <p:txBody>
+          <a:bodyPr rtlCol="0" anchor="ctr"/>
+          <a:lstStyle/>
+          <a:p>
+            <a:pPr algn="ctr"/>
+            <a:r>
+              <a:rPr lang="en-US" dirty="0"/>
+              <a:t>ApplicationRole</a:t>
+            </a:r>
+          </a:p>
+        </p:txBody>
+      </p:sp>
+      <p:sp>
+        <p:nvSpPr>
+          <p:cNvPr id="37" name="Прямоугольник 36">
+            <a:extLst>
+              <a:ext uri="{FF2B5EF4-FFF2-40B4-BE49-F238E27FC236}">
+                <a16:creationId xmlns:a16="http://schemas.microsoft.com/office/drawing/2014/main" id="{4D750AF9-31B5-47E0-881E-C49BC74674DA}"/>
+              </a:ext>
+            </a:extLst>
+          </p:cNvPr>
+          <p:cNvSpPr/>
+          <p:nvPr/>
+        </p:nvSpPr>
+        <p:spPr>
+          <a:xfrm>
+            <a:off x="7580903" y="3790319"/>
+            <a:ext cx="2153370" cy="564204"/>
+          </a:xfrm>
+          <a:prstGeom prst="rect">
+            <a:avLst/>
+          </a:prstGeom>
+          <a:solidFill>
+            <a:schemeClr val="accent5">
+              <a:lumMod val="50000"/>
+            </a:schemeClr>
+          </a:solidFill>
+          <a:ln w="0">
+            <a:noFill/>
+          </a:ln>
+        </p:spPr>
+        <p:style>
+          <a:lnRef idx="2">
+            <a:schemeClr val="accent1">
+              <a:shade val="50000"/>
+            </a:schemeClr>
+          </a:lnRef>
+          <a:fillRef idx="1">
+            <a:schemeClr val="accent1"/>
+          </a:fillRef>
+          <a:effectRef idx="0">
+            <a:schemeClr val="accent1"/>
+          </a:effectRef>
+          <a:fontRef idx="minor">
+            <a:schemeClr val="lt1"/>
+          </a:fontRef>
+        </p:style>
+        <p:txBody>
+          <a:bodyPr rtlCol="0" anchor="ctr"/>
+          <a:lstStyle/>
+          <a:p>
+            <a:pPr algn="ctr"/>
+            <a:r>
+              <a:rPr lang="en-US" dirty="0"/>
+              <a:t>Log</a:t>
+            </a:r>
+          </a:p>
+        </p:txBody>
+      </p:sp>
+    </p:spTree>
+    <p:extLst>
+      <p:ext uri="{BB962C8B-B14F-4D97-AF65-F5344CB8AC3E}">
+        <p14:creationId xmlns:p14="http://schemas.microsoft.com/office/powerpoint/2010/main" val="3607345069"/>
+      </p:ext>
+    </p:extLst>
+  </p:cSld>
+  <p:clrMapOvr>
+    <a:masterClrMapping/>
+  </p:clrMapOvr>
+  <p:transition spd="med">
+    <p:pull/>
+  </p:transition>
+</p:sld>
+</file>
+
 <file path=ppt/slides/slide2.xml><?xml version="1.0" encoding="utf-8"?>
 <p:sld xmlns:a="http://schemas.openxmlformats.org/drawingml/2006/main" xmlns:r="http://schemas.openxmlformats.org/officeDocument/2006/relationships" xmlns:p="http://schemas.openxmlformats.org/presentationml/2006/main">
   <p:cSld>
@@ -5096,7 +7226,7 @@
           <a:p>
             <a:fld id="{10A25188-2956-4DA3-8229-5D523B568A6A}" type="datetime1">
               <a:rPr lang="ru-RU" smtClean="0"/>
-              <a:t>22.05.2019</a:t>
+              <a:t>26.05.2019</a:t>
             </a:fld>
             <a:endParaRPr lang="en-US"/>
           </a:p>
@@ -5520,7 +7650,7 @@
           <a:p>
             <a:fld id="{2B345FB0-09AD-4AC0-8DC4-6C68B700A600}" type="datetime1">
               <a:rPr lang="ru-RU" smtClean="0"/>
-              <a:t>22.05.2019</a:t>
+              <a:t>26.05.2019</a:t>
             </a:fld>
             <a:endParaRPr lang="en-US"/>
           </a:p>
@@ -5723,7 +7853,7 @@
           <a:p>
             <a:fld id="{AA4BE119-AABE-437D-8F94-331A05056B80}" type="datetime1">
               <a:rPr lang="ru-RU" smtClean="0"/>
-              <a:t>22.05.2019</a:t>
+              <a:t>26.05.2019</a:t>
             </a:fld>
             <a:endParaRPr lang="en-US"/>
           </a:p>
@@ -5903,7 +8033,7 @@
           <a:p>
             <a:fld id="{AA4BE119-AABE-437D-8F94-331A05056B80}" type="datetime1">
               <a:rPr lang="ru-RU" smtClean="0"/>
-              <a:t>22.05.2019</a:t>
+              <a:t>26.05.2019</a:t>
             </a:fld>
             <a:endParaRPr lang="en-US"/>
           </a:p>
@@ -6639,7 +8769,7 @@
           <a:p>
             <a:fld id="{2D4A23AA-1D21-4822-8346-CA7E14AECDD0}" type="datetime1">
               <a:rPr lang="ru-RU" smtClean="0"/>
-              <a:t>22.05.2019</a:t>
+              <a:t>26.05.2019</a:t>
             </a:fld>
             <a:endParaRPr lang="en-US"/>
           </a:p>
@@ -6899,7 +9029,7 @@
           <a:p>
             <a:fld id="{2D4A23AA-1D21-4822-8346-CA7E14AECDD0}" type="datetime1">
               <a:rPr lang="ru-RU" smtClean="0"/>
-              <a:t>22.05.2019</a:t>
+              <a:t>26.05.2019</a:t>
             </a:fld>
             <a:endParaRPr lang="en-US"/>
           </a:p>
@@ -8218,10 +10348,9 @@
           <a:p>
             <a:pPr algn="ctr"/>
             <a:r>
-              <a:rPr lang="en-US" dirty="0" err="1"/>
+              <a:rPr lang="en-US" dirty="0"/>
               <a:t>ApplicationRole</a:t>
             </a:r>
-            <a:endParaRPr lang="en-US" dirty="0"/>
           </a:p>
         </p:txBody>
       </p:sp>
@@ -8792,7 +10921,7 @@
           <a:p>
             <a:fld id="{2D4A23AA-1D21-4822-8346-CA7E14AECDD0}" type="datetime1">
               <a:rPr lang="ru-RU" smtClean="0"/>
-              <a:t>22.05.2019</a:t>
+              <a:t>26.05.2019</a:t>
             </a:fld>
             <a:endParaRPr lang="en-US"/>
           </a:p>
@@ -9190,7 +11319,7 @@
           <a:p>
             <a:fld id="{2D4A23AA-1D21-4822-8346-CA7E14AECDD0}" type="datetime1">
               <a:rPr lang="ru-RU" smtClean="0"/>
-              <a:t>22.05.2019</a:t>
+              <a:t>26.05.2019</a:t>
             </a:fld>
             <a:endParaRPr lang="en-US"/>
           </a:p>

--- a/Presentation/Calabonga.Catalog.pptx
+++ b/Presentation/Calabonga.Catalog.pptx
@@ -5,10 +5,10 @@
     <p:sldMasterId id="2147483762" r:id="rId1"/>
   </p:sldMasterIdLst>
   <p:notesMasterIdLst>
-    <p:notesMasterId r:id="rId14"/>
+    <p:notesMasterId r:id="rId18"/>
   </p:notesMasterIdLst>
   <p:handoutMasterIdLst>
-    <p:handoutMasterId r:id="rId15"/>
+    <p:handoutMasterId r:id="rId19"/>
   </p:handoutMasterIdLst>
   <p:sldIdLst>
     <p:sldId id="256" r:id="rId2"/>
@@ -23,6 +23,10 @@
     <p:sldId id="265" r:id="rId11"/>
     <p:sldId id="267" r:id="rId12"/>
     <p:sldId id="266" r:id="rId13"/>
+    <p:sldId id="268" r:id="rId14"/>
+    <p:sldId id="269" r:id="rId15"/>
+    <p:sldId id="270" r:id="rId16"/>
+    <p:sldId id="271" r:id="rId17"/>
   </p:sldIdLst>
   <p:sldSz cx="12192000" cy="6858000"/>
   <p:notesSz cx="6858000" cy="9144000"/>
@@ -144,6 +148,2759 @@
 </p:cmAuthorLst>
 </file>
 
+<file path=ppt/diagrams/colors1.xml><?xml version="1.0" encoding="utf-8"?>
+<dgm:colorsDef xmlns:dgm="http://schemas.openxmlformats.org/drawingml/2006/diagram" xmlns:a="http://schemas.openxmlformats.org/drawingml/2006/main" uniqueId="urn:microsoft.com/office/officeart/2005/8/colors/accent1_2">
+  <dgm:title val=""/>
+  <dgm:desc val=""/>
+  <dgm:catLst>
+    <dgm:cat type="accent1" pri="11200"/>
+  </dgm:catLst>
+  <dgm:styleLbl name="node0">
+    <dgm:fillClrLst meth="repeat">
+      <a:schemeClr val="accent1"/>
+    </dgm:fillClrLst>
+    <dgm:linClrLst meth="repeat">
+      <a:schemeClr val="lt1"/>
+    </dgm:linClrLst>
+    <dgm:effectClrLst/>
+    <dgm:txLinClrLst/>
+    <dgm:txFillClrLst/>
+    <dgm:txEffectClrLst/>
+  </dgm:styleLbl>
+  <dgm:styleLbl name="alignNode1">
+    <dgm:fillClrLst meth="repeat">
+      <a:schemeClr val="accent1"/>
+    </dgm:fillClrLst>
+    <dgm:linClrLst meth="repeat">
+      <a:schemeClr val="accent1"/>
+    </dgm:linClrLst>
+    <dgm:effectClrLst/>
+    <dgm:txLinClrLst/>
+    <dgm:txFillClrLst/>
+    <dgm:txEffectClrLst/>
+  </dgm:styleLbl>
+  <dgm:styleLbl name="node1">
+    <dgm:fillClrLst meth="repeat">
+      <a:schemeClr val="accent1"/>
+    </dgm:fillClrLst>
+    <dgm:linClrLst meth="repeat">
+      <a:schemeClr val="lt1"/>
+    </dgm:linClrLst>
+    <dgm:effectClrLst/>
+    <dgm:txLinClrLst/>
+    <dgm:txFillClrLst/>
+    <dgm:txEffectClrLst/>
+  </dgm:styleLbl>
+  <dgm:styleLbl name="lnNode1">
+    <dgm:fillClrLst meth="repeat">
+      <a:schemeClr val="accent1"/>
+    </dgm:fillClrLst>
+    <dgm:linClrLst meth="repeat">
+      <a:schemeClr val="lt1"/>
+    </dgm:linClrLst>
+    <dgm:effectClrLst/>
+    <dgm:txLinClrLst/>
+    <dgm:txFillClrLst/>
+    <dgm:txEffectClrLst/>
+  </dgm:styleLbl>
+  <dgm:styleLbl name="vennNode1">
+    <dgm:fillClrLst meth="repeat">
+      <a:schemeClr val="accent1">
+        <a:alpha val="50000"/>
+      </a:schemeClr>
+    </dgm:fillClrLst>
+    <dgm:linClrLst meth="repeat">
+      <a:schemeClr val="lt1"/>
+    </dgm:linClrLst>
+    <dgm:effectClrLst/>
+    <dgm:txLinClrLst/>
+    <dgm:txFillClrLst/>
+    <dgm:txEffectClrLst/>
+  </dgm:styleLbl>
+  <dgm:styleLbl name="node2">
+    <dgm:fillClrLst meth="repeat">
+      <a:schemeClr val="accent1"/>
+    </dgm:fillClrLst>
+    <dgm:linClrLst meth="repeat">
+      <a:schemeClr val="lt1"/>
+    </dgm:linClrLst>
+    <dgm:effectClrLst/>
+    <dgm:txLinClrLst/>
+    <dgm:txFillClrLst/>
+    <dgm:txEffectClrLst/>
+  </dgm:styleLbl>
+  <dgm:styleLbl name="node3">
+    <dgm:fillClrLst meth="repeat">
+      <a:schemeClr val="accent1"/>
+    </dgm:fillClrLst>
+    <dgm:linClrLst meth="repeat">
+      <a:schemeClr val="lt1"/>
+    </dgm:linClrLst>
+    <dgm:effectClrLst/>
+    <dgm:txLinClrLst/>
+    <dgm:txFillClrLst/>
+    <dgm:txEffectClrLst/>
+  </dgm:styleLbl>
+  <dgm:styleLbl name="node4">
+    <dgm:fillClrLst meth="repeat">
+      <a:schemeClr val="accent1"/>
+    </dgm:fillClrLst>
+    <dgm:linClrLst meth="repeat">
+      <a:schemeClr val="lt1"/>
+    </dgm:linClrLst>
+    <dgm:effectClrLst/>
+    <dgm:txLinClrLst/>
+    <dgm:txFillClrLst/>
+    <dgm:txEffectClrLst/>
+  </dgm:styleLbl>
+  <dgm:styleLbl name="fgImgPlace1">
+    <dgm:fillClrLst meth="repeat">
+      <a:schemeClr val="accent1">
+        <a:tint val="50000"/>
+      </a:schemeClr>
+    </dgm:fillClrLst>
+    <dgm:linClrLst meth="repeat">
+      <a:schemeClr val="lt1"/>
+    </dgm:linClrLst>
+    <dgm:effectClrLst/>
+    <dgm:txLinClrLst/>
+    <dgm:txFillClrLst meth="repeat">
+      <a:schemeClr val="lt1"/>
+    </dgm:txFillClrLst>
+    <dgm:txEffectClrLst/>
+  </dgm:styleLbl>
+  <dgm:styleLbl name="alignImgPlace1">
+    <dgm:fillClrLst meth="repeat">
+      <a:schemeClr val="accent1">
+        <a:tint val="50000"/>
+      </a:schemeClr>
+    </dgm:fillClrLst>
+    <dgm:linClrLst meth="repeat">
+      <a:schemeClr val="lt1"/>
+    </dgm:linClrLst>
+    <dgm:effectClrLst/>
+    <dgm:txLinClrLst/>
+    <dgm:txFillClrLst meth="repeat">
+      <a:schemeClr val="lt1"/>
+    </dgm:txFillClrLst>
+    <dgm:txEffectClrLst/>
+  </dgm:styleLbl>
+  <dgm:styleLbl name="bgImgPlace1">
+    <dgm:fillClrLst meth="repeat">
+      <a:schemeClr val="accent1">
+        <a:tint val="50000"/>
+      </a:schemeClr>
+    </dgm:fillClrLst>
+    <dgm:linClrLst meth="repeat">
+      <a:schemeClr val="lt1"/>
+    </dgm:linClrLst>
+    <dgm:effectClrLst/>
+    <dgm:txLinClrLst/>
+    <dgm:txFillClrLst meth="repeat">
+      <a:schemeClr val="lt1"/>
+    </dgm:txFillClrLst>
+    <dgm:txEffectClrLst/>
+  </dgm:styleLbl>
+  <dgm:styleLbl name="sibTrans2D1">
+    <dgm:fillClrLst meth="repeat">
+      <a:schemeClr val="accent1">
+        <a:tint val="60000"/>
+      </a:schemeClr>
+    </dgm:fillClrLst>
+    <dgm:linClrLst meth="repeat">
+      <a:schemeClr val="accent1">
+        <a:tint val="60000"/>
+      </a:schemeClr>
+    </dgm:linClrLst>
+    <dgm:effectClrLst/>
+    <dgm:txLinClrLst/>
+    <dgm:txFillClrLst/>
+    <dgm:txEffectClrLst/>
+  </dgm:styleLbl>
+  <dgm:styleLbl name="fgSibTrans2D1">
+    <dgm:fillClrLst meth="repeat">
+      <a:schemeClr val="accent1">
+        <a:tint val="60000"/>
+      </a:schemeClr>
+    </dgm:fillClrLst>
+    <dgm:linClrLst meth="repeat">
+      <a:schemeClr val="accent1">
+        <a:tint val="60000"/>
+      </a:schemeClr>
+    </dgm:linClrLst>
+    <dgm:effectClrLst/>
+    <dgm:txLinClrLst/>
+    <dgm:txFillClrLst/>
+    <dgm:txEffectClrLst/>
+  </dgm:styleLbl>
+  <dgm:styleLbl name="bgSibTrans2D1">
+    <dgm:fillClrLst meth="repeat">
+      <a:schemeClr val="accent1">
+        <a:tint val="60000"/>
+      </a:schemeClr>
+    </dgm:fillClrLst>
+    <dgm:linClrLst meth="repeat">
+      <a:schemeClr val="accent1">
+        <a:tint val="60000"/>
+      </a:schemeClr>
+    </dgm:linClrLst>
+    <dgm:effectClrLst/>
+    <dgm:txLinClrLst/>
+    <dgm:txFillClrLst/>
+    <dgm:txEffectClrLst/>
+  </dgm:styleLbl>
+  <dgm:styleLbl name="sibTrans1D1">
+    <dgm:fillClrLst meth="repeat">
+      <a:schemeClr val="accent1"/>
+    </dgm:fillClrLst>
+    <dgm:linClrLst meth="repeat">
+      <a:schemeClr val="accent1"/>
+    </dgm:linClrLst>
+    <dgm:effectClrLst/>
+    <dgm:txLinClrLst/>
+    <dgm:txFillClrLst meth="repeat">
+      <a:schemeClr val="tx1"/>
+    </dgm:txFillClrLst>
+    <dgm:txEffectClrLst/>
+  </dgm:styleLbl>
+  <dgm:styleLbl name="callout">
+    <dgm:fillClrLst meth="repeat">
+      <a:schemeClr val="accent1"/>
+    </dgm:fillClrLst>
+    <dgm:linClrLst meth="repeat">
+      <a:schemeClr val="accent1">
+        <a:tint val="50000"/>
+      </a:schemeClr>
+    </dgm:linClrLst>
+    <dgm:effectClrLst/>
+    <dgm:txLinClrLst/>
+    <dgm:txFillClrLst meth="repeat">
+      <a:schemeClr val="tx1"/>
+    </dgm:txFillClrLst>
+    <dgm:txEffectClrLst/>
+  </dgm:styleLbl>
+  <dgm:styleLbl name="asst0">
+    <dgm:fillClrLst meth="repeat">
+      <a:schemeClr val="accent1"/>
+    </dgm:fillClrLst>
+    <dgm:linClrLst meth="repeat">
+      <a:schemeClr val="lt1"/>
+    </dgm:linClrLst>
+    <dgm:effectClrLst/>
+    <dgm:txLinClrLst/>
+    <dgm:txFillClrLst/>
+    <dgm:txEffectClrLst/>
+  </dgm:styleLbl>
+  <dgm:styleLbl name="asst1">
+    <dgm:fillClrLst meth="repeat">
+      <a:schemeClr val="accent1"/>
+    </dgm:fillClrLst>
+    <dgm:linClrLst meth="repeat">
+      <a:schemeClr val="lt1"/>
+    </dgm:linClrLst>
+    <dgm:effectClrLst/>
+    <dgm:txLinClrLst/>
+    <dgm:txFillClrLst/>
+    <dgm:txEffectClrLst/>
+  </dgm:styleLbl>
+  <dgm:styleLbl name="asst2">
+    <dgm:fillClrLst meth="repeat">
+      <a:schemeClr val="accent1"/>
+    </dgm:fillClrLst>
+    <dgm:linClrLst meth="repeat">
+      <a:schemeClr val="lt1"/>
+    </dgm:linClrLst>
+    <dgm:effectClrLst/>
+    <dgm:txLinClrLst/>
+    <dgm:txFillClrLst/>
+    <dgm:txEffectClrLst/>
+  </dgm:styleLbl>
+  <dgm:styleLbl name="asst3">
+    <dgm:fillClrLst meth="repeat">
+      <a:schemeClr val="accent1"/>
+    </dgm:fillClrLst>
+    <dgm:linClrLst meth="repeat">
+      <a:schemeClr val="lt1"/>
+    </dgm:linClrLst>
+    <dgm:effectClrLst/>
+    <dgm:txLinClrLst/>
+    <dgm:txFillClrLst/>
+    <dgm:txEffectClrLst/>
+  </dgm:styleLbl>
+  <dgm:styleLbl name="asst4">
+    <dgm:fillClrLst meth="repeat">
+      <a:schemeClr val="accent1"/>
+    </dgm:fillClrLst>
+    <dgm:linClrLst meth="repeat">
+      <a:schemeClr val="lt1"/>
+    </dgm:linClrLst>
+    <dgm:effectClrLst/>
+    <dgm:txLinClrLst/>
+    <dgm:txFillClrLst/>
+    <dgm:txEffectClrLst/>
+  </dgm:styleLbl>
+  <dgm:styleLbl name="parChTrans2D1">
+    <dgm:fillClrLst meth="repeat">
+      <a:schemeClr val="accent1">
+        <a:tint val="60000"/>
+      </a:schemeClr>
+    </dgm:fillClrLst>
+    <dgm:linClrLst meth="repeat">
+      <a:schemeClr val="accent1">
+        <a:tint val="60000"/>
+      </a:schemeClr>
+    </dgm:linClrLst>
+    <dgm:effectClrLst/>
+    <dgm:txLinClrLst/>
+    <dgm:txFillClrLst meth="repeat">
+      <a:schemeClr val="lt1"/>
+    </dgm:txFillClrLst>
+    <dgm:txEffectClrLst/>
+  </dgm:styleLbl>
+  <dgm:styleLbl name="parChTrans2D2">
+    <dgm:fillClrLst meth="repeat">
+      <a:schemeClr val="accent1"/>
+    </dgm:fillClrLst>
+    <dgm:linClrLst meth="repeat">
+      <a:schemeClr val="accent1"/>
+    </dgm:linClrLst>
+    <dgm:effectClrLst/>
+    <dgm:txLinClrLst/>
+    <dgm:txFillClrLst meth="repeat">
+      <a:schemeClr val="lt1"/>
+    </dgm:txFillClrLst>
+    <dgm:txEffectClrLst/>
+  </dgm:styleLbl>
+  <dgm:styleLbl name="parChTrans2D3">
+    <dgm:fillClrLst meth="repeat">
+      <a:schemeClr val="accent1"/>
+    </dgm:fillClrLst>
+    <dgm:linClrLst meth="repeat">
+      <a:schemeClr val="accent1"/>
+    </dgm:linClrLst>
+    <dgm:effectClrLst/>
+    <dgm:txLinClrLst/>
+    <dgm:txFillClrLst meth="repeat">
+      <a:schemeClr val="lt1"/>
+    </dgm:txFillClrLst>
+    <dgm:txEffectClrLst/>
+  </dgm:styleLbl>
+  <dgm:styleLbl name="parChTrans2D4">
+    <dgm:fillClrLst meth="repeat">
+      <a:schemeClr val="accent1"/>
+    </dgm:fillClrLst>
+    <dgm:linClrLst meth="repeat">
+      <a:schemeClr val="accent1"/>
+    </dgm:linClrLst>
+    <dgm:effectClrLst/>
+    <dgm:txLinClrLst/>
+    <dgm:txFillClrLst meth="repeat">
+      <a:schemeClr val="lt1"/>
+    </dgm:txFillClrLst>
+    <dgm:txEffectClrLst/>
+  </dgm:styleLbl>
+  <dgm:styleLbl name="parChTrans1D1">
+    <dgm:fillClrLst meth="repeat">
+      <a:schemeClr val="accent1"/>
+    </dgm:fillClrLst>
+    <dgm:linClrLst meth="repeat">
+      <a:schemeClr val="accent1">
+        <a:shade val="60000"/>
+      </a:schemeClr>
+    </dgm:linClrLst>
+    <dgm:effectClrLst/>
+    <dgm:txLinClrLst/>
+    <dgm:txFillClrLst meth="repeat">
+      <a:schemeClr val="tx1"/>
+    </dgm:txFillClrLst>
+    <dgm:txEffectClrLst/>
+  </dgm:styleLbl>
+  <dgm:styleLbl name="parChTrans1D2">
+    <dgm:fillClrLst meth="repeat">
+      <a:schemeClr val="accent1"/>
+    </dgm:fillClrLst>
+    <dgm:linClrLst meth="repeat">
+      <a:schemeClr val="accent1">
+        <a:shade val="60000"/>
+      </a:schemeClr>
+    </dgm:linClrLst>
+    <dgm:effectClrLst/>
+    <dgm:txLinClrLst/>
+    <dgm:txFillClrLst meth="repeat">
+      <a:schemeClr val="tx1"/>
+    </dgm:txFillClrLst>
+    <dgm:txEffectClrLst/>
+  </dgm:styleLbl>
+  <dgm:styleLbl name="parChTrans1D3">
+    <dgm:fillClrLst meth="repeat">
+      <a:schemeClr val="accent1"/>
+    </dgm:fillClrLst>
+    <dgm:linClrLst meth="repeat">
+      <a:schemeClr val="accent1">
+        <a:shade val="80000"/>
+      </a:schemeClr>
+    </dgm:linClrLst>
+    <dgm:effectClrLst/>
+    <dgm:txLinClrLst/>
+    <dgm:txFillClrLst meth="repeat">
+      <a:schemeClr val="tx1"/>
+    </dgm:txFillClrLst>
+    <dgm:txEffectClrLst/>
+  </dgm:styleLbl>
+  <dgm:styleLbl name="parChTrans1D4">
+    <dgm:fillClrLst meth="repeat">
+      <a:schemeClr val="accent1"/>
+    </dgm:fillClrLst>
+    <dgm:linClrLst meth="repeat">
+      <a:schemeClr val="accent1">
+        <a:shade val="80000"/>
+      </a:schemeClr>
+    </dgm:linClrLst>
+    <dgm:effectClrLst/>
+    <dgm:txLinClrLst/>
+    <dgm:txFillClrLst meth="repeat">
+      <a:schemeClr val="tx1"/>
+    </dgm:txFillClrLst>
+    <dgm:txEffectClrLst/>
+  </dgm:styleLbl>
+  <dgm:styleLbl name="fgAcc1">
+    <dgm:fillClrLst meth="repeat">
+      <a:schemeClr val="lt1">
+        <a:alpha val="90000"/>
+      </a:schemeClr>
+    </dgm:fillClrLst>
+    <dgm:linClrLst meth="repeat">
+      <a:schemeClr val="accent1"/>
+    </dgm:linClrLst>
+    <dgm:effectClrLst/>
+    <dgm:txLinClrLst/>
+    <dgm:txFillClrLst meth="repeat">
+      <a:schemeClr val="dk1"/>
+    </dgm:txFillClrLst>
+    <dgm:txEffectClrLst/>
+  </dgm:styleLbl>
+  <dgm:styleLbl name="conFgAcc1">
+    <dgm:fillClrLst meth="repeat">
+      <a:schemeClr val="lt1">
+        <a:alpha val="90000"/>
+      </a:schemeClr>
+    </dgm:fillClrLst>
+    <dgm:linClrLst meth="repeat">
+      <a:schemeClr val="accent1"/>
+    </dgm:linClrLst>
+    <dgm:effectClrLst/>
+    <dgm:txLinClrLst/>
+    <dgm:txFillClrLst meth="repeat">
+      <a:schemeClr val="dk1"/>
+    </dgm:txFillClrLst>
+    <dgm:txEffectClrLst/>
+  </dgm:styleLbl>
+  <dgm:styleLbl name="alignAcc1">
+    <dgm:fillClrLst meth="repeat">
+      <a:schemeClr val="lt1">
+        <a:alpha val="90000"/>
+      </a:schemeClr>
+    </dgm:fillClrLst>
+    <dgm:linClrLst meth="repeat">
+      <a:schemeClr val="accent1"/>
+    </dgm:linClrLst>
+    <dgm:effectClrLst/>
+    <dgm:txLinClrLst/>
+    <dgm:txFillClrLst meth="repeat">
+      <a:schemeClr val="dk1"/>
+    </dgm:txFillClrLst>
+    <dgm:txEffectClrLst/>
+  </dgm:styleLbl>
+  <dgm:styleLbl name="trAlignAcc1">
+    <dgm:fillClrLst meth="repeat">
+      <a:schemeClr val="lt1">
+        <a:alpha val="40000"/>
+      </a:schemeClr>
+    </dgm:fillClrLst>
+    <dgm:linClrLst meth="repeat">
+      <a:schemeClr val="accent1"/>
+    </dgm:linClrLst>
+    <dgm:effectClrLst/>
+    <dgm:txLinClrLst/>
+    <dgm:txFillClrLst meth="repeat">
+      <a:schemeClr val="dk1"/>
+    </dgm:txFillClrLst>
+    <dgm:txEffectClrLst/>
+  </dgm:styleLbl>
+  <dgm:styleLbl name="bgAcc1">
+    <dgm:fillClrLst meth="repeat">
+      <a:schemeClr val="lt1">
+        <a:alpha val="90000"/>
+      </a:schemeClr>
+    </dgm:fillClrLst>
+    <dgm:linClrLst meth="repeat">
+      <a:schemeClr val="accent1"/>
+    </dgm:linClrLst>
+    <dgm:effectClrLst/>
+    <dgm:txLinClrLst/>
+    <dgm:txFillClrLst meth="repeat">
+      <a:schemeClr val="dk1"/>
+    </dgm:txFillClrLst>
+    <dgm:txEffectClrLst/>
+  </dgm:styleLbl>
+  <dgm:styleLbl name="solidFgAcc1">
+    <dgm:fillClrLst meth="repeat">
+      <a:schemeClr val="lt1"/>
+    </dgm:fillClrLst>
+    <dgm:linClrLst meth="repeat">
+      <a:schemeClr val="accent1"/>
+    </dgm:linClrLst>
+    <dgm:effectClrLst/>
+    <dgm:txLinClrLst/>
+    <dgm:txFillClrLst meth="repeat">
+      <a:schemeClr val="dk1"/>
+    </dgm:txFillClrLst>
+    <dgm:txEffectClrLst/>
+  </dgm:styleLbl>
+  <dgm:styleLbl name="solidAlignAcc1">
+    <dgm:fillClrLst meth="repeat">
+      <a:schemeClr val="lt1"/>
+    </dgm:fillClrLst>
+    <dgm:linClrLst meth="repeat">
+      <a:schemeClr val="accent1"/>
+    </dgm:linClrLst>
+    <dgm:effectClrLst/>
+    <dgm:txLinClrLst/>
+    <dgm:txFillClrLst meth="repeat">
+      <a:schemeClr val="dk1"/>
+    </dgm:txFillClrLst>
+    <dgm:txEffectClrLst/>
+  </dgm:styleLbl>
+  <dgm:styleLbl name="solidBgAcc1">
+    <dgm:fillClrLst meth="repeat">
+      <a:schemeClr val="lt1"/>
+    </dgm:fillClrLst>
+    <dgm:linClrLst meth="repeat">
+      <a:schemeClr val="accent1"/>
+    </dgm:linClrLst>
+    <dgm:effectClrLst/>
+    <dgm:txLinClrLst/>
+    <dgm:txFillClrLst meth="repeat">
+      <a:schemeClr val="dk1"/>
+    </dgm:txFillClrLst>
+    <dgm:txEffectClrLst/>
+  </dgm:styleLbl>
+  <dgm:styleLbl name="fgAccFollowNode1">
+    <dgm:fillClrLst meth="repeat">
+      <a:schemeClr val="accent1">
+        <a:alpha val="90000"/>
+        <a:tint val="40000"/>
+      </a:schemeClr>
+    </dgm:fillClrLst>
+    <dgm:linClrLst meth="repeat">
+      <a:schemeClr val="accent1">
+        <a:alpha val="90000"/>
+        <a:tint val="40000"/>
+      </a:schemeClr>
+    </dgm:linClrLst>
+    <dgm:effectClrLst/>
+    <dgm:txLinClrLst/>
+    <dgm:txFillClrLst meth="repeat">
+      <a:schemeClr val="dk1"/>
+    </dgm:txFillClrLst>
+    <dgm:txEffectClrLst/>
+  </dgm:styleLbl>
+  <dgm:styleLbl name="alignAccFollowNode1">
+    <dgm:fillClrLst meth="repeat">
+      <a:schemeClr val="accent1">
+        <a:alpha val="90000"/>
+        <a:tint val="40000"/>
+      </a:schemeClr>
+    </dgm:fillClrLst>
+    <dgm:linClrLst meth="repeat">
+      <a:schemeClr val="accent1">
+        <a:alpha val="90000"/>
+        <a:tint val="40000"/>
+      </a:schemeClr>
+    </dgm:linClrLst>
+    <dgm:effectClrLst/>
+    <dgm:txLinClrLst/>
+    <dgm:txFillClrLst meth="repeat">
+      <a:schemeClr val="dk1"/>
+    </dgm:txFillClrLst>
+    <dgm:txEffectClrLst/>
+  </dgm:styleLbl>
+  <dgm:styleLbl name="bgAccFollowNode1">
+    <dgm:fillClrLst meth="repeat">
+      <a:schemeClr val="accent1">
+        <a:alpha val="90000"/>
+        <a:tint val="40000"/>
+      </a:schemeClr>
+    </dgm:fillClrLst>
+    <dgm:linClrLst meth="repeat">
+      <a:schemeClr val="accent1">
+        <a:alpha val="90000"/>
+        <a:tint val="40000"/>
+      </a:schemeClr>
+    </dgm:linClrLst>
+    <dgm:effectClrLst/>
+    <dgm:txLinClrLst/>
+    <dgm:txFillClrLst meth="repeat">
+      <a:schemeClr val="dk1"/>
+    </dgm:txFillClrLst>
+    <dgm:txEffectClrLst/>
+  </dgm:styleLbl>
+  <dgm:styleLbl name="fgAcc0">
+    <dgm:fillClrLst meth="repeat">
+      <a:schemeClr val="lt1">
+        <a:alpha val="90000"/>
+      </a:schemeClr>
+    </dgm:fillClrLst>
+    <dgm:linClrLst meth="repeat">
+      <a:schemeClr val="accent1"/>
+    </dgm:linClrLst>
+    <dgm:effectClrLst/>
+    <dgm:txLinClrLst/>
+    <dgm:txFillClrLst meth="repeat">
+      <a:schemeClr val="dk1"/>
+    </dgm:txFillClrLst>
+    <dgm:txEffectClrLst/>
+  </dgm:styleLbl>
+  <dgm:styleLbl name="fgAcc2">
+    <dgm:fillClrLst meth="repeat">
+      <a:schemeClr val="lt1">
+        <a:alpha val="90000"/>
+      </a:schemeClr>
+    </dgm:fillClrLst>
+    <dgm:linClrLst meth="repeat">
+      <a:schemeClr val="accent1"/>
+    </dgm:linClrLst>
+    <dgm:effectClrLst/>
+    <dgm:txLinClrLst/>
+    <dgm:txFillClrLst meth="repeat">
+      <a:schemeClr val="dk1"/>
+    </dgm:txFillClrLst>
+    <dgm:txEffectClrLst/>
+  </dgm:styleLbl>
+  <dgm:styleLbl name="fgAcc3">
+    <dgm:fillClrLst meth="repeat">
+      <a:schemeClr val="lt1">
+        <a:alpha val="90000"/>
+      </a:schemeClr>
+    </dgm:fillClrLst>
+    <dgm:linClrLst meth="repeat">
+      <a:schemeClr val="accent1"/>
+    </dgm:linClrLst>
+    <dgm:effectClrLst/>
+    <dgm:txLinClrLst/>
+    <dgm:txFillClrLst meth="repeat">
+      <a:schemeClr val="dk1"/>
+    </dgm:txFillClrLst>
+    <dgm:txEffectClrLst/>
+  </dgm:styleLbl>
+  <dgm:styleLbl name="fgAcc4">
+    <dgm:fillClrLst meth="repeat">
+      <a:schemeClr val="lt1">
+        <a:alpha val="90000"/>
+      </a:schemeClr>
+    </dgm:fillClrLst>
+    <dgm:linClrLst meth="repeat">
+      <a:schemeClr val="accent1"/>
+    </dgm:linClrLst>
+    <dgm:effectClrLst/>
+    <dgm:txLinClrLst/>
+    <dgm:txFillClrLst meth="repeat">
+      <a:schemeClr val="dk1"/>
+    </dgm:txFillClrLst>
+    <dgm:txEffectClrLst/>
+  </dgm:styleLbl>
+  <dgm:styleLbl name="bgShp">
+    <dgm:fillClrLst meth="repeat">
+      <a:schemeClr val="accent1">
+        <a:tint val="40000"/>
+      </a:schemeClr>
+    </dgm:fillClrLst>
+    <dgm:linClrLst meth="repeat">
+      <a:schemeClr val="accent1"/>
+    </dgm:linClrLst>
+    <dgm:effectClrLst/>
+    <dgm:txLinClrLst/>
+    <dgm:txFillClrLst meth="repeat">
+      <a:schemeClr val="dk1"/>
+    </dgm:txFillClrLst>
+    <dgm:txEffectClrLst/>
+  </dgm:styleLbl>
+  <dgm:styleLbl name="dkBgShp">
+    <dgm:fillClrLst meth="repeat">
+      <a:schemeClr val="accent1">
+        <a:shade val="80000"/>
+      </a:schemeClr>
+    </dgm:fillClrLst>
+    <dgm:linClrLst meth="repeat">
+      <a:schemeClr val="accent1"/>
+    </dgm:linClrLst>
+    <dgm:effectClrLst/>
+    <dgm:txLinClrLst/>
+    <dgm:txFillClrLst meth="repeat">
+      <a:schemeClr val="lt1"/>
+    </dgm:txFillClrLst>
+    <dgm:txEffectClrLst/>
+  </dgm:styleLbl>
+  <dgm:styleLbl name="trBgShp">
+    <dgm:fillClrLst meth="repeat">
+      <a:schemeClr val="accent1">
+        <a:tint val="50000"/>
+        <a:alpha val="40000"/>
+      </a:schemeClr>
+    </dgm:fillClrLst>
+    <dgm:linClrLst meth="repeat">
+      <a:schemeClr val="accent1"/>
+    </dgm:linClrLst>
+    <dgm:effectClrLst/>
+    <dgm:txLinClrLst/>
+    <dgm:txFillClrLst meth="repeat">
+      <a:schemeClr val="lt1"/>
+    </dgm:txFillClrLst>
+    <dgm:txEffectClrLst/>
+  </dgm:styleLbl>
+  <dgm:styleLbl name="fgShp">
+    <dgm:fillClrLst meth="repeat">
+      <a:schemeClr val="accent1">
+        <a:tint val="60000"/>
+      </a:schemeClr>
+    </dgm:fillClrLst>
+    <dgm:linClrLst meth="repeat">
+      <a:schemeClr val="lt1"/>
+    </dgm:linClrLst>
+    <dgm:effectClrLst/>
+    <dgm:txLinClrLst/>
+    <dgm:txFillClrLst meth="repeat">
+      <a:schemeClr val="dk1"/>
+    </dgm:txFillClrLst>
+    <dgm:txEffectClrLst/>
+  </dgm:styleLbl>
+  <dgm:styleLbl name="revTx">
+    <dgm:fillClrLst meth="repeat">
+      <a:schemeClr val="lt1">
+        <a:alpha val="0"/>
+      </a:schemeClr>
+    </dgm:fillClrLst>
+    <dgm:linClrLst meth="repeat">
+      <a:schemeClr val="dk1">
+        <a:alpha val="0"/>
+      </a:schemeClr>
+    </dgm:linClrLst>
+    <dgm:effectClrLst/>
+    <dgm:txLinClrLst/>
+    <dgm:txFillClrLst meth="repeat">
+      <a:schemeClr val="tx1"/>
+    </dgm:txFillClrLst>
+    <dgm:txEffectClrLst/>
+  </dgm:styleLbl>
+</dgm:colorsDef>
+</file>
+
+<file path=ppt/diagrams/data1.xml><?xml version="1.0" encoding="utf-8"?>
+<dgm:dataModel xmlns:dgm="http://schemas.openxmlformats.org/drawingml/2006/diagram" xmlns:a="http://schemas.openxmlformats.org/drawingml/2006/main">
+  <dgm:ptLst>
+    <dgm:pt modelId="{ABF7FBC8-13FA-46E6-9C6D-6EF7F546A618}" type="doc">
+      <dgm:prSet loTypeId="urn:microsoft.com/office/officeart/2005/8/layout/default" loCatId="list" qsTypeId="urn:microsoft.com/office/officeart/2005/8/quickstyle/simple1" qsCatId="simple" csTypeId="urn:microsoft.com/office/officeart/2005/8/colors/accent1_2" csCatId="accent1" phldr="1"/>
+      <dgm:spPr/>
+      <dgm:t>
+        <a:bodyPr/>
+        <a:lstStyle/>
+        <a:p>
+          <a:endParaRPr lang="en-US"/>
+        </a:p>
+      </dgm:t>
+    </dgm:pt>
+    <dgm:pt modelId="{F170BC17-648C-49D9-B9B8-1FAAC533F545}">
+      <dgm:prSet phldrT="[Текст]"/>
+      <dgm:spPr>
+        <a:solidFill>
+          <a:srgbClr val="00B050"/>
+        </a:solidFill>
+      </dgm:spPr>
+      <dgm:t>
+        <a:bodyPr/>
+        <a:lstStyle/>
+        <a:p>
+          <a:r>
+            <a:rPr lang="en-US" dirty="0"/>
+            <a:t>Manager</a:t>
+          </a:r>
+        </a:p>
+      </dgm:t>
+    </dgm:pt>
+    <dgm:pt modelId="{09A8A013-3EFA-4290-950F-1ED3429C593B}" type="parTrans" cxnId="{DBCCC99A-3B37-429B-9D74-6336CA07718A}">
+      <dgm:prSet/>
+      <dgm:spPr/>
+      <dgm:t>
+        <a:bodyPr/>
+        <a:lstStyle/>
+        <a:p>
+          <a:endParaRPr lang="en-US"/>
+        </a:p>
+      </dgm:t>
+    </dgm:pt>
+    <dgm:pt modelId="{6BEAE0FF-9E05-4523-9A88-55B73674DEFC}" type="sibTrans" cxnId="{DBCCC99A-3B37-429B-9D74-6336CA07718A}">
+      <dgm:prSet/>
+      <dgm:spPr/>
+      <dgm:t>
+        <a:bodyPr/>
+        <a:lstStyle/>
+        <a:p>
+          <a:endParaRPr lang="en-US"/>
+        </a:p>
+      </dgm:t>
+    </dgm:pt>
+    <dgm:pt modelId="{3C587D67-F07C-42C2-9DBB-561E580D53BD}">
+      <dgm:prSet phldrT="[Текст]"/>
+      <dgm:spPr>
+        <a:solidFill>
+          <a:schemeClr val="accent1">
+            <a:lumMod val="75000"/>
+          </a:schemeClr>
+        </a:solidFill>
+      </dgm:spPr>
+      <dgm:t>
+        <a:bodyPr/>
+        <a:lstStyle/>
+        <a:p>
+          <a:r>
+            <a:rPr lang="en-US" dirty="0"/>
+            <a:t>Factory</a:t>
+          </a:r>
+        </a:p>
+      </dgm:t>
+    </dgm:pt>
+    <dgm:pt modelId="{057F5B81-7983-47A0-A00E-5A4899AFD27F}" type="parTrans" cxnId="{0C076C64-042D-43DD-921A-FA775517717F}">
+      <dgm:prSet/>
+      <dgm:spPr/>
+      <dgm:t>
+        <a:bodyPr/>
+        <a:lstStyle/>
+        <a:p>
+          <a:endParaRPr lang="en-US"/>
+        </a:p>
+      </dgm:t>
+    </dgm:pt>
+    <dgm:pt modelId="{D63A27A6-C27C-46EA-8E2B-26B51CFEFA0C}" type="sibTrans" cxnId="{0C076C64-042D-43DD-921A-FA775517717F}">
+      <dgm:prSet/>
+      <dgm:spPr/>
+      <dgm:t>
+        <a:bodyPr/>
+        <a:lstStyle/>
+        <a:p>
+          <a:endParaRPr lang="en-US"/>
+        </a:p>
+      </dgm:t>
+    </dgm:pt>
+    <dgm:pt modelId="{3B6CAE91-FCE4-4F4A-84E9-D6539521649F}">
+      <dgm:prSet phldrT="[Текст]"/>
+      <dgm:spPr>
+        <a:solidFill>
+          <a:schemeClr val="accent1">
+            <a:lumMod val="75000"/>
+          </a:schemeClr>
+        </a:solidFill>
+      </dgm:spPr>
+      <dgm:t>
+        <a:bodyPr/>
+        <a:lstStyle/>
+        <a:p>
+          <a:r>
+            <a:rPr lang="en-US" dirty="0"/>
+            <a:t>Validator</a:t>
+          </a:r>
+        </a:p>
+      </dgm:t>
+    </dgm:pt>
+    <dgm:pt modelId="{37047C5C-DD51-435E-ABD1-C05412BFB88F}" type="parTrans" cxnId="{55461F71-3442-43E9-88BB-17F0AFEA9FDA}">
+      <dgm:prSet/>
+      <dgm:spPr/>
+      <dgm:t>
+        <a:bodyPr/>
+        <a:lstStyle/>
+        <a:p>
+          <a:endParaRPr lang="en-US"/>
+        </a:p>
+      </dgm:t>
+    </dgm:pt>
+    <dgm:pt modelId="{FBE96443-77C3-4F9E-B720-DEB7A11B471F}" type="sibTrans" cxnId="{55461F71-3442-43E9-88BB-17F0AFEA9FDA}">
+      <dgm:prSet/>
+      <dgm:spPr/>
+      <dgm:t>
+        <a:bodyPr/>
+        <a:lstStyle/>
+        <a:p>
+          <a:endParaRPr lang="en-US"/>
+        </a:p>
+      </dgm:t>
+    </dgm:pt>
+    <dgm:pt modelId="{38B03712-9A86-4D44-827D-700F16A23AA3}">
+      <dgm:prSet phldrT="[Текст]"/>
+      <dgm:spPr>
+        <a:solidFill>
+          <a:srgbClr val="B8700C"/>
+        </a:solidFill>
+      </dgm:spPr>
+      <dgm:t>
+        <a:bodyPr/>
+        <a:lstStyle/>
+        <a:p>
+          <a:r>
+            <a:rPr lang="en-US" dirty="0"/>
+            <a:t>Mapper</a:t>
+          </a:r>
+        </a:p>
+      </dgm:t>
+    </dgm:pt>
+    <dgm:pt modelId="{2B0C3C33-1ED4-49C1-B1F4-CF60EE6E426D}" type="parTrans" cxnId="{9387868A-F422-4F45-9A78-68BB839FF99A}">
+      <dgm:prSet/>
+      <dgm:spPr/>
+      <dgm:t>
+        <a:bodyPr/>
+        <a:lstStyle/>
+        <a:p>
+          <a:endParaRPr lang="en-US"/>
+        </a:p>
+      </dgm:t>
+    </dgm:pt>
+    <dgm:pt modelId="{48A3BF3E-D086-46C7-B879-B10C6573BAEE}" type="sibTrans" cxnId="{9387868A-F422-4F45-9A78-68BB839FF99A}">
+      <dgm:prSet/>
+      <dgm:spPr/>
+      <dgm:t>
+        <a:bodyPr/>
+        <a:lstStyle/>
+        <a:p>
+          <a:endParaRPr lang="en-US"/>
+        </a:p>
+      </dgm:t>
+    </dgm:pt>
+    <dgm:pt modelId="{F34F2176-FA62-4B20-9A65-CA70BC529D72}">
+      <dgm:prSet phldrT="[Текст]"/>
+      <dgm:spPr>
+        <a:solidFill>
+          <a:srgbClr val="31C1BE"/>
+        </a:solidFill>
+      </dgm:spPr>
+      <dgm:t>
+        <a:bodyPr/>
+        <a:lstStyle/>
+        <a:p>
+          <a:r>
+            <a:rPr lang="en-US" dirty="0" err="1"/>
+            <a:t>ViewModels</a:t>
+          </a:r>
+          <a:endParaRPr lang="en-US" dirty="0"/>
+        </a:p>
+      </dgm:t>
+    </dgm:pt>
+    <dgm:pt modelId="{88EF70D6-6410-4595-A4EA-477B06787E6A}" type="parTrans" cxnId="{B9ED29E2-DDD4-4757-A112-2F079CBA0376}">
+      <dgm:prSet/>
+      <dgm:spPr/>
+      <dgm:t>
+        <a:bodyPr/>
+        <a:lstStyle/>
+        <a:p>
+          <a:endParaRPr lang="en-US"/>
+        </a:p>
+      </dgm:t>
+    </dgm:pt>
+    <dgm:pt modelId="{E32A1307-E153-4858-B4B6-45172D3AEBF3}" type="sibTrans" cxnId="{B9ED29E2-DDD4-4757-A112-2F079CBA0376}">
+      <dgm:prSet/>
+      <dgm:spPr/>
+      <dgm:t>
+        <a:bodyPr/>
+        <a:lstStyle/>
+        <a:p>
+          <a:endParaRPr lang="en-US"/>
+        </a:p>
+      </dgm:t>
+    </dgm:pt>
+    <dgm:pt modelId="{3EDFC0B8-02C2-48B0-9A79-232B9090D05D}">
+      <dgm:prSet phldrT="[Текст]"/>
+      <dgm:spPr/>
+      <dgm:t>
+        <a:bodyPr/>
+        <a:lstStyle/>
+        <a:p>
+          <a:r>
+            <a:rPr lang="en-US" dirty="0" err="1"/>
+            <a:t>QueryParams</a:t>
+          </a:r>
+          <a:endParaRPr lang="en-US" dirty="0"/>
+        </a:p>
+      </dgm:t>
+    </dgm:pt>
+    <dgm:pt modelId="{29A9F00F-C89A-49AC-9305-A6DCADB0568C}" type="parTrans" cxnId="{1480EEB9-1B66-41E4-B5F5-F6C122FE3382}">
+      <dgm:prSet/>
+      <dgm:spPr/>
+      <dgm:t>
+        <a:bodyPr/>
+        <a:lstStyle/>
+        <a:p>
+          <a:endParaRPr lang="en-US"/>
+        </a:p>
+      </dgm:t>
+    </dgm:pt>
+    <dgm:pt modelId="{ACA17A72-8541-4F34-9284-ED13A5E285FD}" type="sibTrans" cxnId="{1480EEB9-1B66-41E4-B5F5-F6C122FE3382}">
+      <dgm:prSet/>
+      <dgm:spPr/>
+      <dgm:t>
+        <a:bodyPr/>
+        <a:lstStyle/>
+        <a:p>
+          <a:endParaRPr lang="en-US"/>
+        </a:p>
+      </dgm:t>
+    </dgm:pt>
+    <dgm:pt modelId="{94ED5E1E-CB81-4522-B208-5C23199EA7C7}" type="pres">
+      <dgm:prSet presAssocID="{ABF7FBC8-13FA-46E6-9C6D-6EF7F546A618}" presName="diagram" presStyleCnt="0">
+        <dgm:presLayoutVars>
+          <dgm:dir/>
+          <dgm:resizeHandles val="exact"/>
+        </dgm:presLayoutVars>
+      </dgm:prSet>
+      <dgm:spPr/>
+    </dgm:pt>
+    <dgm:pt modelId="{8056DFD7-2DB0-40F9-813C-45ACCC366E79}" type="pres">
+      <dgm:prSet presAssocID="{F170BC17-648C-49D9-B9B8-1FAAC533F545}" presName="node" presStyleLbl="node1" presStyleIdx="0" presStyleCnt="6">
+        <dgm:presLayoutVars>
+          <dgm:bulletEnabled val="1"/>
+        </dgm:presLayoutVars>
+      </dgm:prSet>
+      <dgm:spPr/>
+    </dgm:pt>
+    <dgm:pt modelId="{B34AABE6-1C03-4CE9-8E5C-90AAA7966A73}" type="pres">
+      <dgm:prSet presAssocID="{6BEAE0FF-9E05-4523-9A88-55B73674DEFC}" presName="sibTrans" presStyleCnt="0"/>
+      <dgm:spPr/>
+    </dgm:pt>
+    <dgm:pt modelId="{1BCAFBC5-D328-4593-856E-B6F1382B4699}" type="pres">
+      <dgm:prSet presAssocID="{3C587D67-F07C-42C2-9DBB-561E580D53BD}" presName="node" presStyleLbl="node1" presStyleIdx="1" presStyleCnt="6">
+        <dgm:presLayoutVars>
+          <dgm:bulletEnabled val="1"/>
+        </dgm:presLayoutVars>
+      </dgm:prSet>
+      <dgm:spPr/>
+    </dgm:pt>
+    <dgm:pt modelId="{63D4466D-6A2D-4F6E-9C1F-A3CB6524C636}" type="pres">
+      <dgm:prSet presAssocID="{D63A27A6-C27C-46EA-8E2B-26B51CFEFA0C}" presName="sibTrans" presStyleCnt="0"/>
+      <dgm:spPr/>
+    </dgm:pt>
+    <dgm:pt modelId="{905359E8-E0EC-4B26-A1BC-4CC5D7FECD86}" type="pres">
+      <dgm:prSet presAssocID="{3B6CAE91-FCE4-4F4A-84E9-D6539521649F}" presName="node" presStyleLbl="node1" presStyleIdx="2" presStyleCnt="6">
+        <dgm:presLayoutVars>
+          <dgm:bulletEnabled val="1"/>
+        </dgm:presLayoutVars>
+      </dgm:prSet>
+      <dgm:spPr/>
+    </dgm:pt>
+    <dgm:pt modelId="{4EA81554-B36F-4DA0-B413-166E5F466B20}" type="pres">
+      <dgm:prSet presAssocID="{FBE96443-77C3-4F9E-B720-DEB7A11B471F}" presName="sibTrans" presStyleCnt="0"/>
+      <dgm:spPr/>
+    </dgm:pt>
+    <dgm:pt modelId="{B6E6D93E-9679-49E5-BD9C-BA128B4D4EEA}" type="pres">
+      <dgm:prSet presAssocID="{38B03712-9A86-4D44-827D-700F16A23AA3}" presName="node" presStyleLbl="node1" presStyleIdx="3" presStyleCnt="6">
+        <dgm:presLayoutVars>
+          <dgm:bulletEnabled val="1"/>
+        </dgm:presLayoutVars>
+      </dgm:prSet>
+      <dgm:spPr/>
+    </dgm:pt>
+    <dgm:pt modelId="{E6A01998-5EFC-4F7D-A6F5-52478D64AE7C}" type="pres">
+      <dgm:prSet presAssocID="{48A3BF3E-D086-46C7-B879-B10C6573BAEE}" presName="sibTrans" presStyleCnt="0"/>
+      <dgm:spPr/>
+    </dgm:pt>
+    <dgm:pt modelId="{AEE08297-FFA8-4D0A-ABCC-1D18AB636622}" type="pres">
+      <dgm:prSet presAssocID="{F34F2176-FA62-4B20-9A65-CA70BC529D72}" presName="node" presStyleLbl="node1" presStyleIdx="4" presStyleCnt="6">
+        <dgm:presLayoutVars>
+          <dgm:bulletEnabled val="1"/>
+        </dgm:presLayoutVars>
+      </dgm:prSet>
+      <dgm:spPr/>
+    </dgm:pt>
+    <dgm:pt modelId="{04C9C6E6-329E-4C3C-B3A2-8C5D42504CD3}" type="pres">
+      <dgm:prSet presAssocID="{E32A1307-E153-4858-B4B6-45172D3AEBF3}" presName="sibTrans" presStyleCnt="0"/>
+      <dgm:spPr/>
+    </dgm:pt>
+    <dgm:pt modelId="{FAB7C61F-01B2-45E9-9196-413B069B90B2}" type="pres">
+      <dgm:prSet presAssocID="{3EDFC0B8-02C2-48B0-9A79-232B9090D05D}" presName="node" presStyleLbl="node1" presStyleIdx="5" presStyleCnt="6">
+        <dgm:presLayoutVars>
+          <dgm:bulletEnabled val="1"/>
+        </dgm:presLayoutVars>
+      </dgm:prSet>
+      <dgm:spPr/>
+    </dgm:pt>
+  </dgm:ptLst>
+  <dgm:cxnLst>
+    <dgm:cxn modelId="{CDE20726-BF79-43A7-9BEF-FD1001BDCD60}" type="presOf" srcId="{3EDFC0B8-02C2-48B0-9A79-232B9090D05D}" destId="{FAB7C61F-01B2-45E9-9196-413B069B90B2}" srcOrd="0" destOrd="0" presId="urn:microsoft.com/office/officeart/2005/8/layout/default"/>
+    <dgm:cxn modelId="{0C076C64-042D-43DD-921A-FA775517717F}" srcId="{ABF7FBC8-13FA-46E6-9C6D-6EF7F546A618}" destId="{3C587D67-F07C-42C2-9DBB-561E580D53BD}" srcOrd="1" destOrd="0" parTransId="{057F5B81-7983-47A0-A00E-5A4899AFD27F}" sibTransId="{D63A27A6-C27C-46EA-8E2B-26B51CFEFA0C}"/>
+    <dgm:cxn modelId="{B0190368-F35A-4137-AAF2-CC1B1141FB7C}" type="presOf" srcId="{3C587D67-F07C-42C2-9DBB-561E580D53BD}" destId="{1BCAFBC5-D328-4593-856E-B6F1382B4699}" srcOrd="0" destOrd="0" presId="urn:microsoft.com/office/officeart/2005/8/layout/default"/>
+    <dgm:cxn modelId="{55461F71-3442-43E9-88BB-17F0AFEA9FDA}" srcId="{ABF7FBC8-13FA-46E6-9C6D-6EF7F546A618}" destId="{3B6CAE91-FCE4-4F4A-84E9-D6539521649F}" srcOrd="2" destOrd="0" parTransId="{37047C5C-DD51-435E-ABD1-C05412BFB88F}" sibTransId="{FBE96443-77C3-4F9E-B720-DEB7A11B471F}"/>
+    <dgm:cxn modelId="{C0905E85-89D9-434B-A048-A32B2C945564}" type="presOf" srcId="{F34F2176-FA62-4B20-9A65-CA70BC529D72}" destId="{AEE08297-FFA8-4D0A-ABCC-1D18AB636622}" srcOrd="0" destOrd="0" presId="urn:microsoft.com/office/officeart/2005/8/layout/default"/>
+    <dgm:cxn modelId="{9387868A-F422-4F45-9A78-68BB839FF99A}" srcId="{ABF7FBC8-13FA-46E6-9C6D-6EF7F546A618}" destId="{38B03712-9A86-4D44-827D-700F16A23AA3}" srcOrd="3" destOrd="0" parTransId="{2B0C3C33-1ED4-49C1-B1F4-CF60EE6E426D}" sibTransId="{48A3BF3E-D086-46C7-B879-B10C6573BAEE}"/>
+    <dgm:cxn modelId="{84A27B97-E4B2-46C3-BF24-6D97A65E4B6C}" type="presOf" srcId="{38B03712-9A86-4D44-827D-700F16A23AA3}" destId="{B6E6D93E-9679-49E5-BD9C-BA128B4D4EEA}" srcOrd="0" destOrd="0" presId="urn:microsoft.com/office/officeart/2005/8/layout/default"/>
+    <dgm:cxn modelId="{DBCCC99A-3B37-429B-9D74-6336CA07718A}" srcId="{ABF7FBC8-13FA-46E6-9C6D-6EF7F546A618}" destId="{F170BC17-648C-49D9-B9B8-1FAAC533F545}" srcOrd="0" destOrd="0" parTransId="{09A8A013-3EFA-4290-950F-1ED3429C593B}" sibTransId="{6BEAE0FF-9E05-4523-9A88-55B73674DEFC}"/>
+    <dgm:cxn modelId="{1480EEB9-1B66-41E4-B5F5-F6C122FE3382}" srcId="{ABF7FBC8-13FA-46E6-9C6D-6EF7F546A618}" destId="{3EDFC0B8-02C2-48B0-9A79-232B9090D05D}" srcOrd="5" destOrd="0" parTransId="{29A9F00F-C89A-49AC-9305-A6DCADB0568C}" sibTransId="{ACA17A72-8541-4F34-9284-ED13A5E285FD}"/>
+    <dgm:cxn modelId="{567626BD-5F7D-40A3-9533-56B688C81D0F}" type="presOf" srcId="{F170BC17-648C-49D9-B9B8-1FAAC533F545}" destId="{8056DFD7-2DB0-40F9-813C-45ACCC366E79}" srcOrd="0" destOrd="0" presId="urn:microsoft.com/office/officeart/2005/8/layout/default"/>
+    <dgm:cxn modelId="{7D0097C9-A6CB-4786-AEAE-1F2F9E82320A}" type="presOf" srcId="{3B6CAE91-FCE4-4F4A-84E9-D6539521649F}" destId="{905359E8-E0EC-4B26-A1BC-4CC5D7FECD86}" srcOrd="0" destOrd="0" presId="urn:microsoft.com/office/officeart/2005/8/layout/default"/>
+    <dgm:cxn modelId="{B9ED29E2-DDD4-4757-A112-2F079CBA0376}" srcId="{ABF7FBC8-13FA-46E6-9C6D-6EF7F546A618}" destId="{F34F2176-FA62-4B20-9A65-CA70BC529D72}" srcOrd="4" destOrd="0" parTransId="{88EF70D6-6410-4595-A4EA-477B06787E6A}" sibTransId="{E32A1307-E153-4858-B4B6-45172D3AEBF3}"/>
+    <dgm:cxn modelId="{A8CD8AE5-3F8E-45C5-80A6-386F4B7173A2}" type="presOf" srcId="{ABF7FBC8-13FA-46E6-9C6D-6EF7F546A618}" destId="{94ED5E1E-CB81-4522-B208-5C23199EA7C7}" srcOrd="0" destOrd="0" presId="urn:microsoft.com/office/officeart/2005/8/layout/default"/>
+    <dgm:cxn modelId="{1984258B-BA3C-41D5-8033-73911189E75B}" type="presParOf" srcId="{94ED5E1E-CB81-4522-B208-5C23199EA7C7}" destId="{8056DFD7-2DB0-40F9-813C-45ACCC366E79}" srcOrd="0" destOrd="0" presId="urn:microsoft.com/office/officeart/2005/8/layout/default"/>
+    <dgm:cxn modelId="{DB0C63DD-3EF3-4DB3-ABA2-D726539F40EC}" type="presParOf" srcId="{94ED5E1E-CB81-4522-B208-5C23199EA7C7}" destId="{B34AABE6-1C03-4CE9-8E5C-90AAA7966A73}" srcOrd="1" destOrd="0" presId="urn:microsoft.com/office/officeart/2005/8/layout/default"/>
+    <dgm:cxn modelId="{031086C6-186D-466A-9CF2-6B2F8C1D1E41}" type="presParOf" srcId="{94ED5E1E-CB81-4522-B208-5C23199EA7C7}" destId="{1BCAFBC5-D328-4593-856E-B6F1382B4699}" srcOrd="2" destOrd="0" presId="urn:microsoft.com/office/officeart/2005/8/layout/default"/>
+    <dgm:cxn modelId="{16F391BF-3DBD-4035-834F-909A7C804BC9}" type="presParOf" srcId="{94ED5E1E-CB81-4522-B208-5C23199EA7C7}" destId="{63D4466D-6A2D-4F6E-9C1F-A3CB6524C636}" srcOrd="3" destOrd="0" presId="urn:microsoft.com/office/officeart/2005/8/layout/default"/>
+    <dgm:cxn modelId="{158D4C11-A217-41DB-9F95-EEDD987D97F5}" type="presParOf" srcId="{94ED5E1E-CB81-4522-B208-5C23199EA7C7}" destId="{905359E8-E0EC-4B26-A1BC-4CC5D7FECD86}" srcOrd="4" destOrd="0" presId="urn:microsoft.com/office/officeart/2005/8/layout/default"/>
+    <dgm:cxn modelId="{1998F01F-4DBD-4CD9-83C5-6F41B11E62D8}" type="presParOf" srcId="{94ED5E1E-CB81-4522-B208-5C23199EA7C7}" destId="{4EA81554-B36F-4DA0-B413-166E5F466B20}" srcOrd="5" destOrd="0" presId="urn:microsoft.com/office/officeart/2005/8/layout/default"/>
+    <dgm:cxn modelId="{EAD13BB5-D208-4E1D-817A-62BC341120C4}" type="presParOf" srcId="{94ED5E1E-CB81-4522-B208-5C23199EA7C7}" destId="{B6E6D93E-9679-49E5-BD9C-BA128B4D4EEA}" srcOrd="6" destOrd="0" presId="urn:microsoft.com/office/officeart/2005/8/layout/default"/>
+    <dgm:cxn modelId="{9632455A-5BE3-431D-B35E-8228D3FC0E8F}" type="presParOf" srcId="{94ED5E1E-CB81-4522-B208-5C23199EA7C7}" destId="{E6A01998-5EFC-4F7D-A6F5-52478D64AE7C}" srcOrd="7" destOrd="0" presId="urn:microsoft.com/office/officeart/2005/8/layout/default"/>
+    <dgm:cxn modelId="{32DD26E6-93AC-4219-88EC-F7F8B65850C7}" type="presParOf" srcId="{94ED5E1E-CB81-4522-B208-5C23199EA7C7}" destId="{AEE08297-FFA8-4D0A-ABCC-1D18AB636622}" srcOrd="8" destOrd="0" presId="urn:microsoft.com/office/officeart/2005/8/layout/default"/>
+    <dgm:cxn modelId="{6D0721E6-E583-46A8-9686-AEFA747CE6FC}" type="presParOf" srcId="{94ED5E1E-CB81-4522-B208-5C23199EA7C7}" destId="{04C9C6E6-329E-4C3C-B3A2-8C5D42504CD3}" srcOrd="9" destOrd="0" presId="urn:microsoft.com/office/officeart/2005/8/layout/default"/>
+    <dgm:cxn modelId="{63BA8999-50BE-4310-B612-6A3EB6F147D4}" type="presParOf" srcId="{94ED5E1E-CB81-4522-B208-5C23199EA7C7}" destId="{FAB7C61F-01B2-45E9-9196-413B069B90B2}" srcOrd="10" destOrd="0" presId="urn:microsoft.com/office/officeart/2005/8/layout/default"/>
+  </dgm:cxnLst>
+  <dgm:bg/>
+  <dgm:whole/>
+  <dgm:extLst>
+    <a:ext uri="http://schemas.microsoft.com/office/drawing/2008/diagram">
+      <dsp:dataModelExt xmlns:dsp="http://schemas.microsoft.com/office/drawing/2008/diagram" relId="rId7" minVer="http://schemas.openxmlformats.org/drawingml/2006/diagram"/>
+    </a:ext>
+  </dgm:extLst>
+</dgm:dataModel>
+</file>
+
+<file path=ppt/diagrams/drawing1.xml><?xml version="1.0" encoding="utf-8"?>
+<dsp:drawing xmlns:dgm="http://schemas.openxmlformats.org/drawingml/2006/diagram" xmlns:dsp="http://schemas.microsoft.com/office/drawing/2008/diagram" xmlns:a="http://schemas.openxmlformats.org/drawingml/2006/main">
+  <dsp:spTree>
+    <dsp:nvGrpSpPr>
+      <dsp:cNvPr id="0" name=""/>
+      <dsp:cNvGrpSpPr/>
+    </dsp:nvGrpSpPr>
+    <dsp:grpSpPr/>
+    <dsp:sp modelId="{8056DFD7-2DB0-40F9-813C-45ACCC366E79}">
+      <dsp:nvSpPr>
+        <dsp:cNvPr id="0" name=""/>
+        <dsp:cNvSpPr/>
+      </dsp:nvSpPr>
+      <dsp:spPr>
+        <a:xfrm>
+          <a:off x="112662" y="1120"/>
+          <a:ext cx="2933929" cy="1760357"/>
+        </a:xfrm>
+        <a:prstGeom prst="rect">
+          <a:avLst/>
+        </a:prstGeom>
+        <a:solidFill>
+          <a:srgbClr val="00B050"/>
+        </a:solidFill>
+        <a:ln w="12700" cap="flat" cmpd="sng" algn="ctr">
+          <a:solidFill>
+            <a:schemeClr val="lt1">
+              <a:hueOff val="0"/>
+              <a:satOff val="0"/>
+              <a:lumOff val="0"/>
+              <a:alphaOff val="0"/>
+            </a:schemeClr>
+          </a:solidFill>
+          <a:prstDash val="solid"/>
+        </a:ln>
+        <a:effectLst/>
+      </dsp:spPr>
+      <dsp:style>
+        <a:lnRef idx="2">
+          <a:scrgbClr r="0" g="0" b="0"/>
+        </a:lnRef>
+        <a:fillRef idx="1">
+          <a:scrgbClr r="0" g="0" b="0"/>
+        </a:fillRef>
+        <a:effectRef idx="0">
+          <a:scrgbClr r="0" g="0" b="0"/>
+        </a:effectRef>
+        <a:fontRef idx="minor">
+          <a:schemeClr val="lt1"/>
+        </a:fontRef>
+      </dsp:style>
+      <dsp:txBody>
+        <a:bodyPr spcFirstLastPara="0" vert="horz" wrap="square" lIns="133350" tIns="133350" rIns="133350" bIns="133350" numCol="1" spcCol="1270" anchor="ctr" anchorCtr="0">
+          <a:noAutofit/>
+        </a:bodyPr>
+        <a:lstStyle/>
+        <a:p>
+          <a:pPr marL="0" lvl="0" indent="0" algn="ctr" defTabSz="1555750">
+            <a:lnSpc>
+              <a:spcPct val="90000"/>
+            </a:lnSpc>
+            <a:spcBef>
+              <a:spcPct val="0"/>
+            </a:spcBef>
+            <a:spcAft>
+              <a:spcPct val="35000"/>
+            </a:spcAft>
+            <a:buNone/>
+          </a:pPr>
+          <a:r>
+            <a:rPr lang="en-US" sz="3500" kern="1200" dirty="0"/>
+            <a:t>Manager</a:t>
+          </a:r>
+        </a:p>
+      </dsp:txBody>
+      <dsp:txXfrm>
+        <a:off x="112662" y="1120"/>
+        <a:ext cx="2933929" cy="1760357"/>
+      </dsp:txXfrm>
+    </dsp:sp>
+    <dsp:sp modelId="{1BCAFBC5-D328-4593-856E-B6F1382B4699}">
+      <dsp:nvSpPr>
+        <dsp:cNvPr id="0" name=""/>
+        <dsp:cNvSpPr/>
+      </dsp:nvSpPr>
+      <dsp:spPr>
+        <a:xfrm>
+          <a:off x="3339985" y="1120"/>
+          <a:ext cx="2933929" cy="1760357"/>
+        </a:xfrm>
+        <a:prstGeom prst="rect">
+          <a:avLst/>
+        </a:prstGeom>
+        <a:solidFill>
+          <a:schemeClr val="accent1">
+            <a:lumMod val="75000"/>
+          </a:schemeClr>
+        </a:solidFill>
+        <a:ln w="12700" cap="flat" cmpd="sng" algn="ctr">
+          <a:solidFill>
+            <a:schemeClr val="lt1">
+              <a:hueOff val="0"/>
+              <a:satOff val="0"/>
+              <a:lumOff val="0"/>
+              <a:alphaOff val="0"/>
+            </a:schemeClr>
+          </a:solidFill>
+          <a:prstDash val="solid"/>
+        </a:ln>
+        <a:effectLst/>
+      </dsp:spPr>
+      <dsp:style>
+        <a:lnRef idx="2">
+          <a:scrgbClr r="0" g="0" b="0"/>
+        </a:lnRef>
+        <a:fillRef idx="1">
+          <a:scrgbClr r="0" g="0" b="0"/>
+        </a:fillRef>
+        <a:effectRef idx="0">
+          <a:scrgbClr r="0" g="0" b="0"/>
+        </a:effectRef>
+        <a:fontRef idx="minor">
+          <a:schemeClr val="lt1"/>
+        </a:fontRef>
+      </dsp:style>
+      <dsp:txBody>
+        <a:bodyPr spcFirstLastPara="0" vert="horz" wrap="square" lIns="133350" tIns="133350" rIns="133350" bIns="133350" numCol="1" spcCol="1270" anchor="ctr" anchorCtr="0">
+          <a:noAutofit/>
+        </a:bodyPr>
+        <a:lstStyle/>
+        <a:p>
+          <a:pPr marL="0" lvl="0" indent="0" algn="ctr" defTabSz="1555750">
+            <a:lnSpc>
+              <a:spcPct val="90000"/>
+            </a:lnSpc>
+            <a:spcBef>
+              <a:spcPct val="0"/>
+            </a:spcBef>
+            <a:spcAft>
+              <a:spcPct val="35000"/>
+            </a:spcAft>
+            <a:buNone/>
+          </a:pPr>
+          <a:r>
+            <a:rPr lang="en-US" sz="3500" kern="1200" dirty="0"/>
+            <a:t>Factory</a:t>
+          </a:r>
+        </a:p>
+      </dsp:txBody>
+      <dsp:txXfrm>
+        <a:off x="3339985" y="1120"/>
+        <a:ext cx="2933929" cy="1760357"/>
+      </dsp:txXfrm>
+    </dsp:sp>
+    <dsp:sp modelId="{905359E8-E0EC-4B26-A1BC-4CC5D7FECD86}">
+      <dsp:nvSpPr>
+        <dsp:cNvPr id="0" name=""/>
+        <dsp:cNvSpPr/>
+      </dsp:nvSpPr>
+      <dsp:spPr>
+        <a:xfrm>
+          <a:off x="6567307" y="1120"/>
+          <a:ext cx="2933929" cy="1760357"/>
+        </a:xfrm>
+        <a:prstGeom prst="rect">
+          <a:avLst/>
+        </a:prstGeom>
+        <a:solidFill>
+          <a:schemeClr val="accent1">
+            <a:lumMod val="75000"/>
+          </a:schemeClr>
+        </a:solidFill>
+        <a:ln w="12700" cap="flat" cmpd="sng" algn="ctr">
+          <a:solidFill>
+            <a:schemeClr val="lt1">
+              <a:hueOff val="0"/>
+              <a:satOff val="0"/>
+              <a:lumOff val="0"/>
+              <a:alphaOff val="0"/>
+            </a:schemeClr>
+          </a:solidFill>
+          <a:prstDash val="solid"/>
+        </a:ln>
+        <a:effectLst/>
+      </dsp:spPr>
+      <dsp:style>
+        <a:lnRef idx="2">
+          <a:scrgbClr r="0" g="0" b="0"/>
+        </a:lnRef>
+        <a:fillRef idx="1">
+          <a:scrgbClr r="0" g="0" b="0"/>
+        </a:fillRef>
+        <a:effectRef idx="0">
+          <a:scrgbClr r="0" g="0" b="0"/>
+        </a:effectRef>
+        <a:fontRef idx="minor">
+          <a:schemeClr val="lt1"/>
+        </a:fontRef>
+      </dsp:style>
+      <dsp:txBody>
+        <a:bodyPr spcFirstLastPara="0" vert="horz" wrap="square" lIns="133350" tIns="133350" rIns="133350" bIns="133350" numCol="1" spcCol="1270" anchor="ctr" anchorCtr="0">
+          <a:noAutofit/>
+        </a:bodyPr>
+        <a:lstStyle/>
+        <a:p>
+          <a:pPr marL="0" lvl="0" indent="0" algn="ctr" defTabSz="1555750">
+            <a:lnSpc>
+              <a:spcPct val="90000"/>
+            </a:lnSpc>
+            <a:spcBef>
+              <a:spcPct val="0"/>
+            </a:spcBef>
+            <a:spcAft>
+              <a:spcPct val="35000"/>
+            </a:spcAft>
+            <a:buNone/>
+          </a:pPr>
+          <a:r>
+            <a:rPr lang="en-US" sz="3500" kern="1200" dirty="0"/>
+            <a:t>Validator</a:t>
+          </a:r>
+        </a:p>
+      </dsp:txBody>
+      <dsp:txXfrm>
+        <a:off x="6567307" y="1120"/>
+        <a:ext cx="2933929" cy="1760357"/>
+      </dsp:txXfrm>
+    </dsp:sp>
+    <dsp:sp modelId="{B6E6D93E-9679-49E5-BD9C-BA128B4D4EEA}">
+      <dsp:nvSpPr>
+        <dsp:cNvPr id="0" name=""/>
+        <dsp:cNvSpPr/>
+      </dsp:nvSpPr>
+      <dsp:spPr>
+        <a:xfrm>
+          <a:off x="112662" y="2054871"/>
+          <a:ext cx="2933929" cy="1760357"/>
+        </a:xfrm>
+        <a:prstGeom prst="rect">
+          <a:avLst/>
+        </a:prstGeom>
+        <a:solidFill>
+          <a:srgbClr val="B8700C"/>
+        </a:solidFill>
+        <a:ln w="12700" cap="flat" cmpd="sng" algn="ctr">
+          <a:solidFill>
+            <a:schemeClr val="lt1">
+              <a:hueOff val="0"/>
+              <a:satOff val="0"/>
+              <a:lumOff val="0"/>
+              <a:alphaOff val="0"/>
+            </a:schemeClr>
+          </a:solidFill>
+          <a:prstDash val="solid"/>
+        </a:ln>
+        <a:effectLst/>
+      </dsp:spPr>
+      <dsp:style>
+        <a:lnRef idx="2">
+          <a:scrgbClr r="0" g="0" b="0"/>
+        </a:lnRef>
+        <a:fillRef idx="1">
+          <a:scrgbClr r="0" g="0" b="0"/>
+        </a:fillRef>
+        <a:effectRef idx="0">
+          <a:scrgbClr r="0" g="0" b="0"/>
+        </a:effectRef>
+        <a:fontRef idx="minor">
+          <a:schemeClr val="lt1"/>
+        </a:fontRef>
+      </dsp:style>
+      <dsp:txBody>
+        <a:bodyPr spcFirstLastPara="0" vert="horz" wrap="square" lIns="133350" tIns="133350" rIns="133350" bIns="133350" numCol="1" spcCol="1270" anchor="ctr" anchorCtr="0">
+          <a:noAutofit/>
+        </a:bodyPr>
+        <a:lstStyle/>
+        <a:p>
+          <a:pPr marL="0" lvl="0" indent="0" algn="ctr" defTabSz="1555750">
+            <a:lnSpc>
+              <a:spcPct val="90000"/>
+            </a:lnSpc>
+            <a:spcBef>
+              <a:spcPct val="0"/>
+            </a:spcBef>
+            <a:spcAft>
+              <a:spcPct val="35000"/>
+            </a:spcAft>
+            <a:buNone/>
+          </a:pPr>
+          <a:r>
+            <a:rPr lang="en-US" sz="3500" kern="1200" dirty="0"/>
+            <a:t>Mapper</a:t>
+          </a:r>
+        </a:p>
+      </dsp:txBody>
+      <dsp:txXfrm>
+        <a:off x="112662" y="2054871"/>
+        <a:ext cx="2933929" cy="1760357"/>
+      </dsp:txXfrm>
+    </dsp:sp>
+    <dsp:sp modelId="{AEE08297-FFA8-4D0A-ABCC-1D18AB636622}">
+      <dsp:nvSpPr>
+        <dsp:cNvPr id="0" name=""/>
+        <dsp:cNvSpPr/>
+      </dsp:nvSpPr>
+      <dsp:spPr>
+        <a:xfrm>
+          <a:off x="3339985" y="2054871"/>
+          <a:ext cx="2933929" cy="1760357"/>
+        </a:xfrm>
+        <a:prstGeom prst="rect">
+          <a:avLst/>
+        </a:prstGeom>
+        <a:solidFill>
+          <a:srgbClr val="31C1BE"/>
+        </a:solidFill>
+        <a:ln w="12700" cap="flat" cmpd="sng" algn="ctr">
+          <a:solidFill>
+            <a:schemeClr val="lt1">
+              <a:hueOff val="0"/>
+              <a:satOff val="0"/>
+              <a:lumOff val="0"/>
+              <a:alphaOff val="0"/>
+            </a:schemeClr>
+          </a:solidFill>
+          <a:prstDash val="solid"/>
+        </a:ln>
+        <a:effectLst/>
+      </dsp:spPr>
+      <dsp:style>
+        <a:lnRef idx="2">
+          <a:scrgbClr r="0" g="0" b="0"/>
+        </a:lnRef>
+        <a:fillRef idx="1">
+          <a:scrgbClr r="0" g="0" b="0"/>
+        </a:fillRef>
+        <a:effectRef idx="0">
+          <a:scrgbClr r="0" g="0" b="0"/>
+        </a:effectRef>
+        <a:fontRef idx="minor">
+          <a:schemeClr val="lt1"/>
+        </a:fontRef>
+      </dsp:style>
+      <dsp:txBody>
+        <a:bodyPr spcFirstLastPara="0" vert="horz" wrap="square" lIns="133350" tIns="133350" rIns="133350" bIns="133350" numCol="1" spcCol="1270" anchor="ctr" anchorCtr="0">
+          <a:noAutofit/>
+        </a:bodyPr>
+        <a:lstStyle/>
+        <a:p>
+          <a:pPr marL="0" lvl="0" indent="0" algn="ctr" defTabSz="1555750">
+            <a:lnSpc>
+              <a:spcPct val="90000"/>
+            </a:lnSpc>
+            <a:spcBef>
+              <a:spcPct val="0"/>
+            </a:spcBef>
+            <a:spcAft>
+              <a:spcPct val="35000"/>
+            </a:spcAft>
+            <a:buNone/>
+          </a:pPr>
+          <a:r>
+            <a:rPr lang="en-US" sz="3500" kern="1200" dirty="0" err="1"/>
+            <a:t>ViewModels</a:t>
+          </a:r>
+          <a:endParaRPr lang="en-US" sz="3500" kern="1200" dirty="0"/>
+        </a:p>
+      </dsp:txBody>
+      <dsp:txXfrm>
+        <a:off x="3339985" y="2054871"/>
+        <a:ext cx="2933929" cy="1760357"/>
+      </dsp:txXfrm>
+    </dsp:sp>
+    <dsp:sp modelId="{FAB7C61F-01B2-45E9-9196-413B069B90B2}">
+      <dsp:nvSpPr>
+        <dsp:cNvPr id="0" name=""/>
+        <dsp:cNvSpPr/>
+      </dsp:nvSpPr>
+      <dsp:spPr>
+        <a:xfrm>
+          <a:off x="6567307" y="2054871"/>
+          <a:ext cx="2933929" cy="1760357"/>
+        </a:xfrm>
+        <a:prstGeom prst="rect">
+          <a:avLst/>
+        </a:prstGeom>
+        <a:solidFill>
+          <a:schemeClr val="accent1">
+            <a:hueOff val="0"/>
+            <a:satOff val="0"/>
+            <a:lumOff val="0"/>
+            <a:alphaOff val="0"/>
+          </a:schemeClr>
+        </a:solidFill>
+        <a:ln w="12700" cap="flat" cmpd="sng" algn="ctr">
+          <a:solidFill>
+            <a:schemeClr val="lt1">
+              <a:hueOff val="0"/>
+              <a:satOff val="0"/>
+              <a:lumOff val="0"/>
+              <a:alphaOff val="0"/>
+            </a:schemeClr>
+          </a:solidFill>
+          <a:prstDash val="solid"/>
+        </a:ln>
+        <a:effectLst/>
+      </dsp:spPr>
+      <dsp:style>
+        <a:lnRef idx="2">
+          <a:scrgbClr r="0" g="0" b="0"/>
+        </a:lnRef>
+        <a:fillRef idx="1">
+          <a:scrgbClr r="0" g="0" b="0"/>
+        </a:fillRef>
+        <a:effectRef idx="0">
+          <a:scrgbClr r="0" g="0" b="0"/>
+        </a:effectRef>
+        <a:fontRef idx="minor">
+          <a:schemeClr val="lt1"/>
+        </a:fontRef>
+      </dsp:style>
+      <dsp:txBody>
+        <a:bodyPr spcFirstLastPara="0" vert="horz" wrap="square" lIns="133350" tIns="133350" rIns="133350" bIns="133350" numCol="1" spcCol="1270" anchor="ctr" anchorCtr="0">
+          <a:noAutofit/>
+        </a:bodyPr>
+        <a:lstStyle/>
+        <a:p>
+          <a:pPr marL="0" lvl="0" indent="0" algn="ctr" defTabSz="1555750">
+            <a:lnSpc>
+              <a:spcPct val="90000"/>
+            </a:lnSpc>
+            <a:spcBef>
+              <a:spcPct val="0"/>
+            </a:spcBef>
+            <a:spcAft>
+              <a:spcPct val="35000"/>
+            </a:spcAft>
+            <a:buNone/>
+          </a:pPr>
+          <a:r>
+            <a:rPr lang="en-US" sz="3500" kern="1200" dirty="0" err="1"/>
+            <a:t>QueryParams</a:t>
+          </a:r>
+          <a:endParaRPr lang="en-US" sz="3500" kern="1200" dirty="0"/>
+        </a:p>
+      </dsp:txBody>
+      <dsp:txXfrm>
+        <a:off x="6567307" y="2054871"/>
+        <a:ext cx="2933929" cy="1760357"/>
+      </dsp:txXfrm>
+    </dsp:sp>
+  </dsp:spTree>
+</dsp:drawing>
+</file>
+
+<file path=ppt/diagrams/layout1.xml><?xml version="1.0" encoding="utf-8"?>
+<dgm:layoutDef xmlns:dgm="http://schemas.openxmlformats.org/drawingml/2006/diagram" xmlns:a="http://schemas.openxmlformats.org/drawingml/2006/main" uniqueId="urn:microsoft.com/office/officeart/2005/8/layout/default">
+  <dgm:title val=""/>
+  <dgm:desc val=""/>
+  <dgm:catLst>
+    <dgm:cat type="list" pri="400"/>
+  </dgm:catLst>
+  <dgm:sampData>
+    <dgm:dataModel>
+      <dgm:ptLst>
+        <dgm:pt modelId="0" type="doc"/>
+        <dgm:pt modelId="1">
+          <dgm:prSet phldr="1"/>
+        </dgm:pt>
+        <dgm:pt modelId="2">
+          <dgm:prSet phldr="1"/>
+        </dgm:pt>
+        <dgm:pt modelId="3">
+          <dgm:prSet phldr="1"/>
+        </dgm:pt>
+        <dgm:pt modelId="4">
+          <dgm:prSet phldr="1"/>
+        </dgm:pt>
+        <dgm:pt modelId="5">
+          <dgm:prSet phldr="1"/>
+        </dgm:pt>
+      </dgm:ptLst>
+      <dgm:cxnLst>
+        <dgm:cxn modelId="6" srcId="0" destId="1" srcOrd="0" destOrd="0"/>
+        <dgm:cxn modelId="7" srcId="0" destId="2" srcOrd="1" destOrd="0"/>
+        <dgm:cxn modelId="8" srcId="0" destId="3" srcOrd="2" destOrd="0"/>
+        <dgm:cxn modelId="9" srcId="0" destId="4" srcOrd="3" destOrd="0"/>
+        <dgm:cxn modelId="10" srcId="0" destId="5" srcOrd="4" destOrd="0"/>
+      </dgm:cxnLst>
+      <dgm:bg/>
+      <dgm:whole/>
+    </dgm:dataModel>
+  </dgm:sampData>
+  <dgm:styleData>
+    <dgm:dataModel>
+      <dgm:ptLst>
+        <dgm:pt modelId="0" type="doc"/>
+        <dgm:pt modelId="1"/>
+        <dgm:pt modelId="2"/>
+      </dgm:ptLst>
+      <dgm:cxnLst>
+        <dgm:cxn modelId="3" srcId="0" destId="1" srcOrd="0" destOrd="0"/>
+        <dgm:cxn modelId="4" srcId="0" destId="2" srcOrd="1" destOrd="0"/>
+      </dgm:cxnLst>
+      <dgm:bg/>
+      <dgm:whole/>
+    </dgm:dataModel>
+  </dgm:styleData>
+  <dgm:clrData>
+    <dgm:dataModel>
+      <dgm:ptLst>
+        <dgm:pt modelId="0" type="doc"/>
+        <dgm:pt modelId="1"/>
+        <dgm:pt modelId="2"/>
+        <dgm:pt modelId="3"/>
+        <dgm:pt modelId="4"/>
+        <dgm:pt modelId="5"/>
+        <dgm:pt modelId="6"/>
+      </dgm:ptLst>
+      <dgm:cxnLst>
+        <dgm:cxn modelId="7" srcId="0" destId="1" srcOrd="0" destOrd="0"/>
+        <dgm:cxn modelId="8" srcId="0" destId="2" srcOrd="1" destOrd="0"/>
+        <dgm:cxn modelId="9" srcId="0" destId="3" srcOrd="2" destOrd="0"/>
+        <dgm:cxn modelId="10" srcId="0" destId="4" srcOrd="3" destOrd="0"/>
+        <dgm:cxn modelId="11" srcId="0" destId="5" srcOrd="4" destOrd="0"/>
+        <dgm:cxn modelId="12" srcId="0" destId="6" srcOrd="5" destOrd="0"/>
+      </dgm:cxnLst>
+      <dgm:bg/>
+      <dgm:whole/>
+    </dgm:dataModel>
+  </dgm:clrData>
+  <dgm:layoutNode name="diagram">
+    <dgm:varLst>
+      <dgm:dir/>
+      <dgm:resizeHandles val="exact"/>
+    </dgm:varLst>
+    <dgm:choose name="Name0">
+      <dgm:if name="Name1" func="var" arg="dir" op="equ" val="norm">
+        <dgm:alg type="snake">
+          <dgm:param type="grDir" val="tL"/>
+          <dgm:param type="flowDir" val="row"/>
+          <dgm:param type="contDir" val="sameDir"/>
+          <dgm:param type="off" val="ctr"/>
+        </dgm:alg>
+      </dgm:if>
+      <dgm:else name="Name2">
+        <dgm:alg type="snake">
+          <dgm:param type="grDir" val="tR"/>
+          <dgm:param type="flowDir" val="row"/>
+          <dgm:param type="contDir" val="sameDir"/>
+          <dgm:param type="off" val="ctr"/>
+        </dgm:alg>
+      </dgm:else>
+    </dgm:choose>
+    <dgm:shape xmlns:r="http://schemas.openxmlformats.org/officeDocument/2006/relationships" r:blip="">
+      <dgm:adjLst/>
+    </dgm:shape>
+    <dgm:presOf/>
+    <dgm:constrLst>
+      <dgm:constr type="w" for="ch" forName="node" refType="w"/>
+      <dgm:constr type="h" for="ch" forName="node" refType="w" refFor="ch" refForName="node" fact="0.6"/>
+      <dgm:constr type="w" for="ch" forName="sibTrans" refType="w" refFor="ch" refForName="node" fact="0.1"/>
+      <dgm:constr type="sp" refType="w" refFor="ch" refForName="sibTrans"/>
+      <dgm:constr type="primFontSz" for="ch" forName="node" op="equ" val="65"/>
+    </dgm:constrLst>
+    <dgm:ruleLst/>
+    <dgm:forEach name="Name3" axis="ch" ptType="node">
+      <dgm:layoutNode name="node">
+        <dgm:varLst>
+          <dgm:bulletEnabled val="1"/>
+        </dgm:varLst>
+        <dgm:alg type="tx"/>
+        <dgm:shape xmlns:r="http://schemas.openxmlformats.org/officeDocument/2006/relationships" type="rect" r:blip="">
+          <dgm:adjLst/>
+        </dgm:shape>
+        <dgm:presOf axis="desOrSelf" ptType="node"/>
+        <dgm:constrLst>
+          <dgm:constr type="lMarg" refType="primFontSz" fact="0.3"/>
+          <dgm:constr type="rMarg" refType="primFontSz" fact="0.3"/>
+          <dgm:constr type="tMarg" refType="primFontSz" fact="0.3"/>
+          <dgm:constr type="bMarg" refType="primFontSz" fact="0.3"/>
+        </dgm:constrLst>
+        <dgm:ruleLst>
+          <dgm:rule type="primFontSz" val="5" fact="NaN" max="NaN"/>
+        </dgm:ruleLst>
+      </dgm:layoutNode>
+      <dgm:forEach name="Name4" axis="followSib" ptType="sibTrans" cnt="1">
+        <dgm:layoutNode name="sibTrans">
+          <dgm:alg type="sp"/>
+          <dgm:shape xmlns:r="http://schemas.openxmlformats.org/officeDocument/2006/relationships" r:blip="">
+            <dgm:adjLst/>
+          </dgm:shape>
+          <dgm:presOf/>
+          <dgm:constrLst/>
+          <dgm:ruleLst/>
+        </dgm:layoutNode>
+      </dgm:forEach>
+    </dgm:forEach>
+  </dgm:layoutNode>
+</dgm:layoutDef>
+</file>
+
+<file path=ppt/diagrams/quickStyle1.xml><?xml version="1.0" encoding="utf-8"?>
+<dgm:styleDef xmlns:dgm="http://schemas.openxmlformats.org/drawingml/2006/diagram" xmlns:a="http://schemas.openxmlformats.org/drawingml/2006/main" uniqueId="urn:microsoft.com/office/officeart/2005/8/quickstyle/simple1">
+  <dgm:title val=""/>
+  <dgm:desc val=""/>
+  <dgm:catLst>
+    <dgm:cat type="simple" pri="10100"/>
+  </dgm:catLst>
+  <dgm:scene3d>
+    <a:camera prst="orthographicFront"/>
+    <a:lightRig rig="threePt" dir="t"/>
+  </dgm:scene3d>
+  <dgm:styleLbl name="node0">
+    <dgm:scene3d>
+      <a:camera prst="orthographicFront"/>
+      <a:lightRig rig="threePt" dir="t"/>
+    </dgm:scene3d>
+    <dgm:sp3d/>
+    <dgm:txPr/>
+    <dgm:style>
+      <a:lnRef idx="2">
+        <a:scrgbClr r="0" g="0" b="0"/>
+      </a:lnRef>
+      <a:fillRef idx="1">
+        <a:scrgbClr r="0" g="0" b="0"/>
+      </a:fillRef>
+      <a:effectRef idx="0">
+        <a:scrgbClr r="0" g="0" b="0"/>
+      </a:effectRef>
+      <a:fontRef idx="minor">
+        <a:schemeClr val="lt1"/>
+      </a:fontRef>
+    </dgm:style>
+  </dgm:styleLbl>
+  <dgm:styleLbl name="lnNode1">
+    <dgm:scene3d>
+      <a:camera prst="orthographicFront"/>
+      <a:lightRig rig="threePt" dir="t"/>
+    </dgm:scene3d>
+    <dgm:sp3d/>
+    <dgm:txPr/>
+    <dgm:style>
+      <a:lnRef idx="2">
+        <a:scrgbClr r="0" g="0" b="0"/>
+      </a:lnRef>
+      <a:fillRef idx="1">
+        <a:scrgbClr r="0" g="0" b="0"/>
+      </a:fillRef>
+      <a:effectRef idx="0">
+        <a:scrgbClr r="0" g="0" b="0"/>
+      </a:effectRef>
+      <a:fontRef idx="minor">
+        <a:schemeClr val="lt1"/>
+      </a:fontRef>
+    </dgm:style>
+  </dgm:styleLbl>
+  <dgm:styleLbl name="vennNode1">
+    <dgm:scene3d>
+      <a:camera prst="orthographicFront"/>
+      <a:lightRig rig="threePt" dir="t"/>
+    </dgm:scene3d>
+    <dgm:sp3d/>
+    <dgm:txPr/>
+    <dgm:style>
+      <a:lnRef idx="2">
+        <a:scrgbClr r="0" g="0" b="0"/>
+      </a:lnRef>
+      <a:fillRef idx="1">
+        <a:scrgbClr r="0" g="0" b="0"/>
+      </a:fillRef>
+      <a:effectRef idx="0">
+        <a:scrgbClr r="0" g="0" b="0"/>
+      </a:effectRef>
+      <a:fontRef idx="minor">
+        <a:schemeClr val="tx1"/>
+      </a:fontRef>
+    </dgm:style>
+  </dgm:styleLbl>
+  <dgm:styleLbl name="alignNode1">
+    <dgm:scene3d>
+      <a:camera prst="orthographicFront"/>
+      <a:lightRig rig="threePt" dir="t"/>
+    </dgm:scene3d>
+    <dgm:sp3d/>
+    <dgm:txPr/>
+    <dgm:style>
+      <a:lnRef idx="2">
+        <a:scrgbClr r="0" g="0" b="0"/>
+      </a:lnRef>
+      <a:fillRef idx="1">
+        <a:scrgbClr r="0" g="0" b="0"/>
+      </a:fillRef>
+      <a:effectRef idx="0">
+        <a:scrgbClr r="0" g="0" b="0"/>
+      </a:effectRef>
+      <a:fontRef idx="minor">
+        <a:schemeClr val="lt1"/>
+      </a:fontRef>
+    </dgm:style>
+  </dgm:styleLbl>
+  <dgm:styleLbl name="node1">
+    <dgm:scene3d>
+      <a:camera prst="orthographicFront"/>
+      <a:lightRig rig="threePt" dir="t"/>
+    </dgm:scene3d>
+    <dgm:sp3d/>
+    <dgm:txPr/>
+    <dgm:style>
+      <a:lnRef idx="2">
+        <a:scrgbClr r="0" g="0" b="0"/>
+      </a:lnRef>
+      <a:fillRef idx="1">
+        <a:scrgbClr r="0" g="0" b="0"/>
+      </a:fillRef>
+      <a:effectRef idx="0">
+        <a:scrgbClr r="0" g="0" b="0"/>
+      </a:effectRef>
+      <a:fontRef idx="minor">
+        <a:schemeClr val="lt1"/>
+      </a:fontRef>
+    </dgm:style>
+  </dgm:styleLbl>
+  <dgm:styleLbl name="node2">
+    <dgm:scene3d>
+      <a:camera prst="orthographicFront"/>
+      <a:lightRig rig="threePt" dir="t"/>
+    </dgm:scene3d>
+    <dgm:sp3d/>
+    <dgm:txPr/>
+    <dgm:style>
+      <a:lnRef idx="2">
+        <a:scrgbClr r="0" g="0" b="0"/>
+      </a:lnRef>
+      <a:fillRef idx="1">
+        <a:scrgbClr r="0" g="0" b="0"/>
+      </a:fillRef>
+      <a:effectRef idx="0">
+        <a:scrgbClr r="0" g="0" b="0"/>
+      </a:effectRef>
+      <a:fontRef idx="minor">
+        <a:schemeClr val="lt1"/>
+      </a:fontRef>
+    </dgm:style>
+  </dgm:styleLbl>
+  <dgm:styleLbl name="node3">
+    <dgm:scene3d>
+      <a:camera prst="orthographicFront"/>
+      <a:lightRig rig="threePt" dir="t"/>
+    </dgm:scene3d>
+    <dgm:sp3d/>
+    <dgm:txPr/>
+    <dgm:style>
+      <a:lnRef idx="2">
+        <a:scrgbClr r="0" g="0" b="0"/>
+      </a:lnRef>
+      <a:fillRef idx="1">
+        <a:scrgbClr r="0" g="0" b="0"/>
+      </a:fillRef>
+      <a:effectRef idx="0">
+        <a:scrgbClr r="0" g="0" b="0"/>
+      </a:effectRef>
+      <a:fontRef idx="minor">
+        <a:schemeClr val="lt1"/>
+      </a:fontRef>
+    </dgm:style>
+  </dgm:styleLbl>
+  <dgm:styleLbl name="node4">
+    <dgm:scene3d>
+      <a:camera prst="orthographicFront"/>
+      <a:lightRig rig="threePt" dir="t"/>
+    </dgm:scene3d>
+    <dgm:sp3d/>
+    <dgm:txPr/>
+    <dgm:style>
+      <a:lnRef idx="2">
+        <a:scrgbClr r="0" g="0" b="0"/>
+      </a:lnRef>
+      <a:fillRef idx="1">
+        <a:scrgbClr r="0" g="0" b="0"/>
+      </a:fillRef>
+      <a:effectRef idx="0">
+        <a:scrgbClr r="0" g="0" b="0"/>
+      </a:effectRef>
+      <a:fontRef idx="minor">
+        <a:schemeClr val="lt1"/>
+      </a:fontRef>
+    </dgm:style>
+  </dgm:styleLbl>
+  <dgm:styleLbl name="fgImgPlace1">
+    <dgm:scene3d>
+      <a:camera prst="orthographicFront"/>
+      <a:lightRig rig="threePt" dir="t"/>
+    </dgm:scene3d>
+    <dgm:sp3d/>
+    <dgm:txPr/>
+    <dgm:style>
+      <a:lnRef idx="2">
+        <a:scrgbClr r="0" g="0" b="0"/>
+      </a:lnRef>
+      <a:fillRef idx="1">
+        <a:scrgbClr r="0" g="0" b="0"/>
+      </a:fillRef>
+      <a:effectRef idx="0">
+        <a:scrgbClr r="0" g="0" b="0"/>
+      </a:effectRef>
+      <a:fontRef idx="minor"/>
+    </dgm:style>
+  </dgm:styleLbl>
+  <dgm:styleLbl name="alignImgPlace1">
+    <dgm:scene3d>
+      <a:camera prst="orthographicFront"/>
+      <a:lightRig rig="threePt" dir="t"/>
+    </dgm:scene3d>
+    <dgm:sp3d/>
+    <dgm:txPr/>
+    <dgm:style>
+      <a:lnRef idx="2">
+        <a:scrgbClr r="0" g="0" b="0"/>
+      </a:lnRef>
+      <a:fillRef idx="1">
+        <a:scrgbClr r="0" g="0" b="0"/>
+      </a:fillRef>
+      <a:effectRef idx="0">
+        <a:scrgbClr r="0" g="0" b="0"/>
+      </a:effectRef>
+      <a:fontRef idx="minor"/>
+    </dgm:style>
+  </dgm:styleLbl>
+  <dgm:styleLbl name="bgImgPlace1">
+    <dgm:scene3d>
+      <a:camera prst="orthographicFront"/>
+      <a:lightRig rig="threePt" dir="t"/>
+    </dgm:scene3d>
+    <dgm:sp3d/>
+    <dgm:txPr/>
+    <dgm:style>
+      <a:lnRef idx="2">
+        <a:scrgbClr r="0" g="0" b="0"/>
+      </a:lnRef>
+      <a:fillRef idx="1">
+        <a:scrgbClr r="0" g="0" b="0"/>
+      </a:fillRef>
+      <a:effectRef idx="0">
+        <a:scrgbClr r="0" g="0" b="0"/>
+      </a:effectRef>
+      <a:fontRef idx="minor"/>
+    </dgm:style>
+  </dgm:styleLbl>
+  <dgm:styleLbl name="sibTrans2D1">
+    <dgm:scene3d>
+      <a:camera prst="orthographicFront"/>
+      <a:lightRig rig="threePt" dir="t"/>
+    </dgm:scene3d>
+    <dgm:sp3d/>
+    <dgm:txPr/>
+    <dgm:style>
+      <a:lnRef idx="0">
+        <a:scrgbClr r="0" g="0" b="0"/>
+      </a:lnRef>
+      <a:fillRef idx="1">
+        <a:scrgbClr r="0" g="0" b="0"/>
+      </a:fillRef>
+      <a:effectRef idx="0">
+        <a:scrgbClr r="0" g="0" b="0"/>
+      </a:effectRef>
+      <a:fontRef idx="minor">
+        <a:schemeClr val="lt1"/>
+      </a:fontRef>
+    </dgm:style>
+  </dgm:styleLbl>
+  <dgm:styleLbl name="fgSibTrans2D1">
+    <dgm:scene3d>
+      <a:camera prst="orthographicFront"/>
+      <a:lightRig rig="threePt" dir="t"/>
+    </dgm:scene3d>
+    <dgm:sp3d/>
+    <dgm:txPr/>
+    <dgm:style>
+      <a:lnRef idx="0">
+        <a:scrgbClr r="0" g="0" b="0"/>
+      </a:lnRef>
+      <a:fillRef idx="1">
+        <a:scrgbClr r="0" g="0" b="0"/>
+      </a:fillRef>
+      <a:effectRef idx="0">
+        <a:scrgbClr r="0" g="0" b="0"/>
+      </a:effectRef>
+      <a:fontRef idx="minor">
+        <a:schemeClr val="lt1"/>
+      </a:fontRef>
+    </dgm:style>
+  </dgm:styleLbl>
+  <dgm:styleLbl name="bgSibTrans2D1">
+    <dgm:scene3d>
+      <a:camera prst="orthographicFront"/>
+      <a:lightRig rig="threePt" dir="t"/>
+    </dgm:scene3d>
+    <dgm:sp3d/>
+    <dgm:txPr/>
+    <dgm:style>
+      <a:lnRef idx="0">
+        <a:scrgbClr r="0" g="0" b="0"/>
+      </a:lnRef>
+      <a:fillRef idx="1">
+        <a:scrgbClr r="0" g="0" b="0"/>
+      </a:fillRef>
+      <a:effectRef idx="0">
+        <a:scrgbClr r="0" g="0" b="0"/>
+      </a:effectRef>
+      <a:fontRef idx="minor">
+        <a:schemeClr val="lt1"/>
+      </a:fontRef>
+    </dgm:style>
+  </dgm:styleLbl>
+  <dgm:styleLbl name="sibTrans1D1">
+    <dgm:scene3d>
+      <a:camera prst="orthographicFront"/>
+      <a:lightRig rig="threePt" dir="t"/>
+    </dgm:scene3d>
+    <dgm:sp3d/>
+    <dgm:txPr/>
+    <dgm:style>
+      <a:lnRef idx="1">
+        <a:scrgbClr r="0" g="0" b="0"/>
+      </a:lnRef>
+      <a:fillRef idx="0">
+        <a:scrgbClr r="0" g="0" b="0"/>
+      </a:fillRef>
+      <a:effectRef idx="0">
+        <a:scrgbClr r="0" g="0" b="0"/>
+      </a:effectRef>
+      <a:fontRef idx="minor"/>
+    </dgm:style>
+  </dgm:styleLbl>
+  <dgm:styleLbl name="callout">
+    <dgm:scene3d>
+      <a:camera prst="orthographicFront"/>
+      <a:lightRig rig="threePt" dir="t"/>
+    </dgm:scene3d>
+    <dgm:sp3d/>
+    <dgm:txPr/>
+    <dgm:style>
+      <a:lnRef idx="2">
+        <a:scrgbClr r="0" g="0" b="0"/>
+      </a:lnRef>
+      <a:fillRef idx="1">
+        <a:scrgbClr r="0" g="0" b="0"/>
+      </a:fillRef>
+      <a:effectRef idx="0">
+        <a:scrgbClr r="0" g="0" b="0"/>
+      </a:effectRef>
+      <a:fontRef idx="minor"/>
+    </dgm:style>
+  </dgm:styleLbl>
+  <dgm:styleLbl name="asst0">
+    <dgm:scene3d>
+      <a:camera prst="orthographicFront"/>
+      <a:lightRig rig="threePt" dir="t"/>
+    </dgm:scene3d>
+    <dgm:sp3d/>
+    <dgm:txPr/>
+    <dgm:style>
+      <a:lnRef idx="2">
+        <a:scrgbClr r="0" g="0" b="0"/>
+      </a:lnRef>
+      <a:fillRef idx="1">
+        <a:scrgbClr r="0" g="0" b="0"/>
+      </a:fillRef>
+      <a:effectRef idx="0">
+        <a:scrgbClr r="0" g="0" b="0"/>
+      </a:effectRef>
+      <a:fontRef idx="minor">
+        <a:schemeClr val="lt1"/>
+      </a:fontRef>
+    </dgm:style>
+  </dgm:styleLbl>
+  <dgm:styleLbl name="asst1">
+    <dgm:scene3d>
+      <a:camera prst="orthographicFront"/>
+      <a:lightRig rig="threePt" dir="t"/>
+    </dgm:scene3d>
+    <dgm:sp3d/>
+    <dgm:txPr/>
+    <dgm:style>
+      <a:lnRef idx="2">
+        <a:scrgbClr r="0" g="0" b="0"/>
+      </a:lnRef>
+      <a:fillRef idx="1">
+        <a:scrgbClr r="0" g="0" b="0"/>
+      </a:fillRef>
+      <a:effectRef idx="0">
+        <a:scrgbClr r="0" g="0" b="0"/>
+      </a:effectRef>
+      <a:fontRef idx="minor">
+        <a:schemeClr val="lt1"/>
+      </a:fontRef>
+    </dgm:style>
+  </dgm:styleLbl>
+  <dgm:styleLbl name="asst2">
+    <dgm:scene3d>
+      <a:camera prst="orthographicFront"/>
+      <a:lightRig rig="threePt" dir="t"/>
+    </dgm:scene3d>
+    <dgm:sp3d/>
+    <dgm:txPr/>
+    <dgm:style>
+      <a:lnRef idx="2">
+        <a:scrgbClr r="0" g="0" b="0"/>
+      </a:lnRef>
+      <a:fillRef idx="1">
+        <a:scrgbClr r="0" g="0" b="0"/>
+      </a:fillRef>
+      <a:effectRef idx="0">
+        <a:scrgbClr r="0" g="0" b="0"/>
+      </a:effectRef>
+      <a:fontRef idx="minor">
+        <a:schemeClr val="lt1"/>
+      </a:fontRef>
+    </dgm:style>
+  </dgm:styleLbl>
+  <dgm:styleLbl name="asst3">
+    <dgm:scene3d>
+      <a:camera prst="orthographicFront"/>
+      <a:lightRig rig="threePt" dir="t"/>
+    </dgm:scene3d>
+    <dgm:sp3d/>
+    <dgm:txPr/>
+    <dgm:style>
+      <a:lnRef idx="2">
+        <a:scrgbClr r="0" g="0" b="0"/>
+      </a:lnRef>
+      <a:fillRef idx="1">
+        <a:scrgbClr r="0" g="0" b="0"/>
+      </a:fillRef>
+      <a:effectRef idx="0">
+        <a:scrgbClr r="0" g="0" b="0"/>
+      </a:effectRef>
+      <a:fontRef idx="minor">
+        <a:schemeClr val="lt1"/>
+      </a:fontRef>
+    </dgm:style>
+  </dgm:styleLbl>
+  <dgm:styleLbl name="asst4">
+    <dgm:scene3d>
+      <a:camera prst="orthographicFront"/>
+      <a:lightRig rig="threePt" dir="t"/>
+    </dgm:scene3d>
+    <dgm:sp3d/>
+    <dgm:txPr/>
+    <dgm:style>
+      <a:lnRef idx="2">
+        <a:scrgbClr r="0" g="0" b="0"/>
+      </a:lnRef>
+      <a:fillRef idx="1">
+        <a:scrgbClr r="0" g="0" b="0"/>
+      </a:fillRef>
+      <a:effectRef idx="0">
+        <a:scrgbClr r="0" g="0" b="0"/>
+      </a:effectRef>
+      <a:fontRef idx="minor">
+        <a:schemeClr val="lt1"/>
+      </a:fontRef>
+    </dgm:style>
+  </dgm:styleLbl>
+  <dgm:styleLbl name="parChTrans2D1">
+    <dgm:scene3d>
+      <a:camera prst="orthographicFront"/>
+      <a:lightRig rig="threePt" dir="t"/>
+    </dgm:scene3d>
+    <dgm:sp3d/>
+    <dgm:txPr/>
+    <dgm:style>
+      <a:lnRef idx="2">
+        <a:scrgbClr r="0" g="0" b="0"/>
+      </a:lnRef>
+      <a:fillRef idx="1">
+        <a:scrgbClr r="0" g="0" b="0"/>
+      </a:fillRef>
+      <a:effectRef idx="0">
+        <a:scrgbClr r="0" g="0" b="0"/>
+      </a:effectRef>
+      <a:fontRef idx="minor">
+        <a:schemeClr val="lt1"/>
+      </a:fontRef>
+    </dgm:style>
+  </dgm:styleLbl>
+  <dgm:styleLbl name="parChTrans2D2">
+    <dgm:scene3d>
+      <a:camera prst="orthographicFront"/>
+      <a:lightRig rig="threePt" dir="t"/>
+    </dgm:scene3d>
+    <dgm:sp3d/>
+    <dgm:txPr/>
+    <dgm:style>
+      <a:lnRef idx="2">
+        <a:scrgbClr r="0" g="0" b="0"/>
+      </a:lnRef>
+      <a:fillRef idx="1">
+        <a:scrgbClr r="0" g="0" b="0"/>
+      </a:fillRef>
+      <a:effectRef idx="0">
+        <a:scrgbClr r="0" g="0" b="0"/>
+      </a:effectRef>
+      <a:fontRef idx="minor">
+        <a:schemeClr val="lt1"/>
+      </a:fontRef>
+    </dgm:style>
+  </dgm:styleLbl>
+  <dgm:styleLbl name="parChTrans2D3">
+    <dgm:scene3d>
+      <a:camera prst="orthographicFront"/>
+      <a:lightRig rig="threePt" dir="t"/>
+    </dgm:scene3d>
+    <dgm:sp3d/>
+    <dgm:txPr/>
+    <dgm:style>
+      <a:lnRef idx="2">
+        <a:scrgbClr r="0" g="0" b="0"/>
+      </a:lnRef>
+      <a:fillRef idx="1">
+        <a:scrgbClr r="0" g="0" b="0"/>
+      </a:fillRef>
+      <a:effectRef idx="0">
+        <a:scrgbClr r="0" g="0" b="0"/>
+      </a:effectRef>
+      <a:fontRef idx="minor">
+        <a:schemeClr val="lt1"/>
+      </a:fontRef>
+    </dgm:style>
+  </dgm:styleLbl>
+  <dgm:styleLbl name="parChTrans2D4">
+    <dgm:scene3d>
+      <a:camera prst="orthographicFront"/>
+      <a:lightRig rig="threePt" dir="t"/>
+    </dgm:scene3d>
+    <dgm:sp3d/>
+    <dgm:txPr/>
+    <dgm:style>
+      <a:lnRef idx="2">
+        <a:scrgbClr r="0" g="0" b="0"/>
+      </a:lnRef>
+      <a:fillRef idx="1">
+        <a:scrgbClr r="0" g="0" b="0"/>
+      </a:fillRef>
+      <a:effectRef idx="0">
+        <a:scrgbClr r="0" g="0" b="0"/>
+      </a:effectRef>
+      <a:fontRef idx="minor">
+        <a:schemeClr val="lt1"/>
+      </a:fontRef>
+    </dgm:style>
+  </dgm:styleLbl>
+  <dgm:styleLbl name="parChTrans1D1">
+    <dgm:scene3d>
+      <a:camera prst="orthographicFront"/>
+      <a:lightRig rig="threePt" dir="t"/>
+    </dgm:scene3d>
+    <dgm:sp3d/>
+    <dgm:txPr/>
+    <dgm:style>
+      <a:lnRef idx="2">
+        <a:scrgbClr r="0" g="0" b="0"/>
+      </a:lnRef>
+      <a:fillRef idx="0">
+        <a:scrgbClr r="0" g="0" b="0"/>
+      </a:fillRef>
+      <a:effectRef idx="0">
+        <a:scrgbClr r="0" g="0" b="0"/>
+      </a:effectRef>
+      <a:fontRef idx="minor"/>
+    </dgm:style>
+  </dgm:styleLbl>
+  <dgm:styleLbl name="parChTrans1D2">
+    <dgm:scene3d>
+      <a:camera prst="orthographicFront"/>
+      <a:lightRig rig="threePt" dir="t"/>
+    </dgm:scene3d>
+    <dgm:sp3d/>
+    <dgm:txPr/>
+    <dgm:style>
+      <a:lnRef idx="2">
+        <a:scrgbClr r="0" g="0" b="0"/>
+      </a:lnRef>
+      <a:fillRef idx="0">
+        <a:scrgbClr r="0" g="0" b="0"/>
+      </a:fillRef>
+      <a:effectRef idx="0">
+        <a:scrgbClr r="0" g="0" b="0"/>
+      </a:effectRef>
+      <a:fontRef idx="minor"/>
+    </dgm:style>
+  </dgm:styleLbl>
+  <dgm:styleLbl name="parChTrans1D3">
+    <dgm:scene3d>
+      <a:camera prst="orthographicFront"/>
+      <a:lightRig rig="threePt" dir="t"/>
+    </dgm:scene3d>
+    <dgm:sp3d/>
+    <dgm:txPr/>
+    <dgm:style>
+      <a:lnRef idx="2">
+        <a:scrgbClr r="0" g="0" b="0"/>
+      </a:lnRef>
+      <a:fillRef idx="0">
+        <a:scrgbClr r="0" g="0" b="0"/>
+      </a:fillRef>
+      <a:effectRef idx="0">
+        <a:scrgbClr r="0" g="0" b="0"/>
+      </a:effectRef>
+      <a:fontRef idx="minor"/>
+    </dgm:style>
+  </dgm:styleLbl>
+  <dgm:styleLbl name="parChTrans1D4">
+    <dgm:scene3d>
+      <a:camera prst="orthographicFront"/>
+      <a:lightRig rig="threePt" dir="t"/>
+    </dgm:scene3d>
+    <dgm:sp3d/>
+    <dgm:txPr/>
+    <dgm:style>
+      <a:lnRef idx="2">
+        <a:scrgbClr r="0" g="0" b="0"/>
+      </a:lnRef>
+      <a:fillRef idx="0">
+        <a:scrgbClr r="0" g="0" b="0"/>
+      </a:fillRef>
+      <a:effectRef idx="0">
+        <a:scrgbClr r="0" g="0" b="0"/>
+      </a:effectRef>
+      <a:fontRef idx="minor"/>
+    </dgm:style>
+  </dgm:styleLbl>
+  <dgm:styleLbl name="fgAcc1">
+    <dgm:scene3d>
+      <a:camera prst="orthographicFront"/>
+      <a:lightRig rig="threePt" dir="t"/>
+    </dgm:scene3d>
+    <dgm:sp3d/>
+    <dgm:txPr/>
+    <dgm:style>
+      <a:lnRef idx="2">
+        <a:scrgbClr r="0" g="0" b="0"/>
+      </a:lnRef>
+      <a:fillRef idx="1">
+        <a:scrgbClr r="0" g="0" b="0"/>
+      </a:fillRef>
+      <a:effectRef idx="0">
+        <a:scrgbClr r="0" g="0" b="0"/>
+      </a:effectRef>
+      <a:fontRef idx="minor"/>
+    </dgm:style>
+  </dgm:styleLbl>
+  <dgm:styleLbl name="conFgAcc1">
+    <dgm:scene3d>
+      <a:camera prst="orthographicFront"/>
+      <a:lightRig rig="threePt" dir="t"/>
+    </dgm:scene3d>
+    <dgm:sp3d/>
+    <dgm:txPr/>
+    <dgm:style>
+      <a:lnRef idx="2">
+        <a:scrgbClr r="0" g="0" b="0"/>
+      </a:lnRef>
+      <a:fillRef idx="1">
+        <a:scrgbClr r="0" g="0" b="0"/>
+      </a:fillRef>
+      <a:effectRef idx="0">
+        <a:scrgbClr r="0" g="0" b="0"/>
+      </a:effectRef>
+      <a:fontRef idx="minor"/>
+    </dgm:style>
+  </dgm:styleLbl>
+  <dgm:styleLbl name="alignAcc1">
+    <dgm:scene3d>
+      <a:camera prst="orthographicFront"/>
+      <a:lightRig rig="threePt" dir="t"/>
+    </dgm:scene3d>
+    <dgm:sp3d/>
+    <dgm:txPr/>
+    <dgm:style>
+      <a:lnRef idx="2">
+        <a:scrgbClr r="0" g="0" b="0"/>
+      </a:lnRef>
+      <a:fillRef idx="1">
+        <a:scrgbClr r="0" g="0" b="0"/>
+      </a:fillRef>
+      <a:effectRef idx="0">
+        <a:scrgbClr r="0" g="0" b="0"/>
+      </a:effectRef>
+      <a:fontRef idx="minor"/>
+    </dgm:style>
+  </dgm:styleLbl>
+  <dgm:styleLbl name="trAlignAcc1">
+    <dgm:scene3d>
+      <a:camera prst="orthographicFront"/>
+      <a:lightRig rig="threePt" dir="t"/>
+    </dgm:scene3d>
+    <dgm:sp3d/>
+    <dgm:txPr/>
+    <dgm:style>
+      <a:lnRef idx="1">
+        <a:scrgbClr r="0" g="0" b="0"/>
+      </a:lnRef>
+      <a:fillRef idx="1">
+        <a:scrgbClr r="0" g="0" b="0"/>
+      </a:fillRef>
+      <a:effectRef idx="0">
+        <a:scrgbClr r="0" g="0" b="0"/>
+      </a:effectRef>
+      <a:fontRef idx="minor"/>
+    </dgm:style>
+  </dgm:styleLbl>
+  <dgm:styleLbl name="bgAcc1">
+    <dgm:scene3d>
+      <a:camera prst="orthographicFront"/>
+      <a:lightRig rig="threePt" dir="t"/>
+    </dgm:scene3d>
+    <dgm:sp3d/>
+    <dgm:txPr/>
+    <dgm:style>
+      <a:lnRef idx="2">
+        <a:scrgbClr r="0" g="0" b="0"/>
+      </a:lnRef>
+      <a:fillRef idx="1">
+        <a:scrgbClr r="0" g="0" b="0"/>
+      </a:fillRef>
+      <a:effectRef idx="0">
+        <a:scrgbClr r="0" g="0" b="0"/>
+      </a:effectRef>
+      <a:fontRef idx="minor"/>
+    </dgm:style>
+  </dgm:styleLbl>
+  <dgm:styleLbl name="solidFgAcc1">
+    <dgm:scene3d>
+      <a:camera prst="orthographicFront"/>
+      <a:lightRig rig="threePt" dir="t"/>
+    </dgm:scene3d>
+    <dgm:sp3d/>
+    <dgm:txPr/>
+    <dgm:style>
+      <a:lnRef idx="2">
+        <a:scrgbClr r="0" g="0" b="0"/>
+      </a:lnRef>
+      <a:fillRef idx="1">
+        <a:scrgbClr r="0" g="0" b="0"/>
+      </a:fillRef>
+      <a:effectRef idx="0">
+        <a:scrgbClr r="0" g="0" b="0"/>
+      </a:effectRef>
+      <a:fontRef idx="minor"/>
+    </dgm:style>
+  </dgm:styleLbl>
+  <dgm:styleLbl name="solidAlignAcc1">
+    <dgm:scene3d>
+      <a:camera prst="orthographicFront"/>
+      <a:lightRig rig="threePt" dir="t"/>
+    </dgm:scene3d>
+    <dgm:sp3d/>
+    <dgm:txPr/>
+    <dgm:style>
+      <a:lnRef idx="2">
+        <a:scrgbClr r="0" g="0" b="0"/>
+      </a:lnRef>
+      <a:fillRef idx="1">
+        <a:scrgbClr r="0" g="0" b="0"/>
+      </a:fillRef>
+      <a:effectRef idx="0">
+        <a:scrgbClr r="0" g="0" b="0"/>
+      </a:effectRef>
+      <a:fontRef idx="minor"/>
+    </dgm:style>
+  </dgm:styleLbl>
+  <dgm:styleLbl name="solidBgAcc1">
+    <dgm:scene3d>
+      <a:camera prst="orthographicFront"/>
+      <a:lightRig rig="threePt" dir="t"/>
+    </dgm:scene3d>
+    <dgm:sp3d/>
+    <dgm:txPr/>
+    <dgm:style>
+      <a:lnRef idx="2">
+        <a:scrgbClr r="0" g="0" b="0"/>
+      </a:lnRef>
+      <a:fillRef idx="1">
+        <a:scrgbClr r="0" g="0" b="0"/>
+      </a:fillRef>
+      <a:effectRef idx="0">
+        <a:scrgbClr r="0" g="0" b="0"/>
+      </a:effectRef>
+      <a:fontRef idx="minor"/>
+    </dgm:style>
+  </dgm:styleLbl>
+  <dgm:styleLbl name="fgAccFollowNode1">
+    <dgm:scene3d>
+      <a:camera prst="orthographicFront"/>
+      <a:lightRig rig="threePt" dir="t"/>
+    </dgm:scene3d>
+    <dgm:sp3d/>
+    <dgm:txPr/>
+    <dgm:style>
+      <a:lnRef idx="2">
+        <a:scrgbClr r="0" g="0" b="0"/>
+      </a:lnRef>
+      <a:fillRef idx="1">
+        <a:scrgbClr r="0" g="0" b="0"/>
+      </a:fillRef>
+      <a:effectRef idx="0">
+        <a:scrgbClr r="0" g="0" b="0"/>
+      </a:effectRef>
+      <a:fontRef idx="minor"/>
+    </dgm:style>
+  </dgm:styleLbl>
+  <dgm:styleLbl name="alignAccFollowNode1">
+    <dgm:scene3d>
+      <a:camera prst="orthographicFront"/>
+      <a:lightRig rig="threePt" dir="t"/>
+    </dgm:scene3d>
+    <dgm:sp3d/>
+    <dgm:txPr/>
+    <dgm:style>
+      <a:lnRef idx="2">
+        <a:scrgbClr r="0" g="0" b="0"/>
+      </a:lnRef>
+      <a:fillRef idx="1">
+        <a:scrgbClr r="0" g="0" b="0"/>
+      </a:fillRef>
+      <a:effectRef idx="0">
+        <a:scrgbClr r="0" g="0" b="0"/>
+      </a:effectRef>
+      <a:fontRef idx="minor"/>
+    </dgm:style>
+  </dgm:styleLbl>
+  <dgm:styleLbl name="bgAccFollowNode1">
+    <dgm:scene3d>
+      <a:camera prst="orthographicFront"/>
+      <a:lightRig rig="threePt" dir="t"/>
+    </dgm:scene3d>
+    <dgm:sp3d/>
+    <dgm:txPr/>
+    <dgm:style>
+      <a:lnRef idx="2">
+        <a:scrgbClr r="0" g="0" b="0"/>
+      </a:lnRef>
+      <a:fillRef idx="1">
+        <a:scrgbClr r="0" g="0" b="0"/>
+      </a:fillRef>
+      <a:effectRef idx="0">
+        <a:scrgbClr r="0" g="0" b="0"/>
+      </a:effectRef>
+      <a:fontRef idx="minor"/>
+    </dgm:style>
+  </dgm:styleLbl>
+  <dgm:styleLbl name="fgAcc0">
+    <dgm:scene3d>
+      <a:camera prst="orthographicFront"/>
+      <a:lightRig rig="threePt" dir="t"/>
+    </dgm:scene3d>
+    <dgm:sp3d/>
+    <dgm:txPr/>
+    <dgm:style>
+      <a:lnRef idx="2">
+        <a:scrgbClr r="0" g="0" b="0"/>
+      </a:lnRef>
+      <a:fillRef idx="1">
+        <a:scrgbClr r="0" g="0" b="0"/>
+      </a:fillRef>
+      <a:effectRef idx="0">
+        <a:scrgbClr r="0" g="0" b="0"/>
+      </a:effectRef>
+      <a:fontRef idx="minor"/>
+    </dgm:style>
+  </dgm:styleLbl>
+  <dgm:styleLbl name="fgAcc2">
+    <dgm:scene3d>
+      <a:camera prst="orthographicFront"/>
+      <a:lightRig rig="threePt" dir="t"/>
+    </dgm:scene3d>
+    <dgm:sp3d/>
+    <dgm:txPr/>
+    <dgm:style>
+      <a:lnRef idx="2">
+        <a:scrgbClr r="0" g="0" b="0"/>
+      </a:lnRef>
+      <a:fillRef idx="1">
+        <a:scrgbClr r="0" g="0" b="0"/>
+      </a:fillRef>
+      <a:effectRef idx="0">
+        <a:scrgbClr r="0" g="0" b="0"/>
+      </a:effectRef>
+      <a:fontRef idx="minor"/>
+    </dgm:style>
+  </dgm:styleLbl>
+  <dgm:styleLbl name="fgAcc3">
+    <dgm:scene3d>
+      <a:camera prst="orthographicFront"/>
+      <a:lightRig rig="threePt" dir="t"/>
+    </dgm:scene3d>
+    <dgm:sp3d/>
+    <dgm:txPr/>
+    <dgm:style>
+      <a:lnRef idx="2">
+        <a:scrgbClr r="0" g="0" b="0"/>
+      </a:lnRef>
+      <a:fillRef idx="1">
+        <a:scrgbClr r="0" g="0" b="0"/>
+      </a:fillRef>
+      <a:effectRef idx="0">
+        <a:scrgbClr r="0" g="0" b="0"/>
+      </a:effectRef>
+      <a:fontRef idx="minor"/>
+    </dgm:style>
+  </dgm:styleLbl>
+  <dgm:styleLbl name="fgAcc4">
+    <dgm:scene3d>
+      <a:camera prst="orthographicFront"/>
+      <a:lightRig rig="threePt" dir="t"/>
+    </dgm:scene3d>
+    <dgm:sp3d/>
+    <dgm:txPr/>
+    <dgm:style>
+      <a:lnRef idx="2">
+        <a:scrgbClr r="0" g="0" b="0"/>
+      </a:lnRef>
+      <a:fillRef idx="1">
+        <a:scrgbClr r="0" g="0" b="0"/>
+      </a:fillRef>
+      <a:effectRef idx="0">
+        <a:scrgbClr r="0" g="0" b="0"/>
+      </a:effectRef>
+      <a:fontRef idx="minor"/>
+    </dgm:style>
+  </dgm:styleLbl>
+  <dgm:styleLbl name="bgShp">
+    <dgm:scene3d>
+      <a:camera prst="orthographicFront"/>
+      <a:lightRig rig="threePt" dir="t"/>
+    </dgm:scene3d>
+    <dgm:sp3d/>
+    <dgm:txPr/>
+    <dgm:style>
+      <a:lnRef idx="0">
+        <a:scrgbClr r="0" g="0" b="0"/>
+      </a:lnRef>
+      <a:fillRef idx="1">
+        <a:scrgbClr r="0" g="0" b="0"/>
+      </a:fillRef>
+      <a:effectRef idx="0">
+        <a:scrgbClr r="0" g="0" b="0"/>
+      </a:effectRef>
+      <a:fontRef idx="minor"/>
+    </dgm:style>
+  </dgm:styleLbl>
+  <dgm:styleLbl name="dkBgShp">
+    <dgm:scene3d>
+      <a:camera prst="orthographicFront"/>
+      <a:lightRig rig="threePt" dir="t"/>
+    </dgm:scene3d>
+    <dgm:sp3d/>
+    <dgm:txPr/>
+    <dgm:style>
+      <a:lnRef idx="0">
+        <a:scrgbClr r="0" g="0" b="0"/>
+      </a:lnRef>
+      <a:fillRef idx="1">
+        <a:scrgbClr r="0" g="0" b="0"/>
+      </a:fillRef>
+      <a:effectRef idx="0">
+        <a:scrgbClr r="0" g="0" b="0"/>
+      </a:effectRef>
+      <a:fontRef idx="minor"/>
+    </dgm:style>
+  </dgm:styleLbl>
+  <dgm:styleLbl name="trBgShp">
+    <dgm:scene3d>
+      <a:camera prst="orthographicFront"/>
+      <a:lightRig rig="threePt" dir="t"/>
+    </dgm:scene3d>
+    <dgm:sp3d/>
+    <dgm:txPr/>
+    <dgm:style>
+      <a:lnRef idx="0">
+        <a:scrgbClr r="0" g="0" b="0"/>
+      </a:lnRef>
+      <a:fillRef idx="1">
+        <a:scrgbClr r="0" g="0" b="0"/>
+      </a:fillRef>
+      <a:effectRef idx="0">
+        <a:scrgbClr r="0" g="0" b="0"/>
+      </a:effectRef>
+      <a:fontRef idx="minor"/>
+    </dgm:style>
+  </dgm:styleLbl>
+  <dgm:styleLbl name="fgShp">
+    <dgm:scene3d>
+      <a:camera prst="orthographicFront"/>
+      <a:lightRig rig="threePt" dir="t"/>
+    </dgm:scene3d>
+    <dgm:sp3d/>
+    <dgm:txPr/>
+    <dgm:style>
+      <a:lnRef idx="2">
+        <a:scrgbClr r="0" g="0" b="0"/>
+      </a:lnRef>
+      <a:fillRef idx="1">
+        <a:scrgbClr r="0" g="0" b="0"/>
+      </a:fillRef>
+      <a:effectRef idx="0">
+        <a:scrgbClr r="0" g="0" b="0"/>
+      </a:effectRef>
+      <a:fontRef idx="minor"/>
+    </dgm:style>
+  </dgm:styleLbl>
+  <dgm:styleLbl name="revTx">
+    <dgm:scene3d>
+      <a:camera prst="orthographicFront"/>
+      <a:lightRig rig="threePt" dir="t"/>
+    </dgm:scene3d>
+    <dgm:sp3d/>
+    <dgm:txPr/>
+    <dgm:style>
+      <a:lnRef idx="0">
+        <a:scrgbClr r="0" g="0" b="0"/>
+      </a:lnRef>
+      <a:fillRef idx="0">
+        <a:scrgbClr r="0" g="0" b="0"/>
+      </a:fillRef>
+      <a:effectRef idx="0">
+        <a:scrgbClr r="0" g="0" b="0"/>
+      </a:effectRef>
+      <a:fontRef idx="minor"/>
+    </dgm:style>
+  </dgm:styleLbl>
+</dgm:styleDef>
+</file>
+
 <file path=ppt/handoutMasters/handoutMaster1.xml><?xml version="1.0" encoding="utf-8"?>
 <p:handoutMaster xmlns:a="http://schemas.openxmlformats.org/drawingml/2006/main" xmlns:r="http://schemas.openxmlformats.org/officeDocument/2006/relationships" xmlns:p="http://schemas.openxmlformats.org/presentationml/2006/main">
   <p:cSld>
@@ -226,7 +2983,7 @@
           <a:p>
             <a:fld id="{C7EBD34A-458D-4E15-9A13-07B008861E08}" type="datetime1">
               <a:rPr lang="ru-RU" smtClean="0"/>
-              <a:t>26.05.2019</a:t>
+              <a:t>01.06.2019</a:t>
             </a:fld>
             <a:endParaRPr lang="en-US"/>
           </a:p>
@@ -392,7 +3149,7 @@
           <a:p>
             <a:fld id="{BD2C1305-B0C8-41A5-A415-431426818951}" type="datetime1">
               <a:rPr lang="ru-RU" smtClean="0"/>
-              <a:t>26.05.2019</a:t>
+              <a:t>01.06.2019</a:t>
             </a:fld>
             <a:endParaRPr lang="en-US"/>
           </a:p>
@@ -722,6 +3479,189 @@
 </p:notes>
 </file>
 
+<file path=ppt/notesSlides/notesSlide10.xml><?xml version="1.0" encoding="utf-8"?>
+<p:notes xmlns:a="http://schemas.openxmlformats.org/drawingml/2006/main" xmlns:r="http://schemas.openxmlformats.org/officeDocument/2006/relationships" xmlns:p="http://schemas.openxmlformats.org/presentationml/2006/main">
+  <p:cSld>
+    <p:spTree>
+      <p:nvGrpSpPr>
+        <p:cNvPr id="1" name=""/>
+        <p:cNvGrpSpPr/>
+        <p:nvPr/>
+      </p:nvGrpSpPr>
+      <p:grpSpPr>
+        <a:xfrm>
+          <a:off x="0" y="0"/>
+          <a:ext cx="0" cy="0"/>
+          <a:chOff x="0" y="0"/>
+          <a:chExt cx="0" cy="0"/>
+        </a:xfrm>
+      </p:grpSpPr>
+      <p:sp>
+        <p:nvSpPr>
+          <p:cNvPr id="2" name="Образ слайда 1"/>
+          <p:cNvSpPr>
+            <a:spLocks noGrp="1" noRot="1" noChangeAspect="1"/>
+          </p:cNvSpPr>
+          <p:nvPr>
+            <p:ph type="sldImg"/>
+          </p:nvPr>
+        </p:nvSpPr>
+        <p:spPr/>
+      </p:sp>
+      <p:sp>
+        <p:nvSpPr>
+          <p:cNvPr id="3" name="Заметки 2"/>
+          <p:cNvSpPr>
+            <a:spLocks noGrp="1"/>
+          </p:cNvSpPr>
+          <p:nvPr>
+            <p:ph type="body" idx="1"/>
+          </p:nvPr>
+        </p:nvSpPr>
+        <p:spPr/>
+        <p:txBody>
+          <a:bodyPr/>
+          <a:lstStyle/>
+          <a:p>
+            <a:endParaRPr lang="en-US" dirty="0"/>
+          </a:p>
+        </p:txBody>
+      </p:sp>
+    </p:spTree>
+    <p:extLst>
+      <p:ext uri="{BB962C8B-B14F-4D97-AF65-F5344CB8AC3E}">
+        <p14:creationId xmlns:p14="http://schemas.microsoft.com/office/powerpoint/2010/main" val="4079379038"/>
+      </p:ext>
+    </p:extLst>
+  </p:cSld>
+  <p:clrMapOvr>
+    <a:masterClrMapping/>
+  </p:clrMapOvr>
+</p:notes>
+</file>
+
+<file path=ppt/notesSlides/notesSlide11.xml><?xml version="1.0" encoding="utf-8"?>
+<p:notes xmlns:a="http://schemas.openxmlformats.org/drawingml/2006/main" xmlns:r="http://schemas.openxmlformats.org/officeDocument/2006/relationships" xmlns:p="http://schemas.openxmlformats.org/presentationml/2006/main">
+  <p:cSld>
+    <p:spTree>
+      <p:nvGrpSpPr>
+        <p:cNvPr id="1" name=""/>
+        <p:cNvGrpSpPr/>
+        <p:nvPr/>
+      </p:nvGrpSpPr>
+      <p:grpSpPr>
+        <a:xfrm>
+          <a:off x="0" y="0"/>
+          <a:ext cx="0" cy="0"/>
+          <a:chOff x="0" y="0"/>
+          <a:chExt cx="0" cy="0"/>
+        </a:xfrm>
+      </p:grpSpPr>
+      <p:sp>
+        <p:nvSpPr>
+          <p:cNvPr id="2" name="Образ слайда 1"/>
+          <p:cNvSpPr>
+            <a:spLocks noGrp="1" noRot="1" noChangeAspect="1"/>
+          </p:cNvSpPr>
+          <p:nvPr>
+            <p:ph type="sldImg"/>
+          </p:nvPr>
+        </p:nvSpPr>
+        <p:spPr/>
+      </p:sp>
+      <p:sp>
+        <p:nvSpPr>
+          <p:cNvPr id="3" name="Заметки 2"/>
+          <p:cNvSpPr>
+            <a:spLocks noGrp="1"/>
+          </p:cNvSpPr>
+          <p:nvPr>
+            <p:ph type="body" idx="1"/>
+          </p:nvPr>
+        </p:nvSpPr>
+        <p:spPr/>
+        <p:txBody>
+          <a:bodyPr/>
+          <a:lstStyle/>
+          <a:p>
+            <a:endParaRPr lang="en-US" dirty="0"/>
+          </a:p>
+        </p:txBody>
+      </p:sp>
+    </p:spTree>
+    <p:extLst>
+      <p:ext uri="{BB962C8B-B14F-4D97-AF65-F5344CB8AC3E}">
+        <p14:creationId xmlns:p14="http://schemas.microsoft.com/office/powerpoint/2010/main" val="822363753"/>
+      </p:ext>
+    </p:extLst>
+  </p:cSld>
+  <p:clrMapOvr>
+    <a:masterClrMapping/>
+  </p:clrMapOvr>
+</p:notes>
+</file>
+
+<file path=ppt/notesSlides/notesSlide12.xml><?xml version="1.0" encoding="utf-8"?>
+<p:notes xmlns:a="http://schemas.openxmlformats.org/drawingml/2006/main" xmlns:r="http://schemas.openxmlformats.org/officeDocument/2006/relationships" xmlns:p="http://schemas.openxmlformats.org/presentationml/2006/main">
+  <p:cSld>
+    <p:spTree>
+      <p:nvGrpSpPr>
+        <p:cNvPr id="1" name=""/>
+        <p:cNvGrpSpPr/>
+        <p:nvPr/>
+      </p:nvGrpSpPr>
+      <p:grpSpPr>
+        <a:xfrm>
+          <a:off x="0" y="0"/>
+          <a:ext cx="0" cy="0"/>
+          <a:chOff x="0" y="0"/>
+          <a:chExt cx="0" cy="0"/>
+        </a:xfrm>
+      </p:grpSpPr>
+      <p:sp>
+        <p:nvSpPr>
+          <p:cNvPr id="2" name="Образ слайда 1"/>
+          <p:cNvSpPr>
+            <a:spLocks noGrp="1" noRot="1" noChangeAspect="1"/>
+          </p:cNvSpPr>
+          <p:nvPr>
+            <p:ph type="sldImg"/>
+          </p:nvPr>
+        </p:nvSpPr>
+        <p:spPr/>
+      </p:sp>
+      <p:sp>
+        <p:nvSpPr>
+          <p:cNvPr id="3" name="Заметки 2"/>
+          <p:cNvSpPr>
+            <a:spLocks noGrp="1"/>
+          </p:cNvSpPr>
+          <p:nvPr>
+            <p:ph type="body" idx="1"/>
+          </p:nvPr>
+        </p:nvSpPr>
+        <p:spPr/>
+        <p:txBody>
+          <a:bodyPr/>
+          <a:lstStyle/>
+          <a:p>
+            <a:endParaRPr lang="en-US" dirty="0"/>
+          </a:p>
+        </p:txBody>
+      </p:sp>
+    </p:spTree>
+    <p:extLst>
+      <p:ext uri="{BB962C8B-B14F-4D97-AF65-F5344CB8AC3E}">
+        <p14:creationId xmlns:p14="http://schemas.microsoft.com/office/powerpoint/2010/main" val="2991792660"/>
+      </p:ext>
+    </p:extLst>
+  </p:cSld>
+  <p:clrMapOvr>
+    <a:masterClrMapping/>
+  </p:clrMapOvr>
+</p:notes>
+</file>
+
 <file path=ppt/notesSlides/notesSlide2.xml><?xml version="1.0" encoding="utf-8"?>
 <p:notes xmlns:a="http://schemas.openxmlformats.org/drawingml/2006/main" xmlns:r="http://schemas.openxmlformats.org/officeDocument/2006/relationships" xmlns:p="http://schemas.openxmlformats.org/presentationml/2006/main">
   <p:cSld>
@@ -1140,6 +4080,67 @@
     <p:extLst>
       <p:ext uri="{BB962C8B-B14F-4D97-AF65-F5344CB8AC3E}">
         <p14:creationId xmlns:p14="http://schemas.microsoft.com/office/powerpoint/2010/main" val="3097438946"/>
+      </p:ext>
+    </p:extLst>
+  </p:cSld>
+  <p:clrMapOvr>
+    <a:masterClrMapping/>
+  </p:clrMapOvr>
+</p:notes>
+</file>
+
+<file path=ppt/notesSlides/notesSlide9.xml><?xml version="1.0" encoding="utf-8"?>
+<p:notes xmlns:a="http://schemas.openxmlformats.org/drawingml/2006/main" xmlns:r="http://schemas.openxmlformats.org/officeDocument/2006/relationships" xmlns:p="http://schemas.openxmlformats.org/presentationml/2006/main">
+  <p:cSld>
+    <p:spTree>
+      <p:nvGrpSpPr>
+        <p:cNvPr id="1" name=""/>
+        <p:cNvGrpSpPr/>
+        <p:nvPr/>
+      </p:nvGrpSpPr>
+      <p:grpSpPr>
+        <a:xfrm>
+          <a:off x="0" y="0"/>
+          <a:ext cx="0" cy="0"/>
+          <a:chOff x="0" y="0"/>
+          <a:chExt cx="0" cy="0"/>
+        </a:xfrm>
+      </p:grpSpPr>
+      <p:sp>
+        <p:nvSpPr>
+          <p:cNvPr id="2" name="Образ слайда 1"/>
+          <p:cNvSpPr>
+            <a:spLocks noGrp="1" noRot="1" noChangeAspect="1"/>
+          </p:cNvSpPr>
+          <p:nvPr>
+            <p:ph type="sldImg"/>
+          </p:nvPr>
+        </p:nvSpPr>
+        <p:spPr/>
+      </p:sp>
+      <p:sp>
+        <p:nvSpPr>
+          <p:cNvPr id="3" name="Заметки 2"/>
+          <p:cNvSpPr>
+            <a:spLocks noGrp="1"/>
+          </p:cNvSpPr>
+          <p:nvPr>
+            <p:ph type="body" idx="1"/>
+          </p:nvPr>
+        </p:nvSpPr>
+        <p:spPr/>
+        <p:txBody>
+          <a:bodyPr/>
+          <a:lstStyle/>
+          <a:p>
+            <a:endParaRPr lang="en-US" dirty="0"/>
+          </a:p>
+        </p:txBody>
+      </p:sp>
+    </p:spTree>
+    <p:extLst>
+      <p:ext uri="{BB962C8B-B14F-4D97-AF65-F5344CB8AC3E}">
+        <p14:creationId xmlns:p14="http://schemas.microsoft.com/office/powerpoint/2010/main" val="3722580416"/>
       </p:ext>
     </p:extLst>
   </p:cSld>
@@ -1431,7 +4432,7 @@
           <a:p>
             <a:fld id="{8A2250BE-F15D-44BA-9438-B9DF99335BCD}" type="datetime1">
               <a:rPr lang="ru-RU" smtClean="0"/>
-              <a:t>26.05.2019</a:t>
+              <a:t>01.06.2019</a:t>
             </a:fld>
             <a:endParaRPr lang="en-US" dirty="0"/>
           </a:p>
@@ -1764,7 +4765,7 @@
           <a:p>
             <a:fld id="{7DE2CE15-DD73-496B-88E9-3C783140B749}" type="datetime1">
               <a:rPr lang="ru-RU" smtClean="0"/>
-              <a:t>26.05.2019</a:t>
+              <a:t>01.06.2019</a:t>
             </a:fld>
             <a:endParaRPr lang="en-US"/>
           </a:p>
@@ -2165,7 +5166,7 @@
           <a:p>
             <a:fld id="{C5591223-2003-4F54-BFF5-C55495CDBD8E}" type="datetime1">
               <a:rPr lang="ru-RU" smtClean="0"/>
-              <a:t>26.05.2019</a:t>
+              <a:t>01.06.2019</a:t>
             </a:fld>
             <a:endParaRPr lang="en-US"/>
           </a:p>
@@ -2541,7 +5542,7 @@
           <a:p>
             <a:fld id="{43563794-FDD4-4540-A355-3AD563225139}" type="datetime1">
               <a:rPr lang="ru-RU" smtClean="0"/>
-              <a:t>26.05.2019</a:t>
+              <a:t>01.06.2019</a:t>
             </a:fld>
             <a:endParaRPr lang="en-US"/>
           </a:p>
@@ -3047,7 +6048,7 @@
           <a:p>
             <a:fld id="{9C6B1E0C-F71F-4246-9CF7-3D799719CFAA}" type="datetime1">
               <a:rPr lang="ru-RU" smtClean="0"/>
-              <a:t>26.05.2019</a:t>
+              <a:t>01.06.2019</a:t>
             </a:fld>
             <a:endParaRPr lang="en-US"/>
           </a:p>
@@ -3304,7 +6305,7 @@
           <a:p>
             <a:fld id="{C8CD1612-23C8-4220-8DEF-C122C80B4952}" type="datetime1">
               <a:rPr lang="ru-RU" smtClean="0"/>
-              <a:t>26.05.2019</a:t>
+              <a:t>01.06.2019</a:t>
             </a:fld>
             <a:endParaRPr lang="en-US"/>
           </a:p>
@@ -3472,7 +6473,7 @@
           <a:p>
             <a:fld id="{CD59FF44-4703-437F-9D7D-4A2470583044}" type="datetime1">
               <a:rPr lang="ru-RU" smtClean="0"/>
-              <a:t>26.05.2019</a:t>
+              <a:t>01.06.2019</a:t>
             </a:fld>
             <a:endParaRPr lang="en-US"/>
           </a:p>
@@ -3862,7 +6863,7 @@
           <a:p>
             <a:fld id="{328CCA78-EACE-4FD5-BA12-7FEDA73BAFAB}" type="datetime1">
               <a:rPr lang="ru-RU" smtClean="0"/>
-              <a:t>26.05.2019</a:t>
+              <a:t>01.06.2019</a:t>
             </a:fld>
             <a:endParaRPr lang="en-US"/>
           </a:p>
@@ -4271,7 +7272,7 @@
           <a:p>
             <a:fld id="{80D44EDB-1D2F-4DC9-A659-7C84B659E344}" type="datetime1">
               <a:rPr lang="ru-RU" smtClean="0"/>
-              <a:t>26.05.2019</a:t>
+              <a:t>01.06.2019</a:t>
             </a:fld>
             <a:endParaRPr lang="en-US"/>
           </a:p>
@@ -4517,7 +7518,7 @@
             <a:fld id="{ABA487C1-7FE9-4143-8923-87ED1DD08F19}" type="datetime1">
               <a:rPr lang="ru-RU" smtClean="0"/>
               <a:pPr/>
-              <a:t>26.05.2019</a:t>
+              <a:t>01.06.2019</a:t>
             </a:fld>
             <a:endParaRPr lang="en-US" dirty="0"/>
           </a:p>
@@ -5195,7 +8196,7 @@
           <a:p>
             <a:fld id="{2D4A23AA-1D21-4822-8346-CA7E14AECDD0}" type="datetime1">
               <a:rPr lang="ru-RU" smtClean="0"/>
-              <a:t>26.05.2019</a:t>
+              <a:t>01.06.2019</a:t>
             </a:fld>
             <a:endParaRPr lang="en-US"/>
           </a:p>
@@ -5414,7 +8415,7 @@
           <a:p>
             <a:fld id="{2D4A23AA-1D21-4822-8346-CA7E14AECDD0}" type="datetime1">
               <a:rPr lang="ru-RU" smtClean="0"/>
-              <a:t>26.05.2019</a:t>
+              <a:t>01.06.2019</a:t>
             </a:fld>
             <a:endParaRPr lang="en-US"/>
           </a:p>
@@ -5622,7 +8623,7 @@
           <a:p>
             <a:fld id="{2D4A23AA-1D21-4822-8346-CA7E14AECDD0}" type="datetime1">
               <a:rPr lang="ru-RU" smtClean="0"/>
-              <a:t>26.05.2019</a:t>
+              <a:t>01.06.2019</a:t>
             </a:fld>
             <a:endParaRPr lang="en-US"/>
           </a:p>
@@ -7067,6 +10068,5508 @@
 </p:sld>
 </file>
 
+<file path=ppt/slides/slide13.xml><?xml version="1.0" encoding="utf-8"?>
+<p:sld xmlns:a="http://schemas.openxmlformats.org/drawingml/2006/main" xmlns:r="http://schemas.openxmlformats.org/officeDocument/2006/relationships" xmlns:p="http://schemas.openxmlformats.org/presentationml/2006/main">
+  <p:cSld>
+    <p:spTree>
+      <p:nvGrpSpPr>
+        <p:cNvPr id="1" name=""/>
+        <p:cNvGrpSpPr/>
+        <p:nvPr/>
+      </p:nvGrpSpPr>
+      <p:grpSpPr>
+        <a:xfrm>
+          <a:off x="0" y="0"/>
+          <a:ext cx="0" cy="0"/>
+          <a:chOff x="0" y="0"/>
+          <a:chExt cx="0" cy="0"/>
+        </a:xfrm>
+      </p:grpSpPr>
+      <p:sp>
+        <p:nvSpPr>
+          <p:cNvPr id="2" name="Заголовок 1">
+            <a:extLst>
+              <a:ext uri="{FF2B5EF4-FFF2-40B4-BE49-F238E27FC236}">
+                <a16:creationId xmlns:a16="http://schemas.microsoft.com/office/drawing/2014/main" id="{5ED3076E-2E51-49BA-B663-2E6FD28DE68E}"/>
+              </a:ext>
+            </a:extLst>
+          </p:cNvPr>
+          <p:cNvSpPr>
+            <a:spLocks noGrp="1"/>
+          </p:cNvSpPr>
+          <p:nvPr>
+            <p:ph type="title"/>
+          </p:nvPr>
+        </p:nvSpPr>
+        <p:spPr/>
+        <p:txBody>
+          <a:bodyPr/>
+          <a:lstStyle/>
+          <a:p>
+            <a:r>
+              <a:rPr lang="ru-RU" dirty="0"/>
+              <a:t>Часть </a:t>
+            </a:r>
+            <a:r>
+              <a:rPr lang="en-US" dirty="0"/>
+              <a:t>5</a:t>
+            </a:r>
+          </a:p>
+        </p:txBody>
+      </p:sp>
+      <p:sp>
+        <p:nvSpPr>
+          <p:cNvPr id="6" name="Дата 5">
+            <a:extLst>
+              <a:ext uri="{FF2B5EF4-FFF2-40B4-BE49-F238E27FC236}">
+                <a16:creationId xmlns:a16="http://schemas.microsoft.com/office/drawing/2014/main" id="{3D389C93-18E8-4B65-9A0C-57EA5FF1262A}"/>
+              </a:ext>
+            </a:extLst>
+          </p:cNvPr>
+          <p:cNvSpPr>
+            <a:spLocks noGrp="1"/>
+          </p:cNvSpPr>
+          <p:nvPr>
+            <p:ph type="dt" sz="half" idx="10"/>
+          </p:nvPr>
+        </p:nvSpPr>
+        <p:spPr/>
+        <p:txBody>
+          <a:bodyPr/>
+          <a:lstStyle/>
+          <a:p>
+            <a:fld id="{2D4A23AA-1D21-4822-8346-CA7E14AECDD0}" type="datetime1">
+              <a:rPr lang="ru-RU" smtClean="0"/>
+              <a:t>01.06.2019</a:t>
+            </a:fld>
+            <a:endParaRPr lang="en-US"/>
+          </a:p>
+        </p:txBody>
+      </p:sp>
+      <p:sp>
+        <p:nvSpPr>
+          <p:cNvPr id="7" name="Нижний колонтитул 6">
+            <a:extLst>
+              <a:ext uri="{FF2B5EF4-FFF2-40B4-BE49-F238E27FC236}">
+                <a16:creationId xmlns:a16="http://schemas.microsoft.com/office/drawing/2014/main" id="{FD3B82CA-042F-4A44-8CC3-391A074B55D4}"/>
+              </a:ext>
+            </a:extLst>
+          </p:cNvPr>
+          <p:cNvSpPr>
+            <a:spLocks noGrp="1"/>
+          </p:cNvSpPr>
+          <p:nvPr>
+            <p:ph type="ftr" sz="quarter" idx="11"/>
+          </p:nvPr>
+        </p:nvSpPr>
+        <p:spPr/>
+        <p:txBody>
+          <a:bodyPr/>
+          <a:lstStyle/>
+          <a:p>
+            <a:r>
+              <a:rPr lang="en-US"/>
+              <a:t>www.calabonga.net</a:t>
+            </a:r>
+          </a:p>
+        </p:txBody>
+      </p:sp>
+      <p:sp>
+        <p:nvSpPr>
+          <p:cNvPr id="8" name="Номер слайда 7">
+            <a:extLst>
+              <a:ext uri="{FF2B5EF4-FFF2-40B4-BE49-F238E27FC236}">
+                <a16:creationId xmlns:a16="http://schemas.microsoft.com/office/drawing/2014/main" id="{04E38101-A6CD-43DF-A008-79A5BF5D68AE}"/>
+              </a:ext>
+            </a:extLst>
+          </p:cNvPr>
+          <p:cNvSpPr>
+            <a:spLocks noGrp="1"/>
+          </p:cNvSpPr>
+          <p:nvPr>
+            <p:ph type="sldNum" sz="quarter" idx="12"/>
+          </p:nvPr>
+        </p:nvSpPr>
+        <p:spPr/>
+        <p:txBody>
+          <a:bodyPr/>
+          <a:lstStyle/>
+          <a:p>
+            <a:fld id="{356453D0-7C6D-4FAD-A87B-D4E72CD04107}" type="slidenum">
+              <a:rPr lang="en-US" smtClean="0"/>
+              <a:t>13</a:t>
+            </a:fld>
+            <a:endParaRPr lang="en-US"/>
+          </a:p>
+        </p:txBody>
+      </p:sp>
+      <p:sp>
+        <p:nvSpPr>
+          <p:cNvPr id="4" name="Объект 3">
+            <a:extLst>
+              <a:ext uri="{FF2B5EF4-FFF2-40B4-BE49-F238E27FC236}">
+                <a16:creationId xmlns:a16="http://schemas.microsoft.com/office/drawing/2014/main" id="{573F978B-1AE8-4179-A917-3504EE635F93}"/>
+              </a:ext>
+            </a:extLst>
+          </p:cNvPr>
+          <p:cNvSpPr>
+            <a:spLocks noGrp="1"/>
+          </p:cNvSpPr>
+          <p:nvPr>
+            <p:ph idx="1"/>
+          </p:nvPr>
+        </p:nvSpPr>
+        <p:spPr/>
+        <p:txBody>
+          <a:bodyPr>
+            <a:normAutofit/>
+          </a:bodyPr>
+          <a:lstStyle/>
+          <a:p>
+            <a:r>
+              <a:rPr lang="ru-RU" sz="4400" dirty="0"/>
+              <a:t>Иерархия вливания зависимостей</a:t>
+            </a:r>
+          </a:p>
+          <a:p>
+            <a:r>
+              <a:rPr lang="ru-RU" sz="4400" dirty="0"/>
+              <a:t>Управление сущностью или </a:t>
+            </a:r>
+            <a:r>
+              <a:rPr lang="en-US" sz="4400" dirty="0" err="1"/>
+              <a:t>EntityManager</a:t>
+            </a:r>
+            <a:endParaRPr lang="en-US" sz="4400" dirty="0"/>
+          </a:p>
+        </p:txBody>
+      </p:sp>
+    </p:spTree>
+    <p:extLst>
+      <p:ext uri="{BB962C8B-B14F-4D97-AF65-F5344CB8AC3E}">
+        <p14:creationId xmlns:p14="http://schemas.microsoft.com/office/powerpoint/2010/main" val="1996516678"/>
+      </p:ext>
+    </p:extLst>
+  </p:cSld>
+  <p:clrMapOvr>
+    <a:masterClrMapping/>
+  </p:clrMapOvr>
+  <p:transition spd="med">
+    <p:pull/>
+  </p:transition>
+</p:sld>
+</file>
+
+<file path=ppt/slides/slide14.xml><?xml version="1.0" encoding="utf-8"?>
+<p:sld xmlns:a="http://schemas.openxmlformats.org/drawingml/2006/main" xmlns:r="http://schemas.openxmlformats.org/officeDocument/2006/relationships" xmlns:p="http://schemas.openxmlformats.org/presentationml/2006/main">
+  <p:cSld>
+    <p:spTree>
+      <p:nvGrpSpPr>
+        <p:cNvPr id="1" name=""/>
+        <p:cNvGrpSpPr/>
+        <p:nvPr/>
+      </p:nvGrpSpPr>
+      <p:grpSpPr>
+        <a:xfrm>
+          <a:off x="0" y="0"/>
+          <a:ext cx="0" cy="0"/>
+          <a:chOff x="0" y="0"/>
+          <a:chExt cx="0" cy="0"/>
+        </a:xfrm>
+      </p:grpSpPr>
+      <p:sp>
+        <p:nvSpPr>
+          <p:cNvPr id="2" name="Заголовок 1">
+            <a:extLst>
+              <a:ext uri="{FF2B5EF4-FFF2-40B4-BE49-F238E27FC236}">
+                <a16:creationId xmlns:a16="http://schemas.microsoft.com/office/drawing/2014/main" id="{5ED3076E-2E51-49BA-B663-2E6FD28DE68E}"/>
+              </a:ext>
+            </a:extLst>
+          </p:cNvPr>
+          <p:cNvSpPr>
+            <a:spLocks noGrp="1"/>
+          </p:cNvSpPr>
+          <p:nvPr>
+            <p:ph type="title"/>
+          </p:nvPr>
+        </p:nvSpPr>
+        <p:spPr/>
+        <p:txBody>
+          <a:bodyPr/>
+          <a:lstStyle/>
+          <a:p>
+            <a:r>
+              <a:rPr lang="ru-RU" dirty="0"/>
+              <a:t>Часть </a:t>
+            </a:r>
+            <a:r>
+              <a:rPr lang="en-US" dirty="0"/>
+              <a:t>5</a:t>
+            </a:r>
+          </a:p>
+        </p:txBody>
+      </p:sp>
+      <p:sp>
+        <p:nvSpPr>
+          <p:cNvPr id="6" name="Дата 5">
+            <a:extLst>
+              <a:ext uri="{FF2B5EF4-FFF2-40B4-BE49-F238E27FC236}">
+                <a16:creationId xmlns:a16="http://schemas.microsoft.com/office/drawing/2014/main" id="{3D389C93-18E8-4B65-9A0C-57EA5FF1262A}"/>
+              </a:ext>
+            </a:extLst>
+          </p:cNvPr>
+          <p:cNvSpPr>
+            <a:spLocks noGrp="1"/>
+          </p:cNvSpPr>
+          <p:nvPr>
+            <p:ph type="dt" sz="half" idx="10"/>
+          </p:nvPr>
+        </p:nvSpPr>
+        <p:spPr/>
+        <p:txBody>
+          <a:bodyPr/>
+          <a:lstStyle/>
+          <a:p>
+            <a:fld id="{2D4A23AA-1D21-4822-8346-CA7E14AECDD0}" type="datetime1">
+              <a:rPr lang="ru-RU" smtClean="0"/>
+              <a:t>01.06.2019</a:t>
+            </a:fld>
+            <a:endParaRPr lang="en-US"/>
+          </a:p>
+        </p:txBody>
+      </p:sp>
+      <p:sp>
+        <p:nvSpPr>
+          <p:cNvPr id="7" name="Нижний колонтитул 6">
+            <a:extLst>
+              <a:ext uri="{FF2B5EF4-FFF2-40B4-BE49-F238E27FC236}">
+                <a16:creationId xmlns:a16="http://schemas.microsoft.com/office/drawing/2014/main" id="{FD3B82CA-042F-4A44-8CC3-391A074B55D4}"/>
+              </a:ext>
+            </a:extLst>
+          </p:cNvPr>
+          <p:cNvSpPr>
+            <a:spLocks noGrp="1"/>
+          </p:cNvSpPr>
+          <p:nvPr>
+            <p:ph type="ftr" sz="quarter" idx="11"/>
+          </p:nvPr>
+        </p:nvSpPr>
+        <p:spPr/>
+        <p:txBody>
+          <a:bodyPr/>
+          <a:lstStyle/>
+          <a:p>
+            <a:r>
+              <a:rPr lang="en-US"/>
+              <a:t>www.calabonga.net</a:t>
+            </a:r>
+          </a:p>
+        </p:txBody>
+      </p:sp>
+      <p:sp>
+        <p:nvSpPr>
+          <p:cNvPr id="8" name="Номер слайда 7">
+            <a:extLst>
+              <a:ext uri="{FF2B5EF4-FFF2-40B4-BE49-F238E27FC236}">
+                <a16:creationId xmlns:a16="http://schemas.microsoft.com/office/drawing/2014/main" id="{04E38101-A6CD-43DF-A008-79A5BF5D68AE}"/>
+              </a:ext>
+            </a:extLst>
+          </p:cNvPr>
+          <p:cNvSpPr>
+            <a:spLocks noGrp="1"/>
+          </p:cNvSpPr>
+          <p:nvPr>
+            <p:ph type="sldNum" sz="quarter" idx="12"/>
+          </p:nvPr>
+        </p:nvSpPr>
+        <p:spPr/>
+        <p:txBody>
+          <a:bodyPr/>
+          <a:lstStyle/>
+          <a:p>
+            <a:fld id="{356453D0-7C6D-4FAD-A87B-D4E72CD04107}" type="slidenum">
+              <a:rPr lang="en-US" smtClean="0"/>
+              <a:t>14</a:t>
+            </a:fld>
+            <a:endParaRPr lang="en-US"/>
+          </a:p>
+        </p:txBody>
+      </p:sp>
+      <p:graphicFrame>
+        <p:nvGraphicFramePr>
+          <p:cNvPr id="9" name="Объект 8">
+            <a:extLst>
+              <a:ext uri="{FF2B5EF4-FFF2-40B4-BE49-F238E27FC236}">
+                <a16:creationId xmlns:a16="http://schemas.microsoft.com/office/drawing/2014/main" id="{5335A7F4-D3D6-48D1-AF55-CD0393D351BD}"/>
+              </a:ext>
+            </a:extLst>
+          </p:cNvPr>
+          <p:cNvGraphicFramePr>
+            <a:graphicFrameLocks noGrp="1"/>
+          </p:cNvGraphicFramePr>
+          <p:nvPr>
+            <p:ph idx="1"/>
+            <p:extLst>
+              <p:ext uri="{D42A27DB-BD31-4B8C-83A1-F6EECF244321}">
+                <p14:modId xmlns:p14="http://schemas.microsoft.com/office/powerpoint/2010/main" val="2412429822"/>
+              </p:ext>
+            </p:extLst>
+          </p:nvPr>
+        </p:nvGraphicFramePr>
+        <p:xfrm>
+          <a:off x="681038" y="2336800"/>
+          <a:ext cx="9613900" cy="3816350"/>
+        </p:xfrm>
+        <a:graphic>
+          <a:graphicData uri="http://schemas.openxmlformats.org/drawingml/2006/diagram">
+            <dgm:relIds xmlns:dgm="http://schemas.openxmlformats.org/drawingml/2006/diagram" xmlns:r="http://schemas.openxmlformats.org/officeDocument/2006/relationships" r:dm="rId3" r:lo="rId4" r:qs="rId5" r:cs="rId6"/>
+          </a:graphicData>
+        </a:graphic>
+      </p:graphicFrame>
+    </p:spTree>
+    <p:extLst>
+      <p:ext uri="{BB962C8B-B14F-4D97-AF65-F5344CB8AC3E}">
+        <p14:creationId xmlns:p14="http://schemas.microsoft.com/office/powerpoint/2010/main" val="1896322246"/>
+      </p:ext>
+    </p:extLst>
+  </p:cSld>
+  <p:clrMapOvr>
+    <a:masterClrMapping/>
+  </p:clrMapOvr>
+  <p:transition spd="med">
+    <p:pull/>
+  </p:transition>
+  <p:timing>
+    <p:tnLst>
+      <p:par>
+        <p:cTn id="1" dur="indefinite" restart="never" nodeType="tmRoot">
+          <p:childTnLst>
+            <p:seq concurrent="1" nextAc="seek">
+              <p:cTn id="2" dur="indefinite" nodeType="mainSeq">
+                <p:childTnLst>
+                  <p:par>
+                    <p:cTn id="3" fill="hold">
+                      <p:stCondLst>
+                        <p:cond delay="indefinite"/>
+                      </p:stCondLst>
+                      <p:childTnLst>
+                        <p:par>
+                          <p:cTn id="4" fill="hold">
+                            <p:stCondLst>
+                              <p:cond delay="0"/>
+                            </p:stCondLst>
+                            <p:childTnLst>
+                              <p:par>
+                                <p:cTn id="5" presetID="53" presetClass="entr" presetSubtype="16" fill="hold" grpId="0" nodeType="clickEffect">
+                                  <p:stCondLst>
+                                    <p:cond delay="0"/>
+                                  </p:stCondLst>
+                                  <p:childTnLst>
+                                    <p:set>
+                                      <p:cBhvr>
+                                        <p:cTn id="6" dur="1" fill="hold">
+                                          <p:stCondLst>
+                                            <p:cond delay="0"/>
+                                          </p:stCondLst>
+                                        </p:cTn>
+                                        <p:tgtEl>
+                                          <p:spTgt spid="9">
+                                            <p:graphicEl>
+                                              <a:dgm id="{8056DFD7-2DB0-40F9-813C-45ACCC366E79}"/>
+                                            </p:graphicEl>
+                                          </p:spTgt>
+                                        </p:tgtEl>
+                                        <p:attrNameLst>
+                                          <p:attrName>style.visibility</p:attrName>
+                                        </p:attrNameLst>
+                                      </p:cBhvr>
+                                      <p:to>
+                                        <p:strVal val="visible"/>
+                                      </p:to>
+                                    </p:set>
+                                    <p:anim calcmode="lin" valueType="num">
+                                      <p:cBhvr>
+                                        <p:cTn id="7" dur="500" fill="hold"/>
+                                        <p:tgtEl>
+                                          <p:spTgt spid="9">
+                                            <p:graphicEl>
+                                              <a:dgm id="{8056DFD7-2DB0-40F9-813C-45ACCC366E79}"/>
+                                            </p:graphicEl>
+                                          </p:spTgt>
+                                        </p:tgtEl>
+                                        <p:attrNameLst>
+                                          <p:attrName>ppt_w</p:attrName>
+                                        </p:attrNameLst>
+                                      </p:cBhvr>
+                                      <p:tavLst>
+                                        <p:tav tm="0">
+                                          <p:val>
+                                            <p:fltVal val="0"/>
+                                          </p:val>
+                                        </p:tav>
+                                        <p:tav tm="100000">
+                                          <p:val>
+                                            <p:strVal val="#ppt_w"/>
+                                          </p:val>
+                                        </p:tav>
+                                      </p:tavLst>
+                                    </p:anim>
+                                    <p:anim calcmode="lin" valueType="num">
+                                      <p:cBhvr>
+                                        <p:cTn id="8" dur="500" fill="hold"/>
+                                        <p:tgtEl>
+                                          <p:spTgt spid="9">
+                                            <p:graphicEl>
+                                              <a:dgm id="{8056DFD7-2DB0-40F9-813C-45ACCC366E79}"/>
+                                            </p:graphicEl>
+                                          </p:spTgt>
+                                        </p:tgtEl>
+                                        <p:attrNameLst>
+                                          <p:attrName>ppt_h</p:attrName>
+                                        </p:attrNameLst>
+                                      </p:cBhvr>
+                                      <p:tavLst>
+                                        <p:tav tm="0">
+                                          <p:val>
+                                            <p:fltVal val="0"/>
+                                          </p:val>
+                                        </p:tav>
+                                        <p:tav tm="100000">
+                                          <p:val>
+                                            <p:strVal val="#ppt_h"/>
+                                          </p:val>
+                                        </p:tav>
+                                      </p:tavLst>
+                                    </p:anim>
+                                    <p:animEffect transition="in" filter="fade">
+                                      <p:cBhvr>
+                                        <p:cTn id="9" dur="500"/>
+                                        <p:tgtEl>
+                                          <p:spTgt spid="9">
+                                            <p:graphicEl>
+                                              <a:dgm id="{8056DFD7-2DB0-40F9-813C-45ACCC366E79}"/>
+                                            </p:graphicEl>
+                                          </p:spTgt>
+                                        </p:tgtEl>
+                                      </p:cBhvr>
+                                    </p:animEffect>
+                                  </p:childTnLst>
+                                </p:cTn>
+                              </p:par>
+                            </p:childTnLst>
+                          </p:cTn>
+                        </p:par>
+                      </p:childTnLst>
+                    </p:cTn>
+                  </p:par>
+                  <p:par>
+                    <p:cTn id="10" fill="hold">
+                      <p:stCondLst>
+                        <p:cond delay="indefinite"/>
+                      </p:stCondLst>
+                      <p:childTnLst>
+                        <p:par>
+                          <p:cTn id="11" fill="hold">
+                            <p:stCondLst>
+                              <p:cond delay="0"/>
+                            </p:stCondLst>
+                            <p:childTnLst>
+                              <p:par>
+                                <p:cTn id="12" presetID="53" presetClass="entr" presetSubtype="16" fill="hold" grpId="0" nodeType="clickEffect">
+                                  <p:stCondLst>
+                                    <p:cond delay="0"/>
+                                  </p:stCondLst>
+                                  <p:childTnLst>
+                                    <p:set>
+                                      <p:cBhvr>
+                                        <p:cTn id="13" dur="1" fill="hold">
+                                          <p:stCondLst>
+                                            <p:cond delay="0"/>
+                                          </p:stCondLst>
+                                        </p:cTn>
+                                        <p:tgtEl>
+                                          <p:spTgt spid="9">
+                                            <p:graphicEl>
+                                              <a:dgm id="{1BCAFBC5-D328-4593-856E-B6F1382B4699}"/>
+                                            </p:graphicEl>
+                                          </p:spTgt>
+                                        </p:tgtEl>
+                                        <p:attrNameLst>
+                                          <p:attrName>style.visibility</p:attrName>
+                                        </p:attrNameLst>
+                                      </p:cBhvr>
+                                      <p:to>
+                                        <p:strVal val="visible"/>
+                                      </p:to>
+                                    </p:set>
+                                    <p:anim calcmode="lin" valueType="num">
+                                      <p:cBhvr>
+                                        <p:cTn id="14" dur="500" fill="hold"/>
+                                        <p:tgtEl>
+                                          <p:spTgt spid="9">
+                                            <p:graphicEl>
+                                              <a:dgm id="{1BCAFBC5-D328-4593-856E-B6F1382B4699}"/>
+                                            </p:graphicEl>
+                                          </p:spTgt>
+                                        </p:tgtEl>
+                                        <p:attrNameLst>
+                                          <p:attrName>ppt_w</p:attrName>
+                                        </p:attrNameLst>
+                                      </p:cBhvr>
+                                      <p:tavLst>
+                                        <p:tav tm="0">
+                                          <p:val>
+                                            <p:fltVal val="0"/>
+                                          </p:val>
+                                        </p:tav>
+                                        <p:tav tm="100000">
+                                          <p:val>
+                                            <p:strVal val="#ppt_w"/>
+                                          </p:val>
+                                        </p:tav>
+                                      </p:tavLst>
+                                    </p:anim>
+                                    <p:anim calcmode="lin" valueType="num">
+                                      <p:cBhvr>
+                                        <p:cTn id="15" dur="500" fill="hold"/>
+                                        <p:tgtEl>
+                                          <p:spTgt spid="9">
+                                            <p:graphicEl>
+                                              <a:dgm id="{1BCAFBC5-D328-4593-856E-B6F1382B4699}"/>
+                                            </p:graphicEl>
+                                          </p:spTgt>
+                                        </p:tgtEl>
+                                        <p:attrNameLst>
+                                          <p:attrName>ppt_h</p:attrName>
+                                        </p:attrNameLst>
+                                      </p:cBhvr>
+                                      <p:tavLst>
+                                        <p:tav tm="0">
+                                          <p:val>
+                                            <p:fltVal val="0"/>
+                                          </p:val>
+                                        </p:tav>
+                                        <p:tav tm="100000">
+                                          <p:val>
+                                            <p:strVal val="#ppt_h"/>
+                                          </p:val>
+                                        </p:tav>
+                                      </p:tavLst>
+                                    </p:anim>
+                                    <p:animEffect transition="in" filter="fade">
+                                      <p:cBhvr>
+                                        <p:cTn id="16" dur="500"/>
+                                        <p:tgtEl>
+                                          <p:spTgt spid="9">
+                                            <p:graphicEl>
+                                              <a:dgm id="{1BCAFBC5-D328-4593-856E-B6F1382B4699}"/>
+                                            </p:graphicEl>
+                                          </p:spTgt>
+                                        </p:tgtEl>
+                                      </p:cBhvr>
+                                    </p:animEffect>
+                                  </p:childTnLst>
+                                </p:cTn>
+                              </p:par>
+                            </p:childTnLst>
+                          </p:cTn>
+                        </p:par>
+                      </p:childTnLst>
+                    </p:cTn>
+                  </p:par>
+                  <p:par>
+                    <p:cTn id="17" fill="hold">
+                      <p:stCondLst>
+                        <p:cond delay="indefinite"/>
+                      </p:stCondLst>
+                      <p:childTnLst>
+                        <p:par>
+                          <p:cTn id="18" fill="hold">
+                            <p:stCondLst>
+                              <p:cond delay="0"/>
+                            </p:stCondLst>
+                            <p:childTnLst>
+                              <p:par>
+                                <p:cTn id="19" presetID="53" presetClass="entr" presetSubtype="16" fill="hold" grpId="0" nodeType="clickEffect">
+                                  <p:stCondLst>
+                                    <p:cond delay="0"/>
+                                  </p:stCondLst>
+                                  <p:childTnLst>
+                                    <p:set>
+                                      <p:cBhvr>
+                                        <p:cTn id="20" dur="1" fill="hold">
+                                          <p:stCondLst>
+                                            <p:cond delay="0"/>
+                                          </p:stCondLst>
+                                        </p:cTn>
+                                        <p:tgtEl>
+                                          <p:spTgt spid="9">
+                                            <p:graphicEl>
+                                              <a:dgm id="{905359E8-E0EC-4B26-A1BC-4CC5D7FECD86}"/>
+                                            </p:graphicEl>
+                                          </p:spTgt>
+                                        </p:tgtEl>
+                                        <p:attrNameLst>
+                                          <p:attrName>style.visibility</p:attrName>
+                                        </p:attrNameLst>
+                                      </p:cBhvr>
+                                      <p:to>
+                                        <p:strVal val="visible"/>
+                                      </p:to>
+                                    </p:set>
+                                    <p:anim calcmode="lin" valueType="num">
+                                      <p:cBhvr>
+                                        <p:cTn id="21" dur="500" fill="hold"/>
+                                        <p:tgtEl>
+                                          <p:spTgt spid="9">
+                                            <p:graphicEl>
+                                              <a:dgm id="{905359E8-E0EC-4B26-A1BC-4CC5D7FECD86}"/>
+                                            </p:graphicEl>
+                                          </p:spTgt>
+                                        </p:tgtEl>
+                                        <p:attrNameLst>
+                                          <p:attrName>ppt_w</p:attrName>
+                                        </p:attrNameLst>
+                                      </p:cBhvr>
+                                      <p:tavLst>
+                                        <p:tav tm="0">
+                                          <p:val>
+                                            <p:fltVal val="0"/>
+                                          </p:val>
+                                        </p:tav>
+                                        <p:tav tm="100000">
+                                          <p:val>
+                                            <p:strVal val="#ppt_w"/>
+                                          </p:val>
+                                        </p:tav>
+                                      </p:tavLst>
+                                    </p:anim>
+                                    <p:anim calcmode="lin" valueType="num">
+                                      <p:cBhvr>
+                                        <p:cTn id="22" dur="500" fill="hold"/>
+                                        <p:tgtEl>
+                                          <p:spTgt spid="9">
+                                            <p:graphicEl>
+                                              <a:dgm id="{905359E8-E0EC-4B26-A1BC-4CC5D7FECD86}"/>
+                                            </p:graphicEl>
+                                          </p:spTgt>
+                                        </p:tgtEl>
+                                        <p:attrNameLst>
+                                          <p:attrName>ppt_h</p:attrName>
+                                        </p:attrNameLst>
+                                      </p:cBhvr>
+                                      <p:tavLst>
+                                        <p:tav tm="0">
+                                          <p:val>
+                                            <p:fltVal val="0"/>
+                                          </p:val>
+                                        </p:tav>
+                                        <p:tav tm="100000">
+                                          <p:val>
+                                            <p:strVal val="#ppt_h"/>
+                                          </p:val>
+                                        </p:tav>
+                                      </p:tavLst>
+                                    </p:anim>
+                                    <p:animEffect transition="in" filter="fade">
+                                      <p:cBhvr>
+                                        <p:cTn id="23" dur="500"/>
+                                        <p:tgtEl>
+                                          <p:spTgt spid="9">
+                                            <p:graphicEl>
+                                              <a:dgm id="{905359E8-E0EC-4B26-A1BC-4CC5D7FECD86}"/>
+                                            </p:graphicEl>
+                                          </p:spTgt>
+                                        </p:tgtEl>
+                                      </p:cBhvr>
+                                    </p:animEffect>
+                                  </p:childTnLst>
+                                </p:cTn>
+                              </p:par>
+                            </p:childTnLst>
+                          </p:cTn>
+                        </p:par>
+                      </p:childTnLst>
+                    </p:cTn>
+                  </p:par>
+                  <p:par>
+                    <p:cTn id="24" fill="hold">
+                      <p:stCondLst>
+                        <p:cond delay="indefinite"/>
+                      </p:stCondLst>
+                      <p:childTnLst>
+                        <p:par>
+                          <p:cTn id="25" fill="hold">
+                            <p:stCondLst>
+                              <p:cond delay="0"/>
+                            </p:stCondLst>
+                            <p:childTnLst>
+                              <p:par>
+                                <p:cTn id="26" presetID="53" presetClass="entr" presetSubtype="16" fill="hold" grpId="0" nodeType="clickEffect">
+                                  <p:stCondLst>
+                                    <p:cond delay="0"/>
+                                  </p:stCondLst>
+                                  <p:childTnLst>
+                                    <p:set>
+                                      <p:cBhvr>
+                                        <p:cTn id="27" dur="1" fill="hold">
+                                          <p:stCondLst>
+                                            <p:cond delay="0"/>
+                                          </p:stCondLst>
+                                        </p:cTn>
+                                        <p:tgtEl>
+                                          <p:spTgt spid="9">
+                                            <p:graphicEl>
+                                              <a:dgm id="{B6E6D93E-9679-49E5-BD9C-BA128B4D4EEA}"/>
+                                            </p:graphicEl>
+                                          </p:spTgt>
+                                        </p:tgtEl>
+                                        <p:attrNameLst>
+                                          <p:attrName>style.visibility</p:attrName>
+                                        </p:attrNameLst>
+                                      </p:cBhvr>
+                                      <p:to>
+                                        <p:strVal val="visible"/>
+                                      </p:to>
+                                    </p:set>
+                                    <p:anim calcmode="lin" valueType="num">
+                                      <p:cBhvr>
+                                        <p:cTn id="28" dur="500" fill="hold"/>
+                                        <p:tgtEl>
+                                          <p:spTgt spid="9">
+                                            <p:graphicEl>
+                                              <a:dgm id="{B6E6D93E-9679-49E5-BD9C-BA128B4D4EEA}"/>
+                                            </p:graphicEl>
+                                          </p:spTgt>
+                                        </p:tgtEl>
+                                        <p:attrNameLst>
+                                          <p:attrName>ppt_w</p:attrName>
+                                        </p:attrNameLst>
+                                      </p:cBhvr>
+                                      <p:tavLst>
+                                        <p:tav tm="0">
+                                          <p:val>
+                                            <p:fltVal val="0"/>
+                                          </p:val>
+                                        </p:tav>
+                                        <p:tav tm="100000">
+                                          <p:val>
+                                            <p:strVal val="#ppt_w"/>
+                                          </p:val>
+                                        </p:tav>
+                                      </p:tavLst>
+                                    </p:anim>
+                                    <p:anim calcmode="lin" valueType="num">
+                                      <p:cBhvr>
+                                        <p:cTn id="29" dur="500" fill="hold"/>
+                                        <p:tgtEl>
+                                          <p:spTgt spid="9">
+                                            <p:graphicEl>
+                                              <a:dgm id="{B6E6D93E-9679-49E5-BD9C-BA128B4D4EEA}"/>
+                                            </p:graphicEl>
+                                          </p:spTgt>
+                                        </p:tgtEl>
+                                        <p:attrNameLst>
+                                          <p:attrName>ppt_h</p:attrName>
+                                        </p:attrNameLst>
+                                      </p:cBhvr>
+                                      <p:tavLst>
+                                        <p:tav tm="0">
+                                          <p:val>
+                                            <p:fltVal val="0"/>
+                                          </p:val>
+                                        </p:tav>
+                                        <p:tav tm="100000">
+                                          <p:val>
+                                            <p:strVal val="#ppt_h"/>
+                                          </p:val>
+                                        </p:tav>
+                                      </p:tavLst>
+                                    </p:anim>
+                                    <p:animEffect transition="in" filter="fade">
+                                      <p:cBhvr>
+                                        <p:cTn id="30" dur="500"/>
+                                        <p:tgtEl>
+                                          <p:spTgt spid="9">
+                                            <p:graphicEl>
+                                              <a:dgm id="{B6E6D93E-9679-49E5-BD9C-BA128B4D4EEA}"/>
+                                            </p:graphicEl>
+                                          </p:spTgt>
+                                        </p:tgtEl>
+                                      </p:cBhvr>
+                                    </p:animEffect>
+                                  </p:childTnLst>
+                                </p:cTn>
+                              </p:par>
+                            </p:childTnLst>
+                          </p:cTn>
+                        </p:par>
+                      </p:childTnLst>
+                    </p:cTn>
+                  </p:par>
+                  <p:par>
+                    <p:cTn id="31" fill="hold">
+                      <p:stCondLst>
+                        <p:cond delay="indefinite"/>
+                      </p:stCondLst>
+                      <p:childTnLst>
+                        <p:par>
+                          <p:cTn id="32" fill="hold">
+                            <p:stCondLst>
+                              <p:cond delay="0"/>
+                            </p:stCondLst>
+                            <p:childTnLst>
+                              <p:par>
+                                <p:cTn id="33" presetID="53" presetClass="entr" presetSubtype="16" fill="hold" grpId="0" nodeType="clickEffect">
+                                  <p:stCondLst>
+                                    <p:cond delay="0"/>
+                                  </p:stCondLst>
+                                  <p:childTnLst>
+                                    <p:set>
+                                      <p:cBhvr>
+                                        <p:cTn id="34" dur="1" fill="hold">
+                                          <p:stCondLst>
+                                            <p:cond delay="0"/>
+                                          </p:stCondLst>
+                                        </p:cTn>
+                                        <p:tgtEl>
+                                          <p:spTgt spid="9">
+                                            <p:graphicEl>
+                                              <a:dgm id="{AEE08297-FFA8-4D0A-ABCC-1D18AB636622}"/>
+                                            </p:graphicEl>
+                                          </p:spTgt>
+                                        </p:tgtEl>
+                                        <p:attrNameLst>
+                                          <p:attrName>style.visibility</p:attrName>
+                                        </p:attrNameLst>
+                                      </p:cBhvr>
+                                      <p:to>
+                                        <p:strVal val="visible"/>
+                                      </p:to>
+                                    </p:set>
+                                    <p:anim calcmode="lin" valueType="num">
+                                      <p:cBhvr>
+                                        <p:cTn id="35" dur="500" fill="hold"/>
+                                        <p:tgtEl>
+                                          <p:spTgt spid="9">
+                                            <p:graphicEl>
+                                              <a:dgm id="{AEE08297-FFA8-4D0A-ABCC-1D18AB636622}"/>
+                                            </p:graphicEl>
+                                          </p:spTgt>
+                                        </p:tgtEl>
+                                        <p:attrNameLst>
+                                          <p:attrName>ppt_w</p:attrName>
+                                        </p:attrNameLst>
+                                      </p:cBhvr>
+                                      <p:tavLst>
+                                        <p:tav tm="0">
+                                          <p:val>
+                                            <p:fltVal val="0"/>
+                                          </p:val>
+                                        </p:tav>
+                                        <p:tav tm="100000">
+                                          <p:val>
+                                            <p:strVal val="#ppt_w"/>
+                                          </p:val>
+                                        </p:tav>
+                                      </p:tavLst>
+                                    </p:anim>
+                                    <p:anim calcmode="lin" valueType="num">
+                                      <p:cBhvr>
+                                        <p:cTn id="36" dur="500" fill="hold"/>
+                                        <p:tgtEl>
+                                          <p:spTgt spid="9">
+                                            <p:graphicEl>
+                                              <a:dgm id="{AEE08297-FFA8-4D0A-ABCC-1D18AB636622}"/>
+                                            </p:graphicEl>
+                                          </p:spTgt>
+                                        </p:tgtEl>
+                                        <p:attrNameLst>
+                                          <p:attrName>ppt_h</p:attrName>
+                                        </p:attrNameLst>
+                                      </p:cBhvr>
+                                      <p:tavLst>
+                                        <p:tav tm="0">
+                                          <p:val>
+                                            <p:fltVal val="0"/>
+                                          </p:val>
+                                        </p:tav>
+                                        <p:tav tm="100000">
+                                          <p:val>
+                                            <p:strVal val="#ppt_h"/>
+                                          </p:val>
+                                        </p:tav>
+                                      </p:tavLst>
+                                    </p:anim>
+                                    <p:animEffect transition="in" filter="fade">
+                                      <p:cBhvr>
+                                        <p:cTn id="37" dur="500"/>
+                                        <p:tgtEl>
+                                          <p:spTgt spid="9">
+                                            <p:graphicEl>
+                                              <a:dgm id="{AEE08297-FFA8-4D0A-ABCC-1D18AB636622}"/>
+                                            </p:graphicEl>
+                                          </p:spTgt>
+                                        </p:tgtEl>
+                                      </p:cBhvr>
+                                    </p:animEffect>
+                                  </p:childTnLst>
+                                </p:cTn>
+                              </p:par>
+                            </p:childTnLst>
+                          </p:cTn>
+                        </p:par>
+                      </p:childTnLst>
+                    </p:cTn>
+                  </p:par>
+                  <p:par>
+                    <p:cTn id="38" fill="hold">
+                      <p:stCondLst>
+                        <p:cond delay="indefinite"/>
+                      </p:stCondLst>
+                      <p:childTnLst>
+                        <p:par>
+                          <p:cTn id="39" fill="hold">
+                            <p:stCondLst>
+                              <p:cond delay="0"/>
+                            </p:stCondLst>
+                            <p:childTnLst>
+                              <p:par>
+                                <p:cTn id="40" presetID="53" presetClass="entr" presetSubtype="16" fill="hold" grpId="0" nodeType="clickEffect">
+                                  <p:stCondLst>
+                                    <p:cond delay="0"/>
+                                  </p:stCondLst>
+                                  <p:childTnLst>
+                                    <p:set>
+                                      <p:cBhvr>
+                                        <p:cTn id="41" dur="1" fill="hold">
+                                          <p:stCondLst>
+                                            <p:cond delay="0"/>
+                                          </p:stCondLst>
+                                        </p:cTn>
+                                        <p:tgtEl>
+                                          <p:spTgt spid="9">
+                                            <p:graphicEl>
+                                              <a:dgm id="{FAB7C61F-01B2-45E9-9196-413B069B90B2}"/>
+                                            </p:graphicEl>
+                                          </p:spTgt>
+                                        </p:tgtEl>
+                                        <p:attrNameLst>
+                                          <p:attrName>style.visibility</p:attrName>
+                                        </p:attrNameLst>
+                                      </p:cBhvr>
+                                      <p:to>
+                                        <p:strVal val="visible"/>
+                                      </p:to>
+                                    </p:set>
+                                    <p:anim calcmode="lin" valueType="num">
+                                      <p:cBhvr>
+                                        <p:cTn id="42" dur="500" fill="hold"/>
+                                        <p:tgtEl>
+                                          <p:spTgt spid="9">
+                                            <p:graphicEl>
+                                              <a:dgm id="{FAB7C61F-01B2-45E9-9196-413B069B90B2}"/>
+                                            </p:graphicEl>
+                                          </p:spTgt>
+                                        </p:tgtEl>
+                                        <p:attrNameLst>
+                                          <p:attrName>ppt_w</p:attrName>
+                                        </p:attrNameLst>
+                                      </p:cBhvr>
+                                      <p:tavLst>
+                                        <p:tav tm="0">
+                                          <p:val>
+                                            <p:fltVal val="0"/>
+                                          </p:val>
+                                        </p:tav>
+                                        <p:tav tm="100000">
+                                          <p:val>
+                                            <p:strVal val="#ppt_w"/>
+                                          </p:val>
+                                        </p:tav>
+                                      </p:tavLst>
+                                    </p:anim>
+                                    <p:anim calcmode="lin" valueType="num">
+                                      <p:cBhvr>
+                                        <p:cTn id="43" dur="500" fill="hold"/>
+                                        <p:tgtEl>
+                                          <p:spTgt spid="9">
+                                            <p:graphicEl>
+                                              <a:dgm id="{FAB7C61F-01B2-45E9-9196-413B069B90B2}"/>
+                                            </p:graphicEl>
+                                          </p:spTgt>
+                                        </p:tgtEl>
+                                        <p:attrNameLst>
+                                          <p:attrName>ppt_h</p:attrName>
+                                        </p:attrNameLst>
+                                      </p:cBhvr>
+                                      <p:tavLst>
+                                        <p:tav tm="0">
+                                          <p:val>
+                                            <p:fltVal val="0"/>
+                                          </p:val>
+                                        </p:tav>
+                                        <p:tav tm="100000">
+                                          <p:val>
+                                            <p:strVal val="#ppt_h"/>
+                                          </p:val>
+                                        </p:tav>
+                                      </p:tavLst>
+                                    </p:anim>
+                                    <p:animEffect transition="in" filter="fade">
+                                      <p:cBhvr>
+                                        <p:cTn id="44" dur="500"/>
+                                        <p:tgtEl>
+                                          <p:spTgt spid="9">
+                                            <p:graphicEl>
+                                              <a:dgm id="{FAB7C61F-01B2-45E9-9196-413B069B90B2}"/>
+                                            </p:graphicEl>
+                                          </p:spTgt>
+                                        </p:tgtEl>
+                                      </p:cBhvr>
+                                    </p:animEffect>
+                                  </p:childTnLst>
+                                </p:cTn>
+                              </p:par>
+                            </p:childTnLst>
+                          </p:cTn>
+                        </p:par>
+                      </p:childTnLst>
+                    </p:cTn>
+                  </p:par>
+                </p:childTnLst>
+              </p:cTn>
+              <p:prevCondLst>
+                <p:cond evt="onPrev" delay="0">
+                  <p:tgtEl>
+                    <p:sldTgt/>
+                  </p:tgtEl>
+                </p:cond>
+              </p:prevCondLst>
+              <p:nextCondLst>
+                <p:cond evt="onNext" delay="0">
+                  <p:tgtEl>
+                    <p:sldTgt/>
+                  </p:tgtEl>
+                </p:cond>
+              </p:nextCondLst>
+            </p:seq>
+          </p:childTnLst>
+        </p:cTn>
+      </p:par>
+    </p:tnLst>
+    <p:bldLst>
+      <p:bldGraphic spid="9" grpId="0">
+        <p:bldSub>
+          <a:bldDgm bld="one"/>
+        </p:bldSub>
+      </p:bldGraphic>
+    </p:bldLst>
+  </p:timing>
+</p:sld>
+</file>
+
+<file path=ppt/slides/slide15.xml><?xml version="1.0" encoding="utf-8"?>
+<p:sld xmlns:a="http://schemas.openxmlformats.org/drawingml/2006/main" xmlns:r="http://schemas.openxmlformats.org/officeDocument/2006/relationships" xmlns:p="http://schemas.openxmlformats.org/presentationml/2006/main">
+  <p:cSld>
+    <p:spTree>
+      <p:nvGrpSpPr>
+        <p:cNvPr id="1" name=""/>
+        <p:cNvGrpSpPr/>
+        <p:nvPr/>
+      </p:nvGrpSpPr>
+      <p:grpSpPr>
+        <a:xfrm>
+          <a:off x="0" y="0"/>
+          <a:ext cx="0" cy="0"/>
+          <a:chOff x="0" y="0"/>
+          <a:chExt cx="0" cy="0"/>
+        </a:xfrm>
+      </p:grpSpPr>
+      <p:sp>
+        <p:nvSpPr>
+          <p:cNvPr id="2" name="Заголовок 1">
+            <a:extLst>
+              <a:ext uri="{FF2B5EF4-FFF2-40B4-BE49-F238E27FC236}">
+                <a16:creationId xmlns:a16="http://schemas.microsoft.com/office/drawing/2014/main" id="{5ED3076E-2E51-49BA-B663-2E6FD28DE68E}"/>
+              </a:ext>
+            </a:extLst>
+          </p:cNvPr>
+          <p:cNvSpPr>
+            <a:spLocks noGrp="1"/>
+          </p:cNvSpPr>
+          <p:nvPr>
+            <p:ph type="title"/>
+          </p:nvPr>
+        </p:nvSpPr>
+        <p:spPr/>
+        <p:txBody>
+          <a:bodyPr/>
+          <a:lstStyle/>
+          <a:p>
+            <a:r>
+              <a:rPr lang="ru-RU" dirty="0"/>
+              <a:t>Часть </a:t>
+            </a:r>
+            <a:r>
+              <a:rPr lang="en-US" dirty="0"/>
+              <a:t>5</a:t>
+            </a:r>
+          </a:p>
+        </p:txBody>
+      </p:sp>
+      <p:sp>
+        <p:nvSpPr>
+          <p:cNvPr id="6" name="Дата 5">
+            <a:extLst>
+              <a:ext uri="{FF2B5EF4-FFF2-40B4-BE49-F238E27FC236}">
+                <a16:creationId xmlns:a16="http://schemas.microsoft.com/office/drawing/2014/main" id="{3D389C93-18E8-4B65-9A0C-57EA5FF1262A}"/>
+              </a:ext>
+            </a:extLst>
+          </p:cNvPr>
+          <p:cNvSpPr>
+            <a:spLocks noGrp="1"/>
+          </p:cNvSpPr>
+          <p:nvPr>
+            <p:ph type="dt" sz="half" idx="10"/>
+          </p:nvPr>
+        </p:nvSpPr>
+        <p:spPr/>
+        <p:txBody>
+          <a:bodyPr/>
+          <a:lstStyle/>
+          <a:p>
+            <a:fld id="{2D4A23AA-1D21-4822-8346-CA7E14AECDD0}" type="datetime1">
+              <a:rPr lang="ru-RU" smtClean="0"/>
+              <a:t>01.06.2019</a:t>
+            </a:fld>
+            <a:endParaRPr lang="en-US"/>
+          </a:p>
+        </p:txBody>
+      </p:sp>
+      <p:sp>
+        <p:nvSpPr>
+          <p:cNvPr id="7" name="Нижний колонтитул 6">
+            <a:extLst>
+              <a:ext uri="{FF2B5EF4-FFF2-40B4-BE49-F238E27FC236}">
+                <a16:creationId xmlns:a16="http://schemas.microsoft.com/office/drawing/2014/main" id="{FD3B82CA-042F-4A44-8CC3-391A074B55D4}"/>
+              </a:ext>
+            </a:extLst>
+          </p:cNvPr>
+          <p:cNvSpPr>
+            <a:spLocks noGrp="1"/>
+          </p:cNvSpPr>
+          <p:nvPr>
+            <p:ph type="ftr" sz="quarter" idx="11"/>
+          </p:nvPr>
+        </p:nvSpPr>
+        <p:spPr/>
+        <p:txBody>
+          <a:bodyPr/>
+          <a:lstStyle/>
+          <a:p>
+            <a:r>
+              <a:rPr lang="en-US"/>
+              <a:t>www.calabonga.net</a:t>
+            </a:r>
+          </a:p>
+        </p:txBody>
+      </p:sp>
+      <p:sp>
+        <p:nvSpPr>
+          <p:cNvPr id="8" name="Номер слайда 7">
+            <a:extLst>
+              <a:ext uri="{FF2B5EF4-FFF2-40B4-BE49-F238E27FC236}">
+                <a16:creationId xmlns:a16="http://schemas.microsoft.com/office/drawing/2014/main" id="{04E38101-A6CD-43DF-A008-79A5BF5D68AE}"/>
+              </a:ext>
+            </a:extLst>
+          </p:cNvPr>
+          <p:cNvSpPr>
+            <a:spLocks noGrp="1"/>
+          </p:cNvSpPr>
+          <p:nvPr>
+            <p:ph type="sldNum" sz="quarter" idx="12"/>
+          </p:nvPr>
+        </p:nvSpPr>
+        <p:spPr/>
+        <p:txBody>
+          <a:bodyPr/>
+          <a:lstStyle/>
+          <a:p>
+            <a:fld id="{356453D0-7C6D-4FAD-A87B-D4E72CD04107}" type="slidenum">
+              <a:rPr lang="en-US" smtClean="0"/>
+              <a:t>15</a:t>
+            </a:fld>
+            <a:endParaRPr lang="en-US"/>
+          </a:p>
+        </p:txBody>
+      </p:sp>
+      <p:grpSp>
+        <p:nvGrpSpPr>
+          <p:cNvPr id="19" name="Группа 18">
+            <a:extLst>
+              <a:ext uri="{FF2B5EF4-FFF2-40B4-BE49-F238E27FC236}">
+                <a16:creationId xmlns:a16="http://schemas.microsoft.com/office/drawing/2014/main" id="{944DF81C-E21F-4452-AA47-C385424D9A4A}"/>
+              </a:ext>
+            </a:extLst>
+          </p:cNvPr>
+          <p:cNvGrpSpPr/>
+          <p:nvPr/>
+        </p:nvGrpSpPr>
+        <p:grpSpPr>
+          <a:xfrm>
+            <a:off x="7043886" y="2449550"/>
+            <a:ext cx="2933929" cy="954378"/>
+            <a:chOff x="3339985" y="2054871"/>
+            <a:chExt cx="2933929" cy="1760357"/>
+          </a:xfrm>
+        </p:grpSpPr>
+        <p:sp>
+          <p:nvSpPr>
+            <p:cNvPr id="20" name="Прямоугольник 19">
+              <a:extLst>
+                <a:ext uri="{FF2B5EF4-FFF2-40B4-BE49-F238E27FC236}">
+                  <a16:creationId xmlns:a16="http://schemas.microsoft.com/office/drawing/2014/main" id="{9E47F602-BB93-484A-ADDC-45F34063C629}"/>
+                </a:ext>
+              </a:extLst>
+            </p:cNvPr>
+            <p:cNvSpPr/>
+            <p:nvPr/>
+          </p:nvSpPr>
+          <p:spPr>
+            <a:xfrm>
+              <a:off x="3339985" y="2054871"/>
+              <a:ext cx="2933929" cy="1760357"/>
+            </a:xfrm>
+            <a:prstGeom prst="rect">
+              <a:avLst/>
+            </a:prstGeom>
+            <a:solidFill>
+              <a:srgbClr val="31C1BE"/>
+            </a:solidFill>
+          </p:spPr>
+          <p:style>
+            <a:lnRef idx="2">
+              <a:schemeClr val="lt1">
+                <a:hueOff val="0"/>
+                <a:satOff val="0"/>
+                <a:lumOff val="0"/>
+                <a:alphaOff val="0"/>
+              </a:schemeClr>
+            </a:lnRef>
+            <a:fillRef idx="1">
+              <a:scrgbClr r="0" g="0" b="0"/>
+            </a:fillRef>
+            <a:effectRef idx="0">
+              <a:schemeClr val="accent1">
+                <a:hueOff val="0"/>
+                <a:satOff val="0"/>
+                <a:lumOff val="0"/>
+                <a:alphaOff val="0"/>
+              </a:schemeClr>
+            </a:effectRef>
+            <a:fontRef idx="minor">
+              <a:schemeClr val="lt1"/>
+            </a:fontRef>
+          </p:style>
+        </p:sp>
+        <p:sp>
+          <p:nvSpPr>
+            <p:cNvPr id="21" name="TextBox 20">
+              <a:extLst>
+                <a:ext uri="{FF2B5EF4-FFF2-40B4-BE49-F238E27FC236}">
+                  <a16:creationId xmlns:a16="http://schemas.microsoft.com/office/drawing/2014/main" id="{3E3DBCCB-2112-4899-A165-11DF76F8E565}"/>
+                </a:ext>
+              </a:extLst>
+            </p:cNvPr>
+            <p:cNvSpPr txBox="1"/>
+            <p:nvPr/>
+          </p:nvSpPr>
+          <p:spPr>
+            <a:xfrm>
+              <a:off x="3339985" y="2054871"/>
+              <a:ext cx="2933929" cy="1760357"/>
+            </a:xfrm>
+            <a:prstGeom prst="rect">
+              <a:avLst/>
+            </a:prstGeom>
+          </p:spPr>
+          <p:style>
+            <a:lnRef idx="0">
+              <a:scrgbClr r="0" g="0" b="0"/>
+            </a:lnRef>
+            <a:fillRef idx="0">
+              <a:scrgbClr r="0" g="0" b="0"/>
+            </a:fillRef>
+            <a:effectRef idx="0">
+              <a:scrgbClr r="0" g="0" b="0"/>
+            </a:effectRef>
+            <a:fontRef idx="minor">
+              <a:schemeClr val="lt1"/>
+            </a:fontRef>
+          </p:style>
+          <p:txBody>
+            <a:bodyPr spcFirstLastPara="0" vert="horz" wrap="square" lIns="133350" tIns="133350" rIns="133350" bIns="133350" numCol="1" spcCol="1270" anchor="ctr" anchorCtr="0">
+              <a:noAutofit/>
+            </a:bodyPr>
+            <a:lstStyle/>
+            <a:p>
+              <a:pPr marL="0" lvl="0" indent="0" algn="ctr" defTabSz="1555750">
+                <a:lnSpc>
+                  <a:spcPct val="90000"/>
+                </a:lnSpc>
+                <a:spcBef>
+                  <a:spcPct val="0"/>
+                </a:spcBef>
+                <a:spcAft>
+                  <a:spcPct val="35000"/>
+                </a:spcAft>
+                <a:buNone/>
+              </a:pPr>
+              <a:r>
+                <a:rPr lang="en-US" sz="2400" kern="1200" dirty="0" err="1"/>
+                <a:t>ViewModels</a:t>
+              </a:r>
+              <a:endParaRPr lang="en-US" sz="2000" kern="1200" dirty="0"/>
+            </a:p>
+          </p:txBody>
+        </p:sp>
+      </p:grpSp>
+      <p:grpSp>
+        <p:nvGrpSpPr>
+          <p:cNvPr id="22" name="Группа 21">
+            <a:extLst>
+              <a:ext uri="{FF2B5EF4-FFF2-40B4-BE49-F238E27FC236}">
+                <a16:creationId xmlns:a16="http://schemas.microsoft.com/office/drawing/2014/main" id="{D312260F-69B1-473A-AB98-4086BC4703E7}"/>
+              </a:ext>
+            </a:extLst>
+          </p:cNvPr>
+          <p:cNvGrpSpPr/>
+          <p:nvPr/>
+        </p:nvGrpSpPr>
+        <p:grpSpPr>
+          <a:xfrm>
+            <a:off x="7043886" y="3562183"/>
+            <a:ext cx="2933929" cy="954378"/>
+            <a:chOff x="6567307" y="2054871"/>
+            <a:chExt cx="2933929" cy="1760357"/>
+          </a:xfrm>
+        </p:grpSpPr>
+        <p:sp>
+          <p:nvSpPr>
+            <p:cNvPr id="23" name="Прямоугольник 22">
+              <a:extLst>
+                <a:ext uri="{FF2B5EF4-FFF2-40B4-BE49-F238E27FC236}">
+                  <a16:creationId xmlns:a16="http://schemas.microsoft.com/office/drawing/2014/main" id="{149786FE-9F72-4BCF-A1FF-0E2B4FB72AC7}"/>
+                </a:ext>
+              </a:extLst>
+            </p:cNvPr>
+            <p:cNvSpPr/>
+            <p:nvPr/>
+          </p:nvSpPr>
+          <p:spPr>
+            <a:xfrm>
+              <a:off x="6567307" y="2054871"/>
+              <a:ext cx="2933929" cy="1760357"/>
+            </a:xfrm>
+            <a:prstGeom prst="rect">
+              <a:avLst/>
+            </a:prstGeom>
+          </p:spPr>
+          <p:style>
+            <a:lnRef idx="2">
+              <a:schemeClr val="lt1">
+                <a:hueOff val="0"/>
+                <a:satOff val="0"/>
+                <a:lumOff val="0"/>
+                <a:alphaOff val="0"/>
+              </a:schemeClr>
+            </a:lnRef>
+            <a:fillRef idx="1">
+              <a:schemeClr val="accent1">
+                <a:hueOff val="0"/>
+                <a:satOff val="0"/>
+                <a:lumOff val="0"/>
+                <a:alphaOff val="0"/>
+              </a:schemeClr>
+            </a:fillRef>
+            <a:effectRef idx="0">
+              <a:schemeClr val="accent1">
+                <a:hueOff val="0"/>
+                <a:satOff val="0"/>
+                <a:lumOff val="0"/>
+                <a:alphaOff val="0"/>
+              </a:schemeClr>
+            </a:effectRef>
+            <a:fontRef idx="minor">
+              <a:schemeClr val="lt1"/>
+            </a:fontRef>
+          </p:style>
+        </p:sp>
+        <p:sp>
+          <p:nvSpPr>
+            <p:cNvPr id="24" name="TextBox 23">
+              <a:extLst>
+                <a:ext uri="{FF2B5EF4-FFF2-40B4-BE49-F238E27FC236}">
+                  <a16:creationId xmlns:a16="http://schemas.microsoft.com/office/drawing/2014/main" id="{F1AA0C2C-ACCE-4FBE-B969-74E047831495}"/>
+                </a:ext>
+              </a:extLst>
+            </p:cNvPr>
+            <p:cNvSpPr txBox="1"/>
+            <p:nvPr/>
+          </p:nvSpPr>
+          <p:spPr>
+            <a:xfrm>
+              <a:off x="6567307" y="2054871"/>
+              <a:ext cx="2933929" cy="1760357"/>
+            </a:xfrm>
+            <a:prstGeom prst="rect">
+              <a:avLst/>
+            </a:prstGeom>
+          </p:spPr>
+          <p:style>
+            <a:lnRef idx="0">
+              <a:scrgbClr r="0" g="0" b="0"/>
+            </a:lnRef>
+            <a:fillRef idx="0">
+              <a:scrgbClr r="0" g="0" b="0"/>
+            </a:fillRef>
+            <a:effectRef idx="0">
+              <a:scrgbClr r="0" g="0" b="0"/>
+            </a:effectRef>
+            <a:fontRef idx="minor">
+              <a:schemeClr val="lt1"/>
+            </a:fontRef>
+          </p:style>
+          <p:txBody>
+            <a:bodyPr spcFirstLastPara="0" vert="horz" wrap="square" lIns="133350" tIns="133350" rIns="133350" bIns="133350" numCol="1" spcCol="1270" anchor="ctr" anchorCtr="0">
+              <a:noAutofit/>
+            </a:bodyPr>
+            <a:lstStyle/>
+            <a:p>
+              <a:pPr marL="0" lvl="0" indent="0" algn="ctr" defTabSz="1555750">
+                <a:lnSpc>
+                  <a:spcPct val="90000"/>
+                </a:lnSpc>
+                <a:spcBef>
+                  <a:spcPct val="0"/>
+                </a:spcBef>
+                <a:spcAft>
+                  <a:spcPct val="35000"/>
+                </a:spcAft>
+                <a:buNone/>
+              </a:pPr>
+              <a:r>
+                <a:rPr lang="en-US" sz="2400" kern="1200" dirty="0" err="1"/>
+                <a:t>QueryParams</a:t>
+              </a:r>
+              <a:endParaRPr lang="en-US" sz="2400" kern="1200" dirty="0"/>
+            </a:p>
+          </p:txBody>
+        </p:sp>
+      </p:grpSp>
+      <p:sp>
+        <p:nvSpPr>
+          <p:cNvPr id="36" name="Прямоугольник 35">
+            <a:extLst>
+              <a:ext uri="{FF2B5EF4-FFF2-40B4-BE49-F238E27FC236}">
+                <a16:creationId xmlns:a16="http://schemas.microsoft.com/office/drawing/2014/main" id="{A155E14C-EE0C-4270-A3C0-BBDE5625D7B1}"/>
+              </a:ext>
+            </a:extLst>
+          </p:cNvPr>
+          <p:cNvSpPr/>
+          <p:nvPr/>
+        </p:nvSpPr>
+        <p:spPr>
+          <a:xfrm>
+            <a:off x="696705" y="5399754"/>
+            <a:ext cx="9337311" cy="856971"/>
+          </a:xfrm>
+          <a:prstGeom prst="rect">
+            <a:avLst/>
+          </a:prstGeom>
+          <a:solidFill>
+            <a:schemeClr val="accent5">
+              <a:lumMod val="50000"/>
+            </a:schemeClr>
+          </a:solidFill>
+          <a:ln>
+            <a:solidFill>
+              <a:schemeClr val="tx1"/>
+            </a:solidFill>
+          </a:ln>
+        </p:spPr>
+        <p:style>
+          <a:lnRef idx="2">
+            <a:schemeClr val="accent3">
+              <a:shade val="50000"/>
+            </a:schemeClr>
+          </a:lnRef>
+          <a:fillRef idx="1">
+            <a:schemeClr val="accent3"/>
+          </a:fillRef>
+          <a:effectRef idx="0">
+            <a:schemeClr val="accent3"/>
+          </a:effectRef>
+          <a:fontRef idx="minor">
+            <a:schemeClr val="lt1"/>
+          </a:fontRef>
+        </p:style>
+        <p:txBody>
+          <a:bodyPr rtlCol="0" anchor="ctr"/>
+          <a:lstStyle/>
+          <a:p>
+            <a:pPr algn="ctr"/>
+            <a:r>
+              <a:rPr lang="en-US" sz="3600" dirty="0" err="1"/>
+              <a:t>ReadOnlyController</a:t>
+            </a:r>
+            <a:endParaRPr lang="en-US" sz="2400" dirty="0"/>
+          </a:p>
+        </p:txBody>
+      </p:sp>
+      <p:grpSp>
+        <p:nvGrpSpPr>
+          <p:cNvPr id="39" name="Группа 38">
+            <a:extLst>
+              <a:ext uri="{FF2B5EF4-FFF2-40B4-BE49-F238E27FC236}">
+                <a16:creationId xmlns:a16="http://schemas.microsoft.com/office/drawing/2014/main" id="{AA9876C5-7EF4-4B81-90AA-4CEC5FCDFE1E}"/>
+              </a:ext>
+            </a:extLst>
+          </p:cNvPr>
+          <p:cNvGrpSpPr/>
+          <p:nvPr/>
+        </p:nvGrpSpPr>
+        <p:grpSpPr>
+          <a:xfrm>
+            <a:off x="1006719" y="5136849"/>
+            <a:ext cx="8717281" cy="443505"/>
+            <a:chOff x="6567307" y="2054871"/>
+            <a:chExt cx="2933929" cy="1760357"/>
+          </a:xfrm>
+          <a:solidFill>
+            <a:schemeClr val="accent6">
+              <a:lumMod val="75000"/>
+            </a:schemeClr>
+          </a:solidFill>
+        </p:grpSpPr>
+        <p:sp>
+          <p:nvSpPr>
+            <p:cNvPr id="40" name="Прямоугольник 39">
+              <a:extLst>
+                <a:ext uri="{FF2B5EF4-FFF2-40B4-BE49-F238E27FC236}">
+                  <a16:creationId xmlns:a16="http://schemas.microsoft.com/office/drawing/2014/main" id="{BE06427B-CB14-44E7-8E28-3A30347CBA9E}"/>
+                </a:ext>
+              </a:extLst>
+            </p:cNvPr>
+            <p:cNvSpPr/>
+            <p:nvPr/>
+          </p:nvSpPr>
+          <p:spPr>
+            <a:xfrm>
+              <a:off x="6567307" y="2054871"/>
+              <a:ext cx="2933929" cy="1760357"/>
+            </a:xfrm>
+            <a:prstGeom prst="rect">
+              <a:avLst/>
+            </a:prstGeom>
+            <a:grpFill/>
+          </p:spPr>
+          <p:style>
+            <a:lnRef idx="2">
+              <a:schemeClr val="lt1">
+                <a:hueOff val="0"/>
+                <a:satOff val="0"/>
+                <a:lumOff val="0"/>
+                <a:alphaOff val="0"/>
+              </a:schemeClr>
+            </a:lnRef>
+            <a:fillRef idx="1">
+              <a:schemeClr val="accent1">
+                <a:hueOff val="0"/>
+                <a:satOff val="0"/>
+                <a:lumOff val="0"/>
+                <a:alphaOff val="0"/>
+              </a:schemeClr>
+            </a:fillRef>
+            <a:effectRef idx="0">
+              <a:schemeClr val="accent1">
+                <a:hueOff val="0"/>
+                <a:satOff val="0"/>
+                <a:lumOff val="0"/>
+                <a:alphaOff val="0"/>
+              </a:schemeClr>
+            </a:effectRef>
+            <a:fontRef idx="minor">
+              <a:schemeClr val="lt1"/>
+            </a:fontRef>
+          </p:style>
+        </p:sp>
+        <p:sp>
+          <p:nvSpPr>
+            <p:cNvPr id="41" name="TextBox 40">
+              <a:extLst>
+                <a:ext uri="{FF2B5EF4-FFF2-40B4-BE49-F238E27FC236}">
+                  <a16:creationId xmlns:a16="http://schemas.microsoft.com/office/drawing/2014/main" id="{462B3C35-7FE3-40A2-BF1B-B165947E0353}"/>
+                </a:ext>
+              </a:extLst>
+            </p:cNvPr>
+            <p:cNvSpPr txBox="1"/>
+            <p:nvPr/>
+          </p:nvSpPr>
+          <p:spPr>
+            <a:xfrm>
+              <a:off x="6567307" y="2054871"/>
+              <a:ext cx="2933929" cy="1760357"/>
+            </a:xfrm>
+            <a:prstGeom prst="rect">
+              <a:avLst/>
+            </a:prstGeom>
+            <a:grpFill/>
+          </p:spPr>
+          <p:style>
+            <a:lnRef idx="0">
+              <a:scrgbClr r="0" g="0" b="0"/>
+            </a:lnRef>
+            <a:fillRef idx="0">
+              <a:scrgbClr r="0" g="0" b="0"/>
+            </a:fillRef>
+            <a:effectRef idx="0">
+              <a:scrgbClr r="0" g="0" b="0"/>
+            </a:effectRef>
+            <a:fontRef idx="minor">
+              <a:schemeClr val="lt1"/>
+            </a:fontRef>
+          </p:style>
+          <p:txBody>
+            <a:bodyPr spcFirstLastPara="0" vert="horz" wrap="square" lIns="133350" tIns="133350" rIns="133350" bIns="133350" numCol="1" spcCol="1270" anchor="ctr" anchorCtr="0">
+              <a:noAutofit/>
+            </a:bodyPr>
+            <a:lstStyle/>
+            <a:p>
+              <a:pPr lvl="0" algn="ctr" defTabSz="1555750">
+                <a:lnSpc>
+                  <a:spcPct val="90000"/>
+                </a:lnSpc>
+                <a:spcBef>
+                  <a:spcPct val="0"/>
+                </a:spcBef>
+                <a:spcAft>
+                  <a:spcPct val="35000"/>
+                </a:spcAft>
+              </a:pPr>
+              <a:r>
+                <a:rPr lang="en-US" sz="2400" dirty="0" err="1"/>
+                <a:t>UnitOfWork</a:t>
+              </a:r>
+              <a:endParaRPr lang="en-US" sz="2400" kern="1200" dirty="0"/>
+            </a:p>
+          </p:txBody>
+        </p:sp>
+      </p:grpSp>
+      <p:sp>
+        <p:nvSpPr>
+          <p:cNvPr id="42" name="Rectangle 1">
+            <a:extLst>
+              <a:ext uri="{FF2B5EF4-FFF2-40B4-BE49-F238E27FC236}">
+                <a16:creationId xmlns:a16="http://schemas.microsoft.com/office/drawing/2014/main" id="{8C8BC91B-DF43-4F7F-BA74-F6817A807C26}"/>
+              </a:ext>
+            </a:extLst>
+          </p:cNvPr>
+          <p:cNvSpPr>
+            <a:spLocks noChangeArrowheads="1"/>
+          </p:cNvSpPr>
+          <p:nvPr/>
+        </p:nvSpPr>
+        <p:spPr bwMode="auto">
+          <a:xfrm>
+            <a:off x="0" y="0"/>
+            <a:ext cx="12192000" cy="457200"/>
+          </a:xfrm>
+          <a:prstGeom prst="rect">
+            <a:avLst/>
+          </a:prstGeom>
+          <a:solidFill>
+            <a:srgbClr val="1E1E1E"/>
+          </a:solidFill>
+          <a:ln>
+            <a:noFill/>
+          </a:ln>
+          <a:effectLst/>
+          <a:extLst>
+            <a:ext uri="{91240B29-F687-4F45-9708-019B960494DF}">
+              <a14:hiddenLine xmlns:a14="http://schemas.microsoft.com/office/drawing/2010/main" w="9525">
+                <a:solidFill>
+                  <a:schemeClr val="tx1"/>
+                </a:solidFill>
+                <a:miter lim="800000"/>
+                <a:headEnd/>
+                <a:tailEnd/>
+              </a14:hiddenLine>
+            </a:ext>
+            <a:ext uri="{AF507438-7753-43E0-B8FC-AC1667EBCBE1}">
+              <a14:hiddenEffects xmlns:a14="http://schemas.microsoft.com/office/drawing/2010/main">
+                <a:effectLst>
+                  <a:outerShdw dist="35921" dir="2700000" algn="ctr" rotWithShape="0">
+                    <a:schemeClr val="bg2"/>
+                  </a:outerShdw>
+                </a:effectLst>
+              </a14:hiddenEffects>
+            </a:ext>
+          </a:extLst>
+        </p:spPr>
+        <p:txBody>
+          <a:bodyPr vert="horz" wrap="none" lIns="91440" tIns="45720" rIns="91440" bIns="45720" numCol="1" anchor="ctr" anchorCtr="0" compatLnSpc="1">
+            <a:prstTxWarp prst="textNoShape">
+              <a:avLst/>
+            </a:prstTxWarp>
+            <a:spAutoFit/>
+          </a:bodyPr>
+          <a:lstStyle/>
+          <a:p>
+            <a:pPr marL="0" marR="0" lvl="0" indent="0" algn="l" defTabSz="914400" rtl="0" eaLnBrk="0" fontAlgn="base" latinLnBrk="0" hangingPunct="0">
+              <a:lnSpc>
+                <a:spcPct val="100000"/>
+              </a:lnSpc>
+              <a:spcBef>
+                <a:spcPct val="0"/>
+              </a:spcBef>
+              <a:spcAft>
+                <a:spcPct val="0"/>
+              </a:spcAft>
+              <a:buClrTx/>
+              <a:buSzTx/>
+              <a:buFontTx/>
+              <a:buNone/>
+              <a:tabLst/>
+            </a:pPr>
+            <a:r>
+              <a:rPr kumimoji="0" lang="en-US" altLang="en-US" sz="900" b="0" i="0" u="none" strike="noStrike" cap="none" normalizeH="0" baseline="0">
+                <a:ln>
+                  <a:noFill/>
+                </a:ln>
+                <a:solidFill>
+                  <a:srgbClr val="B8D7A3"/>
+                </a:solidFill>
+                <a:effectLst/>
+                <a:latin typeface="Consolas" panose="020B0609020204030204" pitchFamily="49" charset="0"/>
+              </a:rPr>
+              <a:t>IUnitOfWork</a:t>
+            </a:r>
+            <a:r>
+              <a:rPr kumimoji="0" lang="en-US" altLang="en-US" sz="900" b="0" i="0" u="none" strike="noStrike" cap="none" normalizeH="0" baseline="0">
+                <a:ln>
+                  <a:noFill/>
+                </a:ln>
+                <a:solidFill>
+                  <a:srgbClr val="DCDCDC"/>
+                </a:solidFill>
+                <a:effectLst/>
+                <a:latin typeface="Consolas" panose="020B0609020204030204" pitchFamily="49" charset="0"/>
+              </a:rPr>
+              <a:t> </a:t>
+            </a:r>
+            <a:endParaRPr kumimoji="0" lang="en-US" altLang="en-US" sz="1800" b="0" i="0" u="none" strike="noStrike" cap="none" normalizeH="0" baseline="0">
+              <a:ln>
+                <a:noFill/>
+              </a:ln>
+              <a:solidFill>
+                <a:schemeClr val="tx1"/>
+              </a:solidFill>
+              <a:effectLst/>
+              <a:latin typeface="Arial" panose="020B0604020202020204" pitchFamily="34" charset="0"/>
+            </a:endParaRPr>
+          </a:p>
+        </p:txBody>
+      </p:sp>
+      <p:sp>
+        <p:nvSpPr>
+          <p:cNvPr id="43" name="Rectangle 2">
+            <a:extLst>
+              <a:ext uri="{FF2B5EF4-FFF2-40B4-BE49-F238E27FC236}">
+                <a16:creationId xmlns:a16="http://schemas.microsoft.com/office/drawing/2014/main" id="{73C5890A-FE4F-45C2-8955-B99312AA565C}"/>
+              </a:ext>
+            </a:extLst>
+          </p:cNvPr>
+          <p:cNvSpPr>
+            <a:spLocks noChangeArrowheads="1"/>
+          </p:cNvSpPr>
+          <p:nvPr/>
+        </p:nvSpPr>
+        <p:spPr bwMode="auto">
+          <a:xfrm>
+            <a:off x="152400" y="152400"/>
+            <a:ext cx="12192000" cy="457200"/>
+          </a:xfrm>
+          <a:prstGeom prst="rect">
+            <a:avLst/>
+          </a:prstGeom>
+          <a:solidFill>
+            <a:srgbClr val="1E1E1E"/>
+          </a:solidFill>
+          <a:ln>
+            <a:noFill/>
+          </a:ln>
+          <a:effectLst/>
+          <a:extLst>
+            <a:ext uri="{91240B29-F687-4F45-9708-019B960494DF}">
+              <a14:hiddenLine xmlns:a14="http://schemas.microsoft.com/office/drawing/2010/main" w="9525">
+                <a:solidFill>
+                  <a:schemeClr val="tx1"/>
+                </a:solidFill>
+                <a:miter lim="800000"/>
+                <a:headEnd/>
+                <a:tailEnd/>
+              </a14:hiddenLine>
+            </a:ext>
+            <a:ext uri="{AF507438-7753-43E0-B8FC-AC1667EBCBE1}">
+              <a14:hiddenEffects xmlns:a14="http://schemas.microsoft.com/office/drawing/2010/main">
+                <a:effectLst>
+                  <a:outerShdw dist="35921" dir="2700000" algn="ctr" rotWithShape="0">
+                    <a:schemeClr val="bg2"/>
+                  </a:outerShdw>
+                </a:effectLst>
+              </a14:hiddenEffects>
+            </a:ext>
+          </a:extLst>
+        </p:spPr>
+        <p:txBody>
+          <a:bodyPr vert="horz" wrap="none" lIns="91440" tIns="45720" rIns="91440" bIns="45720" numCol="1" anchor="ctr" anchorCtr="0" compatLnSpc="1">
+            <a:prstTxWarp prst="textNoShape">
+              <a:avLst/>
+            </a:prstTxWarp>
+            <a:spAutoFit/>
+          </a:bodyPr>
+          <a:lstStyle/>
+          <a:p>
+            <a:pPr marL="0" marR="0" lvl="0" indent="0" algn="l" defTabSz="914400" rtl="0" eaLnBrk="0" fontAlgn="base" latinLnBrk="0" hangingPunct="0">
+              <a:lnSpc>
+                <a:spcPct val="100000"/>
+              </a:lnSpc>
+              <a:spcBef>
+                <a:spcPct val="0"/>
+              </a:spcBef>
+              <a:spcAft>
+                <a:spcPct val="0"/>
+              </a:spcAft>
+              <a:buClrTx/>
+              <a:buSzTx/>
+              <a:buFontTx/>
+              <a:buNone/>
+              <a:tabLst/>
+            </a:pPr>
+            <a:r>
+              <a:rPr kumimoji="0" lang="en-US" altLang="en-US" sz="900" b="0" i="0" u="none" strike="noStrike" cap="none" normalizeH="0" baseline="0">
+                <a:ln>
+                  <a:noFill/>
+                </a:ln>
+                <a:solidFill>
+                  <a:srgbClr val="B8D7A3"/>
+                </a:solidFill>
+                <a:effectLst/>
+                <a:latin typeface="Consolas" panose="020B0609020204030204" pitchFamily="49" charset="0"/>
+              </a:rPr>
+              <a:t>IUnitOfWork</a:t>
+            </a:r>
+            <a:r>
+              <a:rPr kumimoji="0" lang="en-US" altLang="en-US" sz="900" b="0" i="0" u="none" strike="noStrike" cap="none" normalizeH="0" baseline="0">
+                <a:ln>
+                  <a:noFill/>
+                </a:ln>
+                <a:solidFill>
+                  <a:srgbClr val="DCDCDC"/>
+                </a:solidFill>
+                <a:effectLst/>
+                <a:latin typeface="Consolas" panose="020B0609020204030204" pitchFamily="49" charset="0"/>
+              </a:rPr>
+              <a:t> </a:t>
+            </a:r>
+            <a:endParaRPr kumimoji="0" lang="en-US" altLang="en-US" sz="1800" b="0" i="0" u="none" strike="noStrike" cap="none" normalizeH="0" baseline="0">
+              <a:ln>
+                <a:noFill/>
+              </a:ln>
+              <a:solidFill>
+                <a:schemeClr val="tx1"/>
+              </a:solidFill>
+              <a:effectLst/>
+              <a:latin typeface="Arial" panose="020B0604020202020204" pitchFamily="34" charset="0"/>
+            </a:endParaRPr>
+          </a:p>
+        </p:txBody>
+      </p:sp>
+      <p:pic>
+        <p:nvPicPr>
+          <p:cNvPr id="44" name="Рисунок 43">
+            <a:extLst>
+              <a:ext uri="{FF2B5EF4-FFF2-40B4-BE49-F238E27FC236}">
+                <a16:creationId xmlns:a16="http://schemas.microsoft.com/office/drawing/2014/main" id="{FD5E82E9-3E7B-45F5-98A8-0CE4839BF675}"/>
+              </a:ext>
+            </a:extLst>
+          </p:cNvPr>
+          <p:cNvPicPr>
+            <a:picLocks noChangeAspect="1"/>
+          </p:cNvPicPr>
+          <p:nvPr/>
+        </p:nvPicPr>
+        <p:blipFill>
+          <a:blip r:embed="rId3"/>
+          <a:stretch>
+            <a:fillRect/>
+          </a:stretch>
+        </p:blipFill>
+        <p:spPr>
+          <a:xfrm>
+            <a:off x="376647" y="2285596"/>
+            <a:ext cx="9978697" cy="1079309"/>
+          </a:xfrm>
+          <a:prstGeom prst="rect">
+            <a:avLst/>
+          </a:prstGeom>
+        </p:spPr>
+      </p:pic>
+      <p:pic>
+        <p:nvPicPr>
+          <p:cNvPr id="45" name="Рисунок 44">
+            <a:extLst>
+              <a:ext uri="{FF2B5EF4-FFF2-40B4-BE49-F238E27FC236}">
+                <a16:creationId xmlns:a16="http://schemas.microsoft.com/office/drawing/2014/main" id="{71E3F287-8B49-48C6-B307-16C1B215F910}"/>
+              </a:ext>
+            </a:extLst>
+          </p:cNvPr>
+          <p:cNvPicPr>
+            <a:picLocks noChangeAspect="1"/>
+          </p:cNvPicPr>
+          <p:nvPr/>
+        </p:nvPicPr>
+        <p:blipFill>
+          <a:blip r:embed="rId4"/>
+          <a:stretch>
+            <a:fillRect/>
+          </a:stretch>
+        </p:blipFill>
+        <p:spPr>
+          <a:xfrm>
+            <a:off x="376647" y="3543560"/>
+            <a:ext cx="9978697" cy="1088314"/>
+          </a:xfrm>
+          <a:prstGeom prst="rect">
+            <a:avLst/>
+          </a:prstGeom>
+        </p:spPr>
+      </p:pic>
+    </p:spTree>
+    <p:extLst>
+      <p:ext uri="{BB962C8B-B14F-4D97-AF65-F5344CB8AC3E}">
+        <p14:creationId xmlns:p14="http://schemas.microsoft.com/office/powerpoint/2010/main" val="2296425837"/>
+      </p:ext>
+    </p:extLst>
+  </p:cSld>
+  <p:clrMapOvr>
+    <a:masterClrMapping/>
+  </p:clrMapOvr>
+  <p:transition spd="med">
+    <p:pull/>
+  </p:transition>
+  <p:timing>
+    <p:tnLst>
+      <p:par>
+        <p:cTn id="1" dur="indefinite" restart="never" nodeType="tmRoot">
+          <p:childTnLst>
+            <p:seq concurrent="1" nextAc="seek">
+              <p:cTn id="2" dur="indefinite" nodeType="mainSeq">
+                <p:childTnLst>
+                  <p:par>
+                    <p:cTn id="3" fill="hold">
+                      <p:stCondLst>
+                        <p:cond delay="indefinite"/>
+                      </p:stCondLst>
+                      <p:childTnLst>
+                        <p:par>
+                          <p:cTn id="4" fill="hold">
+                            <p:stCondLst>
+                              <p:cond delay="0"/>
+                            </p:stCondLst>
+                            <p:childTnLst>
+                              <p:par>
+                                <p:cTn id="5" presetID="42" presetClass="entr" presetSubtype="0" fill="hold" nodeType="clickEffect">
+                                  <p:stCondLst>
+                                    <p:cond delay="0"/>
+                                  </p:stCondLst>
+                                  <p:childTnLst>
+                                    <p:set>
+                                      <p:cBhvr>
+                                        <p:cTn id="6" dur="1" fill="hold">
+                                          <p:stCondLst>
+                                            <p:cond delay="0"/>
+                                          </p:stCondLst>
+                                        </p:cTn>
+                                        <p:tgtEl>
+                                          <p:spTgt spid="39"/>
+                                        </p:tgtEl>
+                                        <p:attrNameLst>
+                                          <p:attrName>style.visibility</p:attrName>
+                                        </p:attrNameLst>
+                                      </p:cBhvr>
+                                      <p:to>
+                                        <p:strVal val="visible"/>
+                                      </p:to>
+                                    </p:set>
+                                    <p:animEffect transition="in" filter="fade">
+                                      <p:cBhvr>
+                                        <p:cTn id="7" dur="1000"/>
+                                        <p:tgtEl>
+                                          <p:spTgt spid="39"/>
+                                        </p:tgtEl>
+                                      </p:cBhvr>
+                                    </p:animEffect>
+                                    <p:anim calcmode="lin" valueType="num">
+                                      <p:cBhvr>
+                                        <p:cTn id="8" dur="1000" fill="hold"/>
+                                        <p:tgtEl>
+                                          <p:spTgt spid="39"/>
+                                        </p:tgtEl>
+                                        <p:attrNameLst>
+                                          <p:attrName>ppt_x</p:attrName>
+                                        </p:attrNameLst>
+                                      </p:cBhvr>
+                                      <p:tavLst>
+                                        <p:tav tm="0">
+                                          <p:val>
+                                            <p:strVal val="#ppt_x"/>
+                                          </p:val>
+                                        </p:tav>
+                                        <p:tav tm="100000">
+                                          <p:val>
+                                            <p:strVal val="#ppt_x"/>
+                                          </p:val>
+                                        </p:tav>
+                                      </p:tavLst>
+                                    </p:anim>
+                                    <p:anim calcmode="lin" valueType="num">
+                                      <p:cBhvr>
+                                        <p:cTn id="9" dur="1000" fill="hold"/>
+                                        <p:tgtEl>
+                                          <p:spTgt spid="39"/>
+                                        </p:tgtEl>
+                                        <p:attrNameLst>
+                                          <p:attrName>ppt_y</p:attrName>
+                                        </p:attrNameLst>
+                                      </p:cBhvr>
+                                      <p:tavLst>
+                                        <p:tav tm="0">
+                                          <p:val>
+                                            <p:strVal val="#ppt_y+.1"/>
+                                          </p:val>
+                                        </p:tav>
+                                        <p:tav tm="100000">
+                                          <p:val>
+                                            <p:strVal val="#ppt_y"/>
+                                          </p:val>
+                                        </p:tav>
+                                      </p:tavLst>
+                                    </p:anim>
+                                  </p:childTnLst>
+                                </p:cTn>
+                              </p:par>
+                            </p:childTnLst>
+                          </p:cTn>
+                        </p:par>
+                      </p:childTnLst>
+                    </p:cTn>
+                  </p:par>
+                  <p:par>
+                    <p:cTn id="10" fill="hold">
+                      <p:stCondLst>
+                        <p:cond delay="indefinite"/>
+                      </p:stCondLst>
+                      <p:childTnLst>
+                        <p:par>
+                          <p:cTn id="11" fill="hold">
+                            <p:stCondLst>
+                              <p:cond delay="0"/>
+                            </p:stCondLst>
+                            <p:childTnLst>
+                              <p:par>
+                                <p:cTn id="12" presetID="42" presetClass="entr" presetSubtype="0" fill="hold" nodeType="clickEffect">
+                                  <p:stCondLst>
+                                    <p:cond delay="0"/>
+                                  </p:stCondLst>
+                                  <p:childTnLst>
+                                    <p:set>
+                                      <p:cBhvr>
+                                        <p:cTn id="13" dur="1" fill="hold">
+                                          <p:stCondLst>
+                                            <p:cond delay="0"/>
+                                          </p:stCondLst>
+                                        </p:cTn>
+                                        <p:tgtEl>
+                                          <p:spTgt spid="44"/>
+                                        </p:tgtEl>
+                                        <p:attrNameLst>
+                                          <p:attrName>style.visibility</p:attrName>
+                                        </p:attrNameLst>
+                                      </p:cBhvr>
+                                      <p:to>
+                                        <p:strVal val="visible"/>
+                                      </p:to>
+                                    </p:set>
+                                    <p:animEffect transition="in" filter="fade">
+                                      <p:cBhvr>
+                                        <p:cTn id="14" dur="1000"/>
+                                        <p:tgtEl>
+                                          <p:spTgt spid="44"/>
+                                        </p:tgtEl>
+                                      </p:cBhvr>
+                                    </p:animEffect>
+                                    <p:anim calcmode="lin" valueType="num">
+                                      <p:cBhvr>
+                                        <p:cTn id="15" dur="1000" fill="hold"/>
+                                        <p:tgtEl>
+                                          <p:spTgt spid="44"/>
+                                        </p:tgtEl>
+                                        <p:attrNameLst>
+                                          <p:attrName>ppt_x</p:attrName>
+                                        </p:attrNameLst>
+                                      </p:cBhvr>
+                                      <p:tavLst>
+                                        <p:tav tm="0">
+                                          <p:val>
+                                            <p:strVal val="#ppt_x"/>
+                                          </p:val>
+                                        </p:tav>
+                                        <p:tav tm="100000">
+                                          <p:val>
+                                            <p:strVal val="#ppt_x"/>
+                                          </p:val>
+                                        </p:tav>
+                                      </p:tavLst>
+                                    </p:anim>
+                                    <p:anim calcmode="lin" valueType="num">
+                                      <p:cBhvr>
+                                        <p:cTn id="16" dur="1000" fill="hold"/>
+                                        <p:tgtEl>
+                                          <p:spTgt spid="44"/>
+                                        </p:tgtEl>
+                                        <p:attrNameLst>
+                                          <p:attrName>ppt_y</p:attrName>
+                                        </p:attrNameLst>
+                                      </p:cBhvr>
+                                      <p:tavLst>
+                                        <p:tav tm="0">
+                                          <p:val>
+                                            <p:strVal val="#ppt_y+.1"/>
+                                          </p:val>
+                                        </p:tav>
+                                        <p:tav tm="100000">
+                                          <p:val>
+                                            <p:strVal val="#ppt_y"/>
+                                          </p:val>
+                                        </p:tav>
+                                      </p:tavLst>
+                                    </p:anim>
+                                  </p:childTnLst>
+                                </p:cTn>
+                              </p:par>
+                            </p:childTnLst>
+                          </p:cTn>
+                        </p:par>
+                      </p:childTnLst>
+                    </p:cTn>
+                  </p:par>
+                  <p:par>
+                    <p:cTn id="17" fill="hold">
+                      <p:stCondLst>
+                        <p:cond delay="indefinite"/>
+                      </p:stCondLst>
+                      <p:childTnLst>
+                        <p:par>
+                          <p:cTn id="18" fill="hold">
+                            <p:stCondLst>
+                              <p:cond delay="0"/>
+                            </p:stCondLst>
+                            <p:childTnLst>
+                              <p:par>
+                                <p:cTn id="19" presetID="42" presetClass="entr" presetSubtype="0" fill="hold" nodeType="clickEffect">
+                                  <p:stCondLst>
+                                    <p:cond delay="0"/>
+                                  </p:stCondLst>
+                                  <p:childTnLst>
+                                    <p:set>
+                                      <p:cBhvr>
+                                        <p:cTn id="20" dur="1" fill="hold">
+                                          <p:stCondLst>
+                                            <p:cond delay="0"/>
+                                          </p:stCondLst>
+                                        </p:cTn>
+                                        <p:tgtEl>
+                                          <p:spTgt spid="45"/>
+                                        </p:tgtEl>
+                                        <p:attrNameLst>
+                                          <p:attrName>style.visibility</p:attrName>
+                                        </p:attrNameLst>
+                                      </p:cBhvr>
+                                      <p:to>
+                                        <p:strVal val="visible"/>
+                                      </p:to>
+                                    </p:set>
+                                    <p:animEffect transition="in" filter="fade">
+                                      <p:cBhvr>
+                                        <p:cTn id="21" dur="1000"/>
+                                        <p:tgtEl>
+                                          <p:spTgt spid="45"/>
+                                        </p:tgtEl>
+                                      </p:cBhvr>
+                                    </p:animEffect>
+                                    <p:anim calcmode="lin" valueType="num">
+                                      <p:cBhvr>
+                                        <p:cTn id="22" dur="1000" fill="hold"/>
+                                        <p:tgtEl>
+                                          <p:spTgt spid="45"/>
+                                        </p:tgtEl>
+                                        <p:attrNameLst>
+                                          <p:attrName>ppt_x</p:attrName>
+                                        </p:attrNameLst>
+                                      </p:cBhvr>
+                                      <p:tavLst>
+                                        <p:tav tm="0">
+                                          <p:val>
+                                            <p:strVal val="#ppt_x"/>
+                                          </p:val>
+                                        </p:tav>
+                                        <p:tav tm="100000">
+                                          <p:val>
+                                            <p:strVal val="#ppt_x"/>
+                                          </p:val>
+                                        </p:tav>
+                                      </p:tavLst>
+                                    </p:anim>
+                                    <p:anim calcmode="lin" valueType="num">
+                                      <p:cBhvr>
+                                        <p:cTn id="23" dur="1000" fill="hold"/>
+                                        <p:tgtEl>
+                                          <p:spTgt spid="45"/>
+                                        </p:tgtEl>
+                                        <p:attrNameLst>
+                                          <p:attrName>ppt_y</p:attrName>
+                                        </p:attrNameLst>
+                                      </p:cBhvr>
+                                      <p:tavLst>
+                                        <p:tav tm="0">
+                                          <p:val>
+                                            <p:strVal val="#ppt_y+.1"/>
+                                          </p:val>
+                                        </p:tav>
+                                        <p:tav tm="100000">
+                                          <p:val>
+                                            <p:strVal val="#ppt_y"/>
+                                          </p:val>
+                                        </p:tav>
+                                      </p:tavLst>
+                                    </p:anim>
+                                  </p:childTnLst>
+                                </p:cTn>
+                              </p:par>
+                            </p:childTnLst>
+                          </p:cTn>
+                        </p:par>
+                      </p:childTnLst>
+                    </p:cTn>
+                  </p:par>
+                  <p:par>
+                    <p:cTn id="24" fill="hold">
+                      <p:stCondLst>
+                        <p:cond delay="indefinite"/>
+                      </p:stCondLst>
+                      <p:childTnLst>
+                        <p:par>
+                          <p:cTn id="25" fill="hold">
+                            <p:stCondLst>
+                              <p:cond delay="0"/>
+                            </p:stCondLst>
+                            <p:childTnLst>
+                              <p:par>
+                                <p:cTn id="26" presetID="42" presetClass="exit" presetSubtype="0" fill="hold" nodeType="clickEffect">
+                                  <p:stCondLst>
+                                    <p:cond delay="0"/>
+                                  </p:stCondLst>
+                                  <p:childTnLst>
+                                    <p:animEffect transition="out" filter="fade">
+                                      <p:cBhvr>
+                                        <p:cTn id="27" dur="1000"/>
+                                        <p:tgtEl>
+                                          <p:spTgt spid="44"/>
+                                        </p:tgtEl>
+                                      </p:cBhvr>
+                                    </p:animEffect>
+                                    <p:anim calcmode="lin" valueType="num">
+                                      <p:cBhvr>
+                                        <p:cTn id="28" dur="1000"/>
+                                        <p:tgtEl>
+                                          <p:spTgt spid="44"/>
+                                        </p:tgtEl>
+                                        <p:attrNameLst>
+                                          <p:attrName>ppt_x</p:attrName>
+                                        </p:attrNameLst>
+                                      </p:cBhvr>
+                                      <p:tavLst>
+                                        <p:tav tm="0">
+                                          <p:val>
+                                            <p:strVal val="ppt_x"/>
+                                          </p:val>
+                                        </p:tav>
+                                        <p:tav tm="100000">
+                                          <p:val>
+                                            <p:strVal val="ppt_x"/>
+                                          </p:val>
+                                        </p:tav>
+                                      </p:tavLst>
+                                    </p:anim>
+                                    <p:anim calcmode="lin" valueType="num">
+                                      <p:cBhvr>
+                                        <p:cTn id="29" dur="1000"/>
+                                        <p:tgtEl>
+                                          <p:spTgt spid="44"/>
+                                        </p:tgtEl>
+                                        <p:attrNameLst>
+                                          <p:attrName>ppt_y</p:attrName>
+                                        </p:attrNameLst>
+                                      </p:cBhvr>
+                                      <p:tavLst>
+                                        <p:tav tm="0">
+                                          <p:val>
+                                            <p:strVal val="ppt_y"/>
+                                          </p:val>
+                                        </p:tav>
+                                        <p:tav tm="100000">
+                                          <p:val>
+                                            <p:strVal val="ppt_y+.1"/>
+                                          </p:val>
+                                        </p:tav>
+                                      </p:tavLst>
+                                    </p:anim>
+                                    <p:set>
+                                      <p:cBhvr>
+                                        <p:cTn id="30" dur="1" fill="hold">
+                                          <p:stCondLst>
+                                            <p:cond delay="999"/>
+                                          </p:stCondLst>
+                                        </p:cTn>
+                                        <p:tgtEl>
+                                          <p:spTgt spid="44"/>
+                                        </p:tgtEl>
+                                        <p:attrNameLst>
+                                          <p:attrName>style.visibility</p:attrName>
+                                        </p:attrNameLst>
+                                      </p:cBhvr>
+                                      <p:to>
+                                        <p:strVal val="hidden"/>
+                                      </p:to>
+                                    </p:set>
+                                  </p:childTnLst>
+                                </p:cTn>
+                              </p:par>
+                              <p:par>
+                                <p:cTn id="31" presetID="42" presetClass="exit" presetSubtype="0" fill="hold" nodeType="withEffect">
+                                  <p:stCondLst>
+                                    <p:cond delay="0"/>
+                                  </p:stCondLst>
+                                  <p:childTnLst>
+                                    <p:animEffect transition="out" filter="fade">
+                                      <p:cBhvr>
+                                        <p:cTn id="32" dur="1000"/>
+                                        <p:tgtEl>
+                                          <p:spTgt spid="45"/>
+                                        </p:tgtEl>
+                                      </p:cBhvr>
+                                    </p:animEffect>
+                                    <p:anim calcmode="lin" valueType="num">
+                                      <p:cBhvr>
+                                        <p:cTn id="33" dur="1000"/>
+                                        <p:tgtEl>
+                                          <p:spTgt spid="45"/>
+                                        </p:tgtEl>
+                                        <p:attrNameLst>
+                                          <p:attrName>ppt_x</p:attrName>
+                                        </p:attrNameLst>
+                                      </p:cBhvr>
+                                      <p:tavLst>
+                                        <p:tav tm="0">
+                                          <p:val>
+                                            <p:strVal val="ppt_x"/>
+                                          </p:val>
+                                        </p:tav>
+                                        <p:tav tm="100000">
+                                          <p:val>
+                                            <p:strVal val="ppt_x"/>
+                                          </p:val>
+                                        </p:tav>
+                                      </p:tavLst>
+                                    </p:anim>
+                                    <p:anim calcmode="lin" valueType="num">
+                                      <p:cBhvr>
+                                        <p:cTn id="34" dur="1000"/>
+                                        <p:tgtEl>
+                                          <p:spTgt spid="45"/>
+                                        </p:tgtEl>
+                                        <p:attrNameLst>
+                                          <p:attrName>ppt_y</p:attrName>
+                                        </p:attrNameLst>
+                                      </p:cBhvr>
+                                      <p:tavLst>
+                                        <p:tav tm="0">
+                                          <p:val>
+                                            <p:strVal val="ppt_y"/>
+                                          </p:val>
+                                        </p:tav>
+                                        <p:tav tm="100000">
+                                          <p:val>
+                                            <p:strVal val="ppt_y+.1"/>
+                                          </p:val>
+                                        </p:tav>
+                                      </p:tavLst>
+                                    </p:anim>
+                                    <p:set>
+                                      <p:cBhvr>
+                                        <p:cTn id="35" dur="1" fill="hold">
+                                          <p:stCondLst>
+                                            <p:cond delay="999"/>
+                                          </p:stCondLst>
+                                        </p:cTn>
+                                        <p:tgtEl>
+                                          <p:spTgt spid="45"/>
+                                        </p:tgtEl>
+                                        <p:attrNameLst>
+                                          <p:attrName>style.visibility</p:attrName>
+                                        </p:attrNameLst>
+                                      </p:cBhvr>
+                                      <p:to>
+                                        <p:strVal val="hidden"/>
+                                      </p:to>
+                                    </p:set>
+                                  </p:childTnLst>
+                                </p:cTn>
+                              </p:par>
+                              <p:par>
+                                <p:cTn id="36" presetID="42" presetClass="entr" presetSubtype="0" fill="hold" nodeType="withEffect">
+                                  <p:stCondLst>
+                                    <p:cond delay="0"/>
+                                  </p:stCondLst>
+                                  <p:childTnLst>
+                                    <p:set>
+                                      <p:cBhvr>
+                                        <p:cTn id="37" dur="1" fill="hold">
+                                          <p:stCondLst>
+                                            <p:cond delay="0"/>
+                                          </p:stCondLst>
+                                        </p:cTn>
+                                        <p:tgtEl>
+                                          <p:spTgt spid="45"/>
+                                        </p:tgtEl>
+                                        <p:attrNameLst>
+                                          <p:attrName>style.visibility</p:attrName>
+                                        </p:attrNameLst>
+                                      </p:cBhvr>
+                                      <p:to>
+                                        <p:strVal val="visible"/>
+                                      </p:to>
+                                    </p:set>
+                                    <p:animEffect transition="in" filter="fade">
+                                      <p:cBhvr>
+                                        <p:cTn id="38" dur="1000"/>
+                                        <p:tgtEl>
+                                          <p:spTgt spid="45"/>
+                                        </p:tgtEl>
+                                      </p:cBhvr>
+                                    </p:animEffect>
+                                    <p:anim calcmode="lin" valueType="num">
+                                      <p:cBhvr>
+                                        <p:cTn id="39" dur="1000" fill="hold"/>
+                                        <p:tgtEl>
+                                          <p:spTgt spid="45"/>
+                                        </p:tgtEl>
+                                        <p:attrNameLst>
+                                          <p:attrName>ppt_x</p:attrName>
+                                        </p:attrNameLst>
+                                      </p:cBhvr>
+                                      <p:tavLst>
+                                        <p:tav tm="0">
+                                          <p:val>
+                                            <p:strVal val="#ppt_x"/>
+                                          </p:val>
+                                        </p:tav>
+                                        <p:tav tm="100000">
+                                          <p:val>
+                                            <p:strVal val="#ppt_x"/>
+                                          </p:val>
+                                        </p:tav>
+                                      </p:tavLst>
+                                    </p:anim>
+                                    <p:anim calcmode="lin" valueType="num">
+                                      <p:cBhvr>
+                                        <p:cTn id="40" dur="1000" fill="hold"/>
+                                        <p:tgtEl>
+                                          <p:spTgt spid="45"/>
+                                        </p:tgtEl>
+                                        <p:attrNameLst>
+                                          <p:attrName>ppt_y</p:attrName>
+                                        </p:attrNameLst>
+                                      </p:cBhvr>
+                                      <p:tavLst>
+                                        <p:tav tm="0">
+                                          <p:val>
+                                            <p:strVal val="#ppt_y+.1"/>
+                                          </p:val>
+                                        </p:tav>
+                                        <p:tav tm="100000">
+                                          <p:val>
+                                            <p:strVal val="#ppt_y"/>
+                                          </p:val>
+                                        </p:tav>
+                                      </p:tavLst>
+                                    </p:anim>
+                                  </p:childTnLst>
+                                </p:cTn>
+                              </p:par>
+                            </p:childTnLst>
+                          </p:cTn>
+                        </p:par>
+                      </p:childTnLst>
+                    </p:cTn>
+                  </p:par>
+                  <p:par>
+                    <p:cTn id="41" fill="hold">
+                      <p:stCondLst>
+                        <p:cond delay="indefinite"/>
+                      </p:stCondLst>
+                      <p:childTnLst>
+                        <p:par>
+                          <p:cTn id="42" fill="hold">
+                            <p:stCondLst>
+                              <p:cond delay="0"/>
+                            </p:stCondLst>
+                            <p:childTnLst>
+                              <p:par>
+                                <p:cTn id="43" presetID="42" presetClass="entr" presetSubtype="0" fill="hold" nodeType="clickEffect">
+                                  <p:stCondLst>
+                                    <p:cond delay="0"/>
+                                  </p:stCondLst>
+                                  <p:childTnLst>
+                                    <p:set>
+                                      <p:cBhvr>
+                                        <p:cTn id="44" dur="1" fill="hold">
+                                          <p:stCondLst>
+                                            <p:cond delay="0"/>
+                                          </p:stCondLst>
+                                        </p:cTn>
+                                        <p:tgtEl>
+                                          <p:spTgt spid="19"/>
+                                        </p:tgtEl>
+                                        <p:attrNameLst>
+                                          <p:attrName>style.visibility</p:attrName>
+                                        </p:attrNameLst>
+                                      </p:cBhvr>
+                                      <p:to>
+                                        <p:strVal val="visible"/>
+                                      </p:to>
+                                    </p:set>
+                                    <p:animEffect transition="in" filter="fade">
+                                      <p:cBhvr>
+                                        <p:cTn id="45" dur="1000"/>
+                                        <p:tgtEl>
+                                          <p:spTgt spid="19"/>
+                                        </p:tgtEl>
+                                      </p:cBhvr>
+                                    </p:animEffect>
+                                    <p:anim calcmode="lin" valueType="num">
+                                      <p:cBhvr>
+                                        <p:cTn id="46" dur="1000" fill="hold"/>
+                                        <p:tgtEl>
+                                          <p:spTgt spid="19"/>
+                                        </p:tgtEl>
+                                        <p:attrNameLst>
+                                          <p:attrName>ppt_x</p:attrName>
+                                        </p:attrNameLst>
+                                      </p:cBhvr>
+                                      <p:tavLst>
+                                        <p:tav tm="0">
+                                          <p:val>
+                                            <p:strVal val="#ppt_x"/>
+                                          </p:val>
+                                        </p:tav>
+                                        <p:tav tm="100000">
+                                          <p:val>
+                                            <p:strVal val="#ppt_x"/>
+                                          </p:val>
+                                        </p:tav>
+                                      </p:tavLst>
+                                    </p:anim>
+                                    <p:anim calcmode="lin" valueType="num">
+                                      <p:cBhvr>
+                                        <p:cTn id="47" dur="1000" fill="hold"/>
+                                        <p:tgtEl>
+                                          <p:spTgt spid="19"/>
+                                        </p:tgtEl>
+                                        <p:attrNameLst>
+                                          <p:attrName>ppt_y</p:attrName>
+                                        </p:attrNameLst>
+                                      </p:cBhvr>
+                                      <p:tavLst>
+                                        <p:tav tm="0">
+                                          <p:val>
+                                            <p:strVal val="#ppt_y+.1"/>
+                                          </p:val>
+                                        </p:tav>
+                                        <p:tav tm="100000">
+                                          <p:val>
+                                            <p:strVal val="#ppt_y"/>
+                                          </p:val>
+                                        </p:tav>
+                                      </p:tavLst>
+                                    </p:anim>
+                                  </p:childTnLst>
+                                </p:cTn>
+                              </p:par>
+                            </p:childTnLst>
+                          </p:cTn>
+                        </p:par>
+                      </p:childTnLst>
+                    </p:cTn>
+                  </p:par>
+                  <p:par>
+                    <p:cTn id="48" fill="hold">
+                      <p:stCondLst>
+                        <p:cond delay="indefinite"/>
+                      </p:stCondLst>
+                      <p:childTnLst>
+                        <p:par>
+                          <p:cTn id="49" fill="hold">
+                            <p:stCondLst>
+                              <p:cond delay="0"/>
+                            </p:stCondLst>
+                            <p:childTnLst>
+                              <p:par>
+                                <p:cTn id="50" presetID="42" presetClass="entr" presetSubtype="0" fill="hold" nodeType="clickEffect">
+                                  <p:stCondLst>
+                                    <p:cond delay="0"/>
+                                  </p:stCondLst>
+                                  <p:childTnLst>
+                                    <p:set>
+                                      <p:cBhvr>
+                                        <p:cTn id="51" dur="1" fill="hold">
+                                          <p:stCondLst>
+                                            <p:cond delay="0"/>
+                                          </p:stCondLst>
+                                        </p:cTn>
+                                        <p:tgtEl>
+                                          <p:spTgt spid="22"/>
+                                        </p:tgtEl>
+                                        <p:attrNameLst>
+                                          <p:attrName>style.visibility</p:attrName>
+                                        </p:attrNameLst>
+                                      </p:cBhvr>
+                                      <p:to>
+                                        <p:strVal val="visible"/>
+                                      </p:to>
+                                    </p:set>
+                                    <p:animEffect transition="in" filter="fade">
+                                      <p:cBhvr>
+                                        <p:cTn id="52" dur="1000"/>
+                                        <p:tgtEl>
+                                          <p:spTgt spid="22"/>
+                                        </p:tgtEl>
+                                      </p:cBhvr>
+                                    </p:animEffect>
+                                    <p:anim calcmode="lin" valueType="num">
+                                      <p:cBhvr>
+                                        <p:cTn id="53" dur="1000" fill="hold"/>
+                                        <p:tgtEl>
+                                          <p:spTgt spid="22"/>
+                                        </p:tgtEl>
+                                        <p:attrNameLst>
+                                          <p:attrName>ppt_x</p:attrName>
+                                        </p:attrNameLst>
+                                      </p:cBhvr>
+                                      <p:tavLst>
+                                        <p:tav tm="0">
+                                          <p:val>
+                                            <p:strVal val="#ppt_x"/>
+                                          </p:val>
+                                        </p:tav>
+                                        <p:tav tm="100000">
+                                          <p:val>
+                                            <p:strVal val="#ppt_x"/>
+                                          </p:val>
+                                        </p:tav>
+                                      </p:tavLst>
+                                    </p:anim>
+                                    <p:anim calcmode="lin" valueType="num">
+                                      <p:cBhvr>
+                                        <p:cTn id="54" dur="1000" fill="hold"/>
+                                        <p:tgtEl>
+                                          <p:spTgt spid="22"/>
+                                        </p:tgtEl>
+                                        <p:attrNameLst>
+                                          <p:attrName>ppt_y</p:attrName>
+                                        </p:attrNameLst>
+                                      </p:cBhvr>
+                                      <p:tavLst>
+                                        <p:tav tm="0">
+                                          <p:val>
+                                            <p:strVal val="#ppt_y+.1"/>
+                                          </p:val>
+                                        </p:tav>
+                                        <p:tav tm="100000">
+                                          <p:val>
+                                            <p:strVal val="#ppt_y"/>
+                                          </p:val>
+                                        </p:tav>
+                                      </p:tavLst>
+                                    </p:anim>
+                                  </p:childTnLst>
+                                </p:cTn>
+                              </p:par>
+                            </p:childTnLst>
+                          </p:cTn>
+                        </p:par>
+                      </p:childTnLst>
+                    </p:cTn>
+                  </p:par>
+                </p:childTnLst>
+              </p:cTn>
+              <p:prevCondLst>
+                <p:cond evt="onPrev" delay="0">
+                  <p:tgtEl>
+                    <p:sldTgt/>
+                  </p:tgtEl>
+                </p:cond>
+              </p:prevCondLst>
+              <p:nextCondLst>
+                <p:cond evt="onNext" delay="0">
+                  <p:tgtEl>
+                    <p:sldTgt/>
+                  </p:tgtEl>
+                </p:cond>
+              </p:nextCondLst>
+            </p:seq>
+          </p:childTnLst>
+        </p:cTn>
+      </p:par>
+    </p:tnLst>
+  </p:timing>
+</p:sld>
+</file>
+
+<file path=ppt/slides/slide16.xml><?xml version="1.0" encoding="utf-8"?>
+<p:sld xmlns:a="http://schemas.openxmlformats.org/drawingml/2006/main" xmlns:r="http://schemas.openxmlformats.org/officeDocument/2006/relationships" xmlns:p="http://schemas.openxmlformats.org/presentationml/2006/main">
+  <p:cSld>
+    <p:spTree>
+      <p:nvGrpSpPr>
+        <p:cNvPr id="1" name=""/>
+        <p:cNvGrpSpPr/>
+        <p:nvPr/>
+      </p:nvGrpSpPr>
+      <p:grpSpPr>
+        <a:xfrm>
+          <a:off x="0" y="0"/>
+          <a:ext cx="0" cy="0"/>
+          <a:chOff x="0" y="0"/>
+          <a:chExt cx="0" cy="0"/>
+        </a:xfrm>
+      </p:grpSpPr>
+      <p:sp>
+        <p:nvSpPr>
+          <p:cNvPr id="2" name="Заголовок 1">
+            <a:extLst>
+              <a:ext uri="{FF2B5EF4-FFF2-40B4-BE49-F238E27FC236}">
+                <a16:creationId xmlns:a16="http://schemas.microsoft.com/office/drawing/2014/main" id="{5ED3076E-2E51-49BA-B663-2E6FD28DE68E}"/>
+              </a:ext>
+            </a:extLst>
+          </p:cNvPr>
+          <p:cNvSpPr>
+            <a:spLocks noGrp="1"/>
+          </p:cNvSpPr>
+          <p:nvPr>
+            <p:ph type="title"/>
+          </p:nvPr>
+        </p:nvSpPr>
+        <p:spPr/>
+        <p:txBody>
+          <a:bodyPr/>
+          <a:lstStyle/>
+          <a:p>
+            <a:r>
+              <a:rPr lang="ru-RU" dirty="0"/>
+              <a:t>Часть </a:t>
+            </a:r>
+            <a:r>
+              <a:rPr lang="en-US" dirty="0"/>
+              <a:t>5</a:t>
+            </a:r>
+          </a:p>
+        </p:txBody>
+      </p:sp>
+      <p:sp>
+        <p:nvSpPr>
+          <p:cNvPr id="6" name="Дата 5">
+            <a:extLst>
+              <a:ext uri="{FF2B5EF4-FFF2-40B4-BE49-F238E27FC236}">
+                <a16:creationId xmlns:a16="http://schemas.microsoft.com/office/drawing/2014/main" id="{3D389C93-18E8-4B65-9A0C-57EA5FF1262A}"/>
+              </a:ext>
+            </a:extLst>
+          </p:cNvPr>
+          <p:cNvSpPr>
+            <a:spLocks noGrp="1"/>
+          </p:cNvSpPr>
+          <p:nvPr>
+            <p:ph type="dt" sz="half" idx="10"/>
+          </p:nvPr>
+        </p:nvSpPr>
+        <p:spPr/>
+        <p:txBody>
+          <a:bodyPr/>
+          <a:lstStyle/>
+          <a:p>
+            <a:fld id="{2D4A23AA-1D21-4822-8346-CA7E14AECDD0}" type="datetime1">
+              <a:rPr lang="ru-RU" smtClean="0"/>
+              <a:t>01.06.2019</a:t>
+            </a:fld>
+            <a:endParaRPr lang="en-US"/>
+          </a:p>
+        </p:txBody>
+      </p:sp>
+      <p:sp>
+        <p:nvSpPr>
+          <p:cNvPr id="7" name="Нижний колонтитул 6">
+            <a:extLst>
+              <a:ext uri="{FF2B5EF4-FFF2-40B4-BE49-F238E27FC236}">
+                <a16:creationId xmlns:a16="http://schemas.microsoft.com/office/drawing/2014/main" id="{FD3B82CA-042F-4A44-8CC3-391A074B55D4}"/>
+              </a:ext>
+            </a:extLst>
+          </p:cNvPr>
+          <p:cNvSpPr>
+            <a:spLocks noGrp="1"/>
+          </p:cNvSpPr>
+          <p:nvPr>
+            <p:ph type="ftr" sz="quarter" idx="11"/>
+          </p:nvPr>
+        </p:nvSpPr>
+        <p:spPr/>
+        <p:txBody>
+          <a:bodyPr/>
+          <a:lstStyle/>
+          <a:p>
+            <a:r>
+              <a:rPr lang="en-US"/>
+              <a:t>www.calabonga.net</a:t>
+            </a:r>
+          </a:p>
+        </p:txBody>
+      </p:sp>
+      <p:sp>
+        <p:nvSpPr>
+          <p:cNvPr id="8" name="Номер слайда 7">
+            <a:extLst>
+              <a:ext uri="{FF2B5EF4-FFF2-40B4-BE49-F238E27FC236}">
+                <a16:creationId xmlns:a16="http://schemas.microsoft.com/office/drawing/2014/main" id="{04E38101-A6CD-43DF-A008-79A5BF5D68AE}"/>
+              </a:ext>
+            </a:extLst>
+          </p:cNvPr>
+          <p:cNvSpPr>
+            <a:spLocks noGrp="1"/>
+          </p:cNvSpPr>
+          <p:nvPr>
+            <p:ph type="sldNum" sz="quarter" idx="12"/>
+          </p:nvPr>
+        </p:nvSpPr>
+        <p:spPr/>
+        <p:txBody>
+          <a:bodyPr/>
+          <a:lstStyle/>
+          <a:p>
+            <a:fld id="{356453D0-7C6D-4FAD-A87B-D4E72CD04107}" type="slidenum">
+              <a:rPr lang="en-US" smtClean="0"/>
+              <a:t>16</a:t>
+            </a:fld>
+            <a:endParaRPr lang="en-US"/>
+          </a:p>
+        </p:txBody>
+      </p:sp>
+      <p:sp>
+        <p:nvSpPr>
+          <p:cNvPr id="4" name="Прямоугольник 3">
+            <a:extLst>
+              <a:ext uri="{FF2B5EF4-FFF2-40B4-BE49-F238E27FC236}">
+                <a16:creationId xmlns:a16="http://schemas.microsoft.com/office/drawing/2014/main" id="{1886A7E8-2E06-49D0-B5ED-75FD34BA1724}"/>
+              </a:ext>
+            </a:extLst>
+          </p:cNvPr>
+          <p:cNvSpPr/>
+          <p:nvPr/>
+        </p:nvSpPr>
+        <p:spPr>
+          <a:xfrm>
+            <a:off x="702159" y="3711946"/>
+            <a:ext cx="5508393" cy="856971"/>
+          </a:xfrm>
+          <a:prstGeom prst="rect">
+            <a:avLst/>
+          </a:prstGeom>
+          <a:solidFill>
+            <a:schemeClr val="accent3"/>
+          </a:solidFill>
+          <a:ln>
+            <a:solidFill>
+              <a:schemeClr val="tx1"/>
+            </a:solidFill>
+          </a:ln>
+        </p:spPr>
+        <p:style>
+          <a:lnRef idx="2">
+            <a:schemeClr val="accent3">
+              <a:shade val="50000"/>
+            </a:schemeClr>
+          </a:lnRef>
+          <a:fillRef idx="1">
+            <a:schemeClr val="accent3"/>
+          </a:fillRef>
+          <a:effectRef idx="0">
+            <a:schemeClr val="accent3"/>
+          </a:effectRef>
+          <a:fontRef idx="minor">
+            <a:schemeClr val="lt1"/>
+          </a:fontRef>
+        </p:style>
+        <p:txBody>
+          <a:bodyPr rtlCol="0" anchor="ctr"/>
+          <a:lstStyle/>
+          <a:p>
+            <a:pPr algn="ctr"/>
+            <a:r>
+              <a:rPr lang="en-US" sz="3600" dirty="0"/>
+              <a:t>Manager</a:t>
+            </a:r>
+            <a:endParaRPr lang="en-US" sz="2400" dirty="0"/>
+          </a:p>
+        </p:txBody>
+      </p:sp>
+      <p:sp>
+        <p:nvSpPr>
+          <p:cNvPr id="10" name="Прямоугольник 9">
+            <a:extLst>
+              <a:ext uri="{FF2B5EF4-FFF2-40B4-BE49-F238E27FC236}">
+                <a16:creationId xmlns:a16="http://schemas.microsoft.com/office/drawing/2014/main" id="{662627B0-109D-40EE-9066-5446030446A4}"/>
+              </a:ext>
+            </a:extLst>
+          </p:cNvPr>
+          <p:cNvSpPr/>
+          <p:nvPr/>
+        </p:nvSpPr>
+        <p:spPr>
+          <a:xfrm>
+            <a:off x="680321" y="2434273"/>
+            <a:ext cx="1616971" cy="773933"/>
+          </a:xfrm>
+          <a:prstGeom prst="rect">
+            <a:avLst/>
+          </a:prstGeom>
+          <a:solidFill>
+            <a:schemeClr val="accent1">
+              <a:lumMod val="75000"/>
+            </a:schemeClr>
+          </a:solidFill>
+          <a:ln>
+            <a:solidFill>
+              <a:schemeClr val="tx1"/>
+            </a:solidFill>
+          </a:ln>
+        </p:spPr>
+        <p:style>
+          <a:lnRef idx="2">
+            <a:schemeClr val="accent1">
+              <a:shade val="50000"/>
+            </a:schemeClr>
+          </a:lnRef>
+          <a:fillRef idx="1">
+            <a:schemeClr val="accent1"/>
+          </a:fillRef>
+          <a:effectRef idx="0">
+            <a:schemeClr val="accent1"/>
+          </a:effectRef>
+          <a:fontRef idx="minor">
+            <a:schemeClr val="lt1"/>
+          </a:fontRef>
+        </p:style>
+        <p:txBody>
+          <a:bodyPr rtlCol="0" anchor="ctr"/>
+          <a:lstStyle/>
+          <a:p>
+            <a:pPr algn="ctr"/>
+            <a:r>
+              <a:rPr lang="en-US" sz="2400" dirty="0"/>
+              <a:t>Factory</a:t>
+            </a:r>
+          </a:p>
+        </p:txBody>
+      </p:sp>
+      <p:sp>
+        <p:nvSpPr>
+          <p:cNvPr id="11" name="Прямоугольник 10">
+            <a:extLst>
+              <a:ext uri="{FF2B5EF4-FFF2-40B4-BE49-F238E27FC236}">
+                <a16:creationId xmlns:a16="http://schemas.microsoft.com/office/drawing/2014/main" id="{5E68749F-6570-4779-BB2E-06F390F0FCCA}"/>
+              </a:ext>
+            </a:extLst>
+          </p:cNvPr>
+          <p:cNvSpPr/>
+          <p:nvPr/>
+        </p:nvSpPr>
+        <p:spPr>
+          <a:xfrm>
+            <a:off x="2625861" y="2434273"/>
+            <a:ext cx="1616971" cy="773933"/>
+          </a:xfrm>
+          <a:prstGeom prst="rect">
+            <a:avLst/>
+          </a:prstGeom>
+          <a:solidFill>
+            <a:schemeClr val="accent1">
+              <a:lumMod val="75000"/>
+            </a:schemeClr>
+          </a:solidFill>
+          <a:ln>
+            <a:solidFill>
+              <a:schemeClr val="tx1"/>
+            </a:solidFill>
+          </a:ln>
+        </p:spPr>
+        <p:style>
+          <a:lnRef idx="2">
+            <a:schemeClr val="accent1">
+              <a:shade val="50000"/>
+            </a:schemeClr>
+          </a:lnRef>
+          <a:fillRef idx="1">
+            <a:schemeClr val="accent1"/>
+          </a:fillRef>
+          <a:effectRef idx="0">
+            <a:schemeClr val="accent1"/>
+          </a:effectRef>
+          <a:fontRef idx="minor">
+            <a:schemeClr val="lt1"/>
+          </a:fontRef>
+        </p:style>
+        <p:txBody>
+          <a:bodyPr rtlCol="0" anchor="ctr"/>
+          <a:lstStyle/>
+          <a:p>
+            <a:pPr algn="ctr"/>
+            <a:r>
+              <a:rPr lang="en-US" sz="2400" dirty="0"/>
+              <a:t>Validator</a:t>
+            </a:r>
+          </a:p>
+        </p:txBody>
+      </p:sp>
+      <p:sp>
+        <p:nvSpPr>
+          <p:cNvPr id="5" name="Стрелка: вниз 4">
+            <a:extLst>
+              <a:ext uri="{FF2B5EF4-FFF2-40B4-BE49-F238E27FC236}">
+                <a16:creationId xmlns:a16="http://schemas.microsoft.com/office/drawing/2014/main" id="{EF314145-02C2-4926-BBC9-0FD8A27217D6}"/>
+              </a:ext>
+            </a:extLst>
+          </p:cNvPr>
+          <p:cNvSpPr/>
+          <p:nvPr/>
+        </p:nvSpPr>
+        <p:spPr>
+          <a:xfrm>
+            <a:off x="1273422" y="3223483"/>
+            <a:ext cx="372784" cy="714097"/>
+          </a:xfrm>
+          <a:prstGeom prst="downArrow">
+            <a:avLst/>
+          </a:prstGeom>
+          <a:ln>
+            <a:headEnd type="none" w="med" len="med"/>
+            <a:tailEnd type="none" w="med" len="med"/>
+          </a:ln>
+        </p:spPr>
+        <p:style>
+          <a:lnRef idx="2">
+            <a:schemeClr val="accent5">
+              <a:shade val="50000"/>
+            </a:schemeClr>
+          </a:lnRef>
+          <a:fillRef idx="1">
+            <a:schemeClr val="accent5"/>
+          </a:fillRef>
+          <a:effectRef idx="0">
+            <a:schemeClr val="accent5"/>
+          </a:effectRef>
+          <a:fontRef idx="minor">
+            <a:schemeClr val="lt1"/>
+          </a:fontRef>
+        </p:style>
+        <p:txBody>
+          <a:bodyPr rtlCol="0" anchor="ctr"/>
+          <a:lstStyle/>
+          <a:p>
+            <a:pPr algn="ctr"/>
+            <a:endParaRPr lang="en-US" sz="2400"/>
+          </a:p>
+        </p:txBody>
+      </p:sp>
+      <p:sp>
+        <p:nvSpPr>
+          <p:cNvPr id="12" name="Стрелка: вниз 11">
+            <a:extLst>
+              <a:ext uri="{FF2B5EF4-FFF2-40B4-BE49-F238E27FC236}">
+                <a16:creationId xmlns:a16="http://schemas.microsoft.com/office/drawing/2014/main" id="{F642CC4C-4E7F-4EB3-AB12-32D833D7B747}"/>
+              </a:ext>
+            </a:extLst>
+          </p:cNvPr>
+          <p:cNvSpPr/>
+          <p:nvPr/>
+        </p:nvSpPr>
+        <p:spPr>
+          <a:xfrm>
+            <a:off x="3247954" y="3223483"/>
+            <a:ext cx="372784" cy="714098"/>
+          </a:xfrm>
+          <a:prstGeom prst="downArrow">
+            <a:avLst/>
+          </a:prstGeom>
+          <a:ln>
+            <a:headEnd type="none" w="med" len="med"/>
+            <a:tailEnd type="none" w="med" len="med"/>
+          </a:ln>
+        </p:spPr>
+        <p:style>
+          <a:lnRef idx="2">
+            <a:schemeClr val="accent5">
+              <a:shade val="50000"/>
+            </a:schemeClr>
+          </a:lnRef>
+          <a:fillRef idx="1">
+            <a:schemeClr val="accent5"/>
+          </a:fillRef>
+          <a:effectRef idx="0">
+            <a:schemeClr val="accent5"/>
+          </a:effectRef>
+          <a:fontRef idx="minor">
+            <a:schemeClr val="lt1"/>
+          </a:fontRef>
+        </p:style>
+        <p:txBody>
+          <a:bodyPr rtlCol="0" anchor="ctr"/>
+          <a:lstStyle/>
+          <a:p>
+            <a:pPr algn="ctr"/>
+            <a:endParaRPr lang="en-US" sz="2400"/>
+          </a:p>
+        </p:txBody>
+      </p:sp>
+      <p:sp>
+        <p:nvSpPr>
+          <p:cNvPr id="17" name="Прямоугольник 16">
+            <a:extLst>
+              <a:ext uri="{FF2B5EF4-FFF2-40B4-BE49-F238E27FC236}">
+                <a16:creationId xmlns:a16="http://schemas.microsoft.com/office/drawing/2014/main" id="{CAED0A7B-B71F-4E9C-96A6-C1B216A9591B}"/>
+              </a:ext>
+            </a:extLst>
+          </p:cNvPr>
+          <p:cNvSpPr/>
+          <p:nvPr/>
+        </p:nvSpPr>
+        <p:spPr>
+          <a:xfrm>
+            <a:off x="4571743" y="2441783"/>
+            <a:ext cx="1616971" cy="773933"/>
+          </a:xfrm>
+          <a:prstGeom prst="rect">
+            <a:avLst/>
+          </a:prstGeom>
+          <a:solidFill>
+            <a:schemeClr val="accent1">
+              <a:lumMod val="75000"/>
+            </a:schemeClr>
+          </a:solidFill>
+          <a:ln>
+            <a:solidFill>
+              <a:schemeClr val="tx1"/>
+            </a:solidFill>
+          </a:ln>
+        </p:spPr>
+        <p:style>
+          <a:lnRef idx="2">
+            <a:schemeClr val="accent1">
+              <a:shade val="50000"/>
+            </a:schemeClr>
+          </a:lnRef>
+          <a:fillRef idx="1">
+            <a:schemeClr val="accent1"/>
+          </a:fillRef>
+          <a:effectRef idx="0">
+            <a:schemeClr val="accent1"/>
+          </a:effectRef>
+          <a:fontRef idx="minor">
+            <a:schemeClr val="lt1"/>
+          </a:fontRef>
+        </p:style>
+        <p:txBody>
+          <a:bodyPr rtlCol="0" anchor="ctr"/>
+          <a:lstStyle/>
+          <a:p>
+            <a:pPr algn="ctr"/>
+            <a:r>
+              <a:rPr lang="en-US" sz="2400" dirty="0"/>
+              <a:t>Mapper</a:t>
+            </a:r>
+          </a:p>
+        </p:txBody>
+      </p:sp>
+      <p:sp>
+        <p:nvSpPr>
+          <p:cNvPr id="18" name="Стрелка: вниз 17">
+            <a:extLst>
+              <a:ext uri="{FF2B5EF4-FFF2-40B4-BE49-F238E27FC236}">
+                <a16:creationId xmlns:a16="http://schemas.microsoft.com/office/drawing/2014/main" id="{DFB5850E-A844-4E7C-A99E-4A7460D6A85D}"/>
+              </a:ext>
+            </a:extLst>
+          </p:cNvPr>
+          <p:cNvSpPr/>
+          <p:nvPr/>
+        </p:nvSpPr>
+        <p:spPr>
+          <a:xfrm>
+            <a:off x="5229564" y="3210481"/>
+            <a:ext cx="372784" cy="696009"/>
+          </a:xfrm>
+          <a:prstGeom prst="downArrow">
+            <a:avLst/>
+          </a:prstGeom>
+          <a:ln>
+            <a:headEnd type="none" w="med" len="med"/>
+            <a:tailEnd type="none" w="med" len="med"/>
+          </a:ln>
+        </p:spPr>
+        <p:style>
+          <a:lnRef idx="2">
+            <a:schemeClr val="accent5">
+              <a:shade val="50000"/>
+            </a:schemeClr>
+          </a:lnRef>
+          <a:fillRef idx="1">
+            <a:schemeClr val="accent5"/>
+          </a:fillRef>
+          <a:effectRef idx="0">
+            <a:schemeClr val="accent5"/>
+          </a:effectRef>
+          <a:fontRef idx="minor">
+            <a:schemeClr val="lt1"/>
+          </a:fontRef>
+        </p:style>
+        <p:txBody>
+          <a:bodyPr rtlCol="0" anchor="ctr"/>
+          <a:lstStyle/>
+          <a:p>
+            <a:pPr algn="ctr"/>
+            <a:endParaRPr lang="en-US" sz="2400"/>
+          </a:p>
+        </p:txBody>
+      </p:sp>
+      <p:grpSp>
+        <p:nvGrpSpPr>
+          <p:cNvPr id="19" name="Группа 18">
+            <a:extLst>
+              <a:ext uri="{FF2B5EF4-FFF2-40B4-BE49-F238E27FC236}">
+                <a16:creationId xmlns:a16="http://schemas.microsoft.com/office/drawing/2014/main" id="{944DF81C-E21F-4452-AA47-C385424D9A4A}"/>
+              </a:ext>
+            </a:extLst>
+          </p:cNvPr>
+          <p:cNvGrpSpPr/>
+          <p:nvPr/>
+        </p:nvGrpSpPr>
+        <p:grpSpPr>
+          <a:xfrm>
+            <a:off x="7043886" y="2449550"/>
+            <a:ext cx="2933929" cy="954378"/>
+            <a:chOff x="3339985" y="2054871"/>
+            <a:chExt cx="2933929" cy="1760357"/>
+          </a:xfrm>
+        </p:grpSpPr>
+        <p:sp>
+          <p:nvSpPr>
+            <p:cNvPr id="20" name="Прямоугольник 19">
+              <a:extLst>
+                <a:ext uri="{FF2B5EF4-FFF2-40B4-BE49-F238E27FC236}">
+                  <a16:creationId xmlns:a16="http://schemas.microsoft.com/office/drawing/2014/main" id="{9E47F602-BB93-484A-ADDC-45F34063C629}"/>
+                </a:ext>
+              </a:extLst>
+            </p:cNvPr>
+            <p:cNvSpPr/>
+            <p:nvPr/>
+          </p:nvSpPr>
+          <p:spPr>
+            <a:xfrm>
+              <a:off x="3339985" y="2054871"/>
+              <a:ext cx="2933929" cy="1760357"/>
+            </a:xfrm>
+            <a:prstGeom prst="rect">
+              <a:avLst/>
+            </a:prstGeom>
+            <a:solidFill>
+              <a:srgbClr val="31C1BE"/>
+            </a:solidFill>
+          </p:spPr>
+          <p:style>
+            <a:lnRef idx="2">
+              <a:schemeClr val="lt1">
+                <a:hueOff val="0"/>
+                <a:satOff val="0"/>
+                <a:lumOff val="0"/>
+                <a:alphaOff val="0"/>
+              </a:schemeClr>
+            </a:lnRef>
+            <a:fillRef idx="1">
+              <a:scrgbClr r="0" g="0" b="0"/>
+            </a:fillRef>
+            <a:effectRef idx="0">
+              <a:schemeClr val="accent1">
+                <a:hueOff val="0"/>
+                <a:satOff val="0"/>
+                <a:lumOff val="0"/>
+                <a:alphaOff val="0"/>
+              </a:schemeClr>
+            </a:effectRef>
+            <a:fontRef idx="minor">
+              <a:schemeClr val="lt1"/>
+            </a:fontRef>
+          </p:style>
+        </p:sp>
+        <p:sp>
+          <p:nvSpPr>
+            <p:cNvPr id="21" name="TextBox 20">
+              <a:extLst>
+                <a:ext uri="{FF2B5EF4-FFF2-40B4-BE49-F238E27FC236}">
+                  <a16:creationId xmlns:a16="http://schemas.microsoft.com/office/drawing/2014/main" id="{3E3DBCCB-2112-4899-A165-11DF76F8E565}"/>
+                </a:ext>
+              </a:extLst>
+            </p:cNvPr>
+            <p:cNvSpPr txBox="1"/>
+            <p:nvPr/>
+          </p:nvSpPr>
+          <p:spPr>
+            <a:xfrm>
+              <a:off x="3339985" y="2054871"/>
+              <a:ext cx="2933929" cy="1760357"/>
+            </a:xfrm>
+            <a:prstGeom prst="rect">
+              <a:avLst/>
+            </a:prstGeom>
+          </p:spPr>
+          <p:style>
+            <a:lnRef idx="0">
+              <a:scrgbClr r="0" g="0" b="0"/>
+            </a:lnRef>
+            <a:fillRef idx="0">
+              <a:scrgbClr r="0" g="0" b="0"/>
+            </a:fillRef>
+            <a:effectRef idx="0">
+              <a:scrgbClr r="0" g="0" b="0"/>
+            </a:effectRef>
+            <a:fontRef idx="minor">
+              <a:schemeClr val="lt1"/>
+            </a:fontRef>
+          </p:style>
+          <p:txBody>
+            <a:bodyPr spcFirstLastPara="0" vert="horz" wrap="square" lIns="133350" tIns="133350" rIns="133350" bIns="133350" numCol="1" spcCol="1270" anchor="ctr" anchorCtr="0">
+              <a:noAutofit/>
+            </a:bodyPr>
+            <a:lstStyle/>
+            <a:p>
+              <a:pPr marL="0" lvl="0" indent="0" algn="ctr" defTabSz="1555750">
+                <a:lnSpc>
+                  <a:spcPct val="90000"/>
+                </a:lnSpc>
+                <a:spcBef>
+                  <a:spcPct val="0"/>
+                </a:spcBef>
+                <a:spcAft>
+                  <a:spcPct val="35000"/>
+                </a:spcAft>
+                <a:buNone/>
+              </a:pPr>
+              <a:r>
+                <a:rPr lang="en-US" sz="2400" kern="1200" dirty="0" err="1"/>
+                <a:t>ViewModels</a:t>
+              </a:r>
+              <a:endParaRPr lang="en-US" sz="2000" kern="1200" dirty="0"/>
+            </a:p>
+          </p:txBody>
+        </p:sp>
+      </p:grpSp>
+      <p:grpSp>
+        <p:nvGrpSpPr>
+          <p:cNvPr id="22" name="Группа 21">
+            <a:extLst>
+              <a:ext uri="{FF2B5EF4-FFF2-40B4-BE49-F238E27FC236}">
+                <a16:creationId xmlns:a16="http://schemas.microsoft.com/office/drawing/2014/main" id="{D312260F-69B1-473A-AB98-4086BC4703E7}"/>
+              </a:ext>
+            </a:extLst>
+          </p:cNvPr>
+          <p:cNvGrpSpPr/>
+          <p:nvPr/>
+        </p:nvGrpSpPr>
+        <p:grpSpPr>
+          <a:xfrm>
+            <a:off x="7043886" y="3562183"/>
+            <a:ext cx="2933929" cy="954378"/>
+            <a:chOff x="6567307" y="2054871"/>
+            <a:chExt cx="2933929" cy="1760357"/>
+          </a:xfrm>
+        </p:grpSpPr>
+        <p:sp>
+          <p:nvSpPr>
+            <p:cNvPr id="23" name="Прямоугольник 22">
+              <a:extLst>
+                <a:ext uri="{FF2B5EF4-FFF2-40B4-BE49-F238E27FC236}">
+                  <a16:creationId xmlns:a16="http://schemas.microsoft.com/office/drawing/2014/main" id="{149786FE-9F72-4BCF-A1FF-0E2B4FB72AC7}"/>
+                </a:ext>
+              </a:extLst>
+            </p:cNvPr>
+            <p:cNvSpPr/>
+            <p:nvPr/>
+          </p:nvSpPr>
+          <p:spPr>
+            <a:xfrm>
+              <a:off x="6567307" y="2054871"/>
+              <a:ext cx="2933929" cy="1760357"/>
+            </a:xfrm>
+            <a:prstGeom prst="rect">
+              <a:avLst/>
+            </a:prstGeom>
+          </p:spPr>
+          <p:style>
+            <a:lnRef idx="2">
+              <a:schemeClr val="lt1">
+                <a:hueOff val="0"/>
+                <a:satOff val="0"/>
+                <a:lumOff val="0"/>
+                <a:alphaOff val="0"/>
+              </a:schemeClr>
+            </a:lnRef>
+            <a:fillRef idx="1">
+              <a:schemeClr val="accent1">
+                <a:hueOff val="0"/>
+                <a:satOff val="0"/>
+                <a:lumOff val="0"/>
+                <a:alphaOff val="0"/>
+              </a:schemeClr>
+            </a:fillRef>
+            <a:effectRef idx="0">
+              <a:schemeClr val="accent1">
+                <a:hueOff val="0"/>
+                <a:satOff val="0"/>
+                <a:lumOff val="0"/>
+                <a:alphaOff val="0"/>
+              </a:schemeClr>
+            </a:effectRef>
+            <a:fontRef idx="minor">
+              <a:schemeClr val="lt1"/>
+            </a:fontRef>
+          </p:style>
+        </p:sp>
+        <p:sp>
+          <p:nvSpPr>
+            <p:cNvPr id="24" name="TextBox 23">
+              <a:extLst>
+                <a:ext uri="{FF2B5EF4-FFF2-40B4-BE49-F238E27FC236}">
+                  <a16:creationId xmlns:a16="http://schemas.microsoft.com/office/drawing/2014/main" id="{F1AA0C2C-ACCE-4FBE-B969-74E047831495}"/>
+                </a:ext>
+              </a:extLst>
+            </p:cNvPr>
+            <p:cNvSpPr txBox="1"/>
+            <p:nvPr/>
+          </p:nvSpPr>
+          <p:spPr>
+            <a:xfrm>
+              <a:off x="6567307" y="2054871"/>
+              <a:ext cx="2933929" cy="1760357"/>
+            </a:xfrm>
+            <a:prstGeom prst="rect">
+              <a:avLst/>
+            </a:prstGeom>
+          </p:spPr>
+          <p:style>
+            <a:lnRef idx="0">
+              <a:scrgbClr r="0" g="0" b="0"/>
+            </a:lnRef>
+            <a:fillRef idx="0">
+              <a:scrgbClr r="0" g="0" b="0"/>
+            </a:fillRef>
+            <a:effectRef idx="0">
+              <a:scrgbClr r="0" g="0" b="0"/>
+            </a:effectRef>
+            <a:fontRef idx="minor">
+              <a:schemeClr val="lt1"/>
+            </a:fontRef>
+          </p:style>
+          <p:txBody>
+            <a:bodyPr spcFirstLastPara="0" vert="horz" wrap="square" lIns="133350" tIns="133350" rIns="133350" bIns="133350" numCol="1" spcCol="1270" anchor="ctr" anchorCtr="0">
+              <a:noAutofit/>
+            </a:bodyPr>
+            <a:lstStyle/>
+            <a:p>
+              <a:pPr marL="0" lvl="0" indent="0" algn="ctr" defTabSz="1555750">
+                <a:lnSpc>
+                  <a:spcPct val="90000"/>
+                </a:lnSpc>
+                <a:spcBef>
+                  <a:spcPct val="0"/>
+                </a:spcBef>
+                <a:spcAft>
+                  <a:spcPct val="35000"/>
+                </a:spcAft>
+                <a:buNone/>
+              </a:pPr>
+              <a:r>
+                <a:rPr lang="en-US" sz="2400" kern="1200" dirty="0" err="1"/>
+                <a:t>QueryParams</a:t>
+              </a:r>
+              <a:endParaRPr lang="en-US" sz="2400" kern="1200" dirty="0"/>
+            </a:p>
+          </p:txBody>
+        </p:sp>
+      </p:grpSp>
+      <p:sp>
+        <p:nvSpPr>
+          <p:cNvPr id="31" name="Прямоугольник 30">
+            <a:extLst>
+              <a:ext uri="{FF2B5EF4-FFF2-40B4-BE49-F238E27FC236}">
+                <a16:creationId xmlns:a16="http://schemas.microsoft.com/office/drawing/2014/main" id="{B370D1FF-46F5-4217-8F7C-122558291C05}"/>
+              </a:ext>
+            </a:extLst>
+          </p:cNvPr>
+          <p:cNvSpPr/>
+          <p:nvPr/>
+        </p:nvSpPr>
+        <p:spPr>
+          <a:xfrm>
+            <a:off x="1712989" y="2387330"/>
+            <a:ext cx="670391" cy="237389"/>
+          </a:xfrm>
+          <a:prstGeom prst="rect">
+            <a:avLst/>
+          </a:prstGeom>
+          <a:solidFill>
+            <a:srgbClr val="007AFF"/>
+          </a:solidFill>
+          <a:ln>
+            <a:solidFill>
+              <a:srgbClr val="007AFF"/>
+            </a:solidFill>
+          </a:ln>
+        </p:spPr>
+        <p:style>
+          <a:lnRef idx="2">
+            <a:schemeClr val="accent1">
+              <a:shade val="50000"/>
+            </a:schemeClr>
+          </a:lnRef>
+          <a:fillRef idx="1">
+            <a:schemeClr val="accent1"/>
+          </a:fillRef>
+          <a:effectRef idx="0">
+            <a:schemeClr val="accent1"/>
+          </a:effectRef>
+          <a:fontRef idx="minor">
+            <a:schemeClr val="lt1"/>
+          </a:fontRef>
+        </p:style>
+        <p:txBody>
+          <a:bodyPr rtlCol="0" anchor="ctr"/>
+          <a:lstStyle/>
+          <a:p>
+            <a:pPr algn="ctr"/>
+            <a:r>
+              <a:rPr lang="en-US" sz="1200" dirty="0"/>
+              <a:t>base</a:t>
+            </a:r>
+          </a:p>
+        </p:txBody>
+      </p:sp>
+      <p:sp>
+        <p:nvSpPr>
+          <p:cNvPr id="32" name="Прямоугольник 31">
+            <a:extLst>
+              <a:ext uri="{FF2B5EF4-FFF2-40B4-BE49-F238E27FC236}">
+                <a16:creationId xmlns:a16="http://schemas.microsoft.com/office/drawing/2014/main" id="{D7252D78-A5C0-4EBA-9A11-75B0F51C0476}"/>
+              </a:ext>
+            </a:extLst>
+          </p:cNvPr>
+          <p:cNvSpPr/>
+          <p:nvPr/>
+        </p:nvSpPr>
+        <p:spPr>
+          <a:xfrm>
+            <a:off x="3693681" y="2376298"/>
+            <a:ext cx="670391" cy="237389"/>
+          </a:xfrm>
+          <a:prstGeom prst="rect">
+            <a:avLst/>
+          </a:prstGeom>
+          <a:solidFill>
+            <a:srgbClr val="007AFF"/>
+          </a:solidFill>
+          <a:ln>
+            <a:solidFill>
+              <a:srgbClr val="007AFF"/>
+            </a:solidFill>
+          </a:ln>
+        </p:spPr>
+        <p:style>
+          <a:lnRef idx="2">
+            <a:schemeClr val="accent1">
+              <a:shade val="50000"/>
+            </a:schemeClr>
+          </a:lnRef>
+          <a:fillRef idx="1">
+            <a:schemeClr val="accent1"/>
+          </a:fillRef>
+          <a:effectRef idx="0">
+            <a:schemeClr val="accent1"/>
+          </a:effectRef>
+          <a:fontRef idx="minor">
+            <a:schemeClr val="lt1"/>
+          </a:fontRef>
+        </p:style>
+        <p:txBody>
+          <a:bodyPr rtlCol="0" anchor="ctr"/>
+          <a:lstStyle/>
+          <a:p>
+            <a:pPr algn="ctr"/>
+            <a:r>
+              <a:rPr lang="en-US" sz="1200" dirty="0"/>
+              <a:t>base</a:t>
+            </a:r>
+          </a:p>
+        </p:txBody>
+      </p:sp>
+      <p:sp>
+        <p:nvSpPr>
+          <p:cNvPr id="33" name="Прямоугольник 32">
+            <a:extLst>
+              <a:ext uri="{FF2B5EF4-FFF2-40B4-BE49-F238E27FC236}">
+                <a16:creationId xmlns:a16="http://schemas.microsoft.com/office/drawing/2014/main" id="{6BFF95A4-CDB1-4C11-AF46-0270C4409E39}"/>
+              </a:ext>
+            </a:extLst>
+          </p:cNvPr>
+          <p:cNvSpPr/>
+          <p:nvPr/>
+        </p:nvSpPr>
+        <p:spPr>
+          <a:xfrm>
+            <a:off x="5695375" y="2377110"/>
+            <a:ext cx="670391" cy="237389"/>
+          </a:xfrm>
+          <a:prstGeom prst="rect">
+            <a:avLst/>
+          </a:prstGeom>
+          <a:solidFill>
+            <a:schemeClr val="bg1">
+              <a:lumMod val="75000"/>
+              <a:lumOff val="25000"/>
+            </a:schemeClr>
+          </a:solidFill>
+          <a:ln>
+            <a:solidFill>
+              <a:schemeClr val="bg1">
+                <a:lumMod val="75000"/>
+                <a:lumOff val="25000"/>
+              </a:schemeClr>
+            </a:solidFill>
+          </a:ln>
+        </p:spPr>
+        <p:style>
+          <a:lnRef idx="2">
+            <a:schemeClr val="accent1">
+              <a:shade val="50000"/>
+            </a:schemeClr>
+          </a:lnRef>
+          <a:fillRef idx="1">
+            <a:schemeClr val="accent1"/>
+          </a:fillRef>
+          <a:effectRef idx="0">
+            <a:schemeClr val="accent1"/>
+          </a:effectRef>
+          <a:fontRef idx="minor">
+            <a:schemeClr val="lt1"/>
+          </a:fontRef>
+        </p:style>
+        <p:txBody>
+          <a:bodyPr rtlCol="0" anchor="ctr"/>
+          <a:lstStyle/>
+          <a:p>
+            <a:pPr algn="ctr"/>
+            <a:r>
+              <a:rPr lang="en-US" sz="1200" dirty="0"/>
+              <a:t>out</a:t>
+            </a:r>
+          </a:p>
+        </p:txBody>
+      </p:sp>
+      <p:sp>
+        <p:nvSpPr>
+          <p:cNvPr id="34" name="Прямоугольник 33">
+            <a:extLst>
+              <a:ext uri="{FF2B5EF4-FFF2-40B4-BE49-F238E27FC236}">
+                <a16:creationId xmlns:a16="http://schemas.microsoft.com/office/drawing/2014/main" id="{2577E13D-09B2-4994-9AE3-ABEE2B287E01}"/>
+              </a:ext>
+            </a:extLst>
+          </p:cNvPr>
+          <p:cNvSpPr/>
+          <p:nvPr/>
+        </p:nvSpPr>
+        <p:spPr>
+          <a:xfrm>
+            <a:off x="5694515" y="3642285"/>
+            <a:ext cx="670391" cy="237389"/>
+          </a:xfrm>
+          <a:prstGeom prst="rect">
+            <a:avLst/>
+          </a:prstGeom>
+          <a:solidFill>
+            <a:srgbClr val="007AFF"/>
+          </a:solidFill>
+          <a:ln>
+            <a:solidFill>
+              <a:srgbClr val="007AFF"/>
+            </a:solidFill>
+          </a:ln>
+        </p:spPr>
+        <p:style>
+          <a:lnRef idx="2">
+            <a:schemeClr val="accent1">
+              <a:shade val="50000"/>
+            </a:schemeClr>
+          </a:lnRef>
+          <a:fillRef idx="1">
+            <a:schemeClr val="accent1"/>
+          </a:fillRef>
+          <a:effectRef idx="0">
+            <a:schemeClr val="accent1"/>
+          </a:effectRef>
+          <a:fontRef idx="minor">
+            <a:schemeClr val="lt1"/>
+          </a:fontRef>
+        </p:style>
+        <p:txBody>
+          <a:bodyPr rtlCol="0" anchor="ctr"/>
+          <a:lstStyle/>
+          <a:p>
+            <a:pPr algn="ctr"/>
+            <a:r>
+              <a:rPr lang="en-US" sz="1200" dirty="0"/>
+              <a:t>base</a:t>
+            </a:r>
+          </a:p>
+        </p:txBody>
+      </p:sp>
+      <p:sp>
+        <p:nvSpPr>
+          <p:cNvPr id="35" name="Прямоугольник 34">
+            <a:extLst>
+              <a:ext uri="{FF2B5EF4-FFF2-40B4-BE49-F238E27FC236}">
+                <a16:creationId xmlns:a16="http://schemas.microsoft.com/office/drawing/2014/main" id="{9FA382E4-D625-44DC-9095-6833435F7A3D}"/>
+              </a:ext>
+            </a:extLst>
+          </p:cNvPr>
+          <p:cNvSpPr/>
+          <p:nvPr/>
+        </p:nvSpPr>
+        <p:spPr>
+          <a:xfrm>
+            <a:off x="9423060" y="3514812"/>
+            <a:ext cx="670391" cy="237389"/>
+          </a:xfrm>
+          <a:prstGeom prst="rect">
+            <a:avLst/>
+          </a:prstGeom>
+          <a:solidFill>
+            <a:srgbClr val="007AFF"/>
+          </a:solidFill>
+          <a:ln>
+            <a:solidFill>
+              <a:srgbClr val="007AFF"/>
+            </a:solidFill>
+          </a:ln>
+        </p:spPr>
+        <p:style>
+          <a:lnRef idx="2">
+            <a:schemeClr val="accent1">
+              <a:shade val="50000"/>
+            </a:schemeClr>
+          </a:lnRef>
+          <a:fillRef idx="1">
+            <a:schemeClr val="accent1"/>
+          </a:fillRef>
+          <a:effectRef idx="0">
+            <a:schemeClr val="accent1"/>
+          </a:effectRef>
+          <a:fontRef idx="minor">
+            <a:schemeClr val="lt1"/>
+          </a:fontRef>
+        </p:style>
+        <p:txBody>
+          <a:bodyPr rtlCol="0" anchor="ctr"/>
+          <a:lstStyle/>
+          <a:p>
+            <a:pPr algn="ctr"/>
+            <a:r>
+              <a:rPr lang="en-US" sz="1200" dirty="0"/>
+              <a:t>base</a:t>
+            </a:r>
+          </a:p>
+        </p:txBody>
+      </p:sp>
+      <p:sp>
+        <p:nvSpPr>
+          <p:cNvPr id="36" name="Прямоугольник 35">
+            <a:extLst>
+              <a:ext uri="{FF2B5EF4-FFF2-40B4-BE49-F238E27FC236}">
+                <a16:creationId xmlns:a16="http://schemas.microsoft.com/office/drawing/2014/main" id="{A155E14C-EE0C-4270-A3C0-BBDE5625D7B1}"/>
+              </a:ext>
+            </a:extLst>
+          </p:cNvPr>
+          <p:cNvSpPr/>
+          <p:nvPr/>
+        </p:nvSpPr>
+        <p:spPr>
+          <a:xfrm>
+            <a:off x="696705" y="5399754"/>
+            <a:ext cx="9337311" cy="856971"/>
+          </a:xfrm>
+          <a:prstGeom prst="rect">
+            <a:avLst/>
+          </a:prstGeom>
+          <a:solidFill>
+            <a:schemeClr val="accent5">
+              <a:lumMod val="50000"/>
+            </a:schemeClr>
+          </a:solidFill>
+          <a:ln>
+            <a:solidFill>
+              <a:schemeClr val="tx1"/>
+            </a:solidFill>
+          </a:ln>
+        </p:spPr>
+        <p:style>
+          <a:lnRef idx="2">
+            <a:schemeClr val="accent3">
+              <a:shade val="50000"/>
+            </a:schemeClr>
+          </a:lnRef>
+          <a:fillRef idx="1">
+            <a:schemeClr val="accent3"/>
+          </a:fillRef>
+          <a:effectRef idx="0">
+            <a:schemeClr val="accent3"/>
+          </a:effectRef>
+          <a:fontRef idx="minor">
+            <a:schemeClr val="lt1"/>
+          </a:fontRef>
+        </p:style>
+        <p:txBody>
+          <a:bodyPr rtlCol="0" anchor="ctr"/>
+          <a:lstStyle/>
+          <a:p>
+            <a:pPr algn="ctr"/>
+            <a:r>
+              <a:rPr lang="en-US" sz="3600" dirty="0" err="1"/>
+              <a:t>WritableController</a:t>
+            </a:r>
+            <a:endParaRPr lang="en-US" sz="2400" dirty="0"/>
+          </a:p>
+        </p:txBody>
+      </p:sp>
+      <p:sp>
+        <p:nvSpPr>
+          <p:cNvPr id="26" name="TextBox 25">
+            <a:extLst>
+              <a:ext uri="{FF2B5EF4-FFF2-40B4-BE49-F238E27FC236}">
+                <a16:creationId xmlns:a16="http://schemas.microsoft.com/office/drawing/2014/main" id="{C7768A47-3047-4BEF-A427-E1BB5076B354}"/>
+              </a:ext>
+            </a:extLst>
+          </p:cNvPr>
+          <p:cNvSpPr txBox="1"/>
+          <p:nvPr/>
+        </p:nvSpPr>
+        <p:spPr>
+          <a:xfrm>
+            <a:off x="1006719" y="5136849"/>
+            <a:ext cx="8717281" cy="443505"/>
+          </a:xfrm>
+          <a:prstGeom prst="rect">
+            <a:avLst/>
+          </a:prstGeom>
+          <a:solidFill>
+            <a:schemeClr val="accent6">
+              <a:lumMod val="75000"/>
+            </a:schemeClr>
+          </a:solidFill>
+          <a:ln>
+            <a:solidFill>
+              <a:schemeClr val="tx1"/>
+            </a:solidFill>
+          </a:ln>
+        </p:spPr>
+        <p:style>
+          <a:lnRef idx="0">
+            <a:scrgbClr r="0" g="0" b="0"/>
+          </a:lnRef>
+          <a:fillRef idx="0">
+            <a:scrgbClr r="0" g="0" b="0"/>
+          </a:fillRef>
+          <a:effectRef idx="0">
+            <a:scrgbClr r="0" g="0" b="0"/>
+          </a:effectRef>
+          <a:fontRef idx="minor">
+            <a:schemeClr val="lt1"/>
+          </a:fontRef>
+        </p:style>
+        <p:txBody>
+          <a:bodyPr spcFirstLastPara="0" vert="horz" wrap="square" lIns="133350" tIns="133350" rIns="133350" bIns="133350" numCol="1" spcCol="1270" anchor="ctr" anchorCtr="0">
+            <a:noAutofit/>
+          </a:bodyPr>
+          <a:lstStyle/>
+          <a:p>
+            <a:pPr lvl="0" algn="ctr" defTabSz="1555750">
+              <a:lnSpc>
+                <a:spcPct val="90000"/>
+              </a:lnSpc>
+              <a:spcBef>
+                <a:spcPct val="0"/>
+              </a:spcBef>
+              <a:spcAft>
+                <a:spcPct val="35000"/>
+              </a:spcAft>
+            </a:pPr>
+            <a:r>
+              <a:rPr lang="en-US" sz="2400" dirty="0" err="1"/>
+              <a:t>UnitOfWork</a:t>
+            </a:r>
+            <a:endParaRPr lang="en-US" sz="2400" kern="1200" dirty="0"/>
+          </a:p>
+        </p:txBody>
+      </p:sp>
+      <p:sp>
+        <p:nvSpPr>
+          <p:cNvPr id="37" name="Стрелка: вниз 36">
+            <a:extLst>
+              <a:ext uri="{FF2B5EF4-FFF2-40B4-BE49-F238E27FC236}">
+                <a16:creationId xmlns:a16="http://schemas.microsoft.com/office/drawing/2014/main" id="{572E5BC6-61F5-43A1-9B70-31CC6C88AEF4}"/>
+              </a:ext>
+            </a:extLst>
+          </p:cNvPr>
+          <p:cNvSpPr/>
+          <p:nvPr/>
+        </p:nvSpPr>
+        <p:spPr>
+          <a:xfrm>
+            <a:off x="3247954" y="4601108"/>
+            <a:ext cx="372784" cy="909675"/>
+          </a:xfrm>
+          <a:prstGeom prst="downArrow">
+            <a:avLst/>
+          </a:prstGeom>
+          <a:ln>
+            <a:headEnd type="none" w="med" len="med"/>
+            <a:tailEnd type="none" w="med" len="med"/>
+          </a:ln>
+        </p:spPr>
+        <p:style>
+          <a:lnRef idx="2">
+            <a:schemeClr val="accent5">
+              <a:shade val="50000"/>
+            </a:schemeClr>
+          </a:lnRef>
+          <a:fillRef idx="1">
+            <a:schemeClr val="accent5"/>
+          </a:fillRef>
+          <a:effectRef idx="0">
+            <a:schemeClr val="accent5"/>
+          </a:effectRef>
+          <a:fontRef idx="minor">
+            <a:schemeClr val="lt1"/>
+          </a:fontRef>
+        </p:style>
+        <p:txBody>
+          <a:bodyPr rtlCol="0" anchor="ctr"/>
+          <a:lstStyle/>
+          <a:p>
+            <a:pPr algn="ctr"/>
+            <a:endParaRPr lang="en-US" sz="2400"/>
+          </a:p>
+        </p:txBody>
+      </p:sp>
+    </p:spTree>
+    <p:extLst>
+      <p:ext uri="{BB962C8B-B14F-4D97-AF65-F5344CB8AC3E}">
+        <p14:creationId xmlns:p14="http://schemas.microsoft.com/office/powerpoint/2010/main" val="1954448144"/>
+      </p:ext>
+    </p:extLst>
+  </p:cSld>
+  <p:clrMapOvr>
+    <a:masterClrMapping/>
+  </p:clrMapOvr>
+  <p:transition spd="med">
+    <p:pull/>
+  </p:transition>
+  <p:timing>
+    <p:tnLst>
+      <p:par>
+        <p:cTn id="1" dur="indefinite" restart="never" nodeType="tmRoot">
+          <p:childTnLst>
+            <p:seq concurrent="1" nextAc="seek">
+              <p:cTn id="2" dur="indefinite" nodeType="mainSeq">
+                <p:childTnLst>
+                  <p:par>
+                    <p:cTn id="3" fill="hold">
+                      <p:stCondLst>
+                        <p:cond delay="indefinite"/>
+                      </p:stCondLst>
+                      <p:childTnLst>
+                        <p:par>
+                          <p:cTn id="4" fill="hold">
+                            <p:stCondLst>
+                              <p:cond delay="0"/>
+                            </p:stCondLst>
+                            <p:childTnLst>
+                              <p:par>
+                                <p:cTn id="5" presetID="53" presetClass="entr" presetSubtype="16" fill="hold" nodeType="clickEffect">
+                                  <p:stCondLst>
+                                    <p:cond delay="0"/>
+                                  </p:stCondLst>
+                                  <p:childTnLst>
+                                    <p:set>
+                                      <p:cBhvr>
+                                        <p:cTn id="6" dur="1" fill="hold">
+                                          <p:stCondLst>
+                                            <p:cond delay="0"/>
+                                          </p:stCondLst>
+                                        </p:cTn>
+                                        <p:tgtEl>
+                                          <p:spTgt spid="19"/>
+                                        </p:tgtEl>
+                                        <p:attrNameLst>
+                                          <p:attrName>style.visibility</p:attrName>
+                                        </p:attrNameLst>
+                                      </p:cBhvr>
+                                      <p:to>
+                                        <p:strVal val="visible"/>
+                                      </p:to>
+                                    </p:set>
+                                    <p:anim calcmode="lin" valueType="num">
+                                      <p:cBhvr>
+                                        <p:cTn id="7" dur="500" fill="hold"/>
+                                        <p:tgtEl>
+                                          <p:spTgt spid="19"/>
+                                        </p:tgtEl>
+                                        <p:attrNameLst>
+                                          <p:attrName>ppt_w</p:attrName>
+                                        </p:attrNameLst>
+                                      </p:cBhvr>
+                                      <p:tavLst>
+                                        <p:tav tm="0">
+                                          <p:val>
+                                            <p:fltVal val="0"/>
+                                          </p:val>
+                                        </p:tav>
+                                        <p:tav tm="100000">
+                                          <p:val>
+                                            <p:strVal val="#ppt_w"/>
+                                          </p:val>
+                                        </p:tav>
+                                      </p:tavLst>
+                                    </p:anim>
+                                    <p:anim calcmode="lin" valueType="num">
+                                      <p:cBhvr>
+                                        <p:cTn id="8" dur="500" fill="hold"/>
+                                        <p:tgtEl>
+                                          <p:spTgt spid="19"/>
+                                        </p:tgtEl>
+                                        <p:attrNameLst>
+                                          <p:attrName>ppt_h</p:attrName>
+                                        </p:attrNameLst>
+                                      </p:cBhvr>
+                                      <p:tavLst>
+                                        <p:tav tm="0">
+                                          <p:val>
+                                            <p:fltVal val="0"/>
+                                          </p:val>
+                                        </p:tav>
+                                        <p:tav tm="100000">
+                                          <p:val>
+                                            <p:strVal val="#ppt_h"/>
+                                          </p:val>
+                                        </p:tav>
+                                      </p:tavLst>
+                                    </p:anim>
+                                    <p:animEffect transition="in" filter="fade">
+                                      <p:cBhvr>
+                                        <p:cTn id="9" dur="500"/>
+                                        <p:tgtEl>
+                                          <p:spTgt spid="19"/>
+                                        </p:tgtEl>
+                                      </p:cBhvr>
+                                    </p:animEffect>
+                                  </p:childTnLst>
+                                </p:cTn>
+                              </p:par>
+                            </p:childTnLst>
+                          </p:cTn>
+                        </p:par>
+                      </p:childTnLst>
+                    </p:cTn>
+                  </p:par>
+                  <p:par>
+                    <p:cTn id="10" fill="hold">
+                      <p:stCondLst>
+                        <p:cond delay="indefinite"/>
+                      </p:stCondLst>
+                      <p:childTnLst>
+                        <p:par>
+                          <p:cTn id="11" fill="hold">
+                            <p:stCondLst>
+                              <p:cond delay="0"/>
+                            </p:stCondLst>
+                            <p:childTnLst>
+                              <p:par>
+                                <p:cTn id="12" presetID="53" presetClass="entr" presetSubtype="16" fill="hold" nodeType="clickEffect">
+                                  <p:stCondLst>
+                                    <p:cond delay="0"/>
+                                  </p:stCondLst>
+                                  <p:childTnLst>
+                                    <p:set>
+                                      <p:cBhvr>
+                                        <p:cTn id="13" dur="1" fill="hold">
+                                          <p:stCondLst>
+                                            <p:cond delay="0"/>
+                                          </p:stCondLst>
+                                        </p:cTn>
+                                        <p:tgtEl>
+                                          <p:spTgt spid="22"/>
+                                        </p:tgtEl>
+                                        <p:attrNameLst>
+                                          <p:attrName>style.visibility</p:attrName>
+                                        </p:attrNameLst>
+                                      </p:cBhvr>
+                                      <p:to>
+                                        <p:strVal val="visible"/>
+                                      </p:to>
+                                    </p:set>
+                                    <p:anim calcmode="lin" valueType="num">
+                                      <p:cBhvr>
+                                        <p:cTn id="14" dur="500" fill="hold"/>
+                                        <p:tgtEl>
+                                          <p:spTgt spid="22"/>
+                                        </p:tgtEl>
+                                        <p:attrNameLst>
+                                          <p:attrName>ppt_w</p:attrName>
+                                        </p:attrNameLst>
+                                      </p:cBhvr>
+                                      <p:tavLst>
+                                        <p:tav tm="0">
+                                          <p:val>
+                                            <p:fltVal val="0"/>
+                                          </p:val>
+                                        </p:tav>
+                                        <p:tav tm="100000">
+                                          <p:val>
+                                            <p:strVal val="#ppt_w"/>
+                                          </p:val>
+                                        </p:tav>
+                                      </p:tavLst>
+                                    </p:anim>
+                                    <p:anim calcmode="lin" valueType="num">
+                                      <p:cBhvr>
+                                        <p:cTn id="15" dur="500" fill="hold"/>
+                                        <p:tgtEl>
+                                          <p:spTgt spid="22"/>
+                                        </p:tgtEl>
+                                        <p:attrNameLst>
+                                          <p:attrName>ppt_h</p:attrName>
+                                        </p:attrNameLst>
+                                      </p:cBhvr>
+                                      <p:tavLst>
+                                        <p:tav tm="0">
+                                          <p:val>
+                                            <p:fltVal val="0"/>
+                                          </p:val>
+                                        </p:tav>
+                                        <p:tav tm="100000">
+                                          <p:val>
+                                            <p:strVal val="#ppt_h"/>
+                                          </p:val>
+                                        </p:tav>
+                                      </p:tavLst>
+                                    </p:anim>
+                                    <p:animEffect transition="in" filter="fade">
+                                      <p:cBhvr>
+                                        <p:cTn id="16" dur="500"/>
+                                        <p:tgtEl>
+                                          <p:spTgt spid="22"/>
+                                        </p:tgtEl>
+                                      </p:cBhvr>
+                                    </p:animEffect>
+                                  </p:childTnLst>
+                                </p:cTn>
+                              </p:par>
+                            </p:childTnLst>
+                          </p:cTn>
+                        </p:par>
+                      </p:childTnLst>
+                    </p:cTn>
+                  </p:par>
+                  <p:par>
+                    <p:cTn id="17" fill="hold">
+                      <p:stCondLst>
+                        <p:cond delay="indefinite"/>
+                      </p:stCondLst>
+                      <p:childTnLst>
+                        <p:par>
+                          <p:cTn id="18" fill="hold">
+                            <p:stCondLst>
+                              <p:cond delay="0"/>
+                            </p:stCondLst>
+                            <p:childTnLst>
+                              <p:par>
+                                <p:cTn id="19" presetID="53" presetClass="entr" presetSubtype="16" fill="hold" grpId="0" nodeType="clickEffect">
+                                  <p:stCondLst>
+                                    <p:cond delay="0"/>
+                                  </p:stCondLst>
+                                  <p:childTnLst>
+                                    <p:set>
+                                      <p:cBhvr>
+                                        <p:cTn id="20" dur="1" fill="hold">
+                                          <p:stCondLst>
+                                            <p:cond delay="0"/>
+                                          </p:stCondLst>
+                                        </p:cTn>
+                                        <p:tgtEl>
+                                          <p:spTgt spid="10"/>
+                                        </p:tgtEl>
+                                        <p:attrNameLst>
+                                          <p:attrName>style.visibility</p:attrName>
+                                        </p:attrNameLst>
+                                      </p:cBhvr>
+                                      <p:to>
+                                        <p:strVal val="visible"/>
+                                      </p:to>
+                                    </p:set>
+                                    <p:anim calcmode="lin" valueType="num">
+                                      <p:cBhvr>
+                                        <p:cTn id="21" dur="500" fill="hold"/>
+                                        <p:tgtEl>
+                                          <p:spTgt spid="10"/>
+                                        </p:tgtEl>
+                                        <p:attrNameLst>
+                                          <p:attrName>ppt_w</p:attrName>
+                                        </p:attrNameLst>
+                                      </p:cBhvr>
+                                      <p:tavLst>
+                                        <p:tav tm="0">
+                                          <p:val>
+                                            <p:fltVal val="0"/>
+                                          </p:val>
+                                        </p:tav>
+                                        <p:tav tm="100000">
+                                          <p:val>
+                                            <p:strVal val="#ppt_w"/>
+                                          </p:val>
+                                        </p:tav>
+                                      </p:tavLst>
+                                    </p:anim>
+                                    <p:anim calcmode="lin" valueType="num">
+                                      <p:cBhvr>
+                                        <p:cTn id="22" dur="500" fill="hold"/>
+                                        <p:tgtEl>
+                                          <p:spTgt spid="10"/>
+                                        </p:tgtEl>
+                                        <p:attrNameLst>
+                                          <p:attrName>ppt_h</p:attrName>
+                                        </p:attrNameLst>
+                                      </p:cBhvr>
+                                      <p:tavLst>
+                                        <p:tav tm="0">
+                                          <p:val>
+                                            <p:fltVal val="0"/>
+                                          </p:val>
+                                        </p:tav>
+                                        <p:tav tm="100000">
+                                          <p:val>
+                                            <p:strVal val="#ppt_h"/>
+                                          </p:val>
+                                        </p:tav>
+                                      </p:tavLst>
+                                    </p:anim>
+                                    <p:animEffect transition="in" filter="fade">
+                                      <p:cBhvr>
+                                        <p:cTn id="23" dur="500"/>
+                                        <p:tgtEl>
+                                          <p:spTgt spid="10"/>
+                                        </p:tgtEl>
+                                      </p:cBhvr>
+                                    </p:animEffect>
+                                  </p:childTnLst>
+                                </p:cTn>
+                              </p:par>
+                            </p:childTnLst>
+                          </p:cTn>
+                        </p:par>
+                      </p:childTnLst>
+                    </p:cTn>
+                  </p:par>
+                  <p:par>
+                    <p:cTn id="24" fill="hold">
+                      <p:stCondLst>
+                        <p:cond delay="indefinite"/>
+                      </p:stCondLst>
+                      <p:childTnLst>
+                        <p:par>
+                          <p:cTn id="25" fill="hold">
+                            <p:stCondLst>
+                              <p:cond delay="0"/>
+                            </p:stCondLst>
+                            <p:childTnLst>
+                              <p:par>
+                                <p:cTn id="26" presetID="53" presetClass="entr" presetSubtype="16" fill="hold" grpId="0" nodeType="clickEffect">
+                                  <p:stCondLst>
+                                    <p:cond delay="0"/>
+                                  </p:stCondLst>
+                                  <p:childTnLst>
+                                    <p:set>
+                                      <p:cBhvr>
+                                        <p:cTn id="27" dur="1" fill="hold">
+                                          <p:stCondLst>
+                                            <p:cond delay="0"/>
+                                          </p:stCondLst>
+                                        </p:cTn>
+                                        <p:tgtEl>
+                                          <p:spTgt spid="11"/>
+                                        </p:tgtEl>
+                                        <p:attrNameLst>
+                                          <p:attrName>style.visibility</p:attrName>
+                                        </p:attrNameLst>
+                                      </p:cBhvr>
+                                      <p:to>
+                                        <p:strVal val="visible"/>
+                                      </p:to>
+                                    </p:set>
+                                    <p:anim calcmode="lin" valueType="num">
+                                      <p:cBhvr>
+                                        <p:cTn id="28" dur="500" fill="hold"/>
+                                        <p:tgtEl>
+                                          <p:spTgt spid="11"/>
+                                        </p:tgtEl>
+                                        <p:attrNameLst>
+                                          <p:attrName>ppt_w</p:attrName>
+                                        </p:attrNameLst>
+                                      </p:cBhvr>
+                                      <p:tavLst>
+                                        <p:tav tm="0">
+                                          <p:val>
+                                            <p:fltVal val="0"/>
+                                          </p:val>
+                                        </p:tav>
+                                        <p:tav tm="100000">
+                                          <p:val>
+                                            <p:strVal val="#ppt_w"/>
+                                          </p:val>
+                                        </p:tav>
+                                      </p:tavLst>
+                                    </p:anim>
+                                    <p:anim calcmode="lin" valueType="num">
+                                      <p:cBhvr>
+                                        <p:cTn id="29" dur="500" fill="hold"/>
+                                        <p:tgtEl>
+                                          <p:spTgt spid="11"/>
+                                        </p:tgtEl>
+                                        <p:attrNameLst>
+                                          <p:attrName>ppt_h</p:attrName>
+                                        </p:attrNameLst>
+                                      </p:cBhvr>
+                                      <p:tavLst>
+                                        <p:tav tm="0">
+                                          <p:val>
+                                            <p:fltVal val="0"/>
+                                          </p:val>
+                                        </p:tav>
+                                        <p:tav tm="100000">
+                                          <p:val>
+                                            <p:strVal val="#ppt_h"/>
+                                          </p:val>
+                                        </p:tav>
+                                      </p:tavLst>
+                                    </p:anim>
+                                    <p:animEffect transition="in" filter="fade">
+                                      <p:cBhvr>
+                                        <p:cTn id="30" dur="500"/>
+                                        <p:tgtEl>
+                                          <p:spTgt spid="11"/>
+                                        </p:tgtEl>
+                                      </p:cBhvr>
+                                    </p:animEffect>
+                                  </p:childTnLst>
+                                </p:cTn>
+                              </p:par>
+                            </p:childTnLst>
+                          </p:cTn>
+                        </p:par>
+                      </p:childTnLst>
+                    </p:cTn>
+                  </p:par>
+                  <p:par>
+                    <p:cTn id="31" fill="hold">
+                      <p:stCondLst>
+                        <p:cond delay="indefinite"/>
+                      </p:stCondLst>
+                      <p:childTnLst>
+                        <p:par>
+                          <p:cTn id="32" fill="hold">
+                            <p:stCondLst>
+                              <p:cond delay="0"/>
+                            </p:stCondLst>
+                            <p:childTnLst>
+                              <p:par>
+                                <p:cTn id="33" presetID="53" presetClass="entr" presetSubtype="16" fill="hold" grpId="0" nodeType="clickEffect">
+                                  <p:stCondLst>
+                                    <p:cond delay="0"/>
+                                  </p:stCondLst>
+                                  <p:childTnLst>
+                                    <p:set>
+                                      <p:cBhvr>
+                                        <p:cTn id="34" dur="1" fill="hold">
+                                          <p:stCondLst>
+                                            <p:cond delay="0"/>
+                                          </p:stCondLst>
+                                        </p:cTn>
+                                        <p:tgtEl>
+                                          <p:spTgt spid="17"/>
+                                        </p:tgtEl>
+                                        <p:attrNameLst>
+                                          <p:attrName>style.visibility</p:attrName>
+                                        </p:attrNameLst>
+                                      </p:cBhvr>
+                                      <p:to>
+                                        <p:strVal val="visible"/>
+                                      </p:to>
+                                    </p:set>
+                                    <p:anim calcmode="lin" valueType="num">
+                                      <p:cBhvr>
+                                        <p:cTn id="35" dur="500" fill="hold"/>
+                                        <p:tgtEl>
+                                          <p:spTgt spid="17"/>
+                                        </p:tgtEl>
+                                        <p:attrNameLst>
+                                          <p:attrName>ppt_w</p:attrName>
+                                        </p:attrNameLst>
+                                      </p:cBhvr>
+                                      <p:tavLst>
+                                        <p:tav tm="0">
+                                          <p:val>
+                                            <p:fltVal val="0"/>
+                                          </p:val>
+                                        </p:tav>
+                                        <p:tav tm="100000">
+                                          <p:val>
+                                            <p:strVal val="#ppt_w"/>
+                                          </p:val>
+                                        </p:tav>
+                                      </p:tavLst>
+                                    </p:anim>
+                                    <p:anim calcmode="lin" valueType="num">
+                                      <p:cBhvr>
+                                        <p:cTn id="36" dur="500" fill="hold"/>
+                                        <p:tgtEl>
+                                          <p:spTgt spid="17"/>
+                                        </p:tgtEl>
+                                        <p:attrNameLst>
+                                          <p:attrName>ppt_h</p:attrName>
+                                        </p:attrNameLst>
+                                      </p:cBhvr>
+                                      <p:tavLst>
+                                        <p:tav tm="0">
+                                          <p:val>
+                                            <p:fltVal val="0"/>
+                                          </p:val>
+                                        </p:tav>
+                                        <p:tav tm="100000">
+                                          <p:val>
+                                            <p:strVal val="#ppt_h"/>
+                                          </p:val>
+                                        </p:tav>
+                                      </p:tavLst>
+                                    </p:anim>
+                                    <p:animEffect transition="in" filter="fade">
+                                      <p:cBhvr>
+                                        <p:cTn id="37" dur="500"/>
+                                        <p:tgtEl>
+                                          <p:spTgt spid="17"/>
+                                        </p:tgtEl>
+                                      </p:cBhvr>
+                                    </p:animEffect>
+                                  </p:childTnLst>
+                                </p:cTn>
+                              </p:par>
+                            </p:childTnLst>
+                          </p:cTn>
+                        </p:par>
+                      </p:childTnLst>
+                    </p:cTn>
+                  </p:par>
+                  <p:par>
+                    <p:cTn id="38" fill="hold">
+                      <p:stCondLst>
+                        <p:cond delay="indefinite"/>
+                      </p:stCondLst>
+                      <p:childTnLst>
+                        <p:par>
+                          <p:cTn id="39" fill="hold">
+                            <p:stCondLst>
+                              <p:cond delay="0"/>
+                            </p:stCondLst>
+                            <p:childTnLst>
+                              <p:par>
+                                <p:cTn id="40" presetID="53" presetClass="entr" presetSubtype="16" fill="hold" grpId="0" nodeType="clickEffect">
+                                  <p:stCondLst>
+                                    <p:cond delay="0"/>
+                                  </p:stCondLst>
+                                  <p:childTnLst>
+                                    <p:set>
+                                      <p:cBhvr>
+                                        <p:cTn id="41" dur="1" fill="hold">
+                                          <p:stCondLst>
+                                            <p:cond delay="0"/>
+                                          </p:stCondLst>
+                                        </p:cTn>
+                                        <p:tgtEl>
+                                          <p:spTgt spid="4"/>
+                                        </p:tgtEl>
+                                        <p:attrNameLst>
+                                          <p:attrName>style.visibility</p:attrName>
+                                        </p:attrNameLst>
+                                      </p:cBhvr>
+                                      <p:to>
+                                        <p:strVal val="visible"/>
+                                      </p:to>
+                                    </p:set>
+                                    <p:anim calcmode="lin" valueType="num">
+                                      <p:cBhvr>
+                                        <p:cTn id="42" dur="500" fill="hold"/>
+                                        <p:tgtEl>
+                                          <p:spTgt spid="4"/>
+                                        </p:tgtEl>
+                                        <p:attrNameLst>
+                                          <p:attrName>ppt_w</p:attrName>
+                                        </p:attrNameLst>
+                                      </p:cBhvr>
+                                      <p:tavLst>
+                                        <p:tav tm="0">
+                                          <p:val>
+                                            <p:fltVal val="0"/>
+                                          </p:val>
+                                        </p:tav>
+                                        <p:tav tm="100000">
+                                          <p:val>
+                                            <p:strVal val="#ppt_w"/>
+                                          </p:val>
+                                        </p:tav>
+                                      </p:tavLst>
+                                    </p:anim>
+                                    <p:anim calcmode="lin" valueType="num">
+                                      <p:cBhvr>
+                                        <p:cTn id="43" dur="500" fill="hold"/>
+                                        <p:tgtEl>
+                                          <p:spTgt spid="4"/>
+                                        </p:tgtEl>
+                                        <p:attrNameLst>
+                                          <p:attrName>ppt_h</p:attrName>
+                                        </p:attrNameLst>
+                                      </p:cBhvr>
+                                      <p:tavLst>
+                                        <p:tav tm="0">
+                                          <p:val>
+                                            <p:fltVal val="0"/>
+                                          </p:val>
+                                        </p:tav>
+                                        <p:tav tm="100000">
+                                          <p:val>
+                                            <p:strVal val="#ppt_h"/>
+                                          </p:val>
+                                        </p:tav>
+                                      </p:tavLst>
+                                    </p:anim>
+                                    <p:animEffect transition="in" filter="fade">
+                                      <p:cBhvr>
+                                        <p:cTn id="44" dur="500"/>
+                                        <p:tgtEl>
+                                          <p:spTgt spid="4"/>
+                                        </p:tgtEl>
+                                      </p:cBhvr>
+                                    </p:animEffect>
+                                  </p:childTnLst>
+                                </p:cTn>
+                              </p:par>
+                            </p:childTnLst>
+                          </p:cTn>
+                        </p:par>
+                      </p:childTnLst>
+                    </p:cTn>
+                  </p:par>
+                  <p:par>
+                    <p:cTn id="45" fill="hold">
+                      <p:stCondLst>
+                        <p:cond delay="indefinite"/>
+                      </p:stCondLst>
+                      <p:childTnLst>
+                        <p:par>
+                          <p:cTn id="46" fill="hold">
+                            <p:stCondLst>
+                              <p:cond delay="0"/>
+                            </p:stCondLst>
+                            <p:childTnLst>
+                              <p:par>
+                                <p:cTn id="47" presetID="53" presetClass="entr" presetSubtype="16" fill="hold" grpId="0" nodeType="clickEffect">
+                                  <p:stCondLst>
+                                    <p:cond delay="0"/>
+                                  </p:stCondLst>
+                                  <p:childTnLst>
+                                    <p:set>
+                                      <p:cBhvr>
+                                        <p:cTn id="48" dur="1" fill="hold">
+                                          <p:stCondLst>
+                                            <p:cond delay="0"/>
+                                          </p:stCondLst>
+                                        </p:cTn>
+                                        <p:tgtEl>
+                                          <p:spTgt spid="5"/>
+                                        </p:tgtEl>
+                                        <p:attrNameLst>
+                                          <p:attrName>style.visibility</p:attrName>
+                                        </p:attrNameLst>
+                                      </p:cBhvr>
+                                      <p:to>
+                                        <p:strVal val="visible"/>
+                                      </p:to>
+                                    </p:set>
+                                    <p:anim calcmode="lin" valueType="num">
+                                      <p:cBhvr>
+                                        <p:cTn id="49" dur="500" fill="hold"/>
+                                        <p:tgtEl>
+                                          <p:spTgt spid="5"/>
+                                        </p:tgtEl>
+                                        <p:attrNameLst>
+                                          <p:attrName>ppt_w</p:attrName>
+                                        </p:attrNameLst>
+                                      </p:cBhvr>
+                                      <p:tavLst>
+                                        <p:tav tm="0">
+                                          <p:val>
+                                            <p:fltVal val="0"/>
+                                          </p:val>
+                                        </p:tav>
+                                        <p:tav tm="100000">
+                                          <p:val>
+                                            <p:strVal val="#ppt_w"/>
+                                          </p:val>
+                                        </p:tav>
+                                      </p:tavLst>
+                                    </p:anim>
+                                    <p:anim calcmode="lin" valueType="num">
+                                      <p:cBhvr>
+                                        <p:cTn id="50" dur="500" fill="hold"/>
+                                        <p:tgtEl>
+                                          <p:spTgt spid="5"/>
+                                        </p:tgtEl>
+                                        <p:attrNameLst>
+                                          <p:attrName>ppt_h</p:attrName>
+                                        </p:attrNameLst>
+                                      </p:cBhvr>
+                                      <p:tavLst>
+                                        <p:tav tm="0">
+                                          <p:val>
+                                            <p:fltVal val="0"/>
+                                          </p:val>
+                                        </p:tav>
+                                        <p:tav tm="100000">
+                                          <p:val>
+                                            <p:strVal val="#ppt_h"/>
+                                          </p:val>
+                                        </p:tav>
+                                      </p:tavLst>
+                                    </p:anim>
+                                    <p:animEffect transition="in" filter="fade">
+                                      <p:cBhvr>
+                                        <p:cTn id="51" dur="500"/>
+                                        <p:tgtEl>
+                                          <p:spTgt spid="5"/>
+                                        </p:tgtEl>
+                                      </p:cBhvr>
+                                    </p:animEffect>
+                                  </p:childTnLst>
+                                </p:cTn>
+                              </p:par>
+                              <p:par>
+                                <p:cTn id="52" presetID="53" presetClass="entr" presetSubtype="16" fill="hold" grpId="0" nodeType="withEffect">
+                                  <p:stCondLst>
+                                    <p:cond delay="0"/>
+                                  </p:stCondLst>
+                                  <p:childTnLst>
+                                    <p:set>
+                                      <p:cBhvr>
+                                        <p:cTn id="53" dur="1" fill="hold">
+                                          <p:stCondLst>
+                                            <p:cond delay="0"/>
+                                          </p:stCondLst>
+                                        </p:cTn>
+                                        <p:tgtEl>
+                                          <p:spTgt spid="12"/>
+                                        </p:tgtEl>
+                                        <p:attrNameLst>
+                                          <p:attrName>style.visibility</p:attrName>
+                                        </p:attrNameLst>
+                                      </p:cBhvr>
+                                      <p:to>
+                                        <p:strVal val="visible"/>
+                                      </p:to>
+                                    </p:set>
+                                    <p:anim calcmode="lin" valueType="num">
+                                      <p:cBhvr>
+                                        <p:cTn id="54" dur="500" fill="hold"/>
+                                        <p:tgtEl>
+                                          <p:spTgt spid="12"/>
+                                        </p:tgtEl>
+                                        <p:attrNameLst>
+                                          <p:attrName>ppt_w</p:attrName>
+                                        </p:attrNameLst>
+                                      </p:cBhvr>
+                                      <p:tavLst>
+                                        <p:tav tm="0">
+                                          <p:val>
+                                            <p:fltVal val="0"/>
+                                          </p:val>
+                                        </p:tav>
+                                        <p:tav tm="100000">
+                                          <p:val>
+                                            <p:strVal val="#ppt_w"/>
+                                          </p:val>
+                                        </p:tav>
+                                      </p:tavLst>
+                                    </p:anim>
+                                    <p:anim calcmode="lin" valueType="num">
+                                      <p:cBhvr>
+                                        <p:cTn id="55" dur="500" fill="hold"/>
+                                        <p:tgtEl>
+                                          <p:spTgt spid="12"/>
+                                        </p:tgtEl>
+                                        <p:attrNameLst>
+                                          <p:attrName>ppt_h</p:attrName>
+                                        </p:attrNameLst>
+                                      </p:cBhvr>
+                                      <p:tavLst>
+                                        <p:tav tm="0">
+                                          <p:val>
+                                            <p:fltVal val="0"/>
+                                          </p:val>
+                                        </p:tav>
+                                        <p:tav tm="100000">
+                                          <p:val>
+                                            <p:strVal val="#ppt_h"/>
+                                          </p:val>
+                                        </p:tav>
+                                      </p:tavLst>
+                                    </p:anim>
+                                    <p:animEffect transition="in" filter="fade">
+                                      <p:cBhvr>
+                                        <p:cTn id="56" dur="500"/>
+                                        <p:tgtEl>
+                                          <p:spTgt spid="12"/>
+                                        </p:tgtEl>
+                                      </p:cBhvr>
+                                    </p:animEffect>
+                                  </p:childTnLst>
+                                </p:cTn>
+                              </p:par>
+                              <p:par>
+                                <p:cTn id="57" presetID="53" presetClass="entr" presetSubtype="16" fill="hold" grpId="0" nodeType="withEffect">
+                                  <p:stCondLst>
+                                    <p:cond delay="0"/>
+                                  </p:stCondLst>
+                                  <p:childTnLst>
+                                    <p:set>
+                                      <p:cBhvr>
+                                        <p:cTn id="58" dur="1" fill="hold">
+                                          <p:stCondLst>
+                                            <p:cond delay="0"/>
+                                          </p:stCondLst>
+                                        </p:cTn>
+                                        <p:tgtEl>
+                                          <p:spTgt spid="18"/>
+                                        </p:tgtEl>
+                                        <p:attrNameLst>
+                                          <p:attrName>style.visibility</p:attrName>
+                                        </p:attrNameLst>
+                                      </p:cBhvr>
+                                      <p:to>
+                                        <p:strVal val="visible"/>
+                                      </p:to>
+                                    </p:set>
+                                    <p:anim calcmode="lin" valueType="num">
+                                      <p:cBhvr>
+                                        <p:cTn id="59" dur="500" fill="hold"/>
+                                        <p:tgtEl>
+                                          <p:spTgt spid="18"/>
+                                        </p:tgtEl>
+                                        <p:attrNameLst>
+                                          <p:attrName>ppt_w</p:attrName>
+                                        </p:attrNameLst>
+                                      </p:cBhvr>
+                                      <p:tavLst>
+                                        <p:tav tm="0">
+                                          <p:val>
+                                            <p:fltVal val="0"/>
+                                          </p:val>
+                                        </p:tav>
+                                        <p:tav tm="100000">
+                                          <p:val>
+                                            <p:strVal val="#ppt_w"/>
+                                          </p:val>
+                                        </p:tav>
+                                      </p:tavLst>
+                                    </p:anim>
+                                    <p:anim calcmode="lin" valueType="num">
+                                      <p:cBhvr>
+                                        <p:cTn id="60" dur="500" fill="hold"/>
+                                        <p:tgtEl>
+                                          <p:spTgt spid="18"/>
+                                        </p:tgtEl>
+                                        <p:attrNameLst>
+                                          <p:attrName>ppt_h</p:attrName>
+                                        </p:attrNameLst>
+                                      </p:cBhvr>
+                                      <p:tavLst>
+                                        <p:tav tm="0">
+                                          <p:val>
+                                            <p:fltVal val="0"/>
+                                          </p:val>
+                                        </p:tav>
+                                        <p:tav tm="100000">
+                                          <p:val>
+                                            <p:strVal val="#ppt_h"/>
+                                          </p:val>
+                                        </p:tav>
+                                      </p:tavLst>
+                                    </p:anim>
+                                    <p:animEffect transition="in" filter="fade">
+                                      <p:cBhvr>
+                                        <p:cTn id="61" dur="500"/>
+                                        <p:tgtEl>
+                                          <p:spTgt spid="18"/>
+                                        </p:tgtEl>
+                                      </p:cBhvr>
+                                    </p:animEffect>
+                                  </p:childTnLst>
+                                </p:cTn>
+                              </p:par>
+                            </p:childTnLst>
+                          </p:cTn>
+                        </p:par>
+                      </p:childTnLst>
+                    </p:cTn>
+                  </p:par>
+                  <p:par>
+                    <p:cTn id="62" fill="hold">
+                      <p:stCondLst>
+                        <p:cond delay="indefinite"/>
+                      </p:stCondLst>
+                      <p:childTnLst>
+                        <p:par>
+                          <p:cTn id="63" fill="hold">
+                            <p:stCondLst>
+                              <p:cond delay="0"/>
+                            </p:stCondLst>
+                            <p:childTnLst>
+                              <p:par>
+                                <p:cTn id="64" presetID="53" presetClass="entr" presetSubtype="16" fill="hold" grpId="0" nodeType="clickEffect">
+                                  <p:stCondLst>
+                                    <p:cond delay="0"/>
+                                  </p:stCondLst>
+                                  <p:childTnLst>
+                                    <p:set>
+                                      <p:cBhvr>
+                                        <p:cTn id="65" dur="1" fill="hold">
+                                          <p:stCondLst>
+                                            <p:cond delay="0"/>
+                                          </p:stCondLst>
+                                        </p:cTn>
+                                        <p:tgtEl>
+                                          <p:spTgt spid="37"/>
+                                        </p:tgtEl>
+                                        <p:attrNameLst>
+                                          <p:attrName>style.visibility</p:attrName>
+                                        </p:attrNameLst>
+                                      </p:cBhvr>
+                                      <p:to>
+                                        <p:strVal val="visible"/>
+                                      </p:to>
+                                    </p:set>
+                                    <p:anim calcmode="lin" valueType="num">
+                                      <p:cBhvr>
+                                        <p:cTn id="66" dur="500" fill="hold"/>
+                                        <p:tgtEl>
+                                          <p:spTgt spid="37"/>
+                                        </p:tgtEl>
+                                        <p:attrNameLst>
+                                          <p:attrName>ppt_w</p:attrName>
+                                        </p:attrNameLst>
+                                      </p:cBhvr>
+                                      <p:tavLst>
+                                        <p:tav tm="0">
+                                          <p:val>
+                                            <p:fltVal val="0"/>
+                                          </p:val>
+                                        </p:tav>
+                                        <p:tav tm="100000">
+                                          <p:val>
+                                            <p:strVal val="#ppt_w"/>
+                                          </p:val>
+                                        </p:tav>
+                                      </p:tavLst>
+                                    </p:anim>
+                                    <p:anim calcmode="lin" valueType="num">
+                                      <p:cBhvr>
+                                        <p:cTn id="67" dur="500" fill="hold"/>
+                                        <p:tgtEl>
+                                          <p:spTgt spid="37"/>
+                                        </p:tgtEl>
+                                        <p:attrNameLst>
+                                          <p:attrName>ppt_h</p:attrName>
+                                        </p:attrNameLst>
+                                      </p:cBhvr>
+                                      <p:tavLst>
+                                        <p:tav tm="0">
+                                          <p:val>
+                                            <p:fltVal val="0"/>
+                                          </p:val>
+                                        </p:tav>
+                                        <p:tav tm="100000">
+                                          <p:val>
+                                            <p:strVal val="#ppt_h"/>
+                                          </p:val>
+                                        </p:tav>
+                                      </p:tavLst>
+                                    </p:anim>
+                                    <p:animEffect transition="in" filter="fade">
+                                      <p:cBhvr>
+                                        <p:cTn id="68" dur="500"/>
+                                        <p:tgtEl>
+                                          <p:spTgt spid="37"/>
+                                        </p:tgtEl>
+                                      </p:cBhvr>
+                                    </p:animEffect>
+                                  </p:childTnLst>
+                                </p:cTn>
+                              </p:par>
+                            </p:childTnLst>
+                          </p:cTn>
+                        </p:par>
+                      </p:childTnLst>
+                    </p:cTn>
+                  </p:par>
+                  <p:par>
+                    <p:cTn id="69" fill="hold">
+                      <p:stCondLst>
+                        <p:cond delay="indefinite"/>
+                      </p:stCondLst>
+                      <p:childTnLst>
+                        <p:par>
+                          <p:cTn id="70" fill="hold">
+                            <p:stCondLst>
+                              <p:cond delay="0"/>
+                            </p:stCondLst>
+                            <p:childTnLst>
+                              <p:par>
+                                <p:cTn id="71" presetID="42" presetClass="entr" presetSubtype="0" fill="hold" grpId="0" nodeType="clickEffect">
+                                  <p:stCondLst>
+                                    <p:cond delay="0"/>
+                                  </p:stCondLst>
+                                  <p:childTnLst>
+                                    <p:set>
+                                      <p:cBhvr>
+                                        <p:cTn id="72" dur="1" fill="hold">
+                                          <p:stCondLst>
+                                            <p:cond delay="0"/>
+                                          </p:stCondLst>
+                                        </p:cTn>
+                                        <p:tgtEl>
+                                          <p:spTgt spid="33"/>
+                                        </p:tgtEl>
+                                        <p:attrNameLst>
+                                          <p:attrName>style.visibility</p:attrName>
+                                        </p:attrNameLst>
+                                      </p:cBhvr>
+                                      <p:to>
+                                        <p:strVal val="visible"/>
+                                      </p:to>
+                                    </p:set>
+                                    <p:animEffect transition="in" filter="fade">
+                                      <p:cBhvr>
+                                        <p:cTn id="73" dur="1000"/>
+                                        <p:tgtEl>
+                                          <p:spTgt spid="33"/>
+                                        </p:tgtEl>
+                                      </p:cBhvr>
+                                    </p:animEffect>
+                                    <p:anim calcmode="lin" valueType="num">
+                                      <p:cBhvr>
+                                        <p:cTn id="74" dur="1000" fill="hold"/>
+                                        <p:tgtEl>
+                                          <p:spTgt spid="33"/>
+                                        </p:tgtEl>
+                                        <p:attrNameLst>
+                                          <p:attrName>ppt_x</p:attrName>
+                                        </p:attrNameLst>
+                                      </p:cBhvr>
+                                      <p:tavLst>
+                                        <p:tav tm="0">
+                                          <p:val>
+                                            <p:strVal val="#ppt_x"/>
+                                          </p:val>
+                                        </p:tav>
+                                        <p:tav tm="100000">
+                                          <p:val>
+                                            <p:strVal val="#ppt_x"/>
+                                          </p:val>
+                                        </p:tav>
+                                      </p:tavLst>
+                                    </p:anim>
+                                    <p:anim calcmode="lin" valueType="num">
+                                      <p:cBhvr>
+                                        <p:cTn id="75" dur="1000" fill="hold"/>
+                                        <p:tgtEl>
+                                          <p:spTgt spid="33"/>
+                                        </p:tgtEl>
+                                        <p:attrNameLst>
+                                          <p:attrName>ppt_y</p:attrName>
+                                        </p:attrNameLst>
+                                      </p:cBhvr>
+                                      <p:tavLst>
+                                        <p:tav tm="0">
+                                          <p:val>
+                                            <p:strVal val="#ppt_y+.1"/>
+                                          </p:val>
+                                        </p:tav>
+                                        <p:tav tm="100000">
+                                          <p:val>
+                                            <p:strVal val="#ppt_y"/>
+                                          </p:val>
+                                        </p:tav>
+                                      </p:tavLst>
+                                    </p:anim>
+                                  </p:childTnLst>
+                                </p:cTn>
+                              </p:par>
+                            </p:childTnLst>
+                          </p:cTn>
+                        </p:par>
+                      </p:childTnLst>
+                    </p:cTn>
+                  </p:par>
+                  <p:par>
+                    <p:cTn id="76" fill="hold">
+                      <p:stCondLst>
+                        <p:cond delay="indefinite"/>
+                      </p:stCondLst>
+                      <p:childTnLst>
+                        <p:par>
+                          <p:cTn id="77" fill="hold">
+                            <p:stCondLst>
+                              <p:cond delay="0"/>
+                            </p:stCondLst>
+                            <p:childTnLst>
+                              <p:par>
+                                <p:cTn id="78" presetID="42" presetClass="entr" presetSubtype="0" fill="hold" grpId="0" nodeType="clickEffect">
+                                  <p:stCondLst>
+                                    <p:cond delay="0"/>
+                                  </p:stCondLst>
+                                  <p:childTnLst>
+                                    <p:set>
+                                      <p:cBhvr>
+                                        <p:cTn id="79" dur="1" fill="hold">
+                                          <p:stCondLst>
+                                            <p:cond delay="0"/>
+                                          </p:stCondLst>
+                                        </p:cTn>
+                                        <p:tgtEl>
+                                          <p:spTgt spid="32"/>
+                                        </p:tgtEl>
+                                        <p:attrNameLst>
+                                          <p:attrName>style.visibility</p:attrName>
+                                        </p:attrNameLst>
+                                      </p:cBhvr>
+                                      <p:to>
+                                        <p:strVal val="visible"/>
+                                      </p:to>
+                                    </p:set>
+                                    <p:animEffect transition="in" filter="fade">
+                                      <p:cBhvr>
+                                        <p:cTn id="80" dur="1000"/>
+                                        <p:tgtEl>
+                                          <p:spTgt spid="32"/>
+                                        </p:tgtEl>
+                                      </p:cBhvr>
+                                    </p:animEffect>
+                                    <p:anim calcmode="lin" valueType="num">
+                                      <p:cBhvr>
+                                        <p:cTn id="81" dur="1000" fill="hold"/>
+                                        <p:tgtEl>
+                                          <p:spTgt spid="32"/>
+                                        </p:tgtEl>
+                                        <p:attrNameLst>
+                                          <p:attrName>ppt_x</p:attrName>
+                                        </p:attrNameLst>
+                                      </p:cBhvr>
+                                      <p:tavLst>
+                                        <p:tav tm="0">
+                                          <p:val>
+                                            <p:strVal val="#ppt_x"/>
+                                          </p:val>
+                                        </p:tav>
+                                        <p:tav tm="100000">
+                                          <p:val>
+                                            <p:strVal val="#ppt_x"/>
+                                          </p:val>
+                                        </p:tav>
+                                      </p:tavLst>
+                                    </p:anim>
+                                    <p:anim calcmode="lin" valueType="num">
+                                      <p:cBhvr>
+                                        <p:cTn id="82" dur="1000" fill="hold"/>
+                                        <p:tgtEl>
+                                          <p:spTgt spid="32"/>
+                                        </p:tgtEl>
+                                        <p:attrNameLst>
+                                          <p:attrName>ppt_y</p:attrName>
+                                        </p:attrNameLst>
+                                      </p:cBhvr>
+                                      <p:tavLst>
+                                        <p:tav tm="0">
+                                          <p:val>
+                                            <p:strVal val="#ppt_y+.1"/>
+                                          </p:val>
+                                        </p:tav>
+                                        <p:tav tm="100000">
+                                          <p:val>
+                                            <p:strVal val="#ppt_y"/>
+                                          </p:val>
+                                        </p:tav>
+                                      </p:tavLst>
+                                    </p:anim>
+                                  </p:childTnLst>
+                                </p:cTn>
+                              </p:par>
+                              <p:par>
+                                <p:cTn id="83" presetID="42" presetClass="entr" presetSubtype="0" fill="hold" grpId="0" nodeType="withEffect">
+                                  <p:stCondLst>
+                                    <p:cond delay="0"/>
+                                  </p:stCondLst>
+                                  <p:childTnLst>
+                                    <p:set>
+                                      <p:cBhvr>
+                                        <p:cTn id="84" dur="1" fill="hold">
+                                          <p:stCondLst>
+                                            <p:cond delay="0"/>
+                                          </p:stCondLst>
+                                        </p:cTn>
+                                        <p:tgtEl>
+                                          <p:spTgt spid="31"/>
+                                        </p:tgtEl>
+                                        <p:attrNameLst>
+                                          <p:attrName>style.visibility</p:attrName>
+                                        </p:attrNameLst>
+                                      </p:cBhvr>
+                                      <p:to>
+                                        <p:strVal val="visible"/>
+                                      </p:to>
+                                    </p:set>
+                                    <p:animEffect transition="in" filter="fade">
+                                      <p:cBhvr>
+                                        <p:cTn id="85" dur="1000"/>
+                                        <p:tgtEl>
+                                          <p:spTgt spid="31"/>
+                                        </p:tgtEl>
+                                      </p:cBhvr>
+                                    </p:animEffect>
+                                    <p:anim calcmode="lin" valueType="num">
+                                      <p:cBhvr>
+                                        <p:cTn id="86" dur="1000" fill="hold"/>
+                                        <p:tgtEl>
+                                          <p:spTgt spid="31"/>
+                                        </p:tgtEl>
+                                        <p:attrNameLst>
+                                          <p:attrName>ppt_x</p:attrName>
+                                        </p:attrNameLst>
+                                      </p:cBhvr>
+                                      <p:tavLst>
+                                        <p:tav tm="0">
+                                          <p:val>
+                                            <p:strVal val="#ppt_x"/>
+                                          </p:val>
+                                        </p:tav>
+                                        <p:tav tm="100000">
+                                          <p:val>
+                                            <p:strVal val="#ppt_x"/>
+                                          </p:val>
+                                        </p:tav>
+                                      </p:tavLst>
+                                    </p:anim>
+                                    <p:anim calcmode="lin" valueType="num">
+                                      <p:cBhvr>
+                                        <p:cTn id="87" dur="1000" fill="hold"/>
+                                        <p:tgtEl>
+                                          <p:spTgt spid="31"/>
+                                        </p:tgtEl>
+                                        <p:attrNameLst>
+                                          <p:attrName>ppt_y</p:attrName>
+                                        </p:attrNameLst>
+                                      </p:cBhvr>
+                                      <p:tavLst>
+                                        <p:tav tm="0">
+                                          <p:val>
+                                            <p:strVal val="#ppt_y+.1"/>
+                                          </p:val>
+                                        </p:tav>
+                                        <p:tav tm="100000">
+                                          <p:val>
+                                            <p:strVal val="#ppt_y"/>
+                                          </p:val>
+                                        </p:tav>
+                                      </p:tavLst>
+                                    </p:anim>
+                                  </p:childTnLst>
+                                </p:cTn>
+                              </p:par>
+                              <p:par>
+                                <p:cTn id="88" presetID="42" presetClass="entr" presetSubtype="0" fill="hold" grpId="0" nodeType="withEffect">
+                                  <p:stCondLst>
+                                    <p:cond delay="0"/>
+                                  </p:stCondLst>
+                                  <p:childTnLst>
+                                    <p:set>
+                                      <p:cBhvr>
+                                        <p:cTn id="89" dur="1" fill="hold">
+                                          <p:stCondLst>
+                                            <p:cond delay="0"/>
+                                          </p:stCondLst>
+                                        </p:cTn>
+                                        <p:tgtEl>
+                                          <p:spTgt spid="34"/>
+                                        </p:tgtEl>
+                                        <p:attrNameLst>
+                                          <p:attrName>style.visibility</p:attrName>
+                                        </p:attrNameLst>
+                                      </p:cBhvr>
+                                      <p:to>
+                                        <p:strVal val="visible"/>
+                                      </p:to>
+                                    </p:set>
+                                    <p:animEffect transition="in" filter="fade">
+                                      <p:cBhvr>
+                                        <p:cTn id="90" dur="1000"/>
+                                        <p:tgtEl>
+                                          <p:spTgt spid="34"/>
+                                        </p:tgtEl>
+                                      </p:cBhvr>
+                                    </p:animEffect>
+                                    <p:anim calcmode="lin" valueType="num">
+                                      <p:cBhvr>
+                                        <p:cTn id="91" dur="1000" fill="hold"/>
+                                        <p:tgtEl>
+                                          <p:spTgt spid="34"/>
+                                        </p:tgtEl>
+                                        <p:attrNameLst>
+                                          <p:attrName>ppt_x</p:attrName>
+                                        </p:attrNameLst>
+                                      </p:cBhvr>
+                                      <p:tavLst>
+                                        <p:tav tm="0">
+                                          <p:val>
+                                            <p:strVal val="#ppt_x"/>
+                                          </p:val>
+                                        </p:tav>
+                                        <p:tav tm="100000">
+                                          <p:val>
+                                            <p:strVal val="#ppt_x"/>
+                                          </p:val>
+                                        </p:tav>
+                                      </p:tavLst>
+                                    </p:anim>
+                                    <p:anim calcmode="lin" valueType="num">
+                                      <p:cBhvr>
+                                        <p:cTn id="92" dur="1000" fill="hold"/>
+                                        <p:tgtEl>
+                                          <p:spTgt spid="34"/>
+                                        </p:tgtEl>
+                                        <p:attrNameLst>
+                                          <p:attrName>ppt_y</p:attrName>
+                                        </p:attrNameLst>
+                                      </p:cBhvr>
+                                      <p:tavLst>
+                                        <p:tav tm="0">
+                                          <p:val>
+                                            <p:strVal val="#ppt_y+.1"/>
+                                          </p:val>
+                                        </p:tav>
+                                        <p:tav tm="100000">
+                                          <p:val>
+                                            <p:strVal val="#ppt_y"/>
+                                          </p:val>
+                                        </p:tav>
+                                      </p:tavLst>
+                                    </p:anim>
+                                  </p:childTnLst>
+                                </p:cTn>
+                              </p:par>
+                              <p:par>
+                                <p:cTn id="93" presetID="42" presetClass="entr" presetSubtype="0" fill="hold" grpId="0" nodeType="withEffect">
+                                  <p:stCondLst>
+                                    <p:cond delay="0"/>
+                                  </p:stCondLst>
+                                  <p:childTnLst>
+                                    <p:set>
+                                      <p:cBhvr>
+                                        <p:cTn id="94" dur="1" fill="hold">
+                                          <p:stCondLst>
+                                            <p:cond delay="0"/>
+                                          </p:stCondLst>
+                                        </p:cTn>
+                                        <p:tgtEl>
+                                          <p:spTgt spid="35"/>
+                                        </p:tgtEl>
+                                        <p:attrNameLst>
+                                          <p:attrName>style.visibility</p:attrName>
+                                        </p:attrNameLst>
+                                      </p:cBhvr>
+                                      <p:to>
+                                        <p:strVal val="visible"/>
+                                      </p:to>
+                                    </p:set>
+                                    <p:animEffect transition="in" filter="fade">
+                                      <p:cBhvr>
+                                        <p:cTn id="95" dur="1000"/>
+                                        <p:tgtEl>
+                                          <p:spTgt spid="35"/>
+                                        </p:tgtEl>
+                                      </p:cBhvr>
+                                    </p:animEffect>
+                                    <p:anim calcmode="lin" valueType="num">
+                                      <p:cBhvr>
+                                        <p:cTn id="96" dur="1000" fill="hold"/>
+                                        <p:tgtEl>
+                                          <p:spTgt spid="35"/>
+                                        </p:tgtEl>
+                                        <p:attrNameLst>
+                                          <p:attrName>ppt_x</p:attrName>
+                                        </p:attrNameLst>
+                                      </p:cBhvr>
+                                      <p:tavLst>
+                                        <p:tav tm="0">
+                                          <p:val>
+                                            <p:strVal val="#ppt_x"/>
+                                          </p:val>
+                                        </p:tav>
+                                        <p:tav tm="100000">
+                                          <p:val>
+                                            <p:strVal val="#ppt_x"/>
+                                          </p:val>
+                                        </p:tav>
+                                      </p:tavLst>
+                                    </p:anim>
+                                    <p:anim calcmode="lin" valueType="num">
+                                      <p:cBhvr>
+                                        <p:cTn id="97" dur="1000" fill="hold"/>
+                                        <p:tgtEl>
+                                          <p:spTgt spid="35"/>
+                                        </p:tgtEl>
+                                        <p:attrNameLst>
+                                          <p:attrName>ppt_y</p:attrName>
+                                        </p:attrNameLst>
+                                      </p:cBhvr>
+                                      <p:tavLst>
+                                        <p:tav tm="0">
+                                          <p:val>
+                                            <p:strVal val="#ppt_y+.1"/>
+                                          </p:val>
+                                        </p:tav>
+                                        <p:tav tm="100000">
+                                          <p:val>
+                                            <p:strVal val="#ppt_y"/>
+                                          </p:val>
+                                        </p:tav>
+                                      </p:tavLst>
+                                    </p:anim>
+                                  </p:childTnLst>
+                                </p:cTn>
+                              </p:par>
+                            </p:childTnLst>
+                          </p:cTn>
+                        </p:par>
+                      </p:childTnLst>
+                    </p:cTn>
+                  </p:par>
+                </p:childTnLst>
+              </p:cTn>
+              <p:prevCondLst>
+                <p:cond evt="onPrev" delay="0">
+                  <p:tgtEl>
+                    <p:sldTgt/>
+                  </p:tgtEl>
+                </p:cond>
+              </p:prevCondLst>
+              <p:nextCondLst>
+                <p:cond evt="onNext" delay="0">
+                  <p:tgtEl>
+                    <p:sldTgt/>
+                  </p:tgtEl>
+                </p:cond>
+              </p:nextCondLst>
+            </p:seq>
+          </p:childTnLst>
+        </p:cTn>
+      </p:par>
+    </p:tnLst>
+    <p:bldLst>
+      <p:bldP spid="4" grpId="0" animBg="1"/>
+      <p:bldP spid="10" grpId="0" animBg="1"/>
+      <p:bldP spid="11" grpId="0" animBg="1"/>
+      <p:bldP spid="5" grpId="0" animBg="1"/>
+      <p:bldP spid="12" grpId="0" animBg="1"/>
+      <p:bldP spid="17" grpId="0" animBg="1"/>
+      <p:bldP spid="18" grpId="0" animBg="1"/>
+      <p:bldP spid="31" grpId="0" animBg="1"/>
+      <p:bldP spid="32" grpId="0" animBg="1"/>
+      <p:bldP spid="33" grpId="0" animBg="1"/>
+      <p:bldP spid="34" grpId="0" animBg="1"/>
+      <p:bldP spid="35" grpId="0" animBg="1"/>
+      <p:bldP spid="37" grpId="0" animBg="1"/>
+    </p:bldLst>
+  </p:timing>
+</p:sld>
+</file>
+
 <file path=ppt/slides/slide2.xml><?xml version="1.0" encoding="utf-8"?>
 <p:sld xmlns:a="http://schemas.openxmlformats.org/drawingml/2006/main" xmlns:r="http://schemas.openxmlformats.org/officeDocument/2006/relationships" xmlns:p="http://schemas.openxmlformats.org/presentationml/2006/main">
   <p:cSld>
@@ -7226,7 +15729,7 @@
           <a:p>
             <a:fld id="{10A25188-2956-4DA3-8229-5D523B568A6A}" type="datetime1">
               <a:rPr lang="ru-RU" smtClean="0"/>
-              <a:t>26.05.2019</a:t>
+              <a:t>01.06.2019</a:t>
             </a:fld>
             <a:endParaRPr lang="en-US"/>
           </a:p>
@@ -7650,7 +16153,7 @@
           <a:p>
             <a:fld id="{2B345FB0-09AD-4AC0-8DC4-6C68B700A600}" type="datetime1">
               <a:rPr lang="ru-RU" smtClean="0"/>
-              <a:t>26.05.2019</a:t>
+              <a:t>01.06.2019</a:t>
             </a:fld>
             <a:endParaRPr lang="en-US"/>
           </a:p>
@@ -7853,7 +16356,7 @@
           <a:p>
             <a:fld id="{AA4BE119-AABE-437D-8F94-331A05056B80}" type="datetime1">
               <a:rPr lang="ru-RU" smtClean="0"/>
-              <a:t>26.05.2019</a:t>
+              <a:t>01.06.2019</a:t>
             </a:fld>
             <a:endParaRPr lang="en-US"/>
           </a:p>
@@ -8033,7 +16536,7 @@
           <a:p>
             <a:fld id="{AA4BE119-AABE-437D-8F94-331A05056B80}" type="datetime1">
               <a:rPr lang="ru-RU" smtClean="0"/>
-              <a:t>26.05.2019</a:t>
+              <a:t>01.06.2019</a:t>
             </a:fld>
             <a:endParaRPr lang="en-US"/>
           </a:p>
@@ -8769,7 +17272,7 @@
           <a:p>
             <a:fld id="{2D4A23AA-1D21-4822-8346-CA7E14AECDD0}" type="datetime1">
               <a:rPr lang="ru-RU" smtClean="0"/>
-              <a:t>26.05.2019</a:t>
+              <a:t>01.06.2019</a:t>
             </a:fld>
             <a:endParaRPr lang="en-US"/>
           </a:p>
@@ -9029,7 +17532,7 @@
           <a:p>
             <a:fld id="{2D4A23AA-1D21-4822-8346-CA7E14AECDD0}" type="datetime1">
               <a:rPr lang="ru-RU" smtClean="0"/>
-              <a:t>26.05.2019</a:t>
+              <a:t>01.06.2019</a:t>
             </a:fld>
             <a:endParaRPr lang="en-US"/>
           </a:p>
@@ -10921,7 +19424,7 @@
           <a:p>
             <a:fld id="{2D4A23AA-1D21-4822-8346-CA7E14AECDD0}" type="datetime1">
               <a:rPr lang="ru-RU" smtClean="0"/>
-              <a:t>26.05.2019</a:t>
+              <a:t>01.06.2019</a:t>
             </a:fld>
             <a:endParaRPr lang="en-US"/>
           </a:p>
@@ -11319,7 +19822,7 @@
           <a:p>
             <a:fld id="{2D4A23AA-1D21-4822-8346-CA7E14AECDD0}" type="datetime1">
               <a:rPr lang="ru-RU" smtClean="0"/>
-              <a:t>26.05.2019</a:t>
+              <a:t>01.06.2019</a:t>
             </a:fld>
             <a:endParaRPr lang="en-US"/>
           </a:p>

--- a/Presentation/Calabonga.Catalog.pptx
+++ b/Presentation/Calabonga.Catalog.pptx
@@ -5,10 +5,10 @@
     <p:sldMasterId id="2147483762" r:id="rId1"/>
   </p:sldMasterIdLst>
   <p:notesMasterIdLst>
-    <p:notesMasterId r:id="rId18"/>
+    <p:notesMasterId r:id="rId19"/>
   </p:notesMasterIdLst>
   <p:handoutMasterIdLst>
-    <p:handoutMasterId r:id="rId19"/>
+    <p:handoutMasterId r:id="rId20"/>
   </p:handoutMasterIdLst>
   <p:sldIdLst>
     <p:sldId id="256" r:id="rId2"/>
@@ -27,6 +27,7 @@
     <p:sldId id="269" r:id="rId15"/>
     <p:sldId id="270" r:id="rId16"/>
     <p:sldId id="271" r:id="rId17"/>
+    <p:sldId id="272" r:id="rId18"/>
   </p:sldIdLst>
   <p:sldSz cx="12192000" cy="6858000"/>
   <p:notesSz cx="6858000" cy="9144000"/>
@@ -3662,6 +3663,67 @@
 </p:notes>
 </file>
 
+<file path=ppt/notesSlides/notesSlide13.xml><?xml version="1.0" encoding="utf-8"?>
+<p:notes xmlns:a="http://schemas.openxmlformats.org/drawingml/2006/main" xmlns:r="http://schemas.openxmlformats.org/officeDocument/2006/relationships" xmlns:p="http://schemas.openxmlformats.org/presentationml/2006/main">
+  <p:cSld>
+    <p:spTree>
+      <p:nvGrpSpPr>
+        <p:cNvPr id="1" name=""/>
+        <p:cNvGrpSpPr/>
+        <p:nvPr/>
+      </p:nvGrpSpPr>
+      <p:grpSpPr>
+        <a:xfrm>
+          <a:off x="0" y="0"/>
+          <a:ext cx="0" cy="0"/>
+          <a:chOff x="0" y="0"/>
+          <a:chExt cx="0" cy="0"/>
+        </a:xfrm>
+      </p:grpSpPr>
+      <p:sp>
+        <p:nvSpPr>
+          <p:cNvPr id="2" name="Образ слайда 1"/>
+          <p:cNvSpPr>
+            <a:spLocks noGrp="1" noRot="1" noChangeAspect="1"/>
+          </p:cNvSpPr>
+          <p:nvPr>
+            <p:ph type="sldImg"/>
+          </p:nvPr>
+        </p:nvSpPr>
+        <p:spPr/>
+      </p:sp>
+      <p:sp>
+        <p:nvSpPr>
+          <p:cNvPr id="3" name="Заметки 2"/>
+          <p:cNvSpPr>
+            <a:spLocks noGrp="1"/>
+          </p:cNvSpPr>
+          <p:nvPr>
+            <p:ph type="body" idx="1"/>
+          </p:nvPr>
+        </p:nvSpPr>
+        <p:spPr/>
+        <p:txBody>
+          <a:bodyPr/>
+          <a:lstStyle/>
+          <a:p>
+            <a:endParaRPr lang="en-US" dirty="0"/>
+          </a:p>
+        </p:txBody>
+      </p:sp>
+    </p:spTree>
+    <p:extLst>
+      <p:ext uri="{BB962C8B-B14F-4D97-AF65-F5344CB8AC3E}">
+        <p14:creationId xmlns:p14="http://schemas.microsoft.com/office/powerpoint/2010/main" val="3931913325"/>
+      </p:ext>
+    </p:extLst>
+  </p:cSld>
+  <p:clrMapOvr>
+    <a:masterClrMapping/>
+  </p:clrMapOvr>
+</p:notes>
+</file>
+
 <file path=ppt/notesSlides/notesSlide2.xml><?xml version="1.0" encoding="utf-8"?>
 <p:notes xmlns:a="http://schemas.openxmlformats.org/drawingml/2006/main" xmlns:r="http://schemas.openxmlformats.org/officeDocument/2006/relationships" xmlns:p="http://schemas.openxmlformats.org/presentationml/2006/main">
   <p:cSld>
@@ -15570,6 +15632,227 @@
 </p:sld>
 </file>
 
+<file path=ppt/slides/slide17.xml><?xml version="1.0" encoding="utf-8"?>
+<p:sld xmlns:a="http://schemas.openxmlformats.org/drawingml/2006/main" xmlns:r="http://schemas.openxmlformats.org/officeDocument/2006/relationships" xmlns:p="http://schemas.openxmlformats.org/presentationml/2006/main">
+  <p:cSld>
+    <p:spTree>
+      <p:nvGrpSpPr>
+        <p:cNvPr id="1" name=""/>
+        <p:cNvGrpSpPr/>
+        <p:nvPr/>
+      </p:nvGrpSpPr>
+      <p:grpSpPr>
+        <a:xfrm>
+          <a:off x="0" y="0"/>
+          <a:ext cx="0" cy="0"/>
+          <a:chOff x="0" y="0"/>
+          <a:chExt cx="0" cy="0"/>
+        </a:xfrm>
+      </p:grpSpPr>
+      <p:sp>
+        <p:nvSpPr>
+          <p:cNvPr id="2" name="Заголовок 1">
+            <a:extLst>
+              <a:ext uri="{FF2B5EF4-FFF2-40B4-BE49-F238E27FC236}">
+                <a16:creationId xmlns:a16="http://schemas.microsoft.com/office/drawing/2014/main" id="{5ED3076E-2E51-49BA-B663-2E6FD28DE68E}"/>
+              </a:ext>
+            </a:extLst>
+          </p:cNvPr>
+          <p:cNvSpPr>
+            <a:spLocks noGrp="1"/>
+          </p:cNvSpPr>
+          <p:nvPr>
+            <p:ph type="title"/>
+          </p:nvPr>
+        </p:nvSpPr>
+        <p:spPr/>
+        <p:txBody>
+          <a:bodyPr/>
+          <a:lstStyle/>
+          <a:p>
+            <a:r>
+              <a:rPr lang="ru-RU" dirty="0"/>
+              <a:t>Часть </a:t>
+            </a:r>
+            <a:r>
+              <a:rPr lang="en-US" dirty="0"/>
+              <a:t>7</a:t>
+            </a:r>
+          </a:p>
+        </p:txBody>
+      </p:sp>
+      <p:sp>
+        <p:nvSpPr>
+          <p:cNvPr id="6" name="Дата 5">
+            <a:extLst>
+              <a:ext uri="{FF2B5EF4-FFF2-40B4-BE49-F238E27FC236}">
+                <a16:creationId xmlns:a16="http://schemas.microsoft.com/office/drawing/2014/main" id="{3D389C93-18E8-4B65-9A0C-57EA5FF1262A}"/>
+              </a:ext>
+            </a:extLst>
+          </p:cNvPr>
+          <p:cNvSpPr>
+            <a:spLocks noGrp="1"/>
+          </p:cNvSpPr>
+          <p:nvPr>
+            <p:ph type="dt" sz="half" idx="10"/>
+          </p:nvPr>
+        </p:nvSpPr>
+        <p:spPr/>
+        <p:txBody>
+          <a:bodyPr/>
+          <a:lstStyle/>
+          <a:p>
+            <a:fld id="{2D4A23AA-1D21-4822-8346-CA7E14AECDD0}" type="datetime1">
+              <a:rPr lang="ru-RU" smtClean="0"/>
+              <a:t>01.06.2019</a:t>
+            </a:fld>
+            <a:endParaRPr lang="en-US"/>
+          </a:p>
+        </p:txBody>
+      </p:sp>
+      <p:sp>
+        <p:nvSpPr>
+          <p:cNvPr id="7" name="Нижний колонтитул 6">
+            <a:extLst>
+              <a:ext uri="{FF2B5EF4-FFF2-40B4-BE49-F238E27FC236}">
+                <a16:creationId xmlns:a16="http://schemas.microsoft.com/office/drawing/2014/main" id="{FD3B82CA-042F-4A44-8CC3-391A074B55D4}"/>
+              </a:ext>
+            </a:extLst>
+          </p:cNvPr>
+          <p:cNvSpPr>
+            <a:spLocks noGrp="1"/>
+          </p:cNvSpPr>
+          <p:nvPr>
+            <p:ph type="ftr" sz="quarter" idx="11"/>
+          </p:nvPr>
+        </p:nvSpPr>
+        <p:spPr/>
+        <p:txBody>
+          <a:bodyPr/>
+          <a:lstStyle/>
+          <a:p>
+            <a:r>
+              <a:rPr lang="en-US"/>
+              <a:t>www.calabonga.net</a:t>
+            </a:r>
+          </a:p>
+        </p:txBody>
+      </p:sp>
+      <p:sp>
+        <p:nvSpPr>
+          <p:cNvPr id="8" name="Номер слайда 7">
+            <a:extLst>
+              <a:ext uri="{FF2B5EF4-FFF2-40B4-BE49-F238E27FC236}">
+                <a16:creationId xmlns:a16="http://schemas.microsoft.com/office/drawing/2014/main" id="{04E38101-A6CD-43DF-A008-79A5BF5D68AE}"/>
+              </a:ext>
+            </a:extLst>
+          </p:cNvPr>
+          <p:cNvSpPr>
+            <a:spLocks noGrp="1"/>
+          </p:cNvSpPr>
+          <p:nvPr>
+            <p:ph type="sldNum" sz="quarter" idx="12"/>
+          </p:nvPr>
+        </p:nvSpPr>
+        <p:spPr/>
+        <p:txBody>
+          <a:bodyPr/>
+          <a:lstStyle/>
+          <a:p>
+            <a:fld id="{356453D0-7C6D-4FAD-A87B-D4E72CD04107}" type="slidenum">
+              <a:rPr lang="en-US" smtClean="0"/>
+              <a:t>17</a:t>
+            </a:fld>
+            <a:endParaRPr lang="en-US"/>
+          </a:p>
+        </p:txBody>
+      </p:sp>
+      <p:sp>
+        <p:nvSpPr>
+          <p:cNvPr id="4" name="Объект 3">
+            <a:extLst>
+              <a:ext uri="{FF2B5EF4-FFF2-40B4-BE49-F238E27FC236}">
+                <a16:creationId xmlns:a16="http://schemas.microsoft.com/office/drawing/2014/main" id="{573F978B-1AE8-4179-A917-3504EE635F93}"/>
+              </a:ext>
+            </a:extLst>
+          </p:cNvPr>
+          <p:cNvSpPr>
+            <a:spLocks noGrp="1"/>
+          </p:cNvSpPr>
+          <p:nvPr>
+            <p:ph idx="1"/>
+          </p:nvPr>
+        </p:nvSpPr>
+        <p:spPr/>
+        <p:txBody>
+          <a:bodyPr>
+            <a:normAutofit/>
+          </a:bodyPr>
+          <a:lstStyle/>
+          <a:p>
+            <a:r>
+              <a:rPr lang="ru-RU" sz="4400" dirty="0"/>
+              <a:t>Корректные данные в БД</a:t>
+            </a:r>
+          </a:p>
+          <a:p>
+            <a:r>
+              <a:rPr lang="en-US" sz="4400" dirty="0"/>
+              <a:t>Constrains </a:t>
+            </a:r>
+            <a:r>
+              <a:rPr lang="ru-RU" sz="4400" dirty="0"/>
+              <a:t>в</a:t>
+            </a:r>
+            <a:r>
+              <a:rPr lang="en-US" sz="4400" dirty="0"/>
+              <a:t> MS</a:t>
+            </a:r>
+            <a:r>
+              <a:rPr lang="ru-RU" sz="4400" dirty="0"/>
+              <a:t> </a:t>
+            </a:r>
+            <a:r>
+              <a:rPr lang="en-US" sz="4400" dirty="0"/>
+              <a:t>SQL Server</a:t>
+            </a:r>
+          </a:p>
+          <a:p>
+            <a:r>
+              <a:rPr lang="en-US" sz="4400" dirty="0" err="1"/>
+              <a:t>IValidatableObject</a:t>
+            </a:r>
+            <a:endParaRPr lang="en-US" sz="4400" dirty="0"/>
+          </a:p>
+          <a:p>
+            <a:r>
+              <a:rPr lang="en-US" sz="4400" dirty="0"/>
+              <a:t>Fluent API </a:t>
+            </a:r>
+            <a:r>
+              <a:rPr lang="ru-RU" sz="4400" dirty="0" err="1"/>
+              <a:t>конфигрурация</a:t>
+            </a:r>
+            <a:endParaRPr lang="en-US" sz="4400" dirty="0"/>
+          </a:p>
+        </p:txBody>
+      </p:sp>
+    </p:spTree>
+    <p:extLst>
+      <p:ext uri="{BB962C8B-B14F-4D97-AF65-F5344CB8AC3E}">
+        <p14:creationId xmlns:p14="http://schemas.microsoft.com/office/powerpoint/2010/main" val="667283882"/>
+      </p:ext>
+    </p:extLst>
+  </p:cSld>
+  <p:clrMapOvr>
+    <a:masterClrMapping/>
+  </p:clrMapOvr>
+  <p:transition spd="med">
+    <p:pull/>
+  </p:transition>
+</p:sld>
+</file>
+
 <file path=ppt/slides/slide2.xml><?xml version="1.0" encoding="utf-8"?>
 <p:sld xmlns:a="http://schemas.openxmlformats.org/drawingml/2006/main" xmlns:r="http://schemas.openxmlformats.org/officeDocument/2006/relationships" xmlns:p="http://schemas.openxmlformats.org/presentationml/2006/main">
   <p:cSld>

--- a/Presentation/Calabonga.Catalog.pptx
+++ b/Presentation/Calabonga.Catalog.pptx
@@ -5,10 +5,10 @@
     <p:sldMasterId id="2147483762" r:id="rId1"/>
   </p:sldMasterIdLst>
   <p:notesMasterIdLst>
-    <p:notesMasterId r:id="rId19"/>
+    <p:notesMasterId r:id="rId21"/>
   </p:notesMasterIdLst>
   <p:handoutMasterIdLst>
-    <p:handoutMasterId r:id="rId20"/>
+    <p:handoutMasterId r:id="rId22"/>
   </p:handoutMasterIdLst>
   <p:sldIdLst>
     <p:sldId id="256" r:id="rId2"/>
@@ -28,6 +28,8 @@
     <p:sldId id="270" r:id="rId16"/>
     <p:sldId id="271" r:id="rId17"/>
     <p:sldId id="272" r:id="rId18"/>
+    <p:sldId id="273" r:id="rId19"/>
+    <p:sldId id="274" r:id="rId20"/>
   </p:sldIdLst>
   <p:sldSz cx="12192000" cy="6858000"/>
   <p:notesSz cx="6858000" cy="9144000"/>
@@ -2984,7 +2986,7 @@
           <a:p>
             <a:fld id="{C7EBD34A-458D-4E15-9A13-07B008861E08}" type="datetime1">
               <a:rPr lang="ru-RU" smtClean="0"/>
-              <a:t>01.06.2019</a:t>
+              <a:t>12.06.2019</a:t>
             </a:fld>
             <a:endParaRPr lang="en-US"/>
           </a:p>
@@ -3150,7 +3152,7 @@
           <a:p>
             <a:fld id="{BD2C1305-B0C8-41A5-A415-431426818951}" type="datetime1">
               <a:rPr lang="ru-RU" smtClean="0"/>
-              <a:t>01.06.2019</a:t>
+              <a:t>12.06.2019</a:t>
             </a:fld>
             <a:endParaRPr lang="en-US"/>
           </a:p>
@@ -3724,6 +3726,128 @@
 </p:notes>
 </file>
 
+<file path=ppt/notesSlides/notesSlide14.xml><?xml version="1.0" encoding="utf-8"?>
+<p:notes xmlns:a="http://schemas.openxmlformats.org/drawingml/2006/main" xmlns:r="http://schemas.openxmlformats.org/officeDocument/2006/relationships" xmlns:p="http://schemas.openxmlformats.org/presentationml/2006/main">
+  <p:cSld>
+    <p:spTree>
+      <p:nvGrpSpPr>
+        <p:cNvPr id="1" name=""/>
+        <p:cNvGrpSpPr/>
+        <p:nvPr/>
+      </p:nvGrpSpPr>
+      <p:grpSpPr>
+        <a:xfrm>
+          <a:off x="0" y="0"/>
+          <a:ext cx="0" cy="0"/>
+          <a:chOff x="0" y="0"/>
+          <a:chExt cx="0" cy="0"/>
+        </a:xfrm>
+      </p:grpSpPr>
+      <p:sp>
+        <p:nvSpPr>
+          <p:cNvPr id="2" name="Образ слайда 1"/>
+          <p:cNvSpPr>
+            <a:spLocks noGrp="1" noRot="1" noChangeAspect="1"/>
+          </p:cNvSpPr>
+          <p:nvPr>
+            <p:ph type="sldImg"/>
+          </p:nvPr>
+        </p:nvSpPr>
+        <p:spPr/>
+      </p:sp>
+      <p:sp>
+        <p:nvSpPr>
+          <p:cNvPr id="3" name="Заметки 2"/>
+          <p:cNvSpPr>
+            <a:spLocks noGrp="1"/>
+          </p:cNvSpPr>
+          <p:nvPr>
+            <p:ph type="body" idx="1"/>
+          </p:nvPr>
+        </p:nvSpPr>
+        <p:spPr/>
+        <p:txBody>
+          <a:bodyPr/>
+          <a:lstStyle/>
+          <a:p>
+            <a:endParaRPr lang="en-US" dirty="0"/>
+          </a:p>
+        </p:txBody>
+      </p:sp>
+    </p:spTree>
+    <p:extLst>
+      <p:ext uri="{BB962C8B-B14F-4D97-AF65-F5344CB8AC3E}">
+        <p14:creationId xmlns:p14="http://schemas.microsoft.com/office/powerpoint/2010/main" val="2638538453"/>
+      </p:ext>
+    </p:extLst>
+  </p:cSld>
+  <p:clrMapOvr>
+    <a:masterClrMapping/>
+  </p:clrMapOvr>
+</p:notes>
+</file>
+
+<file path=ppt/notesSlides/notesSlide15.xml><?xml version="1.0" encoding="utf-8"?>
+<p:notes xmlns:a="http://schemas.openxmlformats.org/drawingml/2006/main" xmlns:r="http://schemas.openxmlformats.org/officeDocument/2006/relationships" xmlns:p="http://schemas.openxmlformats.org/presentationml/2006/main">
+  <p:cSld>
+    <p:spTree>
+      <p:nvGrpSpPr>
+        <p:cNvPr id="1" name=""/>
+        <p:cNvGrpSpPr/>
+        <p:nvPr/>
+      </p:nvGrpSpPr>
+      <p:grpSpPr>
+        <a:xfrm>
+          <a:off x="0" y="0"/>
+          <a:ext cx="0" cy="0"/>
+          <a:chOff x="0" y="0"/>
+          <a:chExt cx="0" cy="0"/>
+        </a:xfrm>
+      </p:grpSpPr>
+      <p:sp>
+        <p:nvSpPr>
+          <p:cNvPr id="2" name="Образ слайда 1"/>
+          <p:cNvSpPr>
+            <a:spLocks noGrp="1" noRot="1" noChangeAspect="1"/>
+          </p:cNvSpPr>
+          <p:nvPr>
+            <p:ph type="sldImg"/>
+          </p:nvPr>
+        </p:nvSpPr>
+        <p:spPr/>
+      </p:sp>
+      <p:sp>
+        <p:nvSpPr>
+          <p:cNvPr id="3" name="Заметки 2"/>
+          <p:cNvSpPr>
+            <a:spLocks noGrp="1"/>
+          </p:cNvSpPr>
+          <p:nvPr>
+            <p:ph type="body" idx="1"/>
+          </p:nvPr>
+        </p:nvSpPr>
+        <p:spPr/>
+        <p:txBody>
+          <a:bodyPr/>
+          <a:lstStyle/>
+          <a:p>
+            <a:endParaRPr lang="en-US" dirty="0"/>
+          </a:p>
+        </p:txBody>
+      </p:sp>
+    </p:spTree>
+    <p:extLst>
+      <p:ext uri="{BB962C8B-B14F-4D97-AF65-F5344CB8AC3E}">
+        <p14:creationId xmlns:p14="http://schemas.microsoft.com/office/powerpoint/2010/main" val="2840445234"/>
+      </p:ext>
+    </p:extLst>
+  </p:cSld>
+  <p:clrMapOvr>
+    <a:masterClrMapping/>
+  </p:clrMapOvr>
+</p:notes>
+</file>
+
 <file path=ppt/notesSlides/notesSlide2.xml><?xml version="1.0" encoding="utf-8"?>
 <p:notes xmlns:a="http://schemas.openxmlformats.org/drawingml/2006/main" xmlns:r="http://schemas.openxmlformats.org/officeDocument/2006/relationships" xmlns:p="http://schemas.openxmlformats.org/presentationml/2006/main">
   <p:cSld>
@@ -4494,7 +4618,7 @@
           <a:p>
             <a:fld id="{8A2250BE-F15D-44BA-9438-B9DF99335BCD}" type="datetime1">
               <a:rPr lang="ru-RU" smtClean="0"/>
-              <a:t>01.06.2019</a:t>
+              <a:t>12.06.2019</a:t>
             </a:fld>
             <a:endParaRPr lang="en-US" dirty="0"/>
           </a:p>
@@ -4827,7 +4951,7 @@
           <a:p>
             <a:fld id="{7DE2CE15-DD73-496B-88E9-3C783140B749}" type="datetime1">
               <a:rPr lang="ru-RU" smtClean="0"/>
-              <a:t>01.06.2019</a:t>
+              <a:t>12.06.2019</a:t>
             </a:fld>
             <a:endParaRPr lang="en-US"/>
           </a:p>
@@ -5228,7 +5352,7 @@
           <a:p>
             <a:fld id="{C5591223-2003-4F54-BFF5-C55495CDBD8E}" type="datetime1">
               <a:rPr lang="ru-RU" smtClean="0"/>
-              <a:t>01.06.2019</a:t>
+              <a:t>12.06.2019</a:t>
             </a:fld>
             <a:endParaRPr lang="en-US"/>
           </a:p>
@@ -5604,7 +5728,7 @@
           <a:p>
             <a:fld id="{43563794-FDD4-4540-A355-3AD563225139}" type="datetime1">
               <a:rPr lang="ru-RU" smtClean="0"/>
-              <a:t>01.06.2019</a:t>
+              <a:t>12.06.2019</a:t>
             </a:fld>
             <a:endParaRPr lang="en-US"/>
           </a:p>
@@ -6110,7 +6234,7 @@
           <a:p>
             <a:fld id="{9C6B1E0C-F71F-4246-9CF7-3D799719CFAA}" type="datetime1">
               <a:rPr lang="ru-RU" smtClean="0"/>
-              <a:t>01.06.2019</a:t>
+              <a:t>12.06.2019</a:t>
             </a:fld>
             <a:endParaRPr lang="en-US"/>
           </a:p>
@@ -6367,7 +6491,7 @@
           <a:p>
             <a:fld id="{C8CD1612-23C8-4220-8DEF-C122C80B4952}" type="datetime1">
               <a:rPr lang="ru-RU" smtClean="0"/>
-              <a:t>01.06.2019</a:t>
+              <a:t>12.06.2019</a:t>
             </a:fld>
             <a:endParaRPr lang="en-US"/>
           </a:p>
@@ -6535,7 +6659,7 @@
           <a:p>
             <a:fld id="{CD59FF44-4703-437F-9D7D-4A2470583044}" type="datetime1">
               <a:rPr lang="ru-RU" smtClean="0"/>
-              <a:t>01.06.2019</a:t>
+              <a:t>12.06.2019</a:t>
             </a:fld>
             <a:endParaRPr lang="en-US"/>
           </a:p>
@@ -6925,7 +7049,7 @@
           <a:p>
             <a:fld id="{328CCA78-EACE-4FD5-BA12-7FEDA73BAFAB}" type="datetime1">
               <a:rPr lang="ru-RU" smtClean="0"/>
-              <a:t>01.06.2019</a:t>
+              <a:t>12.06.2019</a:t>
             </a:fld>
             <a:endParaRPr lang="en-US"/>
           </a:p>
@@ -7334,7 +7458,7 @@
           <a:p>
             <a:fld id="{80D44EDB-1D2F-4DC9-A659-7C84B659E344}" type="datetime1">
               <a:rPr lang="ru-RU" smtClean="0"/>
-              <a:t>01.06.2019</a:t>
+              <a:t>12.06.2019</a:t>
             </a:fld>
             <a:endParaRPr lang="en-US"/>
           </a:p>
@@ -7580,7 +7704,7 @@
             <a:fld id="{ABA487C1-7FE9-4143-8923-87ED1DD08F19}" type="datetime1">
               <a:rPr lang="ru-RU" smtClean="0"/>
               <a:pPr/>
-              <a:t>01.06.2019</a:t>
+              <a:t>12.06.2019</a:t>
             </a:fld>
             <a:endParaRPr lang="en-US" dirty="0"/>
           </a:p>
@@ -8258,7 +8382,7 @@
           <a:p>
             <a:fld id="{2D4A23AA-1D21-4822-8346-CA7E14AECDD0}" type="datetime1">
               <a:rPr lang="ru-RU" smtClean="0"/>
-              <a:t>01.06.2019</a:t>
+              <a:t>12.06.2019</a:t>
             </a:fld>
             <a:endParaRPr lang="en-US"/>
           </a:p>
@@ -8477,7 +8601,7 @@
           <a:p>
             <a:fld id="{2D4A23AA-1D21-4822-8346-CA7E14AECDD0}" type="datetime1">
               <a:rPr lang="ru-RU" smtClean="0"/>
-              <a:t>01.06.2019</a:t>
+              <a:t>12.06.2019</a:t>
             </a:fld>
             <a:endParaRPr lang="en-US"/>
           </a:p>
@@ -8685,7 +8809,7 @@
           <a:p>
             <a:fld id="{2D4A23AA-1D21-4822-8346-CA7E14AECDD0}" type="datetime1">
               <a:rPr lang="ru-RU" smtClean="0"/>
-              <a:t>01.06.2019</a:t>
+              <a:t>12.06.2019</a:t>
             </a:fld>
             <a:endParaRPr lang="en-US"/>
           </a:p>
@@ -10202,7 +10326,7 @@
           <a:p>
             <a:fld id="{2D4A23AA-1D21-4822-8346-CA7E14AECDD0}" type="datetime1">
               <a:rPr lang="ru-RU" smtClean="0"/>
-              <a:t>01.06.2019</a:t>
+              <a:t>12.06.2019</a:t>
             </a:fld>
             <a:endParaRPr lang="en-US"/>
           </a:p>
@@ -10394,7 +10518,7 @@
           <a:p>
             <a:fld id="{2D4A23AA-1D21-4822-8346-CA7E14AECDD0}" type="datetime1">
               <a:rPr lang="ru-RU" smtClean="0"/>
-              <a:t>01.06.2019</a:t>
+              <a:t>12.06.2019</a:t>
             </a:fld>
             <a:endParaRPr lang="en-US"/>
           </a:p>
@@ -11303,7 +11427,7 @@
           <a:p>
             <a:fld id="{2D4A23AA-1D21-4822-8346-CA7E14AECDD0}" type="datetime1">
               <a:rPr lang="ru-RU" smtClean="0"/>
-              <a:t>01.06.2019</a:t>
+              <a:t>12.06.2019</a:t>
             </a:fld>
             <a:endParaRPr lang="en-US"/>
           </a:p>
@@ -12993,7 +13117,7 @@
           <a:p>
             <a:fld id="{2D4A23AA-1D21-4822-8346-CA7E14AECDD0}" type="datetime1">
               <a:rPr lang="ru-RU" smtClean="0"/>
-              <a:t>01.06.2019</a:t>
+              <a:t>12.06.2019</a:t>
             </a:fld>
             <a:endParaRPr lang="en-US"/>
           </a:p>
@@ -15676,7 +15800,7 @@
             </a:r>
             <a:r>
               <a:rPr lang="en-US" dirty="0"/>
-              <a:t>7</a:t>
+              <a:t>6</a:t>
             </a:r>
           </a:p>
         </p:txBody>
@@ -15704,7 +15828,7 @@
           <a:p>
             <a:fld id="{2D4A23AA-1D21-4822-8346-CA7E14AECDD0}" type="datetime1">
               <a:rPr lang="ru-RU" smtClean="0"/>
-              <a:t>01.06.2019</a:t>
+              <a:t>12.06.2019</a:t>
             </a:fld>
             <a:endParaRPr lang="en-US"/>
           </a:p>
@@ -15792,46 +15916,11 @@
           <a:p>
             <a:r>
               <a:rPr lang="ru-RU" sz="4400" dirty="0"/>
-              <a:t>Корректные данные в БД</a:t>
-            </a:r>
-          </a:p>
-          <a:p>
-            <a:r>
-              <a:rPr lang="en-US" sz="4400" dirty="0"/>
-              <a:t>Constrains </a:t>
-            </a:r>
-            <a:r>
-              <a:rPr lang="ru-RU" sz="4400" dirty="0"/>
-              <a:t>в</a:t>
-            </a:r>
-            <a:r>
-              <a:rPr lang="en-US" sz="4400" dirty="0"/>
-              <a:t> MS</a:t>
-            </a:r>
-            <a:r>
-              <a:rPr lang="ru-RU" sz="4400" dirty="0"/>
-              <a:t> </a:t>
-            </a:r>
-            <a:r>
-              <a:rPr lang="en-US" sz="4400" dirty="0"/>
-              <a:t>SQL Server</a:t>
-            </a:r>
-          </a:p>
-          <a:p>
+              <a:t>Управление сущностью или </a:t>
+            </a:r>
             <a:r>
               <a:rPr lang="en-US" sz="4400" dirty="0" err="1"/>
-              <a:t>IValidatableObject</a:t>
-            </a:r>
-            <a:endParaRPr lang="en-US" sz="4400" dirty="0"/>
-          </a:p>
-          <a:p>
-            <a:r>
-              <a:rPr lang="en-US" sz="4400" dirty="0"/>
-              <a:t>Fluent API </a:t>
-            </a:r>
-            <a:r>
-              <a:rPr lang="ru-RU" sz="4400" dirty="0" err="1"/>
-              <a:t>конфигрурация</a:t>
+              <a:t>EntityManager</a:t>
             </a:r>
             <a:endParaRPr lang="en-US" sz="4400" dirty="0"/>
           </a:p>
@@ -15841,6 +15930,424 @@
     <p:extLst>
       <p:ext uri="{BB962C8B-B14F-4D97-AF65-F5344CB8AC3E}">
         <p14:creationId xmlns:p14="http://schemas.microsoft.com/office/powerpoint/2010/main" val="667283882"/>
+      </p:ext>
+    </p:extLst>
+  </p:cSld>
+  <p:clrMapOvr>
+    <a:masterClrMapping/>
+  </p:clrMapOvr>
+  <p:transition spd="med">
+    <p:pull/>
+  </p:transition>
+</p:sld>
+</file>
+
+<file path=ppt/slides/slide18.xml><?xml version="1.0" encoding="utf-8"?>
+<p:sld xmlns:a="http://schemas.openxmlformats.org/drawingml/2006/main" xmlns:r="http://schemas.openxmlformats.org/officeDocument/2006/relationships" xmlns:p="http://schemas.openxmlformats.org/presentationml/2006/main">
+  <p:cSld>
+    <p:spTree>
+      <p:nvGrpSpPr>
+        <p:cNvPr id="1" name=""/>
+        <p:cNvGrpSpPr/>
+        <p:nvPr/>
+      </p:nvGrpSpPr>
+      <p:grpSpPr>
+        <a:xfrm>
+          <a:off x="0" y="0"/>
+          <a:ext cx="0" cy="0"/>
+          <a:chOff x="0" y="0"/>
+          <a:chExt cx="0" cy="0"/>
+        </a:xfrm>
+      </p:grpSpPr>
+      <p:sp>
+        <p:nvSpPr>
+          <p:cNvPr id="2" name="Заголовок 1">
+            <a:extLst>
+              <a:ext uri="{FF2B5EF4-FFF2-40B4-BE49-F238E27FC236}">
+                <a16:creationId xmlns:a16="http://schemas.microsoft.com/office/drawing/2014/main" id="{5ED3076E-2E51-49BA-B663-2E6FD28DE68E}"/>
+              </a:ext>
+            </a:extLst>
+          </p:cNvPr>
+          <p:cNvSpPr>
+            <a:spLocks noGrp="1"/>
+          </p:cNvSpPr>
+          <p:nvPr>
+            <p:ph type="title"/>
+          </p:nvPr>
+        </p:nvSpPr>
+        <p:spPr/>
+        <p:txBody>
+          <a:bodyPr/>
+          <a:lstStyle/>
+          <a:p>
+            <a:r>
+              <a:rPr lang="ru-RU" dirty="0"/>
+              <a:t>Часть </a:t>
+            </a:r>
+            <a:r>
+              <a:rPr lang="en-US" dirty="0"/>
+              <a:t>7</a:t>
+            </a:r>
+          </a:p>
+        </p:txBody>
+      </p:sp>
+      <p:sp>
+        <p:nvSpPr>
+          <p:cNvPr id="6" name="Дата 5">
+            <a:extLst>
+              <a:ext uri="{FF2B5EF4-FFF2-40B4-BE49-F238E27FC236}">
+                <a16:creationId xmlns:a16="http://schemas.microsoft.com/office/drawing/2014/main" id="{3D389C93-18E8-4B65-9A0C-57EA5FF1262A}"/>
+              </a:ext>
+            </a:extLst>
+          </p:cNvPr>
+          <p:cNvSpPr>
+            <a:spLocks noGrp="1"/>
+          </p:cNvSpPr>
+          <p:nvPr>
+            <p:ph type="dt" sz="half" idx="10"/>
+          </p:nvPr>
+        </p:nvSpPr>
+        <p:spPr/>
+        <p:txBody>
+          <a:bodyPr/>
+          <a:lstStyle/>
+          <a:p>
+            <a:fld id="{2D4A23AA-1D21-4822-8346-CA7E14AECDD0}" type="datetime1">
+              <a:rPr lang="ru-RU" smtClean="0"/>
+              <a:t>12.06.2019</a:t>
+            </a:fld>
+            <a:endParaRPr lang="en-US"/>
+          </a:p>
+        </p:txBody>
+      </p:sp>
+      <p:sp>
+        <p:nvSpPr>
+          <p:cNvPr id="7" name="Нижний колонтитул 6">
+            <a:extLst>
+              <a:ext uri="{FF2B5EF4-FFF2-40B4-BE49-F238E27FC236}">
+                <a16:creationId xmlns:a16="http://schemas.microsoft.com/office/drawing/2014/main" id="{FD3B82CA-042F-4A44-8CC3-391A074B55D4}"/>
+              </a:ext>
+            </a:extLst>
+          </p:cNvPr>
+          <p:cNvSpPr>
+            <a:spLocks noGrp="1"/>
+          </p:cNvSpPr>
+          <p:nvPr>
+            <p:ph type="ftr" sz="quarter" idx="11"/>
+          </p:nvPr>
+        </p:nvSpPr>
+        <p:spPr/>
+        <p:txBody>
+          <a:bodyPr/>
+          <a:lstStyle/>
+          <a:p>
+            <a:r>
+              <a:rPr lang="en-US"/>
+              <a:t>www.calabonga.net</a:t>
+            </a:r>
+          </a:p>
+        </p:txBody>
+      </p:sp>
+      <p:sp>
+        <p:nvSpPr>
+          <p:cNvPr id="8" name="Номер слайда 7">
+            <a:extLst>
+              <a:ext uri="{FF2B5EF4-FFF2-40B4-BE49-F238E27FC236}">
+                <a16:creationId xmlns:a16="http://schemas.microsoft.com/office/drawing/2014/main" id="{04E38101-A6CD-43DF-A008-79A5BF5D68AE}"/>
+              </a:ext>
+            </a:extLst>
+          </p:cNvPr>
+          <p:cNvSpPr>
+            <a:spLocks noGrp="1"/>
+          </p:cNvSpPr>
+          <p:nvPr>
+            <p:ph type="sldNum" sz="quarter" idx="12"/>
+          </p:nvPr>
+        </p:nvSpPr>
+        <p:spPr/>
+        <p:txBody>
+          <a:bodyPr/>
+          <a:lstStyle/>
+          <a:p>
+            <a:fld id="{356453D0-7C6D-4FAD-A87B-D4E72CD04107}" type="slidenum">
+              <a:rPr lang="en-US" smtClean="0"/>
+              <a:t>18</a:t>
+            </a:fld>
+            <a:endParaRPr lang="en-US"/>
+          </a:p>
+        </p:txBody>
+      </p:sp>
+      <p:sp>
+        <p:nvSpPr>
+          <p:cNvPr id="4" name="Объект 3">
+            <a:extLst>
+              <a:ext uri="{FF2B5EF4-FFF2-40B4-BE49-F238E27FC236}">
+                <a16:creationId xmlns:a16="http://schemas.microsoft.com/office/drawing/2014/main" id="{573F978B-1AE8-4179-A917-3504EE635F93}"/>
+              </a:ext>
+            </a:extLst>
+          </p:cNvPr>
+          <p:cNvSpPr>
+            <a:spLocks noGrp="1"/>
+          </p:cNvSpPr>
+          <p:nvPr>
+            <p:ph idx="1"/>
+          </p:nvPr>
+        </p:nvSpPr>
+        <p:spPr/>
+        <p:txBody>
+          <a:bodyPr>
+            <a:normAutofit/>
+          </a:bodyPr>
+          <a:lstStyle/>
+          <a:p>
+            <a:r>
+              <a:rPr lang="ru-RU" sz="4400" dirty="0"/>
+              <a:t>Корректные данные в БД</a:t>
+            </a:r>
+          </a:p>
+          <a:p>
+            <a:r>
+              <a:rPr lang="en-US" sz="4400" dirty="0"/>
+              <a:t>Constrains </a:t>
+            </a:r>
+            <a:r>
+              <a:rPr lang="ru-RU" sz="4400" dirty="0"/>
+              <a:t>в</a:t>
+            </a:r>
+            <a:r>
+              <a:rPr lang="en-US" sz="4400" dirty="0"/>
+              <a:t> MS</a:t>
+            </a:r>
+            <a:r>
+              <a:rPr lang="ru-RU" sz="4400" dirty="0"/>
+              <a:t> </a:t>
+            </a:r>
+            <a:r>
+              <a:rPr lang="en-US" sz="4400" dirty="0"/>
+              <a:t>SQL Server</a:t>
+            </a:r>
+          </a:p>
+          <a:p>
+            <a:r>
+              <a:rPr lang="en-US" sz="4400" dirty="0" err="1"/>
+              <a:t>IValidatableObject</a:t>
+            </a:r>
+            <a:endParaRPr lang="en-US" sz="4400" dirty="0"/>
+          </a:p>
+          <a:p>
+            <a:r>
+              <a:rPr lang="en-US" sz="4400" dirty="0"/>
+              <a:t>Fluent API </a:t>
+            </a:r>
+            <a:r>
+              <a:rPr lang="ru-RU" sz="4400" dirty="0" err="1"/>
+              <a:t>конфигрурация</a:t>
+            </a:r>
+            <a:endParaRPr lang="en-US" sz="4400" dirty="0"/>
+          </a:p>
+        </p:txBody>
+      </p:sp>
+    </p:spTree>
+    <p:extLst>
+      <p:ext uri="{BB962C8B-B14F-4D97-AF65-F5344CB8AC3E}">
+        <p14:creationId xmlns:p14="http://schemas.microsoft.com/office/powerpoint/2010/main" val="1587386963"/>
+      </p:ext>
+    </p:extLst>
+  </p:cSld>
+  <p:clrMapOvr>
+    <a:masterClrMapping/>
+  </p:clrMapOvr>
+  <p:transition spd="med">
+    <p:pull/>
+  </p:transition>
+</p:sld>
+</file>
+
+<file path=ppt/slides/slide19.xml><?xml version="1.0" encoding="utf-8"?>
+<p:sld xmlns:a="http://schemas.openxmlformats.org/drawingml/2006/main" xmlns:r="http://schemas.openxmlformats.org/officeDocument/2006/relationships" xmlns:p="http://schemas.openxmlformats.org/presentationml/2006/main">
+  <p:cSld>
+    <p:spTree>
+      <p:nvGrpSpPr>
+        <p:cNvPr id="1" name=""/>
+        <p:cNvGrpSpPr/>
+        <p:nvPr/>
+      </p:nvGrpSpPr>
+      <p:grpSpPr>
+        <a:xfrm>
+          <a:off x="0" y="0"/>
+          <a:ext cx="0" cy="0"/>
+          <a:chOff x="0" y="0"/>
+          <a:chExt cx="0" cy="0"/>
+        </a:xfrm>
+      </p:grpSpPr>
+      <p:sp>
+        <p:nvSpPr>
+          <p:cNvPr id="2" name="Заголовок 1">
+            <a:extLst>
+              <a:ext uri="{FF2B5EF4-FFF2-40B4-BE49-F238E27FC236}">
+                <a16:creationId xmlns:a16="http://schemas.microsoft.com/office/drawing/2014/main" id="{5ED3076E-2E51-49BA-B663-2E6FD28DE68E}"/>
+              </a:ext>
+            </a:extLst>
+          </p:cNvPr>
+          <p:cNvSpPr>
+            <a:spLocks noGrp="1"/>
+          </p:cNvSpPr>
+          <p:nvPr>
+            <p:ph type="title"/>
+          </p:nvPr>
+        </p:nvSpPr>
+        <p:spPr/>
+        <p:txBody>
+          <a:bodyPr/>
+          <a:lstStyle/>
+          <a:p>
+            <a:r>
+              <a:rPr lang="ru-RU" dirty="0"/>
+              <a:t>Часть </a:t>
+            </a:r>
+            <a:r>
+              <a:rPr lang="en-US" dirty="0"/>
+              <a:t>8</a:t>
+            </a:r>
+          </a:p>
+        </p:txBody>
+      </p:sp>
+      <p:sp>
+        <p:nvSpPr>
+          <p:cNvPr id="6" name="Дата 5">
+            <a:extLst>
+              <a:ext uri="{FF2B5EF4-FFF2-40B4-BE49-F238E27FC236}">
+                <a16:creationId xmlns:a16="http://schemas.microsoft.com/office/drawing/2014/main" id="{3D389C93-18E8-4B65-9A0C-57EA5FF1262A}"/>
+              </a:ext>
+            </a:extLst>
+          </p:cNvPr>
+          <p:cNvSpPr>
+            <a:spLocks noGrp="1"/>
+          </p:cNvSpPr>
+          <p:nvPr>
+            <p:ph type="dt" sz="half" idx="10"/>
+          </p:nvPr>
+        </p:nvSpPr>
+        <p:spPr/>
+        <p:txBody>
+          <a:bodyPr/>
+          <a:lstStyle/>
+          <a:p>
+            <a:fld id="{2D4A23AA-1D21-4822-8346-CA7E14AECDD0}" type="datetime1">
+              <a:rPr lang="ru-RU" smtClean="0"/>
+              <a:t>12.06.2019</a:t>
+            </a:fld>
+            <a:endParaRPr lang="en-US"/>
+          </a:p>
+        </p:txBody>
+      </p:sp>
+      <p:sp>
+        <p:nvSpPr>
+          <p:cNvPr id="7" name="Нижний колонтитул 6">
+            <a:extLst>
+              <a:ext uri="{FF2B5EF4-FFF2-40B4-BE49-F238E27FC236}">
+                <a16:creationId xmlns:a16="http://schemas.microsoft.com/office/drawing/2014/main" id="{FD3B82CA-042F-4A44-8CC3-391A074B55D4}"/>
+              </a:ext>
+            </a:extLst>
+          </p:cNvPr>
+          <p:cNvSpPr>
+            <a:spLocks noGrp="1"/>
+          </p:cNvSpPr>
+          <p:nvPr>
+            <p:ph type="ftr" sz="quarter" idx="11"/>
+          </p:nvPr>
+        </p:nvSpPr>
+        <p:spPr/>
+        <p:txBody>
+          <a:bodyPr/>
+          <a:lstStyle/>
+          <a:p>
+            <a:r>
+              <a:rPr lang="en-US"/>
+              <a:t>www.calabonga.net</a:t>
+            </a:r>
+          </a:p>
+        </p:txBody>
+      </p:sp>
+      <p:sp>
+        <p:nvSpPr>
+          <p:cNvPr id="8" name="Номер слайда 7">
+            <a:extLst>
+              <a:ext uri="{FF2B5EF4-FFF2-40B4-BE49-F238E27FC236}">
+                <a16:creationId xmlns:a16="http://schemas.microsoft.com/office/drawing/2014/main" id="{04E38101-A6CD-43DF-A008-79A5BF5D68AE}"/>
+              </a:ext>
+            </a:extLst>
+          </p:cNvPr>
+          <p:cNvSpPr>
+            <a:spLocks noGrp="1"/>
+          </p:cNvSpPr>
+          <p:nvPr>
+            <p:ph type="sldNum" sz="quarter" idx="12"/>
+          </p:nvPr>
+        </p:nvSpPr>
+        <p:spPr/>
+        <p:txBody>
+          <a:bodyPr/>
+          <a:lstStyle/>
+          <a:p>
+            <a:fld id="{356453D0-7C6D-4FAD-A87B-D4E72CD04107}" type="slidenum">
+              <a:rPr lang="en-US" smtClean="0"/>
+              <a:t>19</a:t>
+            </a:fld>
+            <a:endParaRPr lang="en-US"/>
+          </a:p>
+        </p:txBody>
+      </p:sp>
+      <p:sp>
+        <p:nvSpPr>
+          <p:cNvPr id="4" name="Объект 3">
+            <a:extLst>
+              <a:ext uri="{FF2B5EF4-FFF2-40B4-BE49-F238E27FC236}">
+                <a16:creationId xmlns:a16="http://schemas.microsoft.com/office/drawing/2014/main" id="{573F978B-1AE8-4179-A917-3504EE635F93}"/>
+              </a:ext>
+            </a:extLst>
+          </p:cNvPr>
+          <p:cNvSpPr>
+            <a:spLocks noGrp="1"/>
+          </p:cNvSpPr>
+          <p:nvPr>
+            <p:ph idx="1"/>
+          </p:nvPr>
+        </p:nvSpPr>
+        <p:spPr/>
+        <p:txBody>
+          <a:bodyPr>
+            <a:normAutofit/>
+          </a:bodyPr>
+          <a:lstStyle/>
+          <a:p>
+            <a:r>
+              <a:rPr lang="ru-RU" sz="4400" dirty="0"/>
+              <a:t>Создаем инфраструктуру для сущности </a:t>
+            </a:r>
+            <a:r>
+              <a:rPr lang="en-US" sz="4400" dirty="0"/>
+              <a:t>Product</a:t>
+            </a:r>
+            <a:endParaRPr lang="ru-RU" sz="4400" dirty="0"/>
+          </a:p>
+          <a:p>
+            <a:r>
+              <a:rPr lang="ru-RU" sz="4400" dirty="0"/>
+              <a:t>Еще раз о </a:t>
+            </a:r>
+            <a:r>
+              <a:rPr lang="en-US" sz="4400"/>
+              <a:t>ViewModelFactory</a:t>
+            </a:r>
+            <a:endParaRPr lang="en-US" sz="4400" dirty="0"/>
+          </a:p>
+        </p:txBody>
+      </p:sp>
+    </p:spTree>
+    <p:extLst>
+      <p:ext uri="{BB962C8B-B14F-4D97-AF65-F5344CB8AC3E}">
+        <p14:creationId xmlns:p14="http://schemas.microsoft.com/office/powerpoint/2010/main" val="1972057581"/>
       </p:ext>
     </p:extLst>
   </p:cSld>
@@ -16012,7 +16519,7 @@
           <a:p>
             <a:fld id="{10A25188-2956-4DA3-8229-5D523B568A6A}" type="datetime1">
               <a:rPr lang="ru-RU" smtClean="0"/>
-              <a:t>01.06.2019</a:t>
+              <a:t>12.06.2019</a:t>
             </a:fld>
             <a:endParaRPr lang="en-US"/>
           </a:p>
@@ -16436,7 +16943,7 @@
           <a:p>
             <a:fld id="{2B345FB0-09AD-4AC0-8DC4-6C68B700A600}" type="datetime1">
               <a:rPr lang="ru-RU" smtClean="0"/>
-              <a:t>01.06.2019</a:t>
+              <a:t>12.06.2019</a:t>
             </a:fld>
             <a:endParaRPr lang="en-US"/>
           </a:p>
@@ -16639,7 +17146,7 @@
           <a:p>
             <a:fld id="{AA4BE119-AABE-437D-8F94-331A05056B80}" type="datetime1">
               <a:rPr lang="ru-RU" smtClean="0"/>
-              <a:t>01.06.2019</a:t>
+              <a:t>12.06.2019</a:t>
             </a:fld>
             <a:endParaRPr lang="en-US"/>
           </a:p>
@@ -16819,7 +17326,7 @@
           <a:p>
             <a:fld id="{AA4BE119-AABE-437D-8F94-331A05056B80}" type="datetime1">
               <a:rPr lang="ru-RU" smtClean="0"/>
-              <a:t>01.06.2019</a:t>
+              <a:t>12.06.2019</a:t>
             </a:fld>
             <a:endParaRPr lang="en-US"/>
           </a:p>
@@ -17555,7 +18062,7 @@
           <a:p>
             <a:fld id="{2D4A23AA-1D21-4822-8346-CA7E14AECDD0}" type="datetime1">
               <a:rPr lang="ru-RU" smtClean="0"/>
-              <a:t>01.06.2019</a:t>
+              <a:t>12.06.2019</a:t>
             </a:fld>
             <a:endParaRPr lang="en-US"/>
           </a:p>
@@ -17815,7 +18322,7 @@
           <a:p>
             <a:fld id="{2D4A23AA-1D21-4822-8346-CA7E14AECDD0}" type="datetime1">
               <a:rPr lang="ru-RU" smtClean="0"/>
-              <a:t>01.06.2019</a:t>
+              <a:t>12.06.2019</a:t>
             </a:fld>
             <a:endParaRPr lang="en-US"/>
           </a:p>
@@ -19707,7 +20214,7 @@
           <a:p>
             <a:fld id="{2D4A23AA-1D21-4822-8346-CA7E14AECDD0}" type="datetime1">
               <a:rPr lang="ru-RU" smtClean="0"/>
-              <a:t>01.06.2019</a:t>
+              <a:t>12.06.2019</a:t>
             </a:fld>
             <a:endParaRPr lang="en-US"/>
           </a:p>
@@ -20105,7 +20612,7 @@
           <a:p>
             <a:fld id="{2D4A23AA-1D21-4822-8346-CA7E14AECDD0}" type="datetime1">
               <a:rPr lang="ru-RU" smtClean="0"/>
-              <a:t>01.06.2019</a:t>
+              <a:t>12.06.2019</a:t>
             </a:fld>
             <a:endParaRPr lang="en-US"/>
           </a:p>

--- a/Presentation/Calabonga.Catalog.pptx
+++ b/Presentation/Calabonga.Catalog.pptx
@@ -5,10 +5,10 @@
     <p:sldMasterId id="2147483762" r:id="rId1"/>
   </p:sldMasterIdLst>
   <p:notesMasterIdLst>
-    <p:notesMasterId r:id="rId21"/>
+    <p:notesMasterId r:id="rId22"/>
   </p:notesMasterIdLst>
   <p:handoutMasterIdLst>
-    <p:handoutMasterId r:id="rId22"/>
+    <p:handoutMasterId r:id="rId23"/>
   </p:handoutMasterIdLst>
   <p:sldIdLst>
     <p:sldId id="256" r:id="rId2"/>
@@ -30,6 +30,7 @@
     <p:sldId id="272" r:id="rId18"/>
     <p:sldId id="273" r:id="rId19"/>
     <p:sldId id="274" r:id="rId20"/>
+    <p:sldId id="275" r:id="rId21"/>
   </p:sldIdLst>
   <p:sldSz cx="12192000" cy="6858000"/>
   <p:notesSz cx="6858000" cy="9144000"/>
@@ -3848,6 +3849,67 @@
 </p:notes>
 </file>
 
+<file path=ppt/notesSlides/notesSlide16.xml><?xml version="1.0" encoding="utf-8"?>
+<p:notes xmlns:a="http://schemas.openxmlformats.org/drawingml/2006/main" xmlns:r="http://schemas.openxmlformats.org/officeDocument/2006/relationships" xmlns:p="http://schemas.openxmlformats.org/presentationml/2006/main">
+  <p:cSld>
+    <p:spTree>
+      <p:nvGrpSpPr>
+        <p:cNvPr id="1" name=""/>
+        <p:cNvGrpSpPr/>
+        <p:nvPr/>
+      </p:nvGrpSpPr>
+      <p:grpSpPr>
+        <a:xfrm>
+          <a:off x="0" y="0"/>
+          <a:ext cx="0" cy="0"/>
+          <a:chOff x="0" y="0"/>
+          <a:chExt cx="0" cy="0"/>
+        </a:xfrm>
+      </p:grpSpPr>
+      <p:sp>
+        <p:nvSpPr>
+          <p:cNvPr id="2" name="Образ слайда 1"/>
+          <p:cNvSpPr>
+            <a:spLocks noGrp="1" noRot="1" noChangeAspect="1"/>
+          </p:cNvSpPr>
+          <p:nvPr>
+            <p:ph type="sldImg"/>
+          </p:nvPr>
+        </p:nvSpPr>
+        <p:spPr/>
+      </p:sp>
+      <p:sp>
+        <p:nvSpPr>
+          <p:cNvPr id="3" name="Заметки 2"/>
+          <p:cNvSpPr>
+            <a:spLocks noGrp="1"/>
+          </p:cNvSpPr>
+          <p:nvPr>
+            <p:ph type="body" idx="1"/>
+          </p:nvPr>
+        </p:nvSpPr>
+        <p:spPr/>
+        <p:txBody>
+          <a:bodyPr/>
+          <a:lstStyle/>
+          <a:p>
+            <a:endParaRPr lang="en-US" dirty="0"/>
+          </a:p>
+        </p:txBody>
+      </p:sp>
+    </p:spTree>
+    <p:extLst>
+      <p:ext uri="{BB962C8B-B14F-4D97-AF65-F5344CB8AC3E}">
+        <p14:creationId xmlns:p14="http://schemas.microsoft.com/office/powerpoint/2010/main" val="1914919903"/>
+      </p:ext>
+    </p:extLst>
+  </p:cSld>
+  <p:clrMapOvr>
+    <a:masterClrMapping/>
+  </p:clrMapOvr>
+</p:notes>
+</file>
+
 <file path=ppt/notesSlides/notesSlide2.xml><?xml version="1.0" encoding="utf-8"?>
 <p:notes xmlns:a="http://schemas.openxmlformats.org/drawingml/2006/main" xmlns:r="http://schemas.openxmlformats.org/officeDocument/2006/relationships" xmlns:p="http://schemas.openxmlformats.org/presentationml/2006/main">
   <p:cSld>
@@ -16778,6 +16840,364 @@
 </p:sld>
 </file>
 
+<file path=ppt/slides/slide20.xml><?xml version="1.0" encoding="utf-8"?>
+<p:sld xmlns:a="http://schemas.openxmlformats.org/drawingml/2006/main" xmlns:r="http://schemas.openxmlformats.org/officeDocument/2006/relationships" xmlns:p="http://schemas.openxmlformats.org/presentationml/2006/main">
+  <p:cSld>
+    <p:spTree>
+      <p:nvGrpSpPr>
+        <p:cNvPr id="1" name=""/>
+        <p:cNvGrpSpPr/>
+        <p:nvPr/>
+      </p:nvGrpSpPr>
+      <p:grpSpPr>
+        <a:xfrm>
+          <a:off x="0" y="0"/>
+          <a:ext cx="0" cy="0"/>
+          <a:chOff x="0" y="0"/>
+          <a:chExt cx="0" cy="0"/>
+        </a:xfrm>
+      </p:grpSpPr>
+      <p:sp>
+        <p:nvSpPr>
+          <p:cNvPr id="2" name="Заголовок 1">
+            <a:extLst>
+              <a:ext uri="{FF2B5EF4-FFF2-40B4-BE49-F238E27FC236}">
+                <a16:creationId xmlns:a16="http://schemas.microsoft.com/office/drawing/2014/main" id="{5ED3076E-2E51-49BA-B663-2E6FD28DE68E}"/>
+              </a:ext>
+            </a:extLst>
+          </p:cNvPr>
+          <p:cNvSpPr>
+            <a:spLocks noGrp="1"/>
+          </p:cNvSpPr>
+          <p:nvPr>
+            <p:ph type="title"/>
+          </p:nvPr>
+        </p:nvSpPr>
+        <p:spPr/>
+        <p:txBody>
+          <a:bodyPr/>
+          <a:lstStyle/>
+          <a:p>
+            <a:r>
+              <a:rPr lang="ru-RU" dirty="0"/>
+              <a:t>Часть </a:t>
+            </a:r>
+            <a:r>
+              <a:rPr lang="en-US" dirty="0"/>
+              <a:t>9</a:t>
+            </a:r>
+          </a:p>
+        </p:txBody>
+      </p:sp>
+      <p:sp>
+        <p:nvSpPr>
+          <p:cNvPr id="6" name="Дата 5">
+            <a:extLst>
+              <a:ext uri="{FF2B5EF4-FFF2-40B4-BE49-F238E27FC236}">
+                <a16:creationId xmlns:a16="http://schemas.microsoft.com/office/drawing/2014/main" id="{3D389C93-18E8-4B65-9A0C-57EA5FF1262A}"/>
+              </a:ext>
+            </a:extLst>
+          </p:cNvPr>
+          <p:cNvSpPr>
+            <a:spLocks noGrp="1"/>
+          </p:cNvSpPr>
+          <p:nvPr>
+            <p:ph type="dt" sz="half" idx="10"/>
+          </p:nvPr>
+        </p:nvSpPr>
+        <p:spPr/>
+        <p:txBody>
+          <a:bodyPr/>
+          <a:lstStyle/>
+          <a:p>
+            <a:fld id="{2D4A23AA-1D21-4822-8346-CA7E14AECDD0}" type="datetime1">
+              <a:rPr lang="ru-RU" smtClean="0"/>
+              <a:t>12.06.2019</a:t>
+            </a:fld>
+            <a:endParaRPr lang="en-US"/>
+          </a:p>
+        </p:txBody>
+      </p:sp>
+      <p:sp>
+        <p:nvSpPr>
+          <p:cNvPr id="7" name="Нижний колонтитул 6">
+            <a:extLst>
+              <a:ext uri="{FF2B5EF4-FFF2-40B4-BE49-F238E27FC236}">
+                <a16:creationId xmlns:a16="http://schemas.microsoft.com/office/drawing/2014/main" id="{FD3B82CA-042F-4A44-8CC3-391A074B55D4}"/>
+              </a:ext>
+            </a:extLst>
+          </p:cNvPr>
+          <p:cNvSpPr>
+            <a:spLocks noGrp="1"/>
+          </p:cNvSpPr>
+          <p:nvPr>
+            <p:ph type="ftr" sz="quarter" idx="11"/>
+          </p:nvPr>
+        </p:nvSpPr>
+        <p:spPr/>
+        <p:txBody>
+          <a:bodyPr/>
+          <a:lstStyle/>
+          <a:p>
+            <a:r>
+              <a:rPr lang="en-US"/>
+              <a:t>www.calabonga.net</a:t>
+            </a:r>
+          </a:p>
+        </p:txBody>
+      </p:sp>
+      <p:sp>
+        <p:nvSpPr>
+          <p:cNvPr id="8" name="Номер слайда 7">
+            <a:extLst>
+              <a:ext uri="{FF2B5EF4-FFF2-40B4-BE49-F238E27FC236}">
+                <a16:creationId xmlns:a16="http://schemas.microsoft.com/office/drawing/2014/main" id="{04E38101-A6CD-43DF-A008-79A5BF5D68AE}"/>
+              </a:ext>
+            </a:extLst>
+          </p:cNvPr>
+          <p:cNvSpPr>
+            <a:spLocks noGrp="1"/>
+          </p:cNvSpPr>
+          <p:nvPr>
+            <p:ph type="sldNum" sz="quarter" idx="12"/>
+          </p:nvPr>
+        </p:nvSpPr>
+        <p:spPr/>
+        <p:txBody>
+          <a:bodyPr/>
+          <a:lstStyle/>
+          <a:p>
+            <a:fld id="{356453D0-7C6D-4FAD-A87B-D4E72CD04107}" type="slidenum">
+              <a:rPr lang="en-US" smtClean="0"/>
+              <a:t>20</a:t>
+            </a:fld>
+            <a:endParaRPr lang="en-US"/>
+          </a:p>
+        </p:txBody>
+      </p:sp>
+      <p:sp>
+        <p:nvSpPr>
+          <p:cNvPr id="4" name="Объект 3">
+            <a:extLst>
+              <a:ext uri="{FF2B5EF4-FFF2-40B4-BE49-F238E27FC236}">
+                <a16:creationId xmlns:a16="http://schemas.microsoft.com/office/drawing/2014/main" id="{573F978B-1AE8-4179-A917-3504EE635F93}"/>
+              </a:ext>
+            </a:extLst>
+          </p:cNvPr>
+          <p:cNvSpPr>
+            <a:spLocks noGrp="1"/>
+          </p:cNvSpPr>
+          <p:nvPr>
+            <p:ph idx="1"/>
+          </p:nvPr>
+        </p:nvSpPr>
+        <p:spPr/>
+        <p:txBody>
+          <a:bodyPr>
+            <a:normAutofit/>
+          </a:bodyPr>
+          <a:lstStyle/>
+          <a:p>
+            <a:r>
+              <a:rPr lang="ru-RU" sz="4400" dirty="0"/>
+              <a:t>Создаем сущность </a:t>
+            </a:r>
+            <a:r>
+              <a:rPr lang="en-US" sz="4400" dirty="0"/>
+              <a:t>Review</a:t>
+            </a:r>
+          </a:p>
+          <a:p>
+            <a:r>
+              <a:rPr lang="ru-RU" sz="4400" dirty="0"/>
+              <a:t>Создаем сущность </a:t>
+            </a:r>
+            <a:r>
+              <a:rPr lang="en-US" sz="4400" dirty="0"/>
+              <a:t>Tag</a:t>
+            </a:r>
+            <a:endParaRPr lang="ru-RU" sz="4400" dirty="0"/>
+          </a:p>
+          <a:p>
+            <a:endParaRPr lang="en-US" sz="4400" dirty="0"/>
+          </a:p>
+        </p:txBody>
+      </p:sp>
+      <p:pic>
+        <p:nvPicPr>
+          <p:cNvPr id="3" name="Рисунок 2">
+            <a:extLst>
+              <a:ext uri="{FF2B5EF4-FFF2-40B4-BE49-F238E27FC236}">
+                <a16:creationId xmlns:a16="http://schemas.microsoft.com/office/drawing/2014/main" id="{D31B023A-7049-48C7-A9AC-954ECBC8AD09}"/>
+              </a:ext>
+            </a:extLst>
+          </p:cNvPr>
+          <p:cNvPicPr>
+            <a:picLocks noChangeAspect="1"/>
+          </p:cNvPicPr>
+          <p:nvPr/>
+        </p:nvPicPr>
+        <p:blipFill>
+          <a:blip r:embed="rId3"/>
+          <a:stretch>
+            <a:fillRect/>
+          </a:stretch>
+        </p:blipFill>
+        <p:spPr>
+          <a:xfrm>
+            <a:off x="5039360" y="2507231"/>
+            <a:ext cx="5439661" cy="3811020"/>
+          </a:xfrm>
+          <a:prstGeom prst="rect">
+            <a:avLst/>
+          </a:prstGeom>
+        </p:spPr>
+      </p:pic>
+    </p:spTree>
+    <p:extLst>
+      <p:ext uri="{BB962C8B-B14F-4D97-AF65-F5344CB8AC3E}">
+        <p14:creationId xmlns:p14="http://schemas.microsoft.com/office/powerpoint/2010/main" val="3467241599"/>
+      </p:ext>
+    </p:extLst>
+  </p:cSld>
+  <p:clrMapOvr>
+    <a:masterClrMapping/>
+  </p:clrMapOvr>
+  <p:transition spd="med">
+    <p:pull/>
+  </p:transition>
+  <p:timing>
+    <p:tnLst>
+      <p:par>
+        <p:cTn id="1" dur="indefinite" restart="never" nodeType="tmRoot">
+          <p:childTnLst>
+            <p:seq concurrent="1" nextAc="seek">
+              <p:cTn id="2" dur="indefinite" nodeType="mainSeq">
+                <p:childTnLst>
+                  <p:par>
+                    <p:cTn id="3" fill="hold">
+                      <p:stCondLst>
+                        <p:cond delay="indefinite"/>
+                      </p:stCondLst>
+                      <p:childTnLst>
+                        <p:par>
+                          <p:cTn id="4" fill="hold">
+                            <p:stCondLst>
+                              <p:cond delay="0"/>
+                            </p:stCondLst>
+                            <p:childTnLst>
+                              <p:par>
+                                <p:cTn id="5" presetID="53" presetClass="entr" presetSubtype="16" fill="hold" nodeType="clickEffect">
+                                  <p:stCondLst>
+                                    <p:cond delay="0"/>
+                                  </p:stCondLst>
+                                  <p:childTnLst>
+                                    <p:set>
+                                      <p:cBhvr>
+                                        <p:cTn id="6" dur="1" fill="hold">
+                                          <p:stCondLst>
+                                            <p:cond delay="0"/>
+                                          </p:stCondLst>
+                                        </p:cTn>
+                                        <p:tgtEl>
+                                          <p:spTgt spid="3"/>
+                                        </p:tgtEl>
+                                        <p:attrNameLst>
+                                          <p:attrName>style.visibility</p:attrName>
+                                        </p:attrNameLst>
+                                      </p:cBhvr>
+                                      <p:to>
+                                        <p:strVal val="visible"/>
+                                      </p:to>
+                                    </p:set>
+                                    <p:anim calcmode="lin" valueType="num">
+                                      <p:cBhvr>
+                                        <p:cTn id="7" dur="500" fill="hold"/>
+                                        <p:tgtEl>
+                                          <p:spTgt spid="3"/>
+                                        </p:tgtEl>
+                                        <p:attrNameLst>
+                                          <p:attrName>ppt_w</p:attrName>
+                                        </p:attrNameLst>
+                                      </p:cBhvr>
+                                      <p:tavLst>
+                                        <p:tav tm="0">
+                                          <p:val>
+                                            <p:fltVal val="0"/>
+                                          </p:val>
+                                        </p:tav>
+                                        <p:tav tm="100000">
+                                          <p:val>
+                                            <p:strVal val="#ppt_w"/>
+                                          </p:val>
+                                        </p:tav>
+                                      </p:tavLst>
+                                    </p:anim>
+                                    <p:anim calcmode="lin" valueType="num">
+                                      <p:cBhvr>
+                                        <p:cTn id="8" dur="500" fill="hold"/>
+                                        <p:tgtEl>
+                                          <p:spTgt spid="3"/>
+                                        </p:tgtEl>
+                                        <p:attrNameLst>
+                                          <p:attrName>ppt_h</p:attrName>
+                                        </p:attrNameLst>
+                                      </p:cBhvr>
+                                      <p:tavLst>
+                                        <p:tav tm="0">
+                                          <p:val>
+                                            <p:fltVal val="0"/>
+                                          </p:val>
+                                        </p:tav>
+                                        <p:tav tm="100000">
+                                          <p:val>
+                                            <p:strVal val="#ppt_h"/>
+                                          </p:val>
+                                        </p:tav>
+                                      </p:tavLst>
+                                    </p:anim>
+                                    <p:animEffect transition="in" filter="fade">
+                                      <p:cBhvr>
+                                        <p:cTn id="9" dur="500"/>
+                                        <p:tgtEl>
+                                          <p:spTgt spid="3"/>
+                                        </p:tgtEl>
+                                      </p:cBhvr>
+                                    </p:animEffect>
+                                  </p:childTnLst>
+                                </p:cTn>
+                              </p:par>
+                            </p:childTnLst>
+                          </p:cTn>
+                        </p:par>
+                      </p:childTnLst>
+                    </p:cTn>
+                  </p:par>
+                </p:childTnLst>
+              </p:cTn>
+              <p:prevCondLst>
+                <p:cond evt="onPrev" delay="0">
+                  <p:tgtEl>
+                    <p:sldTgt/>
+                  </p:tgtEl>
+                </p:cond>
+              </p:prevCondLst>
+              <p:nextCondLst>
+                <p:cond evt="onNext" delay="0">
+                  <p:tgtEl>
+                    <p:sldTgt/>
+                  </p:tgtEl>
+                </p:cond>
+              </p:nextCondLst>
+            </p:seq>
+          </p:childTnLst>
+        </p:cTn>
+      </p:par>
+    </p:tnLst>
+  </p:timing>
+</p:sld>
+</file>
+
 <file path=ppt/slides/slide3.xml><?xml version="1.0" encoding="utf-8"?>
 <p:sld xmlns:a="http://schemas.openxmlformats.org/drawingml/2006/main" xmlns:r="http://schemas.openxmlformats.org/officeDocument/2006/relationships" xmlns:p="http://schemas.openxmlformats.org/presentationml/2006/main">
   <p:cSld>

--- a/Presentation/Calabonga.Catalog.pptx
+++ b/Presentation/Calabonga.Catalog.pptx
@@ -5,10 +5,10 @@
     <p:sldMasterId id="2147483762" r:id="rId1"/>
   </p:sldMasterIdLst>
   <p:notesMasterIdLst>
-    <p:notesMasterId r:id="rId22"/>
+    <p:notesMasterId r:id="rId23"/>
   </p:notesMasterIdLst>
   <p:handoutMasterIdLst>
-    <p:handoutMasterId r:id="rId23"/>
+    <p:handoutMasterId r:id="rId24"/>
   </p:handoutMasterIdLst>
   <p:sldIdLst>
     <p:sldId id="256" r:id="rId2"/>
@@ -31,6 +31,7 @@
     <p:sldId id="273" r:id="rId19"/>
     <p:sldId id="274" r:id="rId20"/>
     <p:sldId id="275" r:id="rId21"/>
+    <p:sldId id="276" r:id="rId22"/>
   </p:sldIdLst>
   <p:sldSz cx="12192000" cy="6858000"/>
   <p:notesSz cx="6858000" cy="9144000"/>
@@ -2987,7 +2988,7 @@
           <a:p>
             <a:fld id="{C7EBD34A-458D-4E15-9A13-07B008861E08}" type="datetime1">
               <a:rPr lang="ru-RU" smtClean="0"/>
-              <a:t>12.06.2019</a:t>
+              <a:t>23.06.2019</a:t>
             </a:fld>
             <a:endParaRPr lang="en-US"/>
           </a:p>
@@ -3153,7 +3154,7 @@
           <a:p>
             <a:fld id="{BD2C1305-B0C8-41A5-A415-431426818951}" type="datetime1">
               <a:rPr lang="ru-RU" smtClean="0"/>
-              <a:t>12.06.2019</a:t>
+              <a:t>23.06.2019</a:t>
             </a:fld>
             <a:endParaRPr lang="en-US"/>
           </a:p>
@@ -3910,6 +3911,67 @@
 </p:notes>
 </file>
 
+<file path=ppt/notesSlides/notesSlide17.xml><?xml version="1.0" encoding="utf-8"?>
+<p:notes xmlns:a="http://schemas.openxmlformats.org/drawingml/2006/main" xmlns:r="http://schemas.openxmlformats.org/officeDocument/2006/relationships" xmlns:p="http://schemas.openxmlformats.org/presentationml/2006/main">
+  <p:cSld>
+    <p:spTree>
+      <p:nvGrpSpPr>
+        <p:cNvPr id="1" name=""/>
+        <p:cNvGrpSpPr/>
+        <p:nvPr/>
+      </p:nvGrpSpPr>
+      <p:grpSpPr>
+        <a:xfrm>
+          <a:off x="0" y="0"/>
+          <a:ext cx="0" cy="0"/>
+          <a:chOff x="0" y="0"/>
+          <a:chExt cx="0" cy="0"/>
+        </a:xfrm>
+      </p:grpSpPr>
+      <p:sp>
+        <p:nvSpPr>
+          <p:cNvPr id="2" name="Образ слайда 1"/>
+          <p:cNvSpPr>
+            <a:spLocks noGrp="1" noRot="1" noChangeAspect="1"/>
+          </p:cNvSpPr>
+          <p:nvPr>
+            <p:ph type="sldImg"/>
+          </p:nvPr>
+        </p:nvSpPr>
+        <p:spPr/>
+      </p:sp>
+      <p:sp>
+        <p:nvSpPr>
+          <p:cNvPr id="3" name="Заметки 2"/>
+          <p:cNvSpPr>
+            <a:spLocks noGrp="1"/>
+          </p:cNvSpPr>
+          <p:nvPr>
+            <p:ph type="body" idx="1"/>
+          </p:nvPr>
+        </p:nvSpPr>
+        <p:spPr/>
+        <p:txBody>
+          <a:bodyPr/>
+          <a:lstStyle/>
+          <a:p>
+            <a:endParaRPr lang="en-US" dirty="0"/>
+          </a:p>
+        </p:txBody>
+      </p:sp>
+    </p:spTree>
+    <p:extLst>
+      <p:ext uri="{BB962C8B-B14F-4D97-AF65-F5344CB8AC3E}">
+        <p14:creationId xmlns:p14="http://schemas.microsoft.com/office/powerpoint/2010/main" val="2280023671"/>
+      </p:ext>
+    </p:extLst>
+  </p:cSld>
+  <p:clrMapOvr>
+    <a:masterClrMapping/>
+  </p:clrMapOvr>
+</p:notes>
+</file>
+
 <file path=ppt/notesSlides/notesSlide2.xml><?xml version="1.0" encoding="utf-8"?>
 <p:notes xmlns:a="http://schemas.openxmlformats.org/drawingml/2006/main" xmlns:r="http://schemas.openxmlformats.org/officeDocument/2006/relationships" xmlns:p="http://schemas.openxmlformats.org/presentationml/2006/main">
   <p:cSld>
@@ -4680,7 +4742,7 @@
           <a:p>
             <a:fld id="{8A2250BE-F15D-44BA-9438-B9DF99335BCD}" type="datetime1">
               <a:rPr lang="ru-RU" smtClean="0"/>
-              <a:t>12.06.2019</a:t>
+              <a:t>23.06.2019</a:t>
             </a:fld>
             <a:endParaRPr lang="en-US" dirty="0"/>
           </a:p>
@@ -5013,7 +5075,7 @@
           <a:p>
             <a:fld id="{7DE2CE15-DD73-496B-88E9-3C783140B749}" type="datetime1">
               <a:rPr lang="ru-RU" smtClean="0"/>
-              <a:t>12.06.2019</a:t>
+              <a:t>23.06.2019</a:t>
             </a:fld>
             <a:endParaRPr lang="en-US"/>
           </a:p>
@@ -5414,7 +5476,7 @@
           <a:p>
             <a:fld id="{C5591223-2003-4F54-BFF5-C55495CDBD8E}" type="datetime1">
               <a:rPr lang="ru-RU" smtClean="0"/>
-              <a:t>12.06.2019</a:t>
+              <a:t>23.06.2019</a:t>
             </a:fld>
             <a:endParaRPr lang="en-US"/>
           </a:p>
@@ -5790,7 +5852,7 @@
           <a:p>
             <a:fld id="{43563794-FDD4-4540-A355-3AD563225139}" type="datetime1">
               <a:rPr lang="ru-RU" smtClean="0"/>
-              <a:t>12.06.2019</a:t>
+              <a:t>23.06.2019</a:t>
             </a:fld>
             <a:endParaRPr lang="en-US"/>
           </a:p>
@@ -6296,7 +6358,7 @@
           <a:p>
             <a:fld id="{9C6B1E0C-F71F-4246-9CF7-3D799719CFAA}" type="datetime1">
               <a:rPr lang="ru-RU" smtClean="0"/>
-              <a:t>12.06.2019</a:t>
+              <a:t>23.06.2019</a:t>
             </a:fld>
             <a:endParaRPr lang="en-US"/>
           </a:p>
@@ -6553,7 +6615,7 @@
           <a:p>
             <a:fld id="{C8CD1612-23C8-4220-8DEF-C122C80B4952}" type="datetime1">
               <a:rPr lang="ru-RU" smtClean="0"/>
-              <a:t>12.06.2019</a:t>
+              <a:t>23.06.2019</a:t>
             </a:fld>
             <a:endParaRPr lang="en-US"/>
           </a:p>
@@ -6721,7 +6783,7 @@
           <a:p>
             <a:fld id="{CD59FF44-4703-437F-9D7D-4A2470583044}" type="datetime1">
               <a:rPr lang="ru-RU" smtClean="0"/>
-              <a:t>12.06.2019</a:t>
+              <a:t>23.06.2019</a:t>
             </a:fld>
             <a:endParaRPr lang="en-US"/>
           </a:p>
@@ -7111,7 +7173,7 @@
           <a:p>
             <a:fld id="{328CCA78-EACE-4FD5-BA12-7FEDA73BAFAB}" type="datetime1">
               <a:rPr lang="ru-RU" smtClean="0"/>
-              <a:t>12.06.2019</a:t>
+              <a:t>23.06.2019</a:t>
             </a:fld>
             <a:endParaRPr lang="en-US"/>
           </a:p>
@@ -7520,7 +7582,7 @@
           <a:p>
             <a:fld id="{80D44EDB-1D2F-4DC9-A659-7C84B659E344}" type="datetime1">
               <a:rPr lang="ru-RU" smtClean="0"/>
-              <a:t>12.06.2019</a:t>
+              <a:t>23.06.2019</a:t>
             </a:fld>
             <a:endParaRPr lang="en-US"/>
           </a:p>
@@ -7766,7 +7828,7 @@
             <a:fld id="{ABA487C1-7FE9-4143-8923-87ED1DD08F19}" type="datetime1">
               <a:rPr lang="ru-RU" smtClean="0"/>
               <a:pPr/>
-              <a:t>12.06.2019</a:t>
+              <a:t>23.06.2019</a:t>
             </a:fld>
             <a:endParaRPr lang="en-US" dirty="0"/>
           </a:p>
@@ -8444,7 +8506,7 @@
           <a:p>
             <a:fld id="{2D4A23AA-1D21-4822-8346-CA7E14AECDD0}" type="datetime1">
               <a:rPr lang="ru-RU" smtClean="0"/>
-              <a:t>12.06.2019</a:t>
+              <a:t>23.06.2019</a:t>
             </a:fld>
             <a:endParaRPr lang="en-US"/>
           </a:p>
@@ -8663,7 +8725,7 @@
           <a:p>
             <a:fld id="{2D4A23AA-1D21-4822-8346-CA7E14AECDD0}" type="datetime1">
               <a:rPr lang="ru-RU" smtClean="0"/>
-              <a:t>12.06.2019</a:t>
+              <a:t>23.06.2019</a:t>
             </a:fld>
             <a:endParaRPr lang="en-US"/>
           </a:p>
@@ -8871,7 +8933,7 @@
           <a:p>
             <a:fld id="{2D4A23AA-1D21-4822-8346-CA7E14AECDD0}" type="datetime1">
               <a:rPr lang="ru-RU" smtClean="0"/>
-              <a:t>12.06.2019</a:t>
+              <a:t>23.06.2019</a:t>
             </a:fld>
             <a:endParaRPr lang="en-US"/>
           </a:p>
@@ -10388,7 +10450,7 @@
           <a:p>
             <a:fld id="{2D4A23AA-1D21-4822-8346-CA7E14AECDD0}" type="datetime1">
               <a:rPr lang="ru-RU" smtClean="0"/>
-              <a:t>12.06.2019</a:t>
+              <a:t>23.06.2019</a:t>
             </a:fld>
             <a:endParaRPr lang="en-US"/>
           </a:p>
@@ -10580,7 +10642,7 @@
           <a:p>
             <a:fld id="{2D4A23AA-1D21-4822-8346-CA7E14AECDD0}" type="datetime1">
               <a:rPr lang="ru-RU" smtClean="0"/>
-              <a:t>12.06.2019</a:t>
+              <a:t>23.06.2019</a:t>
             </a:fld>
             <a:endParaRPr lang="en-US"/>
           </a:p>
@@ -11489,7 +11551,7 @@
           <a:p>
             <a:fld id="{2D4A23AA-1D21-4822-8346-CA7E14AECDD0}" type="datetime1">
               <a:rPr lang="ru-RU" smtClean="0"/>
-              <a:t>12.06.2019</a:t>
+              <a:t>23.06.2019</a:t>
             </a:fld>
             <a:endParaRPr lang="en-US"/>
           </a:p>
@@ -13179,7 +13241,7 @@
           <a:p>
             <a:fld id="{2D4A23AA-1D21-4822-8346-CA7E14AECDD0}" type="datetime1">
               <a:rPr lang="ru-RU" smtClean="0"/>
-              <a:t>12.06.2019</a:t>
+              <a:t>23.06.2019</a:t>
             </a:fld>
             <a:endParaRPr lang="en-US"/>
           </a:p>
@@ -15890,7 +15952,7 @@
           <a:p>
             <a:fld id="{2D4A23AA-1D21-4822-8346-CA7E14AECDD0}" type="datetime1">
               <a:rPr lang="ru-RU" smtClean="0"/>
-              <a:t>12.06.2019</a:t>
+              <a:t>23.06.2019</a:t>
             </a:fld>
             <a:endParaRPr lang="en-US"/>
           </a:p>
@@ -16076,7 +16138,7 @@
           <a:p>
             <a:fld id="{2D4A23AA-1D21-4822-8346-CA7E14AECDD0}" type="datetime1">
               <a:rPr lang="ru-RU" smtClean="0"/>
-              <a:t>12.06.2019</a:t>
+              <a:t>23.06.2019</a:t>
             </a:fld>
             <a:endParaRPr lang="en-US"/>
           </a:p>
@@ -16297,7 +16359,7 @@
           <a:p>
             <a:fld id="{2D4A23AA-1D21-4822-8346-CA7E14AECDD0}" type="datetime1">
               <a:rPr lang="ru-RU" smtClean="0"/>
-              <a:t>12.06.2019</a:t>
+              <a:t>23.06.2019</a:t>
             </a:fld>
             <a:endParaRPr lang="en-US"/>
           </a:p>
@@ -16581,7 +16643,7 @@
           <a:p>
             <a:fld id="{10A25188-2956-4DA3-8229-5D523B568A6A}" type="datetime1">
               <a:rPr lang="ru-RU" smtClean="0"/>
-              <a:t>12.06.2019</a:t>
+              <a:t>23.06.2019</a:t>
             </a:fld>
             <a:endParaRPr lang="en-US"/>
           </a:p>
@@ -16891,6 +16953,73 @@
       </p:sp>
       <p:sp>
         <p:nvSpPr>
+          <p:cNvPr id="46" name="Объект 45">
+            <a:extLst>
+              <a:ext uri="{FF2B5EF4-FFF2-40B4-BE49-F238E27FC236}">
+                <a16:creationId xmlns:a16="http://schemas.microsoft.com/office/drawing/2014/main" id="{52D0E0D2-6E1E-4C0F-B92A-A811703BEA5E}"/>
+              </a:ext>
+            </a:extLst>
+          </p:cNvPr>
+          <p:cNvSpPr>
+            <a:spLocks noGrp="1"/>
+          </p:cNvSpPr>
+          <p:nvPr>
+            <p:ph idx="1"/>
+          </p:nvPr>
+        </p:nvSpPr>
+        <p:spPr/>
+        <p:txBody>
+          <a:bodyPr>
+            <a:normAutofit/>
+          </a:bodyPr>
+          <a:lstStyle/>
+          <a:p>
+            <a:pPr marL="0" indent="0">
+              <a:buNone/>
+            </a:pPr>
+            <a:r>
+              <a:rPr lang="ru-RU" sz="4400" dirty="0"/>
+              <a:t>Создаем сущность </a:t>
+            </a:r>
+            <a:r>
+              <a:rPr lang="en-US" sz="4400" dirty="0"/>
+              <a:t>Review:</a:t>
+            </a:r>
+            <a:endParaRPr lang="en-US" sz="4000" dirty="0"/>
+          </a:p>
+          <a:p>
+            <a:pPr lvl="1"/>
+            <a:r>
+              <a:rPr lang="en-US" sz="4000" dirty="0"/>
+              <a:t>C# Class </a:t>
+            </a:r>
+          </a:p>
+          <a:p>
+            <a:pPr lvl="1"/>
+            <a:r>
+              <a:rPr lang="en-US" sz="4000" dirty="0"/>
+              <a:t>Model configuration EntityFramework</a:t>
+            </a:r>
+          </a:p>
+          <a:p>
+            <a:pPr lvl="1"/>
+            <a:r>
+              <a:rPr lang="en-US" sz="4000" dirty="0"/>
+              <a:t>CRUD (Controller, Manager, </a:t>
+            </a:r>
+            <a:r>
+              <a:rPr lang="en-US" sz="4000" dirty="0" err="1"/>
+              <a:t>etc</a:t>
+            </a:r>
+            <a:r>
+              <a:rPr lang="en-US" sz="4000" dirty="0"/>
+              <a:t>)</a:t>
+            </a:r>
+          </a:p>
+        </p:txBody>
+      </p:sp>
+      <p:sp>
+        <p:nvSpPr>
           <p:cNvPr id="6" name="Дата 5">
             <a:extLst>
               <a:ext uri="{FF2B5EF4-FFF2-40B4-BE49-F238E27FC236}">
@@ -16912,7 +17041,8 @@
           <a:p>
             <a:fld id="{2D4A23AA-1D21-4822-8346-CA7E14AECDD0}" type="datetime1">
               <a:rPr lang="ru-RU" smtClean="0"/>
-              <a:t>12.06.2019</a:t>
+              <a:pPr/>
+              <a:t>23.06.2019</a:t>
             </a:fld>
             <a:endParaRPr lang="en-US"/>
           </a:p>
@@ -16940,7 +17070,7 @@
           <a:lstStyle/>
           <a:p>
             <a:r>
-              <a:rPr lang="en-US"/>
+              <a:rPr lang="en-US" dirty="0"/>
               <a:t>www.calabonga.net</a:t>
             </a:r>
           </a:p>
@@ -16969,18 +17099,52 @@
           <a:p>
             <a:fld id="{356453D0-7C6D-4FAD-A87B-D4E72CD04107}" type="slidenum">
               <a:rPr lang="en-US" smtClean="0"/>
+              <a:pPr/>
               <a:t>20</a:t>
             </a:fld>
             <a:endParaRPr lang="en-US"/>
           </a:p>
         </p:txBody>
       </p:sp>
-      <p:sp>
-        <p:nvSpPr>
-          <p:cNvPr id="4" name="Объект 3">
+    </p:spTree>
+    <p:extLst>
+      <p:ext uri="{BB962C8B-B14F-4D97-AF65-F5344CB8AC3E}">
+        <p14:creationId xmlns:p14="http://schemas.microsoft.com/office/powerpoint/2010/main" val="3467241599"/>
+      </p:ext>
+    </p:extLst>
+  </p:cSld>
+  <p:clrMapOvr>
+    <a:masterClrMapping/>
+  </p:clrMapOvr>
+  <p:transition spd="med">
+    <p:pull/>
+  </p:transition>
+</p:sld>
+</file>
+
+<file path=ppt/slides/slide21.xml><?xml version="1.0" encoding="utf-8"?>
+<p:sld xmlns:a="http://schemas.openxmlformats.org/drawingml/2006/main" xmlns:r="http://schemas.openxmlformats.org/officeDocument/2006/relationships" xmlns:p="http://schemas.openxmlformats.org/presentationml/2006/main">
+  <p:cSld>
+    <p:spTree>
+      <p:nvGrpSpPr>
+        <p:cNvPr id="1" name=""/>
+        <p:cNvGrpSpPr/>
+        <p:nvPr/>
+      </p:nvGrpSpPr>
+      <p:grpSpPr>
+        <a:xfrm>
+          <a:off x="0" y="0"/>
+          <a:ext cx="0" cy="0"/>
+          <a:chOff x="0" y="0"/>
+          <a:chExt cx="0" cy="0"/>
+        </a:xfrm>
+      </p:grpSpPr>
+      <p:sp>
+        <p:nvSpPr>
+          <p:cNvPr id="2" name="Заголовок 1">
             <a:extLst>
               <a:ext uri="{FF2B5EF4-FFF2-40B4-BE49-F238E27FC236}">
-                <a16:creationId xmlns:a16="http://schemas.microsoft.com/office/drawing/2014/main" id="{573F978B-1AE8-4179-A917-3504EE635F93}"/>
+                <a16:creationId xmlns:a16="http://schemas.microsoft.com/office/drawing/2014/main" id="{5ED3076E-2E51-49BA-B663-2E6FD28DE68E}"/>
               </a:ext>
             </a:extLst>
           </p:cNvPr>
@@ -16988,75 +17152,1491 @@
             <a:spLocks noGrp="1"/>
           </p:cNvSpPr>
           <p:nvPr>
-            <p:ph idx="1"/>
+            <p:ph type="title"/>
           </p:nvPr>
         </p:nvSpPr>
         <p:spPr/>
         <p:txBody>
-          <a:bodyPr>
-            <a:normAutofit/>
-          </a:bodyPr>
+          <a:bodyPr/>
           <a:lstStyle/>
           <a:p>
             <a:r>
-              <a:rPr lang="ru-RU" sz="4400" dirty="0"/>
-              <a:t>Создаем сущность </a:t>
-            </a:r>
-            <a:r>
-              <a:rPr lang="en-US" sz="4400" dirty="0"/>
-              <a:t>Review</a:t>
-            </a:r>
-          </a:p>
-          <a:p>
-            <a:r>
-              <a:rPr lang="ru-RU" sz="4400" dirty="0"/>
-              <a:t>Создаем сущность </a:t>
-            </a:r>
-            <a:r>
-              <a:rPr lang="en-US" sz="4400" dirty="0"/>
-              <a:t>Tag</a:t>
-            </a:r>
-            <a:endParaRPr lang="ru-RU" sz="4400" dirty="0"/>
-          </a:p>
-          <a:p>
-            <a:endParaRPr lang="en-US" sz="4400" dirty="0"/>
-          </a:p>
-        </p:txBody>
-      </p:sp>
-      <p:pic>
-        <p:nvPicPr>
-          <p:cNvPr id="3" name="Рисунок 2">
+              <a:rPr lang="ru-RU" dirty="0"/>
+              <a:t>Часть </a:t>
+            </a:r>
+            <a:r>
+              <a:rPr lang="en-US" dirty="0"/>
+              <a:t>9</a:t>
+            </a:r>
+          </a:p>
+        </p:txBody>
+      </p:sp>
+      <p:sp>
+        <p:nvSpPr>
+          <p:cNvPr id="6" name="Дата 5">
             <a:extLst>
               <a:ext uri="{FF2B5EF4-FFF2-40B4-BE49-F238E27FC236}">
-                <a16:creationId xmlns:a16="http://schemas.microsoft.com/office/drawing/2014/main" id="{D31B023A-7049-48C7-A9AC-954ECBC8AD09}"/>
+                <a16:creationId xmlns:a16="http://schemas.microsoft.com/office/drawing/2014/main" id="{3D389C93-18E8-4B65-9A0C-57EA5FF1262A}"/>
               </a:ext>
             </a:extLst>
           </p:cNvPr>
-          <p:cNvPicPr>
-            <a:picLocks noChangeAspect="1"/>
-          </p:cNvPicPr>
+          <p:cNvSpPr>
+            <a:spLocks noGrp="1"/>
+          </p:cNvSpPr>
+          <p:nvPr>
+            <p:ph type="dt" sz="half" idx="10"/>
+          </p:nvPr>
+        </p:nvSpPr>
+        <p:spPr/>
+        <p:txBody>
+          <a:bodyPr/>
+          <a:lstStyle/>
+          <a:p>
+            <a:fld id="{2D4A23AA-1D21-4822-8346-CA7E14AECDD0}" type="datetime1">
+              <a:rPr lang="ru-RU" smtClean="0"/>
+              <a:t>23.06.2019</a:t>
+            </a:fld>
+            <a:endParaRPr lang="en-US"/>
+          </a:p>
+        </p:txBody>
+      </p:sp>
+      <p:sp>
+        <p:nvSpPr>
+          <p:cNvPr id="7" name="Нижний колонтитул 6">
+            <a:extLst>
+              <a:ext uri="{FF2B5EF4-FFF2-40B4-BE49-F238E27FC236}">
+                <a16:creationId xmlns:a16="http://schemas.microsoft.com/office/drawing/2014/main" id="{FD3B82CA-042F-4A44-8CC3-391A074B55D4}"/>
+              </a:ext>
+            </a:extLst>
+          </p:cNvPr>
+          <p:cNvSpPr>
+            <a:spLocks noGrp="1"/>
+          </p:cNvSpPr>
+          <p:nvPr>
+            <p:ph type="ftr" sz="quarter" idx="11"/>
+          </p:nvPr>
+        </p:nvSpPr>
+        <p:spPr/>
+        <p:txBody>
+          <a:bodyPr/>
+          <a:lstStyle/>
+          <a:p>
+            <a:r>
+              <a:rPr lang="en-US"/>
+              <a:t>www.calabonga.net</a:t>
+            </a:r>
+          </a:p>
+        </p:txBody>
+      </p:sp>
+      <p:sp>
+        <p:nvSpPr>
+          <p:cNvPr id="8" name="Номер слайда 7">
+            <a:extLst>
+              <a:ext uri="{FF2B5EF4-FFF2-40B4-BE49-F238E27FC236}">
+                <a16:creationId xmlns:a16="http://schemas.microsoft.com/office/drawing/2014/main" id="{04E38101-A6CD-43DF-A008-79A5BF5D68AE}"/>
+              </a:ext>
+            </a:extLst>
+          </p:cNvPr>
+          <p:cNvSpPr>
+            <a:spLocks noGrp="1"/>
+          </p:cNvSpPr>
+          <p:nvPr>
+            <p:ph type="sldNum" sz="quarter" idx="12"/>
+          </p:nvPr>
+        </p:nvSpPr>
+        <p:spPr/>
+        <p:txBody>
+          <a:bodyPr/>
+          <a:lstStyle/>
+          <a:p>
+            <a:fld id="{356453D0-7C6D-4FAD-A87B-D4E72CD04107}" type="slidenum">
+              <a:rPr lang="en-US" smtClean="0"/>
+              <a:t>21</a:t>
+            </a:fld>
+            <a:endParaRPr lang="en-US"/>
+          </a:p>
+        </p:txBody>
+      </p:sp>
+      <p:sp>
+        <p:nvSpPr>
+          <p:cNvPr id="9" name="Прямоугольник 8">
+            <a:extLst>
+              <a:ext uri="{FF2B5EF4-FFF2-40B4-BE49-F238E27FC236}">
+                <a16:creationId xmlns:a16="http://schemas.microsoft.com/office/drawing/2014/main" id="{63EB9D12-8520-454A-8E82-B593334E4C0B}"/>
+              </a:ext>
+            </a:extLst>
+          </p:cNvPr>
+          <p:cNvSpPr/>
           <p:nvPr/>
-        </p:nvPicPr>
-        <p:blipFill>
-          <a:blip r:embed="rId3"/>
-          <a:stretch>
-            <a:fillRect/>
-          </a:stretch>
-        </p:blipFill>
+        </p:nvSpPr>
         <p:spPr>
           <a:xfrm>
-            <a:off x="5039360" y="2507231"/>
-            <a:ext cx="5439661" cy="3811020"/>
+            <a:off x="1079769" y="2378413"/>
+            <a:ext cx="1590473" cy="564204"/>
           </a:xfrm>
           <a:prstGeom prst="rect">
             <a:avLst/>
           </a:prstGeom>
+          <a:solidFill>
+            <a:schemeClr val="accent5">
+              <a:lumMod val="50000"/>
+            </a:schemeClr>
+          </a:solidFill>
+          <a:ln w="0">
+            <a:noFill/>
+          </a:ln>
         </p:spPr>
-      </p:pic>
+        <p:style>
+          <a:lnRef idx="2">
+            <a:schemeClr val="accent1">
+              <a:shade val="50000"/>
+            </a:schemeClr>
+          </a:lnRef>
+          <a:fillRef idx="1">
+            <a:schemeClr val="accent1"/>
+          </a:fillRef>
+          <a:effectRef idx="0">
+            <a:schemeClr val="accent1"/>
+          </a:effectRef>
+          <a:fontRef idx="minor">
+            <a:schemeClr val="lt1"/>
+          </a:fontRef>
+        </p:style>
+        <p:txBody>
+          <a:bodyPr rtlCol="0" anchor="ctr"/>
+          <a:lstStyle/>
+          <a:p>
+            <a:pPr algn="ctr"/>
+            <a:r>
+              <a:rPr lang="en-US" dirty="0"/>
+              <a:t>Catalog</a:t>
+            </a:r>
+          </a:p>
+        </p:txBody>
+      </p:sp>
+      <p:sp>
+        <p:nvSpPr>
+          <p:cNvPr id="10" name="Прямоугольник 9">
+            <a:extLst>
+              <a:ext uri="{FF2B5EF4-FFF2-40B4-BE49-F238E27FC236}">
+                <a16:creationId xmlns:a16="http://schemas.microsoft.com/office/drawing/2014/main" id="{8FA7B3A5-7FE9-479E-84E8-F4EBD1998FF5}"/>
+              </a:ext>
+            </a:extLst>
+          </p:cNvPr>
+          <p:cNvSpPr/>
+          <p:nvPr/>
+        </p:nvSpPr>
+        <p:spPr>
+          <a:xfrm>
+            <a:off x="2220607" y="3825043"/>
+            <a:ext cx="1590473" cy="564204"/>
+          </a:xfrm>
+          <a:prstGeom prst="rect">
+            <a:avLst/>
+          </a:prstGeom>
+          <a:solidFill>
+            <a:schemeClr val="accent5">
+              <a:lumMod val="50000"/>
+            </a:schemeClr>
+          </a:solidFill>
+          <a:ln w="0">
+            <a:noFill/>
+          </a:ln>
+        </p:spPr>
+        <p:style>
+          <a:lnRef idx="2">
+            <a:schemeClr val="accent1">
+              <a:shade val="50000"/>
+            </a:schemeClr>
+          </a:lnRef>
+          <a:fillRef idx="1">
+            <a:schemeClr val="accent1"/>
+          </a:fillRef>
+          <a:effectRef idx="0">
+            <a:schemeClr val="accent1"/>
+          </a:effectRef>
+          <a:fontRef idx="minor">
+            <a:schemeClr val="lt1"/>
+          </a:fontRef>
+        </p:style>
+        <p:txBody>
+          <a:bodyPr rtlCol="0" anchor="ctr"/>
+          <a:lstStyle/>
+          <a:p>
+            <a:pPr algn="ctr"/>
+            <a:r>
+              <a:rPr lang="en-US" dirty="0"/>
+              <a:t>Product</a:t>
+            </a:r>
+          </a:p>
+        </p:txBody>
+      </p:sp>
+      <p:sp>
+        <p:nvSpPr>
+          <p:cNvPr id="11" name="Прямоугольник 10">
+            <a:extLst>
+              <a:ext uri="{FF2B5EF4-FFF2-40B4-BE49-F238E27FC236}">
+                <a16:creationId xmlns:a16="http://schemas.microsoft.com/office/drawing/2014/main" id="{534C92BC-877C-4439-8190-7E64358CBFC8}"/>
+              </a:ext>
+            </a:extLst>
+          </p:cNvPr>
+          <p:cNvSpPr/>
+          <p:nvPr/>
+        </p:nvSpPr>
+        <p:spPr>
+          <a:xfrm>
+            <a:off x="5031199" y="4267631"/>
+            <a:ext cx="1590473" cy="564204"/>
+          </a:xfrm>
+          <a:prstGeom prst="rect">
+            <a:avLst/>
+          </a:prstGeom>
+          <a:solidFill>
+            <a:schemeClr val="accent5">
+              <a:lumMod val="50000"/>
+            </a:schemeClr>
+          </a:solidFill>
+          <a:ln w="0">
+            <a:noFill/>
+          </a:ln>
+        </p:spPr>
+        <p:style>
+          <a:lnRef idx="2">
+            <a:schemeClr val="accent1">
+              <a:shade val="50000"/>
+            </a:schemeClr>
+          </a:lnRef>
+          <a:fillRef idx="1">
+            <a:schemeClr val="accent1"/>
+          </a:fillRef>
+          <a:effectRef idx="0">
+            <a:schemeClr val="accent1"/>
+          </a:effectRef>
+          <a:fontRef idx="minor">
+            <a:schemeClr val="lt1"/>
+          </a:fontRef>
+        </p:style>
+        <p:txBody>
+          <a:bodyPr rtlCol="0" anchor="ctr"/>
+          <a:lstStyle/>
+          <a:p>
+            <a:pPr algn="ctr"/>
+            <a:r>
+              <a:rPr lang="en-US" dirty="0"/>
+              <a:t>Review</a:t>
+            </a:r>
+          </a:p>
+        </p:txBody>
+      </p:sp>
+      <p:sp>
+        <p:nvSpPr>
+          <p:cNvPr id="12" name="Прямоугольник 11">
+            <a:extLst>
+              <a:ext uri="{FF2B5EF4-FFF2-40B4-BE49-F238E27FC236}">
+                <a16:creationId xmlns:a16="http://schemas.microsoft.com/office/drawing/2014/main" id="{BCC72B9C-1C8E-46E6-878E-01610623EA78}"/>
+              </a:ext>
+            </a:extLst>
+          </p:cNvPr>
+          <p:cNvSpPr/>
+          <p:nvPr/>
+        </p:nvSpPr>
+        <p:spPr>
+          <a:xfrm>
+            <a:off x="5031199" y="2314766"/>
+            <a:ext cx="1590473" cy="564204"/>
+          </a:xfrm>
+          <a:prstGeom prst="rect">
+            <a:avLst/>
+          </a:prstGeom>
+          <a:solidFill>
+            <a:schemeClr val="accent5">
+              <a:lumMod val="50000"/>
+            </a:schemeClr>
+          </a:solidFill>
+          <a:ln w="0">
+            <a:noFill/>
+          </a:ln>
+        </p:spPr>
+        <p:style>
+          <a:lnRef idx="2">
+            <a:schemeClr val="accent1">
+              <a:shade val="50000"/>
+            </a:schemeClr>
+          </a:lnRef>
+          <a:fillRef idx="1">
+            <a:schemeClr val="accent1"/>
+          </a:fillRef>
+          <a:effectRef idx="0">
+            <a:schemeClr val="accent1"/>
+          </a:effectRef>
+          <a:fontRef idx="minor">
+            <a:schemeClr val="lt1"/>
+          </a:fontRef>
+        </p:style>
+        <p:txBody>
+          <a:bodyPr rtlCol="0" anchor="ctr"/>
+          <a:lstStyle/>
+          <a:p>
+            <a:pPr algn="ctr"/>
+            <a:r>
+              <a:rPr lang="en-US" dirty="0"/>
+              <a:t>Tag</a:t>
+            </a:r>
+          </a:p>
+        </p:txBody>
+      </p:sp>
+      <p:cxnSp>
+        <p:nvCxnSpPr>
+          <p:cNvPr id="13" name="Прямая соединительная линия 12">
+            <a:extLst>
+              <a:ext uri="{FF2B5EF4-FFF2-40B4-BE49-F238E27FC236}">
+                <a16:creationId xmlns:a16="http://schemas.microsoft.com/office/drawing/2014/main" id="{F08AE527-7EE3-45A3-B0FC-B50F1E3F051B}"/>
+              </a:ext>
+            </a:extLst>
+          </p:cNvPr>
+          <p:cNvCxnSpPr>
+            <a:cxnSpLocks/>
+            <a:stCxn id="9" idx="2"/>
+          </p:cNvCxnSpPr>
+          <p:nvPr/>
+        </p:nvCxnSpPr>
+        <p:spPr>
+          <a:xfrm>
+            <a:off x="1875006" y="2942617"/>
+            <a:ext cx="0" cy="2698215"/>
+          </a:xfrm>
+          <a:prstGeom prst="line">
+            <a:avLst/>
+          </a:prstGeom>
+        </p:spPr>
+        <p:style>
+          <a:lnRef idx="3">
+            <a:schemeClr val="dk1"/>
+          </a:lnRef>
+          <a:fillRef idx="0">
+            <a:schemeClr val="dk1"/>
+          </a:fillRef>
+          <a:effectRef idx="2">
+            <a:schemeClr val="dk1"/>
+          </a:effectRef>
+          <a:fontRef idx="minor">
+            <a:schemeClr val="tx1"/>
+          </a:fontRef>
+        </p:style>
+      </p:cxnSp>
+      <p:cxnSp>
+        <p:nvCxnSpPr>
+          <p:cNvPr id="14" name="Прямая соединительная линия 13">
+            <a:extLst>
+              <a:ext uri="{FF2B5EF4-FFF2-40B4-BE49-F238E27FC236}">
+                <a16:creationId xmlns:a16="http://schemas.microsoft.com/office/drawing/2014/main" id="{958E737A-92B4-4B11-88A3-169C97C91B37}"/>
+              </a:ext>
+            </a:extLst>
+          </p:cNvPr>
+          <p:cNvCxnSpPr>
+            <a:cxnSpLocks/>
+            <a:stCxn id="10" idx="1"/>
+          </p:cNvCxnSpPr>
+          <p:nvPr/>
+        </p:nvCxnSpPr>
+        <p:spPr>
+          <a:xfrm flipH="1">
+            <a:off x="1875005" y="4107145"/>
+            <a:ext cx="345602" cy="0"/>
+          </a:xfrm>
+          <a:prstGeom prst="line">
+            <a:avLst/>
+          </a:prstGeom>
+        </p:spPr>
+        <p:style>
+          <a:lnRef idx="3">
+            <a:schemeClr val="dk1"/>
+          </a:lnRef>
+          <a:fillRef idx="0">
+            <a:schemeClr val="dk1"/>
+          </a:fillRef>
+          <a:effectRef idx="2">
+            <a:schemeClr val="dk1"/>
+          </a:effectRef>
+          <a:fontRef idx="minor">
+            <a:schemeClr val="tx1"/>
+          </a:fontRef>
+        </p:style>
+      </p:cxnSp>
+      <p:sp>
+        <p:nvSpPr>
+          <p:cNvPr id="15" name="Прямоугольник 14">
+            <a:extLst>
+              <a:ext uri="{FF2B5EF4-FFF2-40B4-BE49-F238E27FC236}">
+                <a16:creationId xmlns:a16="http://schemas.microsoft.com/office/drawing/2014/main" id="{49F6563A-1BDD-4CCC-9862-6895A3FB7041}"/>
+              </a:ext>
+            </a:extLst>
+          </p:cNvPr>
+          <p:cNvSpPr/>
+          <p:nvPr/>
+        </p:nvSpPr>
+        <p:spPr>
+          <a:xfrm>
+            <a:off x="2220607" y="4589228"/>
+            <a:ext cx="1590473" cy="564204"/>
+          </a:xfrm>
+          <a:prstGeom prst="rect">
+            <a:avLst/>
+          </a:prstGeom>
+          <a:solidFill>
+            <a:schemeClr val="accent5">
+              <a:lumMod val="50000"/>
+            </a:schemeClr>
+          </a:solidFill>
+          <a:ln w="0">
+            <a:noFill/>
+          </a:ln>
+        </p:spPr>
+        <p:style>
+          <a:lnRef idx="2">
+            <a:schemeClr val="accent1">
+              <a:shade val="50000"/>
+            </a:schemeClr>
+          </a:lnRef>
+          <a:fillRef idx="1">
+            <a:schemeClr val="accent1"/>
+          </a:fillRef>
+          <a:effectRef idx="0">
+            <a:schemeClr val="accent1"/>
+          </a:effectRef>
+          <a:fontRef idx="minor">
+            <a:schemeClr val="lt1"/>
+          </a:fontRef>
+        </p:style>
+        <p:txBody>
+          <a:bodyPr rtlCol="0" anchor="ctr"/>
+          <a:lstStyle/>
+          <a:p>
+            <a:pPr algn="ctr"/>
+            <a:r>
+              <a:rPr lang="en-US" dirty="0"/>
+              <a:t>Product</a:t>
+            </a:r>
+          </a:p>
+        </p:txBody>
+      </p:sp>
+      <p:cxnSp>
+        <p:nvCxnSpPr>
+          <p:cNvPr id="16" name="Прямая соединительная линия 15">
+            <a:extLst>
+              <a:ext uri="{FF2B5EF4-FFF2-40B4-BE49-F238E27FC236}">
+                <a16:creationId xmlns:a16="http://schemas.microsoft.com/office/drawing/2014/main" id="{E8E4BFFB-5364-4486-80A9-A34CF6CBAD2C}"/>
+              </a:ext>
+            </a:extLst>
+          </p:cNvPr>
+          <p:cNvCxnSpPr>
+            <a:cxnSpLocks/>
+            <a:stCxn id="15" idx="1"/>
+          </p:cNvCxnSpPr>
+          <p:nvPr/>
+        </p:nvCxnSpPr>
+        <p:spPr>
+          <a:xfrm flipH="1">
+            <a:off x="1875005" y="4871330"/>
+            <a:ext cx="345602" cy="0"/>
+          </a:xfrm>
+          <a:prstGeom prst="line">
+            <a:avLst/>
+          </a:prstGeom>
+        </p:spPr>
+        <p:style>
+          <a:lnRef idx="3">
+            <a:schemeClr val="dk1"/>
+          </a:lnRef>
+          <a:fillRef idx="0">
+            <a:schemeClr val="dk1"/>
+          </a:fillRef>
+          <a:effectRef idx="2">
+            <a:schemeClr val="dk1"/>
+          </a:effectRef>
+          <a:fontRef idx="minor">
+            <a:schemeClr val="tx1"/>
+          </a:fontRef>
+        </p:style>
+      </p:cxnSp>
+      <p:sp>
+        <p:nvSpPr>
+          <p:cNvPr id="17" name="Прямоугольник 16">
+            <a:extLst>
+              <a:ext uri="{FF2B5EF4-FFF2-40B4-BE49-F238E27FC236}">
+                <a16:creationId xmlns:a16="http://schemas.microsoft.com/office/drawing/2014/main" id="{660D9588-1F69-4B21-BBB6-E0C324E9ABC2}"/>
+              </a:ext>
+            </a:extLst>
+          </p:cNvPr>
+          <p:cNvSpPr/>
+          <p:nvPr/>
+        </p:nvSpPr>
+        <p:spPr>
+          <a:xfrm>
+            <a:off x="2220607" y="5353414"/>
+            <a:ext cx="1590473" cy="564204"/>
+          </a:xfrm>
+          <a:prstGeom prst="rect">
+            <a:avLst/>
+          </a:prstGeom>
+          <a:solidFill>
+            <a:schemeClr val="accent5">
+              <a:lumMod val="50000"/>
+            </a:schemeClr>
+          </a:solidFill>
+          <a:ln w="0">
+            <a:noFill/>
+          </a:ln>
+        </p:spPr>
+        <p:style>
+          <a:lnRef idx="2">
+            <a:schemeClr val="accent1">
+              <a:shade val="50000"/>
+            </a:schemeClr>
+          </a:lnRef>
+          <a:fillRef idx="1">
+            <a:schemeClr val="accent1"/>
+          </a:fillRef>
+          <a:effectRef idx="0">
+            <a:schemeClr val="accent1"/>
+          </a:effectRef>
+          <a:fontRef idx="minor">
+            <a:schemeClr val="lt1"/>
+          </a:fontRef>
+        </p:style>
+        <p:txBody>
+          <a:bodyPr rtlCol="0" anchor="ctr"/>
+          <a:lstStyle/>
+          <a:p>
+            <a:pPr algn="ctr"/>
+            <a:r>
+              <a:rPr lang="en-US" dirty="0"/>
+              <a:t>Product</a:t>
+            </a:r>
+          </a:p>
+        </p:txBody>
+      </p:sp>
+      <p:cxnSp>
+        <p:nvCxnSpPr>
+          <p:cNvPr id="18" name="Прямая соединительная линия 17">
+            <a:extLst>
+              <a:ext uri="{FF2B5EF4-FFF2-40B4-BE49-F238E27FC236}">
+                <a16:creationId xmlns:a16="http://schemas.microsoft.com/office/drawing/2014/main" id="{3486930B-C321-4197-9EF5-B606E2AC2983}"/>
+              </a:ext>
+            </a:extLst>
+          </p:cNvPr>
+          <p:cNvCxnSpPr>
+            <a:cxnSpLocks/>
+            <a:stCxn id="17" idx="1"/>
+          </p:cNvCxnSpPr>
+          <p:nvPr/>
+        </p:nvCxnSpPr>
+        <p:spPr>
+          <a:xfrm flipH="1">
+            <a:off x="1875005" y="5635516"/>
+            <a:ext cx="345602" cy="0"/>
+          </a:xfrm>
+          <a:prstGeom prst="line">
+            <a:avLst/>
+          </a:prstGeom>
+        </p:spPr>
+        <p:style>
+          <a:lnRef idx="3">
+            <a:schemeClr val="dk1"/>
+          </a:lnRef>
+          <a:fillRef idx="0">
+            <a:schemeClr val="dk1"/>
+          </a:fillRef>
+          <a:effectRef idx="2">
+            <a:schemeClr val="dk1"/>
+          </a:effectRef>
+          <a:fontRef idx="minor">
+            <a:schemeClr val="tx1"/>
+          </a:fontRef>
+        </p:style>
+      </p:cxnSp>
+      <p:sp>
+        <p:nvSpPr>
+          <p:cNvPr id="19" name="Прямоугольник 18">
+            <a:extLst>
+              <a:ext uri="{FF2B5EF4-FFF2-40B4-BE49-F238E27FC236}">
+                <a16:creationId xmlns:a16="http://schemas.microsoft.com/office/drawing/2014/main" id="{7C065165-87C3-4D91-BFE4-C4B98BCC9B78}"/>
+              </a:ext>
+            </a:extLst>
+          </p:cNvPr>
+          <p:cNvSpPr/>
+          <p:nvPr/>
+        </p:nvSpPr>
+        <p:spPr>
+          <a:xfrm>
+            <a:off x="2220607" y="3069496"/>
+            <a:ext cx="1590473" cy="564204"/>
+          </a:xfrm>
+          <a:prstGeom prst="rect">
+            <a:avLst/>
+          </a:prstGeom>
+          <a:solidFill>
+            <a:schemeClr val="accent5">
+              <a:lumMod val="50000"/>
+            </a:schemeClr>
+          </a:solidFill>
+          <a:ln w="0">
+            <a:noFill/>
+          </a:ln>
+        </p:spPr>
+        <p:style>
+          <a:lnRef idx="2">
+            <a:schemeClr val="accent1">
+              <a:shade val="50000"/>
+            </a:schemeClr>
+          </a:lnRef>
+          <a:fillRef idx="1">
+            <a:schemeClr val="accent1"/>
+          </a:fillRef>
+          <a:effectRef idx="0">
+            <a:schemeClr val="accent1"/>
+          </a:effectRef>
+          <a:fontRef idx="minor">
+            <a:schemeClr val="lt1"/>
+          </a:fontRef>
+        </p:style>
+        <p:txBody>
+          <a:bodyPr rtlCol="0" anchor="ctr"/>
+          <a:lstStyle/>
+          <a:p>
+            <a:pPr algn="ctr"/>
+            <a:r>
+              <a:rPr lang="en-US" dirty="0"/>
+              <a:t>Product</a:t>
+            </a:r>
+          </a:p>
+        </p:txBody>
+      </p:sp>
+      <p:cxnSp>
+        <p:nvCxnSpPr>
+          <p:cNvPr id="20" name="Прямая соединительная линия 19">
+            <a:extLst>
+              <a:ext uri="{FF2B5EF4-FFF2-40B4-BE49-F238E27FC236}">
+                <a16:creationId xmlns:a16="http://schemas.microsoft.com/office/drawing/2014/main" id="{3DF52A21-93E8-4887-B9A7-1B3BC2C71741}"/>
+              </a:ext>
+            </a:extLst>
+          </p:cNvPr>
+          <p:cNvCxnSpPr>
+            <a:cxnSpLocks/>
+            <a:stCxn id="19" idx="1"/>
+          </p:cNvCxnSpPr>
+          <p:nvPr/>
+        </p:nvCxnSpPr>
+        <p:spPr>
+          <a:xfrm flipH="1">
+            <a:off x="1875005" y="3351598"/>
+            <a:ext cx="345602" cy="0"/>
+          </a:xfrm>
+          <a:prstGeom prst="line">
+            <a:avLst/>
+          </a:prstGeom>
+        </p:spPr>
+        <p:style>
+          <a:lnRef idx="3">
+            <a:schemeClr val="dk1"/>
+          </a:lnRef>
+          <a:fillRef idx="0">
+            <a:schemeClr val="dk1"/>
+          </a:fillRef>
+          <a:effectRef idx="2">
+            <a:schemeClr val="dk1"/>
+          </a:effectRef>
+          <a:fontRef idx="minor">
+            <a:schemeClr val="tx1"/>
+          </a:fontRef>
+        </p:style>
+      </p:cxnSp>
+      <p:cxnSp>
+        <p:nvCxnSpPr>
+          <p:cNvPr id="21" name="Прямая соединительная линия 20">
+            <a:extLst>
+              <a:ext uri="{FF2B5EF4-FFF2-40B4-BE49-F238E27FC236}">
+                <a16:creationId xmlns:a16="http://schemas.microsoft.com/office/drawing/2014/main" id="{2CB408C1-3757-42E9-A017-07FF750FF07B}"/>
+              </a:ext>
+            </a:extLst>
+          </p:cNvPr>
+          <p:cNvCxnSpPr>
+            <a:cxnSpLocks/>
+          </p:cNvCxnSpPr>
+          <p:nvPr/>
+        </p:nvCxnSpPr>
+        <p:spPr>
+          <a:xfrm>
+            <a:off x="4424711" y="2596868"/>
+            <a:ext cx="0" cy="1251008"/>
+          </a:xfrm>
+          <a:prstGeom prst="line">
+            <a:avLst/>
+          </a:prstGeom>
+        </p:spPr>
+        <p:style>
+          <a:lnRef idx="3">
+            <a:schemeClr val="dk1"/>
+          </a:lnRef>
+          <a:fillRef idx="0">
+            <a:schemeClr val="dk1"/>
+          </a:fillRef>
+          <a:effectRef idx="2">
+            <a:schemeClr val="dk1"/>
+          </a:effectRef>
+          <a:fontRef idx="minor">
+            <a:schemeClr val="tx1"/>
+          </a:fontRef>
+        </p:style>
+      </p:cxnSp>
+      <p:cxnSp>
+        <p:nvCxnSpPr>
+          <p:cNvPr id="22" name="Прямая соединительная линия 21">
+            <a:extLst>
+              <a:ext uri="{FF2B5EF4-FFF2-40B4-BE49-F238E27FC236}">
+                <a16:creationId xmlns:a16="http://schemas.microsoft.com/office/drawing/2014/main" id="{FC3CBAEE-C1A8-4B6E-8037-E596FC64ADD0}"/>
+              </a:ext>
+            </a:extLst>
+          </p:cNvPr>
+          <p:cNvCxnSpPr>
+            <a:cxnSpLocks/>
+          </p:cNvCxnSpPr>
+          <p:nvPr/>
+        </p:nvCxnSpPr>
+        <p:spPr>
+          <a:xfrm flipH="1">
+            <a:off x="3811080" y="3352428"/>
+            <a:ext cx="606488" cy="0"/>
+          </a:xfrm>
+          <a:prstGeom prst="line">
+            <a:avLst/>
+          </a:prstGeom>
+        </p:spPr>
+        <p:style>
+          <a:lnRef idx="3">
+            <a:schemeClr val="dk1"/>
+          </a:lnRef>
+          <a:fillRef idx="0">
+            <a:schemeClr val="dk1"/>
+          </a:fillRef>
+          <a:effectRef idx="2">
+            <a:schemeClr val="dk1"/>
+          </a:effectRef>
+          <a:fontRef idx="minor">
+            <a:schemeClr val="tx1"/>
+          </a:fontRef>
+        </p:style>
+      </p:cxnSp>
+      <p:cxnSp>
+        <p:nvCxnSpPr>
+          <p:cNvPr id="23" name="Прямая соединительная линия 22">
+            <a:extLst>
+              <a:ext uri="{FF2B5EF4-FFF2-40B4-BE49-F238E27FC236}">
+                <a16:creationId xmlns:a16="http://schemas.microsoft.com/office/drawing/2014/main" id="{5C8854CE-FB6B-482D-88E5-A8D1C5DF856D}"/>
+              </a:ext>
+            </a:extLst>
+          </p:cNvPr>
+          <p:cNvCxnSpPr>
+            <a:cxnSpLocks/>
+            <a:stCxn id="12" idx="1"/>
+          </p:cNvCxnSpPr>
+          <p:nvPr/>
+        </p:nvCxnSpPr>
+        <p:spPr>
+          <a:xfrm flipH="1">
+            <a:off x="4415187" y="2596868"/>
+            <a:ext cx="616012" cy="0"/>
+          </a:xfrm>
+          <a:prstGeom prst="line">
+            <a:avLst/>
+          </a:prstGeom>
+        </p:spPr>
+        <p:style>
+          <a:lnRef idx="3">
+            <a:schemeClr val="dk1"/>
+          </a:lnRef>
+          <a:fillRef idx="0">
+            <a:schemeClr val="dk1"/>
+          </a:fillRef>
+          <a:effectRef idx="2">
+            <a:schemeClr val="dk1"/>
+          </a:effectRef>
+          <a:fontRef idx="minor">
+            <a:schemeClr val="tx1"/>
+          </a:fontRef>
+        </p:style>
+      </p:cxnSp>
+      <p:sp>
+        <p:nvSpPr>
+          <p:cNvPr id="24" name="Прямоугольник 23">
+            <a:extLst>
+              <a:ext uri="{FF2B5EF4-FFF2-40B4-BE49-F238E27FC236}">
+                <a16:creationId xmlns:a16="http://schemas.microsoft.com/office/drawing/2014/main" id="{F3B31888-8551-4CCF-9F1C-C2084C77BE72}"/>
+              </a:ext>
+            </a:extLst>
+          </p:cNvPr>
+          <p:cNvSpPr/>
+          <p:nvPr/>
+        </p:nvSpPr>
+        <p:spPr>
+          <a:xfrm>
+            <a:off x="5034771" y="2940270"/>
+            <a:ext cx="1590473" cy="564204"/>
+          </a:xfrm>
+          <a:prstGeom prst="rect">
+            <a:avLst/>
+          </a:prstGeom>
+          <a:solidFill>
+            <a:schemeClr val="accent5">
+              <a:lumMod val="50000"/>
+            </a:schemeClr>
+          </a:solidFill>
+          <a:ln w="0">
+            <a:noFill/>
+          </a:ln>
+        </p:spPr>
+        <p:style>
+          <a:lnRef idx="2">
+            <a:schemeClr val="accent1">
+              <a:shade val="50000"/>
+            </a:schemeClr>
+          </a:lnRef>
+          <a:fillRef idx="1">
+            <a:schemeClr val="accent1"/>
+          </a:fillRef>
+          <a:effectRef idx="0">
+            <a:schemeClr val="accent1"/>
+          </a:effectRef>
+          <a:fontRef idx="minor">
+            <a:schemeClr val="lt1"/>
+          </a:fontRef>
+        </p:style>
+        <p:txBody>
+          <a:bodyPr rtlCol="0" anchor="ctr"/>
+          <a:lstStyle/>
+          <a:p>
+            <a:pPr algn="ctr"/>
+            <a:r>
+              <a:rPr lang="en-US" dirty="0"/>
+              <a:t>Tag</a:t>
+            </a:r>
+          </a:p>
+        </p:txBody>
+      </p:sp>
+      <p:cxnSp>
+        <p:nvCxnSpPr>
+          <p:cNvPr id="25" name="Прямая соединительная линия 24">
+            <a:extLst>
+              <a:ext uri="{FF2B5EF4-FFF2-40B4-BE49-F238E27FC236}">
+                <a16:creationId xmlns:a16="http://schemas.microsoft.com/office/drawing/2014/main" id="{38D2D4E1-ECF0-4013-8014-84ABA6BA9E4D}"/>
+              </a:ext>
+            </a:extLst>
+          </p:cNvPr>
+          <p:cNvCxnSpPr>
+            <a:cxnSpLocks/>
+            <a:stCxn id="24" idx="1"/>
+          </p:cNvCxnSpPr>
+          <p:nvPr/>
+        </p:nvCxnSpPr>
+        <p:spPr>
+          <a:xfrm flipH="1">
+            <a:off x="4418759" y="3222372"/>
+            <a:ext cx="616012" cy="0"/>
+          </a:xfrm>
+          <a:prstGeom prst="line">
+            <a:avLst/>
+          </a:prstGeom>
+        </p:spPr>
+        <p:style>
+          <a:lnRef idx="3">
+            <a:schemeClr val="dk1"/>
+          </a:lnRef>
+          <a:fillRef idx="0">
+            <a:schemeClr val="dk1"/>
+          </a:fillRef>
+          <a:effectRef idx="2">
+            <a:schemeClr val="dk1"/>
+          </a:effectRef>
+          <a:fontRef idx="minor">
+            <a:schemeClr val="tx1"/>
+          </a:fontRef>
+        </p:style>
+      </p:cxnSp>
+      <p:sp>
+        <p:nvSpPr>
+          <p:cNvPr id="26" name="Прямоугольник 25">
+            <a:extLst>
+              <a:ext uri="{FF2B5EF4-FFF2-40B4-BE49-F238E27FC236}">
+                <a16:creationId xmlns:a16="http://schemas.microsoft.com/office/drawing/2014/main" id="{18F2749A-7DD5-40F3-8243-FBAC4C2D6542}"/>
+              </a:ext>
+            </a:extLst>
+          </p:cNvPr>
+          <p:cNvSpPr/>
+          <p:nvPr/>
+        </p:nvSpPr>
+        <p:spPr>
+          <a:xfrm>
+            <a:off x="5038343" y="3565774"/>
+            <a:ext cx="1590473" cy="564204"/>
+          </a:xfrm>
+          <a:prstGeom prst="rect">
+            <a:avLst/>
+          </a:prstGeom>
+          <a:solidFill>
+            <a:schemeClr val="accent5">
+              <a:lumMod val="50000"/>
+            </a:schemeClr>
+          </a:solidFill>
+          <a:ln w="0">
+            <a:noFill/>
+          </a:ln>
+        </p:spPr>
+        <p:style>
+          <a:lnRef idx="2">
+            <a:schemeClr val="accent1">
+              <a:shade val="50000"/>
+            </a:schemeClr>
+          </a:lnRef>
+          <a:fillRef idx="1">
+            <a:schemeClr val="accent1"/>
+          </a:fillRef>
+          <a:effectRef idx="0">
+            <a:schemeClr val="accent1"/>
+          </a:effectRef>
+          <a:fontRef idx="minor">
+            <a:schemeClr val="lt1"/>
+          </a:fontRef>
+        </p:style>
+        <p:txBody>
+          <a:bodyPr rtlCol="0" anchor="ctr"/>
+          <a:lstStyle/>
+          <a:p>
+            <a:pPr algn="ctr"/>
+            <a:r>
+              <a:rPr lang="en-US" dirty="0"/>
+              <a:t>Tag</a:t>
+            </a:r>
+          </a:p>
+        </p:txBody>
+      </p:sp>
+      <p:cxnSp>
+        <p:nvCxnSpPr>
+          <p:cNvPr id="27" name="Прямая соединительная линия 26">
+            <a:extLst>
+              <a:ext uri="{FF2B5EF4-FFF2-40B4-BE49-F238E27FC236}">
+                <a16:creationId xmlns:a16="http://schemas.microsoft.com/office/drawing/2014/main" id="{799B2867-0F61-43AF-B4A0-058FEC477662}"/>
+              </a:ext>
+            </a:extLst>
+          </p:cNvPr>
+          <p:cNvCxnSpPr>
+            <a:cxnSpLocks/>
+            <a:stCxn id="26" idx="1"/>
+          </p:cNvCxnSpPr>
+          <p:nvPr/>
+        </p:nvCxnSpPr>
+        <p:spPr>
+          <a:xfrm flipH="1">
+            <a:off x="4422331" y="3847876"/>
+            <a:ext cx="616012" cy="0"/>
+          </a:xfrm>
+          <a:prstGeom prst="line">
+            <a:avLst/>
+          </a:prstGeom>
+        </p:spPr>
+        <p:style>
+          <a:lnRef idx="3">
+            <a:schemeClr val="dk1"/>
+          </a:lnRef>
+          <a:fillRef idx="0">
+            <a:schemeClr val="dk1"/>
+          </a:fillRef>
+          <a:effectRef idx="2">
+            <a:schemeClr val="dk1"/>
+          </a:effectRef>
+          <a:fontRef idx="minor">
+            <a:schemeClr val="tx1"/>
+          </a:fontRef>
+        </p:style>
+      </p:cxnSp>
+      <p:cxnSp>
+        <p:nvCxnSpPr>
+          <p:cNvPr id="28" name="Прямая соединительная линия 27">
+            <a:extLst>
+              <a:ext uri="{FF2B5EF4-FFF2-40B4-BE49-F238E27FC236}">
+                <a16:creationId xmlns:a16="http://schemas.microsoft.com/office/drawing/2014/main" id="{408B45F5-CC2F-4E49-AC9F-CE1A64191B0E}"/>
+              </a:ext>
+            </a:extLst>
+          </p:cNvPr>
+          <p:cNvCxnSpPr>
+            <a:cxnSpLocks/>
+          </p:cNvCxnSpPr>
+          <p:nvPr/>
+        </p:nvCxnSpPr>
+        <p:spPr>
+          <a:xfrm>
+            <a:off x="4417568" y="4529492"/>
+            <a:ext cx="0" cy="1251008"/>
+          </a:xfrm>
+          <a:prstGeom prst="line">
+            <a:avLst/>
+          </a:prstGeom>
+        </p:spPr>
+        <p:style>
+          <a:lnRef idx="3">
+            <a:schemeClr val="dk1"/>
+          </a:lnRef>
+          <a:fillRef idx="0">
+            <a:schemeClr val="dk1"/>
+          </a:fillRef>
+          <a:effectRef idx="2">
+            <a:schemeClr val="dk1"/>
+          </a:effectRef>
+          <a:fontRef idx="minor">
+            <a:schemeClr val="tx1"/>
+          </a:fontRef>
+        </p:style>
+      </p:cxnSp>
+      <p:cxnSp>
+        <p:nvCxnSpPr>
+          <p:cNvPr id="29" name="Прямая соединительная линия 28">
+            <a:extLst>
+              <a:ext uri="{FF2B5EF4-FFF2-40B4-BE49-F238E27FC236}">
+                <a16:creationId xmlns:a16="http://schemas.microsoft.com/office/drawing/2014/main" id="{BAE770ED-EE4B-4A73-B6ED-1DC11A650E50}"/>
+              </a:ext>
+            </a:extLst>
+          </p:cNvPr>
+          <p:cNvCxnSpPr>
+            <a:cxnSpLocks/>
+          </p:cNvCxnSpPr>
+          <p:nvPr/>
+        </p:nvCxnSpPr>
+        <p:spPr>
+          <a:xfrm flipH="1">
+            <a:off x="3811080" y="5029863"/>
+            <a:ext cx="606488" cy="0"/>
+          </a:xfrm>
+          <a:prstGeom prst="line">
+            <a:avLst/>
+          </a:prstGeom>
+        </p:spPr>
+        <p:style>
+          <a:lnRef idx="3">
+            <a:schemeClr val="dk1"/>
+          </a:lnRef>
+          <a:fillRef idx="0">
+            <a:schemeClr val="dk1"/>
+          </a:fillRef>
+          <a:effectRef idx="2">
+            <a:schemeClr val="dk1"/>
+          </a:effectRef>
+          <a:fontRef idx="minor">
+            <a:schemeClr val="tx1"/>
+          </a:fontRef>
+        </p:style>
+      </p:cxnSp>
+      <p:cxnSp>
+        <p:nvCxnSpPr>
+          <p:cNvPr id="30" name="Прямая соединительная линия 29">
+            <a:extLst>
+              <a:ext uri="{FF2B5EF4-FFF2-40B4-BE49-F238E27FC236}">
+                <a16:creationId xmlns:a16="http://schemas.microsoft.com/office/drawing/2014/main" id="{111B1895-3423-4C02-A3EB-78233DDC8B88}"/>
+              </a:ext>
+            </a:extLst>
+          </p:cNvPr>
+          <p:cNvCxnSpPr>
+            <a:cxnSpLocks/>
+          </p:cNvCxnSpPr>
+          <p:nvPr/>
+        </p:nvCxnSpPr>
+        <p:spPr>
+          <a:xfrm flipH="1">
+            <a:off x="4408044" y="4529492"/>
+            <a:ext cx="616012" cy="0"/>
+          </a:xfrm>
+          <a:prstGeom prst="line">
+            <a:avLst/>
+          </a:prstGeom>
+        </p:spPr>
+        <p:style>
+          <a:lnRef idx="3">
+            <a:schemeClr val="dk1"/>
+          </a:lnRef>
+          <a:fillRef idx="0">
+            <a:schemeClr val="dk1"/>
+          </a:fillRef>
+          <a:effectRef idx="2">
+            <a:schemeClr val="dk1"/>
+          </a:effectRef>
+          <a:fontRef idx="minor">
+            <a:schemeClr val="tx1"/>
+          </a:fontRef>
+        </p:style>
+      </p:cxnSp>
+      <p:cxnSp>
+        <p:nvCxnSpPr>
+          <p:cNvPr id="31" name="Прямая соединительная линия 30">
+            <a:extLst>
+              <a:ext uri="{FF2B5EF4-FFF2-40B4-BE49-F238E27FC236}">
+                <a16:creationId xmlns:a16="http://schemas.microsoft.com/office/drawing/2014/main" id="{0A7F6B57-2F6F-44E8-B0AA-B653D0B02122}"/>
+              </a:ext>
+            </a:extLst>
+          </p:cNvPr>
+          <p:cNvCxnSpPr>
+            <a:cxnSpLocks/>
+          </p:cNvCxnSpPr>
+          <p:nvPr/>
+        </p:nvCxnSpPr>
+        <p:spPr>
+          <a:xfrm flipH="1">
+            <a:off x="4411616" y="5154996"/>
+            <a:ext cx="616012" cy="0"/>
+          </a:xfrm>
+          <a:prstGeom prst="line">
+            <a:avLst/>
+          </a:prstGeom>
+        </p:spPr>
+        <p:style>
+          <a:lnRef idx="3">
+            <a:schemeClr val="dk1"/>
+          </a:lnRef>
+          <a:fillRef idx="0">
+            <a:schemeClr val="dk1"/>
+          </a:fillRef>
+          <a:effectRef idx="2">
+            <a:schemeClr val="dk1"/>
+          </a:effectRef>
+          <a:fontRef idx="minor">
+            <a:schemeClr val="tx1"/>
+          </a:fontRef>
+        </p:style>
+      </p:cxnSp>
+      <p:cxnSp>
+        <p:nvCxnSpPr>
+          <p:cNvPr id="32" name="Прямая соединительная линия 31">
+            <a:extLst>
+              <a:ext uri="{FF2B5EF4-FFF2-40B4-BE49-F238E27FC236}">
+                <a16:creationId xmlns:a16="http://schemas.microsoft.com/office/drawing/2014/main" id="{F638C8B1-9DF6-4326-8305-45C4D10A640D}"/>
+              </a:ext>
+            </a:extLst>
+          </p:cNvPr>
+          <p:cNvCxnSpPr>
+            <a:cxnSpLocks/>
+          </p:cNvCxnSpPr>
+          <p:nvPr/>
+        </p:nvCxnSpPr>
+        <p:spPr>
+          <a:xfrm flipH="1">
+            <a:off x="4415188" y="5780500"/>
+            <a:ext cx="616012" cy="0"/>
+          </a:xfrm>
+          <a:prstGeom prst="line">
+            <a:avLst/>
+          </a:prstGeom>
+        </p:spPr>
+        <p:style>
+          <a:lnRef idx="3">
+            <a:schemeClr val="dk1"/>
+          </a:lnRef>
+          <a:fillRef idx="0">
+            <a:schemeClr val="dk1"/>
+          </a:fillRef>
+          <a:effectRef idx="2">
+            <a:schemeClr val="dk1"/>
+          </a:effectRef>
+          <a:fontRef idx="minor">
+            <a:schemeClr val="tx1"/>
+          </a:fontRef>
+        </p:style>
+      </p:cxnSp>
+      <p:sp>
+        <p:nvSpPr>
+          <p:cNvPr id="33" name="Прямоугольник 32">
+            <a:extLst>
+              <a:ext uri="{FF2B5EF4-FFF2-40B4-BE49-F238E27FC236}">
+                <a16:creationId xmlns:a16="http://schemas.microsoft.com/office/drawing/2014/main" id="{55C4B14B-C3F2-433C-9F0D-98FE810329F1}"/>
+              </a:ext>
+            </a:extLst>
+          </p:cNvPr>
+          <p:cNvSpPr/>
+          <p:nvPr/>
+        </p:nvSpPr>
+        <p:spPr>
+          <a:xfrm>
+            <a:off x="5027628" y="4885116"/>
+            <a:ext cx="1590473" cy="564204"/>
+          </a:xfrm>
+          <a:prstGeom prst="rect">
+            <a:avLst/>
+          </a:prstGeom>
+          <a:solidFill>
+            <a:schemeClr val="accent5">
+              <a:lumMod val="50000"/>
+            </a:schemeClr>
+          </a:solidFill>
+          <a:ln w="0">
+            <a:noFill/>
+          </a:ln>
+        </p:spPr>
+        <p:style>
+          <a:lnRef idx="2">
+            <a:schemeClr val="accent1">
+              <a:shade val="50000"/>
+            </a:schemeClr>
+          </a:lnRef>
+          <a:fillRef idx="1">
+            <a:schemeClr val="accent1"/>
+          </a:fillRef>
+          <a:effectRef idx="0">
+            <a:schemeClr val="accent1"/>
+          </a:effectRef>
+          <a:fontRef idx="minor">
+            <a:schemeClr val="lt1"/>
+          </a:fontRef>
+        </p:style>
+        <p:txBody>
+          <a:bodyPr rtlCol="0" anchor="ctr"/>
+          <a:lstStyle/>
+          <a:p>
+            <a:pPr algn="ctr"/>
+            <a:r>
+              <a:rPr lang="en-US" dirty="0"/>
+              <a:t>Review</a:t>
+            </a:r>
+          </a:p>
+        </p:txBody>
+      </p:sp>
+      <p:sp>
+        <p:nvSpPr>
+          <p:cNvPr id="34" name="Прямоугольник 33">
+            <a:extLst>
+              <a:ext uri="{FF2B5EF4-FFF2-40B4-BE49-F238E27FC236}">
+                <a16:creationId xmlns:a16="http://schemas.microsoft.com/office/drawing/2014/main" id="{539E78BE-F905-43E1-B6E3-D6624C2A08B4}"/>
+              </a:ext>
+            </a:extLst>
+          </p:cNvPr>
+          <p:cNvSpPr/>
+          <p:nvPr/>
+        </p:nvSpPr>
+        <p:spPr>
+          <a:xfrm>
+            <a:off x="5024057" y="5502601"/>
+            <a:ext cx="1590473" cy="564204"/>
+          </a:xfrm>
+          <a:prstGeom prst="rect">
+            <a:avLst/>
+          </a:prstGeom>
+          <a:solidFill>
+            <a:schemeClr val="accent5">
+              <a:lumMod val="50000"/>
+            </a:schemeClr>
+          </a:solidFill>
+          <a:ln w="0">
+            <a:noFill/>
+          </a:ln>
+        </p:spPr>
+        <p:style>
+          <a:lnRef idx="2">
+            <a:schemeClr val="accent1">
+              <a:shade val="50000"/>
+            </a:schemeClr>
+          </a:lnRef>
+          <a:fillRef idx="1">
+            <a:schemeClr val="accent1"/>
+          </a:fillRef>
+          <a:effectRef idx="0">
+            <a:schemeClr val="accent1"/>
+          </a:effectRef>
+          <a:fontRef idx="minor">
+            <a:schemeClr val="lt1"/>
+          </a:fontRef>
+        </p:style>
+        <p:txBody>
+          <a:bodyPr rtlCol="0" anchor="ctr"/>
+          <a:lstStyle/>
+          <a:p>
+            <a:pPr algn="ctr"/>
+            <a:r>
+              <a:rPr lang="en-US" dirty="0"/>
+              <a:t>Review</a:t>
+            </a:r>
+          </a:p>
+        </p:txBody>
+      </p:sp>
+      <p:sp>
+        <p:nvSpPr>
+          <p:cNvPr id="35" name="Прямоугольник 34">
+            <a:extLst>
+              <a:ext uri="{FF2B5EF4-FFF2-40B4-BE49-F238E27FC236}">
+                <a16:creationId xmlns:a16="http://schemas.microsoft.com/office/drawing/2014/main" id="{3120C351-36AF-4851-873F-EA73A5CA8725}"/>
+              </a:ext>
+            </a:extLst>
+          </p:cNvPr>
+          <p:cNvSpPr/>
+          <p:nvPr/>
+        </p:nvSpPr>
+        <p:spPr>
+          <a:xfrm>
+            <a:off x="7580903" y="2378413"/>
+            <a:ext cx="2153370" cy="564204"/>
+          </a:xfrm>
+          <a:prstGeom prst="rect">
+            <a:avLst/>
+          </a:prstGeom>
+          <a:solidFill>
+            <a:schemeClr val="accent5">
+              <a:lumMod val="50000"/>
+            </a:schemeClr>
+          </a:solidFill>
+          <a:ln w="0">
+            <a:noFill/>
+          </a:ln>
+        </p:spPr>
+        <p:style>
+          <a:lnRef idx="2">
+            <a:schemeClr val="accent1">
+              <a:shade val="50000"/>
+            </a:schemeClr>
+          </a:lnRef>
+          <a:fillRef idx="1">
+            <a:schemeClr val="accent1"/>
+          </a:fillRef>
+          <a:effectRef idx="0">
+            <a:schemeClr val="accent1"/>
+          </a:effectRef>
+          <a:fontRef idx="minor">
+            <a:schemeClr val="lt1"/>
+          </a:fontRef>
+        </p:style>
+        <p:txBody>
+          <a:bodyPr rtlCol="0" anchor="ctr"/>
+          <a:lstStyle/>
+          <a:p>
+            <a:pPr algn="ctr"/>
+            <a:r>
+              <a:rPr lang="en-US" dirty="0"/>
+              <a:t>Application User</a:t>
+            </a:r>
+          </a:p>
+        </p:txBody>
+      </p:sp>
+      <p:sp>
+        <p:nvSpPr>
+          <p:cNvPr id="36" name="Прямоугольник 35">
+            <a:extLst>
+              <a:ext uri="{FF2B5EF4-FFF2-40B4-BE49-F238E27FC236}">
+                <a16:creationId xmlns:a16="http://schemas.microsoft.com/office/drawing/2014/main" id="{139E4136-2169-4941-BCA2-BD5AD4AC36A0}"/>
+              </a:ext>
+            </a:extLst>
+          </p:cNvPr>
+          <p:cNvSpPr/>
+          <p:nvPr/>
+        </p:nvSpPr>
+        <p:spPr>
+          <a:xfrm>
+            <a:off x="7580903" y="3084366"/>
+            <a:ext cx="2153370" cy="564204"/>
+          </a:xfrm>
+          <a:prstGeom prst="rect">
+            <a:avLst/>
+          </a:prstGeom>
+          <a:solidFill>
+            <a:schemeClr val="accent5">
+              <a:lumMod val="50000"/>
+            </a:schemeClr>
+          </a:solidFill>
+          <a:ln w="0">
+            <a:noFill/>
+          </a:ln>
+        </p:spPr>
+        <p:style>
+          <a:lnRef idx="2">
+            <a:schemeClr val="accent1">
+              <a:shade val="50000"/>
+            </a:schemeClr>
+          </a:lnRef>
+          <a:fillRef idx="1">
+            <a:schemeClr val="accent1"/>
+          </a:fillRef>
+          <a:effectRef idx="0">
+            <a:schemeClr val="accent1"/>
+          </a:effectRef>
+          <a:fontRef idx="minor">
+            <a:schemeClr val="lt1"/>
+          </a:fontRef>
+        </p:style>
+        <p:txBody>
+          <a:bodyPr rtlCol="0" anchor="ctr"/>
+          <a:lstStyle/>
+          <a:p>
+            <a:pPr algn="ctr"/>
+            <a:r>
+              <a:rPr lang="en-US" dirty="0"/>
+              <a:t>ApplicationRole</a:t>
+            </a:r>
+          </a:p>
+        </p:txBody>
+      </p:sp>
+      <p:sp>
+        <p:nvSpPr>
+          <p:cNvPr id="37" name="Прямоугольник 36">
+            <a:extLst>
+              <a:ext uri="{FF2B5EF4-FFF2-40B4-BE49-F238E27FC236}">
+                <a16:creationId xmlns:a16="http://schemas.microsoft.com/office/drawing/2014/main" id="{034DCF47-9D41-4CA4-BDFB-E0499D8B121B}"/>
+              </a:ext>
+            </a:extLst>
+          </p:cNvPr>
+          <p:cNvSpPr/>
+          <p:nvPr/>
+        </p:nvSpPr>
+        <p:spPr>
+          <a:xfrm>
+            <a:off x="7580903" y="3790319"/>
+            <a:ext cx="2153370" cy="564204"/>
+          </a:xfrm>
+          <a:prstGeom prst="rect">
+            <a:avLst/>
+          </a:prstGeom>
+          <a:solidFill>
+            <a:schemeClr val="accent5">
+              <a:lumMod val="50000"/>
+            </a:schemeClr>
+          </a:solidFill>
+          <a:ln w="0">
+            <a:noFill/>
+          </a:ln>
+        </p:spPr>
+        <p:style>
+          <a:lnRef idx="2">
+            <a:schemeClr val="accent1">
+              <a:shade val="50000"/>
+            </a:schemeClr>
+          </a:lnRef>
+          <a:fillRef idx="1">
+            <a:schemeClr val="accent1"/>
+          </a:fillRef>
+          <a:effectRef idx="0">
+            <a:schemeClr val="accent1"/>
+          </a:effectRef>
+          <a:fontRef idx="minor">
+            <a:schemeClr val="lt1"/>
+          </a:fontRef>
+        </p:style>
+        <p:txBody>
+          <a:bodyPr rtlCol="0" anchor="ctr"/>
+          <a:lstStyle/>
+          <a:p>
+            <a:pPr algn="ctr"/>
+            <a:r>
+              <a:rPr lang="en-US" dirty="0"/>
+              <a:t>Log</a:t>
+            </a:r>
+          </a:p>
+        </p:txBody>
+      </p:sp>
     </p:spTree>
     <p:extLst>
       <p:ext uri="{BB962C8B-B14F-4D97-AF65-F5344CB8AC3E}">
-        <p14:creationId xmlns:p14="http://schemas.microsoft.com/office/powerpoint/2010/main" val="3467241599"/>
+        <p14:creationId xmlns:p14="http://schemas.microsoft.com/office/powerpoint/2010/main" val="3014800752"/>
       </p:ext>
     </p:extLst>
   </p:cSld>
@@ -17087,83 +18667,599 @@
                             </p:stCondLst>
                             <p:childTnLst>
                               <p:par>
-                                <p:cTn id="5" presetID="53" presetClass="entr" presetSubtype="16" fill="hold" nodeType="clickEffect">
+                                <p:cTn id="5" presetID="1" presetClass="emph" presetSubtype="2" fill="hold" grpId="0" nodeType="clickEffect">
                                   <p:stCondLst>
                                     <p:cond delay="0"/>
                                   </p:stCondLst>
                                   <p:childTnLst>
-                                    <p:set>
+                                    <p:animClr clrSpc="rgb" dir="cw">
                                       <p:cBhvr>
-                                        <p:cTn id="6" dur="1" fill="hold">
-                                          <p:stCondLst>
-                                            <p:cond delay="0"/>
-                                          </p:stCondLst>
-                                        </p:cTn>
+                                        <p:cTn id="6" dur="750" fill="hold"/>
                                         <p:tgtEl>
-                                          <p:spTgt spid="3"/>
+                                          <p:spTgt spid="9"/>
                                         </p:tgtEl>
                                         <p:attrNameLst>
-                                          <p:attrName>style.visibility</p:attrName>
+                                          <p:attrName>fillcolor</p:attrName>
                                         </p:attrNameLst>
                                       </p:cBhvr>
                                       <p:to>
-                                        <p:strVal val="visible"/>
+                                        <a:srgbClr val="00B050"/>
+                                      </p:to>
+                                    </p:animClr>
+                                    <p:set>
+                                      <p:cBhvr>
+                                        <p:cTn id="7" dur="750" fill="hold"/>
+                                        <p:tgtEl>
+                                          <p:spTgt spid="9"/>
+                                        </p:tgtEl>
+                                        <p:attrNameLst>
+                                          <p:attrName>fill.type</p:attrName>
+                                        </p:attrNameLst>
+                                      </p:cBhvr>
+                                      <p:to>
+                                        <p:strVal val="solid"/>
                                       </p:to>
                                     </p:set>
-                                    <p:anim calcmode="lin" valueType="num">
+                                    <p:set>
                                       <p:cBhvr>
-                                        <p:cTn id="7" dur="500" fill="hold"/>
+                                        <p:cTn id="8" dur="750" fill="hold"/>
                                         <p:tgtEl>
-                                          <p:spTgt spid="3"/>
+                                          <p:spTgt spid="9"/>
                                         </p:tgtEl>
                                         <p:attrNameLst>
-                                          <p:attrName>ppt_w</p:attrName>
+                                          <p:attrName>fill.on</p:attrName>
                                         </p:attrNameLst>
                                       </p:cBhvr>
-                                      <p:tavLst>
-                                        <p:tav tm="0">
-                                          <p:val>
-                                            <p:fltVal val="0"/>
-                                          </p:val>
-                                        </p:tav>
-                                        <p:tav tm="100000">
-                                          <p:val>
-                                            <p:strVal val="#ppt_w"/>
-                                          </p:val>
-                                        </p:tav>
-                                      </p:tavLst>
-                                    </p:anim>
-                                    <p:anim calcmode="lin" valueType="num">
+                                      <p:to>
+                                        <p:strVal val="true"/>
+                                      </p:to>
+                                    </p:set>
+                                  </p:childTnLst>
+                                </p:cTn>
+                              </p:par>
+                              <p:par>
+                                <p:cTn id="9" presetID="1" presetClass="emph" presetSubtype="2" fill="hold" grpId="0" nodeType="withEffect">
+                                  <p:stCondLst>
+                                    <p:cond delay="0"/>
+                                  </p:stCondLst>
+                                  <p:childTnLst>
+                                    <p:animClr clrSpc="rgb" dir="cw">
                                       <p:cBhvr>
-                                        <p:cTn id="8" dur="500" fill="hold"/>
+                                        <p:cTn id="10" dur="750" fill="hold"/>
                                         <p:tgtEl>
-                                          <p:spTgt spid="3"/>
+                                          <p:spTgt spid="19"/>
                                         </p:tgtEl>
                                         <p:attrNameLst>
-                                          <p:attrName>ppt_h</p:attrName>
+                                          <p:attrName>fillcolor</p:attrName>
                                         </p:attrNameLst>
                                       </p:cBhvr>
-                                      <p:tavLst>
-                                        <p:tav tm="0">
-                                          <p:val>
-                                            <p:fltVal val="0"/>
-                                          </p:val>
-                                        </p:tav>
-                                        <p:tav tm="100000">
-                                          <p:val>
-                                            <p:strVal val="#ppt_h"/>
-                                          </p:val>
-                                        </p:tav>
-                                      </p:tavLst>
-                                    </p:anim>
-                                    <p:animEffect transition="in" filter="fade">
+                                      <p:to>
+                                        <a:srgbClr val="00B050"/>
+                                      </p:to>
+                                    </p:animClr>
+                                    <p:set>
                                       <p:cBhvr>
-                                        <p:cTn id="9" dur="500"/>
+                                        <p:cTn id="11" dur="750" fill="hold"/>
                                         <p:tgtEl>
-                                          <p:spTgt spid="3"/>
+                                          <p:spTgt spid="19"/>
                                         </p:tgtEl>
+                                        <p:attrNameLst>
+                                          <p:attrName>fill.type</p:attrName>
+                                        </p:attrNameLst>
                                       </p:cBhvr>
-                                    </p:animEffect>
+                                      <p:to>
+                                        <p:strVal val="solid"/>
+                                      </p:to>
+                                    </p:set>
+                                    <p:set>
+                                      <p:cBhvr>
+                                        <p:cTn id="12" dur="750" fill="hold"/>
+                                        <p:tgtEl>
+                                          <p:spTgt spid="19"/>
+                                        </p:tgtEl>
+                                        <p:attrNameLst>
+                                          <p:attrName>fill.on</p:attrName>
+                                        </p:attrNameLst>
+                                      </p:cBhvr>
+                                      <p:to>
+                                        <p:strVal val="true"/>
+                                      </p:to>
+                                    </p:set>
+                                  </p:childTnLst>
+                                </p:cTn>
+                              </p:par>
+                              <p:par>
+                                <p:cTn id="13" presetID="1" presetClass="emph" presetSubtype="2" fill="hold" grpId="0" nodeType="withEffect">
+                                  <p:stCondLst>
+                                    <p:cond delay="0"/>
+                                  </p:stCondLst>
+                                  <p:childTnLst>
+                                    <p:animClr clrSpc="rgb" dir="cw">
+                                      <p:cBhvr>
+                                        <p:cTn id="14" dur="750" fill="hold"/>
+                                        <p:tgtEl>
+                                          <p:spTgt spid="10"/>
+                                        </p:tgtEl>
+                                        <p:attrNameLst>
+                                          <p:attrName>fillcolor</p:attrName>
+                                        </p:attrNameLst>
+                                      </p:cBhvr>
+                                      <p:to>
+                                        <a:srgbClr val="00B050"/>
+                                      </p:to>
+                                    </p:animClr>
+                                    <p:set>
+                                      <p:cBhvr>
+                                        <p:cTn id="15" dur="750" fill="hold"/>
+                                        <p:tgtEl>
+                                          <p:spTgt spid="10"/>
+                                        </p:tgtEl>
+                                        <p:attrNameLst>
+                                          <p:attrName>fill.type</p:attrName>
+                                        </p:attrNameLst>
+                                      </p:cBhvr>
+                                      <p:to>
+                                        <p:strVal val="solid"/>
+                                      </p:to>
+                                    </p:set>
+                                    <p:set>
+                                      <p:cBhvr>
+                                        <p:cTn id="16" dur="750" fill="hold"/>
+                                        <p:tgtEl>
+                                          <p:spTgt spid="10"/>
+                                        </p:tgtEl>
+                                        <p:attrNameLst>
+                                          <p:attrName>fill.on</p:attrName>
+                                        </p:attrNameLst>
+                                      </p:cBhvr>
+                                      <p:to>
+                                        <p:strVal val="true"/>
+                                      </p:to>
+                                    </p:set>
+                                  </p:childTnLst>
+                                </p:cTn>
+                              </p:par>
+                              <p:par>
+                                <p:cTn id="17" presetID="1" presetClass="emph" presetSubtype="2" fill="hold" grpId="0" nodeType="withEffect">
+                                  <p:stCondLst>
+                                    <p:cond delay="0"/>
+                                  </p:stCondLst>
+                                  <p:childTnLst>
+                                    <p:animClr clrSpc="rgb" dir="cw">
+                                      <p:cBhvr>
+                                        <p:cTn id="18" dur="750" fill="hold"/>
+                                        <p:tgtEl>
+                                          <p:spTgt spid="15"/>
+                                        </p:tgtEl>
+                                        <p:attrNameLst>
+                                          <p:attrName>fillcolor</p:attrName>
+                                        </p:attrNameLst>
+                                      </p:cBhvr>
+                                      <p:to>
+                                        <a:srgbClr val="00B050"/>
+                                      </p:to>
+                                    </p:animClr>
+                                    <p:set>
+                                      <p:cBhvr>
+                                        <p:cTn id="19" dur="750" fill="hold"/>
+                                        <p:tgtEl>
+                                          <p:spTgt spid="15"/>
+                                        </p:tgtEl>
+                                        <p:attrNameLst>
+                                          <p:attrName>fill.type</p:attrName>
+                                        </p:attrNameLst>
+                                      </p:cBhvr>
+                                      <p:to>
+                                        <p:strVal val="solid"/>
+                                      </p:to>
+                                    </p:set>
+                                    <p:set>
+                                      <p:cBhvr>
+                                        <p:cTn id="20" dur="750" fill="hold"/>
+                                        <p:tgtEl>
+                                          <p:spTgt spid="15"/>
+                                        </p:tgtEl>
+                                        <p:attrNameLst>
+                                          <p:attrName>fill.on</p:attrName>
+                                        </p:attrNameLst>
+                                      </p:cBhvr>
+                                      <p:to>
+                                        <p:strVal val="true"/>
+                                      </p:to>
+                                    </p:set>
+                                  </p:childTnLst>
+                                </p:cTn>
+                              </p:par>
+                              <p:par>
+                                <p:cTn id="21" presetID="1" presetClass="emph" presetSubtype="2" fill="hold" grpId="0" nodeType="withEffect">
+                                  <p:stCondLst>
+                                    <p:cond delay="0"/>
+                                  </p:stCondLst>
+                                  <p:childTnLst>
+                                    <p:animClr clrSpc="rgb" dir="cw">
+                                      <p:cBhvr>
+                                        <p:cTn id="22" dur="750" fill="hold"/>
+                                        <p:tgtEl>
+                                          <p:spTgt spid="17"/>
+                                        </p:tgtEl>
+                                        <p:attrNameLst>
+                                          <p:attrName>fillcolor</p:attrName>
+                                        </p:attrNameLst>
+                                      </p:cBhvr>
+                                      <p:to>
+                                        <a:srgbClr val="00B050"/>
+                                      </p:to>
+                                    </p:animClr>
+                                    <p:set>
+                                      <p:cBhvr>
+                                        <p:cTn id="23" dur="750" fill="hold"/>
+                                        <p:tgtEl>
+                                          <p:spTgt spid="17"/>
+                                        </p:tgtEl>
+                                        <p:attrNameLst>
+                                          <p:attrName>fill.type</p:attrName>
+                                        </p:attrNameLst>
+                                      </p:cBhvr>
+                                      <p:to>
+                                        <p:strVal val="solid"/>
+                                      </p:to>
+                                    </p:set>
+                                    <p:set>
+                                      <p:cBhvr>
+                                        <p:cTn id="24" dur="750" fill="hold"/>
+                                        <p:tgtEl>
+                                          <p:spTgt spid="17"/>
+                                        </p:tgtEl>
+                                        <p:attrNameLst>
+                                          <p:attrName>fill.on</p:attrName>
+                                        </p:attrNameLst>
+                                      </p:cBhvr>
+                                      <p:to>
+                                        <p:strVal val="true"/>
+                                      </p:to>
+                                    </p:set>
+                                  </p:childTnLst>
+                                </p:cTn>
+                              </p:par>
+                            </p:childTnLst>
+                          </p:cTn>
+                        </p:par>
+                      </p:childTnLst>
+                    </p:cTn>
+                  </p:par>
+                  <p:par>
+                    <p:cTn id="25" fill="hold">
+                      <p:stCondLst>
+                        <p:cond delay="indefinite"/>
+                      </p:stCondLst>
+                      <p:childTnLst>
+                        <p:par>
+                          <p:cTn id="26" fill="hold">
+                            <p:stCondLst>
+                              <p:cond delay="0"/>
+                            </p:stCondLst>
+                            <p:childTnLst>
+                              <p:par>
+                                <p:cTn id="27" presetID="1" presetClass="emph" presetSubtype="2" fill="hold" nodeType="clickEffect">
+                                  <p:stCondLst>
+                                    <p:cond delay="0"/>
+                                  </p:stCondLst>
+                                  <p:childTnLst>
+                                    <p:animClr clrSpc="rgb" dir="cw">
+                                      <p:cBhvr>
+                                        <p:cTn id="28" dur="750" fill="hold"/>
+                                        <p:tgtEl>
+                                          <p:spTgt spid="35"/>
+                                        </p:tgtEl>
+                                        <p:attrNameLst>
+                                          <p:attrName>fillcolor</p:attrName>
+                                        </p:attrNameLst>
+                                      </p:cBhvr>
+                                      <p:to>
+                                        <a:srgbClr val="00B050"/>
+                                      </p:to>
+                                    </p:animClr>
+                                    <p:set>
+                                      <p:cBhvr>
+                                        <p:cTn id="29" dur="750" fill="hold"/>
+                                        <p:tgtEl>
+                                          <p:spTgt spid="35"/>
+                                        </p:tgtEl>
+                                        <p:attrNameLst>
+                                          <p:attrName>fill.type</p:attrName>
+                                        </p:attrNameLst>
+                                      </p:cBhvr>
+                                      <p:to>
+                                        <p:strVal val="solid"/>
+                                      </p:to>
+                                    </p:set>
+                                    <p:set>
+                                      <p:cBhvr>
+                                        <p:cTn id="30" dur="750" fill="hold"/>
+                                        <p:tgtEl>
+                                          <p:spTgt spid="35"/>
+                                        </p:tgtEl>
+                                        <p:attrNameLst>
+                                          <p:attrName>fill.on</p:attrName>
+                                        </p:attrNameLst>
+                                      </p:cBhvr>
+                                      <p:to>
+                                        <p:strVal val="true"/>
+                                      </p:to>
+                                    </p:set>
+                                  </p:childTnLst>
+                                </p:cTn>
+                              </p:par>
+                              <p:par>
+                                <p:cTn id="31" presetID="1" presetClass="emph" presetSubtype="2" fill="hold" nodeType="withEffect">
+                                  <p:stCondLst>
+                                    <p:cond delay="0"/>
+                                  </p:stCondLst>
+                                  <p:childTnLst>
+                                    <p:animClr clrSpc="rgb" dir="cw">
+                                      <p:cBhvr>
+                                        <p:cTn id="32" dur="750" fill="hold"/>
+                                        <p:tgtEl>
+                                          <p:spTgt spid="36"/>
+                                        </p:tgtEl>
+                                        <p:attrNameLst>
+                                          <p:attrName>fillcolor</p:attrName>
+                                        </p:attrNameLst>
+                                      </p:cBhvr>
+                                      <p:to>
+                                        <a:srgbClr val="00B050"/>
+                                      </p:to>
+                                    </p:animClr>
+                                    <p:set>
+                                      <p:cBhvr>
+                                        <p:cTn id="33" dur="750" fill="hold"/>
+                                        <p:tgtEl>
+                                          <p:spTgt spid="36"/>
+                                        </p:tgtEl>
+                                        <p:attrNameLst>
+                                          <p:attrName>fill.type</p:attrName>
+                                        </p:attrNameLst>
+                                      </p:cBhvr>
+                                      <p:to>
+                                        <p:strVal val="solid"/>
+                                      </p:to>
+                                    </p:set>
+                                    <p:set>
+                                      <p:cBhvr>
+                                        <p:cTn id="34" dur="750" fill="hold"/>
+                                        <p:tgtEl>
+                                          <p:spTgt spid="36"/>
+                                        </p:tgtEl>
+                                        <p:attrNameLst>
+                                          <p:attrName>fill.on</p:attrName>
+                                        </p:attrNameLst>
+                                      </p:cBhvr>
+                                      <p:to>
+                                        <p:strVal val="true"/>
+                                      </p:to>
+                                    </p:set>
+                                  </p:childTnLst>
+                                </p:cTn>
+                              </p:par>
+                              <p:par>
+                                <p:cTn id="35" presetID="1" presetClass="emph" presetSubtype="2" fill="hold" nodeType="withEffect">
+                                  <p:stCondLst>
+                                    <p:cond delay="0"/>
+                                  </p:stCondLst>
+                                  <p:childTnLst>
+                                    <p:animClr clrSpc="rgb" dir="cw">
+                                      <p:cBhvr>
+                                        <p:cTn id="36" dur="750" fill="hold"/>
+                                        <p:tgtEl>
+                                          <p:spTgt spid="37"/>
+                                        </p:tgtEl>
+                                        <p:attrNameLst>
+                                          <p:attrName>fillcolor</p:attrName>
+                                        </p:attrNameLst>
+                                      </p:cBhvr>
+                                      <p:to>
+                                        <a:srgbClr val="00B050"/>
+                                      </p:to>
+                                    </p:animClr>
+                                    <p:set>
+                                      <p:cBhvr>
+                                        <p:cTn id="37" dur="750" fill="hold"/>
+                                        <p:tgtEl>
+                                          <p:spTgt spid="37"/>
+                                        </p:tgtEl>
+                                        <p:attrNameLst>
+                                          <p:attrName>fill.type</p:attrName>
+                                        </p:attrNameLst>
+                                      </p:cBhvr>
+                                      <p:to>
+                                        <p:strVal val="solid"/>
+                                      </p:to>
+                                    </p:set>
+                                    <p:set>
+                                      <p:cBhvr>
+                                        <p:cTn id="38" dur="750" fill="hold"/>
+                                        <p:tgtEl>
+                                          <p:spTgt spid="37"/>
+                                        </p:tgtEl>
+                                        <p:attrNameLst>
+                                          <p:attrName>fill.on</p:attrName>
+                                        </p:attrNameLst>
+                                      </p:cBhvr>
+                                      <p:to>
+                                        <p:strVal val="true"/>
+                                      </p:to>
+                                    </p:set>
+                                  </p:childTnLst>
+                                </p:cTn>
+                              </p:par>
+                            </p:childTnLst>
+                          </p:cTn>
+                        </p:par>
+                      </p:childTnLst>
+                    </p:cTn>
+                  </p:par>
+                  <p:par>
+                    <p:cTn id="39" fill="hold">
+                      <p:stCondLst>
+                        <p:cond delay="indefinite"/>
+                      </p:stCondLst>
+                      <p:childTnLst>
+                        <p:par>
+                          <p:cTn id="40" fill="hold">
+                            <p:stCondLst>
+                              <p:cond delay="0"/>
+                            </p:stCondLst>
+                            <p:childTnLst>
+                              <p:par>
+                                <p:cTn id="41" presetID="1" presetClass="emph" presetSubtype="2" fill="hold" nodeType="clickEffect">
+                                  <p:stCondLst>
+                                    <p:cond delay="0"/>
+                                  </p:stCondLst>
+                                  <p:childTnLst>
+                                    <p:animClr clrSpc="rgb" dir="cw">
+                                      <p:cBhvr>
+                                        <p:cTn id="42" dur="750" fill="hold"/>
+                                        <p:tgtEl>
+                                          <p:spTgt spid="11"/>
+                                        </p:tgtEl>
+                                        <p:attrNameLst>
+                                          <p:attrName>fillcolor</p:attrName>
+                                        </p:attrNameLst>
+                                      </p:cBhvr>
+                                      <p:to>
+                                        <a:srgbClr val="00B050"/>
+                                      </p:to>
+                                    </p:animClr>
+                                    <p:set>
+                                      <p:cBhvr>
+                                        <p:cTn id="43" dur="750" fill="hold"/>
+                                        <p:tgtEl>
+                                          <p:spTgt spid="11"/>
+                                        </p:tgtEl>
+                                        <p:attrNameLst>
+                                          <p:attrName>fill.type</p:attrName>
+                                        </p:attrNameLst>
+                                      </p:cBhvr>
+                                      <p:to>
+                                        <p:strVal val="solid"/>
+                                      </p:to>
+                                    </p:set>
+                                    <p:set>
+                                      <p:cBhvr>
+                                        <p:cTn id="44" dur="750" fill="hold"/>
+                                        <p:tgtEl>
+                                          <p:spTgt spid="11"/>
+                                        </p:tgtEl>
+                                        <p:attrNameLst>
+                                          <p:attrName>fill.on</p:attrName>
+                                        </p:attrNameLst>
+                                      </p:cBhvr>
+                                      <p:to>
+                                        <p:strVal val="true"/>
+                                      </p:to>
+                                    </p:set>
+                                  </p:childTnLst>
+                                </p:cTn>
+                              </p:par>
+                              <p:par>
+                                <p:cTn id="45" presetID="1" presetClass="emph" presetSubtype="2" fill="hold" nodeType="withEffect">
+                                  <p:stCondLst>
+                                    <p:cond delay="0"/>
+                                  </p:stCondLst>
+                                  <p:childTnLst>
+                                    <p:animClr clrSpc="rgb" dir="cw">
+                                      <p:cBhvr>
+                                        <p:cTn id="46" dur="750" fill="hold"/>
+                                        <p:tgtEl>
+                                          <p:spTgt spid="33"/>
+                                        </p:tgtEl>
+                                        <p:attrNameLst>
+                                          <p:attrName>fillcolor</p:attrName>
+                                        </p:attrNameLst>
+                                      </p:cBhvr>
+                                      <p:to>
+                                        <a:srgbClr val="00B050"/>
+                                      </p:to>
+                                    </p:animClr>
+                                    <p:set>
+                                      <p:cBhvr>
+                                        <p:cTn id="47" dur="750" fill="hold"/>
+                                        <p:tgtEl>
+                                          <p:spTgt spid="33"/>
+                                        </p:tgtEl>
+                                        <p:attrNameLst>
+                                          <p:attrName>fill.type</p:attrName>
+                                        </p:attrNameLst>
+                                      </p:cBhvr>
+                                      <p:to>
+                                        <p:strVal val="solid"/>
+                                      </p:to>
+                                    </p:set>
+                                    <p:set>
+                                      <p:cBhvr>
+                                        <p:cTn id="48" dur="750" fill="hold"/>
+                                        <p:tgtEl>
+                                          <p:spTgt spid="33"/>
+                                        </p:tgtEl>
+                                        <p:attrNameLst>
+                                          <p:attrName>fill.on</p:attrName>
+                                        </p:attrNameLst>
+                                      </p:cBhvr>
+                                      <p:to>
+                                        <p:strVal val="true"/>
+                                      </p:to>
+                                    </p:set>
+                                  </p:childTnLst>
+                                </p:cTn>
+                              </p:par>
+                              <p:par>
+                                <p:cTn id="49" presetID="1" presetClass="emph" presetSubtype="2" fill="hold" nodeType="withEffect">
+                                  <p:stCondLst>
+                                    <p:cond delay="0"/>
+                                  </p:stCondLst>
+                                  <p:childTnLst>
+                                    <p:animClr clrSpc="rgb" dir="cw">
+                                      <p:cBhvr>
+                                        <p:cTn id="50" dur="750" fill="hold"/>
+                                        <p:tgtEl>
+                                          <p:spTgt spid="34"/>
+                                        </p:tgtEl>
+                                        <p:attrNameLst>
+                                          <p:attrName>fillcolor</p:attrName>
+                                        </p:attrNameLst>
+                                      </p:cBhvr>
+                                      <p:to>
+                                        <a:srgbClr val="00B050"/>
+                                      </p:to>
+                                    </p:animClr>
+                                    <p:set>
+                                      <p:cBhvr>
+                                        <p:cTn id="51" dur="750" fill="hold"/>
+                                        <p:tgtEl>
+                                          <p:spTgt spid="34"/>
+                                        </p:tgtEl>
+                                        <p:attrNameLst>
+                                          <p:attrName>fill.type</p:attrName>
+                                        </p:attrNameLst>
+                                      </p:cBhvr>
+                                      <p:to>
+                                        <p:strVal val="solid"/>
+                                      </p:to>
+                                    </p:set>
+                                    <p:set>
+                                      <p:cBhvr>
+                                        <p:cTn id="52" dur="750" fill="hold"/>
+                                        <p:tgtEl>
+                                          <p:spTgt spid="34"/>
+                                        </p:tgtEl>
+                                        <p:attrNameLst>
+                                          <p:attrName>fill.on</p:attrName>
+                                        </p:attrNameLst>
+                                      </p:cBhvr>
+                                      <p:to>
+                                        <p:strVal val="true"/>
+                                      </p:to>
+                                    </p:set>
                                   </p:childTnLst>
                                 </p:cTn>
                               </p:par>
@@ -17194,6 +19290,13 @@
         </p:cTn>
       </p:par>
     </p:tnLst>
+    <p:bldLst>
+      <p:bldP spid="9" grpId="0" animBg="1"/>
+      <p:bldP spid="10" grpId="0" animBg="1"/>
+      <p:bldP spid="15" grpId="0" animBg="1"/>
+      <p:bldP spid="17" grpId="0" animBg="1"/>
+      <p:bldP spid="19" grpId="0" animBg="1"/>
+    </p:bldLst>
   </p:timing>
 </p:sld>
 </file>
@@ -17363,7 +19466,7 @@
           <a:p>
             <a:fld id="{2B345FB0-09AD-4AC0-8DC4-6C68B700A600}" type="datetime1">
               <a:rPr lang="ru-RU" smtClean="0"/>
-              <a:t>12.06.2019</a:t>
+              <a:t>23.06.2019</a:t>
             </a:fld>
             <a:endParaRPr lang="en-US"/>
           </a:p>
@@ -17566,7 +19669,7 @@
           <a:p>
             <a:fld id="{AA4BE119-AABE-437D-8F94-331A05056B80}" type="datetime1">
               <a:rPr lang="ru-RU" smtClean="0"/>
-              <a:t>12.06.2019</a:t>
+              <a:t>23.06.2019</a:t>
             </a:fld>
             <a:endParaRPr lang="en-US"/>
           </a:p>
@@ -17746,7 +19849,7 @@
           <a:p>
             <a:fld id="{AA4BE119-AABE-437D-8F94-331A05056B80}" type="datetime1">
               <a:rPr lang="ru-RU" smtClean="0"/>
-              <a:t>12.06.2019</a:t>
+              <a:t>23.06.2019</a:t>
             </a:fld>
             <a:endParaRPr lang="en-US"/>
           </a:p>
@@ -18482,7 +20585,7 @@
           <a:p>
             <a:fld id="{2D4A23AA-1D21-4822-8346-CA7E14AECDD0}" type="datetime1">
               <a:rPr lang="ru-RU" smtClean="0"/>
-              <a:t>12.06.2019</a:t>
+              <a:t>23.06.2019</a:t>
             </a:fld>
             <a:endParaRPr lang="en-US"/>
           </a:p>
@@ -18742,7 +20845,7 @@
           <a:p>
             <a:fld id="{2D4A23AA-1D21-4822-8346-CA7E14AECDD0}" type="datetime1">
               <a:rPr lang="ru-RU" smtClean="0"/>
-              <a:t>12.06.2019</a:t>
+              <a:t>23.06.2019</a:t>
             </a:fld>
             <a:endParaRPr lang="en-US"/>
           </a:p>
@@ -20634,7 +22737,7 @@
           <a:p>
             <a:fld id="{2D4A23AA-1D21-4822-8346-CA7E14AECDD0}" type="datetime1">
               <a:rPr lang="ru-RU" smtClean="0"/>
-              <a:t>12.06.2019</a:t>
+              <a:t>23.06.2019</a:t>
             </a:fld>
             <a:endParaRPr lang="en-US"/>
           </a:p>
@@ -21032,7 +23135,7 @@
           <a:p>
             <a:fld id="{2D4A23AA-1D21-4822-8346-CA7E14AECDD0}" type="datetime1">
               <a:rPr lang="ru-RU" smtClean="0"/>
-              <a:t>12.06.2019</a:t>
+              <a:t>23.06.2019</a:t>
             </a:fld>
             <a:endParaRPr lang="en-US"/>
           </a:p>

--- a/Presentation/Calabonga.Catalog.pptx
+++ b/Presentation/Calabonga.Catalog.pptx
@@ -5,10 +5,10 @@
     <p:sldMasterId id="2147483762" r:id="rId1"/>
   </p:sldMasterIdLst>
   <p:notesMasterIdLst>
-    <p:notesMasterId r:id="rId23"/>
+    <p:notesMasterId r:id="rId25"/>
   </p:notesMasterIdLst>
   <p:handoutMasterIdLst>
-    <p:handoutMasterId r:id="rId24"/>
+    <p:handoutMasterId r:id="rId26"/>
   </p:handoutMasterIdLst>
   <p:sldIdLst>
     <p:sldId id="256" r:id="rId2"/>
@@ -30,8 +30,10 @@
     <p:sldId id="272" r:id="rId18"/>
     <p:sldId id="273" r:id="rId19"/>
     <p:sldId id="274" r:id="rId20"/>
-    <p:sldId id="275" r:id="rId21"/>
-    <p:sldId id="276" r:id="rId22"/>
+    <p:sldId id="277" r:id="rId21"/>
+    <p:sldId id="278" r:id="rId22"/>
+    <p:sldId id="275" r:id="rId23"/>
+    <p:sldId id="276" r:id="rId24"/>
   </p:sldIdLst>
   <p:sldSz cx="12192000" cy="6858000"/>
   <p:notesSz cx="6858000" cy="9144000"/>
@@ -3901,6 +3903,128 @@
     </p:spTree>
     <p:extLst>
       <p:ext uri="{BB962C8B-B14F-4D97-AF65-F5344CB8AC3E}">
+        <p14:creationId xmlns:p14="http://schemas.microsoft.com/office/powerpoint/2010/main" val="3098646172"/>
+      </p:ext>
+    </p:extLst>
+  </p:cSld>
+  <p:clrMapOvr>
+    <a:masterClrMapping/>
+  </p:clrMapOvr>
+</p:notes>
+</file>
+
+<file path=ppt/notesSlides/notesSlide17.xml><?xml version="1.0" encoding="utf-8"?>
+<p:notes xmlns:a="http://schemas.openxmlformats.org/drawingml/2006/main" xmlns:r="http://schemas.openxmlformats.org/officeDocument/2006/relationships" xmlns:p="http://schemas.openxmlformats.org/presentationml/2006/main">
+  <p:cSld>
+    <p:spTree>
+      <p:nvGrpSpPr>
+        <p:cNvPr id="1" name=""/>
+        <p:cNvGrpSpPr/>
+        <p:nvPr/>
+      </p:nvGrpSpPr>
+      <p:grpSpPr>
+        <a:xfrm>
+          <a:off x="0" y="0"/>
+          <a:ext cx="0" cy="0"/>
+          <a:chOff x="0" y="0"/>
+          <a:chExt cx="0" cy="0"/>
+        </a:xfrm>
+      </p:grpSpPr>
+      <p:sp>
+        <p:nvSpPr>
+          <p:cNvPr id="2" name="Образ слайда 1"/>
+          <p:cNvSpPr>
+            <a:spLocks noGrp="1" noRot="1" noChangeAspect="1"/>
+          </p:cNvSpPr>
+          <p:nvPr>
+            <p:ph type="sldImg"/>
+          </p:nvPr>
+        </p:nvSpPr>
+        <p:spPr/>
+      </p:sp>
+      <p:sp>
+        <p:nvSpPr>
+          <p:cNvPr id="3" name="Заметки 2"/>
+          <p:cNvSpPr>
+            <a:spLocks noGrp="1"/>
+          </p:cNvSpPr>
+          <p:nvPr>
+            <p:ph type="body" idx="1"/>
+          </p:nvPr>
+        </p:nvSpPr>
+        <p:spPr/>
+        <p:txBody>
+          <a:bodyPr/>
+          <a:lstStyle/>
+          <a:p>
+            <a:endParaRPr lang="en-US" dirty="0"/>
+          </a:p>
+        </p:txBody>
+      </p:sp>
+    </p:spTree>
+    <p:extLst>
+      <p:ext uri="{BB962C8B-B14F-4D97-AF65-F5344CB8AC3E}">
+        <p14:creationId xmlns:p14="http://schemas.microsoft.com/office/powerpoint/2010/main" val="3428236209"/>
+      </p:ext>
+    </p:extLst>
+  </p:cSld>
+  <p:clrMapOvr>
+    <a:masterClrMapping/>
+  </p:clrMapOvr>
+</p:notes>
+</file>
+
+<file path=ppt/notesSlides/notesSlide18.xml><?xml version="1.0" encoding="utf-8"?>
+<p:notes xmlns:a="http://schemas.openxmlformats.org/drawingml/2006/main" xmlns:r="http://schemas.openxmlformats.org/officeDocument/2006/relationships" xmlns:p="http://schemas.openxmlformats.org/presentationml/2006/main">
+  <p:cSld>
+    <p:spTree>
+      <p:nvGrpSpPr>
+        <p:cNvPr id="1" name=""/>
+        <p:cNvGrpSpPr/>
+        <p:nvPr/>
+      </p:nvGrpSpPr>
+      <p:grpSpPr>
+        <a:xfrm>
+          <a:off x="0" y="0"/>
+          <a:ext cx="0" cy="0"/>
+          <a:chOff x="0" y="0"/>
+          <a:chExt cx="0" cy="0"/>
+        </a:xfrm>
+      </p:grpSpPr>
+      <p:sp>
+        <p:nvSpPr>
+          <p:cNvPr id="2" name="Образ слайда 1"/>
+          <p:cNvSpPr>
+            <a:spLocks noGrp="1" noRot="1" noChangeAspect="1"/>
+          </p:cNvSpPr>
+          <p:nvPr>
+            <p:ph type="sldImg"/>
+          </p:nvPr>
+        </p:nvSpPr>
+        <p:spPr/>
+      </p:sp>
+      <p:sp>
+        <p:nvSpPr>
+          <p:cNvPr id="3" name="Заметки 2"/>
+          <p:cNvSpPr>
+            <a:spLocks noGrp="1"/>
+          </p:cNvSpPr>
+          <p:nvPr>
+            <p:ph type="body" idx="1"/>
+          </p:nvPr>
+        </p:nvSpPr>
+        <p:spPr/>
+        <p:txBody>
+          <a:bodyPr/>
+          <a:lstStyle/>
+          <a:p>
+            <a:endParaRPr lang="en-US" dirty="0"/>
+          </a:p>
+        </p:txBody>
+      </p:sp>
+    </p:spTree>
+    <p:extLst>
+      <p:ext uri="{BB962C8B-B14F-4D97-AF65-F5344CB8AC3E}">
         <p14:creationId xmlns:p14="http://schemas.microsoft.com/office/powerpoint/2010/main" val="1914919903"/>
       </p:ext>
     </p:extLst>
@@ -3911,7 +4035,7 @@
 </p:notes>
 </file>
 
-<file path=ppt/notesSlides/notesSlide17.xml><?xml version="1.0" encoding="utf-8"?>
+<file path=ppt/notesSlides/notesSlide19.xml><?xml version="1.0" encoding="utf-8"?>
 <p:notes xmlns:a="http://schemas.openxmlformats.org/drawingml/2006/main" xmlns:r="http://schemas.openxmlformats.org/officeDocument/2006/relationships" xmlns:p="http://schemas.openxmlformats.org/presentationml/2006/main">
   <p:cSld>
     <p:spTree>
@@ -16953,73 +17077,6 @@
       </p:sp>
       <p:sp>
         <p:nvSpPr>
-          <p:cNvPr id="46" name="Объект 45">
-            <a:extLst>
-              <a:ext uri="{FF2B5EF4-FFF2-40B4-BE49-F238E27FC236}">
-                <a16:creationId xmlns:a16="http://schemas.microsoft.com/office/drawing/2014/main" id="{52D0E0D2-6E1E-4C0F-B92A-A811703BEA5E}"/>
-              </a:ext>
-            </a:extLst>
-          </p:cNvPr>
-          <p:cNvSpPr>
-            <a:spLocks noGrp="1"/>
-          </p:cNvSpPr>
-          <p:nvPr>
-            <p:ph idx="1"/>
-          </p:nvPr>
-        </p:nvSpPr>
-        <p:spPr/>
-        <p:txBody>
-          <a:bodyPr>
-            <a:normAutofit/>
-          </a:bodyPr>
-          <a:lstStyle/>
-          <a:p>
-            <a:pPr marL="0" indent="0">
-              <a:buNone/>
-            </a:pPr>
-            <a:r>
-              <a:rPr lang="ru-RU" sz="4400" dirty="0"/>
-              <a:t>Создаем сущность </a:t>
-            </a:r>
-            <a:r>
-              <a:rPr lang="en-US" sz="4400" dirty="0"/>
-              <a:t>Review:</a:t>
-            </a:r>
-            <a:endParaRPr lang="en-US" sz="4000" dirty="0"/>
-          </a:p>
-          <a:p>
-            <a:pPr lvl="1"/>
-            <a:r>
-              <a:rPr lang="en-US" sz="4000" dirty="0"/>
-              <a:t>C# Class </a:t>
-            </a:r>
-          </a:p>
-          <a:p>
-            <a:pPr lvl="1"/>
-            <a:r>
-              <a:rPr lang="en-US" sz="4000" dirty="0"/>
-              <a:t>Model configuration EntityFramework</a:t>
-            </a:r>
-          </a:p>
-          <a:p>
-            <a:pPr lvl="1"/>
-            <a:r>
-              <a:rPr lang="en-US" sz="4000" dirty="0"/>
-              <a:t>CRUD (Controller, Manager, </a:t>
-            </a:r>
-            <a:r>
-              <a:rPr lang="en-US" sz="4000" dirty="0" err="1"/>
-              <a:t>etc</a:t>
-            </a:r>
-            <a:r>
-              <a:rPr lang="en-US" sz="4000" dirty="0"/>
-              <a:t>)</a:t>
-            </a:r>
-          </a:p>
-        </p:txBody>
-      </p:sp>
-      <p:sp>
-        <p:nvSpPr>
           <p:cNvPr id="6" name="Дата 5">
             <a:extLst>
               <a:ext uri="{FF2B5EF4-FFF2-40B4-BE49-F238E27FC236}">
@@ -17041,7 +17098,6 @@
           <a:p>
             <a:fld id="{2D4A23AA-1D21-4822-8346-CA7E14AECDD0}" type="datetime1">
               <a:rPr lang="ru-RU" smtClean="0"/>
-              <a:pPr/>
               <a:t>23.06.2019</a:t>
             </a:fld>
             <a:endParaRPr lang="en-US"/>
@@ -17070,7 +17126,7 @@
           <a:lstStyle/>
           <a:p>
             <a:r>
-              <a:rPr lang="en-US" dirty="0"/>
+              <a:rPr lang="en-US"/>
               <a:t>www.calabonga.net</a:t>
             </a:r>
           </a:p>
@@ -17099,17 +17155,64 @@
           <a:p>
             <a:fld id="{356453D0-7C6D-4FAD-A87B-D4E72CD04107}" type="slidenum">
               <a:rPr lang="en-US" smtClean="0"/>
-              <a:pPr/>
               <a:t>20</a:t>
             </a:fld>
             <a:endParaRPr lang="en-US"/>
           </a:p>
         </p:txBody>
       </p:sp>
+      <p:sp>
+        <p:nvSpPr>
+          <p:cNvPr id="4" name="Объект 3">
+            <a:extLst>
+              <a:ext uri="{FF2B5EF4-FFF2-40B4-BE49-F238E27FC236}">
+                <a16:creationId xmlns:a16="http://schemas.microsoft.com/office/drawing/2014/main" id="{573F978B-1AE8-4179-A917-3504EE635F93}"/>
+              </a:ext>
+            </a:extLst>
+          </p:cNvPr>
+          <p:cNvSpPr>
+            <a:spLocks noGrp="1"/>
+          </p:cNvSpPr>
+          <p:nvPr>
+            <p:ph idx="1"/>
+          </p:nvPr>
+        </p:nvSpPr>
+        <p:spPr/>
+        <p:txBody>
+          <a:bodyPr>
+            <a:normAutofit/>
+          </a:bodyPr>
+          <a:lstStyle/>
+          <a:p>
+            <a:pPr marL="0" indent="0">
+              <a:buNone/>
+            </a:pPr>
+            <a:r>
+              <a:rPr lang="ru-RU" sz="4400" dirty="0"/>
+              <a:t>Большой рефакторинг или зачем нужны </a:t>
+            </a:r>
+            <a:r>
+              <a:rPr lang="en-US" sz="4400" dirty="0"/>
+              <a:t>nuget-</a:t>
+            </a:r>
+            <a:r>
+              <a:rPr lang="ru-RU" sz="4400" dirty="0"/>
+              <a:t>пакеты?</a:t>
+            </a:r>
+            <a:endParaRPr lang="en-US" sz="4400" dirty="0"/>
+          </a:p>
+          <a:p>
+            <a:pPr marL="0" indent="0">
+              <a:buNone/>
+            </a:pPr>
+            <a:endParaRPr lang="en-US" sz="4400" dirty="0"/>
+          </a:p>
+        </p:txBody>
+      </p:sp>
     </p:spTree>
     <p:extLst>
       <p:ext uri="{BB962C8B-B14F-4D97-AF65-F5344CB8AC3E}">
-        <p14:creationId xmlns:p14="http://schemas.microsoft.com/office/powerpoint/2010/main" val="3467241599"/>
+        <p14:creationId xmlns:p14="http://schemas.microsoft.com/office/powerpoint/2010/main" val="2424063252"/>
       </p:ext>
     </p:extLst>
   </p:cSld>
@@ -17252,6 +17355,1425 @@
             <a:fld id="{356453D0-7C6D-4FAD-A87B-D4E72CD04107}" type="slidenum">
               <a:rPr lang="en-US" smtClean="0"/>
               <a:t>21</a:t>
+            </a:fld>
+            <a:endParaRPr lang="en-US"/>
+          </a:p>
+        </p:txBody>
+      </p:sp>
+      <p:pic>
+        <p:nvPicPr>
+          <p:cNvPr id="3" name="Рисунок 2">
+            <a:extLst>
+              <a:ext uri="{FF2B5EF4-FFF2-40B4-BE49-F238E27FC236}">
+                <a16:creationId xmlns:a16="http://schemas.microsoft.com/office/drawing/2014/main" id="{893EA4AF-976A-42A2-A08C-60090D639B50}"/>
+              </a:ext>
+            </a:extLst>
+          </p:cNvPr>
+          <p:cNvPicPr>
+            <a:picLocks noChangeAspect="1"/>
+          </p:cNvPicPr>
+          <p:nvPr/>
+        </p:nvPicPr>
+        <p:blipFill>
+          <a:blip r:embed="rId3"/>
+          <a:stretch>
+            <a:fillRect/>
+          </a:stretch>
+        </p:blipFill>
+        <p:spPr>
+          <a:xfrm>
+            <a:off x="495808" y="2121708"/>
+            <a:ext cx="1802963" cy="4012900"/>
+          </a:xfrm>
+          <a:prstGeom prst="rect">
+            <a:avLst/>
+          </a:prstGeom>
+        </p:spPr>
+      </p:pic>
+      <p:pic>
+        <p:nvPicPr>
+          <p:cNvPr id="5" name="Рисунок 4">
+            <a:extLst>
+              <a:ext uri="{FF2B5EF4-FFF2-40B4-BE49-F238E27FC236}">
+                <a16:creationId xmlns:a16="http://schemas.microsoft.com/office/drawing/2014/main" id="{F6BFE1EC-CAB8-44F5-B168-72683B2EFCC6}"/>
+              </a:ext>
+            </a:extLst>
+          </p:cNvPr>
+          <p:cNvPicPr>
+            <a:picLocks noChangeAspect="1"/>
+          </p:cNvPicPr>
+          <p:nvPr/>
+        </p:nvPicPr>
+        <p:blipFill>
+          <a:blip r:embed="rId4"/>
+          <a:stretch>
+            <a:fillRect/>
+          </a:stretch>
+        </p:blipFill>
+        <p:spPr>
+          <a:xfrm>
+            <a:off x="2393895" y="2241529"/>
+            <a:ext cx="4153009" cy="1562141"/>
+          </a:xfrm>
+          <a:prstGeom prst="rect">
+            <a:avLst/>
+          </a:prstGeom>
+        </p:spPr>
+      </p:pic>
+      <p:pic>
+        <p:nvPicPr>
+          <p:cNvPr id="9" name="Рисунок 8">
+            <a:extLst>
+              <a:ext uri="{FF2B5EF4-FFF2-40B4-BE49-F238E27FC236}">
+                <a16:creationId xmlns:a16="http://schemas.microsoft.com/office/drawing/2014/main" id="{37BE09A7-4234-4EAC-B943-404308A4B7DC}"/>
+              </a:ext>
+            </a:extLst>
+          </p:cNvPr>
+          <p:cNvPicPr>
+            <a:picLocks noChangeAspect="1"/>
+          </p:cNvPicPr>
+          <p:nvPr/>
+        </p:nvPicPr>
+        <p:blipFill>
+          <a:blip r:embed="rId5"/>
+          <a:stretch>
+            <a:fillRect/>
+          </a:stretch>
+        </p:blipFill>
+        <p:spPr>
+          <a:xfrm>
+            <a:off x="2724458" y="3123295"/>
+            <a:ext cx="4142123" cy="1360750"/>
+          </a:xfrm>
+          <a:prstGeom prst="rect">
+            <a:avLst/>
+          </a:prstGeom>
+        </p:spPr>
+      </p:pic>
+      <p:pic>
+        <p:nvPicPr>
+          <p:cNvPr id="10" name="Рисунок 9">
+            <a:extLst>
+              <a:ext uri="{FF2B5EF4-FFF2-40B4-BE49-F238E27FC236}">
+                <a16:creationId xmlns:a16="http://schemas.microsoft.com/office/drawing/2014/main" id="{AEB95D8C-9CA8-4DA3-AE00-6EBE5559E75E}"/>
+              </a:ext>
+            </a:extLst>
+          </p:cNvPr>
+          <p:cNvPicPr>
+            <a:picLocks noChangeAspect="1"/>
+          </p:cNvPicPr>
+          <p:nvPr/>
+        </p:nvPicPr>
+        <p:blipFill>
+          <a:blip r:embed="rId6"/>
+          <a:stretch>
+            <a:fillRect/>
+          </a:stretch>
+        </p:blipFill>
+        <p:spPr>
+          <a:xfrm>
+            <a:off x="2529970" y="3626984"/>
+            <a:ext cx="4016934" cy="1377079"/>
+          </a:xfrm>
+          <a:prstGeom prst="rect">
+            <a:avLst/>
+          </a:prstGeom>
+        </p:spPr>
+      </p:pic>
+      <p:pic>
+        <p:nvPicPr>
+          <p:cNvPr id="11" name="Рисунок 10">
+            <a:extLst>
+              <a:ext uri="{FF2B5EF4-FFF2-40B4-BE49-F238E27FC236}">
+                <a16:creationId xmlns:a16="http://schemas.microsoft.com/office/drawing/2014/main" id="{DB286BB1-9D2D-4E27-8F30-95A2D7E0BE53}"/>
+              </a:ext>
+            </a:extLst>
+          </p:cNvPr>
+          <p:cNvPicPr>
+            <a:picLocks noChangeAspect="1"/>
+          </p:cNvPicPr>
+          <p:nvPr/>
+        </p:nvPicPr>
+        <p:blipFill>
+          <a:blip r:embed="rId7"/>
+          <a:stretch>
+            <a:fillRect/>
+          </a:stretch>
+        </p:blipFill>
+        <p:spPr>
+          <a:xfrm>
+            <a:off x="2410224" y="4285702"/>
+            <a:ext cx="4256426" cy="1083157"/>
+          </a:xfrm>
+          <a:prstGeom prst="rect">
+            <a:avLst/>
+          </a:prstGeom>
+        </p:spPr>
+      </p:pic>
+      <p:pic>
+        <p:nvPicPr>
+          <p:cNvPr id="12" name="Рисунок 11">
+            <a:extLst>
+              <a:ext uri="{FF2B5EF4-FFF2-40B4-BE49-F238E27FC236}">
+                <a16:creationId xmlns:a16="http://schemas.microsoft.com/office/drawing/2014/main" id="{AAC3C73B-C1C3-41C8-BF46-6B13EFCE3C98}"/>
+              </a:ext>
+            </a:extLst>
+          </p:cNvPr>
+          <p:cNvPicPr>
+            <a:picLocks noChangeAspect="1"/>
+          </p:cNvPicPr>
+          <p:nvPr/>
+        </p:nvPicPr>
+        <p:blipFill>
+          <a:blip r:embed="rId8"/>
+          <a:stretch>
+            <a:fillRect/>
+          </a:stretch>
+        </p:blipFill>
+        <p:spPr>
+          <a:xfrm>
+            <a:off x="2470316" y="5011438"/>
+            <a:ext cx="3902631" cy="1094043"/>
+          </a:xfrm>
+          <a:prstGeom prst="rect">
+            <a:avLst/>
+          </a:prstGeom>
+        </p:spPr>
+      </p:pic>
+    </p:spTree>
+    <p:extLst>
+      <p:ext uri="{BB962C8B-B14F-4D97-AF65-F5344CB8AC3E}">
+        <p14:creationId xmlns:p14="http://schemas.microsoft.com/office/powerpoint/2010/main" val="253057510"/>
+      </p:ext>
+    </p:extLst>
+  </p:cSld>
+  <p:clrMapOvr>
+    <a:masterClrMapping/>
+  </p:clrMapOvr>
+  <p:transition spd="med">
+    <p:pull/>
+  </p:transition>
+  <p:timing>
+    <p:tnLst>
+      <p:par>
+        <p:cTn id="1" dur="indefinite" restart="never" nodeType="tmRoot">
+          <p:childTnLst>
+            <p:seq concurrent="1" nextAc="seek">
+              <p:cTn id="2" dur="indefinite" nodeType="mainSeq">
+                <p:childTnLst>
+                  <p:par>
+                    <p:cTn id="3" fill="hold">
+                      <p:stCondLst>
+                        <p:cond delay="indefinite"/>
+                      </p:stCondLst>
+                      <p:childTnLst>
+                        <p:par>
+                          <p:cTn id="4" fill="hold">
+                            <p:stCondLst>
+                              <p:cond delay="0"/>
+                            </p:stCondLst>
+                            <p:childTnLst>
+                              <p:par>
+                                <p:cTn id="5" presetID="2" presetClass="entr" presetSubtype="8" fill="hold" nodeType="clickEffect">
+                                  <p:stCondLst>
+                                    <p:cond delay="0"/>
+                                  </p:stCondLst>
+                                  <p:childTnLst>
+                                    <p:set>
+                                      <p:cBhvr>
+                                        <p:cTn id="6" dur="1" fill="hold">
+                                          <p:stCondLst>
+                                            <p:cond delay="0"/>
+                                          </p:stCondLst>
+                                        </p:cTn>
+                                        <p:tgtEl>
+                                          <p:spTgt spid="5"/>
+                                        </p:tgtEl>
+                                        <p:attrNameLst>
+                                          <p:attrName>style.visibility</p:attrName>
+                                        </p:attrNameLst>
+                                      </p:cBhvr>
+                                      <p:to>
+                                        <p:strVal val="visible"/>
+                                      </p:to>
+                                    </p:set>
+                                    <p:anim calcmode="lin" valueType="num">
+                                      <p:cBhvr additive="base">
+                                        <p:cTn id="7" dur="500" fill="hold"/>
+                                        <p:tgtEl>
+                                          <p:spTgt spid="5"/>
+                                        </p:tgtEl>
+                                        <p:attrNameLst>
+                                          <p:attrName>ppt_x</p:attrName>
+                                        </p:attrNameLst>
+                                      </p:cBhvr>
+                                      <p:tavLst>
+                                        <p:tav tm="0">
+                                          <p:val>
+                                            <p:strVal val="0-#ppt_w/2"/>
+                                          </p:val>
+                                        </p:tav>
+                                        <p:tav tm="100000">
+                                          <p:val>
+                                            <p:strVal val="#ppt_x"/>
+                                          </p:val>
+                                        </p:tav>
+                                      </p:tavLst>
+                                    </p:anim>
+                                    <p:anim calcmode="lin" valueType="num">
+                                      <p:cBhvr additive="base">
+                                        <p:cTn id="8" dur="500" fill="hold"/>
+                                        <p:tgtEl>
+                                          <p:spTgt spid="5"/>
+                                        </p:tgtEl>
+                                        <p:attrNameLst>
+                                          <p:attrName>ppt_y</p:attrName>
+                                        </p:attrNameLst>
+                                      </p:cBhvr>
+                                      <p:tavLst>
+                                        <p:tav tm="0">
+                                          <p:val>
+                                            <p:strVal val="#ppt_y"/>
+                                          </p:val>
+                                        </p:tav>
+                                        <p:tav tm="100000">
+                                          <p:val>
+                                            <p:strVal val="#ppt_y"/>
+                                          </p:val>
+                                        </p:tav>
+                                      </p:tavLst>
+                                    </p:anim>
+                                  </p:childTnLst>
+                                </p:cTn>
+                              </p:par>
+                            </p:childTnLst>
+                          </p:cTn>
+                        </p:par>
+                      </p:childTnLst>
+                    </p:cTn>
+                  </p:par>
+                  <p:par>
+                    <p:cTn id="9" fill="hold">
+                      <p:stCondLst>
+                        <p:cond delay="indefinite"/>
+                      </p:stCondLst>
+                      <p:childTnLst>
+                        <p:par>
+                          <p:cTn id="10" fill="hold">
+                            <p:stCondLst>
+                              <p:cond delay="0"/>
+                            </p:stCondLst>
+                            <p:childTnLst>
+                              <p:par>
+                                <p:cTn id="11" presetID="2" presetClass="exit" presetSubtype="8" fill="hold" nodeType="clickEffect">
+                                  <p:stCondLst>
+                                    <p:cond delay="0"/>
+                                  </p:stCondLst>
+                                  <p:childTnLst>
+                                    <p:anim calcmode="lin" valueType="num">
+                                      <p:cBhvr additive="base">
+                                        <p:cTn id="12" dur="500"/>
+                                        <p:tgtEl>
+                                          <p:spTgt spid="5"/>
+                                        </p:tgtEl>
+                                        <p:attrNameLst>
+                                          <p:attrName>ppt_x</p:attrName>
+                                        </p:attrNameLst>
+                                      </p:cBhvr>
+                                      <p:tavLst>
+                                        <p:tav tm="0">
+                                          <p:val>
+                                            <p:strVal val="ppt_x"/>
+                                          </p:val>
+                                        </p:tav>
+                                        <p:tav tm="100000">
+                                          <p:val>
+                                            <p:strVal val="0-ppt_w/2"/>
+                                          </p:val>
+                                        </p:tav>
+                                      </p:tavLst>
+                                    </p:anim>
+                                    <p:anim calcmode="lin" valueType="num">
+                                      <p:cBhvr additive="base">
+                                        <p:cTn id="13" dur="500"/>
+                                        <p:tgtEl>
+                                          <p:spTgt spid="5"/>
+                                        </p:tgtEl>
+                                        <p:attrNameLst>
+                                          <p:attrName>ppt_y</p:attrName>
+                                        </p:attrNameLst>
+                                      </p:cBhvr>
+                                      <p:tavLst>
+                                        <p:tav tm="0">
+                                          <p:val>
+                                            <p:strVal val="ppt_y"/>
+                                          </p:val>
+                                        </p:tav>
+                                        <p:tav tm="100000">
+                                          <p:val>
+                                            <p:strVal val="ppt_y"/>
+                                          </p:val>
+                                        </p:tav>
+                                      </p:tavLst>
+                                    </p:anim>
+                                    <p:set>
+                                      <p:cBhvr>
+                                        <p:cTn id="14" dur="1" fill="hold">
+                                          <p:stCondLst>
+                                            <p:cond delay="499"/>
+                                          </p:stCondLst>
+                                        </p:cTn>
+                                        <p:tgtEl>
+                                          <p:spTgt spid="5"/>
+                                        </p:tgtEl>
+                                        <p:attrNameLst>
+                                          <p:attrName>style.visibility</p:attrName>
+                                        </p:attrNameLst>
+                                      </p:cBhvr>
+                                      <p:to>
+                                        <p:strVal val="hidden"/>
+                                      </p:to>
+                                    </p:set>
+                                  </p:childTnLst>
+                                </p:cTn>
+                              </p:par>
+                              <p:par>
+                                <p:cTn id="15" presetID="2" presetClass="entr" presetSubtype="8" fill="hold" nodeType="withEffect">
+                                  <p:stCondLst>
+                                    <p:cond delay="0"/>
+                                  </p:stCondLst>
+                                  <p:childTnLst>
+                                    <p:set>
+                                      <p:cBhvr>
+                                        <p:cTn id="16" dur="1" fill="hold">
+                                          <p:stCondLst>
+                                            <p:cond delay="0"/>
+                                          </p:stCondLst>
+                                        </p:cTn>
+                                        <p:tgtEl>
+                                          <p:spTgt spid="9"/>
+                                        </p:tgtEl>
+                                        <p:attrNameLst>
+                                          <p:attrName>style.visibility</p:attrName>
+                                        </p:attrNameLst>
+                                      </p:cBhvr>
+                                      <p:to>
+                                        <p:strVal val="visible"/>
+                                      </p:to>
+                                    </p:set>
+                                    <p:anim calcmode="lin" valueType="num">
+                                      <p:cBhvr additive="base">
+                                        <p:cTn id="17" dur="500" fill="hold"/>
+                                        <p:tgtEl>
+                                          <p:spTgt spid="9"/>
+                                        </p:tgtEl>
+                                        <p:attrNameLst>
+                                          <p:attrName>ppt_x</p:attrName>
+                                        </p:attrNameLst>
+                                      </p:cBhvr>
+                                      <p:tavLst>
+                                        <p:tav tm="0">
+                                          <p:val>
+                                            <p:strVal val="0-#ppt_w/2"/>
+                                          </p:val>
+                                        </p:tav>
+                                        <p:tav tm="100000">
+                                          <p:val>
+                                            <p:strVal val="#ppt_x"/>
+                                          </p:val>
+                                        </p:tav>
+                                      </p:tavLst>
+                                    </p:anim>
+                                    <p:anim calcmode="lin" valueType="num">
+                                      <p:cBhvr additive="base">
+                                        <p:cTn id="18" dur="500" fill="hold"/>
+                                        <p:tgtEl>
+                                          <p:spTgt spid="9"/>
+                                        </p:tgtEl>
+                                        <p:attrNameLst>
+                                          <p:attrName>ppt_y</p:attrName>
+                                        </p:attrNameLst>
+                                      </p:cBhvr>
+                                      <p:tavLst>
+                                        <p:tav tm="0">
+                                          <p:val>
+                                            <p:strVal val="#ppt_y"/>
+                                          </p:val>
+                                        </p:tav>
+                                        <p:tav tm="100000">
+                                          <p:val>
+                                            <p:strVal val="#ppt_y"/>
+                                          </p:val>
+                                        </p:tav>
+                                      </p:tavLst>
+                                    </p:anim>
+                                  </p:childTnLst>
+                                </p:cTn>
+                              </p:par>
+                            </p:childTnLst>
+                          </p:cTn>
+                        </p:par>
+                      </p:childTnLst>
+                    </p:cTn>
+                  </p:par>
+                  <p:par>
+                    <p:cTn id="19" fill="hold">
+                      <p:stCondLst>
+                        <p:cond delay="indefinite"/>
+                      </p:stCondLst>
+                      <p:childTnLst>
+                        <p:par>
+                          <p:cTn id="20" fill="hold">
+                            <p:stCondLst>
+                              <p:cond delay="0"/>
+                            </p:stCondLst>
+                            <p:childTnLst>
+                              <p:par>
+                                <p:cTn id="21" presetID="2" presetClass="exit" presetSubtype="8" fill="hold" nodeType="clickEffect">
+                                  <p:stCondLst>
+                                    <p:cond delay="0"/>
+                                  </p:stCondLst>
+                                  <p:childTnLst>
+                                    <p:anim calcmode="lin" valueType="num">
+                                      <p:cBhvr additive="base">
+                                        <p:cTn id="22" dur="500"/>
+                                        <p:tgtEl>
+                                          <p:spTgt spid="9"/>
+                                        </p:tgtEl>
+                                        <p:attrNameLst>
+                                          <p:attrName>ppt_x</p:attrName>
+                                        </p:attrNameLst>
+                                      </p:cBhvr>
+                                      <p:tavLst>
+                                        <p:tav tm="0">
+                                          <p:val>
+                                            <p:strVal val="ppt_x"/>
+                                          </p:val>
+                                        </p:tav>
+                                        <p:tav tm="100000">
+                                          <p:val>
+                                            <p:strVal val="0-ppt_w/2"/>
+                                          </p:val>
+                                        </p:tav>
+                                      </p:tavLst>
+                                    </p:anim>
+                                    <p:anim calcmode="lin" valueType="num">
+                                      <p:cBhvr additive="base">
+                                        <p:cTn id="23" dur="500"/>
+                                        <p:tgtEl>
+                                          <p:spTgt spid="9"/>
+                                        </p:tgtEl>
+                                        <p:attrNameLst>
+                                          <p:attrName>ppt_y</p:attrName>
+                                        </p:attrNameLst>
+                                      </p:cBhvr>
+                                      <p:tavLst>
+                                        <p:tav tm="0">
+                                          <p:val>
+                                            <p:strVal val="ppt_y"/>
+                                          </p:val>
+                                        </p:tav>
+                                        <p:tav tm="100000">
+                                          <p:val>
+                                            <p:strVal val="ppt_y"/>
+                                          </p:val>
+                                        </p:tav>
+                                      </p:tavLst>
+                                    </p:anim>
+                                    <p:set>
+                                      <p:cBhvr>
+                                        <p:cTn id="24" dur="1" fill="hold">
+                                          <p:stCondLst>
+                                            <p:cond delay="499"/>
+                                          </p:stCondLst>
+                                        </p:cTn>
+                                        <p:tgtEl>
+                                          <p:spTgt spid="9"/>
+                                        </p:tgtEl>
+                                        <p:attrNameLst>
+                                          <p:attrName>style.visibility</p:attrName>
+                                        </p:attrNameLst>
+                                      </p:cBhvr>
+                                      <p:to>
+                                        <p:strVal val="hidden"/>
+                                      </p:to>
+                                    </p:set>
+                                  </p:childTnLst>
+                                </p:cTn>
+                              </p:par>
+                              <p:par>
+                                <p:cTn id="25" presetID="2" presetClass="entr" presetSubtype="8" fill="hold" nodeType="withEffect">
+                                  <p:stCondLst>
+                                    <p:cond delay="0"/>
+                                  </p:stCondLst>
+                                  <p:childTnLst>
+                                    <p:set>
+                                      <p:cBhvr>
+                                        <p:cTn id="26" dur="1" fill="hold">
+                                          <p:stCondLst>
+                                            <p:cond delay="0"/>
+                                          </p:stCondLst>
+                                        </p:cTn>
+                                        <p:tgtEl>
+                                          <p:spTgt spid="10"/>
+                                        </p:tgtEl>
+                                        <p:attrNameLst>
+                                          <p:attrName>style.visibility</p:attrName>
+                                        </p:attrNameLst>
+                                      </p:cBhvr>
+                                      <p:to>
+                                        <p:strVal val="visible"/>
+                                      </p:to>
+                                    </p:set>
+                                    <p:anim calcmode="lin" valueType="num">
+                                      <p:cBhvr additive="base">
+                                        <p:cTn id="27" dur="500" fill="hold"/>
+                                        <p:tgtEl>
+                                          <p:spTgt spid="10"/>
+                                        </p:tgtEl>
+                                        <p:attrNameLst>
+                                          <p:attrName>ppt_x</p:attrName>
+                                        </p:attrNameLst>
+                                      </p:cBhvr>
+                                      <p:tavLst>
+                                        <p:tav tm="0">
+                                          <p:val>
+                                            <p:strVal val="0-#ppt_w/2"/>
+                                          </p:val>
+                                        </p:tav>
+                                        <p:tav tm="100000">
+                                          <p:val>
+                                            <p:strVal val="#ppt_x"/>
+                                          </p:val>
+                                        </p:tav>
+                                      </p:tavLst>
+                                    </p:anim>
+                                    <p:anim calcmode="lin" valueType="num">
+                                      <p:cBhvr additive="base">
+                                        <p:cTn id="28" dur="500" fill="hold"/>
+                                        <p:tgtEl>
+                                          <p:spTgt spid="10"/>
+                                        </p:tgtEl>
+                                        <p:attrNameLst>
+                                          <p:attrName>ppt_y</p:attrName>
+                                        </p:attrNameLst>
+                                      </p:cBhvr>
+                                      <p:tavLst>
+                                        <p:tav tm="0">
+                                          <p:val>
+                                            <p:strVal val="#ppt_y"/>
+                                          </p:val>
+                                        </p:tav>
+                                        <p:tav tm="100000">
+                                          <p:val>
+                                            <p:strVal val="#ppt_y"/>
+                                          </p:val>
+                                        </p:tav>
+                                      </p:tavLst>
+                                    </p:anim>
+                                  </p:childTnLst>
+                                </p:cTn>
+                              </p:par>
+                            </p:childTnLst>
+                          </p:cTn>
+                        </p:par>
+                      </p:childTnLst>
+                    </p:cTn>
+                  </p:par>
+                  <p:par>
+                    <p:cTn id="29" fill="hold">
+                      <p:stCondLst>
+                        <p:cond delay="indefinite"/>
+                      </p:stCondLst>
+                      <p:childTnLst>
+                        <p:par>
+                          <p:cTn id="30" fill="hold">
+                            <p:stCondLst>
+                              <p:cond delay="0"/>
+                            </p:stCondLst>
+                            <p:childTnLst>
+                              <p:par>
+                                <p:cTn id="31" presetID="2" presetClass="exit" presetSubtype="8" fill="hold" nodeType="clickEffect">
+                                  <p:stCondLst>
+                                    <p:cond delay="0"/>
+                                  </p:stCondLst>
+                                  <p:childTnLst>
+                                    <p:anim calcmode="lin" valueType="num">
+                                      <p:cBhvr additive="base">
+                                        <p:cTn id="32" dur="500"/>
+                                        <p:tgtEl>
+                                          <p:spTgt spid="10"/>
+                                        </p:tgtEl>
+                                        <p:attrNameLst>
+                                          <p:attrName>ppt_x</p:attrName>
+                                        </p:attrNameLst>
+                                      </p:cBhvr>
+                                      <p:tavLst>
+                                        <p:tav tm="0">
+                                          <p:val>
+                                            <p:strVal val="ppt_x"/>
+                                          </p:val>
+                                        </p:tav>
+                                        <p:tav tm="100000">
+                                          <p:val>
+                                            <p:strVal val="0-ppt_w/2"/>
+                                          </p:val>
+                                        </p:tav>
+                                      </p:tavLst>
+                                    </p:anim>
+                                    <p:anim calcmode="lin" valueType="num">
+                                      <p:cBhvr additive="base">
+                                        <p:cTn id="33" dur="500"/>
+                                        <p:tgtEl>
+                                          <p:spTgt spid="10"/>
+                                        </p:tgtEl>
+                                        <p:attrNameLst>
+                                          <p:attrName>ppt_y</p:attrName>
+                                        </p:attrNameLst>
+                                      </p:cBhvr>
+                                      <p:tavLst>
+                                        <p:tav tm="0">
+                                          <p:val>
+                                            <p:strVal val="ppt_y"/>
+                                          </p:val>
+                                        </p:tav>
+                                        <p:tav tm="100000">
+                                          <p:val>
+                                            <p:strVal val="ppt_y"/>
+                                          </p:val>
+                                        </p:tav>
+                                      </p:tavLst>
+                                    </p:anim>
+                                    <p:set>
+                                      <p:cBhvr>
+                                        <p:cTn id="34" dur="1" fill="hold">
+                                          <p:stCondLst>
+                                            <p:cond delay="499"/>
+                                          </p:stCondLst>
+                                        </p:cTn>
+                                        <p:tgtEl>
+                                          <p:spTgt spid="10"/>
+                                        </p:tgtEl>
+                                        <p:attrNameLst>
+                                          <p:attrName>style.visibility</p:attrName>
+                                        </p:attrNameLst>
+                                      </p:cBhvr>
+                                      <p:to>
+                                        <p:strVal val="hidden"/>
+                                      </p:to>
+                                    </p:set>
+                                  </p:childTnLst>
+                                </p:cTn>
+                              </p:par>
+                              <p:par>
+                                <p:cTn id="35" presetID="2" presetClass="entr" presetSubtype="8" fill="hold" nodeType="withEffect">
+                                  <p:stCondLst>
+                                    <p:cond delay="0"/>
+                                  </p:stCondLst>
+                                  <p:childTnLst>
+                                    <p:set>
+                                      <p:cBhvr>
+                                        <p:cTn id="36" dur="1" fill="hold">
+                                          <p:stCondLst>
+                                            <p:cond delay="0"/>
+                                          </p:stCondLst>
+                                        </p:cTn>
+                                        <p:tgtEl>
+                                          <p:spTgt spid="11"/>
+                                        </p:tgtEl>
+                                        <p:attrNameLst>
+                                          <p:attrName>style.visibility</p:attrName>
+                                        </p:attrNameLst>
+                                      </p:cBhvr>
+                                      <p:to>
+                                        <p:strVal val="visible"/>
+                                      </p:to>
+                                    </p:set>
+                                    <p:anim calcmode="lin" valueType="num">
+                                      <p:cBhvr additive="base">
+                                        <p:cTn id="37" dur="500" fill="hold"/>
+                                        <p:tgtEl>
+                                          <p:spTgt spid="11"/>
+                                        </p:tgtEl>
+                                        <p:attrNameLst>
+                                          <p:attrName>ppt_x</p:attrName>
+                                        </p:attrNameLst>
+                                      </p:cBhvr>
+                                      <p:tavLst>
+                                        <p:tav tm="0">
+                                          <p:val>
+                                            <p:strVal val="0-#ppt_w/2"/>
+                                          </p:val>
+                                        </p:tav>
+                                        <p:tav tm="100000">
+                                          <p:val>
+                                            <p:strVal val="#ppt_x"/>
+                                          </p:val>
+                                        </p:tav>
+                                      </p:tavLst>
+                                    </p:anim>
+                                    <p:anim calcmode="lin" valueType="num">
+                                      <p:cBhvr additive="base">
+                                        <p:cTn id="38" dur="500" fill="hold"/>
+                                        <p:tgtEl>
+                                          <p:spTgt spid="11"/>
+                                        </p:tgtEl>
+                                        <p:attrNameLst>
+                                          <p:attrName>ppt_y</p:attrName>
+                                        </p:attrNameLst>
+                                      </p:cBhvr>
+                                      <p:tavLst>
+                                        <p:tav tm="0">
+                                          <p:val>
+                                            <p:strVal val="#ppt_y"/>
+                                          </p:val>
+                                        </p:tav>
+                                        <p:tav tm="100000">
+                                          <p:val>
+                                            <p:strVal val="#ppt_y"/>
+                                          </p:val>
+                                        </p:tav>
+                                      </p:tavLst>
+                                    </p:anim>
+                                  </p:childTnLst>
+                                </p:cTn>
+                              </p:par>
+                            </p:childTnLst>
+                          </p:cTn>
+                        </p:par>
+                      </p:childTnLst>
+                    </p:cTn>
+                  </p:par>
+                  <p:par>
+                    <p:cTn id="39" fill="hold">
+                      <p:stCondLst>
+                        <p:cond delay="indefinite"/>
+                      </p:stCondLst>
+                      <p:childTnLst>
+                        <p:par>
+                          <p:cTn id="40" fill="hold">
+                            <p:stCondLst>
+                              <p:cond delay="0"/>
+                            </p:stCondLst>
+                            <p:childTnLst>
+                              <p:par>
+                                <p:cTn id="41" presetID="2" presetClass="exit" presetSubtype="8" fill="hold" nodeType="clickEffect">
+                                  <p:stCondLst>
+                                    <p:cond delay="0"/>
+                                  </p:stCondLst>
+                                  <p:childTnLst>
+                                    <p:anim calcmode="lin" valueType="num">
+                                      <p:cBhvr additive="base">
+                                        <p:cTn id="42" dur="500"/>
+                                        <p:tgtEl>
+                                          <p:spTgt spid="11"/>
+                                        </p:tgtEl>
+                                        <p:attrNameLst>
+                                          <p:attrName>ppt_x</p:attrName>
+                                        </p:attrNameLst>
+                                      </p:cBhvr>
+                                      <p:tavLst>
+                                        <p:tav tm="0">
+                                          <p:val>
+                                            <p:strVal val="ppt_x"/>
+                                          </p:val>
+                                        </p:tav>
+                                        <p:tav tm="100000">
+                                          <p:val>
+                                            <p:strVal val="0-ppt_w/2"/>
+                                          </p:val>
+                                        </p:tav>
+                                      </p:tavLst>
+                                    </p:anim>
+                                    <p:anim calcmode="lin" valueType="num">
+                                      <p:cBhvr additive="base">
+                                        <p:cTn id="43" dur="500"/>
+                                        <p:tgtEl>
+                                          <p:spTgt spid="11"/>
+                                        </p:tgtEl>
+                                        <p:attrNameLst>
+                                          <p:attrName>ppt_y</p:attrName>
+                                        </p:attrNameLst>
+                                      </p:cBhvr>
+                                      <p:tavLst>
+                                        <p:tav tm="0">
+                                          <p:val>
+                                            <p:strVal val="ppt_y"/>
+                                          </p:val>
+                                        </p:tav>
+                                        <p:tav tm="100000">
+                                          <p:val>
+                                            <p:strVal val="ppt_y"/>
+                                          </p:val>
+                                        </p:tav>
+                                      </p:tavLst>
+                                    </p:anim>
+                                    <p:set>
+                                      <p:cBhvr>
+                                        <p:cTn id="44" dur="1" fill="hold">
+                                          <p:stCondLst>
+                                            <p:cond delay="499"/>
+                                          </p:stCondLst>
+                                        </p:cTn>
+                                        <p:tgtEl>
+                                          <p:spTgt spid="11"/>
+                                        </p:tgtEl>
+                                        <p:attrNameLst>
+                                          <p:attrName>style.visibility</p:attrName>
+                                        </p:attrNameLst>
+                                      </p:cBhvr>
+                                      <p:to>
+                                        <p:strVal val="hidden"/>
+                                      </p:to>
+                                    </p:set>
+                                  </p:childTnLst>
+                                </p:cTn>
+                              </p:par>
+                              <p:par>
+                                <p:cTn id="45" presetID="2" presetClass="entr" presetSubtype="8" fill="hold" nodeType="withEffect">
+                                  <p:stCondLst>
+                                    <p:cond delay="0"/>
+                                  </p:stCondLst>
+                                  <p:childTnLst>
+                                    <p:set>
+                                      <p:cBhvr>
+                                        <p:cTn id="46" dur="1" fill="hold">
+                                          <p:stCondLst>
+                                            <p:cond delay="0"/>
+                                          </p:stCondLst>
+                                        </p:cTn>
+                                        <p:tgtEl>
+                                          <p:spTgt spid="12"/>
+                                        </p:tgtEl>
+                                        <p:attrNameLst>
+                                          <p:attrName>style.visibility</p:attrName>
+                                        </p:attrNameLst>
+                                      </p:cBhvr>
+                                      <p:to>
+                                        <p:strVal val="visible"/>
+                                      </p:to>
+                                    </p:set>
+                                    <p:anim calcmode="lin" valueType="num">
+                                      <p:cBhvr additive="base">
+                                        <p:cTn id="47" dur="500" fill="hold"/>
+                                        <p:tgtEl>
+                                          <p:spTgt spid="12"/>
+                                        </p:tgtEl>
+                                        <p:attrNameLst>
+                                          <p:attrName>ppt_x</p:attrName>
+                                        </p:attrNameLst>
+                                      </p:cBhvr>
+                                      <p:tavLst>
+                                        <p:tav tm="0">
+                                          <p:val>
+                                            <p:strVal val="0-#ppt_w/2"/>
+                                          </p:val>
+                                        </p:tav>
+                                        <p:tav tm="100000">
+                                          <p:val>
+                                            <p:strVal val="#ppt_x"/>
+                                          </p:val>
+                                        </p:tav>
+                                      </p:tavLst>
+                                    </p:anim>
+                                    <p:anim calcmode="lin" valueType="num">
+                                      <p:cBhvr additive="base">
+                                        <p:cTn id="48" dur="500" fill="hold"/>
+                                        <p:tgtEl>
+                                          <p:spTgt spid="12"/>
+                                        </p:tgtEl>
+                                        <p:attrNameLst>
+                                          <p:attrName>ppt_y</p:attrName>
+                                        </p:attrNameLst>
+                                      </p:cBhvr>
+                                      <p:tavLst>
+                                        <p:tav tm="0">
+                                          <p:val>
+                                            <p:strVal val="#ppt_y"/>
+                                          </p:val>
+                                        </p:tav>
+                                        <p:tav tm="100000">
+                                          <p:val>
+                                            <p:strVal val="#ppt_y"/>
+                                          </p:val>
+                                        </p:tav>
+                                      </p:tavLst>
+                                    </p:anim>
+                                  </p:childTnLst>
+                                </p:cTn>
+                              </p:par>
+                            </p:childTnLst>
+                          </p:cTn>
+                        </p:par>
+                      </p:childTnLst>
+                    </p:cTn>
+                  </p:par>
+                  <p:par>
+                    <p:cTn id="49" fill="hold">
+                      <p:stCondLst>
+                        <p:cond delay="indefinite"/>
+                      </p:stCondLst>
+                      <p:childTnLst>
+                        <p:par>
+                          <p:cTn id="50" fill="hold">
+                            <p:stCondLst>
+                              <p:cond delay="0"/>
+                            </p:stCondLst>
+                            <p:childTnLst>
+                              <p:par>
+                                <p:cTn id="51" presetID="2" presetClass="exit" presetSubtype="8" fill="hold" nodeType="clickEffect">
+                                  <p:stCondLst>
+                                    <p:cond delay="0"/>
+                                  </p:stCondLst>
+                                  <p:childTnLst>
+                                    <p:anim calcmode="lin" valueType="num">
+                                      <p:cBhvr additive="base">
+                                        <p:cTn id="52" dur="500"/>
+                                        <p:tgtEl>
+                                          <p:spTgt spid="12"/>
+                                        </p:tgtEl>
+                                        <p:attrNameLst>
+                                          <p:attrName>ppt_x</p:attrName>
+                                        </p:attrNameLst>
+                                      </p:cBhvr>
+                                      <p:tavLst>
+                                        <p:tav tm="0">
+                                          <p:val>
+                                            <p:strVal val="ppt_x"/>
+                                          </p:val>
+                                        </p:tav>
+                                        <p:tav tm="100000">
+                                          <p:val>
+                                            <p:strVal val="0-ppt_w/2"/>
+                                          </p:val>
+                                        </p:tav>
+                                      </p:tavLst>
+                                    </p:anim>
+                                    <p:anim calcmode="lin" valueType="num">
+                                      <p:cBhvr additive="base">
+                                        <p:cTn id="53" dur="500"/>
+                                        <p:tgtEl>
+                                          <p:spTgt spid="12"/>
+                                        </p:tgtEl>
+                                        <p:attrNameLst>
+                                          <p:attrName>ppt_y</p:attrName>
+                                        </p:attrNameLst>
+                                      </p:cBhvr>
+                                      <p:tavLst>
+                                        <p:tav tm="0">
+                                          <p:val>
+                                            <p:strVal val="ppt_y"/>
+                                          </p:val>
+                                        </p:tav>
+                                        <p:tav tm="100000">
+                                          <p:val>
+                                            <p:strVal val="ppt_y"/>
+                                          </p:val>
+                                        </p:tav>
+                                      </p:tavLst>
+                                    </p:anim>
+                                    <p:set>
+                                      <p:cBhvr>
+                                        <p:cTn id="54" dur="1" fill="hold">
+                                          <p:stCondLst>
+                                            <p:cond delay="499"/>
+                                          </p:stCondLst>
+                                        </p:cTn>
+                                        <p:tgtEl>
+                                          <p:spTgt spid="12"/>
+                                        </p:tgtEl>
+                                        <p:attrNameLst>
+                                          <p:attrName>style.visibility</p:attrName>
+                                        </p:attrNameLst>
+                                      </p:cBhvr>
+                                      <p:to>
+                                        <p:strVal val="hidden"/>
+                                      </p:to>
+                                    </p:set>
+                                  </p:childTnLst>
+                                </p:cTn>
+                              </p:par>
+                            </p:childTnLst>
+                          </p:cTn>
+                        </p:par>
+                      </p:childTnLst>
+                    </p:cTn>
+                  </p:par>
+                </p:childTnLst>
+              </p:cTn>
+              <p:prevCondLst>
+                <p:cond evt="onPrev" delay="0">
+                  <p:tgtEl>
+                    <p:sldTgt/>
+                  </p:tgtEl>
+                </p:cond>
+              </p:prevCondLst>
+              <p:nextCondLst>
+                <p:cond evt="onNext" delay="0">
+                  <p:tgtEl>
+                    <p:sldTgt/>
+                  </p:tgtEl>
+                </p:cond>
+              </p:nextCondLst>
+            </p:seq>
+          </p:childTnLst>
+        </p:cTn>
+      </p:par>
+    </p:tnLst>
+  </p:timing>
+</p:sld>
+</file>
+
+<file path=ppt/slides/slide22.xml><?xml version="1.0" encoding="utf-8"?>
+<p:sld xmlns:a="http://schemas.openxmlformats.org/drawingml/2006/main" xmlns:r="http://schemas.openxmlformats.org/officeDocument/2006/relationships" xmlns:p="http://schemas.openxmlformats.org/presentationml/2006/main">
+  <p:cSld>
+    <p:spTree>
+      <p:nvGrpSpPr>
+        <p:cNvPr id="1" name=""/>
+        <p:cNvGrpSpPr/>
+        <p:nvPr/>
+      </p:nvGrpSpPr>
+      <p:grpSpPr>
+        <a:xfrm>
+          <a:off x="0" y="0"/>
+          <a:ext cx="0" cy="0"/>
+          <a:chOff x="0" y="0"/>
+          <a:chExt cx="0" cy="0"/>
+        </a:xfrm>
+      </p:grpSpPr>
+      <p:sp>
+        <p:nvSpPr>
+          <p:cNvPr id="2" name="Заголовок 1">
+            <a:extLst>
+              <a:ext uri="{FF2B5EF4-FFF2-40B4-BE49-F238E27FC236}">
+                <a16:creationId xmlns:a16="http://schemas.microsoft.com/office/drawing/2014/main" id="{5ED3076E-2E51-49BA-B663-2E6FD28DE68E}"/>
+              </a:ext>
+            </a:extLst>
+          </p:cNvPr>
+          <p:cNvSpPr>
+            <a:spLocks noGrp="1"/>
+          </p:cNvSpPr>
+          <p:nvPr>
+            <p:ph type="title"/>
+          </p:nvPr>
+        </p:nvSpPr>
+        <p:spPr/>
+        <p:txBody>
+          <a:bodyPr/>
+          <a:lstStyle/>
+          <a:p>
+            <a:r>
+              <a:rPr lang="ru-RU" dirty="0"/>
+              <a:t>Часть </a:t>
+            </a:r>
+            <a:r>
+              <a:rPr lang="en-US" dirty="0"/>
+              <a:t>10</a:t>
+            </a:r>
+          </a:p>
+        </p:txBody>
+      </p:sp>
+      <p:sp>
+        <p:nvSpPr>
+          <p:cNvPr id="46" name="Объект 45">
+            <a:extLst>
+              <a:ext uri="{FF2B5EF4-FFF2-40B4-BE49-F238E27FC236}">
+                <a16:creationId xmlns:a16="http://schemas.microsoft.com/office/drawing/2014/main" id="{52D0E0D2-6E1E-4C0F-B92A-A811703BEA5E}"/>
+              </a:ext>
+            </a:extLst>
+          </p:cNvPr>
+          <p:cNvSpPr>
+            <a:spLocks noGrp="1"/>
+          </p:cNvSpPr>
+          <p:nvPr>
+            <p:ph idx="1"/>
+          </p:nvPr>
+        </p:nvSpPr>
+        <p:spPr/>
+        <p:txBody>
+          <a:bodyPr>
+            <a:normAutofit/>
+          </a:bodyPr>
+          <a:lstStyle/>
+          <a:p>
+            <a:pPr marL="0" indent="0">
+              <a:buNone/>
+            </a:pPr>
+            <a:r>
+              <a:rPr lang="ru-RU" sz="4400" dirty="0"/>
+              <a:t>Создаем сущность </a:t>
+            </a:r>
+            <a:r>
+              <a:rPr lang="en-US" sz="4400" dirty="0"/>
+              <a:t>Review:</a:t>
+            </a:r>
+            <a:endParaRPr lang="en-US" sz="4000" dirty="0"/>
+          </a:p>
+          <a:p>
+            <a:pPr lvl="1"/>
+            <a:r>
+              <a:rPr lang="en-US" sz="4000" dirty="0"/>
+              <a:t>C# Class </a:t>
+            </a:r>
+          </a:p>
+          <a:p>
+            <a:pPr lvl="1"/>
+            <a:r>
+              <a:rPr lang="en-US" sz="4000" dirty="0"/>
+              <a:t>Model configuration EntityFramework</a:t>
+            </a:r>
+          </a:p>
+          <a:p>
+            <a:pPr lvl="1"/>
+            <a:r>
+              <a:rPr lang="en-US" sz="4000" dirty="0"/>
+              <a:t>CRUD (Controller, Manager, </a:t>
+            </a:r>
+            <a:r>
+              <a:rPr lang="en-US" sz="4000" dirty="0" err="1"/>
+              <a:t>etc</a:t>
+            </a:r>
+            <a:r>
+              <a:rPr lang="en-US" sz="4000" dirty="0"/>
+              <a:t>)</a:t>
+            </a:r>
+          </a:p>
+        </p:txBody>
+      </p:sp>
+      <p:sp>
+        <p:nvSpPr>
+          <p:cNvPr id="6" name="Дата 5">
+            <a:extLst>
+              <a:ext uri="{FF2B5EF4-FFF2-40B4-BE49-F238E27FC236}">
+                <a16:creationId xmlns:a16="http://schemas.microsoft.com/office/drawing/2014/main" id="{3D389C93-18E8-4B65-9A0C-57EA5FF1262A}"/>
+              </a:ext>
+            </a:extLst>
+          </p:cNvPr>
+          <p:cNvSpPr>
+            <a:spLocks noGrp="1"/>
+          </p:cNvSpPr>
+          <p:nvPr>
+            <p:ph type="dt" sz="half" idx="10"/>
+          </p:nvPr>
+        </p:nvSpPr>
+        <p:spPr/>
+        <p:txBody>
+          <a:bodyPr/>
+          <a:lstStyle/>
+          <a:p>
+            <a:fld id="{2D4A23AA-1D21-4822-8346-CA7E14AECDD0}" type="datetime1">
+              <a:rPr lang="ru-RU" smtClean="0"/>
+              <a:pPr/>
+              <a:t>23.06.2019</a:t>
+            </a:fld>
+            <a:endParaRPr lang="en-US"/>
+          </a:p>
+        </p:txBody>
+      </p:sp>
+      <p:sp>
+        <p:nvSpPr>
+          <p:cNvPr id="7" name="Нижний колонтитул 6">
+            <a:extLst>
+              <a:ext uri="{FF2B5EF4-FFF2-40B4-BE49-F238E27FC236}">
+                <a16:creationId xmlns:a16="http://schemas.microsoft.com/office/drawing/2014/main" id="{FD3B82CA-042F-4A44-8CC3-391A074B55D4}"/>
+              </a:ext>
+            </a:extLst>
+          </p:cNvPr>
+          <p:cNvSpPr>
+            <a:spLocks noGrp="1"/>
+          </p:cNvSpPr>
+          <p:nvPr>
+            <p:ph type="ftr" sz="quarter" idx="11"/>
+          </p:nvPr>
+        </p:nvSpPr>
+        <p:spPr/>
+        <p:txBody>
+          <a:bodyPr/>
+          <a:lstStyle/>
+          <a:p>
+            <a:r>
+              <a:rPr lang="en-US" dirty="0"/>
+              <a:t>www.calabonga.net</a:t>
+            </a:r>
+          </a:p>
+        </p:txBody>
+      </p:sp>
+      <p:sp>
+        <p:nvSpPr>
+          <p:cNvPr id="8" name="Номер слайда 7">
+            <a:extLst>
+              <a:ext uri="{FF2B5EF4-FFF2-40B4-BE49-F238E27FC236}">
+                <a16:creationId xmlns:a16="http://schemas.microsoft.com/office/drawing/2014/main" id="{04E38101-A6CD-43DF-A008-79A5BF5D68AE}"/>
+              </a:ext>
+            </a:extLst>
+          </p:cNvPr>
+          <p:cNvSpPr>
+            <a:spLocks noGrp="1"/>
+          </p:cNvSpPr>
+          <p:nvPr>
+            <p:ph type="sldNum" sz="quarter" idx="12"/>
+          </p:nvPr>
+        </p:nvSpPr>
+        <p:spPr/>
+        <p:txBody>
+          <a:bodyPr/>
+          <a:lstStyle/>
+          <a:p>
+            <a:fld id="{356453D0-7C6D-4FAD-A87B-D4E72CD04107}" type="slidenum">
+              <a:rPr lang="en-US" smtClean="0"/>
+              <a:pPr/>
+              <a:t>22</a:t>
+            </a:fld>
+            <a:endParaRPr lang="en-US"/>
+          </a:p>
+        </p:txBody>
+      </p:sp>
+    </p:spTree>
+    <p:extLst>
+      <p:ext uri="{BB962C8B-B14F-4D97-AF65-F5344CB8AC3E}">
+        <p14:creationId xmlns:p14="http://schemas.microsoft.com/office/powerpoint/2010/main" val="3467241599"/>
+      </p:ext>
+    </p:extLst>
+  </p:cSld>
+  <p:clrMapOvr>
+    <a:masterClrMapping/>
+  </p:clrMapOvr>
+  <p:transition spd="med">
+    <p:pull/>
+  </p:transition>
+</p:sld>
+</file>
+
+<file path=ppt/slides/slide23.xml><?xml version="1.0" encoding="utf-8"?>
+<p:sld xmlns:a="http://schemas.openxmlformats.org/drawingml/2006/main" xmlns:r="http://schemas.openxmlformats.org/officeDocument/2006/relationships" xmlns:p="http://schemas.openxmlformats.org/presentationml/2006/main">
+  <p:cSld>
+    <p:spTree>
+      <p:nvGrpSpPr>
+        <p:cNvPr id="1" name=""/>
+        <p:cNvGrpSpPr/>
+        <p:nvPr/>
+      </p:nvGrpSpPr>
+      <p:grpSpPr>
+        <a:xfrm>
+          <a:off x="0" y="0"/>
+          <a:ext cx="0" cy="0"/>
+          <a:chOff x="0" y="0"/>
+          <a:chExt cx="0" cy="0"/>
+        </a:xfrm>
+      </p:grpSpPr>
+      <p:sp>
+        <p:nvSpPr>
+          <p:cNvPr id="2" name="Заголовок 1">
+            <a:extLst>
+              <a:ext uri="{FF2B5EF4-FFF2-40B4-BE49-F238E27FC236}">
+                <a16:creationId xmlns:a16="http://schemas.microsoft.com/office/drawing/2014/main" id="{5ED3076E-2E51-49BA-B663-2E6FD28DE68E}"/>
+              </a:ext>
+            </a:extLst>
+          </p:cNvPr>
+          <p:cNvSpPr>
+            <a:spLocks noGrp="1"/>
+          </p:cNvSpPr>
+          <p:nvPr>
+            <p:ph type="title"/>
+          </p:nvPr>
+        </p:nvSpPr>
+        <p:spPr/>
+        <p:txBody>
+          <a:bodyPr/>
+          <a:lstStyle/>
+          <a:p>
+            <a:r>
+              <a:rPr lang="ru-RU" dirty="0"/>
+              <a:t>Часть </a:t>
+            </a:r>
+            <a:r>
+              <a:rPr lang="en-US" dirty="0"/>
+              <a:t>10</a:t>
+            </a:r>
+          </a:p>
+        </p:txBody>
+      </p:sp>
+      <p:sp>
+        <p:nvSpPr>
+          <p:cNvPr id="6" name="Дата 5">
+            <a:extLst>
+              <a:ext uri="{FF2B5EF4-FFF2-40B4-BE49-F238E27FC236}">
+                <a16:creationId xmlns:a16="http://schemas.microsoft.com/office/drawing/2014/main" id="{3D389C93-18E8-4B65-9A0C-57EA5FF1262A}"/>
+              </a:ext>
+            </a:extLst>
+          </p:cNvPr>
+          <p:cNvSpPr>
+            <a:spLocks noGrp="1"/>
+          </p:cNvSpPr>
+          <p:nvPr>
+            <p:ph type="dt" sz="half" idx="10"/>
+          </p:nvPr>
+        </p:nvSpPr>
+        <p:spPr/>
+        <p:txBody>
+          <a:bodyPr/>
+          <a:lstStyle/>
+          <a:p>
+            <a:fld id="{2D4A23AA-1D21-4822-8346-CA7E14AECDD0}" type="datetime1">
+              <a:rPr lang="ru-RU" smtClean="0"/>
+              <a:t>23.06.2019</a:t>
+            </a:fld>
+            <a:endParaRPr lang="en-US"/>
+          </a:p>
+        </p:txBody>
+      </p:sp>
+      <p:sp>
+        <p:nvSpPr>
+          <p:cNvPr id="7" name="Нижний колонтитул 6">
+            <a:extLst>
+              <a:ext uri="{FF2B5EF4-FFF2-40B4-BE49-F238E27FC236}">
+                <a16:creationId xmlns:a16="http://schemas.microsoft.com/office/drawing/2014/main" id="{FD3B82CA-042F-4A44-8CC3-391A074B55D4}"/>
+              </a:ext>
+            </a:extLst>
+          </p:cNvPr>
+          <p:cNvSpPr>
+            <a:spLocks noGrp="1"/>
+          </p:cNvSpPr>
+          <p:nvPr>
+            <p:ph type="ftr" sz="quarter" idx="11"/>
+          </p:nvPr>
+        </p:nvSpPr>
+        <p:spPr/>
+        <p:txBody>
+          <a:bodyPr/>
+          <a:lstStyle/>
+          <a:p>
+            <a:r>
+              <a:rPr lang="en-US"/>
+              <a:t>www.calabonga.net</a:t>
+            </a:r>
+          </a:p>
+        </p:txBody>
+      </p:sp>
+      <p:sp>
+        <p:nvSpPr>
+          <p:cNvPr id="8" name="Номер слайда 7">
+            <a:extLst>
+              <a:ext uri="{FF2B5EF4-FFF2-40B4-BE49-F238E27FC236}">
+                <a16:creationId xmlns:a16="http://schemas.microsoft.com/office/drawing/2014/main" id="{04E38101-A6CD-43DF-A008-79A5BF5D68AE}"/>
+              </a:ext>
+            </a:extLst>
+          </p:cNvPr>
+          <p:cNvSpPr>
+            <a:spLocks noGrp="1"/>
+          </p:cNvSpPr>
+          <p:nvPr>
+            <p:ph type="sldNum" sz="quarter" idx="12"/>
+          </p:nvPr>
+        </p:nvSpPr>
+        <p:spPr/>
+        <p:txBody>
+          <a:bodyPr/>
+          <a:lstStyle/>
+          <a:p>
+            <a:fld id="{356453D0-7C6D-4FAD-A87B-D4E72CD04107}" type="slidenum">
+              <a:rPr lang="en-US" smtClean="0"/>
+              <a:t>23</a:t>
             </a:fld>
             <a:endParaRPr lang="en-US"/>
           </a:p>

--- a/Presentation/Calabonga.Catalog.pptx
+++ b/Presentation/Calabonga.Catalog.pptx
@@ -5,10 +5,10 @@
     <p:sldMasterId id="2147483762" r:id="rId1"/>
   </p:sldMasterIdLst>
   <p:notesMasterIdLst>
-    <p:notesMasterId r:id="rId25"/>
+    <p:notesMasterId r:id="rId27"/>
   </p:notesMasterIdLst>
   <p:handoutMasterIdLst>
-    <p:handoutMasterId r:id="rId26"/>
+    <p:handoutMasterId r:id="rId28"/>
   </p:handoutMasterIdLst>
   <p:sldIdLst>
     <p:sldId id="256" r:id="rId2"/>
@@ -34,6 +34,8 @@
     <p:sldId id="278" r:id="rId22"/>
     <p:sldId id="275" r:id="rId23"/>
     <p:sldId id="276" r:id="rId24"/>
+    <p:sldId id="279" r:id="rId25"/>
+    <p:sldId id="280" r:id="rId26"/>
   </p:sldIdLst>
   <p:sldSz cx="12192000" cy="6858000"/>
   <p:notesSz cx="6858000" cy="9144000"/>
@@ -2990,7 +2992,7 @@
           <a:p>
             <a:fld id="{C7EBD34A-458D-4E15-9A13-07B008861E08}" type="datetime1">
               <a:rPr lang="ru-RU" smtClean="0"/>
-              <a:t>23.06.2019</a:t>
+              <a:t>29.06.2019</a:t>
             </a:fld>
             <a:endParaRPr lang="en-US"/>
           </a:p>
@@ -3156,7 +3158,7 @@
           <a:p>
             <a:fld id="{BD2C1305-B0C8-41A5-A415-431426818951}" type="datetime1">
               <a:rPr lang="ru-RU" smtClean="0"/>
-              <a:t>23.06.2019</a:t>
+              <a:t>29.06.2019</a:t>
             </a:fld>
             <a:endParaRPr lang="en-US"/>
           </a:p>
@@ -4157,6 +4159,128 @@
 </p:notes>
 </file>
 
+<file path=ppt/notesSlides/notesSlide20.xml><?xml version="1.0" encoding="utf-8"?>
+<p:notes xmlns:a="http://schemas.openxmlformats.org/drawingml/2006/main" xmlns:r="http://schemas.openxmlformats.org/officeDocument/2006/relationships" xmlns:p="http://schemas.openxmlformats.org/presentationml/2006/main">
+  <p:cSld>
+    <p:spTree>
+      <p:nvGrpSpPr>
+        <p:cNvPr id="1" name=""/>
+        <p:cNvGrpSpPr/>
+        <p:nvPr/>
+      </p:nvGrpSpPr>
+      <p:grpSpPr>
+        <a:xfrm>
+          <a:off x="0" y="0"/>
+          <a:ext cx="0" cy="0"/>
+          <a:chOff x="0" y="0"/>
+          <a:chExt cx="0" cy="0"/>
+        </a:xfrm>
+      </p:grpSpPr>
+      <p:sp>
+        <p:nvSpPr>
+          <p:cNvPr id="2" name="Образ слайда 1"/>
+          <p:cNvSpPr>
+            <a:spLocks noGrp="1" noRot="1" noChangeAspect="1"/>
+          </p:cNvSpPr>
+          <p:nvPr>
+            <p:ph type="sldImg"/>
+          </p:nvPr>
+        </p:nvSpPr>
+        <p:spPr/>
+      </p:sp>
+      <p:sp>
+        <p:nvSpPr>
+          <p:cNvPr id="3" name="Заметки 2"/>
+          <p:cNvSpPr>
+            <a:spLocks noGrp="1"/>
+          </p:cNvSpPr>
+          <p:nvPr>
+            <p:ph type="body" idx="1"/>
+          </p:nvPr>
+        </p:nvSpPr>
+        <p:spPr/>
+        <p:txBody>
+          <a:bodyPr/>
+          <a:lstStyle/>
+          <a:p>
+            <a:endParaRPr lang="en-US" dirty="0"/>
+          </a:p>
+        </p:txBody>
+      </p:sp>
+    </p:spTree>
+    <p:extLst>
+      <p:ext uri="{BB962C8B-B14F-4D97-AF65-F5344CB8AC3E}">
+        <p14:creationId xmlns:p14="http://schemas.microsoft.com/office/powerpoint/2010/main" val="1824222367"/>
+      </p:ext>
+    </p:extLst>
+  </p:cSld>
+  <p:clrMapOvr>
+    <a:masterClrMapping/>
+  </p:clrMapOvr>
+</p:notes>
+</file>
+
+<file path=ppt/notesSlides/notesSlide21.xml><?xml version="1.0" encoding="utf-8"?>
+<p:notes xmlns:a="http://schemas.openxmlformats.org/drawingml/2006/main" xmlns:r="http://schemas.openxmlformats.org/officeDocument/2006/relationships" xmlns:p="http://schemas.openxmlformats.org/presentationml/2006/main">
+  <p:cSld>
+    <p:spTree>
+      <p:nvGrpSpPr>
+        <p:cNvPr id="1" name=""/>
+        <p:cNvGrpSpPr/>
+        <p:nvPr/>
+      </p:nvGrpSpPr>
+      <p:grpSpPr>
+        <a:xfrm>
+          <a:off x="0" y="0"/>
+          <a:ext cx="0" cy="0"/>
+          <a:chOff x="0" y="0"/>
+          <a:chExt cx="0" cy="0"/>
+        </a:xfrm>
+      </p:grpSpPr>
+      <p:sp>
+        <p:nvSpPr>
+          <p:cNvPr id="2" name="Образ слайда 1"/>
+          <p:cNvSpPr>
+            <a:spLocks noGrp="1" noRot="1" noChangeAspect="1"/>
+          </p:cNvSpPr>
+          <p:nvPr>
+            <p:ph type="sldImg"/>
+          </p:nvPr>
+        </p:nvSpPr>
+        <p:spPr/>
+      </p:sp>
+      <p:sp>
+        <p:nvSpPr>
+          <p:cNvPr id="3" name="Заметки 2"/>
+          <p:cNvSpPr>
+            <a:spLocks noGrp="1"/>
+          </p:cNvSpPr>
+          <p:nvPr>
+            <p:ph type="body" idx="1"/>
+          </p:nvPr>
+        </p:nvSpPr>
+        <p:spPr/>
+        <p:txBody>
+          <a:bodyPr/>
+          <a:lstStyle/>
+          <a:p>
+            <a:endParaRPr lang="en-US" dirty="0"/>
+          </a:p>
+        </p:txBody>
+      </p:sp>
+    </p:spTree>
+    <p:extLst>
+      <p:ext uri="{BB962C8B-B14F-4D97-AF65-F5344CB8AC3E}">
+        <p14:creationId xmlns:p14="http://schemas.microsoft.com/office/powerpoint/2010/main" val="288418445"/>
+      </p:ext>
+    </p:extLst>
+  </p:cSld>
+  <p:clrMapOvr>
+    <a:masterClrMapping/>
+  </p:clrMapOvr>
+</p:notes>
+</file>
+
 <file path=ppt/notesSlides/notesSlide3.xml><?xml version="1.0" encoding="utf-8"?>
 <p:notes xmlns:a="http://schemas.openxmlformats.org/drawingml/2006/main" xmlns:r="http://schemas.openxmlformats.org/officeDocument/2006/relationships" xmlns:p="http://schemas.openxmlformats.org/presentationml/2006/main">
   <p:cSld>
@@ -4866,7 +4990,7 @@
           <a:p>
             <a:fld id="{8A2250BE-F15D-44BA-9438-B9DF99335BCD}" type="datetime1">
               <a:rPr lang="ru-RU" smtClean="0"/>
-              <a:t>23.06.2019</a:t>
+              <a:t>29.06.2019</a:t>
             </a:fld>
             <a:endParaRPr lang="en-US" dirty="0"/>
           </a:p>
@@ -5199,7 +5323,7 @@
           <a:p>
             <a:fld id="{7DE2CE15-DD73-496B-88E9-3C783140B749}" type="datetime1">
               <a:rPr lang="ru-RU" smtClean="0"/>
-              <a:t>23.06.2019</a:t>
+              <a:t>29.06.2019</a:t>
             </a:fld>
             <a:endParaRPr lang="en-US"/>
           </a:p>
@@ -5600,7 +5724,7 @@
           <a:p>
             <a:fld id="{C5591223-2003-4F54-BFF5-C55495CDBD8E}" type="datetime1">
               <a:rPr lang="ru-RU" smtClean="0"/>
-              <a:t>23.06.2019</a:t>
+              <a:t>29.06.2019</a:t>
             </a:fld>
             <a:endParaRPr lang="en-US"/>
           </a:p>
@@ -5976,7 +6100,7 @@
           <a:p>
             <a:fld id="{43563794-FDD4-4540-A355-3AD563225139}" type="datetime1">
               <a:rPr lang="ru-RU" smtClean="0"/>
-              <a:t>23.06.2019</a:t>
+              <a:t>29.06.2019</a:t>
             </a:fld>
             <a:endParaRPr lang="en-US"/>
           </a:p>
@@ -6482,7 +6606,7 @@
           <a:p>
             <a:fld id="{9C6B1E0C-F71F-4246-9CF7-3D799719CFAA}" type="datetime1">
               <a:rPr lang="ru-RU" smtClean="0"/>
-              <a:t>23.06.2019</a:t>
+              <a:t>29.06.2019</a:t>
             </a:fld>
             <a:endParaRPr lang="en-US"/>
           </a:p>
@@ -6739,7 +6863,7 @@
           <a:p>
             <a:fld id="{C8CD1612-23C8-4220-8DEF-C122C80B4952}" type="datetime1">
               <a:rPr lang="ru-RU" smtClean="0"/>
-              <a:t>23.06.2019</a:t>
+              <a:t>29.06.2019</a:t>
             </a:fld>
             <a:endParaRPr lang="en-US"/>
           </a:p>
@@ -6907,7 +7031,7 @@
           <a:p>
             <a:fld id="{CD59FF44-4703-437F-9D7D-4A2470583044}" type="datetime1">
               <a:rPr lang="ru-RU" smtClean="0"/>
-              <a:t>23.06.2019</a:t>
+              <a:t>29.06.2019</a:t>
             </a:fld>
             <a:endParaRPr lang="en-US"/>
           </a:p>
@@ -7297,7 +7421,7 @@
           <a:p>
             <a:fld id="{328CCA78-EACE-4FD5-BA12-7FEDA73BAFAB}" type="datetime1">
               <a:rPr lang="ru-RU" smtClean="0"/>
-              <a:t>23.06.2019</a:t>
+              <a:t>29.06.2019</a:t>
             </a:fld>
             <a:endParaRPr lang="en-US"/>
           </a:p>
@@ -7706,7 +7830,7 @@
           <a:p>
             <a:fld id="{80D44EDB-1D2F-4DC9-A659-7C84B659E344}" type="datetime1">
               <a:rPr lang="ru-RU" smtClean="0"/>
-              <a:t>23.06.2019</a:t>
+              <a:t>29.06.2019</a:t>
             </a:fld>
             <a:endParaRPr lang="en-US"/>
           </a:p>
@@ -7952,7 +8076,7 @@
             <a:fld id="{ABA487C1-7FE9-4143-8923-87ED1DD08F19}" type="datetime1">
               <a:rPr lang="ru-RU" smtClean="0"/>
               <a:pPr/>
-              <a:t>23.06.2019</a:t>
+              <a:t>29.06.2019</a:t>
             </a:fld>
             <a:endParaRPr lang="en-US" dirty="0"/>
           </a:p>
@@ -8630,7 +8754,7 @@
           <a:p>
             <a:fld id="{2D4A23AA-1D21-4822-8346-CA7E14AECDD0}" type="datetime1">
               <a:rPr lang="ru-RU" smtClean="0"/>
-              <a:t>23.06.2019</a:t>
+              <a:t>29.06.2019</a:t>
             </a:fld>
             <a:endParaRPr lang="en-US"/>
           </a:p>
@@ -8849,7 +8973,7 @@
           <a:p>
             <a:fld id="{2D4A23AA-1D21-4822-8346-CA7E14AECDD0}" type="datetime1">
               <a:rPr lang="ru-RU" smtClean="0"/>
-              <a:t>23.06.2019</a:t>
+              <a:t>29.06.2019</a:t>
             </a:fld>
             <a:endParaRPr lang="en-US"/>
           </a:p>
@@ -9057,7 +9181,7 @@
           <a:p>
             <a:fld id="{2D4A23AA-1D21-4822-8346-CA7E14AECDD0}" type="datetime1">
               <a:rPr lang="ru-RU" smtClean="0"/>
-              <a:t>23.06.2019</a:t>
+              <a:t>29.06.2019</a:t>
             </a:fld>
             <a:endParaRPr lang="en-US"/>
           </a:p>
@@ -10574,7 +10698,7 @@
           <a:p>
             <a:fld id="{2D4A23AA-1D21-4822-8346-CA7E14AECDD0}" type="datetime1">
               <a:rPr lang="ru-RU" smtClean="0"/>
-              <a:t>23.06.2019</a:t>
+              <a:t>29.06.2019</a:t>
             </a:fld>
             <a:endParaRPr lang="en-US"/>
           </a:p>
@@ -10766,7 +10890,7 @@
           <a:p>
             <a:fld id="{2D4A23AA-1D21-4822-8346-CA7E14AECDD0}" type="datetime1">
               <a:rPr lang="ru-RU" smtClean="0"/>
-              <a:t>23.06.2019</a:t>
+              <a:t>29.06.2019</a:t>
             </a:fld>
             <a:endParaRPr lang="en-US"/>
           </a:p>
@@ -11675,7 +11799,7 @@
           <a:p>
             <a:fld id="{2D4A23AA-1D21-4822-8346-CA7E14AECDD0}" type="datetime1">
               <a:rPr lang="ru-RU" smtClean="0"/>
-              <a:t>23.06.2019</a:t>
+              <a:t>29.06.2019</a:t>
             </a:fld>
             <a:endParaRPr lang="en-US"/>
           </a:p>
@@ -13365,7 +13489,7 @@
           <a:p>
             <a:fld id="{2D4A23AA-1D21-4822-8346-CA7E14AECDD0}" type="datetime1">
               <a:rPr lang="ru-RU" smtClean="0"/>
-              <a:t>23.06.2019</a:t>
+              <a:t>29.06.2019</a:t>
             </a:fld>
             <a:endParaRPr lang="en-US"/>
           </a:p>
@@ -16076,7 +16200,7 @@
           <a:p>
             <a:fld id="{2D4A23AA-1D21-4822-8346-CA7E14AECDD0}" type="datetime1">
               <a:rPr lang="ru-RU" smtClean="0"/>
-              <a:t>23.06.2019</a:t>
+              <a:t>29.06.2019</a:t>
             </a:fld>
             <a:endParaRPr lang="en-US"/>
           </a:p>
@@ -16262,7 +16386,7 @@
           <a:p>
             <a:fld id="{2D4A23AA-1D21-4822-8346-CA7E14AECDD0}" type="datetime1">
               <a:rPr lang="ru-RU" smtClean="0"/>
-              <a:t>23.06.2019</a:t>
+              <a:t>29.06.2019</a:t>
             </a:fld>
             <a:endParaRPr lang="en-US"/>
           </a:p>
@@ -16483,7 +16607,7 @@
           <a:p>
             <a:fld id="{2D4A23AA-1D21-4822-8346-CA7E14AECDD0}" type="datetime1">
               <a:rPr lang="ru-RU" smtClean="0"/>
-              <a:t>23.06.2019</a:t>
+              <a:t>29.06.2019</a:t>
             </a:fld>
             <a:endParaRPr lang="en-US"/>
           </a:p>
@@ -16767,7 +16891,7 @@
           <a:p>
             <a:fld id="{10A25188-2956-4DA3-8229-5D523B568A6A}" type="datetime1">
               <a:rPr lang="ru-RU" smtClean="0"/>
-              <a:t>23.06.2019</a:t>
+              <a:t>29.06.2019</a:t>
             </a:fld>
             <a:endParaRPr lang="en-US"/>
           </a:p>
@@ -17098,7 +17222,7 @@
           <a:p>
             <a:fld id="{2D4A23AA-1D21-4822-8346-CA7E14AECDD0}" type="datetime1">
               <a:rPr lang="ru-RU" smtClean="0"/>
-              <a:t>23.06.2019</a:t>
+              <a:t>29.06.2019</a:t>
             </a:fld>
             <a:endParaRPr lang="en-US"/>
           </a:p>
@@ -17297,7 +17421,7 @@
           <a:p>
             <a:fld id="{2D4A23AA-1D21-4822-8346-CA7E14AECDD0}" type="datetime1">
               <a:rPr lang="ru-RU" smtClean="0"/>
-              <a:t>23.06.2019</a:t>
+              <a:t>29.06.2019</a:t>
             </a:fld>
             <a:endParaRPr lang="en-US"/>
           </a:p>
@@ -18564,7 +18688,7 @@
             <a:fld id="{2D4A23AA-1D21-4822-8346-CA7E14AECDD0}" type="datetime1">
               <a:rPr lang="ru-RU" smtClean="0"/>
               <a:pPr/>
-              <a:t>23.06.2019</a:t>
+              <a:t>29.06.2019</a:t>
             </a:fld>
             <a:endParaRPr lang="en-US"/>
           </a:p>
@@ -18716,7 +18840,7 @@
           <a:p>
             <a:fld id="{2D4A23AA-1D21-4822-8346-CA7E14AECDD0}" type="datetime1">
               <a:rPr lang="ru-RU" smtClean="0"/>
-              <a:t>23.06.2019</a:t>
+              <a:t>29.06.2019</a:t>
             </a:fld>
             <a:endParaRPr lang="en-US"/>
           </a:p>
@@ -20823,6 +20947,2577 @@
 </p:sld>
 </file>
 
+<file path=ppt/slides/slide24.xml><?xml version="1.0" encoding="utf-8"?>
+<p:sld xmlns:a="http://schemas.openxmlformats.org/drawingml/2006/main" xmlns:r="http://schemas.openxmlformats.org/officeDocument/2006/relationships" xmlns:p="http://schemas.openxmlformats.org/presentationml/2006/main">
+  <p:cSld>
+    <p:spTree>
+      <p:nvGrpSpPr>
+        <p:cNvPr id="1" name=""/>
+        <p:cNvGrpSpPr/>
+        <p:nvPr/>
+      </p:nvGrpSpPr>
+      <p:grpSpPr>
+        <a:xfrm>
+          <a:off x="0" y="0"/>
+          <a:ext cx="0" cy="0"/>
+          <a:chOff x="0" y="0"/>
+          <a:chExt cx="0" cy="0"/>
+        </a:xfrm>
+      </p:grpSpPr>
+      <p:sp>
+        <p:nvSpPr>
+          <p:cNvPr id="2" name="Заголовок 1">
+            <a:extLst>
+              <a:ext uri="{FF2B5EF4-FFF2-40B4-BE49-F238E27FC236}">
+                <a16:creationId xmlns:a16="http://schemas.microsoft.com/office/drawing/2014/main" id="{5ED3076E-2E51-49BA-B663-2E6FD28DE68E}"/>
+              </a:ext>
+            </a:extLst>
+          </p:cNvPr>
+          <p:cNvSpPr>
+            <a:spLocks noGrp="1"/>
+          </p:cNvSpPr>
+          <p:nvPr>
+            <p:ph type="title"/>
+          </p:nvPr>
+        </p:nvSpPr>
+        <p:spPr/>
+        <p:txBody>
+          <a:bodyPr/>
+          <a:lstStyle/>
+          <a:p>
+            <a:r>
+              <a:rPr lang="ru-RU" dirty="0"/>
+              <a:t>Часть </a:t>
+            </a:r>
+            <a:r>
+              <a:rPr lang="en-US" dirty="0"/>
+              <a:t>11</a:t>
+            </a:r>
+          </a:p>
+        </p:txBody>
+      </p:sp>
+      <p:sp>
+        <p:nvSpPr>
+          <p:cNvPr id="46" name="Объект 45">
+            <a:extLst>
+              <a:ext uri="{FF2B5EF4-FFF2-40B4-BE49-F238E27FC236}">
+                <a16:creationId xmlns:a16="http://schemas.microsoft.com/office/drawing/2014/main" id="{52D0E0D2-6E1E-4C0F-B92A-A811703BEA5E}"/>
+              </a:ext>
+            </a:extLst>
+          </p:cNvPr>
+          <p:cNvSpPr>
+            <a:spLocks noGrp="1"/>
+          </p:cNvSpPr>
+          <p:nvPr>
+            <p:ph idx="1"/>
+          </p:nvPr>
+        </p:nvSpPr>
+        <p:spPr/>
+        <p:txBody>
+          <a:bodyPr>
+            <a:normAutofit/>
+          </a:bodyPr>
+          <a:lstStyle/>
+          <a:p>
+            <a:pPr marL="0" indent="0">
+              <a:buNone/>
+            </a:pPr>
+            <a:r>
+              <a:rPr lang="ru-RU" sz="4400" dirty="0"/>
+              <a:t>Создаем сущность </a:t>
+            </a:r>
+            <a:r>
+              <a:rPr lang="en-US" sz="4400" dirty="0"/>
+              <a:t>Tag:</a:t>
+            </a:r>
+            <a:endParaRPr lang="en-US" sz="4000" dirty="0"/>
+          </a:p>
+          <a:p>
+            <a:pPr lvl="1"/>
+            <a:r>
+              <a:rPr lang="en-US" sz="4000" dirty="0"/>
+              <a:t>C# Class </a:t>
+            </a:r>
+          </a:p>
+          <a:p>
+            <a:pPr lvl="1"/>
+            <a:r>
+              <a:rPr lang="en-US" sz="4000" dirty="0"/>
+              <a:t>Model configuration EntityFramework</a:t>
+            </a:r>
+          </a:p>
+          <a:p>
+            <a:pPr lvl="1"/>
+            <a:r>
+              <a:rPr lang="en-US" sz="4000" dirty="0"/>
+              <a:t>CRUD (Controller, Manager, </a:t>
+            </a:r>
+            <a:r>
+              <a:rPr lang="en-US" sz="4000" dirty="0" err="1"/>
+              <a:t>etc</a:t>
+            </a:r>
+            <a:r>
+              <a:rPr lang="en-US" sz="4000" dirty="0"/>
+              <a:t>)</a:t>
+            </a:r>
+          </a:p>
+        </p:txBody>
+      </p:sp>
+      <p:sp>
+        <p:nvSpPr>
+          <p:cNvPr id="6" name="Дата 5">
+            <a:extLst>
+              <a:ext uri="{FF2B5EF4-FFF2-40B4-BE49-F238E27FC236}">
+                <a16:creationId xmlns:a16="http://schemas.microsoft.com/office/drawing/2014/main" id="{3D389C93-18E8-4B65-9A0C-57EA5FF1262A}"/>
+              </a:ext>
+            </a:extLst>
+          </p:cNvPr>
+          <p:cNvSpPr>
+            <a:spLocks noGrp="1"/>
+          </p:cNvSpPr>
+          <p:nvPr>
+            <p:ph type="dt" sz="half" idx="10"/>
+          </p:nvPr>
+        </p:nvSpPr>
+        <p:spPr/>
+        <p:txBody>
+          <a:bodyPr/>
+          <a:lstStyle/>
+          <a:p>
+            <a:fld id="{2D4A23AA-1D21-4822-8346-CA7E14AECDD0}" type="datetime1">
+              <a:rPr lang="ru-RU" smtClean="0"/>
+              <a:pPr/>
+              <a:t>29.06.2019</a:t>
+            </a:fld>
+            <a:endParaRPr lang="en-US"/>
+          </a:p>
+        </p:txBody>
+      </p:sp>
+      <p:sp>
+        <p:nvSpPr>
+          <p:cNvPr id="7" name="Нижний колонтитул 6">
+            <a:extLst>
+              <a:ext uri="{FF2B5EF4-FFF2-40B4-BE49-F238E27FC236}">
+                <a16:creationId xmlns:a16="http://schemas.microsoft.com/office/drawing/2014/main" id="{FD3B82CA-042F-4A44-8CC3-391A074B55D4}"/>
+              </a:ext>
+            </a:extLst>
+          </p:cNvPr>
+          <p:cNvSpPr>
+            <a:spLocks noGrp="1"/>
+          </p:cNvSpPr>
+          <p:nvPr>
+            <p:ph type="ftr" sz="quarter" idx="11"/>
+          </p:nvPr>
+        </p:nvSpPr>
+        <p:spPr/>
+        <p:txBody>
+          <a:bodyPr/>
+          <a:lstStyle/>
+          <a:p>
+            <a:r>
+              <a:rPr lang="en-US" dirty="0"/>
+              <a:t>www.calabonga.net</a:t>
+            </a:r>
+          </a:p>
+        </p:txBody>
+      </p:sp>
+      <p:sp>
+        <p:nvSpPr>
+          <p:cNvPr id="8" name="Номер слайда 7">
+            <a:extLst>
+              <a:ext uri="{FF2B5EF4-FFF2-40B4-BE49-F238E27FC236}">
+                <a16:creationId xmlns:a16="http://schemas.microsoft.com/office/drawing/2014/main" id="{04E38101-A6CD-43DF-A008-79A5BF5D68AE}"/>
+              </a:ext>
+            </a:extLst>
+          </p:cNvPr>
+          <p:cNvSpPr>
+            <a:spLocks noGrp="1"/>
+          </p:cNvSpPr>
+          <p:nvPr>
+            <p:ph type="sldNum" sz="quarter" idx="12"/>
+          </p:nvPr>
+        </p:nvSpPr>
+        <p:spPr/>
+        <p:txBody>
+          <a:bodyPr/>
+          <a:lstStyle/>
+          <a:p>
+            <a:fld id="{356453D0-7C6D-4FAD-A87B-D4E72CD04107}" type="slidenum">
+              <a:rPr lang="en-US" smtClean="0"/>
+              <a:pPr/>
+              <a:t>24</a:t>
+            </a:fld>
+            <a:endParaRPr lang="en-US"/>
+          </a:p>
+        </p:txBody>
+      </p:sp>
+    </p:spTree>
+    <p:extLst>
+      <p:ext uri="{BB962C8B-B14F-4D97-AF65-F5344CB8AC3E}">
+        <p14:creationId xmlns:p14="http://schemas.microsoft.com/office/powerpoint/2010/main" val="3049943304"/>
+      </p:ext>
+    </p:extLst>
+  </p:cSld>
+  <p:clrMapOvr>
+    <a:masterClrMapping/>
+  </p:clrMapOvr>
+  <p:transition spd="med">
+    <p:pull/>
+  </p:transition>
+</p:sld>
+</file>
+
+<file path=ppt/slides/slide25.xml><?xml version="1.0" encoding="utf-8"?>
+<p:sld xmlns:a="http://schemas.openxmlformats.org/drawingml/2006/main" xmlns:r="http://schemas.openxmlformats.org/officeDocument/2006/relationships" xmlns:p="http://schemas.openxmlformats.org/presentationml/2006/main">
+  <p:cSld>
+    <p:spTree>
+      <p:nvGrpSpPr>
+        <p:cNvPr id="1" name=""/>
+        <p:cNvGrpSpPr/>
+        <p:nvPr/>
+      </p:nvGrpSpPr>
+      <p:grpSpPr>
+        <a:xfrm>
+          <a:off x="0" y="0"/>
+          <a:ext cx="0" cy="0"/>
+          <a:chOff x="0" y="0"/>
+          <a:chExt cx="0" cy="0"/>
+        </a:xfrm>
+      </p:grpSpPr>
+      <p:sp>
+        <p:nvSpPr>
+          <p:cNvPr id="2" name="Заголовок 1">
+            <a:extLst>
+              <a:ext uri="{FF2B5EF4-FFF2-40B4-BE49-F238E27FC236}">
+                <a16:creationId xmlns:a16="http://schemas.microsoft.com/office/drawing/2014/main" id="{5ED3076E-2E51-49BA-B663-2E6FD28DE68E}"/>
+              </a:ext>
+            </a:extLst>
+          </p:cNvPr>
+          <p:cNvSpPr>
+            <a:spLocks noGrp="1"/>
+          </p:cNvSpPr>
+          <p:nvPr>
+            <p:ph type="title"/>
+          </p:nvPr>
+        </p:nvSpPr>
+        <p:spPr/>
+        <p:txBody>
+          <a:bodyPr/>
+          <a:lstStyle/>
+          <a:p>
+            <a:r>
+              <a:rPr lang="ru-RU" dirty="0"/>
+              <a:t>Часть </a:t>
+            </a:r>
+            <a:r>
+              <a:rPr lang="en-US"/>
+              <a:t>11</a:t>
+            </a:r>
+            <a:endParaRPr lang="en-US" dirty="0"/>
+          </a:p>
+        </p:txBody>
+      </p:sp>
+      <p:sp>
+        <p:nvSpPr>
+          <p:cNvPr id="6" name="Дата 5">
+            <a:extLst>
+              <a:ext uri="{FF2B5EF4-FFF2-40B4-BE49-F238E27FC236}">
+                <a16:creationId xmlns:a16="http://schemas.microsoft.com/office/drawing/2014/main" id="{3D389C93-18E8-4B65-9A0C-57EA5FF1262A}"/>
+              </a:ext>
+            </a:extLst>
+          </p:cNvPr>
+          <p:cNvSpPr>
+            <a:spLocks noGrp="1"/>
+          </p:cNvSpPr>
+          <p:nvPr>
+            <p:ph type="dt" sz="half" idx="10"/>
+          </p:nvPr>
+        </p:nvSpPr>
+        <p:spPr/>
+        <p:txBody>
+          <a:bodyPr/>
+          <a:lstStyle/>
+          <a:p>
+            <a:fld id="{2D4A23AA-1D21-4822-8346-CA7E14AECDD0}" type="datetime1">
+              <a:rPr lang="ru-RU" smtClean="0"/>
+              <a:t>29.06.2019</a:t>
+            </a:fld>
+            <a:endParaRPr lang="en-US"/>
+          </a:p>
+        </p:txBody>
+      </p:sp>
+      <p:sp>
+        <p:nvSpPr>
+          <p:cNvPr id="7" name="Нижний колонтитул 6">
+            <a:extLst>
+              <a:ext uri="{FF2B5EF4-FFF2-40B4-BE49-F238E27FC236}">
+                <a16:creationId xmlns:a16="http://schemas.microsoft.com/office/drawing/2014/main" id="{FD3B82CA-042F-4A44-8CC3-391A074B55D4}"/>
+              </a:ext>
+            </a:extLst>
+          </p:cNvPr>
+          <p:cNvSpPr>
+            <a:spLocks noGrp="1"/>
+          </p:cNvSpPr>
+          <p:nvPr>
+            <p:ph type="ftr" sz="quarter" idx="11"/>
+          </p:nvPr>
+        </p:nvSpPr>
+        <p:spPr/>
+        <p:txBody>
+          <a:bodyPr/>
+          <a:lstStyle/>
+          <a:p>
+            <a:r>
+              <a:rPr lang="en-US"/>
+              <a:t>www.calabonga.net</a:t>
+            </a:r>
+          </a:p>
+        </p:txBody>
+      </p:sp>
+      <p:sp>
+        <p:nvSpPr>
+          <p:cNvPr id="8" name="Номер слайда 7">
+            <a:extLst>
+              <a:ext uri="{FF2B5EF4-FFF2-40B4-BE49-F238E27FC236}">
+                <a16:creationId xmlns:a16="http://schemas.microsoft.com/office/drawing/2014/main" id="{04E38101-A6CD-43DF-A008-79A5BF5D68AE}"/>
+              </a:ext>
+            </a:extLst>
+          </p:cNvPr>
+          <p:cNvSpPr>
+            <a:spLocks noGrp="1"/>
+          </p:cNvSpPr>
+          <p:nvPr>
+            <p:ph type="sldNum" sz="quarter" idx="12"/>
+          </p:nvPr>
+        </p:nvSpPr>
+        <p:spPr/>
+        <p:txBody>
+          <a:bodyPr/>
+          <a:lstStyle/>
+          <a:p>
+            <a:fld id="{356453D0-7C6D-4FAD-A87B-D4E72CD04107}" type="slidenum">
+              <a:rPr lang="en-US" smtClean="0"/>
+              <a:t>25</a:t>
+            </a:fld>
+            <a:endParaRPr lang="en-US"/>
+          </a:p>
+        </p:txBody>
+      </p:sp>
+      <p:sp>
+        <p:nvSpPr>
+          <p:cNvPr id="9" name="Прямоугольник 8">
+            <a:extLst>
+              <a:ext uri="{FF2B5EF4-FFF2-40B4-BE49-F238E27FC236}">
+                <a16:creationId xmlns:a16="http://schemas.microsoft.com/office/drawing/2014/main" id="{63EB9D12-8520-454A-8E82-B593334E4C0B}"/>
+              </a:ext>
+            </a:extLst>
+          </p:cNvPr>
+          <p:cNvSpPr/>
+          <p:nvPr/>
+        </p:nvSpPr>
+        <p:spPr>
+          <a:xfrm>
+            <a:off x="1079769" y="2378413"/>
+            <a:ext cx="1590473" cy="564204"/>
+          </a:xfrm>
+          <a:prstGeom prst="rect">
+            <a:avLst/>
+          </a:prstGeom>
+          <a:solidFill>
+            <a:schemeClr val="accent5">
+              <a:lumMod val="50000"/>
+            </a:schemeClr>
+          </a:solidFill>
+          <a:ln w="0">
+            <a:noFill/>
+          </a:ln>
+        </p:spPr>
+        <p:style>
+          <a:lnRef idx="2">
+            <a:schemeClr val="accent1">
+              <a:shade val="50000"/>
+            </a:schemeClr>
+          </a:lnRef>
+          <a:fillRef idx="1">
+            <a:schemeClr val="accent1"/>
+          </a:fillRef>
+          <a:effectRef idx="0">
+            <a:schemeClr val="accent1"/>
+          </a:effectRef>
+          <a:fontRef idx="minor">
+            <a:schemeClr val="lt1"/>
+          </a:fontRef>
+        </p:style>
+        <p:txBody>
+          <a:bodyPr rtlCol="0" anchor="ctr"/>
+          <a:lstStyle/>
+          <a:p>
+            <a:pPr algn="ctr"/>
+            <a:r>
+              <a:rPr lang="en-US" dirty="0"/>
+              <a:t>Catalog</a:t>
+            </a:r>
+          </a:p>
+        </p:txBody>
+      </p:sp>
+      <p:sp>
+        <p:nvSpPr>
+          <p:cNvPr id="10" name="Прямоугольник 9">
+            <a:extLst>
+              <a:ext uri="{FF2B5EF4-FFF2-40B4-BE49-F238E27FC236}">
+                <a16:creationId xmlns:a16="http://schemas.microsoft.com/office/drawing/2014/main" id="{8FA7B3A5-7FE9-479E-84E8-F4EBD1998FF5}"/>
+              </a:ext>
+            </a:extLst>
+          </p:cNvPr>
+          <p:cNvSpPr/>
+          <p:nvPr/>
+        </p:nvSpPr>
+        <p:spPr>
+          <a:xfrm>
+            <a:off x="2220607" y="3825043"/>
+            <a:ext cx="1590473" cy="564204"/>
+          </a:xfrm>
+          <a:prstGeom prst="rect">
+            <a:avLst/>
+          </a:prstGeom>
+          <a:solidFill>
+            <a:schemeClr val="accent5">
+              <a:lumMod val="50000"/>
+            </a:schemeClr>
+          </a:solidFill>
+          <a:ln w="0">
+            <a:noFill/>
+          </a:ln>
+        </p:spPr>
+        <p:style>
+          <a:lnRef idx="2">
+            <a:schemeClr val="accent1">
+              <a:shade val="50000"/>
+            </a:schemeClr>
+          </a:lnRef>
+          <a:fillRef idx="1">
+            <a:schemeClr val="accent1"/>
+          </a:fillRef>
+          <a:effectRef idx="0">
+            <a:schemeClr val="accent1"/>
+          </a:effectRef>
+          <a:fontRef idx="minor">
+            <a:schemeClr val="lt1"/>
+          </a:fontRef>
+        </p:style>
+        <p:txBody>
+          <a:bodyPr rtlCol="0" anchor="ctr"/>
+          <a:lstStyle/>
+          <a:p>
+            <a:pPr algn="ctr"/>
+            <a:r>
+              <a:rPr lang="en-US" dirty="0"/>
+              <a:t>Product</a:t>
+            </a:r>
+          </a:p>
+        </p:txBody>
+      </p:sp>
+      <p:sp>
+        <p:nvSpPr>
+          <p:cNvPr id="11" name="Прямоугольник 10">
+            <a:extLst>
+              <a:ext uri="{FF2B5EF4-FFF2-40B4-BE49-F238E27FC236}">
+                <a16:creationId xmlns:a16="http://schemas.microsoft.com/office/drawing/2014/main" id="{534C92BC-877C-4439-8190-7E64358CBFC8}"/>
+              </a:ext>
+            </a:extLst>
+          </p:cNvPr>
+          <p:cNvSpPr/>
+          <p:nvPr/>
+        </p:nvSpPr>
+        <p:spPr>
+          <a:xfrm>
+            <a:off x="5031199" y="4267631"/>
+            <a:ext cx="1590473" cy="564204"/>
+          </a:xfrm>
+          <a:prstGeom prst="rect">
+            <a:avLst/>
+          </a:prstGeom>
+          <a:solidFill>
+            <a:schemeClr val="accent5">
+              <a:lumMod val="50000"/>
+            </a:schemeClr>
+          </a:solidFill>
+          <a:ln w="0">
+            <a:noFill/>
+          </a:ln>
+        </p:spPr>
+        <p:style>
+          <a:lnRef idx="2">
+            <a:schemeClr val="accent1">
+              <a:shade val="50000"/>
+            </a:schemeClr>
+          </a:lnRef>
+          <a:fillRef idx="1">
+            <a:schemeClr val="accent1"/>
+          </a:fillRef>
+          <a:effectRef idx="0">
+            <a:schemeClr val="accent1"/>
+          </a:effectRef>
+          <a:fontRef idx="minor">
+            <a:schemeClr val="lt1"/>
+          </a:fontRef>
+        </p:style>
+        <p:txBody>
+          <a:bodyPr rtlCol="0" anchor="ctr"/>
+          <a:lstStyle/>
+          <a:p>
+            <a:pPr algn="ctr"/>
+            <a:r>
+              <a:rPr lang="en-US" dirty="0"/>
+              <a:t>Review</a:t>
+            </a:r>
+          </a:p>
+        </p:txBody>
+      </p:sp>
+      <p:sp>
+        <p:nvSpPr>
+          <p:cNvPr id="12" name="Прямоугольник 11">
+            <a:extLst>
+              <a:ext uri="{FF2B5EF4-FFF2-40B4-BE49-F238E27FC236}">
+                <a16:creationId xmlns:a16="http://schemas.microsoft.com/office/drawing/2014/main" id="{BCC72B9C-1C8E-46E6-878E-01610623EA78}"/>
+              </a:ext>
+            </a:extLst>
+          </p:cNvPr>
+          <p:cNvSpPr/>
+          <p:nvPr/>
+        </p:nvSpPr>
+        <p:spPr>
+          <a:xfrm>
+            <a:off x="5031199" y="2314766"/>
+            <a:ext cx="1590473" cy="564204"/>
+          </a:xfrm>
+          <a:prstGeom prst="rect">
+            <a:avLst/>
+          </a:prstGeom>
+          <a:solidFill>
+            <a:schemeClr val="accent5">
+              <a:lumMod val="50000"/>
+            </a:schemeClr>
+          </a:solidFill>
+          <a:ln w="0">
+            <a:noFill/>
+          </a:ln>
+        </p:spPr>
+        <p:style>
+          <a:lnRef idx="2">
+            <a:schemeClr val="accent1">
+              <a:shade val="50000"/>
+            </a:schemeClr>
+          </a:lnRef>
+          <a:fillRef idx="1">
+            <a:schemeClr val="accent1"/>
+          </a:fillRef>
+          <a:effectRef idx="0">
+            <a:schemeClr val="accent1"/>
+          </a:effectRef>
+          <a:fontRef idx="minor">
+            <a:schemeClr val="lt1"/>
+          </a:fontRef>
+        </p:style>
+        <p:txBody>
+          <a:bodyPr rtlCol="0" anchor="ctr"/>
+          <a:lstStyle/>
+          <a:p>
+            <a:pPr algn="ctr"/>
+            <a:r>
+              <a:rPr lang="en-US" dirty="0"/>
+              <a:t>Tag</a:t>
+            </a:r>
+          </a:p>
+        </p:txBody>
+      </p:sp>
+      <p:cxnSp>
+        <p:nvCxnSpPr>
+          <p:cNvPr id="13" name="Прямая соединительная линия 12">
+            <a:extLst>
+              <a:ext uri="{FF2B5EF4-FFF2-40B4-BE49-F238E27FC236}">
+                <a16:creationId xmlns:a16="http://schemas.microsoft.com/office/drawing/2014/main" id="{F08AE527-7EE3-45A3-B0FC-B50F1E3F051B}"/>
+              </a:ext>
+            </a:extLst>
+          </p:cNvPr>
+          <p:cNvCxnSpPr>
+            <a:cxnSpLocks/>
+            <a:stCxn id="9" idx="2"/>
+          </p:cNvCxnSpPr>
+          <p:nvPr/>
+        </p:nvCxnSpPr>
+        <p:spPr>
+          <a:xfrm>
+            <a:off x="1875006" y="2942617"/>
+            <a:ext cx="0" cy="2698215"/>
+          </a:xfrm>
+          <a:prstGeom prst="line">
+            <a:avLst/>
+          </a:prstGeom>
+        </p:spPr>
+        <p:style>
+          <a:lnRef idx="3">
+            <a:schemeClr val="dk1"/>
+          </a:lnRef>
+          <a:fillRef idx="0">
+            <a:schemeClr val="dk1"/>
+          </a:fillRef>
+          <a:effectRef idx="2">
+            <a:schemeClr val="dk1"/>
+          </a:effectRef>
+          <a:fontRef idx="minor">
+            <a:schemeClr val="tx1"/>
+          </a:fontRef>
+        </p:style>
+      </p:cxnSp>
+      <p:cxnSp>
+        <p:nvCxnSpPr>
+          <p:cNvPr id="14" name="Прямая соединительная линия 13">
+            <a:extLst>
+              <a:ext uri="{FF2B5EF4-FFF2-40B4-BE49-F238E27FC236}">
+                <a16:creationId xmlns:a16="http://schemas.microsoft.com/office/drawing/2014/main" id="{958E737A-92B4-4B11-88A3-169C97C91B37}"/>
+              </a:ext>
+            </a:extLst>
+          </p:cNvPr>
+          <p:cNvCxnSpPr>
+            <a:cxnSpLocks/>
+            <a:stCxn id="10" idx="1"/>
+          </p:cNvCxnSpPr>
+          <p:nvPr/>
+        </p:nvCxnSpPr>
+        <p:spPr>
+          <a:xfrm flipH="1">
+            <a:off x="1875005" y="4107145"/>
+            <a:ext cx="345602" cy="0"/>
+          </a:xfrm>
+          <a:prstGeom prst="line">
+            <a:avLst/>
+          </a:prstGeom>
+        </p:spPr>
+        <p:style>
+          <a:lnRef idx="3">
+            <a:schemeClr val="dk1"/>
+          </a:lnRef>
+          <a:fillRef idx="0">
+            <a:schemeClr val="dk1"/>
+          </a:fillRef>
+          <a:effectRef idx="2">
+            <a:schemeClr val="dk1"/>
+          </a:effectRef>
+          <a:fontRef idx="minor">
+            <a:schemeClr val="tx1"/>
+          </a:fontRef>
+        </p:style>
+      </p:cxnSp>
+      <p:sp>
+        <p:nvSpPr>
+          <p:cNvPr id="15" name="Прямоугольник 14">
+            <a:extLst>
+              <a:ext uri="{FF2B5EF4-FFF2-40B4-BE49-F238E27FC236}">
+                <a16:creationId xmlns:a16="http://schemas.microsoft.com/office/drawing/2014/main" id="{49F6563A-1BDD-4CCC-9862-6895A3FB7041}"/>
+              </a:ext>
+            </a:extLst>
+          </p:cNvPr>
+          <p:cNvSpPr/>
+          <p:nvPr/>
+        </p:nvSpPr>
+        <p:spPr>
+          <a:xfrm>
+            <a:off x="2220607" y="4589228"/>
+            <a:ext cx="1590473" cy="564204"/>
+          </a:xfrm>
+          <a:prstGeom prst="rect">
+            <a:avLst/>
+          </a:prstGeom>
+          <a:solidFill>
+            <a:schemeClr val="accent5">
+              <a:lumMod val="50000"/>
+            </a:schemeClr>
+          </a:solidFill>
+          <a:ln w="0">
+            <a:noFill/>
+          </a:ln>
+        </p:spPr>
+        <p:style>
+          <a:lnRef idx="2">
+            <a:schemeClr val="accent1">
+              <a:shade val="50000"/>
+            </a:schemeClr>
+          </a:lnRef>
+          <a:fillRef idx="1">
+            <a:schemeClr val="accent1"/>
+          </a:fillRef>
+          <a:effectRef idx="0">
+            <a:schemeClr val="accent1"/>
+          </a:effectRef>
+          <a:fontRef idx="minor">
+            <a:schemeClr val="lt1"/>
+          </a:fontRef>
+        </p:style>
+        <p:txBody>
+          <a:bodyPr rtlCol="0" anchor="ctr"/>
+          <a:lstStyle/>
+          <a:p>
+            <a:pPr algn="ctr"/>
+            <a:r>
+              <a:rPr lang="en-US" dirty="0"/>
+              <a:t>Product</a:t>
+            </a:r>
+          </a:p>
+        </p:txBody>
+      </p:sp>
+      <p:cxnSp>
+        <p:nvCxnSpPr>
+          <p:cNvPr id="16" name="Прямая соединительная линия 15">
+            <a:extLst>
+              <a:ext uri="{FF2B5EF4-FFF2-40B4-BE49-F238E27FC236}">
+                <a16:creationId xmlns:a16="http://schemas.microsoft.com/office/drawing/2014/main" id="{E8E4BFFB-5364-4486-80A9-A34CF6CBAD2C}"/>
+              </a:ext>
+            </a:extLst>
+          </p:cNvPr>
+          <p:cNvCxnSpPr>
+            <a:cxnSpLocks/>
+            <a:stCxn id="15" idx="1"/>
+          </p:cNvCxnSpPr>
+          <p:nvPr/>
+        </p:nvCxnSpPr>
+        <p:spPr>
+          <a:xfrm flipH="1">
+            <a:off x="1875005" y="4871330"/>
+            <a:ext cx="345602" cy="0"/>
+          </a:xfrm>
+          <a:prstGeom prst="line">
+            <a:avLst/>
+          </a:prstGeom>
+        </p:spPr>
+        <p:style>
+          <a:lnRef idx="3">
+            <a:schemeClr val="dk1"/>
+          </a:lnRef>
+          <a:fillRef idx="0">
+            <a:schemeClr val="dk1"/>
+          </a:fillRef>
+          <a:effectRef idx="2">
+            <a:schemeClr val="dk1"/>
+          </a:effectRef>
+          <a:fontRef idx="minor">
+            <a:schemeClr val="tx1"/>
+          </a:fontRef>
+        </p:style>
+      </p:cxnSp>
+      <p:sp>
+        <p:nvSpPr>
+          <p:cNvPr id="17" name="Прямоугольник 16">
+            <a:extLst>
+              <a:ext uri="{FF2B5EF4-FFF2-40B4-BE49-F238E27FC236}">
+                <a16:creationId xmlns:a16="http://schemas.microsoft.com/office/drawing/2014/main" id="{660D9588-1F69-4B21-BBB6-E0C324E9ABC2}"/>
+              </a:ext>
+            </a:extLst>
+          </p:cNvPr>
+          <p:cNvSpPr/>
+          <p:nvPr/>
+        </p:nvSpPr>
+        <p:spPr>
+          <a:xfrm>
+            <a:off x="2220607" y="5353414"/>
+            <a:ext cx="1590473" cy="564204"/>
+          </a:xfrm>
+          <a:prstGeom prst="rect">
+            <a:avLst/>
+          </a:prstGeom>
+          <a:solidFill>
+            <a:schemeClr val="accent5">
+              <a:lumMod val="50000"/>
+            </a:schemeClr>
+          </a:solidFill>
+          <a:ln w="0">
+            <a:noFill/>
+          </a:ln>
+        </p:spPr>
+        <p:style>
+          <a:lnRef idx="2">
+            <a:schemeClr val="accent1">
+              <a:shade val="50000"/>
+            </a:schemeClr>
+          </a:lnRef>
+          <a:fillRef idx="1">
+            <a:schemeClr val="accent1"/>
+          </a:fillRef>
+          <a:effectRef idx="0">
+            <a:schemeClr val="accent1"/>
+          </a:effectRef>
+          <a:fontRef idx="minor">
+            <a:schemeClr val="lt1"/>
+          </a:fontRef>
+        </p:style>
+        <p:txBody>
+          <a:bodyPr rtlCol="0" anchor="ctr"/>
+          <a:lstStyle/>
+          <a:p>
+            <a:pPr algn="ctr"/>
+            <a:r>
+              <a:rPr lang="en-US" dirty="0"/>
+              <a:t>Product</a:t>
+            </a:r>
+          </a:p>
+        </p:txBody>
+      </p:sp>
+      <p:cxnSp>
+        <p:nvCxnSpPr>
+          <p:cNvPr id="18" name="Прямая соединительная линия 17">
+            <a:extLst>
+              <a:ext uri="{FF2B5EF4-FFF2-40B4-BE49-F238E27FC236}">
+                <a16:creationId xmlns:a16="http://schemas.microsoft.com/office/drawing/2014/main" id="{3486930B-C321-4197-9EF5-B606E2AC2983}"/>
+              </a:ext>
+            </a:extLst>
+          </p:cNvPr>
+          <p:cNvCxnSpPr>
+            <a:cxnSpLocks/>
+            <a:stCxn id="17" idx="1"/>
+          </p:cNvCxnSpPr>
+          <p:nvPr/>
+        </p:nvCxnSpPr>
+        <p:spPr>
+          <a:xfrm flipH="1">
+            <a:off x="1875005" y="5635516"/>
+            <a:ext cx="345602" cy="0"/>
+          </a:xfrm>
+          <a:prstGeom prst="line">
+            <a:avLst/>
+          </a:prstGeom>
+        </p:spPr>
+        <p:style>
+          <a:lnRef idx="3">
+            <a:schemeClr val="dk1"/>
+          </a:lnRef>
+          <a:fillRef idx="0">
+            <a:schemeClr val="dk1"/>
+          </a:fillRef>
+          <a:effectRef idx="2">
+            <a:schemeClr val="dk1"/>
+          </a:effectRef>
+          <a:fontRef idx="minor">
+            <a:schemeClr val="tx1"/>
+          </a:fontRef>
+        </p:style>
+      </p:cxnSp>
+      <p:sp>
+        <p:nvSpPr>
+          <p:cNvPr id="19" name="Прямоугольник 18">
+            <a:extLst>
+              <a:ext uri="{FF2B5EF4-FFF2-40B4-BE49-F238E27FC236}">
+                <a16:creationId xmlns:a16="http://schemas.microsoft.com/office/drawing/2014/main" id="{7C065165-87C3-4D91-BFE4-C4B98BCC9B78}"/>
+              </a:ext>
+            </a:extLst>
+          </p:cNvPr>
+          <p:cNvSpPr/>
+          <p:nvPr/>
+        </p:nvSpPr>
+        <p:spPr>
+          <a:xfrm>
+            <a:off x="2220607" y="3069496"/>
+            <a:ext cx="1590473" cy="564204"/>
+          </a:xfrm>
+          <a:prstGeom prst="rect">
+            <a:avLst/>
+          </a:prstGeom>
+          <a:solidFill>
+            <a:schemeClr val="accent5">
+              <a:lumMod val="50000"/>
+            </a:schemeClr>
+          </a:solidFill>
+          <a:ln w="0">
+            <a:noFill/>
+          </a:ln>
+        </p:spPr>
+        <p:style>
+          <a:lnRef idx="2">
+            <a:schemeClr val="accent1">
+              <a:shade val="50000"/>
+            </a:schemeClr>
+          </a:lnRef>
+          <a:fillRef idx="1">
+            <a:schemeClr val="accent1"/>
+          </a:fillRef>
+          <a:effectRef idx="0">
+            <a:schemeClr val="accent1"/>
+          </a:effectRef>
+          <a:fontRef idx="minor">
+            <a:schemeClr val="lt1"/>
+          </a:fontRef>
+        </p:style>
+        <p:txBody>
+          <a:bodyPr rtlCol="0" anchor="ctr"/>
+          <a:lstStyle/>
+          <a:p>
+            <a:pPr algn="ctr"/>
+            <a:r>
+              <a:rPr lang="en-US" dirty="0"/>
+              <a:t>Product</a:t>
+            </a:r>
+          </a:p>
+        </p:txBody>
+      </p:sp>
+      <p:cxnSp>
+        <p:nvCxnSpPr>
+          <p:cNvPr id="20" name="Прямая соединительная линия 19">
+            <a:extLst>
+              <a:ext uri="{FF2B5EF4-FFF2-40B4-BE49-F238E27FC236}">
+                <a16:creationId xmlns:a16="http://schemas.microsoft.com/office/drawing/2014/main" id="{3DF52A21-93E8-4887-B9A7-1B3BC2C71741}"/>
+              </a:ext>
+            </a:extLst>
+          </p:cNvPr>
+          <p:cNvCxnSpPr>
+            <a:cxnSpLocks/>
+            <a:stCxn id="19" idx="1"/>
+          </p:cNvCxnSpPr>
+          <p:nvPr/>
+        </p:nvCxnSpPr>
+        <p:spPr>
+          <a:xfrm flipH="1">
+            <a:off x="1875005" y="3351598"/>
+            <a:ext cx="345602" cy="0"/>
+          </a:xfrm>
+          <a:prstGeom prst="line">
+            <a:avLst/>
+          </a:prstGeom>
+        </p:spPr>
+        <p:style>
+          <a:lnRef idx="3">
+            <a:schemeClr val="dk1"/>
+          </a:lnRef>
+          <a:fillRef idx="0">
+            <a:schemeClr val="dk1"/>
+          </a:fillRef>
+          <a:effectRef idx="2">
+            <a:schemeClr val="dk1"/>
+          </a:effectRef>
+          <a:fontRef idx="minor">
+            <a:schemeClr val="tx1"/>
+          </a:fontRef>
+        </p:style>
+      </p:cxnSp>
+      <p:cxnSp>
+        <p:nvCxnSpPr>
+          <p:cNvPr id="21" name="Прямая соединительная линия 20">
+            <a:extLst>
+              <a:ext uri="{FF2B5EF4-FFF2-40B4-BE49-F238E27FC236}">
+                <a16:creationId xmlns:a16="http://schemas.microsoft.com/office/drawing/2014/main" id="{2CB408C1-3757-42E9-A017-07FF750FF07B}"/>
+              </a:ext>
+            </a:extLst>
+          </p:cNvPr>
+          <p:cNvCxnSpPr>
+            <a:cxnSpLocks/>
+          </p:cNvCxnSpPr>
+          <p:nvPr/>
+        </p:nvCxnSpPr>
+        <p:spPr>
+          <a:xfrm>
+            <a:off x="4424711" y="2596868"/>
+            <a:ext cx="0" cy="1251008"/>
+          </a:xfrm>
+          <a:prstGeom prst="line">
+            <a:avLst/>
+          </a:prstGeom>
+        </p:spPr>
+        <p:style>
+          <a:lnRef idx="3">
+            <a:schemeClr val="dk1"/>
+          </a:lnRef>
+          <a:fillRef idx="0">
+            <a:schemeClr val="dk1"/>
+          </a:fillRef>
+          <a:effectRef idx="2">
+            <a:schemeClr val="dk1"/>
+          </a:effectRef>
+          <a:fontRef idx="minor">
+            <a:schemeClr val="tx1"/>
+          </a:fontRef>
+        </p:style>
+      </p:cxnSp>
+      <p:cxnSp>
+        <p:nvCxnSpPr>
+          <p:cNvPr id="22" name="Прямая соединительная линия 21">
+            <a:extLst>
+              <a:ext uri="{FF2B5EF4-FFF2-40B4-BE49-F238E27FC236}">
+                <a16:creationId xmlns:a16="http://schemas.microsoft.com/office/drawing/2014/main" id="{FC3CBAEE-C1A8-4B6E-8037-E596FC64ADD0}"/>
+              </a:ext>
+            </a:extLst>
+          </p:cNvPr>
+          <p:cNvCxnSpPr>
+            <a:cxnSpLocks/>
+          </p:cNvCxnSpPr>
+          <p:nvPr/>
+        </p:nvCxnSpPr>
+        <p:spPr>
+          <a:xfrm flipH="1">
+            <a:off x="3811080" y="3352428"/>
+            <a:ext cx="606488" cy="0"/>
+          </a:xfrm>
+          <a:prstGeom prst="line">
+            <a:avLst/>
+          </a:prstGeom>
+        </p:spPr>
+        <p:style>
+          <a:lnRef idx="3">
+            <a:schemeClr val="dk1"/>
+          </a:lnRef>
+          <a:fillRef idx="0">
+            <a:schemeClr val="dk1"/>
+          </a:fillRef>
+          <a:effectRef idx="2">
+            <a:schemeClr val="dk1"/>
+          </a:effectRef>
+          <a:fontRef idx="minor">
+            <a:schemeClr val="tx1"/>
+          </a:fontRef>
+        </p:style>
+      </p:cxnSp>
+      <p:cxnSp>
+        <p:nvCxnSpPr>
+          <p:cNvPr id="23" name="Прямая соединительная линия 22">
+            <a:extLst>
+              <a:ext uri="{FF2B5EF4-FFF2-40B4-BE49-F238E27FC236}">
+                <a16:creationId xmlns:a16="http://schemas.microsoft.com/office/drawing/2014/main" id="{5C8854CE-FB6B-482D-88E5-A8D1C5DF856D}"/>
+              </a:ext>
+            </a:extLst>
+          </p:cNvPr>
+          <p:cNvCxnSpPr>
+            <a:cxnSpLocks/>
+            <a:stCxn id="12" idx="1"/>
+          </p:cNvCxnSpPr>
+          <p:nvPr/>
+        </p:nvCxnSpPr>
+        <p:spPr>
+          <a:xfrm flipH="1">
+            <a:off x="4415187" y="2596868"/>
+            <a:ext cx="616012" cy="0"/>
+          </a:xfrm>
+          <a:prstGeom prst="line">
+            <a:avLst/>
+          </a:prstGeom>
+        </p:spPr>
+        <p:style>
+          <a:lnRef idx="3">
+            <a:schemeClr val="dk1"/>
+          </a:lnRef>
+          <a:fillRef idx="0">
+            <a:schemeClr val="dk1"/>
+          </a:fillRef>
+          <a:effectRef idx="2">
+            <a:schemeClr val="dk1"/>
+          </a:effectRef>
+          <a:fontRef idx="minor">
+            <a:schemeClr val="tx1"/>
+          </a:fontRef>
+        </p:style>
+      </p:cxnSp>
+      <p:sp>
+        <p:nvSpPr>
+          <p:cNvPr id="24" name="Прямоугольник 23">
+            <a:extLst>
+              <a:ext uri="{FF2B5EF4-FFF2-40B4-BE49-F238E27FC236}">
+                <a16:creationId xmlns:a16="http://schemas.microsoft.com/office/drawing/2014/main" id="{F3B31888-8551-4CCF-9F1C-C2084C77BE72}"/>
+              </a:ext>
+            </a:extLst>
+          </p:cNvPr>
+          <p:cNvSpPr/>
+          <p:nvPr/>
+        </p:nvSpPr>
+        <p:spPr>
+          <a:xfrm>
+            <a:off x="5034771" y="2940270"/>
+            <a:ext cx="1590473" cy="564204"/>
+          </a:xfrm>
+          <a:prstGeom prst="rect">
+            <a:avLst/>
+          </a:prstGeom>
+          <a:solidFill>
+            <a:schemeClr val="accent5">
+              <a:lumMod val="50000"/>
+            </a:schemeClr>
+          </a:solidFill>
+          <a:ln w="0">
+            <a:noFill/>
+          </a:ln>
+        </p:spPr>
+        <p:style>
+          <a:lnRef idx="2">
+            <a:schemeClr val="accent1">
+              <a:shade val="50000"/>
+            </a:schemeClr>
+          </a:lnRef>
+          <a:fillRef idx="1">
+            <a:schemeClr val="accent1"/>
+          </a:fillRef>
+          <a:effectRef idx="0">
+            <a:schemeClr val="accent1"/>
+          </a:effectRef>
+          <a:fontRef idx="minor">
+            <a:schemeClr val="lt1"/>
+          </a:fontRef>
+        </p:style>
+        <p:txBody>
+          <a:bodyPr rtlCol="0" anchor="ctr"/>
+          <a:lstStyle/>
+          <a:p>
+            <a:pPr algn="ctr"/>
+            <a:r>
+              <a:rPr lang="en-US" dirty="0"/>
+              <a:t>Tag</a:t>
+            </a:r>
+          </a:p>
+        </p:txBody>
+      </p:sp>
+      <p:cxnSp>
+        <p:nvCxnSpPr>
+          <p:cNvPr id="25" name="Прямая соединительная линия 24">
+            <a:extLst>
+              <a:ext uri="{FF2B5EF4-FFF2-40B4-BE49-F238E27FC236}">
+                <a16:creationId xmlns:a16="http://schemas.microsoft.com/office/drawing/2014/main" id="{38D2D4E1-ECF0-4013-8014-84ABA6BA9E4D}"/>
+              </a:ext>
+            </a:extLst>
+          </p:cNvPr>
+          <p:cNvCxnSpPr>
+            <a:cxnSpLocks/>
+            <a:stCxn id="24" idx="1"/>
+          </p:cNvCxnSpPr>
+          <p:nvPr/>
+        </p:nvCxnSpPr>
+        <p:spPr>
+          <a:xfrm flipH="1">
+            <a:off x="4418759" y="3222372"/>
+            <a:ext cx="616012" cy="0"/>
+          </a:xfrm>
+          <a:prstGeom prst="line">
+            <a:avLst/>
+          </a:prstGeom>
+        </p:spPr>
+        <p:style>
+          <a:lnRef idx="3">
+            <a:schemeClr val="dk1"/>
+          </a:lnRef>
+          <a:fillRef idx="0">
+            <a:schemeClr val="dk1"/>
+          </a:fillRef>
+          <a:effectRef idx="2">
+            <a:schemeClr val="dk1"/>
+          </a:effectRef>
+          <a:fontRef idx="minor">
+            <a:schemeClr val="tx1"/>
+          </a:fontRef>
+        </p:style>
+      </p:cxnSp>
+      <p:sp>
+        <p:nvSpPr>
+          <p:cNvPr id="26" name="Прямоугольник 25">
+            <a:extLst>
+              <a:ext uri="{FF2B5EF4-FFF2-40B4-BE49-F238E27FC236}">
+                <a16:creationId xmlns:a16="http://schemas.microsoft.com/office/drawing/2014/main" id="{18F2749A-7DD5-40F3-8243-FBAC4C2D6542}"/>
+              </a:ext>
+            </a:extLst>
+          </p:cNvPr>
+          <p:cNvSpPr/>
+          <p:nvPr/>
+        </p:nvSpPr>
+        <p:spPr>
+          <a:xfrm>
+            <a:off x="5038343" y="3565774"/>
+            <a:ext cx="1590473" cy="564204"/>
+          </a:xfrm>
+          <a:prstGeom prst="rect">
+            <a:avLst/>
+          </a:prstGeom>
+          <a:solidFill>
+            <a:schemeClr val="accent5">
+              <a:lumMod val="50000"/>
+            </a:schemeClr>
+          </a:solidFill>
+          <a:ln w="0">
+            <a:noFill/>
+          </a:ln>
+        </p:spPr>
+        <p:style>
+          <a:lnRef idx="2">
+            <a:schemeClr val="accent1">
+              <a:shade val="50000"/>
+            </a:schemeClr>
+          </a:lnRef>
+          <a:fillRef idx="1">
+            <a:schemeClr val="accent1"/>
+          </a:fillRef>
+          <a:effectRef idx="0">
+            <a:schemeClr val="accent1"/>
+          </a:effectRef>
+          <a:fontRef idx="minor">
+            <a:schemeClr val="lt1"/>
+          </a:fontRef>
+        </p:style>
+        <p:txBody>
+          <a:bodyPr rtlCol="0" anchor="ctr"/>
+          <a:lstStyle/>
+          <a:p>
+            <a:pPr algn="ctr"/>
+            <a:r>
+              <a:rPr lang="en-US" dirty="0"/>
+              <a:t>Tag</a:t>
+            </a:r>
+          </a:p>
+        </p:txBody>
+      </p:sp>
+      <p:cxnSp>
+        <p:nvCxnSpPr>
+          <p:cNvPr id="27" name="Прямая соединительная линия 26">
+            <a:extLst>
+              <a:ext uri="{FF2B5EF4-FFF2-40B4-BE49-F238E27FC236}">
+                <a16:creationId xmlns:a16="http://schemas.microsoft.com/office/drawing/2014/main" id="{799B2867-0F61-43AF-B4A0-058FEC477662}"/>
+              </a:ext>
+            </a:extLst>
+          </p:cNvPr>
+          <p:cNvCxnSpPr>
+            <a:cxnSpLocks/>
+            <a:stCxn id="26" idx="1"/>
+          </p:cNvCxnSpPr>
+          <p:nvPr/>
+        </p:nvCxnSpPr>
+        <p:spPr>
+          <a:xfrm flipH="1">
+            <a:off x="4422331" y="3847876"/>
+            <a:ext cx="616012" cy="0"/>
+          </a:xfrm>
+          <a:prstGeom prst="line">
+            <a:avLst/>
+          </a:prstGeom>
+        </p:spPr>
+        <p:style>
+          <a:lnRef idx="3">
+            <a:schemeClr val="dk1"/>
+          </a:lnRef>
+          <a:fillRef idx="0">
+            <a:schemeClr val="dk1"/>
+          </a:fillRef>
+          <a:effectRef idx="2">
+            <a:schemeClr val="dk1"/>
+          </a:effectRef>
+          <a:fontRef idx="minor">
+            <a:schemeClr val="tx1"/>
+          </a:fontRef>
+        </p:style>
+      </p:cxnSp>
+      <p:cxnSp>
+        <p:nvCxnSpPr>
+          <p:cNvPr id="28" name="Прямая соединительная линия 27">
+            <a:extLst>
+              <a:ext uri="{FF2B5EF4-FFF2-40B4-BE49-F238E27FC236}">
+                <a16:creationId xmlns:a16="http://schemas.microsoft.com/office/drawing/2014/main" id="{408B45F5-CC2F-4E49-AC9F-CE1A64191B0E}"/>
+              </a:ext>
+            </a:extLst>
+          </p:cNvPr>
+          <p:cNvCxnSpPr>
+            <a:cxnSpLocks/>
+          </p:cNvCxnSpPr>
+          <p:nvPr/>
+        </p:nvCxnSpPr>
+        <p:spPr>
+          <a:xfrm>
+            <a:off x="4417568" y="4529492"/>
+            <a:ext cx="0" cy="1251008"/>
+          </a:xfrm>
+          <a:prstGeom prst="line">
+            <a:avLst/>
+          </a:prstGeom>
+        </p:spPr>
+        <p:style>
+          <a:lnRef idx="3">
+            <a:schemeClr val="dk1"/>
+          </a:lnRef>
+          <a:fillRef idx="0">
+            <a:schemeClr val="dk1"/>
+          </a:fillRef>
+          <a:effectRef idx="2">
+            <a:schemeClr val="dk1"/>
+          </a:effectRef>
+          <a:fontRef idx="minor">
+            <a:schemeClr val="tx1"/>
+          </a:fontRef>
+        </p:style>
+      </p:cxnSp>
+      <p:cxnSp>
+        <p:nvCxnSpPr>
+          <p:cNvPr id="29" name="Прямая соединительная линия 28">
+            <a:extLst>
+              <a:ext uri="{FF2B5EF4-FFF2-40B4-BE49-F238E27FC236}">
+                <a16:creationId xmlns:a16="http://schemas.microsoft.com/office/drawing/2014/main" id="{BAE770ED-EE4B-4A73-B6ED-1DC11A650E50}"/>
+              </a:ext>
+            </a:extLst>
+          </p:cNvPr>
+          <p:cNvCxnSpPr>
+            <a:cxnSpLocks/>
+          </p:cNvCxnSpPr>
+          <p:nvPr/>
+        </p:nvCxnSpPr>
+        <p:spPr>
+          <a:xfrm flipH="1">
+            <a:off x="3811080" y="5029863"/>
+            <a:ext cx="606488" cy="0"/>
+          </a:xfrm>
+          <a:prstGeom prst="line">
+            <a:avLst/>
+          </a:prstGeom>
+        </p:spPr>
+        <p:style>
+          <a:lnRef idx="3">
+            <a:schemeClr val="dk1"/>
+          </a:lnRef>
+          <a:fillRef idx="0">
+            <a:schemeClr val="dk1"/>
+          </a:fillRef>
+          <a:effectRef idx="2">
+            <a:schemeClr val="dk1"/>
+          </a:effectRef>
+          <a:fontRef idx="minor">
+            <a:schemeClr val="tx1"/>
+          </a:fontRef>
+        </p:style>
+      </p:cxnSp>
+      <p:cxnSp>
+        <p:nvCxnSpPr>
+          <p:cNvPr id="30" name="Прямая соединительная линия 29">
+            <a:extLst>
+              <a:ext uri="{FF2B5EF4-FFF2-40B4-BE49-F238E27FC236}">
+                <a16:creationId xmlns:a16="http://schemas.microsoft.com/office/drawing/2014/main" id="{111B1895-3423-4C02-A3EB-78233DDC8B88}"/>
+              </a:ext>
+            </a:extLst>
+          </p:cNvPr>
+          <p:cNvCxnSpPr>
+            <a:cxnSpLocks/>
+          </p:cNvCxnSpPr>
+          <p:nvPr/>
+        </p:nvCxnSpPr>
+        <p:spPr>
+          <a:xfrm flipH="1">
+            <a:off x="4408044" y="4529492"/>
+            <a:ext cx="616012" cy="0"/>
+          </a:xfrm>
+          <a:prstGeom prst="line">
+            <a:avLst/>
+          </a:prstGeom>
+        </p:spPr>
+        <p:style>
+          <a:lnRef idx="3">
+            <a:schemeClr val="dk1"/>
+          </a:lnRef>
+          <a:fillRef idx="0">
+            <a:schemeClr val="dk1"/>
+          </a:fillRef>
+          <a:effectRef idx="2">
+            <a:schemeClr val="dk1"/>
+          </a:effectRef>
+          <a:fontRef idx="minor">
+            <a:schemeClr val="tx1"/>
+          </a:fontRef>
+        </p:style>
+      </p:cxnSp>
+      <p:cxnSp>
+        <p:nvCxnSpPr>
+          <p:cNvPr id="31" name="Прямая соединительная линия 30">
+            <a:extLst>
+              <a:ext uri="{FF2B5EF4-FFF2-40B4-BE49-F238E27FC236}">
+                <a16:creationId xmlns:a16="http://schemas.microsoft.com/office/drawing/2014/main" id="{0A7F6B57-2F6F-44E8-B0AA-B653D0B02122}"/>
+              </a:ext>
+            </a:extLst>
+          </p:cNvPr>
+          <p:cNvCxnSpPr>
+            <a:cxnSpLocks/>
+          </p:cNvCxnSpPr>
+          <p:nvPr/>
+        </p:nvCxnSpPr>
+        <p:spPr>
+          <a:xfrm flipH="1">
+            <a:off x="4411616" y="5154996"/>
+            <a:ext cx="616012" cy="0"/>
+          </a:xfrm>
+          <a:prstGeom prst="line">
+            <a:avLst/>
+          </a:prstGeom>
+        </p:spPr>
+        <p:style>
+          <a:lnRef idx="3">
+            <a:schemeClr val="dk1"/>
+          </a:lnRef>
+          <a:fillRef idx="0">
+            <a:schemeClr val="dk1"/>
+          </a:fillRef>
+          <a:effectRef idx="2">
+            <a:schemeClr val="dk1"/>
+          </a:effectRef>
+          <a:fontRef idx="minor">
+            <a:schemeClr val="tx1"/>
+          </a:fontRef>
+        </p:style>
+      </p:cxnSp>
+      <p:cxnSp>
+        <p:nvCxnSpPr>
+          <p:cNvPr id="32" name="Прямая соединительная линия 31">
+            <a:extLst>
+              <a:ext uri="{FF2B5EF4-FFF2-40B4-BE49-F238E27FC236}">
+                <a16:creationId xmlns:a16="http://schemas.microsoft.com/office/drawing/2014/main" id="{F638C8B1-9DF6-4326-8305-45C4D10A640D}"/>
+              </a:ext>
+            </a:extLst>
+          </p:cNvPr>
+          <p:cNvCxnSpPr>
+            <a:cxnSpLocks/>
+          </p:cNvCxnSpPr>
+          <p:nvPr/>
+        </p:nvCxnSpPr>
+        <p:spPr>
+          <a:xfrm flipH="1">
+            <a:off x="4415188" y="5780500"/>
+            <a:ext cx="616012" cy="0"/>
+          </a:xfrm>
+          <a:prstGeom prst="line">
+            <a:avLst/>
+          </a:prstGeom>
+        </p:spPr>
+        <p:style>
+          <a:lnRef idx="3">
+            <a:schemeClr val="dk1"/>
+          </a:lnRef>
+          <a:fillRef idx="0">
+            <a:schemeClr val="dk1"/>
+          </a:fillRef>
+          <a:effectRef idx="2">
+            <a:schemeClr val="dk1"/>
+          </a:effectRef>
+          <a:fontRef idx="minor">
+            <a:schemeClr val="tx1"/>
+          </a:fontRef>
+        </p:style>
+      </p:cxnSp>
+      <p:sp>
+        <p:nvSpPr>
+          <p:cNvPr id="33" name="Прямоугольник 32">
+            <a:extLst>
+              <a:ext uri="{FF2B5EF4-FFF2-40B4-BE49-F238E27FC236}">
+                <a16:creationId xmlns:a16="http://schemas.microsoft.com/office/drawing/2014/main" id="{55C4B14B-C3F2-433C-9F0D-98FE810329F1}"/>
+              </a:ext>
+            </a:extLst>
+          </p:cNvPr>
+          <p:cNvSpPr/>
+          <p:nvPr/>
+        </p:nvSpPr>
+        <p:spPr>
+          <a:xfrm>
+            <a:off x="5027628" y="4885116"/>
+            <a:ext cx="1590473" cy="564204"/>
+          </a:xfrm>
+          <a:prstGeom prst="rect">
+            <a:avLst/>
+          </a:prstGeom>
+          <a:solidFill>
+            <a:schemeClr val="accent5">
+              <a:lumMod val="50000"/>
+            </a:schemeClr>
+          </a:solidFill>
+          <a:ln w="0">
+            <a:noFill/>
+          </a:ln>
+        </p:spPr>
+        <p:style>
+          <a:lnRef idx="2">
+            <a:schemeClr val="accent1">
+              <a:shade val="50000"/>
+            </a:schemeClr>
+          </a:lnRef>
+          <a:fillRef idx="1">
+            <a:schemeClr val="accent1"/>
+          </a:fillRef>
+          <a:effectRef idx="0">
+            <a:schemeClr val="accent1"/>
+          </a:effectRef>
+          <a:fontRef idx="minor">
+            <a:schemeClr val="lt1"/>
+          </a:fontRef>
+        </p:style>
+        <p:txBody>
+          <a:bodyPr rtlCol="0" anchor="ctr"/>
+          <a:lstStyle/>
+          <a:p>
+            <a:pPr algn="ctr"/>
+            <a:r>
+              <a:rPr lang="en-US" dirty="0"/>
+              <a:t>Review</a:t>
+            </a:r>
+          </a:p>
+        </p:txBody>
+      </p:sp>
+      <p:sp>
+        <p:nvSpPr>
+          <p:cNvPr id="34" name="Прямоугольник 33">
+            <a:extLst>
+              <a:ext uri="{FF2B5EF4-FFF2-40B4-BE49-F238E27FC236}">
+                <a16:creationId xmlns:a16="http://schemas.microsoft.com/office/drawing/2014/main" id="{539E78BE-F905-43E1-B6E3-D6624C2A08B4}"/>
+              </a:ext>
+            </a:extLst>
+          </p:cNvPr>
+          <p:cNvSpPr/>
+          <p:nvPr/>
+        </p:nvSpPr>
+        <p:spPr>
+          <a:xfrm>
+            <a:off x="5024057" y="5502601"/>
+            <a:ext cx="1590473" cy="564204"/>
+          </a:xfrm>
+          <a:prstGeom prst="rect">
+            <a:avLst/>
+          </a:prstGeom>
+          <a:solidFill>
+            <a:schemeClr val="accent5">
+              <a:lumMod val="50000"/>
+            </a:schemeClr>
+          </a:solidFill>
+          <a:ln w="0">
+            <a:noFill/>
+          </a:ln>
+        </p:spPr>
+        <p:style>
+          <a:lnRef idx="2">
+            <a:schemeClr val="accent1">
+              <a:shade val="50000"/>
+            </a:schemeClr>
+          </a:lnRef>
+          <a:fillRef idx="1">
+            <a:schemeClr val="accent1"/>
+          </a:fillRef>
+          <a:effectRef idx="0">
+            <a:schemeClr val="accent1"/>
+          </a:effectRef>
+          <a:fontRef idx="minor">
+            <a:schemeClr val="lt1"/>
+          </a:fontRef>
+        </p:style>
+        <p:txBody>
+          <a:bodyPr rtlCol="0" anchor="ctr"/>
+          <a:lstStyle/>
+          <a:p>
+            <a:pPr algn="ctr"/>
+            <a:r>
+              <a:rPr lang="en-US" dirty="0"/>
+              <a:t>Review</a:t>
+            </a:r>
+          </a:p>
+        </p:txBody>
+      </p:sp>
+      <p:sp>
+        <p:nvSpPr>
+          <p:cNvPr id="35" name="Прямоугольник 34">
+            <a:extLst>
+              <a:ext uri="{FF2B5EF4-FFF2-40B4-BE49-F238E27FC236}">
+                <a16:creationId xmlns:a16="http://schemas.microsoft.com/office/drawing/2014/main" id="{3120C351-36AF-4851-873F-EA73A5CA8725}"/>
+              </a:ext>
+            </a:extLst>
+          </p:cNvPr>
+          <p:cNvSpPr/>
+          <p:nvPr/>
+        </p:nvSpPr>
+        <p:spPr>
+          <a:xfrm>
+            <a:off x="7580903" y="2378413"/>
+            <a:ext cx="2153370" cy="564204"/>
+          </a:xfrm>
+          <a:prstGeom prst="rect">
+            <a:avLst/>
+          </a:prstGeom>
+          <a:solidFill>
+            <a:schemeClr val="accent5">
+              <a:lumMod val="50000"/>
+            </a:schemeClr>
+          </a:solidFill>
+          <a:ln w="0">
+            <a:noFill/>
+          </a:ln>
+        </p:spPr>
+        <p:style>
+          <a:lnRef idx="2">
+            <a:schemeClr val="accent1">
+              <a:shade val="50000"/>
+            </a:schemeClr>
+          </a:lnRef>
+          <a:fillRef idx="1">
+            <a:schemeClr val="accent1"/>
+          </a:fillRef>
+          <a:effectRef idx="0">
+            <a:schemeClr val="accent1"/>
+          </a:effectRef>
+          <a:fontRef idx="minor">
+            <a:schemeClr val="lt1"/>
+          </a:fontRef>
+        </p:style>
+        <p:txBody>
+          <a:bodyPr rtlCol="0" anchor="ctr"/>
+          <a:lstStyle/>
+          <a:p>
+            <a:pPr algn="ctr"/>
+            <a:r>
+              <a:rPr lang="en-US" dirty="0"/>
+              <a:t>ApplicationUser</a:t>
+            </a:r>
+          </a:p>
+        </p:txBody>
+      </p:sp>
+      <p:sp>
+        <p:nvSpPr>
+          <p:cNvPr id="36" name="Прямоугольник 35">
+            <a:extLst>
+              <a:ext uri="{FF2B5EF4-FFF2-40B4-BE49-F238E27FC236}">
+                <a16:creationId xmlns:a16="http://schemas.microsoft.com/office/drawing/2014/main" id="{139E4136-2169-4941-BCA2-BD5AD4AC36A0}"/>
+              </a:ext>
+            </a:extLst>
+          </p:cNvPr>
+          <p:cNvSpPr/>
+          <p:nvPr/>
+        </p:nvSpPr>
+        <p:spPr>
+          <a:xfrm>
+            <a:off x="7580903" y="3084366"/>
+            <a:ext cx="2153370" cy="564204"/>
+          </a:xfrm>
+          <a:prstGeom prst="rect">
+            <a:avLst/>
+          </a:prstGeom>
+          <a:solidFill>
+            <a:schemeClr val="accent5">
+              <a:lumMod val="50000"/>
+            </a:schemeClr>
+          </a:solidFill>
+          <a:ln w="0">
+            <a:noFill/>
+          </a:ln>
+        </p:spPr>
+        <p:style>
+          <a:lnRef idx="2">
+            <a:schemeClr val="accent1">
+              <a:shade val="50000"/>
+            </a:schemeClr>
+          </a:lnRef>
+          <a:fillRef idx="1">
+            <a:schemeClr val="accent1"/>
+          </a:fillRef>
+          <a:effectRef idx="0">
+            <a:schemeClr val="accent1"/>
+          </a:effectRef>
+          <a:fontRef idx="minor">
+            <a:schemeClr val="lt1"/>
+          </a:fontRef>
+        </p:style>
+        <p:txBody>
+          <a:bodyPr rtlCol="0" anchor="ctr"/>
+          <a:lstStyle/>
+          <a:p>
+            <a:pPr algn="ctr"/>
+            <a:r>
+              <a:rPr lang="en-US" dirty="0"/>
+              <a:t>ApplicationRole</a:t>
+            </a:r>
+          </a:p>
+        </p:txBody>
+      </p:sp>
+      <p:sp>
+        <p:nvSpPr>
+          <p:cNvPr id="37" name="Прямоугольник 36">
+            <a:extLst>
+              <a:ext uri="{FF2B5EF4-FFF2-40B4-BE49-F238E27FC236}">
+                <a16:creationId xmlns:a16="http://schemas.microsoft.com/office/drawing/2014/main" id="{034DCF47-9D41-4CA4-BDFB-E0499D8B121B}"/>
+              </a:ext>
+            </a:extLst>
+          </p:cNvPr>
+          <p:cNvSpPr/>
+          <p:nvPr/>
+        </p:nvSpPr>
+        <p:spPr>
+          <a:xfrm>
+            <a:off x="7580903" y="3790319"/>
+            <a:ext cx="2153370" cy="564204"/>
+          </a:xfrm>
+          <a:prstGeom prst="rect">
+            <a:avLst/>
+          </a:prstGeom>
+          <a:solidFill>
+            <a:schemeClr val="accent5">
+              <a:lumMod val="50000"/>
+            </a:schemeClr>
+          </a:solidFill>
+          <a:ln w="0">
+            <a:noFill/>
+          </a:ln>
+        </p:spPr>
+        <p:style>
+          <a:lnRef idx="2">
+            <a:schemeClr val="accent1">
+              <a:shade val="50000"/>
+            </a:schemeClr>
+          </a:lnRef>
+          <a:fillRef idx="1">
+            <a:schemeClr val="accent1"/>
+          </a:fillRef>
+          <a:effectRef idx="0">
+            <a:schemeClr val="accent1"/>
+          </a:effectRef>
+          <a:fontRef idx="minor">
+            <a:schemeClr val="lt1"/>
+          </a:fontRef>
+        </p:style>
+        <p:txBody>
+          <a:bodyPr rtlCol="0" anchor="ctr"/>
+          <a:lstStyle/>
+          <a:p>
+            <a:pPr algn="ctr"/>
+            <a:r>
+              <a:rPr lang="en-US" dirty="0"/>
+              <a:t>Log</a:t>
+            </a:r>
+          </a:p>
+        </p:txBody>
+      </p:sp>
+    </p:spTree>
+    <p:extLst>
+      <p:ext uri="{BB962C8B-B14F-4D97-AF65-F5344CB8AC3E}">
+        <p14:creationId xmlns:p14="http://schemas.microsoft.com/office/powerpoint/2010/main" val="3359151042"/>
+      </p:ext>
+    </p:extLst>
+  </p:cSld>
+  <p:clrMapOvr>
+    <a:masterClrMapping/>
+  </p:clrMapOvr>
+  <p:transition spd="med">
+    <p:pull/>
+  </p:transition>
+  <p:timing>
+    <p:tnLst>
+      <p:par>
+        <p:cTn id="1" dur="indefinite" restart="never" nodeType="tmRoot">
+          <p:childTnLst>
+            <p:seq concurrent="1" nextAc="seek">
+              <p:cTn id="2" dur="indefinite" nodeType="mainSeq">
+                <p:childTnLst>
+                  <p:par>
+                    <p:cTn id="3" fill="hold">
+                      <p:stCondLst>
+                        <p:cond delay="indefinite"/>
+                      </p:stCondLst>
+                      <p:childTnLst>
+                        <p:par>
+                          <p:cTn id="4" fill="hold">
+                            <p:stCondLst>
+                              <p:cond delay="0"/>
+                            </p:stCondLst>
+                            <p:childTnLst>
+                              <p:par>
+                                <p:cTn id="5" presetID="1" presetClass="emph" presetSubtype="2" fill="hold" grpId="0" nodeType="clickEffect">
+                                  <p:stCondLst>
+                                    <p:cond delay="0"/>
+                                  </p:stCondLst>
+                                  <p:childTnLst>
+                                    <p:animClr clrSpc="rgb" dir="cw">
+                                      <p:cBhvr>
+                                        <p:cTn id="6" dur="750" fill="hold"/>
+                                        <p:tgtEl>
+                                          <p:spTgt spid="9"/>
+                                        </p:tgtEl>
+                                        <p:attrNameLst>
+                                          <p:attrName>fillcolor</p:attrName>
+                                        </p:attrNameLst>
+                                      </p:cBhvr>
+                                      <p:to>
+                                        <a:srgbClr val="00B050"/>
+                                      </p:to>
+                                    </p:animClr>
+                                    <p:set>
+                                      <p:cBhvr>
+                                        <p:cTn id="7" dur="750" fill="hold"/>
+                                        <p:tgtEl>
+                                          <p:spTgt spid="9"/>
+                                        </p:tgtEl>
+                                        <p:attrNameLst>
+                                          <p:attrName>fill.type</p:attrName>
+                                        </p:attrNameLst>
+                                      </p:cBhvr>
+                                      <p:to>
+                                        <p:strVal val="solid"/>
+                                      </p:to>
+                                    </p:set>
+                                    <p:set>
+                                      <p:cBhvr>
+                                        <p:cTn id="8" dur="750" fill="hold"/>
+                                        <p:tgtEl>
+                                          <p:spTgt spid="9"/>
+                                        </p:tgtEl>
+                                        <p:attrNameLst>
+                                          <p:attrName>fill.on</p:attrName>
+                                        </p:attrNameLst>
+                                      </p:cBhvr>
+                                      <p:to>
+                                        <p:strVal val="true"/>
+                                      </p:to>
+                                    </p:set>
+                                  </p:childTnLst>
+                                </p:cTn>
+                              </p:par>
+                              <p:par>
+                                <p:cTn id="9" presetID="1" presetClass="emph" presetSubtype="2" fill="hold" grpId="0" nodeType="withEffect">
+                                  <p:stCondLst>
+                                    <p:cond delay="0"/>
+                                  </p:stCondLst>
+                                  <p:childTnLst>
+                                    <p:animClr clrSpc="rgb" dir="cw">
+                                      <p:cBhvr>
+                                        <p:cTn id="10" dur="750" fill="hold"/>
+                                        <p:tgtEl>
+                                          <p:spTgt spid="19"/>
+                                        </p:tgtEl>
+                                        <p:attrNameLst>
+                                          <p:attrName>fillcolor</p:attrName>
+                                        </p:attrNameLst>
+                                      </p:cBhvr>
+                                      <p:to>
+                                        <a:srgbClr val="00B050"/>
+                                      </p:to>
+                                    </p:animClr>
+                                    <p:set>
+                                      <p:cBhvr>
+                                        <p:cTn id="11" dur="750" fill="hold"/>
+                                        <p:tgtEl>
+                                          <p:spTgt spid="19"/>
+                                        </p:tgtEl>
+                                        <p:attrNameLst>
+                                          <p:attrName>fill.type</p:attrName>
+                                        </p:attrNameLst>
+                                      </p:cBhvr>
+                                      <p:to>
+                                        <p:strVal val="solid"/>
+                                      </p:to>
+                                    </p:set>
+                                    <p:set>
+                                      <p:cBhvr>
+                                        <p:cTn id="12" dur="750" fill="hold"/>
+                                        <p:tgtEl>
+                                          <p:spTgt spid="19"/>
+                                        </p:tgtEl>
+                                        <p:attrNameLst>
+                                          <p:attrName>fill.on</p:attrName>
+                                        </p:attrNameLst>
+                                      </p:cBhvr>
+                                      <p:to>
+                                        <p:strVal val="true"/>
+                                      </p:to>
+                                    </p:set>
+                                  </p:childTnLst>
+                                </p:cTn>
+                              </p:par>
+                              <p:par>
+                                <p:cTn id="13" presetID="1" presetClass="emph" presetSubtype="2" fill="hold" grpId="0" nodeType="withEffect">
+                                  <p:stCondLst>
+                                    <p:cond delay="0"/>
+                                  </p:stCondLst>
+                                  <p:childTnLst>
+                                    <p:animClr clrSpc="rgb" dir="cw">
+                                      <p:cBhvr>
+                                        <p:cTn id="14" dur="750" fill="hold"/>
+                                        <p:tgtEl>
+                                          <p:spTgt spid="10"/>
+                                        </p:tgtEl>
+                                        <p:attrNameLst>
+                                          <p:attrName>fillcolor</p:attrName>
+                                        </p:attrNameLst>
+                                      </p:cBhvr>
+                                      <p:to>
+                                        <a:srgbClr val="00B050"/>
+                                      </p:to>
+                                    </p:animClr>
+                                    <p:set>
+                                      <p:cBhvr>
+                                        <p:cTn id="15" dur="750" fill="hold"/>
+                                        <p:tgtEl>
+                                          <p:spTgt spid="10"/>
+                                        </p:tgtEl>
+                                        <p:attrNameLst>
+                                          <p:attrName>fill.type</p:attrName>
+                                        </p:attrNameLst>
+                                      </p:cBhvr>
+                                      <p:to>
+                                        <p:strVal val="solid"/>
+                                      </p:to>
+                                    </p:set>
+                                    <p:set>
+                                      <p:cBhvr>
+                                        <p:cTn id="16" dur="750" fill="hold"/>
+                                        <p:tgtEl>
+                                          <p:spTgt spid="10"/>
+                                        </p:tgtEl>
+                                        <p:attrNameLst>
+                                          <p:attrName>fill.on</p:attrName>
+                                        </p:attrNameLst>
+                                      </p:cBhvr>
+                                      <p:to>
+                                        <p:strVal val="true"/>
+                                      </p:to>
+                                    </p:set>
+                                  </p:childTnLst>
+                                </p:cTn>
+                              </p:par>
+                              <p:par>
+                                <p:cTn id="17" presetID="1" presetClass="emph" presetSubtype="2" fill="hold" grpId="0" nodeType="withEffect">
+                                  <p:stCondLst>
+                                    <p:cond delay="0"/>
+                                  </p:stCondLst>
+                                  <p:childTnLst>
+                                    <p:animClr clrSpc="rgb" dir="cw">
+                                      <p:cBhvr>
+                                        <p:cTn id="18" dur="750" fill="hold"/>
+                                        <p:tgtEl>
+                                          <p:spTgt spid="15"/>
+                                        </p:tgtEl>
+                                        <p:attrNameLst>
+                                          <p:attrName>fillcolor</p:attrName>
+                                        </p:attrNameLst>
+                                      </p:cBhvr>
+                                      <p:to>
+                                        <a:srgbClr val="00B050"/>
+                                      </p:to>
+                                    </p:animClr>
+                                    <p:set>
+                                      <p:cBhvr>
+                                        <p:cTn id="19" dur="750" fill="hold"/>
+                                        <p:tgtEl>
+                                          <p:spTgt spid="15"/>
+                                        </p:tgtEl>
+                                        <p:attrNameLst>
+                                          <p:attrName>fill.type</p:attrName>
+                                        </p:attrNameLst>
+                                      </p:cBhvr>
+                                      <p:to>
+                                        <p:strVal val="solid"/>
+                                      </p:to>
+                                    </p:set>
+                                    <p:set>
+                                      <p:cBhvr>
+                                        <p:cTn id="20" dur="750" fill="hold"/>
+                                        <p:tgtEl>
+                                          <p:spTgt spid="15"/>
+                                        </p:tgtEl>
+                                        <p:attrNameLst>
+                                          <p:attrName>fill.on</p:attrName>
+                                        </p:attrNameLst>
+                                      </p:cBhvr>
+                                      <p:to>
+                                        <p:strVal val="true"/>
+                                      </p:to>
+                                    </p:set>
+                                  </p:childTnLst>
+                                </p:cTn>
+                              </p:par>
+                              <p:par>
+                                <p:cTn id="21" presetID="1" presetClass="emph" presetSubtype="2" fill="hold" grpId="0" nodeType="withEffect">
+                                  <p:stCondLst>
+                                    <p:cond delay="0"/>
+                                  </p:stCondLst>
+                                  <p:childTnLst>
+                                    <p:animClr clrSpc="rgb" dir="cw">
+                                      <p:cBhvr>
+                                        <p:cTn id="22" dur="750" fill="hold"/>
+                                        <p:tgtEl>
+                                          <p:spTgt spid="17"/>
+                                        </p:tgtEl>
+                                        <p:attrNameLst>
+                                          <p:attrName>fillcolor</p:attrName>
+                                        </p:attrNameLst>
+                                      </p:cBhvr>
+                                      <p:to>
+                                        <a:srgbClr val="00B050"/>
+                                      </p:to>
+                                    </p:animClr>
+                                    <p:set>
+                                      <p:cBhvr>
+                                        <p:cTn id="23" dur="750" fill="hold"/>
+                                        <p:tgtEl>
+                                          <p:spTgt spid="17"/>
+                                        </p:tgtEl>
+                                        <p:attrNameLst>
+                                          <p:attrName>fill.type</p:attrName>
+                                        </p:attrNameLst>
+                                      </p:cBhvr>
+                                      <p:to>
+                                        <p:strVal val="solid"/>
+                                      </p:to>
+                                    </p:set>
+                                    <p:set>
+                                      <p:cBhvr>
+                                        <p:cTn id="24" dur="750" fill="hold"/>
+                                        <p:tgtEl>
+                                          <p:spTgt spid="17"/>
+                                        </p:tgtEl>
+                                        <p:attrNameLst>
+                                          <p:attrName>fill.on</p:attrName>
+                                        </p:attrNameLst>
+                                      </p:cBhvr>
+                                      <p:to>
+                                        <p:strVal val="true"/>
+                                      </p:to>
+                                    </p:set>
+                                  </p:childTnLst>
+                                </p:cTn>
+                              </p:par>
+                            </p:childTnLst>
+                          </p:cTn>
+                        </p:par>
+                      </p:childTnLst>
+                    </p:cTn>
+                  </p:par>
+                  <p:par>
+                    <p:cTn id="25" fill="hold">
+                      <p:stCondLst>
+                        <p:cond delay="indefinite"/>
+                      </p:stCondLst>
+                      <p:childTnLst>
+                        <p:par>
+                          <p:cTn id="26" fill="hold">
+                            <p:stCondLst>
+                              <p:cond delay="0"/>
+                            </p:stCondLst>
+                            <p:childTnLst>
+                              <p:par>
+                                <p:cTn id="27" presetID="1" presetClass="emph" presetSubtype="2" fill="hold" nodeType="clickEffect">
+                                  <p:stCondLst>
+                                    <p:cond delay="0"/>
+                                  </p:stCondLst>
+                                  <p:childTnLst>
+                                    <p:animClr clrSpc="rgb" dir="cw">
+                                      <p:cBhvr>
+                                        <p:cTn id="28" dur="750" fill="hold"/>
+                                        <p:tgtEl>
+                                          <p:spTgt spid="35"/>
+                                        </p:tgtEl>
+                                        <p:attrNameLst>
+                                          <p:attrName>fillcolor</p:attrName>
+                                        </p:attrNameLst>
+                                      </p:cBhvr>
+                                      <p:to>
+                                        <a:srgbClr val="00B050"/>
+                                      </p:to>
+                                    </p:animClr>
+                                    <p:set>
+                                      <p:cBhvr>
+                                        <p:cTn id="29" dur="750" fill="hold"/>
+                                        <p:tgtEl>
+                                          <p:spTgt spid="35"/>
+                                        </p:tgtEl>
+                                        <p:attrNameLst>
+                                          <p:attrName>fill.type</p:attrName>
+                                        </p:attrNameLst>
+                                      </p:cBhvr>
+                                      <p:to>
+                                        <p:strVal val="solid"/>
+                                      </p:to>
+                                    </p:set>
+                                    <p:set>
+                                      <p:cBhvr>
+                                        <p:cTn id="30" dur="750" fill="hold"/>
+                                        <p:tgtEl>
+                                          <p:spTgt spid="35"/>
+                                        </p:tgtEl>
+                                        <p:attrNameLst>
+                                          <p:attrName>fill.on</p:attrName>
+                                        </p:attrNameLst>
+                                      </p:cBhvr>
+                                      <p:to>
+                                        <p:strVal val="true"/>
+                                      </p:to>
+                                    </p:set>
+                                  </p:childTnLst>
+                                </p:cTn>
+                              </p:par>
+                              <p:par>
+                                <p:cTn id="31" presetID="1" presetClass="emph" presetSubtype="2" fill="hold" nodeType="withEffect">
+                                  <p:stCondLst>
+                                    <p:cond delay="0"/>
+                                  </p:stCondLst>
+                                  <p:childTnLst>
+                                    <p:animClr clrSpc="rgb" dir="cw">
+                                      <p:cBhvr>
+                                        <p:cTn id="32" dur="750" fill="hold"/>
+                                        <p:tgtEl>
+                                          <p:spTgt spid="36"/>
+                                        </p:tgtEl>
+                                        <p:attrNameLst>
+                                          <p:attrName>fillcolor</p:attrName>
+                                        </p:attrNameLst>
+                                      </p:cBhvr>
+                                      <p:to>
+                                        <a:srgbClr val="00B050"/>
+                                      </p:to>
+                                    </p:animClr>
+                                    <p:set>
+                                      <p:cBhvr>
+                                        <p:cTn id="33" dur="750" fill="hold"/>
+                                        <p:tgtEl>
+                                          <p:spTgt spid="36"/>
+                                        </p:tgtEl>
+                                        <p:attrNameLst>
+                                          <p:attrName>fill.type</p:attrName>
+                                        </p:attrNameLst>
+                                      </p:cBhvr>
+                                      <p:to>
+                                        <p:strVal val="solid"/>
+                                      </p:to>
+                                    </p:set>
+                                    <p:set>
+                                      <p:cBhvr>
+                                        <p:cTn id="34" dur="750" fill="hold"/>
+                                        <p:tgtEl>
+                                          <p:spTgt spid="36"/>
+                                        </p:tgtEl>
+                                        <p:attrNameLst>
+                                          <p:attrName>fill.on</p:attrName>
+                                        </p:attrNameLst>
+                                      </p:cBhvr>
+                                      <p:to>
+                                        <p:strVal val="true"/>
+                                      </p:to>
+                                    </p:set>
+                                  </p:childTnLst>
+                                </p:cTn>
+                              </p:par>
+                              <p:par>
+                                <p:cTn id="35" presetID="1" presetClass="emph" presetSubtype="2" fill="hold" nodeType="withEffect">
+                                  <p:stCondLst>
+                                    <p:cond delay="0"/>
+                                  </p:stCondLst>
+                                  <p:childTnLst>
+                                    <p:animClr clrSpc="rgb" dir="cw">
+                                      <p:cBhvr>
+                                        <p:cTn id="36" dur="750" fill="hold"/>
+                                        <p:tgtEl>
+                                          <p:spTgt spid="37"/>
+                                        </p:tgtEl>
+                                        <p:attrNameLst>
+                                          <p:attrName>fillcolor</p:attrName>
+                                        </p:attrNameLst>
+                                      </p:cBhvr>
+                                      <p:to>
+                                        <a:srgbClr val="00B050"/>
+                                      </p:to>
+                                    </p:animClr>
+                                    <p:set>
+                                      <p:cBhvr>
+                                        <p:cTn id="37" dur="750" fill="hold"/>
+                                        <p:tgtEl>
+                                          <p:spTgt spid="37"/>
+                                        </p:tgtEl>
+                                        <p:attrNameLst>
+                                          <p:attrName>fill.type</p:attrName>
+                                        </p:attrNameLst>
+                                      </p:cBhvr>
+                                      <p:to>
+                                        <p:strVal val="solid"/>
+                                      </p:to>
+                                    </p:set>
+                                    <p:set>
+                                      <p:cBhvr>
+                                        <p:cTn id="38" dur="750" fill="hold"/>
+                                        <p:tgtEl>
+                                          <p:spTgt spid="37"/>
+                                        </p:tgtEl>
+                                        <p:attrNameLst>
+                                          <p:attrName>fill.on</p:attrName>
+                                        </p:attrNameLst>
+                                      </p:cBhvr>
+                                      <p:to>
+                                        <p:strVal val="true"/>
+                                      </p:to>
+                                    </p:set>
+                                  </p:childTnLst>
+                                </p:cTn>
+                              </p:par>
+                            </p:childTnLst>
+                          </p:cTn>
+                        </p:par>
+                      </p:childTnLst>
+                    </p:cTn>
+                  </p:par>
+                  <p:par>
+                    <p:cTn id="39" fill="hold">
+                      <p:stCondLst>
+                        <p:cond delay="indefinite"/>
+                      </p:stCondLst>
+                      <p:childTnLst>
+                        <p:par>
+                          <p:cTn id="40" fill="hold">
+                            <p:stCondLst>
+                              <p:cond delay="0"/>
+                            </p:stCondLst>
+                            <p:childTnLst>
+                              <p:par>
+                                <p:cTn id="41" presetID="1" presetClass="emph" presetSubtype="2" fill="hold" nodeType="clickEffect">
+                                  <p:stCondLst>
+                                    <p:cond delay="0"/>
+                                  </p:stCondLst>
+                                  <p:childTnLst>
+                                    <p:animClr clrSpc="rgb" dir="cw">
+                                      <p:cBhvr>
+                                        <p:cTn id="42" dur="750" fill="hold"/>
+                                        <p:tgtEl>
+                                          <p:spTgt spid="11"/>
+                                        </p:tgtEl>
+                                        <p:attrNameLst>
+                                          <p:attrName>fillcolor</p:attrName>
+                                        </p:attrNameLst>
+                                      </p:cBhvr>
+                                      <p:to>
+                                        <a:srgbClr val="00B050"/>
+                                      </p:to>
+                                    </p:animClr>
+                                    <p:set>
+                                      <p:cBhvr>
+                                        <p:cTn id="43" dur="750" fill="hold"/>
+                                        <p:tgtEl>
+                                          <p:spTgt spid="11"/>
+                                        </p:tgtEl>
+                                        <p:attrNameLst>
+                                          <p:attrName>fill.type</p:attrName>
+                                        </p:attrNameLst>
+                                      </p:cBhvr>
+                                      <p:to>
+                                        <p:strVal val="solid"/>
+                                      </p:to>
+                                    </p:set>
+                                    <p:set>
+                                      <p:cBhvr>
+                                        <p:cTn id="44" dur="750" fill="hold"/>
+                                        <p:tgtEl>
+                                          <p:spTgt spid="11"/>
+                                        </p:tgtEl>
+                                        <p:attrNameLst>
+                                          <p:attrName>fill.on</p:attrName>
+                                        </p:attrNameLst>
+                                      </p:cBhvr>
+                                      <p:to>
+                                        <p:strVal val="true"/>
+                                      </p:to>
+                                    </p:set>
+                                  </p:childTnLst>
+                                </p:cTn>
+                              </p:par>
+                              <p:par>
+                                <p:cTn id="45" presetID="1" presetClass="emph" presetSubtype="2" fill="hold" nodeType="withEffect">
+                                  <p:stCondLst>
+                                    <p:cond delay="0"/>
+                                  </p:stCondLst>
+                                  <p:childTnLst>
+                                    <p:animClr clrSpc="rgb" dir="cw">
+                                      <p:cBhvr>
+                                        <p:cTn id="46" dur="750" fill="hold"/>
+                                        <p:tgtEl>
+                                          <p:spTgt spid="33"/>
+                                        </p:tgtEl>
+                                        <p:attrNameLst>
+                                          <p:attrName>fillcolor</p:attrName>
+                                        </p:attrNameLst>
+                                      </p:cBhvr>
+                                      <p:to>
+                                        <a:srgbClr val="00B050"/>
+                                      </p:to>
+                                    </p:animClr>
+                                    <p:set>
+                                      <p:cBhvr>
+                                        <p:cTn id="47" dur="750" fill="hold"/>
+                                        <p:tgtEl>
+                                          <p:spTgt spid="33"/>
+                                        </p:tgtEl>
+                                        <p:attrNameLst>
+                                          <p:attrName>fill.type</p:attrName>
+                                        </p:attrNameLst>
+                                      </p:cBhvr>
+                                      <p:to>
+                                        <p:strVal val="solid"/>
+                                      </p:to>
+                                    </p:set>
+                                    <p:set>
+                                      <p:cBhvr>
+                                        <p:cTn id="48" dur="750" fill="hold"/>
+                                        <p:tgtEl>
+                                          <p:spTgt spid="33"/>
+                                        </p:tgtEl>
+                                        <p:attrNameLst>
+                                          <p:attrName>fill.on</p:attrName>
+                                        </p:attrNameLst>
+                                      </p:cBhvr>
+                                      <p:to>
+                                        <p:strVal val="true"/>
+                                      </p:to>
+                                    </p:set>
+                                  </p:childTnLst>
+                                </p:cTn>
+                              </p:par>
+                              <p:par>
+                                <p:cTn id="49" presetID="1" presetClass="emph" presetSubtype="2" fill="hold" nodeType="withEffect">
+                                  <p:stCondLst>
+                                    <p:cond delay="0"/>
+                                  </p:stCondLst>
+                                  <p:childTnLst>
+                                    <p:animClr clrSpc="rgb" dir="cw">
+                                      <p:cBhvr>
+                                        <p:cTn id="50" dur="750" fill="hold"/>
+                                        <p:tgtEl>
+                                          <p:spTgt spid="34"/>
+                                        </p:tgtEl>
+                                        <p:attrNameLst>
+                                          <p:attrName>fillcolor</p:attrName>
+                                        </p:attrNameLst>
+                                      </p:cBhvr>
+                                      <p:to>
+                                        <a:srgbClr val="00B050"/>
+                                      </p:to>
+                                    </p:animClr>
+                                    <p:set>
+                                      <p:cBhvr>
+                                        <p:cTn id="51" dur="750" fill="hold"/>
+                                        <p:tgtEl>
+                                          <p:spTgt spid="34"/>
+                                        </p:tgtEl>
+                                        <p:attrNameLst>
+                                          <p:attrName>fill.type</p:attrName>
+                                        </p:attrNameLst>
+                                      </p:cBhvr>
+                                      <p:to>
+                                        <p:strVal val="solid"/>
+                                      </p:to>
+                                    </p:set>
+                                    <p:set>
+                                      <p:cBhvr>
+                                        <p:cTn id="52" dur="750" fill="hold"/>
+                                        <p:tgtEl>
+                                          <p:spTgt spid="34"/>
+                                        </p:tgtEl>
+                                        <p:attrNameLst>
+                                          <p:attrName>fill.on</p:attrName>
+                                        </p:attrNameLst>
+                                      </p:cBhvr>
+                                      <p:to>
+                                        <p:strVal val="true"/>
+                                      </p:to>
+                                    </p:set>
+                                  </p:childTnLst>
+                                </p:cTn>
+                              </p:par>
+                            </p:childTnLst>
+                          </p:cTn>
+                        </p:par>
+                      </p:childTnLst>
+                    </p:cTn>
+                  </p:par>
+                  <p:par>
+                    <p:cTn id="53" fill="hold">
+                      <p:stCondLst>
+                        <p:cond delay="indefinite"/>
+                      </p:stCondLst>
+                      <p:childTnLst>
+                        <p:par>
+                          <p:cTn id="54" fill="hold">
+                            <p:stCondLst>
+                              <p:cond delay="0"/>
+                            </p:stCondLst>
+                            <p:childTnLst>
+                              <p:par>
+                                <p:cTn id="55" presetID="1" presetClass="emph" presetSubtype="2" fill="hold" nodeType="clickEffect">
+                                  <p:stCondLst>
+                                    <p:cond delay="0"/>
+                                  </p:stCondLst>
+                                  <p:childTnLst>
+                                    <p:animClr clrSpc="rgb" dir="cw">
+                                      <p:cBhvr>
+                                        <p:cTn id="56" dur="750" fill="hold"/>
+                                        <p:tgtEl>
+                                          <p:spTgt spid="12"/>
+                                        </p:tgtEl>
+                                        <p:attrNameLst>
+                                          <p:attrName>fillcolor</p:attrName>
+                                        </p:attrNameLst>
+                                      </p:cBhvr>
+                                      <p:to>
+                                        <a:srgbClr val="00B050"/>
+                                      </p:to>
+                                    </p:animClr>
+                                    <p:set>
+                                      <p:cBhvr>
+                                        <p:cTn id="57" dur="750" fill="hold"/>
+                                        <p:tgtEl>
+                                          <p:spTgt spid="12"/>
+                                        </p:tgtEl>
+                                        <p:attrNameLst>
+                                          <p:attrName>fill.type</p:attrName>
+                                        </p:attrNameLst>
+                                      </p:cBhvr>
+                                      <p:to>
+                                        <p:strVal val="solid"/>
+                                      </p:to>
+                                    </p:set>
+                                    <p:set>
+                                      <p:cBhvr>
+                                        <p:cTn id="58" dur="750" fill="hold"/>
+                                        <p:tgtEl>
+                                          <p:spTgt spid="12"/>
+                                        </p:tgtEl>
+                                        <p:attrNameLst>
+                                          <p:attrName>fill.on</p:attrName>
+                                        </p:attrNameLst>
+                                      </p:cBhvr>
+                                      <p:to>
+                                        <p:strVal val="true"/>
+                                      </p:to>
+                                    </p:set>
+                                  </p:childTnLst>
+                                </p:cTn>
+                              </p:par>
+                              <p:par>
+                                <p:cTn id="59" presetID="1" presetClass="emph" presetSubtype="2" fill="hold" nodeType="withEffect">
+                                  <p:stCondLst>
+                                    <p:cond delay="0"/>
+                                  </p:stCondLst>
+                                  <p:childTnLst>
+                                    <p:animClr clrSpc="rgb" dir="cw">
+                                      <p:cBhvr>
+                                        <p:cTn id="60" dur="750" fill="hold"/>
+                                        <p:tgtEl>
+                                          <p:spTgt spid="24"/>
+                                        </p:tgtEl>
+                                        <p:attrNameLst>
+                                          <p:attrName>fillcolor</p:attrName>
+                                        </p:attrNameLst>
+                                      </p:cBhvr>
+                                      <p:to>
+                                        <a:srgbClr val="00B050"/>
+                                      </p:to>
+                                    </p:animClr>
+                                    <p:set>
+                                      <p:cBhvr>
+                                        <p:cTn id="61" dur="750" fill="hold"/>
+                                        <p:tgtEl>
+                                          <p:spTgt spid="24"/>
+                                        </p:tgtEl>
+                                        <p:attrNameLst>
+                                          <p:attrName>fill.type</p:attrName>
+                                        </p:attrNameLst>
+                                      </p:cBhvr>
+                                      <p:to>
+                                        <p:strVal val="solid"/>
+                                      </p:to>
+                                    </p:set>
+                                    <p:set>
+                                      <p:cBhvr>
+                                        <p:cTn id="62" dur="750" fill="hold"/>
+                                        <p:tgtEl>
+                                          <p:spTgt spid="24"/>
+                                        </p:tgtEl>
+                                        <p:attrNameLst>
+                                          <p:attrName>fill.on</p:attrName>
+                                        </p:attrNameLst>
+                                      </p:cBhvr>
+                                      <p:to>
+                                        <p:strVal val="true"/>
+                                      </p:to>
+                                    </p:set>
+                                  </p:childTnLst>
+                                </p:cTn>
+                              </p:par>
+                              <p:par>
+                                <p:cTn id="63" presetID="1" presetClass="emph" presetSubtype="2" fill="hold" nodeType="withEffect">
+                                  <p:stCondLst>
+                                    <p:cond delay="0"/>
+                                  </p:stCondLst>
+                                  <p:childTnLst>
+                                    <p:animClr clrSpc="rgb" dir="cw">
+                                      <p:cBhvr>
+                                        <p:cTn id="64" dur="750" fill="hold"/>
+                                        <p:tgtEl>
+                                          <p:spTgt spid="26"/>
+                                        </p:tgtEl>
+                                        <p:attrNameLst>
+                                          <p:attrName>fillcolor</p:attrName>
+                                        </p:attrNameLst>
+                                      </p:cBhvr>
+                                      <p:to>
+                                        <a:srgbClr val="00B050"/>
+                                      </p:to>
+                                    </p:animClr>
+                                    <p:set>
+                                      <p:cBhvr>
+                                        <p:cTn id="65" dur="750" fill="hold"/>
+                                        <p:tgtEl>
+                                          <p:spTgt spid="26"/>
+                                        </p:tgtEl>
+                                        <p:attrNameLst>
+                                          <p:attrName>fill.type</p:attrName>
+                                        </p:attrNameLst>
+                                      </p:cBhvr>
+                                      <p:to>
+                                        <p:strVal val="solid"/>
+                                      </p:to>
+                                    </p:set>
+                                    <p:set>
+                                      <p:cBhvr>
+                                        <p:cTn id="66" dur="750" fill="hold"/>
+                                        <p:tgtEl>
+                                          <p:spTgt spid="26"/>
+                                        </p:tgtEl>
+                                        <p:attrNameLst>
+                                          <p:attrName>fill.on</p:attrName>
+                                        </p:attrNameLst>
+                                      </p:cBhvr>
+                                      <p:to>
+                                        <p:strVal val="true"/>
+                                      </p:to>
+                                    </p:set>
+                                  </p:childTnLst>
+                                </p:cTn>
+                              </p:par>
+                            </p:childTnLst>
+                          </p:cTn>
+                        </p:par>
+                      </p:childTnLst>
+                    </p:cTn>
+                  </p:par>
+                </p:childTnLst>
+              </p:cTn>
+              <p:prevCondLst>
+                <p:cond evt="onPrev" delay="0">
+                  <p:tgtEl>
+                    <p:sldTgt/>
+                  </p:tgtEl>
+                </p:cond>
+              </p:prevCondLst>
+              <p:nextCondLst>
+                <p:cond evt="onNext" delay="0">
+                  <p:tgtEl>
+                    <p:sldTgt/>
+                  </p:tgtEl>
+                </p:cond>
+              </p:nextCondLst>
+            </p:seq>
+          </p:childTnLst>
+        </p:cTn>
+      </p:par>
+    </p:tnLst>
+    <p:bldLst>
+      <p:bldP spid="9" grpId="0" animBg="1"/>
+      <p:bldP spid="10" grpId="0" animBg="1"/>
+      <p:bldP spid="15" grpId="0" animBg="1"/>
+      <p:bldP spid="17" grpId="0" animBg="1"/>
+      <p:bldP spid="19" grpId="0" animBg="1"/>
+    </p:bldLst>
+  </p:timing>
+</p:sld>
+</file>
+
 <file path=ppt/slides/slide3.xml><?xml version="1.0" encoding="utf-8"?>
 <p:sld xmlns:a="http://schemas.openxmlformats.org/drawingml/2006/main" xmlns:r="http://schemas.openxmlformats.org/officeDocument/2006/relationships" xmlns:p="http://schemas.openxmlformats.org/presentationml/2006/main">
   <p:cSld>
@@ -20988,7 +23683,7 @@
           <a:p>
             <a:fld id="{2B345FB0-09AD-4AC0-8DC4-6C68B700A600}" type="datetime1">
               <a:rPr lang="ru-RU" smtClean="0"/>
-              <a:t>23.06.2019</a:t>
+              <a:t>29.06.2019</a:t>
             </a:fld>
             <a:endParaRPr lang="en-US"/>
           </a:p>
@@ -21191,7 +23886,7 @@
           <a:p>
             <a:fld id="{AA4BE119-AABE-437D-8F94-331A05056B80}" type="datetime1">
               <a:rPr lang="ru-RU" smtClean="0"/>
-              <a:t>23.06.2019</a:t>
+              <a:t>29.06.2019</a:t>
             </a:fld>
             <a:endParaRPr lang="en-US"/>
           </a:p>
@@ -21371,7 +24066,7 @@
           <a:p>
             <a:fld id="{AA4BE119-AABE-437D-8F94-331A05056B80}" type="datetime1">
               <a:rPr lang="ru-RU" smtClean="0"/>
-              <a:t>23.06.2019</a:t>
+              <a:t>29.06.2019</a:t>
             </a:fld>
             <a:endParaRPr lang="en-US"/>
           </a:p>
@@ -22107,7 +24802,7 @@
           <a:p>
             <a:fld id="{2D4A23AA-1D21-4822-8346-CA7E14AECDD0}" type="datetime1">
               <a:rPr lang="ru-RU" smtClean="0"/>
-              <a:t>23.06.2019</a:t>
+              <a:t>29.06.2019</a:t>
             </a:fld>
             <a:endParaRPr lang="en-US"/>
           </a:p>
@@ -22367,7 +25062,7 @@
           <a:p>
             <a:fld id="{2D4A23AA-1D21-4822-8346-CA7E14AECDD0}" type="datetime1">
               <a:rPr lang="ru-RU" smtClean="0"/>
-              <a:t>23.06.2019</a:t>
+              <a:t>29.06.2019</a:t>
             </a:fld>
             <a:endParaRPr lang="en-US"/>
           </a:p>
@@ -24259,7 +26954,7 @@
           <a:p>
             <a:fld id="{2D4A23AA-1D21-4822-8346-CA7E14AECDD0}" type="datetime1">
               <a:rPr lang="ru-RU" smtClean="0"/>
-              <a:t>23.06.2019</a:t>
+              <a:t>29.06.2019</a:t>
             </a:fld>
             <a:endParaRPr lang="en-US"/>
           </a:p>
@@ -24657,7 +27352,7 @@
           <a:p>
             <a:fld id="{2D4A23AA-1D21-4822-8346-CA7E14AECDD0}" type="datetime1">
               <a:rPr lang="ru-RU" smtClean="0"/>
-              <a:t>23.06.2019</a:t>
+              <a:t>29.06.2019</a:t>
             </a:fld>
             <a:endParaRPr lang="en-US"/>
           </a:p>

--- a/Presentation/Calabonga.Catalog.pptx
+++ b/Presentation/Calabonga.Catalog.pptx
@@ -5,10 +5,10 @@
     <p:sldMasterId id="2147483762" r:id="rId1"/>
   </p:sldMasterIdLst>
   <p:notesMasterIdLst>
-    <p:notesMasterId r:id="rId27"/>
+    <p:notesMasterId r:id="rId28"/>
   </p:notesMasterIdLst>
   <p:handoutMasterIdLst>
-    <p:handoutMasterId r:id="rId28"/>
+    <p:handoutMasterId r:id="rId29"/>
   </p:handoutMasterIdLst>
   <p:sldIdLst>
     <p:sldId id="256" r:id="rId2"/>
@@ -36,6 +36,7 @@
     <p:sldId id="276" r:id="rId24"/>
     <p:sldId id="279" r:id="rId25"/>
     <p:sldId id="280" r:id="rId26"/>
+    <p:sldId id="281" r:id="rId27"/>
   </p:sldIdLst>
   <p:sldSz cx="12192000" cy="6858000"/>
   <p:notesSz cx="6858000" cy="9144000"/>
@@ -4281,6 +4282,67 @@
 </p:notes>
 </file>
 
+<file path=ppt/notesSlides/notesSlide22.xml><?xml version="1.0" encoding="utf-8"?>
+<p:notes xmlns:a="http://schemas.openxmlformats.org/drawingml/2006/main" xmlns:r="http://schemas.openxmlformats.org/officeDocument/2006/relationships" xmlns:p="http://schemas.openxmlformats.org/presentationml/2006/main">
+  <p:cSld>
+    <p:spTree>
+      <p:nvGrpSpPr>
+        <p:cNvPr id="1" name=""/>
+        <p:cNvGrpSpPr/>
+        <p:nvPr/>
+      </p:nvGrpSpPr>
+      <p:grpSpPr>
+        <a:xfrm>
+          <a:off x="0" y="0"/>
+          <a:ext cx="0" cy="0"/>
+          <a:chOff x="0" y="0"/>
+          <a:chExt cx="0" cy="0"/>
+        </a:xfrm>
+      </p:grpSpPr>
+      <p:sp>
+        <p:nvSpPr>
+          <p:cNvPr id="2" name="Образ слайда 1"/>
+          <p:cNvSpPr>
+            <a:spLocks noGrp="1" noRot="1" noChangeAspect="1"/>
+          </p:cNvSpPr>
+          <p:nvPr>
+            <p:ph type="sldImg"/>
+          </p:nvPr>
+        </p:nvSpPr>
+        <p:spPr/>
+      </p:sp>
+      <p:sp>
+        <p:nvSpPr>
+          <p:cNvPr id="3" name="Заметки 2"/>
+          <p:cNvSpPr>
+            <a:spLocks noGrp="1"/>
+          </p:cNvSpPr>
+          <p:nvPr>
+            <p:ph type="body" idx="1"/>
+          </p:nvPr>
+        </p:nvSpPr>
+        <p:spPr/>
+        <p:txBody>
+          <a:bodyPr/>
+          <a:lstStyle/>
+          <a:p>
+            <a:endParaRPr lang="en-US" dirty="0"/>
+          </a:p>
+        </p:txBody>
+      </p:sp>
+    </p:spTree>
+    <p:extLst>
+      <p:ext uri="{BB962C8B-B14F-4D97-AF65-F5344CB8AC3E}">
+        <p14:creationId xmlns:p14="http://schemas.microsoft.com/office/powerpoint/2010/main" val="1319998157"/>
+      </p:ext>
+    </p:extLst>
+  </p:cSld>
+  <p:clrMapOvr>
+    <a:masterClrMapping/>
+  </p:clrMapOvr>
+</p:notes>
+</file>
+
 <file path=ppt/notesSlides/notesSlide3.xml><?xml version="1.0" encoding="utf-8"?>
 <p:notes xmlns:a="http://schemas.openxmlformats.org/drawingml/2006/main" xmlns:r="http://schemas.openxmlformats.org/officeDocument/2006/relationships" xmlns:p="http://schemas.openxmlformats.org/presentationml/2006/main">
   <p:cSld>
@@ -21210,10 +21272,9 @@
               <a:t>Часть </a:t>
             </a:r>
             <a:r>
-              <a:rPr lang="en-US"/>
+              <a:rPr lang="en-US" dirty="0"/>
               <a:t>11</a:t>
             </a:r>
-            <a:endParaRPr lang="en-US" dirty="0"/>
           </a:p>
         </p:txBody>
       </p:sp>
@@ -23518,6 +23579,929 @@
 </p:sld>
 </file>
 
+<file path=ppt/slides/slide26.xml><?xml version="1.0" encoding="utf-8"?>
+<p:sld xmlns:a="http://schemas.openxmlformats.org/drawingml/2006/main" xmlns:r="http://schemas.openxmlformats.org/officeDocument/2006/relationships" xmlns:p="http://schemas.openxmlformats.org/presentationml/2006/main">
+  <p:cSld>
+    <p:spTree>
+      <p:nvGrpSpPr>
+        <p:cNvPr id="1" name=""/>
+        <p:cNvGrpSpPr/>
+        <p:nvPr/>
+      </p:nvGrpSpPr>
+      <p:grpSpPr>
+        <a:xfrm>
+          <a:off x="0" y="0"/>
+          <a:ext cx="0" cy="0"/>
+          <a:chOff x="0" y="0"/>
+          <a:chExt cx="0" cy="0"/>
+        </a:xfrm>
+      </p:grpSpPr>
+      <p:sp>
+        <p:nvSpPr>
+          <p:cNvPr id="2" name="Заголовок 1">
+            <a:extLst>
+              <a:ext uri="{FF2B5EF4-FFF2-40B4-BE49-F238E27FC236}">
+                <a16:creationId xmlns:a16="http://schemas.microsoft.com/office/drawing/2014/main" id="{5ED3076E-2E51-49BA-B663-2E6FD28DE68E}"/>
+              </a:ext>
+            </a:extLst>
+          </p:cNvPr>
+          <p:cNvSpPr>
+            <a:spLocks noGrp="1"/>
+          </p:cNvSpPr>
+          <p:nvPr>
+            <p:ph type="title"/>
+          </p:nvPr>
+        </p:nvSpPr>
+        <p:spPr/>
+        <p:txBody>
+          <a:bodyPr/>
+          <a:lstStyle/>
+          <a:p>
+            <a:r>
+              <a:rPr lang="ru-RU" dirty="0"/>
+              <a:t>Часть </a:t>
+            </a:r>
+            <a:r>
+              <a:rPr lang="en-US" dirty="0"/>
+              <a:t>11</a:t>
+            </a:r>
+          </a:p>
+        </p:txBody>
+      </p:sp>
+      <p:sp>
+        <p:nvSpPr>
+          <p:cNvPr id="46" name="Объект 45">
+            <a:extLst>
+              <a:ext uri="{FF2B5EF4-FFF2-40B4-BE49-F238E27FC236}">
+                <a16:creationId xmlns:a16="http://schemas.microsoft.com/office/drawing/2014/main" id="{52D0E0D2-6E1E-4C0F-B92A-A811703BEA5E}"/>
+              </a:ext>
+            </a:extLst>
+          </p:cNvPr>
+          <p:cNvSpPr>
+            <a:spLocks noGrp="1"/>
+          </p:cNvSpPr>
+          <p:nvPr>
+            <p:ph idx="1"/>
+          </p:nvPr>
+        </p:nvSpPr>
+        <p:spPr/>
+        <p:txBody>
+          <a:bodyPr>
+            <a:normAutofit/>
+          </a:bodyPr>
+          <a:lstStyle/>
+          <a:p>
+            <a:pPr marL="0" indent="0">
+              <a:buNone/>
+            </a:pPr>
+            <a:r>
+              <a:rPr lang="en-US" sz="3200" dirty="0"/>
+              <a:t>ASP.NET </a:t>
+            </a:r>
+            <a:r>
+              <a:rPr lang="en-US" sz="3200"/>
+              <a:t>Core v.2 </a:t>
+            </a:r>
+            <a:r>
+              <a:rPr lang="en-US" sz="3200" dirty="0"/>
+              <a:t>+ </a:t>
+            </a:r>
+            <a:r>
+              <a:rPr lang="en-US" sz="3200"/>
+              <a:t>EntityFramework Core v.2</a:t>
+            </a:r>
+            <a:endParaRPr lang="en-US" sz="3200" dirty="0"/>
+          </a:p>
+          <a:p>
+            <a:pPr marL="0" indent="0">
+              <a:buNone/>
+            </a:pPr>
+            <a:endParaRPr lang="en-US" sz="2800" dirty="0"/>
+          </a:p>
+        </p:txBody>
+      </p:sp>
+      <p:sp>
+        <p:nvSpPr>
+          <p:cNvPr id="6" name="Дата 5">
+            <a:extLst>
+              <a:ext uri="{FF2B5EF4-FFF2-40B4-BE49-F238E27FC236}">
+                <a16:creationId xmlns:a16="http://schemas.microsoft.com/office/drawing/2014/main" id="{3D389C93-18E8-4B65-9A0C-57EA5FF1262A}"/>
+              </a:ext>
+            </a:extLst>
+          </p:cNvPr>
+          <p:cNvSpPr>
+            <a:spLocks noGrp="1"/>
+          </p:cNvSpPr>
+          <p:nvPr>
+            <p:ph type="dt" sz="half" idx="10"/>
+          </p:nvPr>
+        </p:nvSpPr>
+        <p:spPr/>
+        <p:txBody>
+          <a:bodyPr/>
+          <a:lstStyle/>
+          <a:p>
+            <a:fld id="{2D4A23AA-1D21-4822-8346-CA7E14AECDD0}" type="datetime1">
+              <a:rPr lang="ru-RU" smtClean="0"/>
+              <a:pPr/>
+              <a:t>29.06.2019</a:t>
+            </a:fld>
+            <a:endParaRPr lang="en-US"/>
+          </a:p>
+        </p:txBody>
+      </p:sp>
+      <p:sp>
+        <p:nvSpPr>
+          <p:cNvPr id="7" name="Нижний колонтитул 6">
+            <a:extLst>
+              <a:ext uri="{FF2B5EF4-FFF2-40B4-BE49-F238E27FC236}">
+                <a16:creationId xmlns:a16="http://schemas.microsoft.com/office/drawing/2014/main" id="{FD3B82CA-042F-4A44-8CC3-391A074B55D4}"/>
+              </a:ext>
+            </a:extLst>
+          </p:cNvPr>
+          <p:cNvSpPr>
+            <a:spLocks noGrp="1"/>
+          </p:cNvSpPr>
+          <p:nvPr>
+            <p:ph type="ftr" sz="quarter" idx="11"/>
+          </p:nvPr>
+        </p:nvSpPr>
+        <p:spPr/>
+        <p:txBody>
+          <a:bodyPr/>
+          <a:lstStyle/>
+          <a:p>
+            <a:r>
+              <a:rPr lang="en-US" dirty="0"/>
+              <a:t>www.calabonga.net</a:t>
+            </a:r>
+          </a:p>
+        </p:txBody>
+      </p:sp>
+      <p:sp>
+        <p:nvSpPr>
+          <p:cNvPr id="8" name="Номер слайда 7">
+            <a:extLst>
+              <a:ext uri="{FF2B5EF4-FFF2-40B4-BE49-F238E27FC236}">
+                <a16:creationId xmlns:a16="http://schemas.microsoft.com/office/drawing/2014/main" id="{04E38101-A6CD-43DF-A008-79A5BF5D68AE}"/>
+              </a:ext>
+            </a:extLst>
+          </p:cNvPr>
+          <p:cNvSpPr>
+            <a:spLocks noGrp="1"/>
+          </p:cNvSpPr>
+          <p:nvPr>
+            <p:ph type="sldNum" sz="quarter" idx="12"/>
+          </p:nvPr>
+        </p:nvSpPr>
+        <p:spPr/>
+        <p:txBody>
+          <a:bodyPr/>
+          <a:lstStyle/>
+          <a:p>
+            <a:fld id="{356453D0-7C6D-4FAD-A87B-D4E72CD04107}" type="slidenum">
+              <a:rPr lang="en-US" smtClean="0"/>
+              <a:pPr/>
+              <a:t>26</a:t>
+            </a:fld>
+            <a:endParaRPr lang="en-US"/>
+          </a:p>
+        </p:txBody>
+      </p:sp>
+      <p:pic>
+        <p:nvPicPr>
+          <p:cNvPr id="3" name="Рисунок 2">
+            <a:extLst>
+              <a:ext uri="{FF2B5EF4-FFF2-40B4-BE49-F238E27FC236}">
+                <a16:creationId xmlns:a16="http://schemas.microsoft.com/office/drawing/2014/main" id="{7029C863-3135-4D2D-AB84-92740D0E2188}"/>
+              </a:ext>
+            </a:extLst>
+          </p:cNvPr>
+          <p:cNvPicPr>
+            <a:picLocks noChangeAspect="1"/>
+          </p:cNvPicPr>
+          <p:nvPr/>
+        </p:nvPicPr>
+        <p:blipFill>
+          <a:blip r:embed="rId3"/>
+          <a:stretch>
+            <a:fillRect/>
+          </a:stretch>
+        </p:blipFill>
+        <p:spPr>
+          <a:xfrm>
+            <a:off x="739648" y="3035550"/>
+            <a:ext cx="8931962" cy="1072271"/>
+          </a:xfrm>
+          <a:prstGeom prst="rect">
+            <a:avLst/>
+          </a:prstGeom>
+        </p:spPr>
+      </p:pic>
+      <p:sp>
+        <p:nvSpPr>
+          <p:cNvPr id="4" name="Прямоугольник 3">
+            <a:extLst>
+              <a:ext uri="{FF2B5EF4-FFF2-40B4-BE49-F238E27FC236}">
+                <a16:creationId xmlns:a16="http://schemas.microsoft.com/office/drawing/2014/main" id="{BF35D5F3-762A-4EA6-A992-48D326E16D40}"/>
+              </a:ext>
+            </a:extLst>
+          </p:cNvPr>
+          <p:cNvSpPr/>
+          <p:nvPr/>
+        </p:nvSpPr>
+        <p:spPr>
+          <a:xfrm>
+            <a:off x="1251712" y="4954048"/>
+            <a:ext cx="1873504" cy="918464"/>
+          </a:xfrm>
+          <a:prstGeom prst="rect">
+            <a:avLst/>
+          </a:prstGeom>
+        </p:spPr>
+        <p:style>
+          <a:lnRef idx="2">
+            <a:schemeClr val="accent4">
+              <a:shade val="50000"/>
+            </a:schemeClr>
+          </a:lnRef>
+          <a:fillRef idx="1">
+            <a:schemeClr val="accent4"/>
+          </a:fillRef>
+          <a:effectRef idx="0">
+            <a:schemeClr val="accent4"/>
+          </a:effectRef>
+          <a:fontRef idx="minor">
+            <a:schemeClr val="lt1"/>
+          </a:fontRef>
+        </p:style>
+        <p:txBody>
+          <a:bodyPr rtlCol="0" anchor="ctr"/>
+          <a:lstStyle/>
+          <a:p>
+            <a:pPr algn="ctr"/>
+            <a:r>
+              <a:rPr lang="en-US" dirty="0"/>
+              <a:t>Product</a:t>
+            </a:r>
+          </a:p>
+        </p:txBody>
+      </p:sp>
+      <p:sp>
+        <p:nvSpPr>
+          <p:cNvPr id="9" name="Прямоугольник 8">
+            <a:extLst>
+              <a:ext uri="{FF2B5EF4-FFF2-40B4-BE49-F238E27FC236}">
+                <a16:creationId xmlns:a16="http://schemas.microsoft.com/office/drawing/2014/main" id="{82EC349F-8D55-4EDA-980E-1B86949E538C}"/>
+              </a:ext>
+            </a:extLst>
+          </p:cNvPr>
+          <p:cNvSpPr/>
+          <p:nvPr/>
+        </p:nvSpPr>
+        <p:spPr>
+          <a:xfrm>
+            <a:off x="7260336" y="4954048"/>
+            <a:ext cx="1873504" cy="918464"/>
+          </a:xfrm>
+          <a:prstGeom prst="rect">
+            <a:avLst/>
+          </a:prstGeom>
+        </p:spPr>
+        <p:style>
+          <a:lnRef idx="2">
+            <a:schemeClr val="accent4">
+              <a:shade val="50000"/>
+            </a:schemeClr>
+          </a:lnRef>
+          <a:fillRef idx="1">
+            <a:schemeClr val="accent4"/>
+          </a:fillRef>
+          <a:effectRef idx="0">
+            <a:schemeClr val="accent4"/>
+          </a:effectRef>
+          <a:fontRef idx="minor">
+            <a:schemeClr val="lt1"/>
+          </a:fontRef>
+        </p:style>
+        <p:txBody>
+          <a:bodyPr rtlCol="0" anchor="ctr"/>
+          <a:lstStyle/>
+          <a:p>
+            <a:pPr algn="ctr"/>
+            <a:r>
+              <a:rPr lang="en-US" dirty="0"/>
+              <a:t>Tag</a:t>
+            </a:r>
+          </a:p>
+        </p:txBody>
+      </p:sp>
+      <p:sp>
+        <p:nvSpPr>
+          <p:cNvPr id="10" name="Прямоугольник 9">
+            <a:extLst>
+              <a:ext uri="{FF2B5EF4-FFF2-40B4-BE49-F238E27FC236}">
+                <a16:creationId xmlns:a16="http://schemas.microsoft.com/office/drawing/2014/main" id="{C5AF0BD0-181F-447D-B871-81D8BC7D84AD}"/>
+              </a:ext>
+            </a:extLst>
+          </p:cNvPr>
+          <p:cNvSpPr/>
+          <p:nvPr/>
+        </p:nvSpPr>
+        <p:spPr>
+          <a:xfrm>
+            <a:off x="4256024" y="4204243"/>
+            <a:ext cx="1873504" cy="918464"/>
+          </a:xfrm>
+          <a:prstGeom prst="rect">
+            <a:avLst/>
+          </a:prstGeom>
+        </p:spPr>
+        <p:style>
+          <a:lnRef idx="2">
+            <a:schemeClr val="accent4">
+              <a:shade val="50000"/>
+            </a:schemeClr>
+          </a:lnRef>
+          <a:fillRef idx="1">
+            <a:schemeClr val="accent4"/>
+          </a:fillRef>
+          <a:effectRef idx="0">
+            <a:schemeClr val="accent4"/>
+          </a:effectRef>
+          <a:fontRef idx="minor">
+            <a:schemeClr val="lt1"/>
+          </a:fontRef>
+        </p:style>
+        <p:txBody>
+          <a:bodyPr rtlCol="0" anchor="ctr"/>
+          <a:lstStyle/>
+          <a:p>
+            <a:pPr algn="ctr"/>
+            <a:r>
+              <a:rPr lang="en-US" dirty="0" err="1"/>
+              <a:t>ProductTag</a:t>
+            </a:r>
+            <a:endParaRPr lang="en-US" dirty="0"/>
+          </a:p>
+        </p:txBody>
+      </p:sp>
+      <p:cxnSp>
+        <p:nvCxnSpPr>
+          <p:cNvPr id="11" name="Прямая со стрелкой 10">
+            <a:extLst>
+              <a:ext uri="{FF2B5EF4-FFF2-40B4-BE49-F238E27FC236}">
+                <a16:creationId xmlns:a16="http://schemas.microsoft.com/office/drawing/2014/main" id="{735DFBF1-AE6F-436D-8E11-41445DE2673D}"/>
+              </a:ext>
+            </a:extLst>
+          </p:cNvPr>
+          <p:cNvCxnSpPr>
+            <a:stCxn id="4" idx="3"/>
+            <a:endCxn id="10" idx="1"/>
+          </p:cNvCxnSpPr>
+          <p:nvPr/>
+        </p:nvCxnSpPr>
+        <p:spPr>
+          <a:xfrm flipV="1">
+            <a:off x="3125216" y="4663475"/>
+            <a:ext cx="1130808" cy="749805"/>
+          </a:xfrm>
+          <a:prstGeom prst="straightConnector1">
+            <a:avLst/>
+          </a:prstGeom>
+          <a:ln w="9525" cap="flat" cmpd="sng" algn="ctr">
+            <a:solidFill>
+              <a:schemeClr val="tx1"/>
+            </a:solidFill>
+            <a:prstDash val="solid"/>
+            <a:round/>
+            <a:headEnd type="none" w="med" len="med"/>
+            <a:tailEnd type="triangle" w="med" len="med"/>
+          </a:ln>
+        </p:spPr>
+        <p:style>
+          <a:lnRef idx="0">
+            <a:scrgbClr r="0" g="0" b="0"/>
+          </a:lnRef>
+          <a:fillRef idx="0">
+            <a:scrgbClr r="0" g="0" b="0"/>
+          </a:fillRef>
+          <a:effectRef idx="0">
+            <a:scrgbClr r="0" g="0" b="0"/>
+          </a:effectRef>
+          <a:fontRef idx="minor">
+            <a:schemeClr val="tx1"/>
+          </a:fontRef>
+        </p:style>
+      </p:cxnSp>
+      <p:cxnSp>
+        <p:nvCxnSpPr>
+          <p:cNvPr id="13" name="Прямая со стрелкой 12">
+            <a:extLst>
+              <a:ext uri="{FF2B5EF4-FFF2-40B4-BE49-F238E27FC236}">
+                <a16:creationId xmlns:a16="http://schemas.microsoft.com/office/drawing/2014/main" id="{22BD3CF3-9E7D-4F5F-8525-045ADA21EF56}"/>
+              </a:ext>
+            </a:extLst>
+          </p:cNvPr>
+          <p:cNvCxnSpPr>
+            <a:stCxn id="9" idx="1"/>
+            <a:endCxn id="10" idx="3"/>
+          </p:cNvCxnSpPr>
+          <p:nvPr/>
+        </p:nvCxnSpPr>
+        <p:spPr>
+          <a:xfrm flipH="1" flipV="1">
+            <a:off x="6129528" y="4663475"/>
+            <a:ext cx="1130808" cy="749805"/>
+          </a:xfrm>
+          <a:prstGeom prst="straightConnector1">
+            <a:avLst/>
+          </a:prstGeom>
+          <a:ln>
+            <a:solidFill>
+              <a:schemeClr val="tx1"/>
+            </a:solidFill>
+            <a:tailEnd type="triangle"/>
+          </a:ln>
+        </p:spPr>
+        <p:style>
+          <a:lnRef idx="1">
+            <a:schemeClr val="accent1"/>
+          </a:lnRef>
+          <a:fillRef idx="0">
+            <a:schemeClr val="accent1"/>
+          </a:fillRef>
+          <a:effectRef idx="0">
+            <a:schemeClr val="accent1"/>
+          </a:effectRef>
+          <a:fontRef idx="minor">
+            <a:schemeClr val="tx1"/>
+          </a:fontRef>
+        </p:style>
+      </p:cxnSp>
+    </p:spTree>
+    <p:extLst>
+      <p:ext uri="{BB962C8B-B14F-4D97-AF65-F5344CB8AC3E}">
+        <p14:creationId xmlns:p14="http://schemas.microsoft.com/office/powerpoint/2010/main" val="2542041162"/>
+      </p:ext>
+    </p:extLst>
+  </p:cSld>
+  <p:clrMapOvr>
+    <a:masterClrMapping/>
+  </p:clrMapOvr>
+  <p:transition spd="med">
+    <p:pull/>
+  </p:transition>
+  <p:timing>
+    <p:tnLst>
+      <p:par>
+        <p:cTn id="1" dur="indefinite" restart="never" nodeType="tmRoot">
+          <p:childTnLst>
+            <p:seq concurrent="1" nextAc="seek">
+              <p:cTn id="2" dur="indefinite" nodeType="mainSeq">
+                <p:childTnLst>
+                  <p:par>
+                    <p:cTn id="3" fill="hold">
+                      <p:stCondLst>
+                        <p:cond delay="indefinite"/>
+                      </p:stCondLst>
+                      <p:childTnLst>
+                        <p:par>
+                          <p:cTn id="4" fill="hold">
+                            <p:stCondLst>
+                              <p:cond delay="0"/>
+                            </p:stCondLst>
+                            <p:childTnLst>
+                              <p:par>
+                                <p:cTn id="5" presetID="2" presetClass="entr" presetSubtype="4" fill="hold" nodeType="clickEffect">
+                                  <p:stCondLst>
+                                    <p:cond delay="0"/>
+                                  </p:stCondLst>
+                                  <p:childTnLst>
+                                    <p:set>
+                                      <p:cBhvr>
+                                        <p:cTn id="6" dur="1" fill="hold">
+                                          <p:stCondLst>
+                                            <p:cond delay="0"/>
+                                          </p:stCondLst>
+                                        </p:cTn>
+                                        <p:tgtEl>
+                                          <p:spTgt spid="3"/>
+                                        </p:tgtEl>
+                                        <p:attrNameLst>
+                                          <p:attrName>style.visibility</p:attrName>
+                                        </p:attrNameLst>
+                                      </p:cBhvr>
+                                      <p:to>
+                                        <p:strVal val="visible"/>
+                                      </p:to>
+                                    </p:set>
+                                    <p:anim calcmode="lin" valueType="num">
+                                      <p:cBhvr additive="base">
+                                        <p:cTn id="7" dur="500" fill="hold"/>
+                                        <p:tgtEl>
+                                          <p:spTgt spid="3"/>
+                                        </p:tgtEl>
+                                        <p:attrNameLst>
+                                          <p:attrName>ppt_x</p:attrName>
+                                        </p:attrNameLst>
+                                      </p:cBhvr>
+                                      <p:tavLst>
+                                        <p:tav tm="0">
+                                          <p:val>
+                                            <p:strVal val="#ppt_x"/>
+                                          </p:val>
+                                        </p:tav>
+                                        <p:tav tm="100000">
+                                          <p:val>
+                                            <p:strVal val="#ppt_x"/>
+                                          </p:val>
+                                        </p:tav>
+                                      </p:tavLst>
+                                    </p:anim>
+                                    <p:anim calcmode="lin" valueType="num">
+                                      <p:cBhvr additive="base">
+                                        <p:cTn id="8" dur="500" fill="hold"/>
+                                        <p:tgtEl>
+                                          <p:spTgt spid="3"/>
+                                        </p:tgtEl>
+                                        <p:attrNameLst>
+                                          <p:attrName>ppt_y</p:attrName>
+                                        </p:attrNameLst>
+                                      </p:cBhvr>
+                                      <p:tavLst>
+                                        <p:tav tm="0">
+                                          <p:val>
+                                            <p:strVal val="1+#ppt_h/2"/>
+                                          </p:val>
+                                        </p:tav>
+                                        <p:tav tm="100000">
+                                          <p:val>
+                                            <p:strVal val="#ppt_y"/>
+                                          </p:val>
+                                        </p:tav>
+                                      </p:tavLst>
+                                    </p:anim>
+                                  </p:childTnLst>
+                                </p:cTn>
+                              </p:par>
+                            </p:childTnLst>
+                          </p:cTn>
+                        </p:par>
+                      </p:childTnLst>
+                    </p:cTn>
+                  </p:par>
+                  <p:par>
+                    <p:cTn id="9" fill="hold">
+                      <p:stCondLst>
+                        <p:cond delay="indefinite"/>
+                      </p:stCondLst>
+                      <p:childTnLst>
+                        <p:par>
+                          <p:cTn id="10" fill="hold">
+                            <p:stCondLst>
+                              <p:cond delay="0"/>
+                            </p:stCondLst>
+                            <p:childTnLst>
+                              <p:par>
+                                <p:cTn id="11" presetID="53" presetClass="entr" presetSubtype="16" fill="hold" grpId="0" nodeType="clickEffect">
+                                  <p:stCondLst>
+                                    <p:cond delay="0"/>
+                                  </p:stCondLst>
+                                  <p:childTnLst>
+                                    <p:set>
+                                      <p:cBhvr>
+                                        <p:cTn id="12" dur="1" fill="hold">
+                                          <p:stCondLst>
+                                            <p:cond delay="0"/>
+                                          </p:stCondLst>
+                                        </p:cTn>
+                                        <p:tgtEl>
+                                          <p:spTgt spid="4"/>
+                                        </p:tgtEl>
+                                        <p:attrNameLst>
+                                          <p:attrName>style.visibility</p:attrName>
+                                        </p:attrNameLst>
+                                      </p:cBhvr>
+                                      <p:to>
+                                        <p:strVal val="visible"/>
+                                      </p:to>
+                                    </p:set>
+                                    <p:anim calcmode="lin" valueType="num">
+                                      <p:cBhvr>
+                                        <p:cTn id="13" dur="500" fill="hold"/>
+                                        <p:tgtEl>
+                                          <p:spTgt spid="4"/>
+                                        </p:tgtEl>
+                                        <p:attrNameLst>
+                                          <p:attrName>ppt_w</p:attrName>
+                                        </p:attrNameLst>
+                                      </p:cBhvr>
+                                      <p:tavLst>
+                                        <p:tav tm="0">
+                                          <p:val>
+                                            <p:fltVal val="0"/>
+                                          </p:val>
+                                        </p:tav>
+                                        <p:tav tm="100000">
+                                          <p:val>
+                                            <p:strVal val="#ppt_w"/>
+                                          </p:val>
+                                        </p:tav>
+                                      </p:tavLst>
+                                    </p:anim>
+                                    <p:anim calcmode="lin" valueType="num">
+                                      <p:cBhvr>
+                                        <p:cTn id="14" dur="500" fill="hold"/>
+                                        <p:tgtEl>
+                                          <p:spTgt spid="4"/>
+                                        </p:tgtEl>
+                                        <p:attrNameLst>
+                                          <p:attrName>ppt_h</p:attrName>
+                                        </p:attrNameLst>
+                                      </p:cBhvr>
+                                      <p:tavLst>
+                                        <p:tav tm="0">
+                                          <p:val>
+                                            <p:fltVal val="0"/>
+                                          </p:val>
+                                        </p:tav>
+                                        <p:tav tm="100000">
+                                          <p:val>
+                                            <p:strVal val="#ppt_h"/>
+                                          </p:val>
+                                        </p:tav>
+                                      </p:tavLst>
+                                    </p:anim>
+                                    <p:animEffect transition="in" filter="fade">
+                                      <p:cBhvr>
+                                        <p:cTn id="15" dur="500"/>
+                                        <p:tgtEl>
+                                          <p:spTgt spid="4"/>
+                                        </p:tgtEl>
+                                      </p:cBhvr>
+                                    </p:animEffect>
+                                  </p:childTnLst>
+                                </p:cTn>
+                              </p:par>
+                            </p:childTnLst>
+                          </p:cTn>
+                        </p:par>
+                      </p:childTnLst>
+                    </p:cTn>
+                  </p:par>
+                  <p:par>
+                    <p:cTn id="16" fill="hold">
+                      <p:stCondLst>
+                        <p:cond delay="indefinite"/>
+                      </p:stCondLst>
+                      <p:childTnLst>
+                        <p:par>
+                          <p:cTn id="17" fill="hold">
+                            <p:stCondLst>
+                              <p:cond delay="0"/>
+                            </p:stCondLst>
+                            <p:childTnLst>
+                              <p:par>
+                                <p:cTn id="18" presetID="53" presetClass="entr" presetSubtype="16" fill="hold" grpId="0" nodeType="clickEffect">
+                                  <p:stCondLst>
+                                    <p:cond delay="0"/>
+                                  </p:stCondLst>
+                                  <p:childTnLst>
+                                    <p:set>
+                                      <p:cBhvr>
+                                        <p:cTn id="19" dur="1" fill="hold">
+                                          <p:stCondLst>
+                                            <p:cond delay="0"/>
+                                          </p:stCondLst>
+                                        </p:cTn>
+                                        <p:tgtEl>
+                                          <p:spTgt spid="9"/>
+                                        </p:tgtEl>
+                                        <p:attrNameLst>
+                                          <p:attrName>style.visibility</p:attrName>
+                                        </p:attrNameLst>
+                                      </p:cBhvr>
+                                      <p:to>
+                                        <p:strVal val="visible"/>
+                                      </p:to>
+                                    </p:set>
+                                    <p:anim calcmode="lin" valueType="num">
+                                      <p:cBhvr>
+                                        <p:cTn id="20" dur="500" fill="hold"/>
+                                        <p:tgtEl>
+                                          <p:spTgt spid="9"/>
+                                        </p:tgtEl>
+                                        <p:attrNameLst>
+                                          <p:attrName>ppt_w</p:attrName>
+                                        </p:attrNameLst>
+                                      </p:cBhvr>
+                                      <p:tavLst>
+                                        <p:tav tm="0">
+                                          <p:val>
+                                            <p:fltVal val="0"/>
+                                          </p:val>
+                                        </p:tav>
+                                        <p:tav tm="100000">
+                                          <p:val>
+                                            <p:strVal val="#ppt_w"/>
+                                          </p:val>
+                                        </p:tav>
+                                      </p:tavLst>
+                                    </p:anim>
+                                    <p:anim calcmode="lin" valueType="num">
+                                      <p:cBhvr>
+                                        <p:cTn id="21" dur="500" fill="hold"/>
+                                        <p:tgtEl>
+                                          <p:spTgt spid="9"/>
+                                        </p:tgtEl>
+                                        <p:attrNameLst>
+                                          <p:attrName>ppt_h</p:attrName>
+                                        </p:attrNameLst>
+                                      </p:cBhvr>
+                                      <p:tavLst>
+                                        <p:tav tm="0">
+                                          <p:val>
+                                            <p:fltVal val="0"/>
+                                          </p:val>
+                                        </p:tav>
+                                        <p:tav tm="100000">
+                                          <p:val>
+                                            <p:strVal val="#ppt_h"/>
+                                          </p:val>
+                                        </p:tav>
+                                      </p:tavLst>
+                                    </p:anim>
+                                    <p:animEffect transition="in" filter="fade">
+                                      <p:cBhvr>
+                                        <p:cTn id="22" dur="500"/>
+                                        <p:tgtEl>
+                                          <p:spTgt spid="9"/>
+                                        </p:tgtEl>
+                                      </p:cBhvr>
+                                    </p:animEffect>
+                                  </p:childTnLst>
+                                </p:cTn>
+                              </p:par>
+                            </p:childTnLst>
+                          </p:cTn>
+                        </p:par>
+                      </p:childTnLst>
+                    </p:cTn>
+                  </p:par>
+                  <p:par>
+                    <p:cTn id="23" fill="hold">
+                      <p:stCondLst>
+                        <p:cond delay="indefinite"/>
+                      </p:stCondLst>
+                      <p:childTnLst>
+                        <p:par>
+                          <p:cTn id="24" fill="hold">
+                            <p:stCondLst>
+                              <p:cond delay="0"/>
+                            </p:stCondLst>
+                            <p:childTnLst>
+                              <p:par>
+                                <p:cTn id="25" presetID="22" presetClass="entr" presetSubtype="4" fill="hold" nodeType="clickEffect">
+                                  <p:stCondLst>
+                                    <p:cond delay="0"/>
+                                  </p:stCondLst>
+                                  <p:childTnLst>
+                                    <p:set>
+                                      <p:cBhvr>
+                                        <p:cTn id="26" dur="1" fill="hold">
+                                          <p:stCondLst>
+                                            <p:cond delay="0"/>
+                                          </p:stCondLst>
+                                        </p:cTn>
+                                        <p:tgtEl>
+                                          <p:spTgt spid="11"/>
+                                        </p:tgtEl>
+                                        <p:attrNameLst>
+                                          <p:attrName>style.visibility</p:attrName>
+                                        </p:attrNameLst>
+                                      </p:cBhvr>
+                                      <p:to>
+                                        <p:strVal val="visible"/>
+                                      </p:to>
+                                    </p:set>
+                                    <p:animEffect transition="in" filter="wipe(down)">
+                                      <p:cBhvr>
+                                        <p:cTn id="27" dur="500"/>
+                                        <p:tgtEl>
+                                          <p:spTgt spid="11"/>
+                                        </p:tgtEl>
+                                      </p:cBhvr>
+                                    </p:animEffect>
+                                  </p:childTnLst>
+                                </p:cTn>
+                              </p:par>
+                              <p:par>
+                                <p:cTn id="28" presetID="22" presetClass="entr" presetSubtype="4" fill="hold" grpId="0" nodeType="withEffect">
+                                  <p:stCondLst>
+                                    <p:cond delay="0"/>
+                                  </p:stCondLst>
+                                  <p:childTnLst>
+                                    <p:set>
+                                      <p:cBhvr>
+                                        <p:cTn id="29" dur="1" fill="hold">
+                                          <p:stCondLst>
+                                            <p:cond delay="0"/>
+                                          </p:stCondLst>
+                                        </p:cTn>
+                                        <p:tgtEl>
+                                          <p:spTgt spid="10"/>
+                                        </p:tgtEl>
+                                        <p:attrNameLst>
+                                          <p:attrName>style.visibility</p:attrName>
+                                        </p:attrNameLst>
+                                      </p:cBhvr>
+                                      <p:to>
+                                        <p:strVal val="visible"/>
+                                      </p:to>
+                                    </p:set>
+                                    <p:animEffect transition="in" filter="wipe(down)">
+                                      <p:cBhvr>
+                                        <p:cTn id="30" dur="500"/>
+                                        <p:tgtEl>
+                                          <p:spTgt spid="10"/>
+                                        </p:tgtEl>
+                                      </p:cBhvr>
+                                    </p:animEffect>
+                                  </p:childTnLst>
+                                </p:cTn>
+                              </p:par>
+                              <p:par>
+                                <p:cTn id="31" presetID="22" presetClass="entr" presetSubtype="4" fill="hold" nodeType="withEffect">
+                                  <p:stCondLst>
+                                    <p:cond delay="0"/>
+                                  </p:stCondLst>
+                                  <p:childTnLst>
+                                    <p:set>
+                                      <p:cBhvr>
+                                        <p:cTn id="32" dur="1" fill="hold">
+                                          <p:stCondLst>
+                                            <p:cond delay="0"/>
+                                          </p:stCondLst>
+                                        </p:cTn>
+                                        <p:tgtEl>
+                                          <p:spTgt spid="13"/>
+                                        </p:tgtEl>
+                                        <p:attrNameLst>
+                                          <p:attrName>style.visibility</p:attrName>
+                                        </p:attrNameLst>
+                                      </p:cBhvr>
+                                      <p:to>
+                                        <p:strVal val="visible"/>
+                                      </p:to>
+                                    </p:set>
+                                    <p:animEffect transition="in" filter="wipe(down)">
+                                      <p:cBhvr>
+                                        <p:cTn id="33" dur="500"/>
+                                        <p:tgtEl>
+                                          <p:spTgt spid="13"/>
+                                        </p:tgtEl>
+                                      </p:cBhvr>
+                                    </p:animEffect>
+                                  </p:childTnLst>
+                                </p:cTn>
+                              </p:par>
+                            </p:childTnLst>
+                          </p:cTn>
+                        </p:par>
+                      </p:childTnLst>
+                    </p:cTn>
+                  </p:par>
+                </p:childTnLst>
+              </p:cTn>
+              <p:prevCondLst>
+                <p:cond evt="onPrev" delay="0">
+                  <p:tgtEl>
+                    <p:sldTgt/>
+                  </p:tgtEl>
+                </p:cond>
+              </p:prevCondLst>
+              <p:nextCondLst>
+                <p:cond evt="onNext" delay="0">
+                  <p:tgtEl>
+                    <p:sldTgt/>
+                  </p:tgtEl>
+                </p:cond>
+              </p:nextCondLst>
+            </p:seq>
+          </p:childTnLst>
+        </p:cTn>
+      </p:par>
+    </p:tnLst>
+    <p:bldLst>
+      <p:bldP spid="4" grpId="0" animBg="1"/>
+      <p:bldP spid="9" grpId="0" animBg="1"/>
+      <p:bldP spid="10" grpId="0" animBg="1"/>
+    </p:bldLst>
+  </p:timing>
+</p:sld>
+</file>
+
 <file path=ppt/slides/slide3.xml><?xml version="1.0" encoding="utf-8"?>
 <p:sld xmlns:a="http://schemas.openxmlformats.org/drawingml/2006/main" xmlns:r="http://schemas.openxmlformats.org/officeDocument/2006/relationships" xmlns:p="http://schemas.openxmlformats.org/presentationml/2006/main">
   <p:cSld>

--- a/Presentation/Calabonga.Catalog.pptx
+++ b/Presentation/Calabonga.Catalog.pptx
@@ -5,10 +5,10 @@
     <p:sldMasterId id="2147483762" r:id="rId1"/>
   </p:sldMasterIdLst>
   <p:notesMasterIdLst>
-    <p:notesMasterId r:id="rId28"/>
+    <p:notesMasterId r:id="rId29"/>
   </p:notesMasterIdLst>
   <p:handoutMasterIdLst>
-    <p:handoutMasterId r:id="rId29"/>
+    <p:handoutMasterId r:id="rId30"/>
   </p:handoutMasterIdLst>
   <p:sldIdLst>
     <p:sldId id="256" r:id="rId2"/>
@@ -37,6 +37,7 @@
     <p:sldId id="279" r:id="rId25"/>
     <p:sldId id="280" r:id="rId26"/>
     <p:sldId id="281" r:id="rId27"/>
+    <p:sldId id="282" r:id="rId28"/>
   </p:sldIdLst>
   <p:sldSz cx="12192000" cy="6858000"/>
   <p:notesSz cx="6858000" cy="9144000"/>
@@ -4343,6 +4344,67 @@
 </p:notes>
 </file>
 
+<file path=ppt/notesSlides/notesSlide23.xml><?xml version="1.0" encoding="utf-8"?>
+<p:notes xmlns:a="http://schemas.openxmlformats.org/drawingml/2006/main" xmlns:r="http://schemas.openxmlformats.org/officeDocument/2006/relationships" xmlns:p="http://schemas.openxmlformats.org/presentationml/2006/main">
+  <p:cSld>
+    <p:spTree>
+      <p:nvGrpSpPr>
+        <p:cNvPr id="1" name=""/>
+        <p:cNvGrpSpPr/>
+        <p:nvPr/>
+      </p:nvGrpSpPr>
+      <p:grpSpPr>
+        <a:xfrm>
+          <a:off x="0" y="0"/>
+          <a:ext cx="0" cy="0"/>
+          <a:chOff x="0" y="0"/>
+          <a:chExt cx="0" cy="0"/>
+        </a:xfrm>
+      </p:grpSpPr>
+      <p:sp>
+        <p:nvSpPr>
+          <p:cNvPr id="2" name="Образ слайда 1"/>
+          <p:cNvSpPr>
+            <a:spLocks noGrp="1" noRot="1" noChangeAspect="1"/>
+          </p:cNvSpPr>
+          <p:nvPr>
+            <p:ph type="sldImg"/>
+          </p:nvPr>
+        </p:nvSpPr>
+        <p:spPr/>
+      </p:sp>
+      <p:sp>
+        <p:nvSpPr>
+          <p:cNvPr id="3" name="Заметки 2"/>
+          <p:cNvSpPr>
+            <a:spLocks noGrp="1"/>
+          </p:cNvSpPr>
+          <p:nvPr>
+            <p:ph type="body" idx="1"/>
+          </p:nvPr>
+        </p:nvSpPr>
+        <p:spPr/>
+        <p:txBody>
+          <a:bodyPr/>
+          <a:lstStyle/>
+          <a:p>
+            <a:endParaRPr lang="en-US" dirty="0"/>
+          </a:p>
+        </p:txBody>
+      </p:sp>
+    </p:spTree>
+    <p:extLst>
+      <p:ext uri="{BB962C8B-B14F-4D97-AF65-F5344CB8AC3E}">
+        <p14:creationId xmlns:p14="http://schemas.microsoft.com/office/powerpoint/2010/main" val="3807091609"/>
+      </p:ext>
+    </p:extLst>
+  </p:cSld>
+  <p:clrMapOvr>
+    <a:masterClrMapping/>
+  </p:clrMapOvr>
+</p:notes>
+</file>
+
 <file path=ppt/notesSlides/notesSlide3.xml><?xml version="1.0" encoding="utf-8"?>
 <p:notes xmlns:a="http://schemas.openxmlformats.org/drawingml/2006/main" xmlns:r="http://schemas.openxmlformats.org/officeDocument/2006/relationships" xmlns:p="http://schemas.openxmlformats.org/presentationml/2006/main">
   <p:cSld>
@@ -24502,6 +24564,221 @@
 </p:sld>
 </file>
 
+<file path=ppt/slides/slide27.xml><?xml version="1.0" encoding="utf-8"?>
+<p:sld xmlns:a="http://schemas.openxmlformats.org/drawingml/2006/main" xmlns:r="http://schemas.openxmlformats.org/officeDocument/2006/relationships" xmlns:p="http://schemas.openxmlformats.org/presentationml/2006/main">
+  <p:cSld>
+    <p:spTree>
+      <p:nvGrpSpPr>
+        <p:cNvPr id="1" name=""/>
+        <p:cNvGrpSpPr/>
+        <p:nvPr/>
+      </p:nvGrpSpPr>
+      <p:grpSpPr>
+        <a:xfrm>
+          <a:off x="0" y="0"/>
+          <a:ext cx="0" cy="0"/>
+          <a:chOff x="0" y="0"/>
+          <a:chExt cx="0" cy="0"/>
+        </a:xfrm>
+      </p:grpSpPr>
+      <p:sp>
+        <p:nvSpPr>
+          <p:cNvPr id="2" name="Заголовок 1">
+            <a:extLst>
+              <a:ext uri="{FF2B5EF4-FFF2-40B4-BE49-F238E27FC236}">
+                <a16:creationId xmlns:a16="http://schemas.microsoft.com/office/drawing/2014/main" id="{5ED3076E-2E51-49BA-B663-2E6FD28DE68E}"/>
+              </a:ext>
+            </a:extLst>
+          </p:cNvPr>
+          <p:cNvSpPr>
+            <a:spLocks noGrp="1"/>
+          </p:cNvSpPr>
+          <p:nvPr>
+            <p:ph type="title"/>
+          </p:nvPr>
+        </p:nvSpPr>
+        <p:spPr/>
+        <p:txBody>
+          <a:bodyPr/>
+          <a:lstStyle/>
+          <a:p>
+            <a:r>
+              <a:rPr lang="ru-RU" dirty="0"/>
+              <a:t>Часть </a:t>
+            </a:r>
+            <a:r>
+              <a:rPr lang="en-US" dirty="0"/>
+              <a:t>12</a:t>
+            </a:r>
+          </a:p>
+        </p:txBody>
+      </p:sp>
+      <p:sp>
+        <p:nvSpPr>
+          <p:cNvPr id="46" name="Объект 45">
+            <a:extLst>
+              <a:ext uri="{FF2B5EF4-FFF2-40B4-BE49-F238E27FC236}">
+                <a16:creationId xmlns:a16="http://schemas.microsoft.com/office/drawing/2014/main" id="{52D0E0D2-6E1E-4C0F-B92A-A811703BEA5E}"/>
+              </a:ext>
+            </a:extLst>
+          </p:cNvPr>
+          <p:cNvSpPr>
+            <a:spLocks noGrp="1"/>
+          </p:cNvSpPr>
+          <p:nvPr>
+            <p:ph idx="1"/>
+          </p:nvPr>
+        </p:nvSpPr>
+        <p:spPr/>
+        <p:txBody>
+          <a:bodyPr>
+            <a:normAutofit/>
+          </a:bodyPr>
+          <a:lstStyle/>
+          <a:p>
+            <a:pPr marL="742950" indent="-742950">
+              <a:buAutoNum type="arabicPeriod"/>
+            </a:pPr>
+            <a:r>
+              <a:rPr lang="ru-RU" sz="3600" dirty="0"/>
+              <a:t>Запрограммировать хаос – невозможно!</a:t>
+            </a:r>
+          </a:p>
+          <a:p>
+            <a:pPr marL="742950" indent="-742950">
+              <a:buAutoNum type="arabicPeriod"/>
+            </a:pPr>
+            <a:r>
+              <a:rPr lang="ru-RU" sz="3200" dirty="0"/>
+              <a:t>Анализируем требования и </a:t>
+            </a:r>
+            <a:r>
+              <a:rPr lang="ru-RU" sz="3200"/>
+              <a:t>создаем правила.</a:t>
+            </a:r>
+            <a:endParaRPr lang="ru-RU" sz="3200" dirty="0"/>
+          </a:p>
+          <a:p>
+            <a:pPr marL="742950" indent="-742950">
+              <a:buAutoNum type="arabicPeriod"/>
+            </a:pPr>
+            <a:r>
+              <a:rPr lang="ru-RU" sz="3200" dirty="0"/>
+              <a:t>Бизнес-логика.</a:t>
+            </a:r>
+          </a:p>
+          <a:p>
+            <a:pPr marL="742950" indent="-742950">
+              <a:buAutoNum type="arabicPeriod"/>
+            </a:pPr>
+            <a:endParaRPr lang="en-US" sz="3200" dirty="0"/>
+          </a:p>
+        </p:txBody>
+      </p:sp>
+      <p:sp>
+        <p:nvSpPr>
+          <p:cNvPr id="6" name="Дата 5">
+            <a:extLst>
+              <a:ext uri="{FF2B5EF4-FFF2-40B4-BE49-F238E27FC236}">
+                <a16:creationId xmlns:a16="http://schemas.microsoft.com/office/drawing/2014/main" id="{3D389C93-18E8-4B65-9A0C-57EA5FF1262A}"/>
+              </a:ext>
+            </a:extLst>
+          </p:cNvPr>
+          <p:cNvSpPr>
+            <a:spLocks noGrp="1"/>
+          </p:cNvSpPr>
+          <p:nvPr>
+            <p:ph type="dt" sz="half" idx="10"/>
+          </p:nvPr>
+        </p:nvSpPr>
+        <p:spPr/>
+        <p:txBody>
+          <a:bodyPr/>
+          <a:lstStyle/>
+          <a:p>
+            <a:fld id="{2D4A23AA-1D21-4822-8346-CA7E14AECDD0}" type="datetime1">
+              <a:rPr lang="ru-RU" smtClean="0"/>
+              <a:pPr/>
+              <a:t>29.06.2019</a:t>
+            </a:fld>
+            <a:endParaRPr lang="en-US"/>
+          </a:p>
+        </p:txBody>
+      </p:sp>
+      <p:sp>
+        <p:nvSpPr>
+          <p:cNvPr id="7" name="Нижний колонтитул 6">
+            <a:extLst>
+              <a:ext uri="{FF2B5EF4-FFF2-40B4-BE49-F238E27FC236}">
+                <a16:creationId xmlns:a16="http://schemas.microsoft.com/office/drawing/2014/main" id="{FD3B82CA-042F-4A44-8CC3-391A074B55D4}"/>
+              </a:ext>
+            </a:extLst>
+          </p:cNvPr>
+          <p:cNvSpPr>
+            <a:spLocks noGrp="1"/>
+          </p:cNvSpPr>
+          <p:nvPr>
+            <p:ph type="ftr" sz="quarter" idx="11"/>
+          </p:nvPr>
+        </p:nvSpPr>
+        <p:spPr/>
+        <p:txBody>
+          <a:bodyPr/>
+          <a:lstStyle/>
+          <a:p>
+            <a:r>
+              <a:rPr lang="en-US" dirty="0"/>
+              <a:t>www.calabonga.net</a:t>
+            </a:r>
+          </a:p>
+        </p:txBody>
+      </p:sp>
+      <p:sp>
+        <p:nvSpPr>
+          <p:cNvPr id="8" name="Номер слайда 7">
+            <a:extLst>
+              <a:ext uri="{FF2B5EF4-FFF2-40B4-BE49-F238E27FC236}">
+                <a16:creationId xmlns:a16="http://schemas.microsoft.com/office/drawing/2014/main" id="{04E38101-A6CD-43DF-A008-79A5BF5D68AE}"/>
+              </a:ext>
+            </a:extLst>
+          </p:cNvPr>
+          <p:cNvSpPr>
+            <a:spLocks noGrp="1"/>
+          </p:cNvSpPr>
+          <p:nvPr>
+            <p:ph type="sldNum" sz="quarter" idx="12"/>
+          </p:nvPr>
+        </p:nvSpPr>
+        <p:spPr/>
+        <p:txBody>
+          <a:bodyPr/>
+          <a:lstStyle/>
+          <a:p>
+            <a:fld id="{356453D0-7C6D-4FAD-A87B-D4E72CD04107}" type="slidenum">
+              <a:rPr lang="en-US" smtClean="0"/>
+              <a:pPr/>
+              <a:t>27</a:t>
+            </a:fld>
+            <a:endParaRPr lang="en-US"/>
+          </a:p>
+        </p:txBody>
+      </p:sp>
+    </p:spTree>
+    <p:extLst>
+      <p:ext uri="{BB962C8B-B14F-4D97-AF65-F5344CB8AC3E}">
+        <p14:creationId xmlns:p14="http://schemas.microsoft.com/office/powerpoint/2010/main" val="1969909178"/>
+      </p:ext>
+    </p:extLst>
+  </p:cSld>
+  <p:clrMapOvr>
+    <a:masterClrMapping/>
+  </p:clrMapOvr>
+  <p:transition spd="med">
+    <p:pull/>
+  </p:transition>
+</p:sld>
+</file>
+
 <file path=ppt/slides/slide3.xml><?xml version="1.0" encoding="utf-8"?>
 <p:sld xmlns:a="http://schemas.openxmlformats.org/drawingml/2006/main" xmlns:r="http://schemas.openxmlformats.org/officeDocument/2006/relationships" xmlns:p="http://schemas.openxmlformats.org/presentationml/2006/main">
   <p:cSld>

--- a/Presentation/Calabonga.Catalog.pptx
+++ b/Presentation/Calabonga.Catalog.pptx
@@ -2994,7 +2994,7 @@
           <a:p>
             <a:fld id="{C7EBD34A-458D-4E15-9A13-07B008861E08}" type="datetime1">
               <a:rPr lang="ru-RU" smtClean="0"/>
-              <a:t>29.06.2019</a:t>
+              <a:t>07.07.2019</a:t>
             </a:fld>
             <a:endParaRPr lang="en-US"/>
           </a:p>
@@ -3160,7 +3160,7 @@
           <a:p>
             <a:fld id="{BD2C1305-B0C8-41A5-A415-431426818951}" type="datetime1">
               <a:rPr lang="ru-RU" smtClean="0"/>
-              <a:t>29.06.2019</a:t>
+              <a:t>07.07.2019</a:t>
             </a:fld>
             <a:endParaRPr lang="en-US"/>
           </a:p>
@@ -5114,7 +5114,7 @@
           <a:p>
             <a:fld id="{8A2250BE-F15D-44BA-9438-B9DF99335BCD}" type="datetime1">
               <a:rPr lang="ru-RU" smtClean="0"/>
-              <a:t>29.06.2019</a:t>
+              <a:t>07.07.2019</a:t>
             </a:fld>
             <a:endParaRPr lang="en-US" dirty="0"/>
           </a:p>
@@ -5447,7 +5447,7 @@
           <a:p>
             <a:fld id="{7DE2CE15-DD73-496B-88E9-3C783140B749}" type="datetime1">
               <a:rPr lang="ru-RU" smtClean="0"/>
-              <a:t>29.06.2019</a:t>
+              <a:t>07.07.2019</a:t>
             </a:fld>
             <a:endParaRPr lang="en-US"/>
           </a:p>
@@ -5848,7 +5848,7 @@
           <a:p>
             <a:fld id="{C5591223-2003-4F54-BFF5-C55495CDBD8E}" type="datetime1">
               <a:rPr lang="ru-RU" smtClean="0"/>
-              <a:t>29.06.2019</a:t>
+              <a:t>07.07.2019</a:t>
             </a:fld>
             <a:endParaRPr lang="en-US"/>
           </a:p>
@@ -6224,7 +6224,7 @@
           <a:p>
             <a:fld id="{43563794-FDD4-4540-A355-3AD563225139}" type="datetime1">
               <a:rPr lang="ru-RU" smtClean="0"/>
-              <a:t>29.06.2019</a:t>
+              <a:t>07.07.2019</a:t>
             </a:fld>
             <a:endParaRPr lang="en-US"/>
           </a:p>
@@ -6730,7 +6730,7 @@
           <a:p>
             <a:fld id="{9C6B1E0C-F71F-4246-9CF7-3D799719CFAA}" type="datetime1">
               <a:rPr lang="ru-RU" smtClean="0"/>
-              <a:t>29.06.2019</a:t>
+              <a:t>07.07.2019</a:t>
             </a:fld>
             <a:endParaRPr lang="en-US"/>
           </a:p>
@@ -6987,7 +6987,7 @@
           <a:p>
             <a:fld id="{C8CD1612-23C8-4220-8DEF-C122C80B4952}" type="datetime1">
               <a:rPr lang="ru-RU" smtClean="0"/>
-              <a:t>29.06.2019</a:t>
+              <a:t>07.07.2019</a:t>
             </a:fld>
             <a:endParaRPr lang="en-US"/>
           </a:p>
@@ -7155,7 +7155,7 @@
           <a:p>
             <a:fld id="{CD59FF44-4703-437F-9D7D-4A2470583044}" type="datetime1">
               <a:rPr lang="ru-RU" smtClean="0"/>
-              <a:t>29.06.2019</a:t>
+              <a:t>07.07.2019</a:t>
             </a:fld>
             <a:endParaRPr lang="en-US"/>
           </a:p>
@@ -7545,7 +7545,7 @@
           <a:p>
             <a:fld id="{328CCA78-EACE-4FD5-BA12-7FEDA73BAFAB}" type="datetime1">
               <a:rPr lang="ru-RU" smtClean="0"/>
-              <a:t>29.06.2019</a:t>
+              <a:t>07.07.2019</a:t>
             </a:fld>
             <a:endParaRPr lang="en-US"/>
           </a:p>
@@ -7954,7 +7954,7 @@
           <a:p>
             <a:fld id="{80D44EDB-1D2F-4DC9-A659-7C84B659E344}" type="datetime1">
               <a:rPr lang="ru-RU" smtClean="0"/>
-              <a:t>29.06.2019</a:t>
+              <a:t>07.07.2019</a:t>
             </a:fld>
             <a:endParaRPr lang="en-US"/>
           </a:p>
@@ -8200,7 +8200,7 @@
             <a:fld id="{ABA487C1-7FE9-4143-8923-87ED1DD08F19}" type="datetime1">
               <a:rPr lang="ru-RU" smtClean="0"/>
               <a:pPr/>
-              <a:t>29.06.2019</a:t>
+              <a:t>07.07.2019</a:t>
             </a:fld>
             <a:endParaRPr lang="en-US" dirty="0"/>
           </a:p>
@@ -8878,7 +8878,7 @@
           <a:p>
             <a:fld id="{2D4A23AA-1D21-4822-8346-CA7E14AECDD0}" type="datetime1">
               <a:rPr lang="ru-RU" smtClean="0"/>
-              <a:t>29.06.2019</a:t>
+              <a:t>07.07.2019</a:t>
             </a:fld>
             <a:endParaRPr lang="en-US"/>
           </a:p>
@@ -9097,7 +9097,7 @@
           <a:p>
             <a:fld id="{2D4A23AA-1D21-4822-8346-CA7E14AECDD0}" type="datetime1">
               <a:rPr lang="ru-RU" smtClean="0"/>
-              <a:t>29.06.2019</a:t>
+              <a:t>07.07.2019</a:t>
             </a:fld>
             <a:endParaRPr lang="en-US"/>
           </a:p>
@@ -9305,7 +9305,7 @@
           <a:p>
             <a:fld id="{2D4A23AA-1D21-4822-8346-CA7E14AECDD0}" type="datetime1">
               <a:rPr lang="ru-RU" smtClean="0"/>
-              <a:t>29.06.2019</a:t>
+              <a:t>07.07.2019</a:t>
             </a:fld>
             <a:endParaRPr lang="en-US"/>
           </a:p>
@@ -10822,7 +10822,7 @@
           <a:p>
             <a:fld id="{2D4A23AA-1D21-4822-8346-CA7E14AECDD0}" type="datetime1">
               <a:rPr lang="ru-RU" smtClean="0"/>
-              <a:t>29.06.2019</a:t>
+              <a:t>07.07.2019</a:t>
             </a:fld>
             <a:endParaRPr lang="en-US"/>
           </a:p>
@@ -11014,7 +11014,7 @@
           <a:p>
             <a:fld id="{2D4A23AA-1D21-4822-8346-CA7E14AECDD0}" type="datetime1">
               <a:rPr lang="ru-RU" smtClean="0"/>
-              <a:t>29.06.2019</a:t>
+              <a:t>07.07.2019</a:t>
             </a:fld>
             <a:endParaRPr lang="en-US"/>
           </a:p>
@@ -11923,7 +11923,7 @@
           <a:p>
             <a:fld id="{2D4A23AA-1D21-4822-8346-CA7E14AECDD0}" type="datetime1">
               <a:rPr lang="ru-RU" smtClean="0"/>
-              <a:t>29.06.2019</a:t>
+              <a:t>07.07.2019</a:t>
             </a:fld>
             <a:endParaRPr lang="en-US"/>
           </a:p>
@@ -13613,7 +13613,7 @@
           <a:p>
             <a:fld id="{2D4A23AA-1D21-4822-8346-CA7E14AECDD0}" type="datetime1">
               <a:rPr lang="ru-RU" smtClean="0"/>
-              <a:t>29.06.2019</a:t>
+              <a:t>07.07.2019</a:t>
             </a:fld>
             <a:endParaRPr lang="en-US"/>
           </a:p>
@@ -16324,7 +16324,7 @@
           <a:p>
             <a:fld id="{2D4A23AA-1D21-4822-8346-CA7E14AECDD0}" type="datetime1">
               <a:rPr lang="ru-RU" smtClean="0"/>
-              <a:t>29.06.2019</a:t>
+              <a:t>07.07.2019</a:t>
             </a:fld>
             <a:endParaRPr lang="en-US"/>
           </a:p>
@@ -16510,7 +16510,7 @@
           <a:p>
             <a:fld id="{2D4A23AA-1D21-4822-8346-CA7E14AECDD0}" type="datetime1">
               <a:rPr lang="ru-RU" smtClean="0"/>
-              <a:t>29.06.2019</a:t>
+              <a:t>07.07.2019</a:t>
             </a:fld>
             <a:endParaRPr lang="en-US"/>
           </a:p>
@@ -16731,7 +16731,7 @@
           <a:p>
             <a:fld id="{2D4A23AA-1D21-4822-8346-CA7E14AECDD0}" type="datetime1">
               <a:rPr lang="ru-RU" smtClean="0"/>
-              <a:t>29.06.2019</a:t>
+              <a:t>07.07.2019</a:t>
             </a:fld>
             <a:endParaRPr lang="en-US"/>
           </a:p>
@@ -17015,7 +17015,7 @@
           <a:p>
             <a:fld id="{10A25188-2956-4DA3-8229-5D523B568A6A}" type="datetime1">
               <a:rPr lang="ru-RU" smtClean="0"/>
-              <a:t>29.06.2019</a:t>
+              <a:t>07.07.2019</a:t>
             </a:fld>
             <a:endParaRPr lang="en-US"/>
           </a:p>
@@ -17346,7 +17346,7 @@
           <a:p>
             <a:fld id="{2D4A23AA-1D21-4822-8346-CA7E14AECDD0}" type="datetime1">
               <a:rPr lang="ru-RU" smtClean="0"/>
-              <a:t>29.06.2019</a:t>
+              <a:t>07.07.2019</a:t>
             </a:fld>
             <a:endParaRPr lang="en-US"/>
           </a:p>
@@ -17545,7 +17545,7 @@
           <a:p>
             <a:fld id="{2D4A23AA-1D21-4822-8346-CA7E14AECDD0}" type="datetime1">
               <a:rPr lang="ru-RU" smtClean="0"/>
-              <a:t>29.06.2019</a:t>
+              <a:t>07.07.2019</a:t>
             </a:fld>
             <a:endParaRPr lang="en-US"/>
           </a:p>
@@ -18812,7 +18812,7 @@
             <a:fld id="{2D4A23AA-1D21-4822-8346-CA7E14AECDD0}" type="datetime1">
               <a:rPr lang="ru-RU" smtClean="0"/>
               <a:pPr/>
-              <a:t>29.06.2019</a:t>
+              <a:t>07.07.2019</a:t>
             </a:fld>
             <a:endParaRPr lang="en-US"/>
           </a:p>
@@ -18964,7 +18964,7 @@
           <a:p>
             <a:fld id="{2D4A23AA-1D21-4822-8346-CA7E14AECDD0}" type="datetime1">
               <a:rPr lang="ru-RU" smtClean="0"/>
-              <a:t>29.06.2019</a:t>
+              <a:t>07.07.2019</a:t>
             </a:fld>
             <a:endParaRPr lang="en-US"/>
           </a:p>
@@ -21211,7 +21211,7 @@
             <a:fld id="{2D4A23AA-1D21-4822-8346-CA7E14AECDD0}" type="datetime1">
               <a:rPr lang="ru-RU" smtClean="0"/>
               <a:pPr/>
-              <a:t>29.06.2019</a:t>
+              <a:t>07.07.2019</a:t>
             </a:fld>
             <a:endParaRPr lang="en-US"/>
           </a:p>
@@ -21363,7 +21363,7 @@
           <a:p>
             <a:fld id="{2D4A23AA-1D21-4822-8346-CA7E14AECDD0}" type="datetime1">
               <a:rPr lang="ru-RU" smtClean="0"/>
-              <a:t>29.06.2019</a:t>
+              <a:t>07.07.2019</a:t>
             </a:fld>
             <a:endParaRPr lang="en-US"/>
           </a:p>
@@ -23766,7 +23766,7 @@
             <a:fld id="{2D4A23AA-1D21-4822-8346-CA7E14AECDD0}" type="datetime1">
               <a:rPr lang="ru-RU" smtClean="0"/>
               <a:pPr/>
-              <a:t>29.06.2019</a:t>
+              <a:t>07.07.2019</a:t>
             </a:fld>
             <a:endParaRPr lang="en-US"/>
           </a:p>
@@ -24636,35 +24636,12 @@
           </a:bodyPr>
           <a:lstStyle/>
           <a:p>
-            <a:pPr marL="742950" indent="-742950">
-              <a:buAutoNum type="arabicPeriod"/>
+            <a:pPr marL="0" indent="0">
+              <a:buNone/>
             </a:pPr>
             <a:r>
-              <a:rPr lang="ru-RU" sz="3600" dirty="0"/>
-              <a:t>Запрограммировать хаос – невозможно!</a:t>
-            </a:r>
-          </a:p>
-          <a:p>
-            <a:pPr marL="742950" indent="-742950">
-              <a:buAutoNum type="arabicPeriod"/>
-            </a:pPr>
-            <a:r>
               <a:rPr lang="ru-RU" sz="3200" dirty="0"/>
-              <a:t>Анализируем требования и </a:t>
-            </a:r>
-            <a:r>
-              <a:rPr lang="ru-RU" sz="3200"/>
-              <a:t>создаем правила.</a:t>
-            </a:r>
-            <a:endParaRPr lang="ru-RU" sz="3200" dirty="0"/>
-          </a:p>
-          <a:p>
-            <a:pPr marL="742950" indent="-742950">
-              <a:buAutoNum type="arabicPeriod"/>
-            </a:pPr>
-            <a:r>
-              <a:rPr lang="ru-RU" sz="3200" dirty="0"/>
-              <a:t>Бизнес-логика.</a:t>
+              <a:t>Анализируем требования и правила</a:t>
             </a:r>
           </a:p>
           <a:p>
@@ -24699,7 +24676,7 @@
             <a:fld id="{2D4A23AA-1D21-4822-8346-CA7E14AECDD0}" type="datetime1">
               <a:rPr lang="ru-RU" smtClean="0"/>
               <a:pPr/>
-              <a:t>29.06.2019</a:t>
+              <a:t>07.07.2019</a:t>
             </a:fld>
             <a:endParaRPr lang="en-US"/>
           </a:p>
@@ -24944,7 +24921,7 @@
           <a:p>
             <a:fld id="{2B345FB0-09AD-4AC0-8DC4-6C68B700A600}" type="datetime1">
               <a:rPr lang="ru-RU" smtClean="0"/>
-              <a:t>29.06.2019</a:t>
+              <a:t>07.07.2019</a:t>
             </a:fld>
             <a:endParaRPr lang="en-US"/>
           </a:p>
@@ -25147,7 +25124,7 @@
           <a:p>
             <a:fld id="{AA4BE119-AABE-437D-8F94-331A05056B80}" type="datetime1">
               <a:rPr lang="ru-RU" smtClean="0"/>
-              <a:t>29.06.2019</a:t>
+              <a:t>07.07.2019</a:t>
             </a:fld>
             <a:endParaRPr lang="en-US"/>
           </a:p>
@@ -25327,7 +25304,7 @@
           <a:p>
             <a:fld id="{AA4BE119-AABE-437D-8F94-331A05056B80}" type="datetime1">
               <a:rPr lang="ru-RU" smtClean="0"/>
-              <a:t>29.06.2019</a:t>
+              <a:t>07.07.2019</a:t>
             </a:fld>
             <a:endParaRPr lang="en-US"/>
           </a:p>
@@ -26063,7 +26040,7 @@
           <a:p>
             <a:fld id="{2D4A23AA-1D21-4822-8346-CA7E14AECDD0}" type="datetime1">
               <a:rPr lang="ru-RU" smtClean="0"/>
-              <a:t>29.06.2019</a:t>
+              <a:t>07.07.2019</a:t>
             </a:fld>
             <a:endParaRPr lang="en-US"/>
           </a:p>
@@ -26323,7 +26300,7 @@
           <a:p>
             <a:fld id="{2D4A23AA-1D21-4822-8346-CA7E14AECDD0}" type="datetime1">
               <a:rPr lang="ru-RU" smtClean="0"/>
-              <a:t>29.06.2019</a:t>
+              <a:t>07.07.2019</a:t>
             </a:fld>
             <a:endParaRPr lang="en-US"/>
           </a:p>
@@ -28215,7 +28192,7 @@
           <a:p>
             <a:fld id="{2D4A23AA-1D21-4822-8346-CA7E14AECDD0}" type="datetime1">
               <a:rPr lang="ru-RU" smtClean="0"/>
-              <a:t>29.06.2019</a:t>
+              <a:t>07.07.2019</a:t>
             </a:fld>
             <a:endParaRPr lang="en-US"/>
           </a:p>
@@ -28613,7 +28590,7 @@
           <a:p>
             <a:fld id="{2D4A23AA-1D21-4822-8346-CA7E14AECDD0}" type="datetime1">
               <a:rPr lang="ru-RU" smtClean="0"/>
-              <a:t>29.06.2019</a:t>
+              <a:t>07.07.2019</a:t>
             </a:fld>
             <a:endParaRPr lang="en-US"/>
           </a:p>

--- a/Presentation/Calabonga.Catalog.pptx
+++ b/Presentation/Calabonga.Catalog.pptx
@@ -5,10 +5,10 @@
     <p:sldMasterId id="2147483762" r:id="rId1"/>
   </p:sldMasterIdLst>
   <p:notesMasterIdLst>
-    <p:notesMasterId r:id="rId29"/>
+    <p:notesMasterId r:id="rId30"/>
   </p:notesMasterIdLst>
   <p:handoutMasterIdLst>
-    <p:handoutMasterId r:id="rId30"/>
+    <p:handoutMasterId r:id="rId31"/>
   </p:handoutMasterIdLst>
   <p:sldIdLst>
     <p:sldId id="256" r:id="rId2"/>
@@ -38,6 +38,7 @@
     <p:sldId id="280" r:id="rId26"/>
     <p:sldId id="281" r:id="rId27"/>
     <p:sldId id="282" r:id="rId28"/>
+    <p:sldId id="283" r:id="rId29"/>
   </p:sldIdLst>
   <p:sldSz cx="12192000" cy="6858000"/>
   <p:notesSz cx="6858000" cy="9144000"/>
@@ -2994,7 +2995,7 @@
           <a:p>
             <a:fld id="{C7EBD34A-458D-4E15-9A13-07B008861E08}" type="datetime1">
               <a:rPr lang="ru-RU" smtClean="0"/>
-              <a:t>07.07.2019</a:t>
+              <a:t>20.07.2019</a:t>
             </a:fld>
             <a:endParaRPr lang="en-US"/>
           </a:p>
@@ -3160,7 +3161,7 @@
           <a:p>
             <a:fld id="{BD2C1305-B0C8-41A5-A415-431426818951}" type="datetime1">
               <a:rPr lang="ru-RU" smtClean="0"/>
-              <a:t>07.07.2019</a:t>
+              <a:t>20.07.2019</a:t>
             </a:fld>
             <a:endParaRPr lang="en-US"/>
           </a:p>
@@ -4405,6 +4406,67 @@
 </p:notes>
 </file>
 
+<file path=ppt/notesSlides/notesSlide24.xml><?xml version="1.0" encoding="utf-8"?>
+<p:notes xmlns:a="http://schemas.openxmlformats.org/drawingml/2006/main" xmlns:r="http://schemas.openxmlformats.org/officeDocument/2006/relationships" xmlns:p="http://schemas.openxmlformats.org/presentationml/2006/main">
+  <p:cSld>
+    <p:spTree>
+      <p:nvGrpSpPr>
+        <p:cNvPr id="1" name=""/>
+        <p:cNvGrpSpPr/>
+        <p:nvPr/>
+      </p:nvGrpSpPr>
+      <p:grpSpPr>
+        <a:xfrm>
+          <a:off x="0" y="0"/>
+          <a:ext cx="0" cy="0"/>
+          <a:chOff x="0" y="0"/>
+          <a:chExt cx="0" cy="0"/>
+        </a:xfrm>
+      </p:grpSpPr>
+      <p:sp>
+        <p:nvSpPr>
+          <p:cNvPr id="2" name="Образ слайда 1"/>
+          <p:cNvSpPr>
+            <a:spLocks noGrp="1" noRot="1" noChangeAspect="1"/>
+          </p:cNvSpPr>
+          <p:nvPr>
+            <p:ph type="sldImg"/>
+          </p:nvPr>
+        </p:nvSpPr>
+        <p:spPr/>
+      </p:sp>
+      <p:sp>
+        <p:nvSpPr>
+          <p:cNvPr id="3" name="Заметки 2"/>
+          <p:cNvSpPr>
+            <a:spLocks noGrp="1"/>
+          </p:cNvSpPr>
+          <p:nvPr>
+            <p:ph type="body" idx="1"/>
+          </p:nvPr>
+        </p:nvSpPr>
+        <p:spPr/>
+        <p:txBody>
+          <a:bodyPr/>
+          <a:lstStyle/>
+          <a:p>
+            <a:endParaRPr lang="en-US" dirty="0"/>
+          </a:p>
+        </p:txBody>
+      </p:sp>
+    </p:spTree>
+    <p:extLst>
+      <p:ext uri="{BB962C8B-B14F-4D97-AF65-F5344CB8AC3E}">
+        <p14:creationId xmlns:p14="http://schemas.microsoft.com/office/powerpoint/2010/main" val="3397391765"/>
+      </p:ext>
+    </p:extLst>
+  </p:cSld>
+  <p:clrMapOvr>
+    <a:masterClrMapping/>
+  </p:clrMapOvr>
+</p:notes>
+</file>
+
 <file path=ppt/notesSlides/notesSlide3.xml><?xml version="1.0" encoding="utf-8"?>
 <p:notes xmlns:a="http://schemas.openxmlformats.org/drawingml/2006/main" xmlns:r="http://schemas.openxmlformats.org/officeDocument/2006/relationships" xmlns:p="http://schemas.openxmlformats.org/presentationml/2006/main">
   <p:cSld>
@@ -5114,7 +5176,7 @@
           <a:p>
             <a:fld id="{8A2250BE-F15D-44BA-9438-B9DF99335BCD}" type="datetime1">
               <a:rPr lang="ru-RU" smtClean="0"/>
-              <a:t>07.07.2019</a:t>
+              <a:t>20.07.2019</a:t>
             </a:fld>
             <a:endParaRPr lang="en-US" dirty="0"/>
           </a:p>
@@ -5447,7 +5509,7 @@
           <a:p>
             <a:fld id="{7DE2CE15-DD73-496B-88E9-3C783140B749}" type="datetime1">
               <a:rPr lang="ru-RU" smtClean="0"/>
-              <a:t>07.07.2019</a:t>
+              <a:t>20.07.2019</a:t>
             </a:fld>
             <a:endParaRPr lang="en-US"/>
           </a:p>
@@ -5848,7 +5910,7 @@
           <a:p>
             <a:fld id="{C5591223-2003-4F54-BFF5-C55495CDBD8E}" type="datetime1">
               <a:rPr lang="ru-RU" smtClean="0"/>
-              <a:t>07.07.2019</a:t>
+              <a:t>20.07.2019</a:t>
             </a:fld>
             <a:endParaRPr lang="en-US"/>
           </a:p>
@@ -6224,7 +6286,7 @@
           <a:p>
             <a:fld id="{43563794-FDD4-4540-A355-3AD563225139}" type="datetime1">
               <a:rPr lang="ru-RU" smtClean="0"/>
-              <a:t>07.07.2019</a:t>
+              <a:t>20.07.2019</a:t>
             </a:fld>
             <a:endParaRPr lang="en-US"/>
           </a:p>
@@ -6730,7 +6792,7 @@
           <a:p>
             <a:fld id="{9C6B1E0C-F71F-4246-9CF7-3D799719CFAA}" type="datetime1">
               <a:rPr lang="ru-RU" smtClean="0"/>
-              <a:t>07.07.2019</a:t>
+              <a:t>20.07.2019</a:t>
             </a:fld>
             <a:endParaRPr lang="en-US"/>
           </a:p>
@@ -6987,7 +7049,7 @@
           <a:p>
             <a:fld id="{C8CD1612-23C8-4220-8DEF-C122C80B4952}" type="datetime1">
               <a:rPr lang="ru-RU" smtClean="0"/>
-              <a:t>07.07.2019</a:t>
+              <a:t>20.07.2019</a:t>
             </a:fld>
             <a:endParaRPr lang="en-US"/>
           </a:p>
@@ -7155,7 +7217,7 @@
           <a:p>
             <a:fld id="{CD59FF44-4703-437F-9D7D-4A2470583044}" type="datetime1">
               <a:rPr lang="ru-RU" smtClean="0"/>
-              <a:t>07.07.2019</a:t>
+              <a:t>20.07.2019</a:t>
             </a:fld>
             <a:endParaRPr lang="en-US"/>
           </a:p>
@@ -7545,7 +7607,7 @@
           <a:p>
             <a:fld id="{328CCA78-EACE-4FD5-BA12-7FEDA73BAFAB}" type="datetime1">
               <a:rPr lang="ru-RU" smtClean="0"/>
-              <a:t>07.07.2019</a:t>
+              <a:t>20.07.2019</a:t>
             </a:fld>
             <a:endParaRPr lang="en-US"/>
           </a:p>
@@ -7954,7 +8016,7 @@
           <a:p>
             <a:fld id="{80D44EDB-1D2F-4DC9-A659-7C84B659E344}" type="datetime1">
               <a:rPr lang="ru-RU" smtClean="0"/>
-              <a:t>07.07.2019</a:t>
+              <a:t>20.07.2019</a:t>
             </a:fld>
             <a:endParaRPr lang="en-US"/>
           </a:p>
@@ -8200,7 +8262,7 @@
             <a:fld id="{ABA487C1-7FE9-4143-8923-87ED1DD08F19}" type="datetime1">
               <a:rPr lang="ru-RU" smtClean="0"/>
               <a:pPr/>
-              <a:t>07.07.2019</a:t>
+              <a:t>20.07.2019</a:t>
             </a:fld>
             <a:endParaRPr lang="en-US" dirty="0"/>
           </a:p>
@@ -8878,7 +8940,7 @@
           <a:p>
             <a:fld id="{2D4A23AA-1D21-4822-8346-CA7E14AECDD0}" type="datetime1">
               <a:rPr lang="ru-RU" smtClean="0"/>
-              <a:t>07.07.2019</a:t>
+              <a:t>20.07.2019</a:t>
             </a:fld>
             <a:endParaRPr lang="en-US"/>
           </a:p>
@@ -9097,7 +9159,7 @@
           <a:p>
             <a:fld id="{2D4A23AA-1D21-4822-8346-CA7E14AECDD0}" type="datetime1">
               <a:rPr lang="ru-RU" smtClean="0"/>
-              <a:t>07.07.2019</a:t>
+              <a:t>20.07.2019</a:t>
             </a:fld>
             <a:endParaRPr lang="en-US"/>
           </a:p>
@@ -9305,7 +9367,7 @@
           <a:p>
             <a:fld id="{2D4A23AA-1D21-4822-8346-CA7E14AECDD0}" type="datetime1">
               <a:rPr lang="ru-RU" smtClean="0"/>
-              <a:t>07.07.2019</a:t>
+              <a:t>20.07.2019</a:t>
             </a:fld>
             <a:endParaRPr lang="en-US"/>
           </a:p>
@@ -10822,7 +10884,7 @@
           <a:p>
             <a:fld id="{2D4A23AA-1D21-4822-8346-CA7E14AECDD0}" type="datetime1">
               <a:rPr lang="ru-RU" smtClean="0"/>
-              <a:t>07.07.2019</a:t>
+              <a:t>20.07.2019</a:t>
             </a:fld>
             <a:endParaRPr lang="en-US"/>
           </a:p>
@@ -11014,7 +11076,7 @@
           <a:p>
             <a:fld id="{2D4A23AA-1D21-4822-8346-CA7E14AECDD0}" type="datetime1">
               <a:rPr lang="ru-RU" smtClean="0"/>
-              <a:t>07.07.2019</a:t>
+              <a:t>20.07.2019</a:t>
             </a:fld>
             <a:endParaRPr lang="en-US"/>
           </a:p>
@@ -11923,7 +11985,7 @@
           <a:p>
             <a:fld id="{2D4A23AA-1D21-4822-8346-CA7E14AECDD0}" type="datetime1">
               <a:rPr lang="ru-RU" smtClean="0"/>
-              <a:t>07.07.2019</a:t>
+              <a:t>20.07.2019</a:t>
             </a:fld>
             <a:endParaRPr lang="en-US"/>
           </a:p>
@@ -13613,7 +13675,7 @@
           <a:p>
             <a:fld id="{2D4A23AA-1D21-4822-8346-CA7E14AECDD0}" type="datetime1">
               <a:rPr lang="ru-RU" smtClean="0"/>
-              <a:t>07.07.2019</a:t>
+              <a:t>20.07.2019</a:t>
             </a:fld>
             <a:endParaRPr lang="en-US"/>
           </a:p>
@@ -16324,7 +16386,7 @@
           <a:p>
             <a:fld id="{2D4A23AA-1D21-4822-8346-CA7E14AECDD0}" type="datetime1">
               <a:rPr lang="ru-RU" smtClean="0"/>
-              <a:t>07.07.2019</a:t>
+              <a:t>20.07.2019</a:t>
             </a:fld>
             <a:endParaRPr lang="en-US"/>
           </a:p>
@@ -16510,7 +16572,7 @@
           <a:p>
             <a:fld id="{2D4A23AA-1D21-4822-8346-CA7E14AECDD0}" type="datetime1">
               <a:rPr lang="ru-RU" smtClean="0"/>
-              <a:t>07.07.2019</a:t>
+              <a:t>20.07.2019</a:t>
             </a:fld>
             <a:endParaRPr lang="en-US"/>
           </a:p>
@@ -16731,7 +16793,7 @@
           <a:p>
             <a:fld id="{2D4A23AA-1D21-4822-8346-CA7E14AECDD0}" type="datetime1">
               <a:rPr lang="ru-RU" smtClean="0"/>
-              <a:t>07.07.2019</a:t>
+              <a:t>20.07.2019</a:t>
             </a:fld>
             <a:endParaRPr lang="en-US"/>
           </a:p>
@@ -17015,7 +17077,7 @@
           <a:p>
             <a:fld id="{10A25188-2956-4DA3-8229-5D523B568A6A}" type="datetime1">
               <a:rPr lang="ru-RU" smtClean="0"/>
-              <a:t>07.07.2019</a:t>
+              <a:t>20.07.2019</a:t>
             </a:fld>
             <a:endParaRPr lang="en-US"/>
           </a:p>
@@ -17346,7 +17408,7 @@
           <a:p>
             <a:fld id="{2D4A23AA-1D21-4822-8346-CA7E14AECDD0}" type="datetime1">
               <a:rPr lang="ru-RU" smtClean="0"/>
-              <a:t>07.07.2019</a:t>
+              <a:t>20.07.2019</a:t>
             </a:fld>
             <a:endParaRPr lang="en-US"/>
           </a:p>
@@ -17545,7 +17607,7 @@
           <a:p>
             <a:fld id="{2D4A23AA-1D21-4822-8346-CA7E14AECDD0}" type="datetime1">
               <a:rPr lang="ru-RU" smtClean="0"/>
-              <a:t>07.07.2019</a:t>
+              <a:t>20.07.2019</a:t>
             </a:fld>
             <a:endParaRPr lang="en-US"/>
           </a:p>
@@ -18812,7 +18874,7 @@
             <a:fld id="{2D4A23AA-1D21-4822-8346-CA7E14AECDD0}" type="datetime1">
               <a:rPr lang="ru-RU" smtClean="0"/>
               <a:pPr/>
-              <a:t>07.07.2019</a:t>
+              <a:t>20.07.2019</a:t>
             </a:fld>
             <a:endParaRPr lang="en-US"/>
           </a:p>
@@ -18964,7 +19026,7 @@
           <a:p>
             <a:fld id="{2D4A23AA-1D21-4822-8346-CA7E14AECDD0}" type="datetime1">
               <a:rPr lang="ru-RU" smtClean="0"/>
-              <a:t>07.07.2019</a:t>
+              <a:t>20.07.2019</a:t>
             </a:fld>
             <a:endParaRPr lang="en-US"/>
           </a:p>
@@ -21211,7 +21273,7 @@
             <a:fld id="{2D4A23AA-1D21-4822-8346-CA7E14AECDD0}" type="datetime1">
               <a:rPr lang="ru-RU" smtClean="0"/>
               <a:pPr/>
-              <a:t>07.07.2019</a:t>
+              <a:t>20.07.2019</a:t>
             </a:fld>
             <a:endParaRPr lang="en-US"/>
           </a:p>
@@ -21363,7 +21425,7 @@
           <a:p>
             <a:fld id="{2D4A23AA-1D21-4822-8346-CA7E14AECDD0}" type="datetime1">
               <a:rPr lang="ru-RU" smtClean="0"/>
-              <a:t>07.07.2019</a:t>
+              <a:t>20.07.2019</a:t>
             </a:fld>
             <a:endParaRPr lang="en-US"/>
           </a:p>
@@ -23766,7 +23828,7 @@
             <a:fld id="{2D4A23AA-1D21-4822-8346-CA7E14AECDD0}" type="datetime1">
               <a:rPr lang="ru-RU" smtClean="0"/>
               <a:pPr/>
-              <a:t>07.07.2019</a:t>
+              <a:t>20.07.2019</a:t>
             </a:fld>
             <a:endParaRPr lang="en-US"/>
           </a:p>
@@ -24676,7 +24738,7 @@
             <a:fld id="{2D4A23AA-1D21-4822-8346-CA7E14AECDD0}" type="datetime1">
               <a:rPr lang="ru-RU" smtClean="0"/>
               <a:pPr/>
-              <a:t>07.07.2019</a:t>
+              <a:t>20.07.2019</a:t>
             </a:fld>
             <a:endParaRPr lang="en-US"/>
           </a:p>
@@ -24744,6 +24806,228 @@
     <p:extLst>
       <p:ext uri="{BB962C8B-B14F-4D97-AF65-F5344CB8AC3E}">
         <p14:creationId xmlns:p14="http://schemas.microsoft.com/office/powerpoint/2010/main" val="1969909178"/>
+      </p:ext>
+    </p:extLst>
+  </p:cSld>
+  <p:clrMapOvr>
+    <a:masterClrMapping/>
+  </p:clrMapOvr>
+  <p:transition spd="med">
+    <p:pull/>
+  </p:transition>
+</p:sld>
+</file>
+
+<file path=ppt/slides/slide28.xml><?xml version="1.0" encoding="utf-8"?>
+<p:sld xmlns:a="http://schemas.openxmlformats.org/drawingml/2006/main" xmlns:r="http://schemas.openxmlformats.org/officeDocument/2006/relationships" xmlns:p="http://schemas.openxmlformats.org/presentationml/2006/main">
+  <p:cSld>
+    <p:spTree>
+      <p:nvGrpSpPr>
+        <p:cNvPr id="1" name=""/>
+        <p:cNvGrpSpPr/>
+        <p:nvPr/>
+      </p:nvGrpSpPr>
+      <p:grpSpPr>
+        <a:xfrm>
+          <a:off x="0" y="0"/>
+          <a:ext cx="0" cy="0"/>
+          <a:chOff x="0" y="0"/>
+          <a:chExt cx="0" cy="0"/>
+        </a:xfrm>
+      </p:grpSpPr>
+      <p:sp>
+        <p:nvSpPr>
+          <p:cNvPr id="2" name="Заголовок 1">
+            <a:extLst>
+              <a:ext uri="{FF2B5EF4-FFF2-40B4-BE49-F238E27FC236}">
+                <a16:creationId xmlns:a16="http://schemas.microsoft.com/office/drawing/2014/main" id="{5ED3076E-2E51-49BA-B663-2E6FD28DE68E}"/>
+              </a:ext>
+            </a:extLst>
+          </p:cNvPr>
+          <p:cNvSpPr>
+            <a:spLocks noGrp="1"/>
+          </p:cNvSpPr>
+          <p:nvPr>
+            <p:ph type="title"/>
+          </p:nvPr>
+        </p:nvSpPr>
+        <p:spPr/>
+        <p:txBody>
+          <a:bodyPr/>
+          <a:lstStyle/>
+          <a:p>
+            <a:r>
+              <a:rPr lang="ru-RU" dirty="0"/>
+              <a:t>Часть </a:t>
+            </a:r>
+            <a:r>
+              <a:rPr lang="en-US" dirty="0"/>
+              <a:t>13</a:t>
+            </a:r>
+          </a:p>
+        </p:txBody>
+      </p:sp>
+      <p:sp>
+        <p:nvSpPr>
+          <p:cNvPr id="46" name="Объект 45">
+            <a:extLst>
+              <a:ext uri="{FF2B5EF4-FFF2-40B4-BE49-F238E27FC236}">
+                <a16:creationId xmlns:a16="http://schemas.microsoft.com/office/drawing/2014/main" id="{52D0E0D2-6E1E-4C0F-B92A-A811703BEA5E}"/>
+              </a:ext>
+            </a:extLst>
+          </p:cNvPr>
+          <p:cNvSpPr>
+            <a:spLocks noGrp="1"/>
+          </p:cNvSpPr>
+          <p:nvPr>
+            <p:ph idx="1"/>
+          </p:nvPr>
+        </p:nvSpPr>
+        <p:spPr/>
+        <p:txBody>
+          <a:bodyPr>
+            <a:normAutofit/>
+          </a:bodyPr>
+          <a:lstStyle/>
+          <a:p>
+            <a:pPr marL="0" indent="0">
+              <a:buNone/>
+            </a:pPr>
+            <a:r>
+              <a:rPr lang="ru-RU" sz="3200" dirty="0"/>
+              <a:t>Реализация требований	и правила</a:t>
+            </a:r>
+          </a:p>
+          <a:p>
+            <a:pPr marL="742950" indent="-742950">
+              <a:buAutoNum type="arabicPeriod"/>
+            </a:pPr>
+            <a:endParaRPr lang="en-US" sz="3200" dirty="0"/>
+          </a:p>
+        </p:txBody>
+      </p:sp>
+      <p:sp>
+        <p:nvSpPr>
+          <p:cNvPr id="6" name="Дата 5">
+            <a:extLst>
+              <a:ext uri="{FF2B5EF4-FFF2-40B4-BE49-F238E27FC236}">
+                <a16:creationId xmlns:a16="http://schemas.microsoft.com/office/drawing/2014/main" id="{3D389C93-18E8-4B65-9A0C-57EA5FF1262A}"/>
+              </a:ext>
+            </a:extLst>
+          </p:cNvPr>
+          <p:cNvSpPr>
+            <a:spLocks noGrp="1"/>
+          </p:cNvSpPr>
+          <p:nvPr>
+            <p:ph type="dt" sz="half" idx="10"/>
+          </p:nvPr>
+        </p:nvSpPr>
+        <p:spPr/>
+        <p:txBody>
+          <a:bodyPr/>
+          <a:lstStyle/>
+          <a:p>
+            <a:fld id="{2D4A23AA-1D21-4822-8346-CA7E14AECDD0}" type="datetime1">
+              <a:rPr lang="ru-RU" smtClean="0"/>
+              <a:pPr/>
+              <a:t>20.07.2019</a:t>
+            </a:fld>
+            <a:endParaRPr lang="en-US"/>
+          </a:p>
+        </p:txBody>
+      </p:sp>
+      <p:sp>
+        <p:nvSpPr>
+          <p:cNvPr id="7" name="Нижний колонтитул 6">
+            <a:extLst>
+              <a:ext uri="{FF2B5EF4-FFF2-40B4-BE49-F238E27FC236}">
+                <a16:creationId xmlns:a16="http://schemas.microsoft.com/office/drawing/2014/main" id="{FD3B82CA-042F-4A44-8CC3-391A074B55D4}"/>
+              </a:ext>
+            </a:extLst>
+          </p:cNvPr>
+          <p:cNvSpPr>
+            <a:spLocks noGrp="1"/>
+          </p:cNvSpPr>
+          <p:nvPr>
+            <p:ph type="ftr" sz="quarter" idx="11"/>
+          </p:nvPr>
+        </p:nvSpPr>
+        <p:spPr/>
+        <p:txBody>
+          <a:bodyPr/>
+          <a:lstStyle/>
+          <a:p>
+            <a:r>
+              <a:rPr lang="en-US" dirty="0"/>
+              <a:t>www.calabonga.net</a:t>
+            </a:r>
+          </a:p>
+        </p:txBody>
+      </p:sp>
+      <p:sp>
+        <p:nvSpPr>
+          <p:cNvPr id="8" name="Номер слайда 7">
+            <a:extLst>
+              <a:ext uri="{FF2B5EF4-FFF2-40B4-BE49-F238E27FC236}">
+                <a16:creationId xmlns:a16="http://schemas.microsoft.com/office/drawing/2014/main" id="{04E38101-A6CD-43DF-A008-79A5BF5D68AE}"/>
+              </a:ext>
+            </a:extLst>
+          </p:cNvPr>
+          <p:cNvSpPr>
+            <a:spLocks noGrp="1"/>
+          </p:cNvSpPr>
+          <p:nvPr>
+            <p:ph type="sldNum" sz="quarter" idx="12"/>
+          </p:nvPr>
+        </p:nvSpPr>
+        <p:spPr/>
+        <p:txBody>
+          <a:bodyPr/>
+          <a:lstStyle/>
+          <a:p>
+            <a:fld id="{356453D0-7C6D-4FAD-A87B-D4E72CD04107}" type="slidenum">
+              <a:rPr lang="en-US" smtClean="0"/>
+              <a:pPr/>
+              <a:t>28</a:t>
+            </a:fld>
+            <a:endParaRPr lang="en-US"/>
+          </a:p>
+        </p:txBody>
+      </p:sp>
+      <p:pic>
+        <p:nvPicPr>
+          <p:cNvPr id="3" name="Рисунок 2">
+            <a:extLst>
+              <a:ext uri="{FF2B5EF4-FFF2-40B4-BE49-F238E27FC236}">
+                <a16:creationId xmlns:a16="http://schemas.microsoft.com/office/drawing/2014/main" id="{715D8E2F-3975-4F85-ABB1-4376600C3896}"/>
+              </a:ext>
+            </a:extLst>
+          </p:cNvPr>
+          <p:cNvPicPr>
+            <a:picLocks noChangeAspect="1"/>
+          </p:cNvPicPr>
+          <p:nvPr/>
+        </p:nvPicPr>
+        <p:blipFill>
+          <a:blip r:embed="rId3"/>
+          <a:stretch>
+            <a:fillRect/>
+          </a:stretch>
+        </p:blipFill>
+        <p:spPr>
+          <a:xfrm>
+            <a:off x="680321" y="3000568"/>
+            <a:ext cx="7489567" cy="2253402"/>
+          </a:xfrm>
+          <a:prstGeom prst="rect">
+            <a:avLst/>
+          </a:prstGeom>
+        </p:spPr>
+      </p:pic>
+    </p:spTree>
+    <p:extLst>
+      <p:ext uri="{BB962C8B-B14F-4D97-AF65-F5344CB8AC3E}">
+        <p14:creationId xmlns:p14="http://schemas.microsoft.com/office/powerpoint/2010/main" val="2670620307"/>
       </p:ext>
     </p:extLst>
   </p:cSld>
@@ -24921,7 +25205,7 @@
           <a:p>
             <a:fld id="{2B345FB0-09AD-4AC0-8DC4-6C68B700A600}" type="datetime1">
               <a:rPr lang="ru-RU" smtClean="0"/>
-              <a:t>07.07.2019</a:t>
+              <a:t>20.07.2019</a:t>
             </a:fld>
             <a:endParaRPr lang="en-US"/>
           </a:p>
@@ -25124,7 +25408,7 @@
           <a:p>
             <a:fld id="{AA4BE119-AABE-437D-8F94-331A05056B80}" type="datetime1">
               <a:rPr lang="ru-RU" smtClean="0"/>
-              <a:t>07.07.2019</a:t>
+              <a:t>20.07.2019</a:t>
             </a:fld>
             <a:endParaRPr lang="en-US"/>
           </a:p>
@@ -25304,7 +25588,7 @@
           <a:p>
             <a:fld id="{AA4BE119-AABE-437D-8F94-331A05056B80}" type="datetime1">
               <a:rPr lang="ru-RU" smtClean="0"/>
-              <a:t>07.07.2019</a:t>
+              <a:t>20.07.2019</a:t>
             </a:fld>
             <a:endParaRPr lang="en-US"/>
           </a:p>
@@ -26040,7 +26324,7 @@
           <a:p>
             <a:fld id="{2D4A23AA-1D21-4822-8346-CA7E14AECDD0}" type="datetime1">
               <a:rPr lang="ru-RU" smtClean="0"/>
-              <a:t>07.07.2019</a:t>
+              <a:t>20.07.2019</a:t>
             </a:fld>
             <a:endParaRPr lang="en-US"/>
           </a:p>
@@ -26300,7 +26584,7 @@
           <a:p>
             <a:fld id="{2D4A23AA-1D21-4822-8346-CA7E14AECDD0}" type="datetime1">
               <a:rPr lang="ru-RU" smtClean="0"/>
-              <a:t>07.07.2019</a:t>
+              <a:t>20.07.2019</a:t>
             </a:fld>
             <a:endParaRPr lang="en-US"/>
           </a:p>
@@ -28192,7 +28476,7 @@
           <a:p>
             <a:fld id="{2D4A23AA-1D21-4822-8346-CA7E14AECDD0}" type="datetime1">
               <a:rPr lang="ru-RU" smtClean="0"/>
-              <a:t>07.07.2019</a:t>
+              <a:t>20.07.2019</a:t>
             </a:fld>
             <a:endParaRPr lang="en-US"/>
           </a:p>
@@ -28590,7 +28874,7 @@
           <a:p>
             <a:fld id="{2D4A23AA-1D21-4822-8346-CA7E14AECDD0}" type="datetime1">
               <a:rPr lang="ru-RU" smtClean="0"/>
-              <a:t>07.07.2019</a:t>
+              <a:t>20.07.2019</a:t>
             </a:fld>
             <a:endParaRPr lang="en-US"/>
           </a:p>

--- a/Presentation/Calabonga.Catalog.pptx
+++ b/Presentation/Calabonga.Catalog.pptx
@@ -5,10 +5,10 @@
     <p:sldMasterId id="2147483762" r:id="rId1"/>
   </p:sldMasterIdLst>
   <p:notesMasterIdLst>
-    <p:notesMasterId r:id="rId30"/>
+    <p:notesMasterId r:id="rId31"/>
   </p:notesMasterIdLst>
   <p:handoutMasterIdLst>
-    <p:handoutMasterId r:id="rId31"/>
+    <p:handoutMasterId r:id="rId32"/>
   </p:handoutMasterIdLst>
   <p:sldIdLst>
     <p:sldId id="256" r:id="rId2"/>
@@ -39,6 +39,7 @@
     <p:sldId id="281" r:id="rId27"/>
     <p:sldId id="282" r:id="rId28"/>
     <p:sldId id="283" r:id="rId29"/>
+    <p:sldId id="284" r:id="rId30"/>
   </p:sldIdLst>
   <p:sldSz cx="12192000" cy="6858000"/>
   <p:notesSz cx="6858000" cy="9144000"/>
@@ -2995,7 +2996,7 @@
           <a:p>
             <a:fld id="{C7EBD34A-458D-4E15-9A13-07B008861E08}" type="datetime1">
               <a:rPr lang="ru-RU" smtClean="0"/>
-              <a:t>20.07.2019</a:t>
+              <a:t>28.07.2019</a:t>
             </a:fld>
             <a:endParaRPr lang="en-US"/>
           </a:p>
@@ -3161,7 +3162,7 @@
           <a:p>
             <a:fld id="{BD2C1305-B0C8-41A5-A415-431426818951}" type="datetime1">
               <a:rPr lang="ru-RU" smtClean="0"/>
-              <a:t>20.07.2019</a:t>
+              <a:t>28.07.2019</a:t>
             </a:fld>
             <a:endParaRPr lang="en-US"/>
           </a:p>
@@ -4467,6 +4468,67 @@
 </p:notes>
 </file>
 
+<file path=ppt/notesSlides/notesSlide25.xml><?xml version="1.0" encoding="utf-8"?>
+<p:notes xmlns:a="http://schemas.openxmlformats.org/drawingml/2006/main" xmlns:r="http://schemas.openxmlformats.org/officeDocument/2006/relationships" xmlns:p="http://schemas.openxmlformats.org/presentationml/2006/main">
+  <p:cSld>
+    <p:spTree>
+      <p:nvGrpSpPr>
+        <p:cNvPr id="1" name=""/>
+        <p:cNvGrpSpPr/>
+        <p:nvPr/>
+      </p:nvGrpSpPr>
+      <p:grpSpPr>
+        <a:xfrm>
+          <a:off x="0" y="0"/>
+          <a:ext cx="0" cy="0"/>
+          <a:chOff x="0" y="0"/>
+          <a:chExt cx="0" cy="0"/>
+        </a:xfrm>
+      </p:grpSpPr>
+      <p:sp>
+        <p:nvSpPr>
+          <p:cNvPr id="2" name="Образ слайда 1"/>
+          <p:cNvSpPr>
+            <a:spLocks noGrp="1" noRot="1" noChangeAspect="1"/>
+          </p:cNvSpPr>
+          <p:nvPr>
+            <p:ph type="sldImg"/>
+          </p:nvPr>
+        </p:nvSpPr>
+        <p:spPr/>
+      </p:sp>
+      <p:sp>
+        <p:nvSpPr>
+          <p:cNvPr id="3" name="Заметки 2"/>
+          <p:cNvSpPr>
+            <a:spLocks noGrp="1"/>
+          </p:cNvSpPr>
+          <p:nvPr>
+            <p:ph type="body" idx="1"/>
+          </p:nvPr>
+        </p:nvSpPr>
+        <p:spPr/>
+        <p:txBody>
+          <a:bodyPr/>
+          <a:lstStyle/>
+          <a:p>
+            <a:endParaRPr lang="en-US" dirty="0"/>
+          </a:p>
+        </p:txBody>
+      </p:sp>
+    </p:spTree>
+    <p:extLst>
+      <p:ext uri="{BB962C8B-B14F-4D97-AF65-F5344CB8AC3E}">
+        <p14:creationId xmlns:p14="http://schemas.microsoft.com/office/powerpoint/2010/main" val="1924168098"/>
+      </p:ext>
+    </p:extLst>
+  </p:cSld>
+  <p:clrMapOvr>
+    <a:masterClrMapping/>
+  </p:clrMapOvr>
+</p:notes>
+</file>
+
 <file path=ppt/notesSlides/notesSlide3.xml><?xml version="1.0" encoding="utf-8"?>
 <p:notes xmlns:a="http://schemas.openxmlformats.org/drawingml/2006/main" xmlns:r="http://schemas.openxmlformats.org/officeDocument/2006/relationships" xmlns:p="http://schemas.openxmlformats.org/presentationml/2006/main">
   <p:cSld>
@@ -5176,7 +5238,7 @@
           <a:p>
             <a:fld id="{8A2250BE-F15D-44BA-9438-B9DF99335BCD}" type="datetime1">
               <a:rPr lang="ru-RU" smtClean="0"/>
-              <a:t>20.07.2019</a:t>
+              <a:t>28.07.2019</a:t>
             </a:fld>
             <a:endParaRPr lang="en-US" dirty="0"/>
           </a:p>
@@ -5509,7 +5571,7 @@
           <a:p>
             <a:fld id="{7DE2CE15-DD73-496B-88E9-3C783140B749}" type="datetime1">
               <a:rPr lang="ru-RU" smtClean="0"/>
-              <a:t>20.07.2019</a:t>
+              <a:t>28.07.2019</a:t>
             </a:fld>
             <a:endParaRPr lang="en-US"/>
           </a:p>
@@ -5910,7 +5972,7 @@
           <a:p>
             <a:fld id="{C5591223-2003-4F54-BFF5-C55495CDBD8E}" type="datetime1">
               <a:rPr lang="ru-RU" smtClean="0"/>
-              <a:t>20.07.2019</a:t>
+              <a:t>28.07.2019</a:t>
             </a:fld>
             <a:endParaRPr lang="en-US"/>
           </a:p>
@@ -6286,7 +6348,7 @@
           <a:p>
             <a:fld id="{43563794-FDD4-4540-A355-3AD563225139}" type="datetime1">
               <a:rPr lang="ru-RU" smtClean="0"/>
-              <a:t>20.07.2019</a:t>
+              <a:t>28.07.2019</a:t>
             </a:fld>
             <a:endParaRPr lang="en-US"/>
           </a:p>
@@ -6792,7 +6854,7 @@
           <a:p>
             <a:fld id="{9C6B1E0C-F71F-4246-9CF7-3D799719CFAA}" type="datetime1">
               <a:rPr lang="ru-RU" smtClean="0"/>
-              <a:t>20.07.2019</a:t>
+              <a:t>28.07.2019</a:t>
             </a:fld>
             <a:endParaRPr lang="en-US"/>
           </a:p>
@@ -7049,7 +7111,7 @@
           <a:p>
             <a:fld id="{C8CD1612-23C8-4220-8DEF-C122C80B4952}" type="datetime1">
               <a:rPr lang="ru-RU" smtClean="0"/>
-              <a:t>20.07.2019</a:t>
+              <a:t>28.07.2019</a:t>
             </a:fld>
             <a:endParaRPr lang="en-US"/>
           </a:p>
@@ -7217,7 +7279,7 @@
           <a:p>
             <a:fld id="{CD59FF44-4703-437F-9D7D-4A2470583044}" type="datetime1">
               <a:rPr lang="ru-RU" smtClean="0"/>
-              <a:t>20.07.2019</a:t>
+              <a:t>28.07.2019</a:t>
             </a:fld>
             <a:endParaRPr lang="en-US"/>
           </a:p>
@@ -7607,7 +7669,7 @@
           <a:p>
             <a:fld id="{328CCA78-EACE-4FD5-BA12-7FEDA73BAFAB}" type="datetime1">
               <a:rPr lang="ru-RU" smtClean="0"/>
-              <a:t>20.07.2019</a:t>
+              <a:t>28.07.2019</a:t>
             </a:fld>
             <a:endParaRPr lang="en-US"/>
           </a:p>
@@ -8016,7 +8078,7 @@
           <a:p>
             <a:fld id="{80D44EDB-1D2F-4DC9-A659-7C84B659E344}" type="datetime1">
               <a:rPr lang="ru-RU" smtClean="0"/>
-              <a:t>20.07.2019</a:t>
+              <a:t>28.07.2019</a:t>
             </a:fld>
             <a:endParaRPr lang="en-US"/>
           </a:p>
@@ -8262,7 +8324,7 @@
             <a:fld id="{ABA487C1-7FE9-4143-8923-87ED1DD08F19}" type="datetime1">
               <a:rPr lang="ru-RU" smtClean="0"/>
               <a:pPr/>
-              <a:t>20.07.2019</a:t>
+              <a:t>28.07.2019</a:t>
             </a:fld>
             <a:endParaRPr lang="en-US" dirty="0"/>
           </a:p>
@@ -8940,7 +9002,7 @@
           <a:p>
             <a:fld id="{2D4A23AA-1D21-4822-8346-CA7E14AECDD0}" type="datetime1">
               <a:rPr lang="ru-RU" smtClean="0"/>
-              <a:t>20.07.2019</a:t>
+              <a:t>28.07.2019</a:t>
             </a:fld>
             <a:endParaRPr lang="en-US"/>
           </a:p>
@@ -9159,7 +9221,7 @@
           <a:p>
             <a:fld id="{2D4A23AA-1D21-4822-8346-CA7E14AECDD0}" type="datetime1">
               <a:rPr lang="ru-RU" smtClean="0"/>
-              <a:t>20.07.2019</a:t>
+              <a:t>28.07.2019</a:t>
             </a:fld>
             <a:endParaRPr lang="en-US"/>
           </a:p>
@@ -9367,7 +9429,7 @@
           <a:p>
             <a:fld id="{2D4A23AA-1D21-4822-8346-CA7E14AECDD0}" type="datetime1">
               <a:rPr lang="ru-RU" smtClean="0"/>
-              <a:t>20.07.2019</a:t>
+              <a:t>28.07.2019</a:t>
             </a:fld>
             <a:endParaRPr lang="en-US"/>
           </a:p>
@@ -10884,7 +10946,7 @@
           <a:p>
             <a:fld id="{2D4A23AA-1D21-4822-8346-CA7E14AECDD0}" type="datetime1">
               <a:rPr lang="ru-RU" smtClean="0"/>
-              <a:t>20.07.2019</a:t>
+              <a:t>28.07.2019</a:t>
             </a:fld>
             <a:endParaRPr lang="en-US"/>
           </a:p>
@@ -11076,7 +11138,7 @@
           <a:p>
             <a:fld id="{2D4A23AA-1D21-4822-8346-CA7E14AECDD0}" type="datetime1">
               <a:rPr lang="ru-RU" smtClean="0"/>
-              <a:t>20.07.2019</a:t>
+              <a:t>28.07.2019</a:t>
             </a:fld>
             <a:endParaRPr lang="en-US"/>
           </a:p>
@@ -11985,7 +12047,7 @@
           <a:p>
             <a:fld id="{2D4A23AA-1D21-4822-8346-CA7E14AECDD0}" type="datetime1">
               <a:rPr lang="ru-RU" smtClean="0"/>
-              <a:t>20.07.2019</a:t>
+              <a:t>28.07.2019</a:t>
             </a:fld>
             <a:endParaRPr lang="en-US"/>
           </a:p>
@@ -13675,7 +13737,7 @@
           <a:p>
             <a:fld id="{2D4A23AA-1D21-4822-8346-CA7E14AECDD0}" type="datetime1">
               <a:rPr lang="ru-RU" smtClean="0"/>
-              <a:t>20.07.2019</a:t>
+              <a:t>28.07.2019</a:t>
             </a:fld>
             <a:endParaRPr lang="en-US"/>
           </a:p>
@@ -16386,7 +16448,7 @@
           <a:p>
             <a:fld id="{2D4A23AA-1D21-4822-8346-CA7E14AECDD0}" type="datetime1">
               <a:rPr lang="ru-RU" smtClean="0"/>
-              <a:t>20.07.2019</a:t>
+              <a:t>28.07.2019</a:t>
             </a:fld>
             <a:endParaRPr lang="en-US"/>
           </a:p>
@@ -16572,7 +16634,7 @@
           <a:p>
             <a:fld id="{2D4A23AA-1D21-4822-8346-CA7E14AECDD0}" type="datetime1">
               <a:rPr lang="ru-RU" smtClean="0"/>
-              <a:t>20.07.2019</a:t>
+              <a:t>28.07.2019</a:t>
             </a:fld>
             <a:endParaRPr lang="en-US"/>
           </a:p>
@@ -16793,7 +16855,7 @@
           <a:p>
             <a:fld id="{2D4A23AA-1D21-4822-8346-CA7E14AECDD0}" type="datetime1">
               <a:rPr lang="ru-RU" smtClean="0"/>
-              <a:t>20.07.2019</a:t>
+              <a:t>28.07.2019</a:t>
             </a:fld>
             <a:endParaRPr lang="en-US"/>
           </a:p>
@@ -17077,7 +17139,7 @@
           <a:p>
             <a:fld id="{10A25188-2956-4DA3-8229-5D523B568A6A}" type="datetime1">
               <a:rPr lang="ru-RU" smtClean="0"/>
-              <a:t>20.07.2019</a:t>
+              <a:t>28.07.2019</a:t>
             </a:fld>
             <a:endParaRPr lang="en-US"/>
           </a:p>
@@ -17408,7 +17470,7 @@
           <a:p>
             <a:fld id="{2D4A23AA-1D21-4822-8346-CA7E14AECDD0}" type="datetime1">
               <a:rPr lang="ru-RU" smtClean="0"/>
-              <a:t>20.07.2019</a:t>
+              <a:t>28.07.2019</a:t>
             </a:fld>
             <a:endParaRPr lang="en-US"/>
           </a:p>
@@ -17607,7 +17669,7 @@
           <a:p>
             <a:fld id="{2D4A23AA-1D21-4822-8346-CA7E14AECDD0}" type="datetime1">
               <a:rPr lang="ru-RU" smtClean="0"/>
-              <a:t>20.07.2019</a:t>
+              <a:t>28.07.2019</a:t>
             </a:fld>
             <a:endParaRPr lang="en-US"/>
           </a:p>
@@ -18874,7 +18936,7 @@
             <a:fld id="{2D4A23AA-1D21-4822-8346-CA7E14AECDD0}" type="datetime1">
               <a:rPr lang="ru-RU" smtClean="0"/>
               <a:pPr/>
-              <a:t>20.07.2019</a:t>
+              <a:t>28.07.2019</a:t>
             </a:fld>
             <a:endParaRPr lang="en-US"/>
           </a:p>
@@ -19026,7 +19088,7 @@
           <a:p>
             <a:fld id="{2D4A23AA-1D21-4822-8346-CA7E14AECDD0}" type="datetime1">
               <a:rPr lang="ru-RU" smtClean="0"/>
-              <a:t>20.07.2019</a:t>
+              <a:t>28.07.2019</a:t>
             </a:fld>
             <a:endParaRPr lang="en-US"/>
           </a:p>
@@ -21273,7 +21335,7 @@
             <a:fld id="{2D4A23AA-1D21-4822-8346-CA7E14AECDD0}" type="datetime1">
               <a:rPr lang="ru-RU" smtClean="0"/>
               <a:pPr/>
-              <a:t>20.07.2019</a:t>
+              <a:t>28.07.2019</a:t>
             </a:fld>
             <a:endParaRPr lang="en-US"/>
           </a:p>
@@ -21425,7 +21487,7 @@
           <a:p>
             <a:fld id="{2D4A23AA-1D21-4822-8346-CA7E14AECDD0}" type="datetime1">
               <a:rPr lang="ru-RU" smtClean="0"/>
-              <a:t>20.07.2019</a:t>
+              <a:t>28.07.2019</a:t>
             </a:fld>
             <a:endParaRPr lang="en-US"/>
           </a:p>
@@ -23828,7 +23890,7 @@
             <a:fld id="{2D4A23AA-1D21-4822-8346-CA7E14AECDD0}" type="datetime1">
               <a:rPr lang="ru-RU" smtClean="0"/>
               <a:pPr/>
-              <a:t>20.07.2019</a:t>
+              <a:t>28.07.2019</a:t>
             </a:fld>
             <a:endParaRPr lang="en-US"/>
           </a:p>
@@ -24738,7 +24800,7 @@
             <a:fld id="{2D4A23AA-1D21-4822-8346-CA7E14AECDD0}" type="datetime1">
               <a:rPr lang="ru-RU" smtClean="0"/>
               <a:pPr/>
-              <a:t>20.07.2019</a:t>
+              <a:t>28.07.2019</a:t>
             </a:fld>
             <a:endParaRPr lang="en-US"/>
           </a:p>
@@ -24895,8 +24957,13 @@
             </a:pPr>
             <a:r>
               <a:rPr lang="ru-RU" sz="3200" dirty="0"/>
-              <a:t>Реализация требований	и правила</a:t>
-            </a:r>
+              <a:t>Реализация требований	</a:t>
+            </a:r>
+            <a:r>
+              <a:rPr lang="ru-RU" sz="3200"/>
+              <a:t>и правил</a:t>
+            </a:r>
+            <a:endParaRPr lang="ru-RU" sz="3200" dirty="0"/>
           </a:p>
           <a:p>
             <a:pPr marL="742950" indent="-742950">
@@ -24930,7 +24997,7 @@
             <a:fld id="{2D4A23AA-1D21-4822-8346-CA7E14AECDD0}" type="datetime1">
               <a:rPr lang="ru-RU" smtClean="0"/>
               <a:pPr/>
-              <a:t>20.07.2019</a:t>
+              <a:t>28.07.2019</a:t>
             </a:fld>
             <a:endParaRPr lang="en-US"/>
           </a:p>
@@ -25017,7 +25084,7 @@
         <p:spPr>
           <a:xfrm>
             <a:off x="680321" y="3000568"/>
-            <a:ext cx="7489567" cy="2253402"/>
+            <a:ext cx="9758764" cy="2936140"/>
           </a:xfrm>
           <a:prstGeom prst="rect">
             <a:avLst/>
@@ -25028,6 +25095,228 @@
     <p:extLst>
       <p:ext uri="{BB962C8B-B14F-4D97-AF65-F5344CB8AC3E}">
         <p14:creationId xmlns:p14="http://schemas.microsoft.com/office/powerpoint/2010/main" val="2670620307"/>
+      </p:ext>
+    </p:extLst>
+  </p:cSld>
+  <p:clrMapOvr>
+    <a:masterClrMapping/>
+  </p:clrMapOvr>
+  <p:transition spd="med">
+    <p:pull/>
+  </p:transition>
+</p:sld>
+</file>
+
+<file path=ppt/slides/slide29.xml><?xml version="1.0" encoding="utf-8"?>
+<p:sld xmlns:a="http://schemas.openxmlformats.org/drawingml/2006/main" xmlns:r="http://schemas.openxmlformats.org/officeDocument/2006/relationships" xmlns:p="http://schemas.openxmlformats.org/presentationml/2006/main">
+  <p:cSld>
+    <p:spTree>
+      <p:nvGrpSpPr>
+        <p:cNvPr id="1" name=""/>
+        <p:cNvGrpSpPr/>
+        <p:nvPr/>
+      </p:nvGrpSpPr>
+      <p:grpSpPr>
+        <a:xfrm>
+          <a:off x="0" y="0"/>
+          <a:ext cx="0" cy="0"/>
+          <a:chOff x="0" y="0"/>
+          <a:chExt cx="0" cy="0"/>
+        </a:xfrm>
+      </p:grpSpPr>
+      <p:sp>
+        <p:nvSpPr>
+          <p:cNvPr id="2" name="Заголовок 1">
+            <a:extLst>
+              <a:ext uri="{FF2B5EF4-FFF2-40B4-BE49-F238E27FC236}">
+                <a16:creationId xmlns:a16="http://schemas.microsoft.com/office/drawing/2014/main" id="{5ED3076E-2E51-49BA-B663-2E6FD28DE68E}"/>
+              </a:ext>
+            </a:extLst>
+          </p:cNvPr>
+          <p:cNvSpPr>
+            <a:spLocks noGrp="1"/>
+          </p:cNvSpPr>
+          <p:nvPr>
+            <p:ph type="title"/>
+          </p:nvPr>
+        </p:nvSpPr>
+        <p:spPr/>
+        <p:txBody>
+          <a:bodyPr/>
+          <a:lstStyle/>
+          <a:p>
+            <a:r>
+              <a:rPr lang="ru-RU" dirty="0"/>
+              <a:t>Часть </a:t>
+            </a:r>
+            <a:r>
+              <a:rPr lang="en-US" dirty="0"/>
+              <a:t>14</a:t>
+            </a:r>
+          </a:p>
+        </p:txBody>
+      </p:sp>
+      <p:sp>
+        <p:nvSpPr>
+          <p:cNvPr id="46" name="Объект 45">
+            <a:extLst>
+              <a:ext uri="{FF2B5EF4-FFF2-40B4-BE49-F238E27FC236}">
+                <a16:creationId xmlns:a16="http://schemas.microsoft.com/office/drawing/2014/main" id="{52D0E0D2-6E1E-4C0F-B92A-A811703BEA5E}"/>
+              </a:ext>
+            </a:extLst>
+          </p:cNvPr>
+          <p:cNvSpPr>
+            <a:spLocks noGrp="1"/>
+          </p:cNvSpPr>
+          <p:nvPr>
+            <p:ph idx="1"/>
+          </p:nvPr>
+        </p:nvSpPr>
+        <p:spPr/>
+        <p:txBody>
+          <a:bodyPr>
+            <a:normAutofit/>
+          </a:bodyPr>
+          <a:lstStyle/>
+          <a:p>
+            <a:pPr marL="0" indent="0">
+              <a:buNone/>
+            </a:pPr>
+            <a:r>
+              <a:rPr lang="ru-RU" sz="3200" dirty="0"/>
+              <a:t>Реализация требований	и правил</a:t>
+            </a:r>
+          </a:p>
+          <a:p>
+            <a:pPr marL="742950" indent="-742950">
+              <a:buAutoNum type="arabicPeriod"/>
+            </a:pPr>
+            <a:endParaRPr lang="en-US" sz="3200" dirty="0"/>
+          </a:p>
+        </p:txBody>
+      </p:sp>
+      <p:sp>
+        <p:nvSpPr>
+          <p:cNvPr id="6" name="Дата 5">
+            <a:extLst>
+              <a:ext uri="{FF2B5EF4-FFF2-40B4-BE49-F238E27FC236}">
+                <a16:creationId xmlns:a16="http://schemas.microsoft.com/office/drawing/2014/main" id="{3D389C93-18E8-4B65-9A0C-57EA5FF1262A}"/>
+              </a:ext>
+            </a:extLst>
+          </p:cNvPr>
+          <p:cNvSpPr>
+            <a:spLocks noGrp="1"/>
+          </p:cNvSpPr>
+          <p:nvPr>
+            <p:ph type="dt" sz="half" idx="10"/>
+          </p:nvPr>
+        </p:nvSpPr>
+        <p:spPr/>
+        <p:txBody>
+          <a:bodyPr/>
+          <a:lstStyle/>
+          <a:p>
+            <a:fld id="{2D4A23AA-1D21-4822-8346-CA7E14AECDD0}" type="datetime1">
+              <a:rPr lang="ru-RU" smtClean="0"/>
+              <a:pPr/>
+              <a:t>28.07.2019</a:t>
+            </a:fld>
+            <a:endParaRPr lang="en-US"/>
+          </a:p>
+        </p:txBody>
+      </p:sp>
+      <p:sp>
+        <p:nvSpPr>
+          <p:cNvPr id="7" name="Нижний колонтитул 6">
+            <a:extLst>
+              <a:ext uri="{FF2B5EF4-FFF2-40B4-BE49-F238E27FC236}">
+                <a16:creationId xmlns:a16="http://schemas.microsoft.com/office/drawing/2014/main" id="{FD3B82CA-042F-4A44-8CC3-391A074B55D4}"/>
+              </a:ext>
+            </a:extLst>
+          </p:cNvPr>
+          <p:cNvSpPr>
+            <a:spLocks noGrp="1"/>
+          </p:cNvSpPr>
+          <p:nvPr>
+            <p:ph type="ftr" sz="quarter" idx="11"/>
+          </p:nvPr>
+        </p:nvSpPr>
+        <p:spPr/>
+        <p:txBody>
+          <a:bodyPr/>
+          <a:lstStyle/>
+          <a:p>
+            <a:r>
+              <a:rPr lang="en-US" dirty="0"/>
+              <a:t>www.calabonga.net</a:t>
+            </a:r>
+          </a:p>
+        </p:txBody>
+      </p:sp>
+      <p:sp>
+        <p:nvSpPr>
+          <p:cNvPr id="8" name="Номер слайда 7">
+            <a:extLst>
+              <a:ext uri="{FF2B5EF4-FFF2-40B4-BE49-F238E27FC236}">
+                <a16:creationId xmlns:a16="http://schemas.microsoft.com/office/drawing/2014/main" id="{04E38101-A6CD-43DF-A008-79A5BF5D68AE}"/>
+              </a:ext>
+            </a:extLst>
+          </p:cNvPr>
+          <p:cNvSpPr>
+            <a:spLocks noGrp="1"/>
+          </p:cNvSpPr>
+          <p:nvPr>
+            <p:ph type="sldNum" sz="quarter" idx="12"/>
+          </p:nvPr>
+        </p:nvSpPr>
+        <p:spPr/>
+        <p:txBody>
+          <a:bodyPr/>
+          <a:lstStyle/>
+          <a:p>
+            <a:fld id="{356453D0-7C6D-4FAD-A87B-D4E72CD04107}" type="slidenum">
+              <a:rPr lang="en-US" smtClean="0"/>
+              <a:pPr/>
+              <a:t>29</a:t>
+            </a:fld>
+            <a:endParaRPr lang="en-US"/>
+          </a:p>
+        </p:txBody>
+      </p:sp>
+      <p:pic>
+        <p:nvPicPr>
+          <p:cNvPr id="4" name="Рисунок 3">
+            <a:extLst>
+              <a:ext uri="{FF2B5EF4-FFF2-40B4-BE49-F238E27FC236}">
+                <a16:creationId xmlns:a16="http://schemas.microsoft.com/office/drawing/2014/main" id="{13414274-3E67-4D09-90DB-2ABF7FCA5D44}"/>
+              </a:ext>
+            </a:extLst>
+          </p:cNvPr>
+          <p:cNvPicPr>
+            <a:picLocks noChangeAspect="1"/>
+          </p:cNvPicPr>
+          <p:nvPr/>
+        </p:nvPicPr>
+        <p:blipFill>
+          <a:blip r:embed="rId3"/>
+          <a:stretch>
+            <a:fillRect/>
+          </a:stretch>
+        </p:blipFill>
+        <p:spPr>
+          <a:xfrm>
+            <a:off x="680321" y="3005099"/>
+            <a:ext cx="8634850" cy="3147796"/>
+          </a:xfrm>
+          <a:prstGeom prst="rect">
+            <a:avLst/>
+          </a:prstGeom>
+        </p:spPr>
+      </p:pic>
+    </p:spTree>
+    <p:extLst>
+      <p:ext uri="{BB962C8B-B14F-4D97-AF65-F5344CB8AC3E}">
+        <p14:creationId xmlns:p14="http://schemas.microsoft.com/office/powerpoint/2010/main" val="2696167234"/>
       </p:ext>
     </p:extLst>
   </p:cSld>
@@ -25205,7 +25494,7 @@
           <a:p>
             <a:fld id="{2B345FB0-09AD-4AC0-8DC4-6C68B700A600}" type="datetime1">
               <a:rPr lang="ru-RU" smtClean="0"/>
-              <a:t>20.07.2019</a:t>
+              <a:t>28.07.2019</a:t>
             </a:fld>
             <a:endParaRPr lang="en-US"/>
           </a:p>
@@ -25408,7 +25697,7 @@
           <a:p>
             <a:fld id="{AA4BE119-AABE-437D-8F94-331A05056B80}" type="datetime1">
               <a:rPr lang="ru-RU" smtClean="0"/>
-              <a:t>20.07.2019</a:t>
+              <a:t>28.07.2019</a:t>
             </a:fld>
             <a:endParaRPr lang="en-US"/>
           </a:p>
@@ -25588,7 +25877,7 @@
           <a:p>
             <a:fld id="{AA4BE119-AABE-437D-8F94-331A05056B80}" type="datetime1">
               <a:rPr lang="ru-RU" smtClean="0"/>
-              <a:t>20.07.2019</a:t>
+              <a:t>28.07.2019</a:t>
             </a:fld>
             <a:endParaRPr lang="en-US"/>
           </a:p>
@@ -26324,7 +26613,7 @@
           <a:p>
             <a:fld id="{2D4A23AA-1D21-4822-8346-CA7E14AECDD0}" type="datetime1">
               <a:rPr lang="ru-RU" smtClean="0"/>
-              <a:t>20.07.2019</a:t>
+              <a:t>28.07.2019</a:t>
             </a:fld>
             <a:endParaRPr lang="en-US"/>
           </a:p>
@@ -26584,7 +26873,7 @@
           <a:p>
             <a:fld id="{2D4A23AA-1D21-4822-8346-CA7E14AECDD0}" type="datetime1">
               <a:rPr lang="ru-RU" smtClean="0"/>
-              <a:t>20.07.2019</a:t>
+              <a:t>28.07.2019</a:t>
             </a:fld>
             <a:endParaRPr lang="en-US"/>
           </a:p>
@@ -28476,7 +28765,7 @@
           <a:p>
             <a:fld id="{2D4A23AA-1D21-4822-8346-CA7E14AECDD0}" type="datetime1">
               <a:rPr lang="ru-RU" smtClean="0"/>
-              <a:t>20.07.2019</a:t>
+              <a:t>28.07.2019</a:t>
             </a:fld>
             <a:endParaRPr lang="en-US"/>
           </a:p>
@@ -28874,7 +29163,7 @@
           <a:p>
             <a:fld id="{2D4A23AA-1D21-4822-8346-CA7E14AECDD0}" type="datetime1">
               <a:rPr lang="ru-RU" smtClean="0"/>
-              <a:t>20.07.2019</a:t>
+              <a:t>28.07.2019</a:t>
             </a:fld>
             <a:endParaRPr lang="en-US"/>
           </a:p>

--- a/Presentation/Calabonga.Catalog.pptx
+++ b/Presentation/Calabonga.Catalog.pptx
@@ -5,10 +5,10 @@
     <p:sldMasterId id="2147483762" r:id="rId1"/>
   </p:sldMasterIdLst>
   <p:notesMasterIdLst>
-    <p:notesMasterId r:id="rId31"/>
+    <p:notesMasterId r:id="rId32"/>
   </p:notesMasterIdLst>
   <p:handoutMasterIdLst>
-    <p:handoutMasterId r:id="rId32"/>
+    <p:handoutMasterId r:id="rId33"/>
   </p:handoutMasterIdLst>
   <p:sldIdLst>
     <p:sldId id="256" r:id="rId2"/>
@@ -40,6 +40,7 @@
     <p:sldId id="282" r:id="rId28"/>
     <p:sldId id="283" r:id="rId29"/>
     <p:sldId id="284" r:id="rId30"/>
+    <p:sldId id="285" r:id="rId31"/>
   </p:sldIdLst>
   <p:sldSz cx="12192000" cy="6858000"/>
   <p:notesSz cx="6858000" cy="9144000"/>
@@ -2996,7 +2997,7 @@
           <a:p>
             <a:fld id="{C7EBD34A-458D-4E15-9A13-07B008861E08}" type="datetime1">
               <a:rPr lang="ru-RU" smtClean="0"/>
-              <a:t>28.07.2019</a:t>
+              <a:t>04.08.2019</a:t>
             </a:fld>
             <a:endParaRPr lang="en-US"/>
           </a:p>
@@ -3162,7 +3163,7 @@
           <a:p>
             <a:fld id="{BD2C1305-B0C8-41A5-A415-431426818951}" type="datetime1">
               <a:rPr lang="ru-RU" smtClean="0"/>
-              <a:t>28.07.2019</a:t>
+              <a:t>04.08.2019</a:t>
             </a:fld>
             <a:endParaRPr lang="en-US"/>
           </a:p>
@@ -4529,6 +4530,67 @@
 </p:notes>
 </file>
 
+<file path=ppt/notesSlides/notesSlide26.xml><?xml version="1.0" encoding="utf-8"?>
+<p:notes xmlns:a="http://schemas.openxmlformats.org/drawingml/2006/main" xmlns:r="http://schemas.openxmlformats.org/officeDocument/2006/relationships" xmlns:p="http://schemas.openxmlformats.org/presentationml/2006/main">
+  <p:cSld>
+    <p:spTree>
+      <p:nvGrpSpPr>
+        <p:cNvPr id="1" name=""/>
+        <p:cNvGrpSpPr/>
+        <p:nvPr/>
+      </p:nvGrpSpPr>
+      <p:grpSpPr>
+        <a:xfrm>
+          <a:off x="0" y="0"/>
+          <a:ext cx="0" cy="0"/>
+          <a:chOff x="0" y="0"/>
+          <a:chExt cx="0" cy="0"/>
+        </a:xfrm>
+      </p:grpSpPr>
+      <p:sp>
+        <p:nvSpPr>
+          <p:cNvPr id="2" name="Образ слайда 1"/>
+          <p:cNvSpPr>
+            <a:spLocks noGrp="1" noRot="1" noChangeAspect="1"/>
+          </p:cNvSpPr>
+          <p:nvPr>
+            <p:ph type="sldImg"/>
+          </p:nvPr>
+        </p:nvSpPr>
+        <p:spPr/>
+      </p:sp>
+      <p:sp>
+        <p:nvSpPr>
+          <p:cNvPr id="3" name="Заметки 2"/>
+          <p:cNvSpPr>
+            <a:spLocks noGrp="1"/>
+          </p:cNvSpPr>
+          <p:nvPr>
+            <p:ph type="body" idx="1"/>
+          </p:nvPr>
+        </p:nvSpPr>
+        <p:spPr/>
+        <p:txBody>
+          <a:bodyPr/>
+          <a:lstStyle/>
+          <a:p>
+            <a:endParaRPr lang="en-US" dirty="0"/>
+          </a:p>
+        </p:txBody>
+      </p:sp>
+    </p:spTree>
+    <p:extLst>
+      <p:ext uri="{BB962C8B-B14F-4D97-AF65-F5344CB8AC3E}">
+        <p14:creationId xmlns:p14="http://schemas.microsoft.com/office/powerpoint/2010/main" val="999730801"/>
+      </p:ext>
+    </p:extLst>
+  </p:cSld>
+  <p:clrMapOvr>
+    <a:masterClrMapping/>
+  </p:clrMapOvr>
+</p:notes>
+</file>
+
 <file path=ppt/notesSlides/notesSlide3.xml><?xml version="1.0" encoding="utf-8"?>
 <p:notes xmlns:a="http://schemas.openxmlformats.org/drawingml/2006/main" xmlns:r="http://schemas.openxmlformats.org/officeDocument/2006/relationships" xmlns:p="http://schemas.openxmlformats.org/presentationml/2006/main">
   <p:cSld>
@@ -5238,7 +5300,7 @@
           <a:p>
             <a:fld id="{8A2250BE-F15D-44BA-9438-B9DF99335BCD}" type="datetime1">
               <a:rPr lang="ru-RU" smtClean="0"/>
-              <a:t>28.07.2019</a:t>
+              <a:t>04.08.2019</a:t>
             </a:fld>
             <a:endParaRPr lang="en-US" dirty="0"/>
           </a:p>
@@ -5571,7 +5633,7 @@
           <a:p>
             <a:fld id="{7DE2CE15-DD73-496B-88E9-3C783140B749}" type="datetime1">
               <a:rPr lang="ru-RU" smtClean="0"/>
-              <a:t>28.07.2019</a:t>
+              <a:t>04.08.2019</a:t>
             </a:fld>
             <a:endParaRPr lang="en-US"/>
           </a:p>
@@ -5972,7 +6034,7 @@
           <a:p>
             <a:fld id="{C5591223-2003-4F54-BFF5-C55495CDBD8E}" type="datetime1">
               <a:rPr lang="ru-RU" smtClean="0"/>
-              <a:t>28.07.2019</a:t>
+              <a:t>04.08.2019</a:t>
             </a:fld>
             <a:endParaRPr lang="en-US"/>
           </a:p>
@@ -6348,7 +6410,7 @@
           <a:p>
             <a:fld id="{43563794-FDD4-4540-A355-3AD563225139}" type="datetime1">
               <a:rPr lang="ru-RU" smtClean="0"/>
-              <a:t>28.07.2019</a:t>
+              <a:t>04.08.2019</a:t>
             </a:fld>
             <a:endParaRPr lang="en-US"/>
           </a:p>
@@ -6854,7 +6916,7 @@
           <a:p>
             <a:fld id="{9C6B1E0C-F71F-4246-9CF7-3D799719CFAA}" type="datetime1">
               <a:rPr lang="ru-RU" smtClean="0"/>
-              <a:t>28.07.2019</a:t>
+              <a:t>04.08.2019</a:t>
             </a:fld>
             <a:endParaRPr lang="en-US"/>
           </a:p>
@@ -7111,7 +7173,7 @@
           <a:p>
             <a:fld id="{C8CD1612-23C8-4220-8DEF-C122C80B4952}" type="datetime1">
               <a:rPr lang="ru-RU" smtClean="0"/>
-              <a:t>28.07.2019</a:t>
+              <a:t>04.08.2019</a:t>
             </a:fld>
             <a:endParaRPr lang="en-US"/>
           </a:p>
@@ -7279,7 +7341,7 @@
           <a:p>
             <a:fld id="{CD59FF44-4703-437F-9D7D-4A2470583044}" type="datetime1">
               <a:rPr lang="ru-RU" smtClean="0"/>
-              <a:t>28.07.2019</a:t>
+              <a:t>04.08.2019</a:t>
             </a:fld>
             <a:endParaRPr lang="en-US"/>
           </a:p>
@@ -7669,7 +7731,7 @@
           <a:p>
             <a:fld id="{328CCA78-EACE-4FD5-BA12-7FEDA73BAFAB}" type="datetime1">
               <a:rPr lang="ru-RU" smtClean="0"/>
-              <a:t>28.07.2019</a:t>
+              <a:t>04.08.2019</a:t>
             </a:fld>
             <a:endParaRPr lang="en-US"/>
           </a:p>
@@ -8078,7 +8140,7 @@
           <a:p>
             <a:fld id="{80D44EDB-1D2F-4DC9-A659-7C84B659E344}" type="datetime1">
               <a:rPr lang="ru-RU" smtClean="0"/>
-              <a:t>28.07.2019</a:t>
+              <a:t>04.08.2019</a:t>
             </a:fld>
             <a:endParaRPr lang="en-US"/>
           </a:p>
@@ -8324,7 +8386,7 @@
             <a:fld id="{ABA487C1-7FE9-4143-8923-87ED1DD08F19}" type="datetime1">
               <a:rPr lang="ru-RU" smtClean="0"/>
               <a:pPr/>
-              <a:t>28.07.2019</a:t>
+              <a:t>04.08.2019</a:t>
             </a:fld>
             <a:endParaRPr lang="en-US" dirty="0"/>
           </a:p>
@@ -9002,7 +9064,7 @@
           <a:p>
             <a:fld id="{2D4A23AA-1D21-4822-8346-CA7E14AECDD0}" type="datetime1">
               <a:rPr lang="ru-RU" smtClean="0"/>
-              <a:t>28.07.2019</a:t>
+              <a:t>04.08.2019</a:t>
             </a:fld>
             <a:endParaRPr lang="en-US"/>
           </a:p>
@@ -9221,7 +9283,7 @@
           <a:p>
             <a:fld id="{2D4A23AA-1D21-4822-8346-CA7E14AECDD0}" type="datetime1">
               <a:rPr lang="ru-RU" smtClean="0"/>
-              <a:t>28.07.2019</a:t>
+              <a:t>04.08.2019</a:t>
             </a:fld>
             <a:endParaRPr lang="en-US"/>
           </a:p>
@@ -9429,7 +9491,7 @@
           <a:p>
             <a:fld id="{2D4A23AA-1D21-4822-8346-CA7E14AECDD0}" type="datetime1">
               <a:rPr lang="ru-RU" smtClean="0"/>
-              <a:t>28.07.2019</a:t>
+              <a:t>04.08.2019</a:t>
             </a:fld>
             <a:endParaRPr lang="en-US"/>
           </a:p>
@@ -10946,7 +11008,7 @@
           <a:p>
             <a:fld id="{2D4A23AA-1D21-4822-8346-CA7E14AECDD0}" type="datetime1">
               <a:rPr lang="ru-RU" smtClean="0"/>
-              <a:t>28.07.2019</a:t>
+              <a:t>04.08.2019</a:t>
             </a:fld>
             <a:endParaRPr lang="en-US"/>
           </a:p>
@@ -11138,7 +11200,7 @@
           <a:p>
             <a:fld id="{2D4A23AA-1D21-4822-8346-CA7E14AECDD0}" type="datetime1">
               <a:rPr lang="ru-RU" smtClean="0"/>
-              <a:t>28.07.2019</a:t>
+              <a:t>04.08.2019</a:t>
             </a:fld>
             <a:endParaRPr lang="en-US"/>
           </a:p>
@@ -12047,7 +12109,7 @@
           <a:p>
             <a:fld id="{2D4A23AA-1D21-4822-8346-CA7E14AECDD0}" type="datetime1">
               <a:rPr lang="ru-RU" smtClean="0"/>
-              <a:t>28.07.2019</a:t>
+              <a:t>04.08.2019</a:t>
             </a:fld>
             <a:endParaRPr lang="en-US"/>
           </a:p>
@@ -13737,7 +13799,7 @@
           <a:p>
             <a:fld id="{2D4A23AA-1D21-4822-8346-CA7E14AECDD0}" type="datetime1">
               <a:rPr lang="ru-RU" smtClean="0"/>
-              <a:t>28.07.2019</a:t>
+              <a:t>04.08.2019</a:t>
             </a:fld>
             <a:endParaRPr lang="en-US"/>
           </a:p>
@@ -16448,7 +16510,7 @@
           <a:p>
             <a:fld id="{2D4A23AA-1D21-4822-8346-CA7E14AECDD0}" type="datetime1">
               <a:rPr lang="ru-RU" smtClean="0"/>
-              <a:t>28.07.2019</a:t>
+              <a:t>04.08.2019</a:t>
             </a:fld>
             <a:endParaRPr lang="en-US"/>
           </a:p>
@@ -16634,7 +16696,7 @@
           <a:p>
             <a:fld id="{2D4A23AA-1D21-4822-8346-CA7E14AECDD0}" type="datetime1">
               <a:rPr lang="ru-RU" smtClean="0"/>
-              <a:t>28.07.2019</a:t>
+              <a:t>04.08.2019</a:t>
             </a:fld>
             <a:endParaRPr lang="en-US"/>
           </a:p>
@@ -16855,7 +16917,7 @@
           <a:p>
             <a:fld id="{2D4A23AA-1D21-4822-8346-CA7E14AECDD0}" type="datetime1">
               <a:rPr lang="ru-RU" smtClean="0"/>
-              <a:t>28.07.2019</a:t>
+              <a:t>04.08.2019</a:t>
             </a:fld>
             <a:endParaRPr lang="en-US"/>
           </a:p>
@@ -17139,7 +17201,7 @@
           <a:p>
             <a:fld id="{10A25188-2956-4DA3-8229-5D523B568A6A}" type="datetime1">
               <a:rPr lang="ru-RU" smtClean="0"/>
-              <a:t>28.07.2019</a:t>
+              <a:t>04.08.2019</a:t>
             </a:fld>
             <a:endParaRPr lang="en-US"/>
           </a:p>
@@ -17470,7 +17532,7 @@
           <a:p>
             <a:fld id="{2D4A23AA-1D21-4822-8346-CA7E14AECDD0}" type="datetime1">
               <a:rPr lang="ru-RU" smtClean="0"/>
-              <a:t>28.07.2019</a:t>
+              <a:t>04.08.2019</a:t>
             </a:fld>
             <a:endParaRPr lang="en-US"/>
           </a:p>
@@ -17669,7 +17731,7 @@
           <a:p>
             <a:fld id="{2D4A23AA-1D21-4822-8346-CA7E14AECDD0}" type="datetime1">
               <a:rPr lang="ru-RU" smtClean="0"/>
-              <a:t>28.07.2019</a:t>
+              <a:t>04.08.2019</a:t>
             </a:fld>
             <a:endParaRPr lang="en-US"/>
           </a:p>
@@ -18936,7 +18998,7 @@
             <a:fld id="{2D4A23AA-1D21-4822-8346-CA7E14AECDD0}" type="datetime1">
               <a:rPr lang="ru-RU" smtClean="0"/>
               <a:pPr/>
-              <a:t>28.07.2019</a:t>
+              <a:t>04.08.2019</a:t>
             </a:fld>
             <a:endParaRPr lang="en-US"/>
           </a:p>
@@ -19088,7 +19150,7 @@
           <a:p>
             <a:fld id="{2D4A23AA-1D21-4822-8346-CA7E14AECDD0}" type="datetime1">
               <a:rPr lang="ru-RU" smtClean="0"/>
-              <a:t>28.07.2019</a:t>
+              <a:t>04.08.2019</a:t>
             </a:fld>
             <a:endParaRPr lang="en-US"/>
           </a:p>
@@ -21335,7 +21397,7 @@
             <a:fld id="{2D4A23AA-1D21-4822-8346-CA7E14AECDD0}" type="datetime1">
               <a:rPr lang="ru-RU" smtClean="0"/>
               <a:pPr/>
-              <a:t>28.07.2019</a:t>
+              <a:t>04.08.2019</a:t>
             </a:fld>
             <a:endParaRPr lang="en-US"/>
           </a:p>
@@ -21487,7 +21549,7 @@
           <a:p>
             <a:fld id="{2D4A23AA-1D21-4822-8346-CA7E14AECDD0}" type="datetime1">
               <a:rPr lang="ru-RU" smtClean="0"/>
-              <a:t>28.07.2019</a:t>
+              <a:t>04.08.2019</a:t>
             </a:fld>
             <a:endParaRPr lang="en-US"/>
           </a:p>
@@ -23890,7 +23952,7 @@
             <a:fld id="{2D4A23AA-1D21-4822-8346-CA7E14AECDD0}" type="datetime1">
               <a:rPr lang="ru-RU" smtClean="0"/>
               <a:pPr/>
-              <a:t>28.07.2019</a:t>
+              <a:t>04.08.2019</a:t>
             </a:fld>
             <a:endParaRPr lang="en-US"/>
           </a:p>
@@ -24800,7 +24862,7 @@
             <a:fld id="{2D4A23AA-1D21-4822-8346-CA7E14AECDD0}" type="datetime1">
               <a:rPr lang="ru-RU" smtClean="0"/>
               <a:pPr/>
-              <a:t>28.07.2019</a:t>
+              <a:t>04.08.2019</a:t>
             </a:fld>
             <a:endParaRPr lang="en-US"/>
           </a:p>
@@ -24997,7 +25059,7 @@
             <a:fld id="{2D4A23AA-1D21-4822-8346-CA7E14AECDD0}" type="datetime1">
               <a:rPr lang="ru-RU" smtClean="0"/>
               <a:pPr/>
-              <a:t>28.07.2019</a:t>
+              <a:t>04.08.2019</a:t>
             </a:fld>
             <a:endParaRPr lang="en-US"/>
           </a:p>
@@ -25219,7 +25281,7 @@
             <a:fld id="{2D4A23AA-1D21-4822-8346-CA7E14AECDD0}" type="datetime1">
               <a:rPr lang="ru-RU" smtClean="0"/>
               <a:pPr/>
-              <a:t>28.07.2019</a:t>
+              <a:t>04.08.2019</a:t>
             </a:fld>
             <a:endParaRPr lang="en-US"/>
           </a:p>
@@ -25494,7 +25556,7 @@
           <a:p>
             <a:fld id="{2B345FB0-09AD-4AC0-8DC4-6C68B700A600}" type="datetime1">
               <a:rPr lang="ru-RU" smtClean="0"/>
-              <a:t>28.07.2019</a:t>
+              <a:t>04.08.2019</a:t>
             </a:fld>
             <a:endParaRPr lang="en-US"/>
           </a:p>
@@ -25561,6 +25623,228 @@
     <p:extLst>
       <p:ext uri="{BB962C8B-B14F-4D97-AF65-F5344CB8AC3E}">
         <p14:creationId xmlns:p14="http://schemas.microsoft.com/office/powerpoint/2010/main" val="1923383732"/>
+      </p:ext>
+    </p:extLst>
+  </p:cSld>
+  <p:clrMapOvr>
+    <a:masterClrMapping/>
+  </p:clrMapOvr>
+  <p:transition spd="med">
+    <p:pull/>
+  </p:transition>
+</p:sld>
+</file>
+
+<file path=ppt/slides/slide30.xml><?xml version="1.0" encoding="utf-8"?>
+<p:sld xmlns:a="http://schemas.openxmlformats.org/drawingml/2006/main" xmlns:r="http://schemas.openxmlformats.org/officeDocument/2006/relationships" xmlns:p="http://schemas.openxmlformats.org/presentationml/2006/main">
+  <p:cSld>
+    <p:spTree>
+      <p:nvGrpSpPr>
+        <p:cNvPr id="1" name=""/>
+        <p:cNvGrpSpPr/>
+        <p:nvPr/>
+      </p:nvGrpSpPr>
+      <p:grpSpPr>
+        <a:xfrm>
+          <a:off x="0" y="0"/>
+          <a:ext cx="0" cy="0"/>
+          <a:chOff x="0" y="0"/>
+          <a:chExt cx="0" cy="0"/>
+        </a:xfrm>
+      </p:grpSpPr>
+      <p:sp>
+        <p:nvSpPr>
+          <p:cNvPr id="2" name="Заголовок 1">
+            <a:extLst>
+              <a:ext uri="{FF2B5EF4-FFF2-40B4-BE49-F238E27FC236}">
+                <a16:creationId xmlns:a16="http://schemas.microsoft.com/office/drawing/2014/main" id="{5ED3076E-2E51-49BA-B663-2E6FD28DE68E}"/>
+              </a:ext>
+            </a:extLst>
+          </p:cNvPr>
+          <p:cNvSpPr>
+            <a:spLocks noGrp="1"/>
+          </p:cNvSpPr>
+          <p:nvPr>
+            <p:ph type="title"/>
+          </p:nvPr>
+        </p:nvSpPr>
+        <p:spPr/>
+        <p:txBody>
+          <a:bodyPr/>
+          <a:lstStyle/>
+          <a:p>
+            <a:r>
+              <a:rPr lang="ru-RU" dirty="0"/>
+              <a:t>Часть </a:t>
+            </a:r>
+            <a:r>
+              <a:rPr lang="en-US" dirty="0"/>
+              <a:t>15</a:t>
+            </a:r>
+          </a:p>
+        </p:txBody>
+      </p:sp>
+      <p:sp>
+        <p:nvSpPr>
+          <p:cNvPr id="46" name="Объект 45">
+            <a:extLst>
+              <a:ext uri="{FF2B5EF4-FFF2-40B4-BE49-F238E27FC236}">
+                <a16:creationId xmlns:a16="http://schemas.microsoft.com/office/drawing/2014/main" id="{52D0E0D2-6E1E-4C0F-B92A-A811703BEA5E}"/>
+              </a:ext>
+            </a:extLst>
+          </p:cNvPr>
+          <p:cNvSpPr>
+            <a:spLocks noGrp="1"/>
+          </p:cNvSpPr>
+          <p:nvPr>
+            <p:ph idx="1"/>
+          </p:nvPr>
+        </p:nvSpPr>
+        <p:spPr/>
+        <p:txBody>
+          <a:bodyPr>
+            <a:normAutofit/>
+          </a:bodyPr>
+          <a:lstStyle/>
+          <a:p>
+            <a:pPr marL="0" indent="0">
+              <a:buNone/>
+            </a:pPr>
+            <a:r>
+              <a:rPr lang="ru-RU" sz="3200" dirty="0"/>
+              <a:t>Реализация требований	и правил</a:t>
+            </a:r>
+          </a:p>
+          <a:p>
+            <a:pPr marL="742950" indent="-742950">
+              <a:buAutoNum type="arabicPeriod"/>
+            </a:pPr>
+            <a:endParaRPr lang="en-US" sz="3200" dirty="0"/>
+          </a:p>
+        </p:txBody>
+      </p:sp>
+      <p:sp>
+        <p:nvSpPr>
+          <p:cNvPr id="6" name="Дата 5">
+            <a:extLst>
+              <a:ext uri="{FF2B5EF4-FFF2-40B4-BE49-F238E27FC236}">
+                <a16:creationId xmlns:a16="http://schemas.microsoft.com/office/drawing/2014/main" id="{3D389C93-18E8-4B65-9A0C-57EA5FF1262A}"/>
+              </a:ext>
+            </a:extLst>
+          </p:cNvPr>
+          <p:cNvSpPr>
+            <a:spLocks noGrp="1"/>
+          </p:cNvSpPr>
+          <p:nvPr>
+            <p:ph type="dt" sz="half" idx="10"/>
+          </p:nvPr>
+        </p:nvSpPr>
+        <p:spPr/>
+        <p:txBody>
+          <a:bodyPr/>
+          <a:lstStyle/>
+          <a:p>
+            <a:fld id="{2D4A23AA-1D21-4822-8346-CA7E14AECDD0}" type="datetime1">
+              <a:rPr lang="ru-RU" smtClean="0"/>
+              <a:pPr/>
+              <a:t>04.08.2019</a:t>
+            </a:fld>
+            <a:endParaRPr lang="en-US"/>
+          </a:p>
+        </p:txBody>
+      </p:sp>
+      <p:sp>
+        <p:nvSpPr>
+          <p:cNvPr id="7" name="Нижний колонтитул 6">
+            <a:extLst>
+              <a:ext uri="{FF2B5EF4-FFF2-40B4-BE49-F238E27FC236}">
+                <a16:creationId xmlns:a16="http://schemas.microsoft.com/office/drawing/2014/main" id="{FD3B82CA-042F-4A44-8CC3-391A074B55D4}"/>
+              </a:ext>
+            </a:extLst>
+          </p:cNvPr>
+          <p:cNvSpPr>
+            <a:spLocks noGrp="1"/>
+          </p:cNvSpPr>
+          <p:nvPr>
+            <p:ph type="ftr" sz="quarter" idx="11"/>
+          </p:nvPr>
+        </p:nvSpPr>
+        <p:spPr/>
+        <p:txBody>
+          <a:bodyPr/>
+          <a:lstStyle/>
+          <a:p>
+            <a:r>
+              <a:rPr lang="en-US" dirty="0"/>
+              <a:t>www.calabonga.net</a:t>
+            </a:r>
+          </a:p>
+        </p:txBody>
+      </p:sp>
+      <p:sp>
+        <p:nvSpPr>
+          <p:cNvPr id="8" name="Номер слайда 7">
+            <a:extLst>
+              <a:ext uri="{FF2B5EF4-FFF2-40B4-BE49-F238E27FC236}">
+                <a16:creationId xmlns:a16="http://schemas.microsoft.com/office/drawing/2014/main" id="{04E38101-A6CD-43DF-A008-79A5BF5D68AE}"/>
+              </a:ext>
+            </a:extLst>
+          </p:cNvPr>
+          <p:cNvSpPr>
+            <a:spLocks noGrp="1"/>
+          </p:cNvSpPr>
+          <p:nvPr>
+            <p:ph type="sldNum" sz="quarter" idx="12"/>
+          </p:nvPr>
+        </p:nvSpPr>
+        <p:spPr/>
+        <p:txBody>
+          <a:bodyPr/>
+          <a:lstStyle/>
+          <a:p>
+            <a:fld id="{356453D0-7C6D-4FAD-A87B-D4E72CD04107}" type="slidenum">
+              <a:rPr lang="en-US" smtClean="0"/>
+              <a:pPr/>
+              <a:t>30</a:t>
+            </a:fld>
+            <a:endParaRPr lang="en-US"/>
+          </a:p>
+        </p:txBody>
+      </p:sp>
+      <p:pic>
+        <p:nvPicPr>
+          <p:cNvPr id="5" name="Рисунок 4">
+            <a:extLst>
+              <a:ext uri="{FF2B5EF4-FFF2-40B4-BE49-F238E27FC236}">
+                <a16:creationId xmlns:a16="http://schemas.microsoft.com/office/drawing/2014/main" id="{0C735EBA-C5BA-4B9A-ABA1-E26E6D071E51}"/>
+              </a:ext>
+            </a:extLst>
+          </p:cNvPr>
+          <p:cNvPicPr>
+            <a:picLocks noChangeAspect="1"/>
+          </p:cNvPicPr>
+          <p:nvPr/>
+        </p:nvPicPr>
+        <p:blipFill>
+          <a:blip r:embed="rId3"/>
+          <a:stretch>
+            <a:fillRect/>
+          </a:stretch>
+        </p:blipFill>
+        <p:spPr>
+          <a:xfrm>
+            <a:off x="431070" y="2961864"/>
+            <a:ext cx="9929532" cy="2728198"/>
+          </a:xfrm>
+          <a:prstGeom prst="rect">
+            <a:avLst/>
+          </a:prstGeom>
+        </p:spPr>
+      </p:pic>
+    </p:spTree>
+    <p:extLst>
+      <p:ext uri="{BB962C8B-B14F-4D97-AF65-F5344CB8AC3E}">
+        <p14:creationId xmlns:p14="http://schemas.microsoft.com/office/powerpoint/2010/main" val="544358653"/>
       </p:ext>
     </p:extLst>
   </p:cSld>
@@ -25697,7 +25981,7 @@
           <a:p>
             <a:fld id="{AA4BE119-AABE-437D-8F94-331A05056B80}" type="datetime1">
               <a:rPr lang="ru-RU" smtClean="0"/>
-              <a:t>28.07.2019</a:t>
+              <a:t>04.08.2019</a:t>
             </a:fld>
             <a:endParaRPr lang="en-US"/>
           </a:p>
@@ -25877,7 +26161,7 @@
           <a:p>
             <a:fld id="{AA4BE119-AABE-437D-8F94-331A05056B80}" type="datetime1">
               <a:rPr lang="ru-RU" smtClean="0"/>
-              <a:t>28.07.2019</a:t>
+              <a:t>04.08.2019</a:t>
             </a:fld>
             <a:endParaRPr lang="en-US"/>
           </a:p>
@@ -26613,7 +26897,7 @@
           <a:p>
             <a:fld id="{2D4A23AA-1D21-4822-8346-CA7E14AECDD0}" type="datetime1">
               <a:rPr lang="ru-RU" smtClean="0"/>
-              <a:t>28.07.2019</a:t>
+              <a:t>04.08.2019</a:t>
             </a:fld>
             <a:endParaRPr lang="en-US"/>
           </a:p>
@@ -26873,7 +27157,7 @@
           <a:p>
             <a:fld id="{2D4A23AA-1D21-4822-8346-CA7E14AECDD0}" type="datetime1">
               <a:rPr lang="ru-RU" smtClean="0"/>
-              <a:t>28.07.2019</a:t>
+              <a:t>04.08.2019</a:t>
             </a:fld>
             <a:endParaRPr lang="en-US"/>
           </a:p>
@@ -28765,7 +29049,7 @@
           <a:p>
             <a:fld id="{2D4A23AA-1D21-4822-8346-CA7E14AECDD0}" type="datetime1">
               <a:rPr lang="ru-RU" smtClean="0"/>
-              <a:t>28.07.2019</a:t>
+              <a:t>04.08.2019</a:t>
             </a:fld>
             <a:endParaRPr lang="en-US"/>
           </a:p>
@@ -29163,7 +29447,7 @@
           <a:p>
             <a:fld id="{2D4A23AA-1D21-4822-8346-CA7E14AECDD0}" type="datetime1">
               <a:rPr lang="ru-RU" smtClean="0"/>
-              <a:t>28.07.2019</a:t>
+              <a:t>04.08.2019</a:t>
             </a:fld>
             <a:endParaRPr lang="en-US"/>
           </a:p>

--- a/Presentation/Calabonga.Catalog.pptx
+++ b/Presentation/Calabonga.Catalog.pptx
@@ -5,10 +5,10 @@
     <p:sldMasterId id="2147483762" r:id="rId1"/>
   </p:sldMasterIdLst>
   <p:notesMasterIdLst>
-    <p:notesMasterId r:id="rId32"/>
+    <p:notesMasterId r:id="rId33"/>
   </p:notesMasterIdLst>
   <p:handoutMasterIdLst>
-    <p:handoutMasterId r:id="rId33"/>
+    <p:handoutMasterId r:id="rId34"/>
   </p:handoutMasterIdLst>
   <p:sldIdLst>
     <p:sldId id="256" r:id="rId2"/>
@@ -41,6 +41,7 @@
     <p:sldId id="283" r:id="rId29"/>
     <p:sldId id="284" r:id="rId30"/>
     <p:sldId id="285" r:id="rId31"/>
+    <p:sldId id="286" r:id="rId32"/>
   </p:sldIdLst>
   <p:sldSz cx="12192000" cy="6858000"/>
   <p:notesSz cx="6858000" cy="9144000"/>
@@ -2997,7 +2998,7 @@
           <a:p>
             <a:fld id="{C7EBD34A-458D-4E15-9A13-07B008861E08}" type="datetime1">
               <a:rPr lang="ru-RU" smtClean="0"/>
-              <a:t>04.08.2019</a:t>
+              <a:t>11.08.2019</a:t>
             </a:fld>
             <a:endParaRPr lang="en-US"/>
           </a:p>
@@ -3163,7 +3164,7 @@
           <a:p>
             <a:fld id="{BD2C1305-B0C8-41A5-A415-431426818951}" type="datetime1">
               <a:rPr lang="ru-RU" smtClean="0"/>
-              <a:t>04.08.2019</a:t>
+              <a:t>11.08.2019</a:t>
             </a:fld>
             <a:endParaRPr lang="en-US"/>
           </a:p>
@@ -4591,6 +4592,67 @@
 </p:notes>
 </file>
 
+<file path=ppt/notesSlides/notesSlide27.xml><?xml version="1.0" encoding="utf-8"?>
+<p:notes xmlns:a="http://schemas.openxmlformats.org/drawingml/2006/main" xmlns:r="http://schemas.openxmlformats.org/officeDocument/2006/relationships" xmlns:p="http://schemas.openxmlformats.org/presentationml/2006/main">
+  <p:cSld>
+    <p:spTree>
+      <p:nvGrpSpPr>
+        <p:cNvPr id="1" name=""/>
+        <p:cNvGrpSpPr/>
+        <p:nvPr/>
+      </p:nvGrpSpPr>
+      <p:grpSpPr>
+        <a:xfrm>
+          <a:off x="0" y="0"/>
+          <a:ext cx="0" cy="0"/>
+          <a:chOff x="0" y="0"/>
+          <a:chExt cx="0" cy="0"/>
+        </a:xfrm>
+      </p:grpSpPr>
+      <p:sp>
+        <p:nvSpPr>
+          <p:cNvPr id="2" name="Образ слайда 1"/>
+          <p:cNvSpPr>
+            <a:spLocks noGrp="1" noRot="1" noChangeAspect="1"/>
+          </p:cNvSpPr>
+          <p:nvPr>
+            <p:ph type="sldImg"/>
+          </p:nvPr>
+        </p:nvSpPr>
+        <p:spPr/>
+      </p:sp>
+      <p:sp>
+        <p:nvSpPr>
+          <p:cNvPr id="3" name="Заметки 2"/>
+          <p:cNvSpPr>
+            <a:spLocks noGrp="1"/>
+          </p:cNvSpPr>
+          <p:nvPr>
+            <p:ph type="body" idx="1"/>
+          </p:nvPr>
+        </p:nvSpPr>
+        <p:spPr/>
+        <p:txBody>
+          <a:bodyPr/>
+          <a:lstStyle/>
+          <a:p>
+            <a:endParaRPr lang="en-US" dirty="0"/>
+          </a:p>
+        </p:txBody>
+      </p:sp>
+    </p:spTree>
+    <p:extLst>
+      <p:ext uri="{BB962C8B-B14F-4D97-AF65-F5344CB8AC3E}">
+        <p14:creationId xmlns:p14="http://schemas.microsoft.com/office/powerpoint/2010/main" val="1749457387"/>
+      </p:ext>
+    </p:extLst>
+  </p:cSld>
+  <p:clrMapOvr>
+    <a:masterClrMapping/>
+  </p:clrMapOvr>
+</p:notes>
+</file>
+
 <file path=ppt/notesSlides/notesSlide3.xml><?xml version="1.0" encoding="utf-8"?>
 <p:notes xmlns:a="http://schemas.openxmlformats.org/drawingml/2006/main" xmlns:r="http://schemas.openxmlformats.org/officeDocument/2006/relationships" xmlns:p="http://schemas.openxmlformats.org/presentationml/2006/main">
   <p:cSld>
@@ -5300,7 +5362,7 @@
           <a:p>
             <a:fld id="{8A2250BE-F15D-44BA-9438-B9DF99335BCD}" type="datetime1">
               <a:rPr lang="ru-RU" smtClean="0"/>
-              <a:t>04.08.2019</a:t>
+              <a:t>11.08.2019</a:t>
             </a:fld>
             <a:endParaRPr lang="en-US" dirty="0"/>
           </a:p>
@@ -5633,7 +5695,7 @@
           <a:p>
             <a:fld id="{7DE2CE15-DD73-496B-88E9-3C783140B749}" type="datetime1">
               <a:rPr lang="ru-RU" smtClean="0"/>
-              <a:t>04.08.2019</a:t>
+              <a:t>11.08.2019</a:t>
             </a:fld>
             <a:endParaRPr lang="en-US"/>
           </a:p>
@@ -6034,7 +6096,7 @@
           <a:p>
             <a:fld id="{C5591223-2003-4F54-BFF5-C55495CDBD8E}" type="datetime1">
               <a:rPr lang="ru-RU" smtClean="0"/>
-              <a:t>04.08.2019</a:t>
+              <a:t>11.08.2019</a:t>
             </a:fld>
             <a:endParaRPr lang="en-US"/>
           </a:p>
@@ -6410,7 +6472,7 @@
           <a:p>
             <a:fld id="{43563794-FDD4-4540-A355-3AD563225139}" type="datetime1">
               <a:rPr lang="ru-RU" smtClean="0"/>
-              <a:t>04.08.2019</a:t>
+              <a:t>11.08.2019</a:t>
             </a:fld>
             <a:endParaRPr lang="en-US"/>
           </a:p>
@@ -6916,7 +6978,7 @@
           <a:p>
             <a:fld id="{9C6B1E0C-F71F-4246-9CF7-3D799719CFAA}" type="datetime1">
               <a:rPr lang="ru-RU" smtClean="0"/>
-              <a:t>04.08.2019</a:t>
+              <a:t>11.08.2019</a:t>
             </a:fld>
             <a:endParaRPr lang="en-US"/>
           </a:p>
@@ -7173,7 +7235,7 @@
           <a:p>
             <a:fld id="{C8CD1612-23C8-4220-8DEF-C122C80B4952}" type="datetime1">
               <a:rPr lang="ru-RU" smtClean="0"/>
-              <a:t>04.08.2019</a:t>
+              <a:t>11.08.2019</a:t>
             </a:fld>
             <a:endParaRPr lang="en-US"/>
           </a:p>
@@ -7341,7 +7403,7 @@
           <a:p>
             <a:fld id="{CD59FF44-4703-437F-9D7D-4A2470583044}" type="datetime1">
               <a:rPr lang="ru-RU" smtClean="0"/>
-              <a:t>04.08.2019</a:t>
+              <a:t>11.08.2019</a:t>
             </a:fld>
             <a:endParaRPr lang="en-US"/>
           </a:p>
@@ -7731,7 +7793,7 @@
           <a:p>
             <a:fld id="{328CCA78-EACE-4FD5-BA12-7FEDA73BAFAB}" type="datetime1">
               <a:rPr lang="ru-RU" smtClean="0"/>
-              <a:t>04.08.2019</a:t>
+              <a:t>11.08.2019</a:t>
             </a:fld>
             <a:endParaRPr lang="en-US"/>
           </a:p>
@@ -8140,7 +8202,7 @@
           <a:p>
             <a:fld id="{80D44EDB-1D2F-4DC9-A659-7C84B659E344}" type="datetime1">
               <a:rPr lang="ru-RU" smtClean="0"/>
-              <a:t>04.08.2019</a:t>
+              <a:t>11.08.2019</a:t>
             </a:fld>
             <a:endParaRPr lang="en-US"/>
           </a:p>
@@ -8386,7 +8448,7 @@
             <a:fld id="{ABA487C1-7FE9-4143-8923-87ED1DD08F19}" type="datetime1">
               <a:rPr lang="ru-RU" smtClean="0"/>
               <a:pPr/>
-              <a:t>04.08.2019</a:t>
+              <a:t>11.08.2019</a:t>
             </a:fld>
             <a:endParaRPr lang="en-US" dirty="0"/>
           </a:p>
@@ -9064,7 +9126,7 @@
           <a:p>
             <a:fld id="{2D4A23AA-1D21-4822-8346-CA7E14AECDD0}" type="datetime1">
               <a:rPr lang="ru-RU" smtClean="0"/>
-              <a:t>04.08.2019</a:t>
+              <a:t>11.08.2019</a:t>
             </a:fld>
             <a:endParaRPr lang="en-US"/>
           </a:p>
@@ -9283,7 +9345,7 @@
           <a:p>
             <a:fld id="{2D4A23AA-1D21-4822-8346-CA7E14AECDD0}" type="datetime1">
               <a:rPr lang="ru-RU" smtClean="0"/>
-              <a:t>04.08.2019</a:t>
+              <a:t>11.08.2019</a:t>
             </a:fld>
             <a:endParaRPr lang="en-US"/>
           </a:p>
@@ -9491,7 +9553,7 @@
           <a:p>
             <a:fld id="{2D4A23AA-1D21-4822-8346-CA7E14AECDD0}" type="datetime1">
               <a:rPr lang="ru-RU" smtClean="0"/>
-              <a:t>04.08.2019</a:t>
+              <a:t>11.08.2019</a:t>
             </a:fld>
             <a:endParaRPr lang="en-US"/>
           </a:p>
@@ -11008,7 +11070,7 @@
           <a:p>
             <a:fld id="{2D4A23AA-1D21-4822-8346-CA7E14AECDD0}" type="datetime1">
               <a:rPr lang="ru-RU" smtClean="0"/>
-              <a:t>04.08.2019</a:t>
+              <a:t>11.08.2019</a:t>
             </a:fld>
             <a:endParaRPr lang="en-US"/>
           </a:p>
@@ -11200,7 +11262,7 @@
           <a:p>
             <a:fld id="{2D4A23AA-1D21-4822-8346-CA7E14AECDD0}" type="datetime1">
               <a:rPr lang="ru-RU" smtClean="0"/>
-              <a:t>04.08.2019</a:t>
+              <a:t>11.08.2019</a:t>
             </a:fld>
             <a:endParaRPr lang="en-US"/>
           </a:p>
@@ -12109,7 +12171,7 @@
           <a:p>
             <a:fld id="{2D4A23AA-1D21-4822-8346-CA7E14AECDD0}" type="datetime1">
               <a:rPr lang="ru-RU" smtClean="0"/>
-              <a:t>04.08.2019</a:t>
+              <a:t>11.08.2019</a:t>
             </a:fld>
             <a:endParaRPr lang="en-US"/>
           </a:p>
@@ -13799,7 +13861,7 @@
           <a:p>
             <a:fld id="{2D4A23AA-1D21-4822-8346-CA7E14AECDD0}" type="datetime1">
               <a:rPr lang="ru-RU" smtClean="0"/>
-              <a:t>04.08.2019</a:t>
+              <a:t>11.08.2019</a:t>
             </a:fld>
             <a:endParaRPr lang="en-US"/>
           </a:p>
@@ -16510,7 +16572,7 @@
           <a:p>
             <a:fld id="{2D4A23AA-1D21-4822-8346-CA7E14AECDD0}" type="datetime1">
               <a:rPr lang="ru-RU" smtClean="0"/>
-              <a:t>04.08.2019</a:t>
+              <a:t>11.08.2019</a:t>
             </a:fld>
             <a:endParaRPr lang="en-US"/>
           </a:p>
@@ -16696,7 +16758,7 @@
           <a:p>
             <a:fld id="{2D4A23AA-1D21-4822-8346-CA7E14AECDD0}" type="datetime1">
               <a:rPr lang="ru-RU" smtClean="0"/>
-              <a:t>04.08.2019</a:t>
+              <a:t>11.08.2019</a:t>
             </a:fld>
             <a:endParaRPr lang="en-US"/>
           </a:p>
@@ -16917,7 +16979,7 @@
           <a:p>
             <a:fld id="{2D4A23AA-1D21-4822-8346-CA7E14AECDD0}" type="datetime1">
               <a:rPr lang="ru-RU" smtClean="0"/>
-              <a:t>04.08.2019</a:t>
+              <a:t>11.08.2019</a:t>
             </a:fld>
             <a:endParaRPr lang="en-US"/>
           </a:p>
@@ -17201,7 +17263,7 @@
           <a:p>
             <a:fld id="{10A25188-2956-4DA3-8229-5D523B568A6A}" type="datetime1">
               <a:rPr lang="ru-RU" smtClean="0"/>
-              <a:t>04.08.2019</a:t>
+              <a:t>11.08.2019</a:t>
             </a:fld>
             <a:endParaRPr lang="en-US"/>
           </a:p>
@@ -17532,7 +17594,7 @@
           <a:p>
             <a:fld id="{2D4A23AA-1D21-4822-8346-CA7E14AECDD0}" type="datetime1">
               <a:rPr lang="ru-RU" smtClean="0"/>
-              <a:t>04.08.2019</a:t>
+              <a:t>11.08.2019</a:t>
             </a:fld>
             <a:endParaRPr lang="en-US"/>
           </a:p>
@@ -17731,7 +17793,7 @@
           <a:p>
             <a:fld id="{2D4A23AA-1D21-4822-8346-CA7E14AECDD0}" type="datetime1">
               <a:rPr lang="ru-RU" smtClean="0"/>
-              <a:t>04.08.2019</a:t>
+              <a:t>11.08.2019</a:t>
             </a:fld>
             <a:endParaRPr lang="en-US"/>
           </a:p>
@@ -18998,7 +19060,7 @@
             <a:fld id="{2D4A23AA-1D21-4822-8346-CA7E14AECDD0}" type="datetime1">
               <a:rPr lang="ru-RU" smtClean="0"/>
               <a:pPr/>
-              <a:t>04.08.2019</a:t>
+              <a:t>11.08.2019</a:t>
             </a:fld>
             <a:endParaRPr lang="en-US"/>
           </a:p>
@@ -19150,7 +19212,7 @@
           <a:p>
             <a:fld id="{2D4A23AA-1D21-4822-8346-CA7E14AECDD0}" type="datetime1">
               <a:rPr lang="ru-RU" smtClean="0"/>
-              <a:t>04.08.2019</a:t>
+              <a:t>11.08.2019</a:t>
             </a:fld>
             <a:endParaRPr lang="en-US"/>
           </a:p>
@@ -21397,7 +21459,7 @@
             <a:fld id="{2D4A23AA-1D21-4822-8346-CA7E14AECDD0}" type="datetime1">
               <a:rPr lang="ru-RU" smtClean="0"/>
               <a:pPr/>
-              <a:t>04.08.2019</a:t>
+              <a:t>11.08.2019</a:t>
             </a:fld>
             <a:endParaRPr lang="en-US"/>
           </a:p>
@@ -21549,7 +21611,7 @@
           <a:p>
             <a:fld id="{2D4A23AA-1D21-4822-8346-CA7E14AECDD0}" type="datetime1">
               <a:rPr lang="ru-RU" smtClean="0"/>
-              <a:t>04.08.2019</a:t>
+              <a:t>11.08.2019</a:t>
             </a:fld>
             <a:endParaRPr lang="en-US"/>
           </a:p>
@@ -23952,7 +24014,7 @@
             <a:fld id="{2D4A23AA-1D21-4822-8346-CA7E14AECDD0}" type="datetime1">
               <a:rPr lang="ru-RU" smtClean="0"/>
               <a:pPr/>
-              <a:t>04.08.2019</a:t>
+              <a:t>11.08.2019</a:t>
             </a:fld>
             <a:endParaRPr lang="en-US"/>
           </a:p>
@@ -24862,7 +24924,7 @@
             <a:fld id="{2D4A23AA-1D21-4822-8346-CA7E14AECDD0}" type="datetime1">
               <a:rPr lang="ru-RU" smtClean="0"/>
               <a:pPr/>
-              <a:t>04.08.2019</a:t>
+              <a:t>11.08.2019</a:t>
             </a:fld>
             <a:endParaRPr lang="en-US"/>
           </a:p>
@@ -25059,7 +25121,7 @@
             <a:fld id="{2D4A23AA-1D21-4822-8346-CA7E14AECDD0}" type="datetime1">
               <a:rPr lang="ru-RU" smtClean="0"/>
               <a:pPr/>
-              <a:t>04.08.2019</a:t>
+              <a:t>11.08.2019</a:t>
             </a:fld>
             <a:endParaRPr lang="en-US"/>
           </a:p>
@@ -25281,7 +25343,7 @@
             <a:fld id="{2D4A23AA-1D21-4822-8346-CA7E14AECDD0}" type="datetime1">
               <a:rPr lang="ru-RU" smtClean="0"/>
               <a:pPr/>
-              <a:t>04.08.2019</a:t>
+              <a:t>11.08.2019</a:t>
             </a:fld>
             <a:endParaRPr lang="en-US"/>
           </a:p>
@@ -25556,7 +25618,7 @@
           <a:p>
             <a:fld id="{2B345FB0-09AD-4AC0-8DC4-6C68B700A600}" type="datetime1">
               <a:rPr lang="ru-RU" smtClean="0"/>
-              <a:t>04.08.2019</a:t>
+              <a:t>11.08.2019</a:t>
             </a:fld>
             <a:endParaRPr lang="en-US"/>
           </a:p>
@@ -25747,7 +25809,7 @@
             <a:fld id="{2D4A23AA-1D21-4822-8346-CA7E14AECDD0}" type="datetime1">
               <a:rPr lang="ru-RU" smtClean="0"/>
               <a:pPr/>
-              <a:t>04.08.2019</a:t>
+              <a:t>11.08.2019</a:t>
             </a:fld>
             <a:endParaRPr lang="en-US"/>
           </a:p>
@@ -25857,6 +25919,228 @@
 </p:sld>
 </file>
 
+<file path=ppt/slides/slide31.xml><?xml version="1.0" encoding="utf-8"?>
+<p:sld xmlns:a="http://schemas.openxmlformats.org/drawingml/2006/main" xmlns:r="http://schemas.openxmlformats.org/officeDocument/2006/relationships" xmlns:p="http://schemas.openxmlformats.org/presentationml/2006/main">
+  <p:cSld>
+    <p:spTree>
+      <p:nvGrpSpPr>
+        <p:cNvPr id="1" name=""/>
+        <p:cNvGrpSpPr/>
+        <p:nvPr/>
+      </p:nvGrpSpPr>
+      <p:grpSpPr>
+        <a:xfrm>
+          <a:off x="0" y="0"/>
+          <a:ext cx="0" cy="0"/>
+          <a:chOff x="0" y="0"/>
+          <a:chExt cx="0" cy="0"/>
+        </a:xfrm>
+      </p:grpSpPr>
+      <p:sp>
+        <p:nvSpPr>
+          <p:cNvPr id="2" name="Заголовок 1">
+            <a:extLst>
+              <a:ext uri="{FF2B5EF4-FFF2-40B4-BE49-F238E27FC236}">
+                <a16:creationId xmlns:a16="http://schemas.microsoft.com/office/drawing/2014/main" id="{5ED3076E-2E51-49BA-B663-2E6FD28DE68E}"/>
+              </a:ext>
+            </a:extLst>
+          </p:cNvPr>
+          <p:cNvSpPr>
+            <a:spLocks noGrp="1"/>
+          </p:cNvSpPr>
+          <p:nvPr>
+            <p:ph type="title"/>
+          </p:nvPr>
+        </p:nvSpPr>
+        <p:spPr/>
+        <p:txBody>
+          <a:bodyPr/>
+          <a:lstStyle/>
+          <a:p>
+            <a:r>
+              <a:rPr lang="ru-RU" dirty="0"/>
+              <a:t>Часть </a:t>
+            </a:r>
+            <a:r>
+              <a:rPr lang="en-US" dirty="0"/>
+              <a:t>16</a:t>
+            </a:r>
+          </a:p>
+        </p:txBody>
+      </p:sp>
+      <p:sp>
+        <p:nvSpPr>
+          <p:cNvPr id="46" name="Объект 45">
+            <a:extLst>
+              <a:ext uri="{FF2B5EF4-FFF2-40B4-BE49-F238E27FC236}">
+                <a16:creationId xmlns:a16="http://schemas.microsoft.com/office/drawing/2014/main" id="{52D0E0D2-6E1E-4C0F-B92A-A811703BEA5E}"/>
+              </a:ext>
+            </a:extLst>
+          </p:cNvPr>
+          <p:cNvSpPr>
+            <a:spLocks noGrp="1"/>
+          </p:cNvSpPr>
+          <p:nvPr>
+            <p:ph idx="1"/>
+          </p:nvPr>
+        </p:nvSpPr>
+        <p:spPr/>
+        <p:txBody>
+          <a:bodyPr>
+            <a:normAutofit/>
+          </a:bodyPr>
+          <a:lstStyle/>
+          <a:p>
+            <a:pPr marL="0" indent="0">
+              <a:buNone/>
+            </a:pPr>
+            <a:r>
+              <a:rPr lang="ru-RU" sz="3200" dirty="0"/>
+              <a:t>Реализация требований	и правил</a:t>
+            </a:r>
+          </a:p>
+          <a:p>
+            <a:pPr marL="742950" indent="-742950">
+              <a:buAutoNum type="arabicPeriod"/>
+            </a:pPr>
+            <a:endParaRPr lang="en-US" sz="3200" dirty="0"/>
+          </a:p>
+        </p:txBody>
+      </p:sp>
+      <p:sp>
+        <p:nvSpPr>
+          <p:cNvPr id="6" name="Дата 5">
+            <a:extLst>
+              <a:ext uri="{FF2B5EF4-FFF2-40B4-BE49-F238E27FC236}">
+                <a16:creationId xmlns:a16="http://schemas.microsoft.com/office/drawing/2014/main" id="{3D389C93-18E8-4B65-9A0C-57EA5FF1262A}"/>
+              </a:ext>
+            </a:extLst>
+          </p:cNvPr>
+          <p:cNvSpPr>
+            <a:spLocks noGrp="1"/>
+          </p:cNvSpPr>
+          <p:nvPr>
+            <p:ph type="dt" sz="half" idx="10"/>
+          </p:nvPr>
+        </p:nvSpPr>
+        <p:spPr/>
+        <p:txBody>
+          <a:bodyPr/>
+          <a:lstStyle/>
+          <a:p>
+            <a:fld id="{2D4A23AA-1D21-4822-8346-CA7E14AECDD0}" type="datetime1">
+              <a:rPr lang="ru-RU" smtClean="0"/>
+              <a:pPr/>
+              <a:t>11.08.2019</a:t>
+            </a:fld>
+            <a:endParaRPr lang="en-US"/>
+          </a:p>
+        </p:txBody>
+      </p:sp>
+      <p:sp>
+        <p:nvSpPr>
+          <p:cNvPr id="7" name="Нижний колонтитул 6">
+            <a:extLst>
+              <a:ext uri="{FF2B5EF4-FFF2-40B4-BE49-F238E27FC236}">
+                <a16:creationId xmlns:a16="http://schemas.microsoft.com/office/drawing/2014/main" id="{FD3B82CA-042F-4A44-8CC3-391A074B55D4}"/>
+              </a:ext>
+            </a:extLst>
+          </p:cNvPr>
+          <p:cNvSpPr>
+            <a:spLocks noGrp="1"/>
+          </p:cNvSpPr>
+          <p:nvPr>
+            <p:ph type="ftr" sz="quarter" idx="11"/>
+          </p:nvPr>
+        </p:nvSpPr>
+        <p:spPr/>
+        <p:txBody>
+          <a:bodyPr/>
+          <a:lstStyle/>
+          <a:p>
+            <a:r>
+              <a:rPr lang="en-US" dirty="0"/>
+              <a:t>www.calabonga.net</a:t>
+            </a:r>
+          </a:p>
+        </p:txBody>
+      </p:sp>
+      <p:sp>
+        <p:nvSpPr>
+          <p:cNvPr id="8" name="Номер слайда 7">
+            <a:extLst>
+              <a:ext uri="{FF2B5EF4-FFF2-40B4-BE49-F238E27FC236}">
+                <a16:creationId xmlns:a16="http://schemas.microsoft.com/office/drawing/2014/main" id="{04E38101-A6CD-43DF-A008-79A5BF5D68AE}"/>
+              </a:ext>
+            </a:extLst>
+          </p:cNvPr>
+          <p:cNvSpPr>
+            <a:spLocks noGrp="1"/>
+          </p:cNvSpPr>
+          <p:nvPr>
+            <p:ph type="sldNum" sz="quarter" idx="12"/>
+          </p:nvPr>
+        </p:nvSpPr>
+        <p:spPr/>
+        <p:txBody>
+          <a:bodyPr/>
+          <a:lstStyle/>
+          <a:p>
+            <a:fld id="{356453D0-7C6D-4FAD-A87B-D4E72CD04107}" type="slidenum">
+              <a:rPr lang="en-US" smtClean="0"/>
+              <a:pPr/>
+              <a:t>31</a:t>
+            </a:fld>
+            <a:endParaRPr lang="en-US"/>
+          </a:p>
+        </p:txBody>
+      </p:sp>
+      <p:pic>
+        <p:nvPicPr>
+          <p:cNvPr id="3" name="Рисунок 2">
+            <a:extLst>
+              <a:ext uri="{FF2B5EF4-FFF2-40B4-BE49-F238E27FC236}">
+                <a16:creationId xmlns:a16="http://schemas.microsoft.com/office/drawing/2014/main" id="{5A65CBCF-C2B4-4C99-9DD0-A732661EC28A}"/>
+              </a:ext>
+            </a:extLst>
+          </p:cNvPr>
+          <p:cNvPicPr>
+            <a:picLocks noChangeAspect="1"/>
+          </p:cNvPicPr>
+          <p:nvPr/>
+        </p:nvPicPr>
+        <p:blipFill>
+          <a:blip r:embed="rId3"/>
+          <a:stretch>
+            <a:fillRect/>
+          </a:stretch>
+        </p:blipFill>
+        <p:spPr>
+          <a:xfrm>
+            <a:off x="407448" y="2969694"/>
+            <a:ext cx="10024593" cy="2212082"/>
+          </a:xfrm>
+          <a:prstGeom prst="rect">
+            <a:avLst/>
+          </a:prstGeom>
+        </p:spPr>
+      </p:pic>
+    </p:spTree>
+    <p:extLst>
+      <p:ext uri="{BB962C8B-B14F-4D97-AF65-F5344CB8AC3E}">
+        <p14:creationId xmlns:p14="http://schemas.microsoft.com/office/powerpoint/2010/main" val="3646531589"/>
+      </p:ext>
+    </p:extLst>
+  </p:cSld>
+  <p:clrMapOvr>
+    <a:masterClrMapping/>
+  </p:clrMapOvr>
+  <p:transition spd="med">
+    <p:pull/>
+  </p:transition>
+</p:sld>
+</file>
+
 <file path=ppt/slides/slide4.xml><?xml version="1.0" encoding="utf-8"?>
 <p:sld xmlns:a="http://schemas.openxmlformats.org/drawingml/2006/main" xmlns:r="http://schemas.openxmlformats.org/officeDocument/2006/relationships" xmlns:p="http://schemas.openxmlformats.org/presentationml/2006/main">
   <p:cSld>
@@ -25981,7 +26265,7 @@
           <a:p>
             <a:fld id="{AA4BE119-AABE-437D-8F94-331A05056B80}" type="datetime1">
               <a:rPr lang="ru-RU" smtClean="0"/>
-              <a:t>04.08.2019</a:t>
+              <a:t>11.08.2019</a:t>
             </a:fld>
             <a:endParaRPr lang="en-US"/>
           </a:p>
@@ -26161,7 +26445,7 @@
           <a:p>
             <a:fld id="{AA4BE119-AABE-437D-8F94-331A05056B80}" type="datetime1">
               <a:rPr lang="ru-RU" smtClean="0"/>
-              <a:t>04.08.2019</a:t>
+              <a:t>11.08.2019</a:t>
             </a:fld>
             <a:endParaRPr lang="en-US"/>
           </a:p>
@@ -26897,7 +27181,7 @@
           <a:p>
             <a:fld id="{2D4A23AA-1D21-4822-8346-CA7E14AECDD0}" type="datetime1">
               <a:rPr lang="ru-RU" smtClean="0"/>
-              <a:t>04.08.2019</a:t>
+              <a:t>11.08.2019</a:t>
             </a:fld>
             <a:endParaRPr lang="en-US"/>
           </a:p>
@@ -27157,7 +27441,7 @@
           <a:p>
             <a:fld id="{2D4A23AA-1D21-4822-8346-CA7E14AECDD0}" type="datetime1">
               <a:rPr lang="ru-RU" smtClean="0"/>
-              <a:t>04.08.2019</a:t>
+              <a:t>11.08.2019</a:t>
             </a:fld>
             <a:endParaRPr lang="en-US"/>
           </a:p>
@@ -29049,7 +29333,7 @@
           <a:p>
             <a:fld id="{2D4A23AA-1D21-4822-8346-CA7E14AECDD0}" type="datetime1">
               <a:rPr lang="ru-RU" smtClean="0"/>
-              <a:t>04.08.2019</a:t>
+              <a:t>11.08.2019</a:t>
             </a:fld>
             <a:endParaRPr lang="en-US"/>
           </a:p>
@@ -29447,7 +29731,7 @@
           <a:p>
             <a:fld id="{2D4A23AA-1D21-4822-8346-CA7E14AECDD0}" type="datetime1">
               <a:rPr lang="ru-RU" smtClean="0"/>
-              <a:t>04.08.2019</a:t>
+              <a:t>11.08.2019</a:t>
             </a:fld>
             <a:endParaRPr lang="en-US"/>
           </a:p>

--- a/Presentation/Calabonga.Catalog.pptx
+++ b/Presentation/Calabonga.Catalog.pptx
@@ -5,10 +5,10 @@
     <p:sldMasterId id="2147483762" r:id="rId1"/>
   </p:sldMasterIdLst>
   <p:notesMasterIdLst>
-    <p:notesMasterId r:id="rId33"/>
+    <p:notesMasterId r:id="rId34"/>
   </p:notesMasterIdLst>
   <p:handoutMasterIdLst>
-    <p:handoutMasterId r:id="rId34"/>
+    <p:handoutMasterId r:id="rId35"/>
   </p:handoutMasterIdLst>
   <p:sldIdLst>
     <p:sldId id="256" r:id="rId2"/>
@@ -42,6 +42,7 @@
     <p:sldId id="284" r:id="rId30"/>
     <p:sldId id="285" r:id="rId31"/>
     <p:sldId id="286" r:id="rId32"/>
+    <p:sldId id="287" r:id="rId33"/>
   </p:sldIdLst>
   <p:sldSz cx="12192000" cy="6858000"/>
   <p:notesSz cx="6858000" cy="9144000"/>
@@ -2998,7 +2999,7 @@
           <a:p>
             <a:fld id="{C7EBD34A-458D-4E15-9A13-07B008861E08}" type="datetime1">
               <a:rPr lang="ru-RU" smtClean="0"/>
-              <a:t>11.08.2019</a:t>
+              <a:t>17.08.2019</a:t>
             </a:fld>
             <a:endParaRPr lang="en-US"/>
           </a:p>
@@ -3164,7 +3165,7 @@
           <a:p>
             <a:fld id="{BD2C1305-B0C8-41A5-A415-431426818951}" type="datetime1">
               <a:rPr lang="ru-RU" smtClean="0"/>
-              <a:t>11.08.2019</a:t>
+              <a:t>17.08.2019</a:t>
             </a:fld>
             <a:endParaRPr lang="en-US"/>
           </a:p>
@@ -4653,6 +4654,67 @@
 </p:notes>
 </file>
 
+<file path=ppt/notesSlides/notesSlide28.xml><?xml version="1.0" encoding="utf-8"?>
+<p:notes xmlns:a="http://schemas.openxmlformats.org/drawingml/2006/main" xmlns:r="http://schemas.openxmlformats.org/officeDocument/2006/relationships" xmlns:p="http://schemas.openxmlformats.org/presentationml/2006/main">
+  <p:cSld>
+    <p:spTree>
+      <p:nvGrpSpPr>
+        <p:cNvPr id="1" name=""/>
+        <p:cNvGrpSpPr/>
+        <p:nvPr/>
+      </p:nvGrpSpPr>
+      <p:grpSpPr>
+        <a:xfrm>
+          <a:off x="0" y="0"/>
+          <a:ext cx="0" cy="0"/>
+          <a:chOff x="0" y="0"/>
+          <a:chExt cx="0" cy="0"/>
+        </a:xfrm>
+      </p:grpSpPr>
+      <p:sp>
+        <p:nvSpPr>
+          <p:cNvPr id="2" name="Образ слайда 1"/>
+          <p:cNvSpPr>
+            <a:spLocks noGrp="1" noRot="1" noChangeAspect="1"/>
+          </p:cNvSpPr>
+          <p:nvPr>
+            <p:ph type="sldImg"/>
+          </p:nvPr>
+        </p:nvSpPr>
+        <p:spPr/>
+      </p:sp>
+      <p:sp>
+        <p:nvSpPr>
+          <p:cNvPr id="3" name="Заметки 2"/>
+          <p:cNvSpPr>
+            <a:spLocks noGrp="1"/>
+          </p:cNvSpPr>
+          <p:nvPr>
+            <p:ph type="body" idx="1"/>
+          </p:nvPr>
+        </p:nvSpPr>
+        <p:spPr/>
+        <p:txBody>
+          <a:bodyPr/>
+          <a:lstStyle/>
+          <a:p>
+            <a:endParaRPr lang="en-US" dirty="0"/>
+          </a:p>
+        </p:txBody>
+      </p:sp>
+    </p:spTree>
+    <p:extLst>
+      <p:ext uri="{BB962C8B-B14F-4D97-AF65-F5344CB8AC3E}">
+        <p14:creationId xmlns:p14="http://schemas.microsoft.com/office/powerpoint/2010/main" val="2253038416"/>
+      </p:ext>
+    </p:extLst>
+  </p:cSld>
+  <p:clrMapOvr>
+    <a:masterClrMapping/>
+  </p:clrMapOvr>
+</p:notes>
+</file>
+
 <file path=ppt/notesSlides/notesSlide3.xml><?xml version="1.0" encoding="utf-8"?>
 <p:notes xmlns:a="http://schemas.openxmlformats.org/drawingml/2006/main" xmlns:r="http://schemas.openxmlformats.org/officeDocument/2006/relationships" xmlns:p="http://schemas.openxmlformats.org/presentationml/2006/main">
   <p:cSld>
@@ -5362,7 +5424,7 @@
           <a:p>
             <a:fld id="{8A2250BE-F15D-44BA-9438-B9DF99335BCD}" type="datetime1">
               <a:rPr lang="ru-RU" smtClean="0"/>
-              <a:t>11.08.2019</a:t>
+              <a:t>17.08.2019</a:t>
             </a:fld>
             <a:endParaRPr lang="en-US" dirty="0"/>
           </a:p>
@@ -5695,7 +5757,7 @@
           <a:p>
             <a:fld id="{7DE2CE15-DD73-496B-88E9-3C783140B749}" type="datetime1">
               <a:rPr lang="ru-RU" smtClean="0"/>
-              <a:t>11.08.2019</a:t>
+              <a:t>17.08.2019</a:t>
             </a:fld>
             <a:endParaRPr lang="en-US"/>
           </a:p>
@@ -6096,7 +6158,7 @@
           <a:p>
             <a:fld id="{C5591223-2003-4F54-BFF5-C55495CDBD8E}" type="datetime1">
               <a:rPr lang="ru-RU" smtClean="0"/>
-              <a:t>11.08.2019</a:t>
+              <a:t>17.08.2019</a:t>
             </a:fld>
             <a:endParaRPr lang="en-US"/>
           </a:p>
@@ -6472,7 +6534,7 @@
           <a:p>
             <a:fld id="{43563794-FDD4-4540-A355-3AD563225139}" type="datetime1">
               <a:rPr lang="ru-RU" smtClean="0"/>
-              <a:t>11.08.2019</a:t>
+              <a:t>17.08.2019</a:t>
             </a:fld>
             <a:endParaRPr lang="en-US"/>
           </a:p>
@@ -6978,7 +7040,7 @@
           <a:p>
             <a:fld id="{9C6B1E0C-F71F-4246-9CF7-3D799719CFAA}" type="datetime1">
               <a:rPr lang="ru-RU" smtClean="0"/>
-              <a:t>11.08.2019</a:t>
+              <a:t>17.08.2019</a:t>
             </a:fld>
             <a:endParaRPr lang="en-US"/>
           </a:p>
@@ -7235,7 +7297,7 @@
           <a:p>
             <a:fld id="{C8CD1612-23C8-4220-8DEF-C122C80B4952}" type="datetime1">
               <a:rPr lang="ru-RU" smtClean="0"/>
-              <a:t>11.08.2019</a:t>
+              <a:t>17.08.2019</a:t>
             </a:fld>
             <a:endParaRPr lang="en-US"/>
           </a:p>
@@ -7403,7 +7465,7 @@
           <a:p>
             <a:fld id="{CD59FF44-4703-437F-9D7D-4A2470583044}" type="datetime1">
               <a:rPr lang="ru-RU" smtClean="0"/>
-              <a:t>11.08.2019</a:t>
+              <a:t>17.08.2019</a:t>
             </a:fld>
             <a:endParaRPr lang="en-US"/>
           </a:p>
@@ -7793,7 +7855,7 @@
           <a:p>
             <a:fld id="{328CCA78-EACE-4FD5-BA12-7FEDA73BAFAB}" type="datetime1">
               <a:rPr lang="ru-RU" smtClean="0"/>
-              <a:t>11.08.2019</a:t>
+              <a:t>17.08.2019</a:t>
             </a:fld>
             <a:endParaRPr lang="en-US"/>
           </a:p>
@@ -8202,7 +8264,7 @@
           <a:p>
             <a:fld id="{80D44EDB-1D2F-4DC9-A659-7C84B659E344}" type="datetime1">
               <a:rPr lang="ru-RU" smtClean="0"/>
-              <a:t>11.08.2019</a:t>
+              <a:t>17.08.2019</a:t>
             </a:fld>
             <a:endParaRPr lang="en-US"/>
           </a:p>
@@ -8448,7 +8510,7 @@
             <a:fld id="{ABA487C1-7FE9-4143-8923-87ED1DD08F19}" type="datetime1">
               <a:rPr lang="ru-RU" smtClean="0"/>
               <a:pPr/>
-              <a:t>11.08.2019</a:t>
+              <a:t>17.08.2019</a:t>
             </a:fld>
             <a:endParaRPr lang="en-US" dirty="0"/>
           </a:p>
@@ -9126,7 +9188,7 @@
           <a:p>
             <a:fld id="{2D4A23AA-1D21-4822-8346-CA7E14AECDD0}" type="datetime1">
               <a:rPr lang="ru-RU" smtClean="0"/>
-              <a:t>11.08.2019</a:t>
+              <a:t>17.08.2019</a:t>
             </a:fld>
             <a:endParaRPr lang="en-US"/>
           </a:p>
@@ -9345,7 +9407,7 @@
           <a:p>
             <a:fld id="{2D4A23AA-1D21-4822-8346-CA7E14AECDD0}" type="datetime1">
               <a:rPr lang="ru-RU" smtClean="0"/>
-              <a:t>11.08.2019</a:t>
+              <a:t>17.08.2019</a:t>
             </a:fld>
             <a:endParaRPr lang="en-US"/>
           </a:p>
@@ -9553,7 +9615,7 @@
           <a:p>
             <a:fld id="{2D4A23AA-1D21-4822-8346-CA7E14AECDD0}" type="datetime1">
               <a:rPr lang="ru-RU" smtClean="0"/>
-              <a:t>11.08.2019</a:t>
+              <a:t>17.08.2019</a:t>
             </a:fld>
             <a:endParaRPr lang="en-US"/>
           </a:p>
@@ -11070,7 +11132,7 @@
           <a:p>
             <a:fld id="{2D4A23AA-1D21-4822-8346-CA7E14AECDD0}" type="datetime1">
               <a:rPr lang="ru-RU" smtClean="0"/>
-              <a:t>11.08.2019</a:t>
+              <a:t>17.08.2019</a:t>
             </a:fld>
             <a:endParaRPr lang="en-US"/>
           </a:p>
@@ -11262,7 +11324,7 @@
           <a:p>
             <a:fld id="{2D4A23AA-1D21-4822-8346-CA7E14AECDD0}" type="datetime1">
               <a:rPr lang="ru-RU" smtClean="0"/>
-              <a:t>11.08.2019</a:t>
+              <a:t>17.08.2019</a:t>
             </a:fld>
             <a:endParaRPr lang="en-US"/>
           </a:p>
@@ -12171,7 +12233,7 @@
           <a:p>
             <a:fld id="{2D4A23AA-1D21-4822-8346-CA7E14AECDD0}" type="datetime1">
               <a:rPr lang="ru-RU" smtClean="0"/>
-              <a:t>11.08.2019</a:t>
+              <a:t>17.08.2019</a:t>
             </a:fld>
             <a:endParaRPr lang="en-US"/>
           </a:p>
@@ -13861,7 +13923,7 @@
           <a:p>
             <a:fld id="{2D4A23AA-1D21-4822-8346-CA7E14AECDD0}" type="datetime1">
               <a:rPr lang="ru-RU" smtClean="0"/>
-              <a:t>11.08.2019</a:t>
+              <a:t>17.08.2019</a:t>
             </a:fld>
             <a:endParaRPr lang="en-US"/>
           </a:p>
@@ -16572,7 +16634,7 @@
           <a:p>
             <a:fld id="{2D4A23AA-1D21-4822-8346-CA7E14AECDD0}" type="datetime1">
               <a:rPr lang="ru-RU" smtClean="0"/>
-              <a:t>11.08.2019</a:t>
+              <a:t>17.08.2019</a:t>
             </a:fld>
             <a:endParaRPr lang="en-US"/>
           </a:p>
@@ -16758,7 +16820,7 @@
           <a:p>
             <a:fld id="{2D4A23AA-1D21-4822-8346-CA7E14AECDD0}" type="datetime1">
               <a:rPr lang="ru-RU" smtClean="0"/>
-              <a:t>11.08.2019</a:t>
+              <a:t>17.08.2019</a:t>
             </a:fld>
             <a:endParaRPr lang="en-US"/>
           </a:p>
@@ -16979,7 +17041,7 @@
           <a:p>
             <a:fld id="{2D4A23AA-1D21-4822-8346-CA7E14AECDD0}" type="datetime1">
               <a:rPr lang="ru-RU" smtClean="0"/>
-              <a:t>11.08.2019</a:t>
+              <a:t>17.08.2019</a:t>
             </a:fld>
             <a:endParaRPr lang="en-US"/>
           </a:p>
@@ -17263,7 +17325,7 @@
           <a:p>
             <a:fld id="{10A25188-2956-4DA3-8229-5D523B568A6A}" type="datetime1">
               <a:rPr lang="ru-RU" smtClean="0"/>
-              <a:t>11.08.2019</a:t>
+              <a:t>17.08.2019</a:t>
             </a:fld>
             <a:endParaRPr lang="en-US"/>
           </a:p>
@@ -17594,7 +17656,7 @@
           <a:p>
             <a:fld id="{2D4A23AA-1D21-4822-8346-CA7E14AECDD0}" type="datetime1">
               <a:rPr lang="ru-RU" smtClean="0"/>
-              <a:t>11.08.2019</a:t>
+              <a:t>17.08.2019</a:t>
             </a:fld>
             <a:endParaRPr lang="en-US"/>
           </a:p>
@@ -17793,7 +17855,7 @@
           <a:p>
             <a:fld id="{2D4A23AA-1D21-4822-8346-CA7E14AECDD0}" type="datetime1">
               <a:rPr lang="ru-RU" smtClean="0"/>
-              <a:t>11.08.2019</a:t>
+              <a:t>17.08.2019</a:t>
             </a:fld>
             <a:endParaRPr lang="en-US"/>
           </a:p>
@@ -19060,7 +19122,7 @@
             <a:fld id="{2D4A23AA-1D21-4822-8346-CA7E14AECDD0}" type="datetime1">
               <a:rPr lang="ru-RU" smtClean="0"/>
               <a:pPr/>
-              <a:t>11.08.2019</a:t>
+              <a:t>17.08.2019</a:t>
             </a:fld>
             <a:endParaRPr lang="en-US"/>
           </a:p>
@@ -19212,7 +19274,7 @@
           <a:p>
             <a:fld id="{2D4A23AA-1D21-4822-8346-CA7E14AECDD0}" type="datetime1">
               <a:rPr lang="ru-RU" smtClean="0"/>
-              <a:t>11.08.2019</a:t>
+              <a:t>17.08.2019</a:t>
             </a:fld>
             <a:endParaRPr lang="en-US"/>
           </a:p>
@@ -21459,7 +21521,7 @@
             <a:fld id="{2D4A23AA-1D21-4822-8346-CA7E14AECDD0}" type="datetime1">
               <a:rPr lang="ru-RU" smtClean="0"/>
               <a:pPr/>
-              <a:t>11.08.2019</a:t>
+              <a:t>17.08.2019</a:t>
             </a:fld>
             <a:endParaRPr lang="en-US"/>
           </a:p>
@@ -21611,7 +21673,7 @@
           <a:p>
             <a:fld id="{2D4A23AA-1D21-4822-8346-CA7E14AECDD0}" type="datetime1">
               <a:rPr lang="ru-RU" smtClean="0"/>
-              <a:t>11.08.2019</a:t>
+              <a:t>17.08.2019</a:t>
             </a:fld>
             <a:endParaRPr lang="en-US"/>
           </a:p>
@@ -24014,7 +24076,7 @@
             <a:fld id="{2D4A23AA-1D21-4822-8346-CA7E14AECDD0}" type="datetime1">
               <a:rPr lang="ru-RU" smtClean="0"/>
               <a:pPr/>
-              <a:t>11.08.2019</a:t>
+              <a:t>17.08.2019</a:t>
             </a:fld>
             <a:endParaRPr lang="en-US"/>
           </a:p>
@@ -24924,7 +24986,7 @@
             <a:fld id="{2D4A23AA-1D21-4822-8346-CA7E14AECDD0}" type="datetime1">
               <a:rPr lang="ru-RU" smtClean="0"/>
               <a:pPr/>
-              <a:t>11.08.2019</a:t>
+              <a:t>17.08.2019</a:t>
             </a:fld>
             <a:endParaRPr lang="en-US"/>
           </a:p>
@@ -25121,7 +25183,7 @@
             <a:fld id="{2D4A23AA-1D21-4822-8346-CA7E14AECDD0}" type="datetime1">
               <a:rPr lang="ru-RU" smtClean="0"/>
               <a:pPr/>
-              <a:t>11.08.2019</a:t>
+              <a:t>17.08.2019</a:t>
             </a:fld>
             <a:endParaRPr lang="en-US"/>
           </a:p>
@@ -25343,7 +25405,7 @@
             <a:fld id="{2D4A23AA-1D21-4822-8346-CA7E14AECDD0}" type="datetime1">
               <a:rPr lang="ru-RU" smtClean="0"/>
               <a:pPr/>
-              <a:t>11.08.2019</a:t>
+              <a:t>17.08.2019</a:t>
             </a:fld>
             <a:endParaRPr lang="en-US"/>
           </a:p>
@@ -25618,7 +25680,7 @@
           <a:p>
             <a:fld id="{2B345FB0-09AD-4AC0-8DC4-6C68B700A600}" type="datetime1">
               <a:rPr lang="ru-RU" smtClean="0"/>
-              <a:t>11.08.2019</a:t>
+              <a:t>17.08.2019</a:t>
             </a:fld>
             <a:endParaRPr lang="en-US"/>
           </a:p>
@@ -25809,7 +25871,7 @@
             <a:fld id="{2D4A23AA-1D21-4822-8346-CA7E14AECDD0}" type="datetime1">
               <a:rPr lang="ru-RU" smtClean="0"/>
               <a:pPr/>
-              <a:t>11.08.2019</a:t>
+              <a:t>17.08.2019</a:t>
             </a:fld>
             <a:endParaRPr lang="en-US"/>
           </a:p>
@@ -26031,7 +26093,7 @@
             <a:fld id="{2D4A23AA-1D21-4822-8346-CA7E14AECDD0}" type="datetime1">
               <a:rPr lang="ru-RU" smtClean="0"/>
               <a:pPr/>
-              <a:t>11.08.2019</a:t>
+              <a:t>17.08.2019</a:t>
             </a:fld>
             <a:endParaRPr lang="en-US"/>
           </a:p>
@@ -26141,6 +26203,228 @@
 </p:sld>
 </file>
 
+<file path=ppt/slides/slide32.xml><?xml version="1.0" encoding="utf-8"?>
+<p:sld xmlns:a="http://schemas.openxmlformats.org/drawingml/2006/main" xmlns:r="http://schemas.openxmlformats.org/officeDocument/2006/relationships" xmlns:p="http://schemas.openxmlformats.org/presentationml/2006/main">
+  <p:cSld>
+    <p:spTree>
+      <p:nvGrpSpPr>
+        <p:cNvPr id="1" name=""/>
+        <p:cNvGrpSpPr/>
+        <p:nvPr/>
+      </p:nvGrpSpPr>
+      <p:grpSpPr>
+        <a:xfrm>
+          <a:off x="0" y="0"/>
+          <a:ext cx="0" cy="0"/>
+          <a:chOff x="0" y="0"/>
+          <a:chExt cx="0" cy="0"/>
+        </a:xfrm>
+      </p:grpSpPr>
+      <p:sp>
+        <p:nvSpPr>
+          <p:cNvPr id="2" name="Заголовок 1">
+            <a:extLst>
+              <a:ext uri="{FF2B5EF4-FFF2-40B4-BE49-F238E27FC236}">
+                <a16:creationId xmlns:a16="http://schemas.microsoft.com/office/drawing/2014/main" id="{5ED3076E-2E51-49BA-B663-2E6FD28DE68E}"/>
+              </a:ext>
+            </a:extLst>
+          </p:cNvPr>
+          <p:cNvSpPr>
+            <a:spLocks noGrp="1"/>
+          </p:cNvSpPr>
+          <p:nvPr>
+            <p:ph type="title"/>
+          </p:nvPr>
+        </p:nvSpPr>
+        <p:spPr/>
+        <p:txBody>
+          <a:bodyPr/>
+          <a:lstStyle/>
+          <a:p>
+            <a:r>
+              <a:rPr lang="ru-RU" dirty="0"/>
+              <a:t>Часть </a:t>
+            </a:r>
+            <a:r>
+              <a:rPr lang="en-US" dirty="0"/>
+              <a:t>17</a:t>
+            </a:r>
+          </a:p>
+        </p:txBody>
+      </p:sp>
+      <p:sp>
+        <p:nvSpPr>
+          <p:cNvPr id="46" name="Объект 45">
+            <a:extLst>
+              <a:ext uri="{FF2B5EF4-FFF2-40B4-BE49-F238E27FC236}">
+                <a16:creationId xmlns:a16="http://schemas.microsoft.com/office/drawing/2014/main" id="{52D0E0D2-6E1E-4C0F-B92A-A811703BEA5E}"/>
+              </a:ext>
+            </a:extLst>
+          </p:cNvPr>
+          <p:cNvSpPr>
+            <a:spLocks noGrp="1"/>
+          </p:cNvSpPr>
+          <p:nvPr>
+            <p:ph idx="1"/>
+          </p:nvPr>
+        </p:nvSpPr>
+        <p:spPr/>
+        <p:txBody>
+          <a:bodyPr>
+            <a:normAutofit/>
+          </a:bodyPr>
+          <a:lstStyle/>
+          <a:p>
+            <a:pPr marL="0" indent="0">
+              <a:buNone/>
+            </a:pPr>
+            <a:r>
+              <a:rPr lang="ru-RU" sz="3200" dirty="0"/>
+              <a:t>Реализация требований	и правил</a:t>
+            </a:r>
+          </a:p>
+          <a:p>
+            <a:pPr marL="742950" indent="-742950">
+              <a:buAutoNum type="arabicPeriod"/>
+            </a:pPr>
+            <a:endParaRPr lang="en-US" sz="3200" dirty="0"/>
+          </a:p>
+        </p:txBody>
+      </p:sp>
+      <p:sp>
+        <p:nvSpPr>
+          <p:cNvPr id="6" name="Дата 5">
+            <a:extLst>
+              <a:ext uri="{FF2B5EF4-FFF2-40B4-BE49-F238E27FC236}">
+                <a16:creationId xmlns:a16="http://schemas.microsoft.com/office/drawing/2014/main" id="{3D389C93-18E8-4B65-9A0C-57EA5FF1262A}"/>
+              </a:ext>
+            </a:extLst>
+          </p:cNvPr>
+          <p:cNvSpPr>
+            <a:spLocks noGrp="1"/>
+          </p:cNvSpPr>
+          <p:nvPr>
+            <p:ph type="dt" sz="half" idx="10"/>
+          </p:nvPr>
+        </p:nvSpPr>
+        <p:spPr/>
+        <p:txBody>
+          <a:bodyPr/>
+          <a:lstStyle/>
+          <a:p>
+            <a:fld id="{2D4A23AA-1D21-4822-8346-CA7E14AECDD0}" type="datetime1">
+              <a:rPr lang="ru-RU" smtClean="0"/>
+              <a:pPr/>
+              <a:t>17.08.2019</a:t>
+            </a:fld>
+            <a:endParaRPr lang="en-US"/>
+          </a:p>
+        </p:txBody>
+      </p:sp>
+      <p:sp>
+        <p:nvSpPr>
+          <p:cNvPr id="7" name="Нижний колонтитул 6">
+            <a:extLst>
+              <a:ext uri="{FF2B5EF4-FFF2-40B4-BE49-F238E27FC236}">
+                <a16:creationId xmlns:a16="http://schemas.microsoft.com/office/drawing/2014/main" id="{FD3B82CA-042F-4A44-8CC3-391A074B55D4}"/>
+              </a:ext>
+            </a:extLst>
+          </p:cNvPr>
+          <p:cNvSpPr>
+            <a:spLocks noGrp="1"/>
+          </p:cNvSpPr>
+          <p:nvPr>
+            <p:ph type="ftr" sz="quarter" idx="11"/>
+          </p:nvPr>
+        </p:nvSpPr>
+        <p:spPr/>
+        <p:txBody>
+          <a:bodyPr/>
+          <a:lstStyle/>
+          <a:p>
+            <a:r>
+              <a:rPr lang="en-US" dirty="0"/>
+              <a:t>www.calabonga.net</a:t>
+            </a:r>
+          </a:p>
+        </p:txBody>
+      </p:sp>
+      <p:sp>
+        <p:nvSpPr>
+          <p:cNvPr id="8" name="Номер слайда 7">
+            <a:extLst>
+              <a:ext uri="{FF2B5EF4-FFF2-40B4-BE49-F238E27FC236}">
+                <a16:creationId xmlns:a16="http://schemas.microsoft.com/office/drawing/2014/main" id="{04E38101-A6CD-43DF-A008-79A5BF5D68AE}"/>
+              </a:ext>
+            </a:extLst>
+          </p:cNvPr>
+          <p:cNvSpPr>
+            <a:spLocks noGrp="1"/>
+          </p:cNvSpPr>
+          <p:nvPr>
+            <p:ph type="sldNum" sz="quarter" idx="12"/>
+          </p:nvPr>
+        </p:nvSpPr>
+        <p:spPr/>
+        <p:txBody>
+          <a:bodyPr/>
+          <a:lstStyle/>
+          <a:p>
+            <a:fld id="{356453D0-7C6D-4FAD-A87B-D4E72CD04107}" type="slidenum">
+              <a:rPr lang="en-US" smtClean="0"/>
+              <a:pPr/>
+              <a:t>32</a:t>
+            </a:fld>
+            <a:endParaRPr lang="en-US"/>
+          </a:p>
+        </p:txBody>
+      </p:sp>
+      <p:pic>
+        <p:nvPicPr>
+          <p:cNvPr id="5" name="Рисунок 4">
+            <a:extLst>
+              <a:ext uri="{FF2B5EF4-FFF2-40B4-BE49-F238E27FC236}">
+                <a16:creationId xmlns:a16="http://schemas.microsoft.com/office/drawing/2014/main" id="{27D29125-8B8D-48C0-BFD6-C3FDCF42F4B8}"/>
+              </a:ext>
+            </a:extLst>
+          </p:cNvPr>
+          <p:cNvPicPr>
+            <a:picLocks noChangeAspect="1"/>
+          </p:cNvPicPr>
+          <p:nvPr/>
+        </p:nvPicPr>
+        <p:blipFill>
+          <a:blip r:embed="rId3"/>
+          <a:stretch>
+            <a:fillRect/>
+          </a:stretch>
+        </p:blipFill>
+        <p:spPr>
+          <a:xfrm>
+            <a:off x="419574" y="2970543"/>
+            <a:ext cx="10062390" cy="1697054"/>
+          </a:xfrm>
+          <a:prstGeom prst="rect">
+            <a:avLst/>
+          </a:prstGeom>
+        </p:spPr>
+      </p:pic>
+    </p:spTree>
+    <p:extLst>
+      <p:ext uri="{BB962C8B-B14F-4D97-AF65-F5344CB8AC3E}">
+        <p14:creationId xmlns:p14="http://schemas.microsoft.com/office/powerpoint/2010/main" val="521535529"/>
+      </p:ext>
+    </p:extLst>
+  </p:cSld>
+  <p:clrMapOvr>
+    <a:masterClrMapping/>
+  </p:clrMapOvr>
+  <p:transition spd="med">
+    <p:pull/>
+  </p:transition>
+</p:sld>
+</file>
+
 <file path=ppt/slides/slide4.xml><?xml version="1.0" encoding="utf-8"?>
 <p:sld xmlns:a="http://schemas.openxmlformats.org/drawingml/2006/main" xmlns:r="http://schemas.openxmlformats.org/officeDocument/2006/relationships" xmlns:p="http://schemas.openxmlformats.org/presentationml/2006/main">
   <p:cSld>
@@ -26265,7 +26549,7 @@
           <a:p>
             <a:fld id="{AA4BE119-AABE-437D-8F94-331A05056B80}" type="datetime1">
               <a:rPr lang="ru-RU" smtClean="0"/>
-              <a:t>11.08.2019</a:t>
+              <a:t>17.08.2019</a:t>
             </a:fld>
             <a:endParaRPr lang="en-US"/>
           </a:p>
@@ -26445,7 +26729,7 @@
           <a:p>
             <a:fld id="{AA4BE119-AABE-437D-8F94-331A05056B80}" type="datetime1">
               <a:rPr lang="ru-RU" smtClean="0"/>
-              <a:t>11.08.2019</a:t>
+              <a:t>17.08.2019</a:t>
             </a:fld>
             <a:endParaRPr lang="en-US"/>
           </a:p>
@@ -27181,7 +27465,7 @@
           <a:p>
             <a:fld id="{2D4A23AA-1D21-4822-8346-CA7E14AECDD0}" type="datetime1">
               <a:rPr lang="ru-RU" smtClean="0"/>
-              <a:t>11.08.2019</a:t>
+              <a:t>17.08.2019</a:t>
             </a:fld>
             <a:endParaRPr lang="en-US"/>
           </a:p>
@@ -27441,7 +27725,7 @@
           <a:p>
             <a:fld id="{2D4A23AA-1D21-4822-8346-CA7E14AECDD0}" type="datetime1">
               <a:rPr lang="ru-RU" smtClean="0"/>
-              <a:t>11.08.2019</a:t>
+              <a:t>17.08.2019</a:t>
             </a:fld>
             <a:endParaRPr lang="en-US"/>
           </a:p>
@@ -29333,7 +29617,7 @@
           <a:p>
             <a:fld id="{2D4A23AA-1D21-4822-8346-CA7E14AECDD0}" type="datetime1">
               <a:rPr lang="ru-RU" smtClean="0"/>
-              <a:t>11.08.2019</a:t>
+              <a:t>17.08.2019</a:t>
             </a:fld>
             <a:endParaRPr lang="en-US"/>
           </a:p>
@@ -29731,7 +30015,7 @@
           <a:p>
             <a:fld id="{2D4A23AA-1D21-4822-8346-CA7E14AECDD0}" type="datetime1">
               <a:rPr lang="ru-RU" smtClean="0"/>
-              <a:t>11.08.2019</a:t>
+              <a:t>17.08.2019</a:t>
             </a:fld>
             <a:endParaRPr lang="en-US"/>
           </a:p>
